--- a/eTeam需求界面1.pptx
+++ b/eTeam需求界面1.pptx
@@ -4464,8 +4464,8 @@
         </p:nvSpPr>
         <p:spPr>
           <a:xfrm>
-            <a:off x="1766570" y="158750"/>
-            <a:ext cx="9204960" cy="6540500"/>
+            <a:off x="723900" y="158750"/>
+            <a:ext cx="4342130" cy="6540500"/>
           </a:xfrm>
           <a:prstGeom prst="rect">
             <a:avLst/>
@@ -4912,7 +4912,7 @@
         </p:nvSpPr>
         <p:spPr>
           <a:xfrm>
-            <a:off x="6095365" y="349250"/>
+            <a:off x="6095365" y="340360"/>
             <a:ext cx="2313940" cy="1383665"/>
           </a:xfrm>
           <a:prstGeom prst="rect">

--- a/eTeam需求界面1.pptx
+++ b/eTeam需求界面1.pptx
@@ -6,7 +6,8 @@
   </p:sldMasterIdLst>
   <p:sldIdLst>
     <p:sldId id="409" r:id="rId3"/>
-    <p:sldId id="410" r:id="rId4"/>
+    <p:sldId id="411" r:id="rId4"/>
+    <p:sldId id="410" r:id="rId5"/>
   </p:sldIdLst>
   <p:sldSz cx="12192000" cy="6858000"/>
   <p:notesSz cx="6858000" cy="9144000"/>
@@ -4464,8 +4465,1867 @@
         </p:nvSpPr>
         <p:spPr>
           <a:xfrm>
-            <a:off x="1766570" y="158750"/>
-            <a:ext cx="9204960" cy="6540500"/>
+            <a:off x="224155" y="368300"/>
+            <a:ext cx="11555730" cy="6331585"/>
+          </a:xfrm>
+          <a:prstGeom prst="rect">
+            <a:avLst/>
+          </a:prstGeom>
+          <a:solidFill>
+            <a:srgbClr val="000000">
+              <a:alpha val="0"/>
+            </a:srgbClr>
+          </a:solidFill>
+          <a:ln w="19050"/>
+          <a:extLst>
+            <a:ext uri="{909E8E84-426E-40DD-AFC4-6F175D3DCCD1}">
+              <a14:hiddenFill xmlns:a14="http://schemas.microsoft.com/office/drawing/2010/main">
+                <a:solidFill>
+                  <a:schemeClr val="accent1"/>
+                </a:solidFill>
+              </a14:hiddenFill>
+            </a:ext>
+          </a:extLst>
+        </p:spPr>
+        <p:style>
+          <a:lnRef idx="1">
+            <a:schemeClr val="accent1"/>
+          </a:lnRef>
+          <a:fillRef idx="2">
+            <a:schemeClr val="accent1"/>
+          </a:fillRef>
+          <a:effectRef idx="1">
+            <a:schemeClr val="accent1"/>
+          </a:effectRef>
+          <a:fontRef idx="minor">
+            <a:schemeClr val="dk1"/>
+          </a:fontRef>
+        </p:style>
+        <p:txBody>
+          <a:bodyPr rtlCol="0" anchor="ctr"/>
+          <a:p>
+            <a:pPr algn="ctr"/>
+            <a:endParaRPr lang="zh-CN" altLang="en-US"/>
+          </a:p>
+        </p:txBody>
+      </p:sp>
+      <p:sp>
+        <p:nvSpPr>
+          <p:cNvPr id="4" name="文本框 3"/>
+          <p:cNvSpPr txBox="1"/>
+          <p:nvPr/>
+        </p:nvSpPr>
+        <p:spPr>
+          <a:xfrm>
+            <a:off x="0" y="0"/>
+            <a:ext cx="1554480" cy="368300"/>
+          </a:xfrm>
+          <a:prstGeom prst="rect">
+            <a:avLst/>
+          </a:prstGeom>
+          <a:noFill/>
+        </p:spPr>
+        <p:txBody>
+          <a:bodyPr wrap="none" rtlCol="0">
+            <a:spAutoFit/>
+          </a:bodyPr>
+          <a:p>
+            <a:r>
+              <a:rPr lang="zh-CN" altLang="en-US"/>
+              <a:t>创建考试路线</a:t>
+            </a:r>
+            <a:endParaRPr lang="zh-CN" altLang="en-US"/>
+          </a:p>
+        </p:txBody>
+      </p:sp>
+      <p:sp>
+        <p:nvSpPr>
+          <p:cNvPr id="5" name="矩形 4"/>
+          <p:cNvSpPr/>
+          <p:nvPr/>
+        </p:nvSpPr>
+        <p:spPr>
+          <a:xfrm>
+            <a:off x="2135505" y="886460"/>
+            <a:ext cx="7360285" cy="468630"/>
+          </a:xfrm>
+          <a:prstGeom prst="rect">
+            <a:avLst/>
+          </a:prstGeom>
+          <a:noFill/>
+          <a:extLst>
+            <a:ext uri="{909E8E84-426E-40DD-AFC4-6F175D3DCCD1}">
+              <a14:hiddenFill xmlns:a14="http://schemas.microsoft.com/office/drawing/2010/main">
+                <a:solidFill>
+                  <a:schemeClr val="accent1"/>
+                </a:solidFill>
+              </a14:hiddenFill>
+            </a:ext>
+          </a:extLst>
+        </p:spPr>
+        <p:style>
+          <a:lnRef idx="2">
+            <a:schemeClr val="accent1">
+              <a:shade val="50000"/>
+            </a:schemeClr>
+          </a:lnRef>
+          <a:fillRef idx="1">
+            <a:schemeClr val="accent1"/>
+          </a:fillRef>
+          <a:effectRef idx="0">
+            <a:schemeClr val="accent1"/>
+          </a:effectRef>
+          <a:fontRef idx="minor">
+            <a:schemeClr val="lt1"/>
+          </a:fontRef>
+        </p:style>
+        <p:txBody>
+          <a:bodyPr rtlCol="0" anchor="ctr"/>
+          <a:p>
+            <a:pPr algn="ctr"/>
+            <a:r>
+              <a:rPr lang="zh-CN" altLang="en-US">
+                <a:solidFill>
+                  <a:schemeClr val="tx1"/>
+                </a:solidFill>
+              </a:rPr>
+              <a:t>考试名称</a:t>
+            </a:r>
+            <a:endParaRPr lang="zh-CN" altLang="en-US">
+              <a:solidFill>
+                <a:schemeClr val="tx1"/>
+              </a:solidFill>
+            </a:endParaRPr>
+          </a:p>
+        </p:txBody>
+      </p:sp>
+      <p:sp>
+        <p:nvSpPr>
+          <p:cNvPr id="11" name="矩形 10"/>
+          <p:cNvSpPr/>
+          <p:nvPr/>
+        </p:nvSpPr>
+        <p:spPr>
+          <a:xfrm>
+            <a:off x="2134870" y="3117215"/>
+            <a:ext cx="3621405" cy="468630"/>
+          </a:xfrm>
+          <a:prstGeom prst="rect">
+            <a:avLst/>
+          </a:prstGeom>
+          <a:noFill/>
+          <a:extLst>
+            <a:ext uri="{909E8E84-426E-40DD-AFC4-6F175D3DCCD1}">
+              <a14:hiddenFill xmlns:a14="http://schemas.microsoft.com/office/drawing/2010/main">
+                <a:solidFill>
+                  <a:schemeClr val="accent1"/>
+                </a:solidFill>
+              </a14:hiddenFill>
+            </a:ext>
+          </a:extLst>
+        </p:spPr>
+        <p:style>
+          <a:lnRef idx="2">
+            <a:schemeClr val="accent1">
+              <a:shade val="50000"/>
+            </a:schemeClr>
+          </a:lnRef>
+          <a:fillRef idx="1">
+            <a:schemeClr val="accent1"/>
+          </a:fillRef>
+          <a:effectRef idx="0">
+            <a:schemeClr val="accent1"/>
+          </a:effectRef>
+          <a:fontRef idx="minor">
+            <a:schemeClr val="lt1"/>
+          </a:fontRef>
+        </p:style>
+        <p:txBody>
+          <a:bodyPr rtlCol="0" anchor="ctr"/>
+          <a:p>
+            <a:pPr algn="ctr"/>
+            <a:r>
+              <a:rPr lang="zh-CN" altLang="en-US">
+                <a:solidFill>
+                  <a:schemeClr val="tx1"/>
+                </a:solidFill>
+              </a:rPr>
+              <a:t>考点名称</a:t>
+            </a:r>
+            <a:endParaRPr lang="zh-CN" altLang="en-US">
+              <a:solidFill>
+                <a:schemeClr val="tx1"/>
+              </a:solidFill>
+            </a:endParaRPr>
+          </a:p>
+        </p:txBody>
+      </p:sp>
+      <p:sp>
+        <p:nvSpPr>
+          <p:cNvPr id="12" name="矩形 11"/>
+          <p:cNvSpPr/>
+          <p:nvPr/>
+        </p:nvSpPr>
+        <p:spPr>
+          <a:xfrm>
+            <a:off x="5911215" y="3117215"/>
+            <a:ext cx="3583940" cy="468630"/>
+          </a:xfrm>
+          <a:prstGeom prst="rect">
+            <a:avLst/>
+          </a:prstGeom>
+          <a:noFill/>
+          <a:extLst>
+            <a:ext uri="{909E8E84-426E-40DD-AFC4-6F175D3DCCD1}">
+              <a14:hiddenFill xmlns:a14="http://schemas.microsoft.com/office/drawing/2010/main">
+                <a:solidFill>
+                  <a:schemeClr val="accent1"/>
+                </a:solidFill>
+              </a14:hiddenFill>
+            </a:ext>
+          </a:extLst>
+        </p:spPr>
+        <p:style>
+          <a:lnRef idx="2">
+            <a:schemeClr val="accent1">
+              <a:shade val="50000"/>
+            </a:schemeClr>
+          </a:lnRef>
+          <a:fillRef idx="1">
+            <a:schemeClr val="accent1"/>
+          </a:fillRef>
+          <a:effectRef idx="0">
+            <a:schemeClr val="accent1"/>
+          </a:effectRef>
+          <a:fontRef idx="minor">
+            <a:schemeClr val="lt1"/>
+          </a:fontRef>
+        </p:style>
+        <p:txBody>
+          <a:bodyPr rtlCol="0" anchor="ctr"/>
+          <a:p>
+            <a:pPr algn="ctr"/>
+            <a:r>
+              <a:rPr lang="zh-CN" altLang="en-US">
+                <a:solidFill>
+                  <a:schemeClr val="tx1"/>
+                </a:solidFill>
+              </a:rPr>
+              <a:t>考点位置（经纬度）</a:t>
+            </a:r>
+            <a:endParaRPr lang="en-US" altLang="zh-CN">
+              <a:solidFill>
+                <a:schemeClr val="tx1"/>
+              </a:solidFill>
+            </a:endParaRPr>
+          </a:p>
+        </p:txBody>
+      </p:sp>
+      <p:sp>
+        <p:nvSpPr>
+          <p:cNvPr id="13" name="矩形 12"/>
+          <p:cNvSpPr/>
+          <p:nvPr/>
+        </p:nvSpPr>
+        <p:spPr>
+          <a:xfrm>
+            <a:off x="2135505" y="2025650"/>
+            <a:ext cx="7360285" cy="468630"/>
+          </a:xfrm>
+          <a:prstGeom prst="rect">
+            <a:avLst/>
+          </a:prstGeom>
+          <a:noFill/>
+          <a:extLst>
+            <a:ext uri="{909E8E84-426E-40DD-AFC4-6F175D3DCCD1}">
+              <a14:hiddenFill xmlns:a14="http://schemas.microsoft.com/office/drawing/2010/main">
+                <a:solidFill>
+                  <a:schemeClr val="accent1"/>
+                </a:solidFill>
+              </a14:hiddenFill>
+            </a:ext>
+          </a:extLst>
+        </p:spPr>
+        <p:style>
+          <a:lnRef idx="2">
+            <a:schemeClr val="accent1">
+              <a:shade val="50000"/>
+            </a:schemeClr>
+          </a:lnRef>
+          <a:fillRef idx="1">
+            <a:schemeClr val="accent1"/>
+          </a:fillRef>
+          <a:effectRef idx="0">
+            <a:schemeClr val="accent1"/>
+          </a:effectRef>
+          <a:fontRef idx="minor">
+            <a:schemeClr val="lt1"/>
+          </a:fontRef>
+        </p:style>
+        <p:txBody>
+          <a:bodyPr rtlCol="0" anchor="ctr"/>
+          <a:p>
+            <a:pPr algn="ctr"/>
+            <a:r>
+              <a:rPr lang="zh-CN" altLang="en-US">
+                <a:solidFill>
+                  <a:schemeClr val="tx1"/>
+                </a:solidFill>
+              </a:rPr>
+              <a:t>考试网站链接</a:t>
+            </a:r>
+            <a:endParaRPr lang="zh-CN" altLang="en-US">
+              <a:solidFill>
+                <a:schemeClr val="tx1"/>
+              </a:solidFill>
+            </a:endParaRPr>
+          </a:p>
+        </p:txBody>
+      </p:sp>
+      <p:sp>
+        <p:nvSpPr>
+          <p:cNvPr id="14" name="矩形 13"/>
+          <p:cNvSpPr/>
+          <p:nvPr/>
+        </p:nvSpPr>
+        <p:spPr>
+          <a:xfrm>
+            <a:off x="2135505" y="2550160"/>
+            <a:ext cx="7360285" cy="468630"/>
+          </a:xfrm>
+          <a:prstGeom prst="rect">
+            <a:avLst/>
+          </a:prstGeom>
+          <a:noFill/>
+          <a:extLst>
+            <a:ext uri="{909E8E84-426E-40DD-AFC4-6F175D3DCCD1}">
+              <a14:hiddenFill xmlns:a14="http://schemas.microsoft.com/office/drawing/2010/main">
+                <a:solidFill>
+                  <a:schemeClr val="accent1"/>
+                </a:solidFill>
+              </a14:hiddenFill>
+            </a:ext>
+          </a:extLst>
+        </p:spPr>
+        <p:style>
+          <a:lnRef idx="2">
+            <a:schemeClr val="accent1">
+              <a:shade val="50000"/>
+            </a:schemeClr>
+          </a:lnRef>
+          <a:fillRef idx="1">
+            <a:schemeClr val="accent1"/>
+          </a:fillRef>
+          <a:effectRef idx="0">
+            <a:schemeClr val="accent1"/>
+          </a:effectRef>
+          <a:fontRef idx="minor">
+            <a:schemeClr val="lt1"/>
+          </a:fontRef>
+        </p:style>
+        <p:txBody>
+          <a:bodyPr rtlCol="0" anchor="ctr"/>
+          <a:p>
+            <a:pPr algn="ctr"/>
+            <a:r>
+              <a:rPr lang="zh-CN" altLang="en-US">
+                <a:solidFill>
+                  <a:schemeClr val="tx1"/>
+                </a:solidFill>
+              </a:rPr>
+              <a:t>考试说明</a:t>
+            </a:r>
+            <a:endParaRPr lang="en-US" altLang="zh-CN">
+              <a:solidFill>
+                <a:schemeClr val="tx1"/>
+              </a:solidFill>
+            </a:endParaRPr>
+          </a:p>
+        </p:txBody>
+      </p:sp>
+      <p:sp>
+        <p:nvSpPr>
+          <p:cNvPr id="15" name="矩形 14"/>
+          <p:cNvSpPr/>
+          <p:nvPr/>
+        </p:nvSpPr>
+        <p:spPr>
+          <a:xfrm>
+            <a:off x="2135505" y="1456055"/>
+            <a:ext cx="7360285" cy="468630"/>
+          </a:xfrm>
+          <a:prstGeom prst="rect">
+            <a:avLst/>
+          </a:prstGeom>
+          <a:noFill/>
+          <a:extLst>
+            <a:ext uri="{909E8E84-426E-40DD-AFC4-6F175D3DCCD1}">
+              <a14:hiddenFill xmlns:a14="http://schemas.microsoft.com/office/drawing/2010/main">
+                <a:solidFill>
+                  <a:schemeClr val="accent1"/>
+                </a:solidFill>
+              </a14:hiddenFill>
+            </a:ext>
+          </a:extLst>
+        </p:spPr>
+        <p:style>
+          <a:lnRef idx="2">
+            <a:schemeClr val="accent1">
+              <a:shade val="50000"/>
+            </a:schemeClr>
+          </a:lnRef>
+          <a:fillRef idx="1">
+            <a:schemeClr val="accent1"/>
+          </a:fillRef>
+          <a:effectRef idx="0">
+            <a:schemeClr val="accent1"/>
+          </a:effectRef>
+          <a:fontRef idx="minor">
+            <a:schemeClr val="lt1"/>
+          </a:fontRef>
+        </p:style>
+        <p:txBody>
+          <a:bodyPr rtlCol="0" anchor="ctr"/>
+          <a:p>
+            <a:pPr algn="ctr"/>
+            <a:r>
+              <a:rPr lang="zh-CN" altLang="en-US">
+                <a:solidFill>
+                  <a:schemeClr val="tx1"/>
+                </a:solidFill>
+              </a:rPr>
+              <a:t>考试时间</a:t>
+            </a:r>
+            <a:endParaRPr lang="zh-CN" altLang="en-US">
+              <a:solidFill>
+                <a:schemeClr val="tx1"/>
+              </a:solidFill>
+            </a:endParaRPr>
+          </a:p>
+        </p:txBody>
+      </p:sp>
+      <p:sp>
+        <p:nvSpPr>
+          <p:cNvPr id="16" name="流程图: 或者 15"/>
+          <p:cNvSpPr/>
+          <p:nvPr/>
+        </p:nvSpPr>
+        <p:spPr>
+          <a:xfrm>
+            <a:off x="9685020" y="1504950"/>
+            <a:ext cx="462915" cy="419735"/>
+          </a:xfrm>
+          <a:prstGeom prst="flowChartOr">
+            <a:avLst/>
+          </a:prstGeom>
+          <a:noFill/>
+          <a:extLst>
+            <a:ext uri="{909E8E84-426E-40DD-AFC4-6F175D3DCCD1}">
+              <a14:hiddenFill xmlns:a14="http://schemas.microsoft.com/office/drawing/2010/main">
+                <a:solidFill>
+                  <a:schemeClr val="accent1"/>
+                </a:solidFill>
+              </a14:hiddenFill>
+            </a:ext>
+          </a:extLst>
+        </p:spPr>
+        <p:style>
+          <a:lnRef idx="2">
+            <a:schemeClr val="accent1">
+              <a:shade val="50000"/>
+            </a:schemeClr>
+          </a:lnRef>
+          <a:fillRef idx="1">
+            <a:schemeClr val="accent1"/>
+          </a:fillRef>
+          <a:effectRef idx="0">
+            <a:schemeClr val="accent1"/>
+          </a:effectRef>
+          <a:fontRef idx="minor">
+            <a:schemeClr val="lt1"/>
+          </a:fontRef>
+        </p:style>
+        <p:txBody>
+          <a:bodyPr rtlCol="0" anchor="ctr"/>
+          <a:p>
+            <a:pPr algn="ctr"/>
+            <a:endParaRPr lang="zh-CN" altLang="en-US"/>
+          </a:p>
+        </p:txBody>
+      </p:sp>
+      <p:sp>
+        <p:nvSpPr>
+          <p:cNvPr id="18" name="文本框 17"/>
+          <p:cNvSpPr txBox="1"/>
+          <p:nvPr/>
+        </p:nvSpPr>
+        <p:spPr>
+          <a:xfrm>
+            <a:off x="224155" y="3117215"/>
+            <a:ext cx="1917065" cy="645160"/>
+          </a:xfrm>
+          <a:prstGeom prst="rect">
+            <a:avLst/>
+          </a:prstGeom>
+          <a:noFill/>
+        </p:spPr>
+        <p:txBody>
+          <a:bodyPr wrap="square" rtlCol="0">
+            <a:spAutoFit/>
+          </a:bodyPr>
+          <a:p>
+            <a:r>
+              <a:rPr lang="zh-CN" altLang="en-US">
+                <a:solidFill>
+                  <a:srgbClr val="FF0000"/>
+                </a:solidFill>
+              </a:rPr>
+              <a:t>或从地图选点，具体看实现难度</a:t>
+            </a:r>
+            <a:endParaRPr lang="zh-CN" altLang="en-US">
+              <a:solidFill>
+                <a:srgbClr val="FF0000"/>
+              </a:solidFill>
+            </a:endParaRPr>
+          </a:p>
+        </p:txBody>
+      </p:sp>
+      <p:sp>
+        <p:nvSpPr>
+          <p:cNvPr id="20" name="流程图: 或者 19"/>
+          <p:cNvSpPr/>
+          <p:nvPr/>
+        </p:nvSpPr>
+        <p:spPr>
+          <a:xfrm>
+            <a:off x="9685655" y="3141980"/>
+            <a:ext cx="462915" cy="419735"/>
+          </a:xfrm>
+          <a:prstGeom prst="flowChartOr">
+            <a:avLst/>
+          </a:prstGeom>
+          <a:noFill/>
+          <a:extLst>
+            <a:ext uri="{909E8E84-426E-40DD-AFC4-6F175D3DCCD1}">
+              <a14:hiddenFill xmlns:a14="http://schemas.microsoft.com/office/drawing/2010/main">
+                <a:solidFill>
+                  <a:schemeClr val="accent1"/>
+                </a:solidFill>
+              </a14:hiddenFill>
+            </a:ext>
+          </a:extLst>
+        </p:spPr>
+        <p:style>
+          <a:lnRef idx="2">
+            <a:schemeClr val="accent1">
+              <a:shade val="50000"/>
+            </a:schemeClr>
+          </a:lnRef>
+          <a:fillRef idx="1">
+            <a:schemeClr val="accent1"/>
+          </a:fillRef>
+          <a:effectRef idx="0">
+            <a:schemeClr val="accent1"/>
+          </a:effectRef>
+          <a:fontRef idx="minor">
+            <a:schemeClr val="lt1"/>
+          </a:fontRef>
+        </p:style>
+        <p:txBody>
+          <a:bodyPr rtlCol="0" anchor="ctr"/>
+          <a:p>
+            <a:pPr algn="ctr"/>
+            <a:endParaRPr lang="zh-CN" altLang="en-US"/>
+          </a:p>
+        </p:txBody>
+      </p:sp>
+      <p:cxnSp>
+        <p:nvCxnSpPr>
+          <p:cNvPr id="21" name="直接箭头连接符 20"/>
+          <p:cNvCxnSpPr>
+            <a:stCxn id="22" idx="1"/>
+            <a:endCxn id="16" idx="5"/>
+          </p:cNvCxnSpPr>
+          <p:nvPr/>
+        </p:nvCxnSpPr>
+        <p:spPr>
+          <a:xfrm flipH="1" flipV="1">
+            <a:off x="10079990" y="1863090"/>
+            <a:ext cx="283210" cy="675640"/>
+          </a:xfrm>
+          <a:prstGeom prst="straightConnector1">
+            <a:avLst/>
+          </a:prstGeom>
+          <a:ln>
+            <a:solidFill>
+              <a:srgbClr val="FF0000"/>
+            </a:solidFill>
+            <a:tailEnd type="arrow"/>
+          </a:ln>
+        </p:spPr>
+        <p:style>
+          <a:lnRef idx="1">
+            <a:schemeClr val="accent1"/>
+          </a:lnRef>
+          <a:fillRef idx="0">
+            <a:schemeClr val="accent1"/>
+          </a:fillRef>
+          <a:effectRef idx="0">
+            <a:schemeClr val="accent1"/>
+          </a:effectRef>
+          <a:fontRef idx="minor">
+            <a:schemeClr val="tx1"/>
+          </a:fontRef>
+        </p:style>
+      </p:cxnSp>
+      <p:sp>
+        <p:nvSpPr>
+          <p:cNvPr id="22" name="矩形 21"/>
+          <p:cNvSpPr/>
+          <p:nvPr/>
+        </p:nvSpPr>
+        <p:spPr>
+          <a:xfrm>
+            <a:off x="10363200" y="2334260"/>
+            <a:ext cx="1210945" cy="408940"/>
+          </a:xfrm>
+          <a:prstGeom prst="rect">
+            <a:avLst/>
+          </a:prstGeom>
+          <a:noFill/>
+          <a:ln>
+            <a:solidFill>
+              <a:srgbClr val="FF0000"/>
+            </a:solidFill>
+          </a:ln>
+          <a:extLst>
+            <a:ext uri="{909E8E84-426E-40DD-AFC4-6F175D3DCCD1}">
+              <a14:hiddenFill xmlns:a14="http://schemas.microsoft.com/office/drawing/2010/main">
+                <a:solidFill>
+                  <a:schemeClr val="accent1"/>
+                </a:solidFill>
+              </a14:hiddenFill>
+            </a:ext>
+          </a:extLst>
+        </p:spPr>
+        <p:style>
+          <a:lnRef idx="2">
+            <a:schemeClr val="accent1">
+              <a:shade val="50000"/>
+            </a:schemeClr>
+          </a:lnRef>
+          <a:fillRef idx="1">
+            <a:schemeClr val="accent1"/>
+          </a:fillRef>
+          <a:effectRef idx="0">
+            <a:schemeClr val="accent1"/>
+          </a:effectRef>
+          <a:fontRef idx="minor">
+            <a:schemeClr val="lt1"/>
+          </a:fontRef>
+        </p:style>
+        <p:txBody>
+          <a:bodyPr rtlCol="0" anchor="ctr"/>
+          <a:p>
+            <a:pPr algn="ctr"/>
+            <a:r>
+              <a:rPr lang="zh-CN" altLang="en-US">
+                <a:solidFill>
+                  <a:srgbClr val="FF0000"/>
+                </a:solidFill>
+              </a:rPr>
+              <a:t>可添加</a:t>
+            </a:r>
+            <a:endParaRPr lang="zh-CN" altLang="en-US">
+              <a:solidFill>
+                <a:srgbClr val="FF0000"/>
+              </a:solidFill>
+            </a:endParaRPr>
+          </a:p>
+        </p:txBody>
+      </p:sp>
+      <p:cxnSp>
+        <p:nvCxnSpPr>
+          <p:cNvPr id="23" name="直接箭头连接符 22"/>
+          <p:cNvCxnSpPr>
+            <a:stCxn id="22" idx="1"/>
+            <a:endCxn id="20" idx="7"/>
+          </p:cNvCxnSpPr>
+          <p:nvPr/>
+        </p:nvCxnSpPr>
+        <p:spPr>
+          <a:xfrm flipH="1">
+            <a:off x="10080625" y="2538730"/>
+            <a:ext cx="282575" cy="664845"/>
+          </a:xfrm>
+          <a:prstGeom prst="straightConnector1">
+            <a:avLst/>
+          </a:prstGeom>
+          <a:ln>
+            <a:solidFill>
+              <a:srgbClr val="FF0000"/>
+            </a:solidFill>
+            <a:tailEnd type="arrow"/>
+          </a:ln>
+        </p:spPr>
+        <p:style>
+          <a:lnRef idx="1">
+            <a:schemeClr val="accent1"/>
+          </a:lnRef>
+          <a:fillRef idx="0">
+            <a:schemeClr val="accent1"/>
+          </a:fillRef>
+          <a:effectRef idx="0">
+            <a:schemeClr val="accent1"/>
+          </a:effectRef>
+          <a:fontRef idx="minor">
+            <a:schemeClr val="tx1"/>
+          </a:fontRef>
+        </p:style>
+      </p:cxnSp>
+      <p:sp>
+        <p:nvSpPr>
+          <p:cNvPr id="25" name="矩形 24"/>
+          <p:cNvSpPr/>
+          <p:nvPr/>
+        </p:nvSpPr>
+        <p:spPr>
+          <a:xfrm>
+            <a:off x="2135505" y="3664585"/>
+            <a:ext cx="1880235" cy="468630"/>
+          </a:xfrm>
+          <a:prstGeom prst="rect">
+            <a:avLst/>
+          </a:prstGeom>
+          <a:noFill/>
+          <a:extLst>
+            <a:ext uri="{909E8E84-426E-40DD-AFC4-6F175D3DCCD1}">
+              <a14:hiddenFill xmlns:a14="http://schemas.microsoft.com/office/drawing/2010/main">
+                <a:solidFill>
+                  <a:schemeClr val="accent1"/>
+                </a:solidFill>
+              </a14:hiddenFill>
+            </a:ext>
+          </a:extLst>
+        </p:spPr>
+        <p:style>
+          <a:lnRef idx="2">
+            <a:schemeClr val="accent1">
+              <a:shade val="50000"/>
+            </a:schemeClr>
+          </a:lnRef>
+          <a:fillRef idx="1">
+            <a:schemeClr val="accent1"/>
+          </a:fillRef>
+          <a:effectRef idx="0">
+            <a:schemeClr val="accent1"/>
+          </a:effectRef>
+          <a:fontRef idx="minor">
+            <a:schemeClr val="lt1"/>
+          </a:fontRef>
+        </p:style>
+        <p:txBody>
+          <a:bodyPr rtlCol="0" anchor="ctr"/>
+          <a:p>
+            <a:pPr algn="ctr"/>
+            <a:r>
+              <a:rPr lang="zh-CN" altLang="en-US">
+                <a:solidFill>
+                  <a:schemeClr val="tx1"/>
+                </a:solidFill>
+              </a:rPr>
+              <a:t>出发点名称</a:t>
+            </a:r>
+            <a:endParaRPr lang="zh-CN" altLang="en-US">
+              <a:solidFill>
+                <a:schemeClr val="tx1"/>
+              </a:solidFill>
+            </a:endParaRPr>
+          </a:p>
+        </p:txBody>
+      </p:sp>
+      <p:sp>
+        <p:nvSpPr>
+          <p:cNvPr id="26" name="矩形 25"/>
+          <p:cNvSpPr/>
+          <p:nvPr/>
+        </p:nvSpPr>
+        <p:spPr>
+          <a:xfrm>
+            <a:off x="4105910" y="3664585"/>
+            <a:ext cx="2659380" cy="468630"/>
+          </a:xfrm>
+          <a:prstGeom prst="rect">
+            <a:avLst/>
+          </a:prstGeom>
+          <a:noFill/>
+          <a:extLst>
+            <a:ext uri="{909E8E84-426E-40DD-AFC4-6F175D3DCCD1}">
+              <a14:hiddenFill xmlns:a14="http://schemas.microsoft.com/office/drawing/2010/main">
+                <a:solidFill>
+                  <a:schemeClr val="accent1"/>
+                </a:solidFill>
+              </a14:hiddenFill>
+            </a:ext>
+          </a:extLst>
+        </p:spPr>
+        <p:style>
+          <a:lnRef idx="2">
+            <a:schemeClr val="accent1">
+              <a:shade val="50000"/>
+            </a:schemeClr>
+          </a:lnRef>
+          <a:fillRef idx="1">
+            <a:schemeClr val="accent1"/>
+          </a:fillRef>
+          <a:effectRef idx="0">
+            <a:schemeClr val="accent1"/>
+          </a:effectRef>
+          <a:fontRef idx="minor">
+            <a:schemeClr val="lt1"/>
+          </a:fontRef>
+        </p:style>
+        <p:txBody>
+          <a:bodyPr rtlCol="0" anchor="ctr"/>
+          <a:p>
+            <a:pPr algn="ctr"/>
+            <a:r>
+              <a:rPr lang="zh-CN" altLang="en-US">
+                <a:solidFill>
+                  <a:schemeClr val="tx1"/>
+                </a:solidFill>
+              </a:rPr>
+              <a:t>出发点位置（经纬度）</a:t>
+            </a:r>
+            <a:endParaRPr lang="en-US" altLang="zh-CN">
+              <a:solidFill>
+                <a:schemeClr val="tx1"/>
+              </a:solidFill>
+            </a:endParaRPr>
+          </a:p>
+        </p:txBody>
+      </p:sp>
+      <p:sp>
+        <p:nvSpPr>
+          <p:cNvPr id="27" name="流程图: 或者 26"/>
+          <p:cNvSpPr/>
+          <p:nvPr/>
+        </p:nvSpPr>
+        <p:spPr>
+          <a:xfrm>
+            <a:off x="9685655" y="3689350"/>
+            <a:ext cx="462915" cy="419735"/>
+          </a:xfrm>
+          <a:prstGeom prst="flowChartOr">
+            <a:avLst/>
+          </a:prstGeom>
+          <a:noFill/>
+          <a:extLst>
+            <a:ext uri="{909E8E84-426E-40DD-AFC4-6F175D3DCCD1}">
+              <a14:hiddenFill xmlns:a14="http://schemas.microsoft.com/office/drawing/2010/main">
+                <a:solidFill>
+                  <a:schemeClr val="accent1"/>
+                </a:solidFill>
+              </a14:hiddenFill>
+            </a:ext>
+          </a:extLst>
+        </p:spPr>
+        <p:style>
+          <a:lnRef idx="2">
+            <a:schemeClr val="accent1">
+              <a:shade val="50000"/>
+            </a:schemeClr>
+          </a:lnRef>
+          <a:fillRef idx="1">
+            <a:schemeClr val="accent1"/>
+          </a:fillRef>
+          <a:effectRef idx="0">
+            <a:schemeClr val="accent1"/>
+          </a:effectRef>
+          <a:fontRef idx="minor">
+            <a:schemeClr val="lt1"/>
+          </a:fontRef>
+        </p:style>
+        <p:txBody>
+          <a:bodyPr rtlCol="0" anchor="ctr"/>
+          <a:p>
+            <a:pPr algn="ctr"/>
+            <a:endParaRPr lang="zh-CN" altLang="en-US"/>
+          </a:p>
+        </p:txBody>
+      </p:sp>
+      <p:sp>
+        <p:nvSpPr>
+          <p:cNvPr id="28" name="矩形 27"/>
+          <p:cNvSpPr/>
+          <p:nvPr/>
+        </p:nvSpPr>
+        <p:spPr>
+          <a:xfrm>
+            <a:off x="6877050" y="3664585"/>
+            <a:ext cx="2618740" cy="468630"/>
+          </a:xfrm>
+          <a:prstGeom prst="rect">
+            <a:avLst/>
+          </a:prstGeom>
+          <a:noFill/>
+          <a:extLst>
+            <a:ext uri="{909E8E84-426E-40DD-AFC4-6F175D3DCCD1}">
+              <a14:hiddenFill xmlns:a14="http://schemas.microsoft.com/office/drawing/2010/main">
+                <a:solidFill>
+                  <a:schemeClr val="accent1"/>
+                </a:solidFill>
+              </a14:hiddenFill>
+            </a:ext>
+          </a:extLst>
+        </p:spPr>
+        <p:style>
+          <a:lnRef idx="2">
+            <a:schemeClr val="accent1">
+              <a:shade val="50000"/>
+            </a:schemeClr>
+          </a:lnRef>
+          <a:fillRef idx="1">
+            <a:schemeClr val="accent1"/>
+          </a:fillRef>
+          <a:effectRef idx="0">
+            <a:schemeClr val="accent1"/>
+          </a:effectRef>
+          <a:fontRef idx="minor">
+            <a:schemeClr val="lt1"/>
+          </a:fontRef>
+        </p:style>
+        <p:txBody>
+          <a:bodyPr rtlCol="0" anchor="ctr"/>
+          <a:p>
+            <a:pPr algn="ctr"/>
+            <a:r>
+              <a:rPr lang="zh-CN" altLang="en-US">
+                <a:solidFill>
+                  <a:schemeClr val="tx1"/>
+                </a:solidFill>
+              </a:rPr>
+              <a:t>出发点上车时间</a:t>
+            </a:r>
+            <a:endParaRPr lang="zh-CN" altLang="en-US">
+              <a:solidFill>
+                <a:schemeClr val="tx1"/>
+              </a:solidFill>
+            </a:endParaRPr>
+          </a:p>
+        </p:txBody>
+      </p:sp>
+      <p:sp>
+        <p:nvSpPr>
+          <p:cNvPr id="30" name="流程图: 或者 29"/>
+          <p:cNvSpPr/>
+          <p:nvPr/>
+        </p:nvSpPr>
+        <p:spPr>
+          <a:xfrm>
+            <a:off x="9685655" y="4204970"/>
+            <a:ext cx="462915" cy="419735"/>
+          </a:xfrm>
+          <a:prstGeom prst="flowChartOr">
+            <a:avLst/>
+          </a:prstGeom>
+          <a:noFill/>
+          <a:extLst>
+            <a:ext uri="{909E8E84-426E-40DD-AFC4-6F175D3DCCD1}">
+              <a14:hiddenFill xmlns:a14="http://schemas.microsoft.com/office/drawing/2010/main">
+                <a:solidFill>
+                  <a:schemeClr val="accent1"/>
+                </a:solidFill>
+              </a14:hiddenFill>
+            </a:ext>
+          </a:extLst>
+        </p:spPr>
+        <p:style>
+          <a:lnRef idx="2">
+            <a:schemeClr val="accent1">
+              <a:shade val="50000"/>
+            </a:schemeClr>
+          </a:lnRef>
+          <a:fillRef idx="1">
+            <a:schemeClr val="accent1"/>
+          </a:fillRef>
+          <a:effectRef idx="0">
+            <a:schemeClr val="accent1"/>
+          </a:effectRef>
+          <a:fontRef idx="minor">
+            <a:schemeClr val="lt1"/>
+          </a:fontRef>
+        </p:style>
+        <p:txBody>
+          <a:bodyPr rtlCol="0" anchor="ctr"/>
+          <a:p>
+            <a:pPr algn="ctr"/>
+            <a:endParaRPr lang="zh-CN" altLang="en-US"/>
+          </a:p>
+        </p:txBody>
+      </p:sp>
+      <p:sp>
+        <p:nvSpPr>
+          <p:cNvPr id="31" name="矩形 30"/>
+          <p:cNvSpPr/>
+          <p:nvPr/>
+        </p:nvSpPr>
+        <p:spPr>
+          <a:xfrm>
+            <a:off x="2134870" y="4180840"/>
+            <a:ext cx="7360285" cy="468630"/>
+          </a:xfrm>
+          <a:prstGeom prst="rect">
+            <a:avLst/>
+          </a:prstGeom>
+          <a:extLst>
+            <a:ext uri="{909E8E84-426E-40DD-AFC4-6F175D3DCCD1}">
+              <a14:hiddenFill xmlns:a14="http://schemas.microsoft.com/office/drawing/2010/main">
+                <a:solidFill>
+                  <a:schemeClr val="accent1"/>
+                </a:solidFill>
+              </a14:hiddenFill>
+            </a:ext>
+          </a:extLst>
+        </p:spPr>
+        <p:style>
+          <a:lnRef idx="2">
+            <a:schemeClr val="accent6"/>
+          </a:lnRef>
+          <a:fillRef idx="1">
+            <a:schemeClr val="lt1"/>
+          </a:fillRef>
+          <a:effectRef idx="0">
+            <a:schemeClr val="accent6"/>
+          </a:effectRef>
+          <a:fontRef idx="minor">
+            <a:schemeClr val="dk1"/>
+          </a:fontRef>
+        </p:style>
+        <p:txBody>
+          <a:bodyPr rtlCol="0" anchor="ctr"/>
+          <a:p>
+            <a:pPr algn="ctr"/>
+            <a:r>
+              <a:rPr lang="zh-CN" altLang="en-US">
+                <a:solidFill>
+                  <a:srgbClr val="FF0000"/>
+                </a:solidFill>
+              </a:rPr>
+              <a:t>酒店前往时间</a:t>
+            </a:r>
+            <a:endParaRPr lang="zh-CN" altLang="en-US">
+              <a:solidFill>
+                <a:srgbClr val="FF0000"/>
+              </a:solidFill>
+            </a:endParaRPr>
+          </a:p>
+        </p:txBody>
+      </p:sp>
+      <p:sp>
+        <p:nvSpPr>
+          <p:cNvPr id="32" name="矩形 31"/>
+          <p:cNvSpPr/>
+          <p:nvPr/>
+        </p:nvSpPr>
+        <p:spPr>
+          <a:xfrm>
+            <a:off x="2134870" y="4706620"/>
+            <a:ext cx="7360285" cy="468630"/>
+          </a:xfrm>
+          <a:prstGeom prst="rect">
+            <a:avLst/>
+          </a:prstGeom>
+          <a:extLst>
+            <a:ext uri="{909E8E84-426E-40DD-AFC4-6F175D3DCCD1}">
+              <a14:hiddenFill xmlns:a14="http://schemas.microsoft.com/office/drawing/2010/main">
+                <a:solidFill>
+                  <a:schemeClr val="accent1"/>
+                </a:solidFill>
+              </a14:hiddenFill>
+            </a:ext>
+          </a:extLst>
+        </p:spPr>
+        <p:style>
+          <a:lnRef idx="2">
+            <a:schemeClr val="accent6"/>
+          </a:lnRef>
+          <a:fillRef idx="1">
+            <a:schemeClr val="lt1"/>
+          </a:fillRef>
+          <a:effectRef idx="0">
+            <a:schemeClr val="accent6"/>
+          </a:effectRef>
+          <a:fontRef idx="minor">
+            <a:schemeClr val="dk1"/>
+          </a:fontRef>
+        </p:style>
+        <p:txBody>
+          <a:bodyPr rtlCol="0" anchor="ctr"/>
+          <a:p>
+            <a:pPr algn="ctr"/>
+            <a:r>
+              <a:rPr lang="zh-CN" altLang="en-US">
+                <a:solidFill>
+                  <a:srgbClr val="FF0000"/>
+                </a:solidFill>
+              </a:rPr>
+              <a:t>从考点返回酒店时间</a:t>
+            </a:r>
+            <a:endParaRPr lang="zh-CN" altLang="en-US">
+              <a:solidFill>
+                <a:srgbClr val="FF0000"/>
+              </a:solidFill>
+            </a:endParaRPr>
+          </a:p>
+        </p:txBody>
+      </p:sp>
+      <p:sp>
+        <p:nvSpPr>
+          <p:cNvPr id="33" name="矩形 32"/>
+          <p:cNvSpPr/>
+          <p:nvPr/>
+        </p:nvSpPr>
+        <p:spPr>
+          <a:xfrm>
+            <a:off x="2134870" y="5220970"/>
+            <a:ext cx="7360285" cy="468630"/>
+          </a:xfrm>
+          <a:prstGeom prst="rect">
+            <a:avLst/>
+          </a:prstGeom>
+          <a:extLst>
+            <a:ext uri="{909E8E84-426E-40DD-AFC4-6F175D3DCCD1}">
+              <a14:hiddenFill xmlns:a14="http://schemas.microsoft.com/office/drawing/2010/main">
+                <a:solidFill>
+                  <a:schemeClr val="accent1"/>
+                </a:solidFill>
+              </a14:hiddenFill>
+            </a:ext>
+          </a:extLst>
+        </p:spPr>
+        <p:style>
+          <a:lnRef idx="2">
+            <a:schemeClr val="accent6"/>
+          </a:lnRef>
+          <a:fillRef idx="1">
+            <a:schemeClr val="lt1"/>
+          </a:fillRef>
+          <a:effectRef idx="0">
+            <a:schemeClr val="accent6"/>
+          </a:effectRef>
+          <a:fontRef idx="minor">
+            <a:schemeClr val="dk1"/>
+          </a:fontRef>
+        </p:style>
+        <p:txBody>
+          <a:bodyPr rtlCol="0" anchor="ctr"/>
+          <a:p>
+            <a:pPr algn="ctr"/>
+            <a:r>
+              <a:rPr lang="zh-CN" altLang="en-US">
+                <a:solidFill>
+                  <a:srgbClr val="FF0000"/>
+                </a:solidFill>
+              </a:rPr>
+              <a:t>返程时间</a:t>
+            </a:r>
+            <a:endParaRPr lang="zh-CN" altLang="en-US">
+              <a:solidFill>
+                <a:srgbClr val="FF0000"/>
+              </a:solidFill>
+            </a:endParaRPr>
+          </a:p>
+        </p:txBody>
+      </p:sp>
+      <p:sp>
+        <p:nvSpPr>
+          <p:cNvPr id="34" name="流程图: 或者 33"/>
+          <p:cNvSpPr/>
+          <p:nvPr/>
+        </p:nvSpPr>
+        <p:spPr>
+          <a:xfrm>
+            <a:off x="9685020" y="4708525"/>
+            <a:ext cx="462915" cy="419735"/>
+          </a:xfrm>
+          <a:prstGeom prst="flowChartOr">
+            <a:avLst/>
+          </a:prstGeom>
+          <a:noFill/>
+          <a:extLst>
+            <a:ext uri="{909E8E84-426E-40DD-AFC4-6F175D3DCCD1}">
+              <a14:hiddenFill xmlns:a14="http://schemas.microsoft.com/office/drawing/2010/main">
+                <a:solidFill>
+                  <a:schemeClr val="accent1"/>
+                </a:solidFill>
+              </a14:hiddenFill>
+            </a:ext>
+          </a:extLst>
+        </p:spPr>
+        <p:style>
+          <a:lnRef idx="2">
+            <a:schemeClr val="accent1">
+              <a:shade val="50000"/>
+            </a:schemeClr>
+          </a:lnRef>
+          <a:fillRef idx="1">
+            <a:schemeClr val="accent1"/>
+          </a:fillRef>
+          <a:effectRef idx="0">
+            <a:schemeClr val="accent1"/>
+          </a:effectRef>
+          <a:fontRef idx="minor">
+            <a:schemeClr val="lt1"/>
+          </a:fontRef>
+        </p:style>
+        <p:txBody>
+          <a:bodyPr rtlCol="0" anchor="ctr"/>
+          <a:p>
+            <a:pPr algn="ctr"/>
+            <a:endParaRPr lang="zh-CN" altLang="en-US"/>
+          </a:p>
+        </p:txBody>
+      </p:sp>
+      <p:cxnSp>
+        <p:nvCxnSpPr>
+          <p:cNvPr id="35" name="直接箭头连接符 34"/>
+          <p:cNvCxnSpPr>
+            <a:stCxn id="22" idx="2"/>
+            <a:endCxn id="27" idx="7"/>
+          </p:cNvCxnSpPr>
+          <p:nvPr/>
+        </p:nvCxnSpPr>
+        <p:spPr>
+          <a:xfrm flipH="1">
+            <a:off x="10080625" y="2743200"/>
+            <a:ext cx="888365" cy="1007745"/>
+          </a:xfrm>
+          <a:prstGeom prst="straightConnector1">
+            <a:avLst/>
+          </a:prstGeom>
+          <a:ln>
+            <a:solidFill>
+              <a:srgbClr val="FF0000"/>
+            </a:solidFill>
+            <a:tailEnd type="arrow"/>
+          </a:ln>
+        </p:spPr>
+        <p:style>
+          <a:lnRef idx="1">
+            <a:schemeClr val="accent1"/>
+          </a:lnRef>
+          <a:fillRef idx="0">
+            <a:schemeClr val="accent1"/>
+          </a:fillRef>
+          <a:effectRef idx="0">
+            <a:schemeClr val="accent1"/>
+          </a:effectRef>
+          <a:fontRef idx="minor">
+            <a:schemeClr val="tx1"/>
+          </a:fontRef>
+        </p:style>
+      </p:cxnSp>
+      <p:cxnSp>
+        <p:nvCxnSpPr>
+          <p:cNvPr id="36" name="直接箭头连接符 35"/>
+          <p:cNvCxnSpPr/>
+          <p:nvPr/>
+        </p:nvCxnSpPr>
+        <p:spPr>
+          <a:xfrm flipH="1">
+            <a:off x="10079990" y="2743200"/>
+            <a:ext cx="888365" cy="1523365"/>
+          </a:xfrm>
+          <a:prstGeom prst="straightConnector1">
+            <a:avLst/>
+          </a:prstGeom>
+          <a:ln>
+            <a:solidFill>
+              <a:srgbClr val="FF0000"/>
+            </a:solidFill>
+            <a:tailEnd type="arrow"/>
+          </a:ln>
+        </p:spPr>
+        <p:style>
+          <a:lnRef idx="1">
+            <a:schemeClr val="accent1"/>
+          </a:lnRef>
+          <a:fillRef idx="0">
+            <a:schemeClr val="accent1"/>
+          </a:fillRef>
+          <a:effectRef idx="0">
+            <a:schemeClr val="accent1"/>
+          </a:effectRef>
+          <a:fontRef idx="minor">
+            <a:schemeClr val="tx1"/>
+          </a:fontRef>
+        </p:style>
+      </p:cxnSp>
+      <p:cxnSp>
+        <p:nvCxnSpPr>
+          <p:cNvPr id="37" name="直接箭头连接符 36"/>
+          <p:cNvCxnSpPr>
+            <a:stCxn id="22" idx="2"/>
+            <a:endCxn id="34" idx="6"/>
+          </p:cNvCxnSpPr>
+          <p:nvPr/>
+        </p:nvCxnSpPr>
+        <p:spPr>
+          <a:xfrm flipH="1">
+            <a:off x="10147935" y="2743200"/>
+            <a:ext cx="821055" cy="2175510"/>
+          </a:xfrm>
+          <a:prstGeom prst="straightConnector1">
+            <a:avLst/>
+          </a:prstGeom>
+          <a:ln>
+            <a:solidFill>
+              <a:srgbClr val="FF0000"/>
+            </a:solidFill>
+            <a:tailEnd type="arrow"/>
+          </a:ln>
+        </p:spPr>
+        <p:style>
+          <a:lnRef idx="1">
+            <a:schemeClr val="accent1"/>
+          </a:lnRef>
+          <a:fillRef idx="0">
+            <a:schemeClr val="accent1"/>
+          </a:fillRef>
+          <a:effectRef idx="0">
+            <a:schemeClr val="accent1"/>
+          </a:effectRef>
+          <a:fontRef idx="minor">
+            <a:schemeClr val="tx1"/>
+          </a:fontRef>
+        </p:style>
+      </p:cxnSp>
+    </p:spTree>
+    <p:custDataLst>
+      <p:tags r:id="rId1"/>
+    </p:custDataLst>
+  </p:cSld>
+  <p:clrMapOvr>
+    <a:masterClrMapping/>
+  </p:clrMapOvr>
+</p:sld>
+</file>
+
+<file path=ppt/slides/slide2.xml><?xml version="1.0" encoding="utf-8"?>
+<p:sld xmlns:a="http://schemas.openxmlformats.org/drawingml/2006/main" xmlns:r="http://schemas.openxmlformats.org/officeDocument/2006/relationships" xmlns:p="http://schemas.openxmlformats.org/presentationml/2006/main">
+  <p:cSld>
+    <p:spTree>
+      <p:nvGrpSpPr>
+        <p:cNvPr id="1" name=""/>
+        <p:cNvGrpSpPr/>
+        <p:nvPr/>
+      </p:nvGrpSpPr>
+      <p:grpSpPr>
+        <a:xfrm>
+          <a:off x="0" y="0"/>
+          <a:ext cx="0" cy="0"/>
+          <a:chOff x="0" y="0"/>
+          <a:chExt cx="0" cy="0"/>
+        </a:xfrm>
+      </p:grpSpPr>
+      <p:sp>
+        <p:nvSpPr>
+          <p:cNvPr id="7" name="矩形 6"/>
+          <p:cNvSpPr/>
+          <p:nvPr/>
+        </p:nvSpPr>
+        <p:spPr>
+          <a:xfrm>
+            <a:off x="224155" y="368300"/>
+            <a:ext cx="11555730" cy="6331585"/>
+          </a:xfrm>
+          <a:prstGeom prst="rect">
+            <a:avLst/>
+          </a:prstGeom>
+          <a:solidFill>
+            <a:srgbClr val="000000">
+              <a:alpha val="0"/>
+            </a:srgbClr>
+          </a:solidFill>
+          <a:ln w="19050"/>
+          <a:extLst>
+            <a:ext uri="{909E8E84-426E-40DD-AFC4-6F175D3DCCD1}">
+              <a14:hiddenFill xmlns:a14="http://schemas.microsoft.com/office/drawing/2010/main">
+                <a:solidFill>
+                  <a:schemeClr val="accent1"/>
+                </a:solidFill>
+              </a14:hiddenFill>
+            </a:ext>
+          </a:extLst>
+        </p:spPr>
+        <p:style>
+          <a:lnRef idx="1">
+            <a:schemeClr val="accent1"/>
+          </a:lnRef>
+          <a:fillRef idx="2">
+            <a:schemeClr val="accent1"/>
+          </a:fillRef>
+          <a:effectRef idx="1">
+            <a:schemeClr val="accent1"/>
+          </a:effectRef>
+          <a:fontRef idx="minor">
+            <a:schemeClr val="dk1"/>
+          </a:fontRef>
+        </p:style>
+        <p:txBody>
+          <a:bodyPr rtlCol="0" anchor="ctr"/>
+          <a:p>
+            <a:pPr algn="ctr"/>
+            <a:endParaRPr lang="zh-CN" altLang="en-US"/>
+          </a:p>
+        </p:txBody>
+      </p:sp>
+      <p:sp>
+        <p:nvSpPr>
+          <p:cNvPr id="4" name="文本框 3"/>
+          <p:cNvSpPr txBox="1"/>
+          <p:nvPr/>
+        </p:nvSpPr>
+        <p:spPr>
+          <a:xfrm>
+            <a:off x="0" y="0"/>
+            <a:ext cx="2595880" cy="368300"/>
+          </a:xfrm>
+          <a:prstGeom prst="rect">
+            <a:avLst/>
+          </a:prstGeom>
+          <a:noFill/>
+        </p:spPr>
+        <p:txBody>
+          <a:bodyPr wrap="none" rtlCol="0">
+            <a:spAutoFit/>
+          </a:bodyPr>
+          <a:p>
+            <a:r>
+              <a:rPr lang="zh-CN" altLang="en-US"/>
+              <a:t>创建考试订单</a:t>
+            </a:r>
+            <a:r>
+              <a:rPr lang="en-US" altLang="zh-CN"/>
+              <a:t>——</a:t>
+            </a:r>
+            <a:r>
+              <a:rPr lang="zh-CN" altLang="en-US"/>
+              <a:t>页面</a:t>
+            </a:r>
+            <a:r>
+              <a:rPr lang="en-US" altLang="zh-CN"/>
+              <a:t>1</a:t>
+            </a:r>
+            <a:endParaRPr lang="en-US" altLang="zh-CN"/>
+          </a:p>
+        </p:txBody>
+      </p:sp>
+      <p:sp>
+        <p:nvSpPr>
+          <p:cNvPr id="5" name="矩形 4"/>
+          <p:cNvSpPr/>
+          <p:nvPr/>
+        </p:nvSpPr>
+        <p:spPr>
+          <a:xfrm>
+            <a:off x="1727200" y="1181735"/>
+            <a:ext cx="7360285" cy="468630"/>
+          </a:xfrm>
+          <a:prstGeom prst="rect">
+            <a:avLst/>
+          </a:prstGeom>
+          <a:noFill/>
+          <a:extLst>
+            <a:ext uri="{909E8E84-426E-40DD-AFC4-6F175D3DCCD1}">
+              <a14:hiddenFill xmlns:a14="http://schemas.microsoft.com/office/drawing/2010/main">
+                <a:solidFill>
+                  <a:schemeClr val="accent1"/>
+                </a:solidFill>
+              </a14:hiddenFill>
+            </a:ext>
+          </a:extLst>
+        </p:spPr>
+        <p:style>
+          <a:lnRef idx="2">
+            <a:schemeClr val="accent1">
+              <a:shade val="50000"/>
+            </a:schemeClr>
+          </a:lnRef>
+          <a:fillRef idx="1">
+            <a:schemeClr val="accent1"/>
+          </a:fillRef>
+          <a:effectRef idx="0">
+            <a:schemeClr val="accent1"/>
+          </a:effectRef>
+          <a:fontRef idx="minor">
+            <a:schemeClr val="lt1"/>
+          </a:fontRef>
+        </p:style>
+        <p:txBody>
+          <a:bodyPr rtlCol="0" anchor="ctr"/>
+          <a:p>
+            <a:pPr algn="ctr"/>
+            <a:r>
+              <a:rPr lang="zh-CN" altLang="en-US">
+                <a:solidFill>
+                  <a:schemeClr val="tx1"/>
+                </a:solidFill>
+              </a:rPr>
+              <a:t>2020云南省公务员考试</a:t>
+            </a:r>
+            <a:endParaRPr lang="zh-CN" altLang="en-US">
+              <a:solidFill>
+                <a:schemeClr val="tx1"/>
+              </a:solidFill>
+            </a:endParaRPr>
+          </a:p>
+        </p:txBody>
+      </p:sp>
+      <p:sp>
+        <p:nvSpPr>
+          <p:cNvPr id="18" name="文本框 17"/>
+          <p:cNvSpPr txBox="1"/>
+          <p:nvPr/>
+        </p:nvSpPr>
+        <p:spPr>
+          <a:xfrm>
+            <a:off x="9454515" y="1231900"/>
+            <a:ext cx="2217420" cy="368300"/>
+          </a:xfrm>
+          <a:prstGeom prst="rect">
+            <a:avLst/>
+          </a:prstGeom>
+          <a:noFill/>
+        </p:spPr>
+        <p:txBody>
+          <a:bodyPr wrap="square" rtlCol="0">
+            <a:spAutoFit/>
+          </a:bodyPr>
+          <a:p>
+            <a:r>
+              <a:rPr lang="zh-CN" altLang="en-US">
+                <a:solidFill>
+                  <a:srgbClr val="FF0000"/>
+                </a:solidFill>
+              </a:rPr>
+              <a:t>选择一个考试模板</a:t>
+            </a:r>
+            <a:endParaRPr lang="zh-CN" altLang="en-US">
+              <a:solidFill>
+                <a:srgbClr val="FF0000"/>
+              </a:solidFill>
+            </a:endParaRPr>
+          </a:p>
+        </p:txBody>
+      </p:sp>
+      <p:sp>
+        <p:nvSpPr>
+          <p:cNvPr id="6" name="圆角矩形 5"/>
+          <p:cNvSpPr/>
+          <p:nvPr/>
+        </p:nvSpPr>
+        <p:spPr>
+          <a:xfrm>
+            <a:off x="1726565" y="467995"/>
+            <a:ext cx="7361555" cy="408305"/>
+          </a:xfrm>
+          <a:prstGeom prst="roundRect">
+            <a:avLst/>
+          </a:prstGeom>
+          <a:noFill/>
+          <a:ln>
+            <a:solidFill>
+              <a:schemeClr val="accent3">
+                <a:lumMod val="75000"/>
+              </a:schemeClr>
+            </a:solidFill>
+          </a:ln>
+          <a:extLst>
+            <a:ext uri="{909E8E84-426E-40DD-AFC4-6F175D3DCCD1}">
+              <a14:hiddenFill xmlns:a14="http://schemas.microsoft.com/office/drawing/2010/main">
+                <a:solidFill>
+                  <a:schemeClr val="accent1"/>
+                </a:solidFill>
+              </a14:hiddenFill>
+            </a:ext>
+          </a:extLst>
+        </p:spPr>
+        <p:style>
+          <a:lnRef idx="2">
+            <a:schemeClr val="accent1">
+              <a:shade val="50000"/>
+            </a:schemeClr>
+          </a:lnRef>
+          <a:fillRef idx="1">
+            <a:schemeClr val="accent1"/>
+          </a:fillRef>
+          <a:effectRef idx="0">
+            <a:schemeClr val="accent1"/>
+          </a:effectRef>
+          <a:fontRef idx="minor">
+            <a:schemeClr val="lt1"/>
+          </a:fontRef>
+        </p:style>
+        <p:txBody>
+          <a:bodyPr rtlCol="0" anchor="ctr"/>
+          <a:p>
+            <a:pPr algn="ctr"/>
+            <a:endParaRPr lang="zh-CN" altLang="en-US"/>
+          </a:p>
+        </p:txBody>
+      </p:sp>
+      <p:sp>
+        <p:nvSpPr>
+          <p:cNvPr id="8" name="文本框 7"/>
+          <p:cNvSpPr txBox="1"/>
+          <p:nvPr/>
+        </p:nvSpPr>
+        <p:spPr>
+          <a:xfrm>
+            <a:off x="8456930" y="503555"/>
+            <a:ext cx="589280" cy="337185"/>
+          </a:xfrm>
+          <a:prstGeom prst="rect">
+            <a:avLst/>
+          </a:prstGeom>
+          <a:noFill/>
+        </p:spPr>
+        <p:txBody>
+          <a:bodyPr wrap="none" rtlCol="0">
+            <a:spAutoFit/>
+          </a:bodyPr>
+          <a:p>
+            <a:r>
+              <a:rPr lang="zh-CN" altLang="en-US" sz="1600"/>
+              <a:t>搜索</a:t>
+            </a:r>
+            <a:endParaRPr lang="zh-CN" altLang="en-US" sz="1600"/>
+          </a:p>
+        </p:txBody>
+      </p:sp>
+      <p:sp>
+        <p:nvSpPr>
+          <p:cNvPr id="9" name="矩形 8"/>
+          <p:cNvSpPr/>
+          <p:nvPr/>
+        </p:nvSpPr>
+        <p:spPr>
+          <a:xfrm>
+            <a:off x="1727835" y="1738630"/>
+            <a:ext cx="7360285" cy="468630"/>
+          </a:xfrm>
+          <a:prstGeom prst="rect">
+            <a:avLst/>
+          </a:prstGeom>
+          <a:noFill/>
+          <a:extLst>
+            <a:ext uri="{909E8E84-426E-40DD-AFC4-6F175D3DCCD1}">
+              <a14:hiddenFill xmlns:a14="http://schemas.microsoft.com/office/drawing/2010/main">
+                <a:solidFill>
+                  <a:schemeClr val="accent1"/>
+                </a:solidFill>
+              </a14:hiddenFill>
+            </a:ext>
+          </a:extLst>
+        </p:spPr>
+        <p:style>
+          <a:lnRef idx="2">
+            <a:schemeClr val="accent1">
+              <a:shade val="50000"/>
+            </a:schemeClr>
+          </a:lnRef>
+          <a:fillRef idx="1">
+            <a:schemeClr val="accent1"/>
+          </a:fillRef>
+          <a:effectRef idx="0">
+            <a:schemeClr val="accent1"/>
+          </a:effectRef>
+          <a:fontRef idx="minor">
+            <a:schemeClr val="lt1"/>
+          </a:fontRef>
+        </p:style>
+        <p:txBody>
+          <a:bodyPr rtlCol="0" anchor="ctr"/>
+          <a:p>
+            <a:pPr algn="ctr"/>
+            <a:r>
+              <a:rPr lang="zh-CN" altLang="en-US">
+                <a:solidFill>
+                  <a:schemeClr val="tx1"/>
+                </a:solidFill>
+              </a:rPr>
+              <a:t>2020云南省公务员考试</a:t>
+            </a:r>
+            <a:endParaRPr lang="zh-CN" altLang="en-US">
+              <a:solidFill>
+                <a:schemeClr val="tx1"/>
+              </a:solidFill>
+            </a:endParaRPr>
+          </a:p>
+        </p:txBody>
+      </p:sp>
+      <p:sp>
+        <p:nvSpPr>
+          <p:cNvPr id="10" name="矩形 9"/>
+          <p:cNvSpPr/>
+          <p:nvPr/>
+        </p:nvSpPr>
+        <p:spPr>
+          <a:xfrm>
+            <a:off x="1727835" y="2866390"/>
+            <a:ext cx="7360285" cy="468630"/>
+          </a:xfrm>
+          <a:prstGeom prst="rect">
+            <a:avLst/>
+          </a:prstGeom>
+          <a:noFill/>
+          <a:extLst>
+            <a:ext uri="{909E8E84-426E-40DD-AFC4-6F175D3DCCD1}">
+              <a14:hiddenFill xmlns:a14="http://schemas.microsoft.com/office/drawing/2010/main">
+                <a:solidFill>
+                  <a:schemeClr val="accent1"/>
+                </a:solidFill>
+              </a14:hiddenFill>
+            </a:ext>
+          </a:extLst>
+        </p:spPr>
+        <p:style>
+          <a:lnRef idx="2">
+            <a:schemeClr val="accent1">
+              <a:shade val="50000"/>
+            </a:schemeClr>
+          </a:lnRef>
+          <a:fillRef idx="1">
+            <a:schemeClr val="accent1"/>
+          </a:fillRef>
+          <a:effectRef idx="0">
+            <a:schemeClr val="accent1"/>
+          </a:effectRef>
+          <a:fontRef idx="minor">
+            <a:schemeClr val="lt1"/>
+          </a:fontRef>
+        </p:style>
+        <p:txBody>
+          <a:bodyPr rtlCol="0" anchor="ctr"/>
+          <a:p>
+            <a:pPr algn="ctr"/>
+            <a:r>
+              <a:rPr lang="zh-CN" altLang="en-US">
+                <a:solidFill>
+                  <a:schemeClr val="tx1"/>
+                </a:solidFill>
+              </a:rPr>
+              <a:t>2020云南省公务员考试</a:t>
+            </a:r>
+            <a:endParaRPr lang="zh-CN" altLang="en-US">
+              <a:solidFill>
+                <a:schemeClr val="tx1"/>
+              </a:solidFill>
+            </a:endParaRPr>
+          </a:p>
+        </p:txBody>
+      </p:sp>
+      <p:sp>
+        <p:nvSpPr>
+          <p:cNvPr id="17" name="矩形 16"/>
+          <p:cNvSpPr/>
+          <p:nvPr/>
+        </p:nvSpPr>
+        <p:spPr>
+          <a:xfrm>
+            <a:off x="1727200" y="2295525"/>
+            <a:ext cx="7360285" cy="468630"/>
+          </a:xfrm>
+          <a:prstGeom prst="rect">
+            <a:avLst/>
+          </a:prstGeom>
+          <a:noFill/>
+          <a:extLst>
+            <a:ext uri="{909E8E84-426E-40DD-AFC4-6F175D3DCCD1}">
+              <a14:hiddenFill xmlns:a14="http://schemas.microsoft.com/office/drawing/2010/main">
+                <a:solidFill>
+                  <a:schemeClr val="accent1"/>
+                </a:solidFill>
+              </a14:hiddenFill>
+            </a:ext>
+          </a:extLst>
+        </p:spPr>
+        <p:style>
+          <a:lnRef idx="2">
+            <a:schemeClr val="accent1">
+              <a:shade val="50000"/>
+            </a:schemeClr>
+          </a:lnRef>
+          <a:fillRef idx="1">
+            <a:schemeClr val="accent1"/>
+          </a:fillRef>
+          <a:effectRef idx="0">
+            <a:schemeClr val="accent1"/>
+          </a:effectRef>
+          <a:fontRef idx="minor">
+            <a:schemeClr val="lt1"/>
+          </a:fontRef>
+        </p:style>
+        <p:txBody>
+          <a:bodyPr rtlCol="0" anchor="ctr"/>
+          <a:p>
+            <a:pPr algn="ctr"/>
+            <a:r>
+              <a:rPr lang="zh-CN" altLang="en-US">
+                <a:solidFill>
+                  <a:schemeClr val="tx1"/>
+                </a:solidFill>
+              </a:rPr>
+              <a:t>2020云南省公务员考试</a:t>
+            </a:r>
+            <a:endParaRPr lang="zh-CN" altLang="en-US">
+              <a:solidFill>
+                <a:schemeClr val="tx1"/>
+              </a:solidFill>
+            </a:endParaRPr>
+          </a:p>
+        </p:txBody>
+      </p:sp>
+    </p:spTree>
+    <p:custDataLst>
+      <p:tags r:id="rId1"/>
+    </p:custDataLst>
+  </p:cSld>
+  <p:clrMapOvr>
+    <a:masterClrMapping/>
+  </p:clrMapOvr>
+</p:sld>
+</file>
+
+<file path=ppt/slides/slide3.xml><?xml version="1.0" encoding="utf-8"?>
+<p:sld xmlns:a="http://schemas.openxmlformats.org/drawingml/2006/main" xmlns:r="http://schemas.openxmlformats.org/officeDocument/2006/relationships" xmlns:p="http://schemas.openxmlformats.org/presentationml/2006/main">
+  <p:cSld>
+    <p:spTree>
+      <p:nvGrpSpPr>
+        <p:cNvPr id="1" name=""/>
+        <p:cNvGrpSpPr/>
+        <p:nvPr/>
+      </p:nvGrpSpPr>
+      <p:grpSpPr>
+        <a:xfrm>
+          <a:off x="0" y="0"/>
+          <a:ext cx="0" cy="0"/>
+          <a:chOff x="0" y="0"/>
+          <a:chExt cx="0" cy="0"/>
+        </a:xfrm>
+      </p:grpSpPr>
+      <p:sp>
+        <p:nvSpPr>
+          <p:cNvPr id="7" name="矩形 6"/>
+          <p:cNvSpPr/>
+          <p:nvPr/>
+        </p:nvSpPr>
+        <p:spPr>
+          <a:xfrm>
+            <a:off x="1513840" y="104140"/>
+            <a:ext cx="3692525" cy="6540500"/>
           </a:xfrm>
           <a:prstGeom prst="rect">
             <a:avLst/>
@@ -4636,276 +6496,6 @@
       </p:sp>
       <p:sp>
         <p:nvSpPr>
-          <p:cNvPr id="2" name="文本框 1"/>
-          <p:cNvSpPr txBox="1"/>
-          <p:nvPr/>
-        </p:nvSpPr>
-        <p:spPr>
-          <a:xfrm>
-            <a:off x="2085975" y="1479550"/>
-            <a:ext cx="2549525" cy="368300"/>
-          </a:xfrm>
-          <a:prstGeom prst="rect">
-            <a:avLst/>
-          </a:prstGeom>
-          <a:noFill/>
-        </p:spPr>
-        <p:txBody>
-          <a:bodyPr wrap="square" rtlCol="0">
-            <a:spAutoFit/>
-          </a:bodyPr>
-          <a:p>
-            <a:pPr algn="ctr"/>
-            <a:r>
-              <a:rPr lang="zh-CN" altLang="en-US"/>
-              <a:t>结束时间：</a:t>
-            </a:r>
-            <a:r>
-              <a:rPr lang="en-US" altLang="zh-CN"/>
-              <a:t>2020-10-10</a:t>
-            </a:r>
-            <a:endParaRPr lang="zh-CN" altLang="en-US"/>
-          </a:p>
-        </p:txBody>
-      </p:sp>
-      <p:sp>
-        <p:nvSpPr>
-          <p:cNvPr id="3" name="文本框 2"/>
-          <p:cNvSpPr txBox="1"/>
-          <p:nvPr/>
-        </p:nvSpPr>
-        <p:spPr>
-          <a:xfrm>
-            <a:off x="2085975" y="1876425"/>
-            <a:ext cx="2549525" cy="368300"/>
-          </a:xfrm>
-          <a:prstGeom prst="rect">
-            <a:avLst/>
-          </a:prstGeom>
-          <a:noFill/>
-        </p:spPr>
-        <p:txBody>
-          <a:bodyPr wrap="square" rtlCol="0">
-            <a:spAutoFit/>
-          </a:bodyPr>
-          <a:p>
-            <a:pPr algn="ctr"/>
-            <a:r>
-              <a:rPr lang="zh-CN" altLang="en-US"/>
-              <a:t>地点：昆明</a:t>
-            </a:r>
-            <a:endParaRPr lang="zh-CN" altLang="en-US"/>
-          </a:p>
-        </p:txBody>
-      </p:sp>
-    </p:spTree>
-    <p:custDataLst>
-      <p:tags r:id="rId1"/>
-    </p:custDataLst>
-  </p:cSld>
-  <p:clrMapOvr>
-    <a:masterClrMapping/>
-  </p:clrMapOvr>
-</p:sld>
-</file>
-
-<file path=ppt/slides/slide2.xml><?xml version="1.0" encoding="utf-8"?>
-<p:sld xmlns:a="http://schemas.openxmlformats.org/drawingml/2006/main" xmlns:r="http://schemas.openxmlformats.org/officeDocument/2006/relationships" xmlns:p="http://schemas.openxmlformats.org/presentationml/2006/main">
-  <p:cSld>
-    <p:spTree>
-      <p:nvGrpSpPr>
-        <p:cNvPr id="1" name=""/>
-        <p:cNvGrpSpPr/>
-        <p:nvPr/>
-      </p:nvGrpSpPr>
-      <p:grpSpPr>
-        <a:xfrm>
-          <a:off x="0" y="0"/>
-          <a:ext cx="0" cy="0"/>
-          <a:chOff x="0" y="0"/>
-          <a:chExt cx="0" cy="0"/>
-        </a:xfrm>
-      </p:grpSpPr>
-      <p:sp>
-        <p:nvSpPr>
-          <p:cNvPr id="7" name="矩形 6"/>
-          <p:cNvSpPr/>
-          <p:nvPr/>
-        </p:nvSpPr>
-        <p:spPr>
-          <a:xfrm>
-            <a:off x="1513840" y="104140"/>
-            <a:ext cx="3692525" cy="6540500"/>
-          </a:xfrm>
-          <a:prstGeom prst="rect">
-            <a:avLst/>
-          </a:prstGeom>
-          <a:solidFill>
-            <a:srgbClr val="000000">
-              <a:alpha val="0"/>
-            </a:srgbClr>
-          </a:solidFill>
-          <a:ln w="19050"/>
-          <a:extLst>
-            <a:ext uri="{909E8E84-426E-40DD-AFC4-6F175D3DCCD1}">
-              <a14:hiddenFill xmlns:a14="http://schemas.microsoft.com/office/drawing/2010/main">
-                <a:solidFill>
-                  <a:schemeClr val="accent1"/>
-                </a:solidFill>
-              </a14:hiddenFill>
-            </a:ext>
-          </a:extLst>
-        </p:spPr>
-        <p:style>
-          <a:lnRef idx="1">
-            <a:schemeClr val="accent1"/>
-          </a:lnRef>
-          <a:fillRef idx="2">
-            <a:schemeClr val="accent1"/>
-          </a:fillRef>
-          <a:effectRef idx="1">
-            <a:schemeClr val="accent1"/>
-          </a:effectRef>
-          <a:fontRef idx="minor">
-            <a:schemeClr val="dk1"/>
-          </a:fontRef>
-        </p:style>
-        <p:txBody>
-          <a:bodyPr rtlCol="0" anchor="ctr"/>
-          <a:p>
-            <a:pPr algn="ctr"/>
-            <a:endParaRPr lang="zh-CN" altLang="en-US"/>
-          </a:p>
-        </p:txBody>
-      </p:sp>
-      <p:sp>
-        <p:nvSpPr>
-          <p:cNvPr id="6" name="矩形 5"/>
-          <p:cNvSpPr/>
-          <p:nvPr/>
-        </p:nvSpPr>
-        <p:spPr>
-          <a:xfrm>
-            <a:off x="2203450" y="2925445"/>
-            <a:ext cx="2313305" cy="2394585"/>
-          </a:xfrm>
-          <a:prstGeom prst="rect">
-            <a:avLst/>
-          </a:prstGeom>
-          <a:pattFill prst="lgCheck">
-            <a:fgClr>
-              <a:srgbClr val="6096E6"/>
-            </a:fgClr>
-            <a:bgClr>
-              <a:srgbClr val="FFFFFF"/>
-            </a:bgClr>
-          </a:pattFill>
-          <a:ln>
-            <a:noFill/>
-          </a:ln>
-        </p:spPr>
-        <p:style>
-          <a:lnRef idx="2">
-            <a:schemeClr val="accent1">
-              <a:shade val="50000"/>
-            </a:schemeClr>
-          </a:lnRef>
-          <a:fillRef idx="1">
-            <a:schemeClr val="accent1"/>
-          </a:fillRef>
-          <a:effectRef idx="0">
-            <a:schemeClr val="accent1"/>
-          </a:effectRef>
-          <a:fontRef idx="minor">
-            <a:schemeClr val="lt1"/>
-          </a:fontRef>
-        </p:style>
-        <p:txBody>
-          <a:bodyPr rtlCol="0" anchor="ctr"/>
-          <a:p>
-            <a:pPr algn="ctr"/>
-            <a:r>
-              <a:rPr lang="zh-CN" altLang="en-US" sz="4000" b="1">
-                <a:solidFill>
-                  <a:schemeClr val="tx2"/>
-                </a:solidFill>
-              </a:rPr>
-              <a:t>二维码</a:t>
-            </a:r>
-            <a:endParaRPr lang="zh-CN" altLang="en-US" sz="4000" b="1">
-              <a:solidFill>
-                <a:schemeClr val="tx2"/>
-              </a:solidFill>
-            </a:endParaRPr>
-          </a:p>
-        </p:txBody>
-      </p:sp>
-      <p:sp>
-        <p:nvSpPr>
-          <p:cNvPr id="9" name="文本框 8"/>
-          <p:cNvSpPr txBox="1"/>
-          <p:nvPr/>
-        </p:nvSpPr>
-        <p:spPr>
-          <a:xfrm>
-            <a:off x="2203450" y="575945"/>
-            <a:ext cx="2313940" cy="368300"/>
-          </a:xfrm>
-          <a:prstGeom prst="rect">
-            <a:avLst/>
-          </a:prstGeom>
-          <a:noFill/>
-        </p:spPr>
-        <p:txBody>
-          <a:bodyPr wrap="square" rtlCol="0">
-            <a:spAutoFit/>
-          </a:bodyPr>
-          <a:p>
-            <a:pPr algn="ctr"/>
-            <a:r>
-              <a:rPr lang="zh-CN" altLang="en-US"/>
-              <a:t>国家公务员考试</a:t>
-            </a:r>
-            <a:endParaRPr lang="zh-CN" altLang="en-US"/>
-          </a:p>
-        </p:txBody>
-      </p:sp>
-      <p:sp>
-        <p:nvSpPr>
-          <p:cNvPr id="10" name="文本框 9"/>
-          <p:cNvSpPr txBox="1"/>
-          <p:nvPr/>
-        </p:nvSpPr>
-        <p:spPr>
-          <a:xfrm>
-            <a:off x="2085975" y="1111250"/>
-            <a:ext cx="2549525" cy="368300"/>
-          </a:xfrm>
-          <a:prstGeom prst="rect">
-            <a:avLst/>
-          </a:prstGeom>
-          <a:noFill/>
-        </p:spPr>
-        <p:txBody>
-          <a:bodyPr wrap="square" rtlCol="0">
-            <a:spAutoFit/>
-          </a:bodyPr>
-          <a:p>
-            <a:pPr algn="ctr"/>
-            <a:r>
-              <a:rPr lang="zh-CN" altLang="en-US"/>
-              <a:t>开始时间：</a:t>
-            </a:r>
-            <a:r>
-              <a:rPr lang="en-US" altLang="zh-CN"/>
-              <a:t>2020-10-10</a:t>
-            </a:r>
-            <a:endParaRPr lang="zh-CN" altLang="en-US"/>
-          </a:p>
-        </p:txBody>
-      </p:sp>
-      <p:sp>
-        <p:nvSpPr>
           <p:cNvPr id="11" name="文本框 10"/>
           <p:cNvSpPr txBox="1"/>
           <p:nvPr/>
@@ -5851,6 +7441,27 @@
 </file>
 
 <file path=ppt/tags/tag64.xml><?xml version="1.0" encoding="utf-8"?>
+<p:tagLst xmlns:p="http://schemas.openxmlformats.org/presentationml/2006/main">
+  <p:tag name="KSO_WM_SLIDE_ID" val="custom20205081_1"/>
+  <p:tag name="KSO_WM_TEMPLATE_SUBCATEGORY" val="19"/>
+  <p:tag name="KSO_WM_TEMPLATE_MASTER_TYPE" val="0"/>
+  <p:tag name="KSO_WM_TEMPLATE_COLOR_TYPE" val="1"/>
+  <p:tag name="KSO_WM_SLIDE_TYPE" val="title"/>
+  <p:tag name="KSO_WM_SLIDE_SUBTYPE" val="defaultBlank"/>
+  <p:tag name="KSO_WM_SLIDE_ITEM_CNT" val="0"/>
+  <p:tag name="KSO_WM_SLIDE_INDEX" val="1"/>
+  <p:tag name="KSO_WM_TAG_VERSION" val="1.0"/>
+  <p:tag name="KSO_WM_BEAUTIFY_FLAG" val="#wm#"/>
+  <p:tag name="KSO_WM_TEMPLATE_CATEGORY" val="custom"/>
+  <p:tag name="KSO_WM_TEMPLATE_INDEX" val="20205081"/>
+  <p:tag name="KSO_WM_SLIDE_LAYOUT" val="a_b"/>
+  <p:tag name="KSO_WM_SLIDE_LAYOUT_CNT" val="1_1"/>
+  <p:tag name="KSO_WM_UNIT_SHOW_EDIT_AREA_INDICATION" val="1"/>
+  <p:tag name="KSO_WM_TEMPLATE_THUMBS_INDEX" val="1、4、7、12、13、14、15、16、17、18、20、24、25、28、33、36、40、43、44"/>
+</p:tagLst>
+</file>
+
+<file path=ppt/tags/tag65.xml><?xml version="1.0" encoding="utf-8"?>
 <p:tagLst xmlns:p="http://schemas.openxmlformats.org/presentationml/2006/main">
   <p:tag name="KSO_WM_SLIDE_ID" val="custom20205081_1"/>
   <p:tag name="KSO_WM_TEMPLATE_SUBCATEGORY" val="19"/>

--- a/eTeam需求界面1.pptx
+++ b/eTeam需求界面1.pptx
@@ -7,7 +7,14 @@
   <p:sldIdLst>
     <p:sldId id="409" r:id="rId3"/>
     <p:sldId id="411" r:id="rId4"/>
-    <p:sldId id="410" r:id="rId5"/>
+    <p:sldId id="416" r:id="rId5"/>
+    <p:sldId id="415" r:id="rId6"/>
+    <p:sldId id="410" r:id="rId7"/>
+    <p:sldId id="420" r:id="rId8"/>
+    <p:sldId id="421" r:id="rId9"/>
+    <p:sldId id="422" r:id="rId10"/>
+    <p:sldId id="423" r:id="rId11"/>
+    <p:sldId id="424" r:id="rId12"/>
   </p:sldIdLst>
   <p:sldSz cx="12192000" cy="6858000"/>
   <p:notesSz cx="6858000" cy="9144000"/>
@@ -4465,7 +4472,7 @@
         </p:nvSpPr>
         <p:spPr>
           <a:xfrm>
-            <a:off x="224155" y="368300"/>
+            <a:off x="230505" y="368300"/>
             <a:ext cx="11555730" cy="6331585"/>
           </a:xfrm>
           <a:prstGeom prst="rect">
@@ -4546,7 +4553,7 @@
         </p:nvSpPr>
         <p:spPr>
           <a:xfrm>
-            <a:off x="2135505" y="886460"/>
+            <a:off x="2134870" y="598170"/>
             <a:ext cx="7360285" cy="468630"/>
           </a:xfrm>
           <a:prstGeom prst="rect">
@@ -4607,7 +4614,7 @@
         </p:nvSpPr>
         <p:spPr>
           <a:xfrm>
-            <a:off x="2134870" y="3117215"/>
+            <a:off x="2141220" y="2748280"/>
             <a:ext cx="3621405" cy="468630"/>
           </a:xfrm>
           <a:prstGeom prst="rect">
@@ -4668,7 +4675,7 @@
         </p:nvSpPr>
         <p:spPr>
           <a:xfrm>
-            <a:off x="5911215" y="3117215"/>
+            <a:off x="5917565" y="2748280"/>
             <a:ext cx="3583940" cy="468630"/>
           </a:xfrm>
           <a:prstGeom prst="rect">
@@ -4729,7 +4736,7 @@
         </p:nvSpPr>
         <p:spPr>
           <a:xfrm>
-            <a:off x="2135505" y="2025650"/>
+            <a:off x="2147570" y="1670050"/>
             <a:ext cx="7360285" cy="468630"/>
           </a:xfrm>
           <a:prstGeom prst="rect">
@@ -4790,7 +4797,7 @@
         </p:nvSpPr>
         <p:spPr>
           <a:xfrm>
-            <a:off x="2135505" y="2550160"/>
+            <a:off x="2141855" y="2181225"/>
             <a:ext cx="7360285" cy="468630"/>
           </a:xfrm>
           <a:prstGeom prst="rect">
@@ -4851,7 +4858,7 @@
         </p:nvSpPr>
         <p:spPr>
           <a:xfrm>
-            <a:off x="2135505" y="1456055"/>
+            <a:off x="2134870" y="1167765"/>
             <a:ext cx="7360285" cy="468630"/>
           </a:xfrm>
           <a:prstGeom prst="rect">
@@ -4912,7 +4919,7 @@
         </p:nvSpPr>
         <p:spPr>
           <a:xfrm>
-            <a:off x="9685020" y="1504950"/>
+            <a:off x="9685020" y="1162050"/>
             <a:ext cx="462915" cy="419735"/>
           </a:xfrm>
           <a:prstGeom prst="flowChartOr">
@@ -4961,7 +4968,7 @@
         </p:nvSpPr>
         <p:spPr>
           <a:xfrm>
-            <a:off x="224155" y="3117215"/>
+            <a:off x="230505" y="2748280"/>
             <a:ext cx="1917065" cy="645160"/>
           </a:xfrm>
           <a:prstGeom prst="rect">
@@ -4998,7 +5005,7 @@
         </p:nvSpPr>
         <p:spPr>
           <a:xfrm>
-            <a:off x="9685655" y="3141980"/>
+            <a:off x="9685655" y="2593340"/>
             <a:ext cx="462915" cy="419735"/>
           </a:xfrm>
           <a:prstGeom prst="flowChartOr">
@@ -5050,8 +5057,8 @@
         </p:nvCxnSpPr>
         <p:spPr>
           <a:xfrm flipH="1" flipV="1">
-            <a:off x="10079990" y="1863090"/>
-            <a:ext cx="283210" cy="675640"/>
+            <a:off x="10079990" y="1520190"/>
+            <a:ext cx="283210" cy="1018540"/>
           </a:xfrm>
           <a:prstGeom prst="straightConnector1">
             <a:avLst/>
@@ -5156,7 +5163,7 @@
         <p:spPr>
           <a:xfrm flipH="1">
             <a:off x="10080625" y="2538730"/>
-            <a:ext cx="282575" cy="664845"/>
+            <a:ext cx="282575" cy="116205"/>
           </a:xfrm>
           <a:prstGeom prst="straightConnector1">
             <a:avLst/>
@@ -5191,7 +5198,7 @@
         </p:nvSpPr>
         <p:spPr>
           <a:xfrm>
-            <a:off x="2135505" y="3664585"/>
+            <a:off x="2141855" y="3295650"/>
             <a:ext cx="1880235" cy="468630"/>
           </a:xfrm>
           <a:prstGeom prst="rect">
@@ -5252,7 +5259,7 @@
         </p:nvSpPr>
         <p:spPr>
           <a:xfrm>
-            <a:off x="4105910" y="3664585"/>
+            <a:off x="4112260" y="3295650"/>
             <a:ext cx="2659380" cy="468630"/>
           </a:xfrm>
           <a:prstGeom prst="rect">
@@ -5313,7 +5320,7 @@
         </p:nvSpPr>
         <p:spPr>
           <a:xfrm>
-            <a:off x="9685655" y="3689350"/>
+            <a:off x="9685655" y="3140710"/>
             <a:ext cx="462915" cy="419735"/>
           </a:xfrm>
           <a:prstGeom prst="flowChartOr">
@@ -5362,7 +5369,7 @@
         </p:nvSpPr>
         <p:spPr>
           <a:xfrm>
-            <a:off x="6877050" y="3664585"/>
+            <a:off x="6883400" y="3295650"/>
             <a:ext cx="2618740" cy="468630"/>
           </a:xfrm>
           <a:prstGeom prst="rect">
@@ -5423,7 +5430,7 @@
         </p:nvSpPr>
         <p:spPr>
           <a:xfrm>
-            <a:off x="9685655" y="4204970"/>
+            <a:off x="9685655" y="3656330"/>
             <a:ext cx="462915" cy="419735"/>
           </a:xfrm>
           <a:prstGeom prst="flowChartOr">
@@ -5472,7 +5479,7 @@
         </p:nvSpPr>
         <p:spPr>
           <a:xfrm>
-            <a:off x="2134870" y="4180840"/>
+            <a:off x="2141220" y="4360545"/>
             <a:ext cx="7360285" cy="468630"/>
           </a:xfrm>
           <a:prstGeom prst="rect">
@@ -5530,7 +5537,7 @@
         </p:nvSpPr>
         <p:spPr>
           <a:xfrm>
-            <a:off x="2134870" y="4706620"/>
+            <a:off x="2141220" y="4886325"/>
             <a:ext cx="7360285" cy="468630"/>
           </a:xfrm>
           <a:prstGeom prst="rect">
@@ -5588,7 +5595,7 @@
         </p:nvSpPr>
         <p:spPr>
           <a:xfrm>
-            <a:off x="2134870" y="5220970"/>
+            <a:off x="2141220" y="5400675"/>
             <a:ext cx="7360285" cy="468630"/>
           </a:xfrm>
           <a:prstGeom prst="rect">
@@ -5699,7 +5706,7 @@
         <p:spPr>
           <a:xfrm flipH="1">
             <a:off x="10080625" y="2743200"/>
-            <a:ext cx="888365" cy="1007745"/>
+            <a:ext cx="888365" cy="459105"/>
           </a:xfrm>
           <a:prstGeom prst="straightConnector1">
             <a:avLst/>
@@ -5801,6 +5808,1271 @@
           </a:fontRef>
         </p:style>
       </p:cxnSp>
+      <p:sp>
+        <p:nvSpPr>
+          <p:cNvPr id="10" name="矩形 9"/>
+          <p:cNvSpPr/>
+          <p:nvPr/>
+        </p:nvSpPr>
+        <p:spPr>
+          <a:xfrm>
+            <a:off x="2141220" y="6036945"/>
+            <a:ext cx="7360285" cy="432435"/>
+          </a:xfrm>
+          <a:prstGeom prst="rect">
+            <a:avLst/>
+          </a:prstGeom>
+          <a:solidFill>
+            <a:srgbClr val="00B050"/>
+          </a:solidFill>
+          <a:ln>
+            <a:noFill/>
+          </a:ln>
+        </p:spPr>
+        <p:style>
+          <a:lnRef idx="2">
+            <a:schemeClr val="accent1">
+              <a:shade val="50000"/>
+            </a:schemeClr>
+          </a:lnRef>
+          <a:fillRef idx="1">
+            <a:schemeClr val="accent1"/>
+          </a:fillRef>
+          <a:effectRef idx="0">
+            <a:schemeClr val="accent1"/>
+          </a:effectRef>
+          <a:fontRef idx="minor">
+            <a:schemeClr val="lt1"/>
+          </a:fontRef>
+        </p:style>
+        <p:txBody>
+          <a:bodyPr rtlCol="0" anchor="ctr"/>
+          <a:p>
+            <a:pPr algn="ctr"/>
+            <a:r>
+              <a:rPr lang="zh-CN" altLang="en-US">
+                <a:solidFill>
+                  <a:schemeClr val="bg1"/>
+                </a:solidFill>
+              </a:rPr>
+              <a:t>完成</a:t>
+            </a:r>
+            <a:endParaRPr lang="zh-CN" altLang="en-US">
+              <a:solidFill>
+                <a:schemeClr val="bg1"/>
+              </a:solidFill>
+            </a:endParaRPr>
+          </a:p>
+        </p:txBody>
+      </p:sp>
+      <p:sp>
+        <p:nvSpPr>
+          <p:cNvPr id="2" name="矩形 1"/>
+          <p:cNvSpPr/>
+          <p:nvPr/>
+        </p:nvSpPr>
+        <p:spPr>
+          <a:xfrm>
+            <a:off x="2157730" y="3820795"/>
+            <a:ext cx="3673475" cy="468630"/>
+          </a:xfrm>
+          <a:prstGeom prst="rect">
+            <a:avLst/>
+          </a:prstGeom>
+          <a:noFill/>
+          <a:extLst>
+            <a:ext uri="{909E8E84-426E-40DD-AFC4-6F175D3DCCD1}">
+              <a14:hiddenFill xmlns:a14="http://schemas.microsoft.com/office/drawing/2010/main">
+                <a:solidFill>
+                  <a:schemeClr val="accent1"/>
+                </a:solidFill>
+              </a14:hiddenFill>
+            </a:ext>
+          </a:extLst>
+        </p:spPr>
+        <p:style>
+          <a:lnRef idx="2">
+            <a:schemeClr val="accent1">
+              <a:shade val="50000"/>
+            </a:schemeClr>
+          </a:lnRef>
+          <a:fillRef idx="1">
+            <a:schemeClr val="accent1"/>
+          </a:fillRef>
+          <a:effectRef idx="0">
+            <a:schemeClr val="accent1"/>
+          </a:effectRef>
+          <a:fontRef idx="minor">
+            <a:schemeClr val="lt1"/>
+          </a:fontRef>
+        </p:style>
+        <p:txBody>
+          <a:bodyPr rtlCol="0" anchor="ctr"/>
+          <a:p>
+            <a:pPr algn="ctr"/>
+            <a:r>
+              <a:rPr lang="zh-CN" altLang="en-US">
+                <a:solidFill>
+                  <a:schemeClr val="tx1"/>
+                </a:solidFill>
+              </a:rPr>
+              <a:t>入住时间</a:t>
+            </a:r>
+            <a:endParaRPr lang="zh-CN" altLang="en-US">
+              <a:solidFill>
+                <a:schemeClr val="tx1"/>
+              </a:solidFill>
+            </a:endParaRPr>
+          </a:p>
+        </p:txBody>
+      </p:sp>
+      <p:sp>
+        <p:nvSpPr>
+          <p:cNvPr id="3" name="矩形 2"/>
+          <p:cNvSpPr/>
+          <p:nvPr/>
+        </p:nvSpPr>
+        <p:spPr>
+          <a:xfrm>
+            <a:off x="5917565" y="3820795"/>
+            <a:ext cx="3600450" cy="468630"/>
+          </a:xfrm>
+          <a:prstGeom prst="rect">
+            <a:avLst/>
+          </a:prstGeom>
+          <a:noFill/>
+          <a:extLst>
+            <a:ext uri="{909E8E84-426E-40DD-AFC4-6F175D3DCCD1}">
+              <a14:hiddenFill xmlns:a14="http://schemas.microsoft.com/office/drawing/2010/main">
+                <a:solidFill>
+                  <a:schemeClr val="accent1"/>
+                </a:solidFill>
+              </a14:hiddenFill>
+            </a:ext>
+          </a:extLst>
+        </p:spPr>
+        <p:style>
+          <a:lnRef idx="2">
+            <a:schemeClr val="accent1">
+              <a:shade val="50000"/>
+            </a:schemeClr>
+          </a:lnRef>
+          <a:fillRef idx="1">
+            <a:schemeClr val="accent1"/>
+          </a:fillRef>
+          <a:effectRef idx="0">
+            <a:schemeClr val="accent1"/>
+          </a:effectRef>
+          <a:fontRef idx="minor">
+            <a:schemeClr val="lt1"/>
+          </a:fontRef>
+        </p:style>
+        <p:txBody>
+          <a:bodyPr rtlCol="0" anchor="ctr"/>
+          <a:p>
+            <a:pPr algn="ctr"/>
+            <a:r>
+              <a:rPr lang="zh-CN" altLang="en-US">
+                <a:solidFill>
+                  <a:schemeClr val="tx1"/>
+                </a:solidFill>
+              </a:rPr>
+              <a:t>离店时间</a:t>
+            </a:r>
+            <a:endParaRPr lang="zh-CN" altLang="en-US">
+              <a:solidFill>
+                <a:schemeClr val="tx1"/>
+              </a:solidFill>
+            </a:endParaRPr>
+          </a:p>
+        </p:txBody>
+      </p:sp>
+    </p:spTree>
+    <p:custDataLst>
+      <p:tags r:id="rId1"/>
+    </p:custDataLst>
+  </p:cSld>
+  <p:clrMapOvr>
+    <a:masterClrMapping/>
+  </p:clrMapOvr>
+</p:sld>
+</file>
+
+<file path=ppt/slides/slide10.xml><?xml version="1.0" encoding="utf-8"?>
+<p:sld xmlns:a="http://schemas.openxmlformats.org/drawingml/2006/main" xmlns:r="http://schemas.openxmlformats.org/officeDocument/2006/relationships" xmlns:p="http://schemas.openxmlformats.org/presentationml/2006/main">
+  <p:cSld>
+    <p:spTree>
+      <p:nvGrpSpPr>
+        <p:cNvPr id="1" name=""/>
+        <p:cNvGrpSpPr/>
+        <p:nvPr/>
+      </p:nvGrpSpPr>
+      <p:grpSpPr>
+        <a:xfrm>
+          <a:off x="0" y="0"/>
+          <a:ext cx="0" cy="0"/>
+          <a:chOff x="0" y="0"/>
+          <a:chExt cx="0" cy="0"/>
+        </a:xfrm>
+      </p:grpSpPr>
+      <p:sp>
+        <p:nvSpPr>
+          <p:cNvPr id="7" name="矩形 6"/>
+          <p:cNvSpPr/>
+          <p:nvPr/>
+        </p:nvSpPr>
+        <p:spPr>
+          <a:xfrm>
+            <a:off x="904875" y="368300"/>
+            <a:ext cx="3142615" cy="6168390"/>
+          </a:xfrm>
+          <a:prstGeom prst="rect">
+            <a:avLst/>
+          </a:prstGeom>
+          <a:solidFill>
+            <a:srgbClr val="000000">
+              <a:alpha val="0"/>
+            </a:srgbClr>
+          </a:solidFill>
+          <a:ln w="19050"/>
+          <a:extLst>
+            <a:ext uri="{909E8E84-426E-40DD-AFC4-6F175D3DCCD1}">
+              <a14:hiddenFill xmlns:a14="http://schemas.microsoft.com/office/drawing/2010/main">
+                <a:solidFill>
+                  <a:schemeClr val="accent1"/>
+                </a:solidFill>
+              </a14:hiddenFill>
+            </a:ext>
+          </a:extLst>
+        </p:spPr>
+        <p:style>
+          <a:lnRef idx="1">
+            <a:schemeClr val="accent1"/>
+          </a:lnRef>
+          <a:fillRef idx="2">
+            <a:schemeClr val="accent1"/>
+          </a:fillRef>
+          <a:effectRef idx="1">
+            <a:schemeClr val="accent1"/>
+          </a:effectRef>
+          <a:fontRef idx="minor">
+            <a:schemeClr val="dk1"/>
+          </a:fontRef>
+        </p:style>
+        <p:txBody>
+          <a:bodyPr rtlCol="0" anchor="ctr"/>
+          <a:p>
+            <a:pPr algn="ctr"/>
+            <a:endParaRPr lang="zh-CN" altLang="en-US"/>
+          </a:p>
+        </p:txBody>
+      </p:sp>
+      <p:sp>
+        <p:nvSpPr>
+          <p:cNvPr id="4" name="文本框 3"/>
+          <p:cNvSpPr txBox="1"/>
+          <p:nvPr/>
+        </p:nvSpPr>
+        <p:spPr>
+          <a:xfrm>
+            <a:off x="0" y="0"/>
+            <a:ext cx="3053080" cy="645160"/>
+          </a:xfrm>
+          <a:prstGeom prst="rect">
+            <a:avLst/>
+          </a:prstGeom>
+          <a:noFill/>
+        </p:spPr>
+        <p:txBody>
+          <a:bodyPr wrap="none" rtlCol="0">
+            <a:spAutoFit/>
+          </a:bodyPr>
+          <a:p>
+            <a:pPr algn="l"/>
+            <a:r>
+              <a:rPr lang="zh-CN">
+                <a:sym typeface="+mn-ea"/>
+              </a:rPr>
+              <a:t>学生报名界面</a:t>
+            </a:r>
+            <a:r>
+              <a:rPr lang="en-US" altLang="zh-CN">
+                <a:sym typeface="+mn-ea"/>
+              </a:rPr>
+              <a:t>5</a:t>
+            </a:r>
+            <a:r>
+              <a:rPr lang="en-US" altLang="zh-CN">
+                <a:sym typeface="+mn-ea"/>
+              </a:rPr>
+              <a:t>——</a:t>
+            </a:r>
+            <a:r>
+              <a:rPr lang="zh-CN" altLang="en-US">
+                <a:solidFill>
+                  <a:srgbClr val="FF0000"/>
+                </a:solidFill>
+                <a:sym typeface="+mn-ea"/>
+              </a:rPr>
+              <a:t>统一付费</a:t>
+            </a:r>
+            <a:endParaRPr lang="zh-CN" altLang="en-US">
+              <a:solidFill>
+                <a:srgbClr val="FF0000"/>
+              </a:solidFill>
+            </a:endParaRPr>
+          </a:p>
+          <a:p>
+            <a:pPr algn="l"/>
+            <a:endParaRPr lang="en-US" altLang="zh-CN">
+              <a:sym typeface="+mn-ea"/>
+            </a:endParaRPr>
+          </a:p>
+        </p:txBody>
+      </p:sp>
+      <p:sp>
+        <p:nvSpPr>
+          <p:cNvPr id="11" name="矩形 10"/>
+          <p:cNvSpPr/>
+          <p:nvPr/>
+        </p:nvSpPr>
+        <p:spPr>
+          <a:xfrm>
+            <a:off x="1740535" y="538480"/>
+            <a:ext cx="1471930" cy="320040"/>
+          </a:xfrm>
+          <a:prstGeom prst="rect">
+            <a:avLst/>
+          </a:prstGeom>
+        </p:spPr>
+        <p:style>
+          <a:lnRef idx="2">
+            <a:schemeClr val="accent1">
+              <a:shade val="50000"/>
+            </a:schemeClr>
+          </a:lnRef>
+          <a:fillRef idx="1">
+            <a:schemeClr val="accent1"/>
+          </a:fillRef>
+          <a:effectRef idx="0">
+            <a:schemeClr val="accent1"/>
+          </a:effectRef>
+          <a:fontRef idx="minor">
+            <a:schemeClr val="lt1"/>
+          </a:fontRef>
+        </p:style>
+        <p:txBody>
+          <a:bodyPr rtlCol="0" anchor="ctr"/>
+          <a:p>
+            <a:pPr algn="ctr"/>
+            <a:r>
+              <a:rPr lang="zh-CN" altLang="en-US" sz="2000">
+                <a:solidFill>
+                  <a:schemeClr val="bg1"/>
+                </a:solidFill>
+              </a:rPr>
+              <a:t>住宿方式</a:t>
+            </a:r>
+            <a:endParaRPr lang="zh-CN" altLang="en-US" sz="2000">
+              <a:solidFill>
+                <a:schemeClr val="bg1"/>
+              </a:solidFill>
+            </a:endParaRPr>
+          </a:p>
+        </p:txBody>
+      </p:sp>
+      <p:sp>
+        <p:nvSpPr>
+          <p:cNvPr id="15" name="矩形 14"/>
+          <p:cNvSpPr/>
+          <p:nvPr/>
+        </p:nvSpPr>
+        <p:spPr>
+          <a:xfrm>
+            <a:off x="1007110" y="2289175"/>
+            <a:ext cx="2938780" cy="589915"/>
+          </a:xfrm>
+          <a:prstGeom prst="rect">
+            <a:avLst/>
+          </a:prstGeom>
+          <a:noFill/>
+          <a:extLst>
+            <a:ext uri="{909E8E84-426E-40DD-AFC4-6F175D3DCCD1}">
+              <a14:hiddenFill xmlns:a14="http://schemas.microsoft.com/office/drawing/2010/main">
+                <a:solidFill>
+                  <a:schemeClr val="accent1"/>
+                </a:solidFill>
+              </a14:hiddenFill>
+            </a:ext>
+          </a:extLst>
+        </p:spPr>
+        <p:style>
+          <a:lnRef idx="2">
+            <a:schemeClr val="accent1">
+              <a:shade val="50000"/>
+            </a:schemeClr>
+          </a:lnRef>
+          <a:fillRef idx="1">
+            <a:schemeClr val="accent1"/>
+          </a:fillRef>
+          <a:effectRef idx="0">
+            <a:schemeClr val="accent1"/>
+          </a:effectRef>
+          <a:fontRef idx="minor">
+            <a:schemeClr val="lt1"/>
+          </a:fontRef>
+        </p:style>
+        <p:txBody>
+          <a:bodyPr rtlCol="0" anchor="ctr"/>
+          <a:p>
+            <a:pPr algn="ctr"/>
+            <a:r>
+              <a:rPr lang="zh-CN">
+                <a:solidFill>
+                  <a:schemeClr val="tx1"/>
+                </a:solidFill>
+              </a:rPr>
+              <a:t>系统将自动为您分配房间</a:t>
+            </a:r>
+            <a:endParaRPr lang="zh-CN">
+              <a:solidFill>
+                <a:schemeClr val="tx1"/>
+              </a:solidFill>
+            </a:endParaRPr>
+          </a:p>
+        </p:txBody>
+      </p:sp>
+      <p:sp>
+        <p:nvSpPr>
+          <p:cNvPr id="6" name="矩形 5"/>
+          <p:cNvSpPr/>
+          <p:nvPr/>
+        </p:nvSpPr>
+        <p:spPr>
+          <a:xfrm>
+            <a:off x="904875" y="368300"/>
+            <a:ext cx="1102995" cy="191770"/>
+          </a:xfrm>
+          <a:prstGeom prst="rect">
+            <a:avLst/>
+          </a:prstGeom>
+          <a:noFill/>
+          <a:ln>
+            <a:solidFill>
+              <a:srgbClr val="FF0000"/>
+            </a:solidFill>
+          </a:ln>
+          <a:extLst>
+            <a:ext uri="{909E8E84-426E-40DD-AFC4-6F175D3DCCD1}">
+              <a14:hiddenFill xmlns:a14="http://schemas.microsoft.com/office/drawing/2010/main">
+                <a:solidFill>
+                  <a:schemeClr val="accent1"/>
+                </a:solidFill>
+              </a14:hiddenFill>
+            </a:ext>
+          </a:extLst>
+        </p:spPr>
+        <p:style>
+          <a:lnRef idx="2">
+            <a:schemeClr val="accent1">
+              <a:shade val="50000"/>
+            </a:schemeClr>
+          </a:lnRef>
+          <a:fillRef idx="1">
+            <a:schemeClr val="accent1"/>
+          </a:fillRef>
+          <a:effectRef idx="0">
+            <a:schemeClr val="accent1"/>
+          </a:effectRef>
+          <a:fontRef idx="minor">
+            <a:schemeClr val="lt1"/>
+          </a:fontRef>
+        </p:style>
+        <p:txBody>
+          <a:bodyPr rtlCol="0" anchor="ctr"/>
+          <a:p>
+            <a:pPr algn="ctr"/>
+            <a:r>
+              <a:rPr lang="zh-CN" sz="1000">
+                <a:solidFill>
+                  <a:srgbClr val="FF0000"/>
+                </a:solidFill>
+              </a:rPr>
+              <a:t>系统分配入住</a:t>
+            </a:r>
+            <a:endParaRPr lang="zh-CN" sz="1000">
+              <a:solidFill>
+                <a:srgbClr val="FF0000"/>
+              </a:solidFill>
+            </a:endParaRPr>
+          </a:p>
+        </p:txBody>
+      </p:sp>
+      <p:sp>
+        <p:nvSpPr>
+          <p:cNvPr id="2" name="矩形 1"/>
+          <p:cNvSpPr/>
+          <p:nvPr/>
+        </p:nvSpPr>
+        <p:spPr>
+          <a:xfrm>
+            <a:off x="4287520" y="368300"/>
+            <a:ext cx="3142615" cy="6168390"/>
+          </a:xfrm>
+          <a:prstGeom prst="rect">
+            <a:avLst/>
+          </a:prstGeom>
+          <a:solidFill>
+            <a:srgbClr val="000000">
+              <a:alpha val="0"/>
+            </a:srgbClr>
+          </a:solidFill>
+          <a:ln w="19050"/>
+          <a:extLst>
+            <a:ext uri="{909E8E84-426E-40DD-AFC4-6F175D3DCCD1}">
+              <a14:hiddenFill xmlns:a14="http://schemas.microsoft.com/office/drawing/2010/main">
+                <a:solidFill>
+                  <a:schemeClr val="accent1"/>
+                </a:solidFill>
+              </a14:hiddenFill>
+            </a:ext>
+          </a:extLst>
+        </p:spPr>
+        <p:style>
+          <a:lnRef idx="1">
+            <a:schemeClr val="accent1"/>
+          </a:lnRef>
+          <a:fillRef idx="2">
+            <a:schemeClr val="accent1"/>
+          </a:fillRef>
+          <a:effectRef idx="1">
+            <a:schemeClr val="accent1"/>
+          </a:effectRef>
+          <a:fontRef idx="minor">
+            <a:schemeClr val="dk1"/>
+          </a:fontRef>
+        </p:style>
+        <p:txBody>
+          <a:bodyPr rtlCol="0" anchor="ctr"/>
+          <a:p>
+            <a:pPr algn="ctr"/>
+            <a:endParaRPr lang="zh-CN" altLang="en-US"/>
+          </a:p>
+        </p:txBody>
+      </p:sp>
+      <p:sp>
+        <p:nvSpPr>
+          <p:cNvPr id="3" name="矩形 2"/>
+          <p:cNvSpPr/>
+          <p:nvPr/>
+        </p:nvSpPr>
+        <p:spPr>
+          <a:xfrm>
+            <a:off x="4944110" y="538480"/>
+            <a:ext cx="1828800" cy="320040"/>
+          </a:xfrm>
+          <a:prstGeom prst="rect">
+            <a:avLst/>
+          </a:prstGeom>
+        </p:spPr>
+        <p:style>
+          <a:lnRef idx="2">
+            <a:schemeClr val="accent1">
+              <a:shade val="50000"/>
+            </a:schemeClr>
+          </a:lnRef>
+          <a:fillRef idx="1">
+            <a:schemeClr val="accent1"/>
+          </a:fillRef>
+          <a:effectRef idx="0">
+            <a:schemeClr val="accent1"/>
+          </a:effectRef>
+          <a:fontRef idx="minor">
+            <a:schemeClr val="lt1"/>
+          </a:fontRef>
+        </p:style>
+        <p:txBody>
+          <a:bodyPr rtlCol="0" anchor="ctr"/>
+          <a:p>
+            <a:pPr algn="ctr"/>
+            <a:r>
+              <a:rPr lang="zh-CN" sz="2000">
+                <a:solidFill>
+                  <a:schemeClr val="bg1"/>
+                </a:solidFill>
+                <a:sym typeface="+mn-ea"/>
+              </a:rPr>
+              <a:t>邀请他人合住</a:t>
+            </a:r>
+            <a:endParaRPr lang="zh-CN" altLang="en-US" sz="2000">
+              <a:solidFill>
+                <a:schemeClr val="bg1"/>
+              </a:solidFill>
+              <a:sym typeface="+mn-ea"/>
+            </a:endParaRPr>
+          </a:p>
+        </p:txBody>
+      </p:sp>
+      <p:sp>
+        <p:nvSpPr>
+          <p:cNvPr id="5" name="矩形 4"/>
+          <p:cNvSpPr/>
+          <p:nvPr/>
+        </p:nvSpPr>
+        <p:spPr>
+          <a:xfrm>
+            <a:off x="4389755" y="2115820"/>
+            <a:ext cx="2938780" cy="589915"/>
+          </a:xfrm>
+          <a:prstGeom prst="rect">
+            <a:avLst/>
+          </a:prstGeom>
+          <a:noFill/>
+          <a:extLst>
+            <a:ext uri="{909E8E84-426E-40DD-AFC4-6F175D3DCCD1}">
+              <a14:hiddenFill xmlns:a14="http://schemas.microsoft.com/office/drawing/2010/main">
+                <a:solidFill>
+                  <a:schemeClr val="accent1"/>
+                </a:solidFill>
+              </a14:hiddenFill>
+            </a:ext>
+          </a:extLst>
+        </p:spPr>
+        <p:style>
+          <a:lnRef idx="2">
+            <a:schemeClr val="accent1">
+              <a:shade val="50000"/>
+            </a:schemeClr>
+          </a:lnRef>
+          <a:fillRef idx="1">
+            <a:schemeClr val="accent1"/>
+          </a:fillRef>
+          <a:effectRef idx="0">
+            <a:schemeClr val="accent1"/>
+          </a:effectRef>
+          <a:fontRef idx="minor">
+            <a:schemeClr val="lt1"/>
+          </a:fontRef>
+        </p:style>
+        <p:txBody>
+          <a:bodyPr rtlCol="0" anchor="ctr"/>
+          <a:p>
+            <a:pPr algn="ctr"/>
+            <a:r>
+              <a:rPr lang="en-US" altLang="zh-CN">
+                <a:solidFill>
+                  <a:schemeClr val="tx1"/>
+                </a:solidFill>
+              </a:rPr>
+              <a:t>1234</a:t>
+            </a:r>
+            <a:endParaRPr lang="en-US" altLang="zh-CN">
+              <a:solidFill>
+                <a:schemeClr val="tx1"/>
+              </a:solidFill>
+            </a:endParaRPr>
+          </a:p>
+        </p:txBody>
+      </p:sp>
+      <p:sp>
+        <p:nvSpPr>
+          <p:cNvPr id="10" name="文本框 9"/>
+          <p:cNvSpPr txBox="1"/>
+          <p:nvPr/>
+        </p:nvSpPr>
+        <p:spPr>
+          <a:xfrm>
+            <a:off x="4389120" y="2877185"/>
+            <a:ext cx="2938145" cy="1168400"/>
+          </a:xfrm>
+          <a:prstGeom prst="rect">
+            <a:avLst/>
+          </a:prstGeom>
+          <a:noFill/>
+        </p:spPr>
+        <p:txBody>
+          <a:bodyPr wrap="square" rtlCol="0">
+            <a:spAutoFit/>
+          </a:bodyPr>
+          <a:p>
+            <a:pPr algn="l"/>
+            <a:r>
+              <a:rPr lang="zh-CN" altLang="en-US" sz="1000">
+                <a:sym typeface="+mn-ea"/>
+              </a:rPr>
+              <a:t>注意</a:t>
+            </a:r>
+            <a:endParaRPr lang="en-US" altLang="zh-CN" sz="1000">
+              <a:sym typeface="+mn-ea"/>
+            </a:endParaRPr>
+          </a:p>
+          <a:p>
+            <a:pPr algn="l"/>
+            <a:r>
+              <a:rPr lang="en-US" altLang="zh-CN" sz="1000">
+                <a:sym typeface="+mn-ea"/>
+              </a:rPr>
+              <a:t>1. </a:t>
+            </a:r>
+            <a:r>
+              <a:rPr lang="zh-CN" sz="1000">
+                <a:sym typeface="+mn-ea"/>
+              </a:rPr>
+              <a:t>将邀请码告知您想邀请的人，由加入房间的人填写至输入框。</a:t>
+            </a:r>
+            <a:endParaRPr lang="zh-CN" sz="1000">
+              <a:sym typeface="+mn-ea"/>
+            </a:endParaRPr>
+          </a:p>
+          <a:p>
+            <a:pPr algn="l"/>
+            <a:r>
+              <a:rPr lang="en-US" altLang="zh-CN" sz="1000">
+                <a:sym typeface="+mn-ea"/>
+              </a:rPr>
+              <a:t>2. </a:t>
+            </a:r>
+            <a:r>
+              <a:rPr lang="zh-CN" altLang="en-US" sz="1000">
+                <a:sym typeface="+mn-ea"/>
+              </a:rPr>
+              <a:t>如截止前没有人加入，并且是</a:t>
+            </a:r>
+            <a:r>
+              <a:rPr lang="zh-CN" altLang="en-US" sz="1000">
+                <a:sym typeface="+mn-ea"/>
+              </a:rPr>
+              <a:t>统一付费的订单，系统将自动分配同住人。</a:t>
+            </a:r>
+            <a:endParaRPr lang="zh-CN" altLang="en-US" sz="1000">
+              <a:sym typeface="+mn-ea"/>
+            </a:endParaRPr>
+          </a:p>
+          <a:p>
+            <a:pPr algn="l"/>
+            <a:r>
+              <a:rPr lang="en-US" altLang="zh-CN" sz="1000">
+                <a:sym typeface="+mn-ea"/>
+              </a:rPr>
+              <a:t>3. </a:t>
+            </a:r>
+            <a:r>
+              <a:rPr lang="zh-CN" altLang="en-US" sz="1000">
+                <a:sym typeface="+mn-ea"/>
+              </a:rPr>
+              <a:t>如截止前没有人加入，并且是自付费订单，默认您独自入住一个房间。</a:t>
+            </a:r>
+            <a:endParaRPr lang="en-US" altLang="zh-CN" sz="1000">
+              <a:sym typeface="+mn-ea"/>
+            </a:endParaRPr>
+          </a:p>
+        </p:txBody>
+      </p:sp>
+      <p:sp>
+        <p:nvSpPr>
+          <p:cNvPr id="31" name="矩形 30"/>
+          <p:cNvSpPr/>
+          <p:nvPr/>
+        </p:nvSpPr>
+        <p:spPr>
+          <a:xfrm>
+            <a:off x="7670800" y="368300"/>
+            <a:ext cx="3142615" cy="6168390"/>
+          </a:xfrm>
+          <a:prstGeom prst="rect">
+            <a:avLst/>
+          </a:prstGeom>
+          <a:solidFill>
+            <a:srgbClr val="000000">
+              <a:alpha val="0"/>
+            </a:srgbClr>
+          </a:solidFill>
+          <a:ln w="19050"/>
+          <a:extLst>
+            <a:ext uri="{909E8E84-426E-40DD-AFC4-6F175D3DCCD1}">
+              <a14:hiddenFill xmlns:a14="http://schemas.microsoft.com/office/drawing/2010/main">
+                <a:solidFill>
+                  <a:schemeClr val="accent1"/>
+                </a:solidFill>
+              </a14:hiddenFill>
+            </a:ext>
+          </a:extLst>
+        </p:spPr>
+        <p:style>
+          <a:lnRef idx="1">
+            <a:schemeClr val="accent1"/>
+          </a:lnRef>
+          <a:fillRef idx="2">
+            <a:schemeClr val="accent1"/>
+          </a:fillRef>
+          <a:effectRef idx="1">
+            <a:schemeClr val="accent1"/>
+          </a:effectRef>
+          <a:fontRef idx="minor">
+            <a:schemeClr val="dk1"/>
+          </a:fontRef>
+        </p:style>
+        <p:txBody>
+          <a:bodyPr rtlCol="0" anchor="ctr"/>
+          <a:p>
+            <a:pPr algn="ctr"/>
+            <a:endParaRPr lang="zh-CN" altLang="en-US"/>
+          </a:p>
+        </p:txBody>
+      </p:sp>
+      <p:sp>
+        <p:nvSpPr>
+          <p:cNvPr id="32" name="矩形 31"/>
+          <p:cNvSpPr/>
+          <p:nvPr/>
+        </p:nvSpPr>
+        <p:spPr>
+          <a:xfrm>
+            <a:off x="8325485" y="538480"/>
+            <a:ext cx="1833245" cy="320040"/>
+          </a:xfrm>
+          <a:prstGeom prst="rect">
+            <a:avLst/>
+          </a:prstGeom>
+        </p:spPr>
+        <p:style>
+          <a:lnRef idx="2">
+            <a:schemeClr val="accent1">
+              <a:shade val="50000"/>
+            </a:schemeClr>
+          </a:lnRef>
+          <a:fillRef idx="1">
+            <a:schemeClr val="accent1"/>
+          </a:fillRef>
+          <a:effectRef idx="0">
+            <a:schemeClr val="accent1"/>
+          </a:effectRef>
+          <a:fontRef idx="minor">
+            <a:schemeClr val="lt1"/>
+          </a:fontRef>
+        </p:style>
+        <p:txBody>
+          <a:bodyPr rtlCol="0" anchor="ctr"/>
+          <a:p>
+            <a:pPr algn="ctr"/>
+            <a:r>
+              <a:rPr lang="zh-CN" altLang="en-US" sz="2000">
+                <a:solidFill>
+                  <a:schemeClr val="bg1"/>
+                </a:solidFill>
+              </a:rPr>
+              <a:t>加入他人房间</a:t>
+            </a:r>
+            <a:endParaRPr lang="zh-CN" altLang="en-US" sz="2000">
+              <a:solidFill>
+                <a:schemeClr val="bg1"/>
+              </a:solidFill>
+            </a:endParaRPr>
+          </a:p>
+        </p:txBody>
+      </p:sp>
+      <p:sp>
+        <p:nvSpPr>
+          <p:cNvPr id="37" name="矩形 36"/>
+          <p:cNvSpPr/>
+          <p:nvPr/>
+        </p:nvSpPr>
+        <p:spPr>
+          <a:xfrm>
+            <a:off x="7773035" y="2133600"/>
+            <a:ext cx="2938780" cy="572135"/>
+          </a:xfrm>
+          <a:prstGeom prst="rect">
+            <a:avLst/>
+          </a:prstGeom>
+          <a:noFill/>
+          <a:extLst>
+            <a:ext uri="{909E8E84-426E-40DD-AFC4-6F175D3DCCD1}">
+              <a14:hiddenFill xmlns:a14="http://schemas.microsoft.com/office/drawing/2010/main">
+                <a:solidFill>
+                  <a:schemeClr val="accent1"/>
+                </a:solidFill>
+              </a14:hiddenFill>
+            </a:ext>
+          </a:extLst>
+        </p:spPr>
+        <p:style>
+          <a:lnRef idx="2">
+            <a:schemeClr val="accent1">
+              <a:shade val="50000"/>
+            </a:schemeClr>
+          </a:lnRef>
+          <a:fillRef idx="1">
+            <a:schemeClr val="accent1"/>
+          </a:fillRef>
+          <a:effectRef idx="0">
+            <a:schemeClr val="accent1"/>
+          </a:effectRef>
+          <a:fontRef idx="minor">
+            <a:schemeClr val="lt1"/>
+          </a:fontRef>
+        </p:style>
+        <p:txBody>
+          <a:bodyPr rtlCol="0" anchor="ctr"/>
+          <a:p>
+            <a:pPr algn="ctr"/>
+            <a:r>
+              <a:rPr lang="zh-CN">
+                <a:solidFill>
+                  <a:schemeClr val="tx1"/>
+                </a:solidFill>
+              </a:rPr>
+              <a:t>输入邀请码</a:t>
+            </a:r>
+            <a:endParaRPr lang="zh-CN">
+              <a:solidFill>
+                <a:schemeClr val="tx1"/>
+              </a:solidFill>
+            </a:endParaRPr>
+          </a:p>
+        </p:txBody>
+      </p:sp>
+      <p:sp>
+        <p:nvSpPr>
+          <p:cNvPr id="38" name="文本框 37"/>
+          <p:cNvSpPr txBox="1"/>
+          <p:nvPr/>
+        </p:nvSpPr>
+        <p:spPr>
+          <a:xfrm>
+            <a:off x="7773670" y="2879090"/>
+            <a:ext cx="2938145" cy="1322070"/>
+          </a:xfrm>
+          <a:prstGeom prst="rect">
+            <a:avLst/>
+          </a:prstGeom>
+          <a:noFill/>
+        </p:spPr>
+        <p:txBody>
+          <a:bodyPr wrap="square" rtlCol="0">
+            <a:spAutoFit/>
+          </a:bodyPr>
+          <a:p>
+            <a:pPr algn="l"/>
+            <a:r>
+              <a:rPr lang="zh-CN" altLang="en-US" sz="1000">
+                <a:sym typeface="+mn-ea"/>
+              </a:rPr>
+              <a:t>注意</a:t>
+            </a:r>
+            <a:endParaRPr lang="en-US" altLang="zh-CN" sz="1000">
+              <a:sym typeface="+mn-ea"/>
+            </a:endParaRPr>
+          </a:p>
+          <a:p>
+            <a:pPr algn="l"/>
+            <a:r>
+              <a:rPr lang="en-US" altLang="zh-CN" sz="1000">
+                <a:sym typeface="+mn-ea"/>
+              </a:rPr>
+              <a:t>1. </a:t>
+            </a:r>
+            <a:r>
+              <a:rPr lang="zh-CN" sz="1000">
+                <a:sym typeface="+mn-ea"/>
+              </a:rPr>
+              <a:t>填写合住邀请码，加入他人创建的房间。</a:t>
+            </a:r>
+            <a:endParaRPr lang="zh-CN" sz="1000">
+              <a:sym typeface="+mn-ea"/>
+            </a:endParaRPr>
+          </a:p>
+          <a:p>
+            <a:pPr algn="l"/>
+            <a:r>
+              <a:rPr lang="en-US" altLang="zh-CN" sz="1000">
+                <a:sym typeface="+mn-ea"/>
+              </a:rPr>
+              <a:t>2. </a:t>
+            </a:r>
+            <a:r>
+              <a:rPr lang="zh-CN" altLang="en-US" sz="1000">
+                <a:sym typeface="+mn-ea"/>
+              </a:rPr>
+              <a:t>如截止前没有加入任一房间，并且是统一付费的订单，系统将自动为您分配房间。</a:t>
+            </a:r>
+            <a:endParaRPr lang="zh-CN" altLang="en-US" sz="1000">
+              <a:sym typeface="+mn-ea"/>
+            </a:endParaRPr>
+          </a:p>
+          <a:p>
+            <a:pPr algn="l"/>
+            <a:r>
+              <a:rPr lang="en-US" altLang="zh-CN" sz="1000">
+                <a:sym typeface="+mn-ea"/>
+              </a:rPr>
+              <a:t>3. </a:t>
+            </a:r>
+            <a:r>
+              <a:rPr lang="zh-CN" altLang="en-US" sz="1000">
+                <a:sym typeface="+mn-ea"/>
+              </a:rPr>
+              <a:t>如截止前没有加入任一房间</a:t>
+            </a:r>
+            <a:r>
+              <a:rPr lang="zh-CN" altLang="en-US" sz="1000">
+                <a:sym typeface="+mn-ea"/>
+              </a:rPr>
+              <a:t>，并且没有不属于统一付费订单，系统将视为您主动放弃此次行程。</a:t>
+            </a:r>
+            <a:endParaRPr lang="en-US" altLang="zh-CN" sz="1000">
+              <a:sym typeface="+mn-ea"/>
+            </a:endParaRPr>
+          </a:p>
+          <a:p>
+            <a:pPr algn="l"/>
+            <a:endParaRPr lang="zh-CN" sz="1000">
+              <a:sym typeface="+mn-ea"/>
+            </a:endParaRPr>
+          </a:p>
+          <a:p>
+            <a:pPr algn="l"/>
+            <a:endParaRPr lang="zh-CN" sz="1000">
+              <a:sym typeface="+mn-ea"/>
+            </a:endParaRPr>
+          </a:p>
+        </p:txBody>
+      </p:sp>
+      <p:sp>
+        <p:nvSpPr>
+          <p:cNvPr id="39" name="矩形 38"/>
+          <p:cNvSpPr/>
+          <p:nvPr/>
+        </p:nvSpPr>
+        <p:spPr>
+          <a:xfrm>
+            <a:off x="1296670" y="5666740"/>
+            <a:ext cx="2359025" cy="432435"/>
+          </a:xfrm>
+          <a:prstGeom prst="rect">
+            <a:avLst/>
+          </a:prstGeom>
+          <a:solidFill>
+            <a:srgbClr val="00B050"/>
+          </a:solidFill>
+          <a:ln>
+            <a:noFill/>
+          </a:ln>
+        </p:spPr>
+        <p:style>
+          <a:lnRef idx="2">
+            <a:schemeClr val="accent1">
+              <a:shade val="50000"/>
+            </a:schemeClr>
+          </a:lnRef>
+          <a:fillRef idx="1">
+            <a:schemeClr val="accent1"/>
+          </a:fillRef>
+          <a:effectRef idx="0">
+            <a:schemeClr val="accent1"/>
+          </a:effectRef>
+          <a:fontRef idx="minor">
+            <a:schemeClr val="lt1"/>
+          </a:fontRef>
+        </p:style>
+        <p:txBody>
+          <a:bodyPr rtlCol="0" anchor="ctr"/>
+          <a:p>
+            <a:pPr algn="ctr"/>
+            <a:r>
+              <a:rPr lang="zh-CN" altLang="en-US">
+                <a:solidFill>
+                  <a:schemeClr val="bg1"/>
+                </a:solidFill>
+              </a:rPr>
+              <a:t>完成</a:t>
+            </a:r>
+            <a:endParaRPr lang="zh-CN" altLang="en-US">
+              <a:solidFill>
+                <a:schemeClr val="bg1"/>
+              </a:solidFill>
+            </a:endParaRPr>
+          </a:p>
+        </p:txBody>
+      </p:sp>
+      <p:sp>
+        <p:nvSpPr>
+          <p:cNvPr id="40" name="矩形 39"/>
+          <p:cNvSpPr/>
+          <p:nvPr/>
+        </p:nvSpPr>
+        <p:spPr>
+          <a:xfrm>
+            <a:off x="4389755" y="1238250"/>
+            <a:ext cx="2938780" cy="589915"/>
+          </a:xfrm>
+          <a:prstGeom prst="rect">
+            <a:avLst/>
+          </a:prstGeom>
+          <a:noFill/>
+          <a:ln>
+            <a:noFill/>
+          </a:ln>
+          <a:extLst>
+            <a:ext uri="{909E8E84-426E-40DD-AFC4-6F175D3DCCD1}">
+              <a14:hiddenFill xmlns:a14="http://schemas.microsoft.com/office/drawing/2010/main">
+                <a:solidFill>
+                  <a:schemeClr val="accent1"/>
+                </a:solidFill>
+              </a14:hiddenFill>
+            </a:ext>
+          </a:extLst>
+        </p:spPr>
+        <p:style>
+          <a:lnRef idx="2">
+            <a:schemeClr val="accent1">
+              <a:shade val="50000"/>
+            </a:schemeClr>
+          </a:lnRef>
+          <a:fillRef idx="1">
+            <a:schemeClr val="accent1"/>
+          </a:fillRef>
+          <a:effectRef idx="0">
+            <a:schemeClr val="accent1"/>
+          </a:effectRef>
+          <a:fontRef idx="minor">
+            <a:schemeClr val="lt1"/>
+          </a:fontRef>
+        </p:style>
+        <p:txBody>
+          <a:bodyPr rtlCol="0" anchor="ctr"/>
+          <a:p>
+            <a:pPr algn="ctr"/>
+            <a:r>
+              <a:rPr lang="zh-CN">
+                <a:solidFill>
+                  <a:schemeClr val="tx1"/>
+                </a:solidFill>
+              </a:rPr>
+              <a:t>邀请码</a:t>
+            </a:r>
+            <a:endParaRPr lang="zh-CN">
+              <a:solidFill>
+                <a:schemeClr val="tx1"/>
+              </a:solidFill>
+            </a:endParaRPr>
+          </a:p>
+        </p:txBody>
+      </p:sp>
+      <p:sp>
+        <p:nvSpPr>
+          <p:cNvPr id="41" name="矩形 40"/>
+          <p:cNvSpPr/>
+          <p:nvPr/>
+        </p:nvSpPr>
+        <p:spPr>
+          <a:xfrm>
+            <a:off x="4679950" y="5666740"/>
+            <a:ext cx="2359025" cy="432435"/>
+          </a:xfrm>
+          <a:prstGeom prst="rect">
+            <a:avLst/>
+          </a:prstGeom>
+          <a:solidFill>
+            <a:srgbClr val="00B050"/>
+          </a:solidFill>
+          <a:ln>
+            <a:noFill/>
+          </a:ln>
+        </p:spPr>
+        <p:style>
+          <a:lnRef idx="2">
+            <a:schemeClr val="accent1">
+              <a:shade val="50000"/>
+            </a:schemeClr>
+          </a:lnRef>
+          <a:fillRef idx="1">
+            <a:schemeClr val="accent1"/>
+          </a:fillRef>
+          <a:effectRef idx="0">
+            <a:schemeClr val="accent1"/>
+          </a:effectRef>
+          <a:fontRef idx="minor">
+            <a:schemeClr val="lt1"/>
+          </a:fontRef>
+        </p:style>
+        <p:txBody>
+          <a:bodyPr rtlCol="0" anchor="ctr"/>
+          <a:p>
+            <a:pPr algn="ctr"/>
+            <a:r>
+              <a:rPr lang="zh-CN" altLang="en-US">
+                <a:solidFill>
+                  <a:schemeClr val="bg1"/>
+                </a:solidFill>
+              </a:rPr>
+              <a:t>检查入住信息</a:t>
+            </a:r>
+            <a:endParaRPr lang="zh-CN" altLang="en-US">
+              <a:solidFill>
+                <a:schemeClr val="bg1"/>
+              </a:solidFill>
+            </a:endParaRPr>
+          </a:p>
+        </p:txBody>
+      </p:sp>
+      <p:sp>
+        <p:nvSpPr>
+          <p:cNvPr id="42" name="矩形 41"/>
+          <p:cNvSpPr/>
+          <p:nvPr/>
+        </p:nvSpPr>
+        <p:spPr>
+          <a:xfrm>
+            <a:off x="8062595" y="5666740"/>
+            <a:ext cx="2359025" cy="432435"/>
+          </a:xfrm>
+          <a:prstGeom prst="rect">
+            <a:avLst/>
+          </a:prstGeom>
+          <a:solidFill>
+            <a:srgbClr val="00B050"/>
+          </a:solidFill>
+          <a:ln>
+            <a:noFill/>
+          </a:ln>
+        </p:spPr>
+        <p:style>
+          <a:lnRef idx="2">
+            <a:schemeClr val="accent1">
+              <a:shade val="50000"/>
+            </a:schemeClr>
+          </a:lnRef>
+          <a:fillRef idx="1">
+            <a:schemeClr val="accent1"/>
+          </a:fillRef>
+          <a:effectRef idx="0">
+            <a:schemeClr val="accent1"/>
+          </a:effectRef>
+          <a:fontRef idx="minor">
+            <a:schemeClr val="lt1"/>
+          </a:fontRef>
+        </p:style>
+        <p:txBody>
+          <a:bodyPr rtlCol="0" anchor="ctr"/>
+          <a:p>
+            <a:pPr algn="ctr"/>
+            <a:r>
+              <a:rPr lang="zh-CN" altLang="en-US">
+                <a:solidFill>
+                  <a:schemeClr val="bg1"/>
+                </a:solidFill>
+              </a:rPr>
+              <a:t>加入房间</a:t>
+            </a:r>
+            <a:endParaRPr lang="zh-CN" altLang="en-US">
+              <a:solidFill>
+                <a:schemeClr val="bg1"/>
+              </a:solidFill>
+            </a:endParaRPr>
+          </a:p>
+        </p:txBody>
+      </p:sp>
     </p:spTree>
     <p:custDataLst>
       <p:tags r:id="rId1"/>
@@ -5890,7 +7162,7 @@
         <p:spPr>
           <a:xfrm>
             <a:off x="0" y="0"/>
-            <a:ext cx="2595880" cy="368300"/>
+            <a:ext cx="3383280" cy="368300"/>
           </a:xfrm>
           <a:prstGeom prst="rect">
             <a:avLst/>
@@ -5911,14 +7183,10 @@
               <a:t>——</a:t>
             </a:r>
             <a:r>
-              <a:rPr lang="zh-CN" altLang="en-US"/>
-              <a:t>页面</a:t>
-            </a:r>
-            <a:r>
-              <a:rPr lang="en-US" altLang="zh-CN"/>
-              <a:t>1</a:t>
-            </a:r>
-            <a:endParaRPr lang="en-US" altLang="zh-CN"/>
+              <a:rPr lang="zh-CN"/>
+              <a:t>选择考试模板</a:t>
+            </a:r>
+            <a:endParaRPr lang="zh-CN"/>
           </a:p>
         </p:txBody>
       </p:sp>
@@ -5930,7 +7198,7 @@
         </p:nvSpPr>
         <p:spPr>
           <a:xfrm>
-            <a:off x="1727200" y="1181735"/>
+            <a:off x="1715135" y="2358390"/>
             <a:ext cx="7360285" cy="468630"/>
           </a:xfrm>
           <a:prstGeom prst="rect">
@@ -5992,7 +7260,7 @@
         <p:spPr>
           <a:xfrm>
             <a:off x="9454515" y="1231900"/>
-            <a:ext cx="2217420" cy="368300"/>
+            <a:ext cx="2217420" cy="645160"/>
           </a:xfrm>
           <a:prstGeom prst="rect">
             <a:avLst/>
@@ -6010,7 +7278,7 @@
                   <a:srgbClr val="FF0000"/>
                 </a:solidFill>
               </a:rPr>
-              <a:t>选择一个考试模板</a:t>
+              <a:t>选择一个考试模板后进入下一步</a:t>
             </a:r>
             <a:endParaRPr lang="zh-CN" altLang="en-US">
               <a:solidFill>
@@ -6028,7 +7296,7 @@
         </p:nvSpPr>
         <p:spPr>
           <a:xfrm>
-            <a:off x="1726565" y="467995"/>
+            <a:off x="1714500" y="1644650"/>
             <a:ext cx="7361555" cy="408305"/>
           </a:xfrm>
           <a:prstGeom prst="roundRect">
@@ -6084,7 +7352,7 @@
         </p:nvSpPr>
         <p:spPr>
           <a:xfrm>
-            <a:off x="8456930" y="503555"/>
+            <a:off x="8444865" y="1680210"/>
             <a:ext cx="589280" cy="337185"/>
           </a:xfrm>
           <a:prstGeom prst="rect">
@@ -6113,7 +7381,7 @@
         </p:nvSpPr>
         <p:spPr>
           <a:xfrm>
-            <a:off x="1727835" y="1738630"/>
+            <a:off x="1715770" y="2915285"/>
             <a:ext cx="7360285" cy="468630"/>
           </a:xfrm>
           <a:prstGeom prst="rect">
@@ -6174,22 +7442,18 @@
         </p:nvSpPr>
         <p:spPr>
           <a:xfrm>
-            <a:off x="1727835" y="2866390"/>
-            <a:ext cx="7360285" cy="468630"/>
+            <a:off x="1715770" y="4619625"/>
+            <a:ext cx="7360285" cy="432435"/>
           </a:xfrm>
           <a:prstGeom prst="rect">
             <a:avLst/>
           </a:prstGeom>
-          <a:noFill/>
-          <a:extLst>
-            <a:ext uri="{909E8E84-426E-40DD-AFC4-6F175D3DCCD1}">
-              <a14:hiddenFill xmlns:a14="http://schemas.microsoft.com/office/drawing/2010/main">
-                <a:solidFill>
-                  <a:schemeClr val="accent1"/>
-                </a:solidFill>
-              </a14:hiddenFill>
-            </a:ext>
-          </a:extLst>
+          <a:solidFill>
+            <a:srgbClr val="00B050"/>
+          </a:solidFill>
+          <a:ln>
+            <a:noFill/>
+          </a:ln>
         </p:spPr>
         <p:style>
           <a:lnRef idx="2">
@@ -6214,14 +7478,14 @@
             <a:r>
               <a:rPr lang="zh-CN" altLang="en-US">
                 <a:solidFill>
-                  <a:schemeClr val="tx1"/>
-                </a:solidFill>
-              </a:rPr>
-              <a:t>2020云南省公务员考试</a:t>
+                  <a:schemeClr val="bg1"/>
+                </a:solidFill>
+              </a:rPr>
+              <a:t>添加模板</a:t>
             </a:r>
             <a:endParaRPr lang="zh-CN" altLang="en-US">
               <a:solidFill>
-                <a:schemeClr val="tx1"/>
+                <a:schemeClr val="bg1"/>
               </a:solidFill>
             </a:endParaRPr>
           </a:p>
@@ -6235,7 +7499,7 @@
         </p:nvSpPr>
         <p:spPr>
           <a:xfrm>
-            <a:off x="1727200" y="2295525"/>
+            <a:off x="1715135" y="3472180"/>
             <a:ext cx="7360285" cy="468630"/>
           </a:xfrm>
           <a:prstGeom prst="rect">
@@ -6285,6 +7549,96 @@
                 <a:schemeClr val="tx1"/>
               </a:solidFill>
             </a:endParaRPr>
+          </a:p>
+        </p:txBody>
+      </p:sp>
+      <p:sp>
+        <p:nvSpPr>
+          <p:cNvPr id="2" name="矩形 1"/>
+          <p:cNvSpPr/>
+          <p:nvPr/>
+        </p:nvSpPr>
+        <p:spPr>
+          <a:xfrm>
+            <a:off x="1715770" y="4013835"/>
+            <a:ext cx="7360285" cy="468630"/>
+          </a:xfrm>
+          <a:prstGeom prst="rect">
+            <a:avLst/>
+          </a:prstGeom>
+          <a:noFill/>
+          <a:extLst>
+            <a:ext uri="{909E8E84-426E-40DD-AFC4-6F175D3DCCD1}">
+              <a14:hiddenFill xmlns:a14="http://schemas.microsoft.com/office/drawing/2010/main">
+                <a:solidFill>
+                  <a:schemeClr val="accent1"/>
+                </a:solidFill>
+              </a14:hiddenFill>
+            </a:ext>
+          </a:extLst>
+        </p:spPr>
+        <p:style>
+          <a:lnRef idx="2">
+            <a:schemeClr val="accent1">
+              <a:shade val="50000"/>
+            </a:schemeClr>
+          </a:lnRef>
+          <a:fillRef idx="1">
+            <a:schemeClr val="accent1"/>
+          </a:fillRef>
+          <a:effectRef idx="0">
+            <a:schemeClr val="accent1"/>
+          </a:effectRef>
+          <a:fontRef idx="minor">
+            <a:schemeClr val="lt1"/>
+          </a:fontRef>
+        </p:style>
+        <p:txBody>
+          <a:bodyPr rtlCol="0" anchor="ctr"/>
+          <a:p>
+            <a:pPr algn="ctr"/>
+            <a:r>
+              <a:rPr lang="zh-CN" altLang="en-US">
+                <a:solidFill>
+                  <a:schemeClr val="tx1"/>
+                </a:solidFill>
+              </a:rPr>
+              <a:t>2020云南省公务员考试</a:t>
+            </a:r>
+            <a:endParaRPr lang="zh-CN" altLang="en-US">
+              <a:solidFill>
+                <a:schemeClr val="tx1"/>
+              </a:solidFill>
+            </a:endParaRPr>
+          </a:p>
+        </p:txBody>
+      </p:sp>
+      <p:sp>
+        <p:nvSpPr>
+          <p:cNvPr id="3" name="文本框 2"/>
+          <p:cNvSpPr txBox="1"/>
+          <p:nvPr/>
+        </p:nvSpPr>
+        <p:spPr>
+          <a:xfrm>
+            <a:off x="4618990" y="704215"/>
+            <a:ext cx="1706880" cy="398780"/>
+          </a:xfrm>
+          <a:prstGeom prst="rect">
+            <a:avLst/>
+          </a:prstGeom>
+          <a:noFill/>
+        </p:spPr>
+        <p:txBody>
+          <a:bodyPr wrap="none" rtlCol="0">
+            <a:spAutoFit/>
+          </a:bodyPr>
+          <a:p>
+            <a:r>
+              <a:rPr lang="zh-CN" sz="2000" b="1"/>
+              <a:t>选择考试模板</a:t>
+            </a:r>
+            <a:endParaRPr lang="zh-CN" sz="2000" b="1"/>
           </a:p>
         </p:txBody>
       </p:sp>
@@ -6324,8 +7678,8 @@
         </p:nvSpPr>
         <p:spPr>
           <a:xfrm>
-            <a:off x="1513840" y="104140"/>
-            <a:ext cx="3692525" cy="6540500"/>
+            <a:off x="230505" y="368300"/>
+            <a:ext cx="11555730" cy="6331585"/>
           </a:xfrm>
           <a:prstGeom prst="rect">
             <a:avLst/>
@@ -6370,14 +7724,1991 @@
       </p:sp>
       <p:sp>
         <p:nvSpPr>
+          <p:cNvPr id="4" name="文本框 3"/>
+          <p:cNvSpPr txBox="1"/>
+          <p:nvPr/>
+        </p:nvSpPr>
+        <p:spPr>
+          <a:xfrm>
+            <a:off x="0" y="0"/>
+            <a:ext cx="3383280" cy="645160"/>
+          </a:xfrm>
+          <a:prstGeom prst="rect">
+            <a:avLst/>
+          </a:prstGeom>
+          <a:noFill/>
+        </p:spPr>
+        <p:txBody>
+          <a:bodyPr wrap="none" rtlCol="0">
+            <a:spAutoFit/>
+          </a:bodyPr>
+          <a:p>
+            <a:pPr algn="l"/>
+            <a:r>
+              <a:rPr lang="zh-CN" altLang="en-US">
+                <a:sym typeface="+mn-ea"/>
+              </a:rPr>
+              <a:t>创建考试订单</a:t>
+            </a:r>
+            <a:r>
+              <a:rPr lang="en-US" altLang="zh-CN">
+                <a:sym typeface="+mn-ea"/>
+              </a:rPr>
+              <a:t>——</a:t>
+            </a:r>
+            <a:r>
+              <a:rPr lang="zh-CN" altLang="en-US">
+                <a:sym typeface="+mn-ea"/>
+              </a:rPr>
+              <a:t>编辑</a:t>
+            </a:r>
+            <a:r>
+              <a:rPr lang="zh-CN">
+                <a:sym typeface="+mn-ea"/>
+              </a:rPr>
+              <a:t>考试模板</a:t>
+            </a:r>
+            <a:endParaRPr lang="zh-CN"/>
+          </a:p>
+          <a:p>
+            <a:endParaRPr lang="zh-CN" altLang="en-US"/>
+          </a:p>
+        </p:txBody>
+      </p:sp>
+      <p:sp>
+        <p:nvSpPr>
+          <p:cNvPr id="5" name="矩形 4"/>
+          <p:cNvSpPr/>
+          <p:nvPr/>
+        </p:nvSpPr>
+        <p:spPr>
+          <a:xfrm>
+            <a:off x="2134870" y="598170"/>
+            <a:ext cx="7360285" cy="468630"/>
+          </a:xfrm>
+          <a:prstGeom prst="rect">
+            <a:avLst/>
+          </a:prstGeom>
+          <a:noFill/>
+          <a:extLst>
+            <a:ext uri="{909E8E84-426E-40DD-AFC4-6F175D3DCCD1}">
+              <a14:hiddenFill xmlns:a14="http://schemas.microsoft.com/office/drawing/2010/main">
+                <a:solidFill>
+                  <a:schemeClr val="accent1"/>
+                </a:solidFill>
+              </a14:hiddenFill>
+            </a:ext>
+          </a:extLst>
+        </p:spPr>
+        <p:style>
+          <a:lnRef idx="2">
+            <a:schemeClr val="accent1">
+              <a:shade val="50000"/>
+            </a:schemeClr>
+          </a:lnRef>
+          <a:fillRef idx="1">
+            <a:schemeClr val="accent1"/>
+          </a:fillRef>
+          <a:effectRef idx="0">
+            <a:schemeClr val="accent1"/>
+          </a:effectRef>
+          <a:fontRef idx="minor">
+            <a:schemeClr val="lt1"/>
+          </a:fontRef>
+        </p:style>
+        <p:txBody>
+          <a:bodyPr rtlCol="0" anchor="ctr"/>
+          <a:p>
+            <a:pPr algn="ctr"/>
+            <a:r>
+              <a:rPr lang="zh-CN" altLang="en-US">
+                <a:solidFill>
+                  <a:schemeClr val="tx1"/>
+                </a:solidFill>
+              </a:rPr>
+              <a:t>考试名称</a:t>
+            </a:r>
+            <a:endParaRPr lang="zh-CN" altLang="en-US">
+              <a:solidFill>
+                <a:schemeClr val="tx1"/>
+              </a:solidFill>
+            </a:endParaRPr>
+          </a:p>
+        </p:txBody>
+      </p:sp>
+      <p:sp>
+        <p:nvSpPr>
+          <p:cNvPr id="11" name="矩形 10"/>
+          <p:cNvSpPr/>
+          <p:nvPr/>
+        </p:nvSpPr>
+        <p:spPr>
+          <a:xfrm>
+            <a:off x="2141220" y="2748280"/>
+            <a:ext cx="3621405" cy="468630"/>
+          </a:xfrm>
+          <a:prstGeom prst="rect">
+            <a:avLst/>
+          </a:prstGeom>
+          <a:noFill/>
+          <a:extLst>
+            <a:ext uri="{909E8E84-426E-40DD-AFC4-6F175D3DCCD1}">
+              <a14:hiddenFill xmlns:a14="http://schemas.microsoft.com/office/drawing/2010/main">
+                <a:solidFill>
+                  <a:schemeClr val="accent1"/>
+                </a:solidFill>
+              </a14:hiddenFill>
+            </a:ext>
+          </a:extLst>
+        </p:spPr>
+        <p:style>
+          <a:lnRef idx="2">
+            <a:schemeClr val="accent1">
+              <a:shade val="50000"/>
+            </a:schemeClr>
+          </a:lnRef>
+          <a:fillRef idx="1">
+            <a:schemeClr val="accent1"/>
+          </a:fillRef>
+          <a:effectRef idx="0">
+            <a:schemeClr val="accent1"/>
+          </a:effectRef>
+          <a:fontRef idx="minor">
+            <a:schemeClr val="lt1"/>
+          </a:fontRef>
+        </p:style>
+        <p:txBody>
+          <a:bodyPr rtlCol="0" anchor="ctr"/>
+          <a:p>
+            <a:pPr algn="ctr"/>
+            <a:r>
+              <a:rPr lang="zh-CN" altLang="en-US">
+                <a:solidFill>
+                  <a:schemeClr val="tx1"/>
+                </a:solidFill>
+              </a:rPr>
+              <a:t>考点名称</a:t>
+            </a:r>
+            <a:endParaRPr lang="zh-CN" altLang="en-US">
+              <a:solidFill>
+                <a:schemeClr val="tx1"/>
+              </a:solidFill>
+            </a:endParaRPr>
+          </a:p>
+        </p:txBody>
+      </p:sp>
+      <p:sp>
+        <p:nvSpPr>
+          <p:cNvPr id="12" name="矩形 11"/>
+          <p:cNvSpPr/>
+          <p:nvPr/>
+        </p:nvSpPr>
+        <p:spPr>
+          <a:xfrm>
+            <a:off x="5917565" y="2748280"/>
+            <a:ext cx="3583940" cy="468630"/>
+          </a:xfrm>
+          <a:prstGeom prst="rect">
+            <a:avLst/>
+          </a:prstGeom>
+          <a:noFill/>
+          <a:extLst>
+            <a:ext uri="{909E8E84-426E-40DD-AFC4-6F175D3DCCD1}">
+              <a14:hiddenFill xmlns:a14="http://schemas.microsoft.com/office/drawing/2010/main">
+                <a:solidFill>
+                  <a:schemeClr val="accent1"/>
+                </a:solidFill>
+              </a14:hiddenFill>
+            </a:ext>
+          </a:extLst>
+        </p:spPr>
+        <p:style>
+          <a:lnRef idx="2">
+            <a:schemeClr val="accent1">
+              <a:shade val="50000"/>
+            </a:schemeClr>
+          </a:lnRef>
+          <a:fillRef idx="1">
+            <a:schemeClr val="accent1"/>
+          </a:fillRef>
+          <a:effectRef idx="0">
+            <a:schemeClr val="accent1"/>
+          </a:effectRef>
+          <a:fontRef idx="minor">
+            <a:schemeClr val="lt1"/>
+          </a:fontRef>
+        </p:style>
+        <p:txBody>
+          <a:bodyPr rtlCol="0" anchor="ctr"/>
+          <a:p>
+            <a:pPr algn="ctr"/>
+            <a:r>
+              <a:rPr lang="zh-CN" altLang="en-US">
+                <a:solidFill>
+                  <a:schemeClr val="tx1"/>
+                </a:solidFill>
+              </a:rPr>
+              <a:t>考点位置（经纬度）</a:t>
+            </a:r>
+            <a:endParaRPr lang="en-US" altLang="zh-CN">
+              <a:solidFill>
+                <a:schemeClr val="tx1"/>
+              </a:solidFill>
+            </a:endParaRPr>
+          </a:p>
+        </p:txBody>
+      </p:sp>
+      <p:sp>
+        <p:nvSpPr>
+          <p:cNvPr id="13" name="矩形 12"/>
+          <p:cNvSpPr/>
+          <p:nvPr/>
+        </p:nvSpPr>
+        <p:spPr>
+          <a:xfrm>
+            <a:off x="2147570" y="1670050"/>
+            <a:ext cx="7360285" cy="468630"/>
+          </a:xfrm>
+          <a:prstGeom prst="rect">
+            <a:avLst/>
+          </a:prstGeom>
+          <a:noFill/>
+          <a:extLst>
+            <a:ext uri="{909E8E84-426E-40DD-AFC4-6F175D3DCCD1}">
+              <a14:hiddenFill xmlns:a14="http://schemas.microsoft.com/office/drawing/2010/main">
+                <a:solidFill>
+                  <a:schemeClr val="accent1"/>
+                </a:solidFill>
+              </a14:hiddenFill>
+            </a:ext>
+          </a:extLst>
+        </p:spPr>
+        <p:style>
+          <a:lnRef idx="2">
+            <a:schemeClr val="accent1">
+              <a:shade val="50000"/>
+            </a:schemeClr>
+          </a:lnRef>
+          <a:fillRef idx="1">
+            <a:schemeClr val="accent1"/>
+          </a:fillRef>
+          <a:effectRef idx="0">
+            <a:schemeClr val="accent1"/>
+          </a:effectRef>
+          <a:fontRef idx="minor">
+            <a:schemeClr val="lt1"/>
+          </a:fontRef>
+        </p:style>
+        <p:txBody>
+          <a:bodyPr rtlCol="0" anchor="ctr"/>
+          <a:p>
+            <a:pPr algn="ctr"/>
+            <a:r>
+              <a:rPr lang="zh-CN" altLang="en-US">
+                <a:solidFill>
+                  <a:schemeClr val="tx1"/>
+                </a:solidFill>
+              </a:rPr>
+              <a:t>考试网站链接</a:t>
+            </a:r>
+            <a:endParaRPr lang="zh-CN" altLang="en-US">
+              <a:solidFill>
+                <a:schemeClr val="tx1"/>
+              </a:solidFill>
+            </a:endParaRPr>
+          </a:p>
+        </p:txBody>
+      </p:sp>
+      <p:sp>
+        <p:nvSpPr>
+          <p:cNvPr id="14" name="矩形 13"/>
+          <p:cNvSpPr/>
+          <p:nvPr/>
+        </p:nvSpPr>
+        <p:spPr>
+          <a:xfrm>
+            <a:off x="2141855" y="2181225"/>
+            <a:ext cx="7360285" cy="468630"/>
+          </a:xfrm>
+          <a:prstGeom prst="rect">
+            <a:avLst/>
+          </a:prstGeom>
+          <a:noFill/>
+          <a:extLst>
+            <a:ext uri="{909E8E84-426E-40DD-AFC4-6F175D3DCCD1}">
+              <a14:hiddenFill xmlns:a14="http://schemas.microsoft.com/office/drawing/2010/main">
+                <a:solidFill>
+                  <a:schemeClr val="accent1"/>
+                </a:solidFill>
+              </a14:hiddenFill>
+            </a:ext>
+          </a:extLst>
+        </p:spPr>
+        <p:style>
+          <a:lnRef idx="2">
+            <a:schemeClr val="accent1">
+              <a:shade val="50000"/>
+            </a:schemeClr>
+          </a:lnRef>
+          <a:fillRef idx="1">
+            <a:schemeClr val="accent1"/>
+          </a:fillRef>
+          <a:effectRef idx="0">
+            <a:schemeClr val="accent1"/>
+          </a:effectRef>
+          <a:fontRef idx="minor">
+            <a:schemeClr val="lt1"/>
+          </a:fontRef>
+        </p:style>
+        <p:txBody>
+          <a:bodyPr rtlCol="0" anchor="ctr"/>
+          <a:p>
+            <a:pPr algn="ctr"/>
+            <a:r>
+              <a:rPr lang="zh-CN" altLang="en-US">
+                <a:solidFill>
+                  <a:schemeClr val="tx1"/>
+                </a:solidFill>
+              </a:rPr>
+              <a:t>考试说明</a:t>
+            </a:r>
+            <a:endParaRPr lang="en-US" altLang="zh-CN">
+              <a:solidFill>
+                <a:schemeClr val="tx1"/>
+              </a:solidFill>
+            </a:endParaRPr>
+          </a:p>
+        </p:txBody>
+      </p:sp>
+      <p:sp>
+        <p:nvSpPr>
+          <p:cNvPr id="15" name="矩形 14"/>
+          <p:cNvSpPr/>
+          <p:nvPr/>
+        </p:nvSpPr>
+        <p:spPr>
+          <a:xfrm>
+            <a:off x="2134870" y="1167765"/>
+            <a:ext cx="7360285" cy="468630"/>
+          </a:xfrm>
+          <a:prstGeom prst="rect">
+            <a:avLst/>
+          </a:prstGeom>
+          <a:noFill/>
+          <a:extLst>
+            <a:ext uri="{909E8E84-426E-40DD-AFC4-6F175D3DCCD1}">
+              <a14:hiddenFill xmlns:a14="http://schemas.microsoft.com/office/drawing/2010/main">
+                <a:solidFill>
+                  <a:schemeClr val="accent1"/>
+                </a:solidFill>
+              </a14:hiddenFill>
+            </a:ext>
+          </a:extLst>
+        </p:spPr>
+        <p:style>
+          <a:lnRef idx="2">
+            <a:schemeClr val="accent1">
+              <a:shade val="50000"/>
+            </a:schemeClr>
+          </a:lnRef>
+          <a:fillRef idx="1">
+            <a:schemeClr val="accent1"/>
+          </a:fillRef>
+          <a:effectRef idx="0">
+            <a:schemeClr val="accent1"/>
+          </a:effectRef>
+          <a:fontRef idx="minor">
+            <a:schemeClr val="lt1"/>
+          </a:fontRef>
+        </p:style>
+        <p:txBody>
+          <a:bodyPr rtlCol="0" anchor="ctr"/>
+          <a:p>
+            <a:pPr algn="ctr"/>
+            <a:r>
+              <a:rPr lang="zh-CN" altLang="en-US">
+                <a:solidFill>
+                  <a:schemeClr val="tx1"/>
+                </a:solidFill>
+              </a:rPr>
+              <a:t>考试时间</a:t>
+            </a:r>
+            <a:endParaRPr lang="zh-CN" altLang="en-US">
+              <a:solidFill>
+                <a:schemeClr val="tx1"/>
+              </a:solidFill>
+            </a:endParaRPr>
+          </a:p>
+        </p:txBody>
+      </p:sp>
+      <p:sp>
+        <p:nvSpPr>
+          <p:cNvPr id="16" name="流程图: 或者 15"/>
+          <p:cNvSpPr/>
+          <p:nvPr/>
+        </p:nvSpPr>
+        <p:spPr>
+          <a:xfrm>
+            <a:off x="9685020" y="1162050"/>
+            <a:ext cx="462915" cy="419735"/>
+          </a:xfrm>
+          <a:prstGeom prst="flowChartOr">
+            <a:avLst/>
+          </a:prstGeom>
+          <a:noFill/>
+          <a:extLst>
+            <a:ext uri="{909E8E84-426E-40DD-AFC4-6F175D3DCCD1}">
+              <a14:hiddenFill xmlns:a14="http://schemas.microsoft.com/office/drawing/2010/main">
+                <a:solidFill>
+                  <a:schemeClr val="accent1"/>
+                </a:solidFill>
+              </a14:hiddenFill>
+            </a:ext>
+          </a:extLst>
+        </p:spPr>
+        <p:style>
+          <a:lnRef idx="2">
+            <a:schemeClr val="accent1">
+              <a:shade val="50000"/>
+            </a:schemeClr>
+          </a:lnRef>
+          <a:fillRef idx="1">
+            <a:schemeClr val="accent1"/>
+          </a:fillRef>
+          <a:effectRef idx="0">
+            <a:schemeClr val="accent1"/>
+          </a:effectRef>
+          <a:fontRef idx="minor">
+            <a:schemeClr val="lt1"/>
+          </a:fontRef>
+        </p:style>
+        <p:txBody>
+          <a:bodyPr rtlCol="0" anchor="ctr"/>
+          <a:p>
+            <a:pPr algn="ctr"/>
+            <a:endParaRPr lang="zh-CN" altLang="en-US"/>
+          </a:p>
+        </p:txBody>
+      </p:sp>
+      <p:sp>
+        <p:nvSpPr>
+          <p:cNvPr id="18" name="文本框 17"/>
+          <p:cNvSpPr txBox="1"/>
+          <p:nvPr/>
+        </p:nvSpPr>
+        <p:spPr>
+          <a:xfrm>
+            <a:off x="230505" y="2748280"/>
+            <a:ext cx="1917065" cy="645160"/>
+          </a:xfrm>
+          <a:prstGeom prst="rect">
+            <a:avLst/>
+          </a:prstGeom>
+          <a:noFill/>
+        </p:spPr>
+        <p:txBody>
+          <a:bodyPr wrap="square" rtlCol="0">
+            <a:spAutoFit/>
+          </a:bodyPr>
+          <a:p>
+            <a:r>
+              <a:rPr lang="zh-CN" altLang="en-US">
+                <a:solidFill>
+                  <a:srgbClr val="FF0000"/>
+                </a:solidFill>
+              </a:rPr>
+              <a:t>或从地图选点，具体看实现难度</a:t>
+            </a:r>
+            <a:endParaRPr lang="zh-CN" altLang="en-US">
+              <a:solidFill>
+                <a:srgbClr val="FF0000"/>
+              </a:solidFill>
+            </a:endParaRPr>
+          </a:p>
+        </p:txBody>
+      </p:sp>
+      <p:sp>
+        <p:nvSpPr>
+          <p:cNvPr id="20" name="流程图: 或者 19"/>
+          <p:cNvSpPr/>
+          <p:nvPr/>
+        </p:nvSpPr>
+        <p:spPr>
+          <a:xfrm>
+            <a:off x="9685020" y="2743200"/>
+            <a:ext cx="462915" cy="419735"/>
+          </a:xfrm>
+          <a:prstGeom prst="flowChartOr">
+            <a:avLst/>
+          </a:prstGeom>
+          <a:noFill/>
+          <a:extLst>
+            <a:ext uri="{909E8E84-426E-40DD-AFC4-6F175D3DCCD1}">
+              <a14:hiddenFill xmlns:a14="http://schemas.microsoft.com/office/drawing/2010/main">
+                <a:solidFill>
+                  <a:schemeClr val="accent1"/>
+                </a:solidFill>
+              </a14:hiddenFill>
+            </a:ext>
+          </a:extLst>
+        </p:spPr>
+        <p:style>
+          <a:lnRef idx="2">
+            <a:schemeClr val="accent1">
+              <a:shade val="50000"/>
+            </a:schemeClr>
+          </a:lnRef>
+          <a:fillRef idx="1">
+            <a:schemeClr val="accent1"/>
+          </a:fillRef>
+          <a:effectRef idx="0">
+            <a:schemeClr val="accent1"/>
+          </a:effectRef>
+          <a:fontRef idx="minor">
+            <a:schemeClr val="lt1"/>
+          </a:fontRef>
+        </p:style>
+        <p:txBody>
+          <a:bodyPr rtlCol="0" anchor="ctr"/>
+          <a:p>
+            <a:pPr algn="ctr"/>
+            <a:endParaRPr lang="zh-CN" altLang="en-US"/>
+          </a:p>
+        </p:txBody>
+      </p:sp>
+      <p:cxnSp>
+        <p:nvCxnSpPr>
+          <p:cNvPr id="21" name="直接箭头连接符 20"/>
+          <p:cNvCxnSpPr>
+            <a:stCxn id="22" idx="1"/>
+            <a:endCxn id="16" idx="5"/>
+          </p:cNvCxnSpPr>
+          <p:nvPr/>
+        </p:nvCxnSpPr>
+        <p:spPr>
+          <a:xfrm flipH="1" flipV="1">
+            <a:off x="10079990" y="1520190"/>
+            <a:ext cx="283210" cy="1018540"/>
+          </a:xfrm>
+          <a:prstGeom prst="straightConnector1">
+            <a:avLst/>
+          </a:prstGeom>
+          <a:ln>
+            <a:solidFill>
+              <a:srgbClr val="FF0000"/>
+            </a:solidFill>
+            <a:tailEnd type="arrow"/>
+          </a:ln>
+        </p:spPr>
+        <p:style>
+          <a:lnRef idx="1">
+            <a:schemeClr val="accent1"/>
+          </a:lnRef>
+          <a:fillRef idx="0">
+            <a:schemeClr val="accent1"/>
+          </a:fillRef>
+          <a:effectRef idx="0">
+            <a:schemeClr val="accent1"/>
+          </a:effectRef>
+          <a:fontRef idx="minor">
+            <a:schemeClr val="tx1"/>
+          </a:fontRef>
+        </p:style>
+      </p:cxnSp>
+      <p:sp>
+        <p:nvSpPr>
+          <p:cNvPr id="22" name="矩形 21"/>
+          <p:cNvSpPr/>
+          <p:nvPr/>
+        </p:nvSpPr>
+        <p:spPr>
+          <a:xfrm>
+            <a:off x="10363200" y="2334260"/>
+            <a:ext cx="1210945" cy="408940"/>
+          </a:xfrm>
+          <a:prstGeom prst="rect">
+            <a:avLst/>
+          </a:prstGeom>
+          <a:noFill/>
+          <a:ln>
+            <a:solidFill>
+              <a:srgbClr val="FF0000"/>
+            </a:solidFill>
+          </a:ln>
+          <a:extLst>
+            <a:ext uri="{909E8E84-426E-40DD-AFC4-6F175D3DCCD1}">
+              <a14:hiddenFill xmlns:a14="http://schemas.microsoft.com/office/drawing/2010/main">
+                <a:solidFill>
+                  <a:schemeClr val="accent1"/>
+                </a:solidFill>
+              </a14:hiddenFill>
+            </a:ext>
+          </a:extLst>
+        </p:spPr>
+        <p:style>
+          <a:lnRef idx="2">
+            <a:schemeClr val="accent1">
+              <a:shade val="50000"/>
+            </a:schemeClr>
+          </a:lnRef>
+          <a:fillRef idx="1">
+            <a:schemeClr val="accent1"/>
+          </a:fillRef>
+          <a:effectRef idx="0">
+            <a:schemeClr val="accent1"/>
+          </a:effectRef>
+          <a:fontRef idx="minor">
+            <a:schemeClr val="lt1"/>
+          </a:fontRef>
+        </p:style>
+        <p:txBody>
+          <a:bodyPr rtlCol="0" anchor="ctr"/>
+          <a:p>
+            <a:pPr algn="ctr"/>
+            <a:r>
+              <a:rPr lang="zh-CN" altLang="en-US">
+                <a:solidFill>
+                  <a:srgbClr val="FF0000"/>
+                </a:solidFill>
+              </a:rPr>
+              <a:t>可添加</a:t>
+            </a:r>
+            <a:endParaRPr lang="zh-CN" altLang="en-US">
+              <a:solidFill>
+                <a:srgbClr val="FF0000"/>
+              </a:solidFill>
+            </a:endParaRPr>
+          </a:p>
+        </p:txBody>
+      </p:sp>
+      <p:cxnSp>
+        <p:nvCxnSpPr>
+          <p:cNvPr id="23" name="直接箭头连接符 22"/>
+          <p:cNvCxnSpPr>
+            <a:stCxn id="22" idx="1"/>
+            <a:endCxn id="20" idx="7"/>
+          </p:cNvCxnSpPr>
+          <p:nvPr/>
+        </p:nvCxnSpPr>
+        <p:spPr>
+          <a:xfrm flipH="1">
+            <a:off x="10079990" y="2538730"/>
+            <a:ext cx="283210" cy="266065"/>
+          </a:xfrm>
+          <a:prstGeom prst="straightConnector1">
+            <a:avLst/>
+          </a:prstGeom>
+          <a:ln>
+            <a:solidFill>
+              <a:srgbClr val="FF0000"/>
+            </a:solidFill>
+            <a:tailEnd type="arrow"/>
+          </a:ln>
+        </p:spPr>
+        <p:style>
+          <a:lnRef idx="1">
+            <a:schemeClr val="accent1"/>
+          </a:lnRef>
+          <a:fillRef idx="0">
+            <a:schemeClr val="accent1"/>
+          </a:fillRef>
+          <a:effectRef idx="0">
+            <a:schemeClr val="accent1"/>
+          </a:effectRef>
+          <a:fontRef idx="minor">
+            <a:schemeClr val="tx1"/>
+          </a:fontRef>
+        </p:style>
+      </p:cxnSp>
+      <p:sp>
+        <p:nvSpPr>
+          <p:cNvPr id="25" name="矩形 24"/>
+          <p:cNvSpPr/>
+          <p:nvPr/>
+        </p:nvSpPr>
+        <p:spPr>
+          <a:xfrm>
+            <a:off x="2141855" y="3295650"/>
+            <a:ext cx="1880235" cy="468630"/>
+          </a:xfrm>
+          <a:prstGeom prst="rect">
+            <a:avLst/>
+          </a:prstGeom>
+          <a:noFill/>
+          <a:extLst>
+            <a:ext uri="{909E8E84-426E-40DD-AFC4-6F175D3DCCD1}">
+              <a14:hiddenFill xmlns:a14="http://schemas.microsoft.com/office/drawing/2010/main">
+                <a:solidFill>
+                  <a:schemeClr val="accent1"/>
+                </a:solidFill>
+              </a14:hiddenFill>
+            </a:ext>
+          </a:extLst>
+        </p:spPr>
+        <p:style>
+          <a:lnRef idx="2">
+            <a:schemeClr val="accent1">
+              <a:shade val="50000"/>
+            </a:schemeClr>
+          </a:lnRef>
+          <a:fillRef idx="1">
+            <a:schemeClr val="accent1"/>
+          </a:fillRef>
+          <a:effectRef idx="0">
+            <a:schemeClr val="accent1"/>
+          </a:effectRef>
+          <a:fontRef idx="minor">
+            <a:schemeClr val="lt1"/>
+          </a:fontRef>
+        </p:style>
+        <p:txBody>
+          <a:bodyPr rtlCol="0" anchor="ctr"/>
+          <a:p>
+            <a:pPr algn="ctr"/>
+            <a:r>
+              <a:rPr lang="zh-CN" altLang="en-US">
+                <a:solidFill>
+                  <a:schemeClr val="tx1"/>
+                </a:solidFill>
+              </a:rPr>
+              <a:t>出发点名称</a:t>
+            </a:r>
+            <a:endParaRPr lang="zh-CN" altLang="en-US">
+              <a:solidFill>
+                <a:schemeClr val="tx1"/>
+              </a:solidFill>
+            </a:endParaRPr>
+          </a:p>
+        </p:txBody>
+      </p:sp>
+      <p:sp>
+        <p:nvSpPr>
+          <p:cNvPr id="26" name="矩形 25"/>
+          <p:cNvSpPr/>
+          <p:nvPr/>
+        </p:nvSpPr>
+        <p:spPr>
+          <a:xfrm>
+            <a:off x="4112260" y="3295650"/>
+            <a:ext cx="2659380" cy="468630"/>
+          </a:xfrm>
+          <a:prstGeom prst="rect">
+            <a:avLst/>
+          </a:prstGeom>
+          <a:noFill/>
+          <a:extLst>
+            <a:ext uri="{909E8E84-426E-40DD-AFC4-6F175D3DCCD1}">
+              <a14:hiddenFill xmlns:a14="http://schemas.microsoft.com/office/drawing/2010/main">
+                <a:solidFill>
+                  <a:schemeClr val="accent1"/>
+                </a:solidFill>
+              </a14:hiddenFill>
+            </a:ext>
+          </a:extLst>
+        </p:spPr>
+        <p:style>
+          <a:lnRef idx="2">
+            <a:schemeClr val="accent1">
+              <a:shade val="50000"/>
+            </a:schemeClr>
+          </a:lnRef>
+          <a:fillRef idx="1">
+            <a:schemeClr val="accent1"/>
+          </a:fillRef>
+          <a:effectRef idx="0">
+            <a:schemeClr val="accent1"/>
+          </a:effectRef>
+          <a:fontRef idx="minor">
+            <a:schemeClr val="lt1"/>
+          </a:fontRef>
+        </p:style>
+        <p:txBody>
+          <a:bodyPr rtlCol="0" anchor="ctr"/>
+          <a:p>
+            <a:pPr algn="ctr"/>
+            <a:r>
+              <a:rPr lang="zh-CN" altLang="en-US">
+                <a:solidFill>
+                  <a:schemeClr val="tx1"/>
+                </a:solidFill>
+              </a:rPr>
+              <a:t>出发点位置（经纬度）</a:t>
+            </a:r>
+            <a:endParaRPr lang="en-US" altLang="zh-CN">
+              <a:solidFill>
+                <a:schemeClr val="tx1"/>
+              </a:solidFill>
+            </a:endParaRPr>
+          </a:p>
+        </p:txBody>
+      </p:sp>
+      <p:sp>
+        <p:nvSpPr>
+          <p:cNvPr id="27" name="流程图: 或者 26"/>
+          <p:cNvSpPr/>
+          <p:nvPr/>
+        </p:nvSpPr>
+        <p:spPr>
+          <a:xfrm>
+            <a:off x="9685655" y="3319780"/>
+            <a:ext cx="462915" cy="419735"/>
+          </a:xfrm>
+          <a:prstGeom prst="flowChartOr">
+            <a:avLst/>
+          </a:prstGeom>
+          <a:noFill/>
+          <a:extLst>
+            <a:ext uri="{909E8E84-426E-40DD-AFC4-6F175D3DCCD1}">
+              <a14:hiddenFill xmlns:a14="http://schemas.microsoft.com/office/drawing/2010/main">
+                <a:solidFill>
+                  <a:schemeClr val="accent1"/>
+                </a:solidFill>
+              </a14:hiddenFill>
+            </a:ext>
+          </a:extLst>
+        </p:spPr>
+        <p:style>
+          <a:lnRef idx="2">
+            <a:schemeClr val="accent1">
+              <a:shade val="50000"/>
+            </a:schemeClr>
+          </a:lnRef>
+          <a:fillRef idx="1">
+            <a:schemeClr val="accent1"/>
+          </a:fillRef>
+          <a:effectRef idx="0">
+            <a:schemeClr val="accent1"/>
+          </a:effectRef>
+          <a:fontRef idx="minor">
+            <a:schemeClr val="lt1"/>
+          </a:fontRef>
+        </p:style>
+        <p:txBody>
+          <a:bodyPr rtlCol="0" anchor="ctr"/>
+          <a:p>
+            <a:pPr algn="ctr"/>
+            <a:endParaRPr lang="zh-CN" altLang="en-US"/>
+          </a:p>
+        </p:txBody>
+      </p:sp>
+      <p:sp>
+        <p:nvSpPr>
+          <p:cNvPr id="28" name="矩形 27"/>
+          <p:cNvSpPr/>
+          <p:nvPr/>
+        </p:nvSpPr>
+        <p:spPr>
+          <a:xfrm>
+            <a:off x="6883400" y="3295650"/>
+            <a:ext cx="2618740" cy="468630"/>
+          </a:xfrm>
+          <a:prstGeom prst="rect">
+            <a:avLst/>
+          </a:prstGeom>
+          <a:noFill/>
+          <a:extLst>
+            <a:ext uri="{909E8E84-426E-40DD-AFC4-6F175D3DCCD1}">
+              <a14:hiddenFill xmlns:a14="http://schemas.microsoft.com/office/drawing/2010/main">
+                <a:solidFill>
+                  <a:schemeClr val="accent1"/>
+                </a:solidFill>
+              </a14:hiddenFill>
+            </a:ext>
+          </a:extLst>
+        </p:spPr>
+        <p:style>
+          <a:lnRef idx="2">
+            <a:schemeClr val="accent1">
+              <a:shade val="50000"/>
+            </a:schemeClr>
+          </a:lnRef>
+          <a:fillRef idx="1">
+            <a:schemeClr val="accent1"/>
+          </a:fillRef>
+          <a:effectRef idx="0">
+            <a:schemeClr val="accent1"/>
+          </a:effectRef>
+          <a:fontRef idx="minor">
+            <a:schemeClr val="lt1"/>
+          </a:fontRef>
+        </p:style>
+        <p:txBody>
+          <a:bodyPr rtlCol="0" anchor="ctr"/>
+          <a:p>
+            <a:pPr algn="ctr"/>
+            <a:r>
+              <a:rPr lang="zh-CN" altLang="en-US">
+                <a:solidFill>
+                  <a:schemeClr val="tx1"/>
+                </a:solidFill>
+              </a:rPr>
+              <a:t>出发点上车时间</a:t>
+            </a:r>
+            <a:endParaRPr lang="zh-CN" altLang="en-US">
+              <a:solidFill>
+                <a:schemeClr val="tx1"/>
+              </a:solidFill>
+            </a:endParaRPr>
+          </a:p>
+        </p:txBody>
+      </p:sp>
+      <p:sp>
+        <p:nvSpPr>
+          <p:cNvPr id="30" name="流程图: 或者 29"/>
+          <p:cNvSpPr/>
+          <p:nvPr/>
+        </p:nvSpPr>
+        <p:spPr>
+          <a:xfrm>
+            <a:off x="9685020" y="4289425"/>
+            <a:ext cx="462915" cy="419735"/>
+          </a:xfrm>
+          <a:prstGeom prst="flowChartOr">
+            <a:avLst/>
+          </a:prstGeom>
+          <a:noFill/>
+          <a:extLst>
+            <a:ext uri="{909E8E84-426E-40DD-AFC4-6F175D3DCCD1}">
+              <a14:hiddenFill xmlns:a14="http://schemas.microsoft.com/office/drawing/2010/main">
+                <a:solidFill>
+                  <a:schemeClr val="accent1"/>
+                </a:solidFill>
+              </a14:hiddenFill>
+            </a:ext>
+          </a:extLst>
+        </p:spPr>
+        <p:style>
+          <a:lnRef idx="2">
+            <a:schemeClr val="accent1">
+              <a:shade val="50000"/>
+            </a:schemeClr>
+          </a:lnRef>
+          <a:fillRef idx="1">
+            <a:schemeClr val="accent1"/>
+          </a:fillRef>
+          <a:effectRef idx="0">
+            <a:schemeClr val="accent1"/>
+          </a:effectRef>
+          <a:fontRef idx="minor">
+            <a:schemeClr val="lt1"/>
+          </a:fontRef>
+        </p:style>
+        <p:txBody>
+          <a:bodyPr rtlCol="0" anchor="ctr"/>
+          <a:p>
+            <a:pPr algn="ctr"/>
+            <a:endParaRPr lang="zh-CN" altLang="en-US"/>
+          </a:p>
+        </p:txBody>
+      </p:sp>
+      <p:sp>
+        <p:nvSpPr>
+          <p:cNvPr id="31" name="矩形 30"/>
+          <p:cNvSpPr/>
+          <p:nvPr/>
+        </p:nvSpPr>
+        <p:spPr>
+          <a:xfrm>
+            <a:off x="2141220" y="4360545"/>
+            <a:ext cx="7360285" cy="468630"/>
+          </a:xfrm>
+          <a:prstGeom prst="rect">
+            <a:avLst/>
+          </a:prstGeom>
+          <a:extLst>
+            <a:ext uri="{909E8E84-426E-40DD-AFC4-6F175D3DCCD1}">
+              <a14:hiddenFill xmlns:a14="http://schemas.microsoft.com/office/drawing/2010/main">
+                <a:solidFill>
+                  <a:schemeClr val="accent1"/>
+                </a:solidFill>
+              </a14:hiddenFill>
+            </a:ext>
+          </a:extLst>
+        </p:spPr>
+        <p:style>
+          <a:lnRef idx="2">
+            <a:schemeClr val="accent6"/>
+          </a:lnRef>
+          <a:fillRef idx="1">
+            <a:schemeClr val="lt1"/>
+          </a:fillRef>
+          <a:effectRef idx="0">
+            <a:schemeClr val="accent6"/>
+          </a:effectRef>
+          <a:fontRef idx="minor">
+            <a:schemeClr val="dk1"/>
+          </a:fontRef>
+        </p:style>
+        <p:txBody>
+          <a:bodyPr rtlCol="0" anchor="ctr"/>
+          <a:p>
+            <a:pPr algn="ctr"/>
+            <a:r>
+              <a:rPr lang="zh-CN" altLang="en-US">
+                <a:solidFill>
+                  <a:srgbClr val="FF0000"/>
+                </a:solidFill>
+              </a:rPr>
+              <a:t>酒店前往时间</a:t>
+            </a:r>
+            <a:endParaRPr lang="zh-CN" altLang="en-US">
+              <a:solidFill>
+                <a:srgbClr val="FF0000"/>
+              </a:solidFill>
+            </a:endParaRPr>
+          </a:p>
+        </p:txBody>
+      </p:sp>
+      <p:sp>
+        <p:nvSpPr>
+          <p:cNvPr id="32" name="矩形 31"/>
+          <p:cNvSpPr/>
+          <p:nvPr/>
+        </p:nvSpPr>
+        <p:spPr>
+          <a:xfrm>
+            <a:off x="2141220" y="4886325"/>
+            <a:ext cx="7360285" cy="468630"/>
+          </a:xfrm>
+          <a:prstGeom prst="rect">
+            <a:avLst/>
+          </a:prstGeom>
+          <a:extLst>
+            <a:ext uri="{909E8E84-426E-40DD-AFC4-6F175D3DCCD1}">
+              <a14:hiddenFill xmlns:a14="http://schemas.microsoft.com/office/drawing/2010/main">
+                <a:solidFill>
+                  <a:schemeClr val="accent1"/>
+                </a:solidFill>
+              </a14:hiddenFill>
+            </a:ext>
+          </a:extLst>
+        </p:spPr>
+        <p:style>
+          <a:lnRef idx="2">
+            <a:schemeClr val="accent6"/>
+          </a:lnRef>
+          <a:fillRef idx="1">
+            <a:schemeClr val="lt1"/>
+          </a:fillRef>
+          <a:effectRef idx="0">
+            <a:schemeClr val="accent6"/>
+          </a:effectRef>
+          <a:fontRef idx="minor">
+            <a:schemeClr val="dk1"/>
+          </a:fontRef>
+        </p:style>
+        <p:txBody>
+          <a:bodyPr rtlCol="0" anchor="ctr"/>
+          <a:p>
+            <a:pPr algn="ctr"/>
+            <a:r>
+              <a:rPr lang="zh-CN" altLang="en-US">
+                <a:solidFill>
+                  <a:srgbClr val="FF0000"/>
+                </a:solidFill>
+              </a:rPr>
+              <a:t>从考点返回酒店时间</a:t>
+            </a:r>
+            <a:endParaRPr lang="zh-CN" altLang="en-US">
+              <a:solidFill>
+                <a:srgbClr val="FF0000"/>
+              </a:solidFill>
+            </a:endParaRPr>
+          </a:p>
+        </p:txBody>
+      </p:sp>
+      <p:sp>
+        <p:nvSpPr>
+          <p:cNvPr id="33" name="矩形 32"/>
+          <p:cNvSpPr/>
+          <p:nvPr/>
+        </p:nvSpPr>
+        <p:spPr>
+          <a:xfrm>
+            <a:off x="2141220" y="5400675"/>
+            <a:ext cx="7360285" cy="468630"/>
+          </a:xfrm>
+          <a:prstGeom prst="rect">
+            <a:avLst/>
+          </a:prstGeom>
+          <a:extLst>
+            <a:ext uri="{909E8E84-426E-40DD-AFC4-6F175D3DCCD1}">
+              <a14:hiddenFill xmlns:a14="http://schemas.microsoft.com/office/drawing/2010/main">
+                <a:solidFill>
+                  <a:schemeClr val="accent1"/>
+                </a:solidFill>
+              </a14:hiddenFill>
+            </a:ext>
+          </a:extLst>
+        </p:spPr>
+        <p:style>
+          <a:lnRef idx="2">
+            <a:schemeClr val="accent6"/>
+          </a:lnRef>
+          <a:fillRef idx="1">
+            <a:schemeClr val="lt1"/>
+          </a:fillRef>
+          <a:effectRef idx="0">
+            <a:schemeClr val="accent6"/>
+          </a:effectRef>
+          <a:fontRef idx="minor">
+            <a:schemeClr val="dk1"/>
+          </a:fontRef>
+        </p:style>
+        <p:txBody>
+          <a:bodyPr rtlCol="0" anchor="ctr"/>
+          <a:p>
+            <a:pPr algn="ctr"/>
+            <a:r>
+              <a:rPr lang="zh-CN" altLang="en-US">
+                <a:solidFill>
+                  <a:srgbClr val="FF0000"/>
+                </a:solidFill>
+              </a:rPr>
+              <a:t>返程时间</a:t>
+            </a:r>
+            <a:endParaRPr lang="zh-CN" altLang="en-US">
+              <a:solidFill>
+                <a:srgbClr val="FF0000"/>
+              </a:solidFill>
+            </a:endParaRPr>
+          </a:p>
+        </p:txBody>
+      </p:sp>
+      <p:sp>
+        <p:nvSpPr>
+          <p:cNvPr id="34" name="流程图: 或者 33"/>
+          <p:cNvSpPr/>
+          <p:nvPr/>
+        </p:nvSpPr>
+        <p:spPr>
+          <a:xfrm>
+            <a:off x="9685020" y="4911090"/>
+            <a:ext cx="462915" cy="419735"/>
+          </a:xfrm>
+          <a:prstGeom prst="flowChartOr">
+            <a:avLst/>
+          </a:prstGeom>
+          <a:noFill/>
+          <a:extLst>
+            <a:ext uri="{909E8E84-426E-40DD-AFC4-6F175D3DCCD1}">
+              <a14:hiddenFill xmlns:a14="http://schemas.microsoft.com/office/drawing/2010/main">
+                <a:solidFill>
+                  <a:schemeClr val="accent1"/>
+                </a:solidFill>
+              </a14:hiddenFill>
+            </a:ext>
+          </a:extLst>
+        </p:spPr>
+        <p:style>
+          <a:lnRef idx="2">
+            <a:schemeClr val="accent1">
+              <a:shade val="50000"/>
+            </a:schemeClr>
+          </a:lnRef>
+          <a:fillRef idx="1">
+            <a:schemeClr val="accent1"/>
+          </a:fillRef>
+          <a:effectRef idx="0">
+            <a:schemeClr val="accent1"/>
+          </a:effectRef>
+          <a:fontRef idx="minor">
+            <a:schemeClr val="lt1"/>
+          </a:fontRef>
+        </p:style>
+        <p:txBody>
+          <a:bodyPr rtlCol="0" anchor="ctr"/>
+          <a:p>
+            <a:pPr algn="ctr"/>
+            <a:endParaRPr lang="zh-CN" altLang="en-US"/>
+          </a:p>
+        </p:txBody>
+      </p:sp>
+      <p:cxnSp>
+        <p:nvCxnSpPr>
+          <p:cNvPr id="35" name="直接箭头连接符 34"/>
+          <p:cNvCxnSpPr>
+            <a:stCxn id="22" idx="2"/>
+            <a:endCxn id="27" idx="7"/>
+          </p:cNvCxnSpPr>
+          <p:nvPr/>
+        </p:nvCxnSpPr>
+        <p:spPr>
+          <a:xfrm flipH="1">
+            <a:off x="10080625" y="2743200"/>
+            <a:ext cx="888365" cy="638175"/>
+          </a:xfrm>
+          <a:prstGeom prst="straightConnector1">
+            <a:avLst/>
+          </a:prstGeom>
+          <a:ln>
+            <a:solidFill>
+              <a:srgbClr val="FF0000"/>
+            </a:solidFill>
+            <a:tailEnd type="arrow"/>
+          </a:ln>
+        </p:spPr>
+        <p:style>
+          <a:lnRef idx="1">
+            <a:schemeClr val="accent1"/>
+          </a:lnRef>
+          <a:fillRef idx="0">
+            <a:schemeClr val="accent1"/>
+          </a:fillRef>
+          <a:effectRef idx="0">
+            <a:schemeClr val="accent1"/>
+          </a:effectRef>
+          <a:fontRef idx="minor">
+            <a:schemeClr val="tx1"/>
+          </a:fontRef>
+        </p:style>
+      </p:cxnSp>
+      <p:cxnSp>
+        <p:nvCxnSpPr>
+          <p:cNvPr id="36" name="直接箭头连接符 35"/>
+          <p:cNvCxnSpPr>
+            <a:stCxn id="22" idx="2"/>
+            <a:endCxn id="30" idx="7"/>
+          </p:cNvCxnSpPr>
+          <p:nvPr/>
+        </p:nvCxnSpPr>
+        <p:spPr>
+          <a:xfrm flipH="1">
+            <a:off x="10079990" y="2743200"/>
+            <a:ext cx="889000" cy="1607820"/>
+          </a:xfrm>
+          <a:prstGeom prst="straightConnector1">
+            <a:avLst/>
+          </a:prstGeom>
+          <a:ln>
+            <a:solidFill>
+              <a:srgbClr val="FF0000"/>
+            </a:solidFill>
+            <a:tailEnd type="arrow"/>
+          </a:ln>
+        </p:spPr>
+        <p:style>
+          <a:lnRef idx="1">
+            <a:schemeClr val="accent1"/>
+          </a:lnRef>
+          <a:fillRef idx="0">
+            <a:schemeClr val="accent1"/>
+          </a:fillRef>
+          <a:effectRef idx="0">
+            <a:schemeClr val="accent1"/>
+          </a:effectRef>
+          <a:fontRef idx="minor">
+            <a:schemeClr val="tx1"/>
+          </a:fontRef>
+        </p:style>
+      </p:cxnSp>
+      <p:cxnSp>
+        <p:nvCxnSpPr>
+          <p:cNvPr id="37" name="直接箭头连接符 36"/>
+          <p:cNvCxnSpPr>
+            <a:stCxn id="22" idx="2"/>
+            <a:endCxn id="34" idx="6"/>
+          </p:cNvCxnSpPr>
+          <p:nvPr/>
+        </p:nvCxnSpPr>
+        <p:spPr>
+          <a:xfrm flipH="1">
+            <a:off x="10147935" y="2743200"/>
+            <a:ext cx="821055" cy="2378075"/>
+          </a:xfrm>
+          <a:prstGeom prst="straightConnector1">
+            <a:avLst/>
+          </a:prstGeom>
+          <a:ln>
+            <a:solidFill>
+              <a:srgbClr val="FF0000"/>
+            </a:solidFill>
+            <a:tailEnd type="arrow"/>
+          </a:ln>
+        </p:spPr>
+        <p:style>
+          <a:lnRef idx="1">
+            <a:schemeClr val="accent1"/>
+          </a:lnRef>
+          <a:fillRef idx="0">
+            <a:schemeClr val="accent1"/>
+          </a:fillRef>
+          <a:effectRef idx="0">
+            <a:schemeClr val="accent1"/>
+          </a:effectRef>
+          <a:fontRef idx="minor">
+            <a:schemeClr val="tx1"/>
+          </a:fontRef>
+        </p:style>
+      </p:cxnSp>
+      <p:sp>
+        <p:nvSpPr>
+          <p:cNvPr id="10" name="矩形 9"/>
+          <p:cNvSpPr/>
+          <p:nvPr/>
+        </p:nvSpPr>
+        <p:spPr>
+          <a:xfrm>
+            <a:off x="2141220" y="6036945"/>
+            <a:ext cx="7360285" cy="432435"/>
+          </a:xfrm>
+          <a:prstGeom prst="rect">
+            <a:avLst/>
+          </a:prstGeom>
+          <a:solidFill>
+            <a:srgbClr val="00B050"/>
+          </a:solidFill>
+          <a:ln>
+            <a:noFill/>
+          </a:ln>
+        </p:spPr>
+        <p:style>
+          <a:lnRef idx="2">
+            <a:schemeClr val="accent1">
+              <a:shade val="50000"/>
+            </a:schemeClr>
+          </a:lnRef>
+          <a:fillRef idx="1">
+            <a:schemeClr val="accent1"/>
+          </a:fillRef>
+          <a:effectRef idx="0">
+            <a:schemeClr val="accent1"/>
+          </a:effectRef>
+          <a:fontRef idx="minor">
+            <a:schemeClr val="lt1"/>
+          </a:fontRef>
+        </p:style>
+        <p:txBody>
+          <a:bodyPr rtlCol="0" anchor="ctr"/>
+          <a:p>
+            <a:pPr algn="ctr"/>
+            <a:r>
+              <a:rPr lang="zh-CN" altLang="en-US">
+                <a:solidFill>
+                  <a:schemeClr val="bg1"/>
+                </a:solidFill>
+              </a:rPr>
+              <a:t>完成</a:t>
+            </a:r>
+            <a:endParaRPr lang="zh-CN" altLang="en-US">
+              <a:solidFill>
+                <a:schemeClr val="bg1"/>
+              </a:solidFill>
+            </a:endParaRPr>
+          </a:p>
+        </p:txBody>
+      </p:sp>
+      <p:sp>
+        <p:nvSpPr>
+          <p:cNvPr id="2" name="矩形 1"/>
+          <p:cNvSpPr/>
+          <p:nvPr/>
+        </p:nvSpPr>
+        <p:spPr>
+          <a:xfrm>
+            <a:off x="2157730" y="3820795"/>
+            <a:ext cx="3673475" cy="468630"/>
+          </a:xfrm>
+          <a:prstGeom prst="rect">
+            <a:avLst/>
+          </a:prstGeom>
+          <a:noFill/>
+          <a:extLst>
+            <a:ext uri="{909E8E84-426E-40DD-AFC4-6F175D3DCCD1}">
+              <a14:hiddenFill xmlns:a14="http://schemas.microsoft.com/office/drawing/2010/main">
+                <a:solidFill>
+                  <a:schemeClr val="accent1"/>
+                </a:solidFill>
+              </a14:hiddenFill>
+            </a:ext>
+          </a:extLst>
+        </p:spPr>
+        <p:style>
+          <a:lnRef idx="2">
+            <a:schemeClr val="accent1">
+              <a:shade val="50000"/>
+            </a:schemeClr>
+          </a:lnRef>
+          <a:fillRef idx="1">
+            <a:schemeClr val="accent1"/>
+          </a:fillRef>
+          <a:effectRef idx="0">
+            <a:schemeClr val="accent1"/>
+          </a:effectRef>
+          <a:fontRef idx="minor">
+            <a:schemeClr val="lt1"/>
+          </a:fontRef>
+        </p:style>
+        <p:txBody>
+          <a:bodyPr rtlCol="0" anchor="ctr"/>
+          <a:p>
+            <a:pPr algn="ctr"/>
+            <a:r>
+              <a:rPr lang="zh-CN" altLang="en-US">
+                <a:solidFill>
+                  <a:schemeClr val="tx1"/>
+                </a:solidFill>
+              </a:rPr>
+              <a:t>入住时间</a:t>
+            </a:r>
+            <a:endParaRPr lang="zh-CN" altLang="en-US">
+              <a:solidFill>
+                <a:schemeClr val="tx1"/>
+              </a:solidFill>
+            </a:endParaRPr>
+          </a:p>
+        </p:txBody>
+      </p:sp>
+      <p:sp>
+        <p:nvSpPr>
+          <p:cNvPr id="3" name="矩形 2"/>
+          <p:cNvSpPr/>
+          <p:nvPr/>
+        </p:nvSpPr>
+        <p:spPr>
+          <a:xfrm>
+            <a:off x="5917565" y="3820795"/>
+            <a:ext cx="3600450" cy="468630"/>
+          </a:xfrm>
+          <a:prstGeom prst="rect">
+            <a:avLst/>
+          </a:prstGeom>
+          <a:noFill/>
+          <a:extLst>
+            <a:ext uri="{909E8E84-426E-40DD-AFC4-6F175D3DCCD1}">
+              <a14:hiddenFill xmlns:a14="http://schemas.microsoft.com/office/drawing/2010/main">
+                <a:solidFill>
+                  <a:schemeClr val="accent1"/>
+                </a:solidFill>
+              </a14:hiddenFill>
+            </a:ext>
+          </a:extLst>
+        </p:spPr>
+        <p:style>
+          <a:lnRef idx="2">
+            <a:schemeClr val="accent1">
+              <a:shade val="50000"/>
+            </a:schemeClr>
+          </a:lnRef>
+          <a:fillRef idx="1">
+            <a:schemeClr val="accent1"/>
+          </a:fillRef>
+          <a:effectRef idx="0">
+            <a:schemeClr val="accent1"/>
+          </a:effectRef>
+          <a:fontRef idx="minor">
+            <a:schemeClr val="lt1"/>
+          </a:fontRef>
+        </p:style>
+        <p:txBody>
+          <a:bodyPr rtlCol="0" anchor="ctr"/>
+          <a:p>
+            <a:pPr algn="ctr"/>
+            <a:r>
+              <a:rPr lang="zh-CN" altLang="en-US">
+                <a:solidFill>
+                  <a:schemeClr val="tx1"/>
+                </a:solidFill>
+              </a:rPr>
+              <a:t>离店时间</a:t>
+            </a:r>
+            <a:endParaRPr lang="zh-CN" altLang="en-US">
+              <a:solidFill>
+                <a:schemeClr val="tx1"/>
+              </a:solidFill>
+            </a:endParaRPr>
+          </a:p>
+        </p:txBody>
+      </p:sp>
+    </p:spTree>
+    <p:custDataLst>
+      <p:tags r:id="rId1"/>
+    </p:custDataLst>
+  </p:cSld>
+  <p:clrMapOvr>
+    <a:masterClrMapping/>
+  </p:clrMapOvr>
+</p:sld>
+</file>
+
+<file path=ppt/slides/slide4.xml><?xml version="1.0" encoding="utf-8"?>
+<p:sld xmlns:a="http://schemas.openxmlformats.org/drawingml/2006/main" xmlns:r="http://schemas.openxmlformats.org/officeDocument/2006/relationships" xmlns:p="http://schemas.openxmlformats.org/presentationml/2006/main">
+  <p:cSld>
+    <p:spTree>
+      <p:nvGrpSpPr>
+        <p:cNvPr id="1" name=""/>
+        <p:cNvGrpSpPr/>
+        <p:nvPr/>
+      </p:nvGrpSpPr>
+      <p:grpSpPr>
+        <a:xfrm>
+          <a:off x="0" y="0"/>
+          <a:ext cx="0" cy="0"/>
+          <a:chOff x="0" y="0"/>
+          <a:chExt cx="0" cy="0"/>
+        </a:xfrm>
+      </p:grpSpPr>
+      <p:sp>
+        <p:nvSpPr>
+          <p:cNvPr id="7" name="矩形 6"/>
+          <p:cNvSpPr/>
+          <p:nvPr/>
+        </p:nvSpPr>
+        <p:spPr>
+          <a:xfrm>
+            <a:off x="224155" y="368300"/>
+            <a:ext cx="11555730" cy="6331585"/>
+          </a:xfrm>
+          <a:prstGeom prst="rect">
+            <a:avLst/>
+          </a:prstGeom>
+          <a:solidFill>
+            <a:srgbClr val="000000">
+              <a:alpha val="0"/>
+            </a:srgbClr>
+          </a:solidFill>
+          <a:ln w="19050"/>
+          <a:extLst>
+            <a:ext uri="{909E8E84-426E-40DD-AFC4-6F175D3DCCD1}">
+              <a14:hiddenFill xmlns:a14="http://schemas.microsoft.com/office/drawing/2010/main">
+                <a:solidFill>
+                  <a:schemeClr val="accent1"/>
+                </a:solidFill>
+              </a14:hiddenFill>
+            </a:ext>
+          </a:extLst>
+        </p:spPr>
+        <p:style>
+          <a:lnRef idx="1">
+            <a:schemeClr val="accent1"/>
+          </a:lnRef>
+          <a:fillRef idx="2">
+            <a:schemeClr val="accent1"/>
+          </a:fillRef>
+          <a:effectRef idx="1">
+            <a:schemeClr val="accent1"/>
+          </a:effectRef>
+          <a:fontRef idx="minor">
+            <a:schemeClr val="dk1"/>
+          </a:fontRef>
+        </p:style>
+        <p:txBody>
+          <a:bodyPr rtlCol="0" anchor="ctr"/>
+          <a:p>
+            <a:pPr algn="ctr"/>
+            <a:endParaRPr lang="zh-CN" altLang="en-US"/>
+          </a:p>
+        </p:txBody>
+      </p:sp>
+      <p:sp>
+        <p:nvSpPr>
+          <p:cNvPr id="4" name="文本框 3"/>
+          <p:cNvSpPr txBox="1"/>
+          <p:nvPr/>
+        </p:nvSpPr>
+        <p:spPr>
+          <a:xfrm>
+            <a:off x="0" y="0"/>
+            <a:ext cx="2926080" cy="368300"/>
+          </a:xfrm>
+          <a:prstGeom prst="rect">
+            <a:avLst/>
+          </a:prstGeom>
+          <a:noFill/>
+        </p:spPr>
+        <p:txBody>
+          <a:bodyPr wrap="none" rtlCol="0">
+            <a:spAutoFit/>
+          </a:bodyPr>
+          <a:p>
+            <a:pPr algn="l"/>
+            <a:r>
+              <a:rPr lang="zh-CN" altLang="en-US"/>
+              <a:t>创建考试订单</a:t>
+            </a:r>
+            <a:r>
+              <a:rPr lang="en-US" altLang="zh-CN">
+                <a:sym typeface="+mn-ea"/>
+              </a:rPr>
+              <a:t>——</a:t>
+            </a:r>
+            <a:r>
+              <a:rPr lang="zh-CN" altLang="en-US">
+                <a:sym typeface="+mn-ea"/>
+              </a:rPr>
+              <a:t>支付信息</a:t>
+            </a:r>
+            <a:endParaRPr lang="zh-CN" altLang="en-US"/>
+          </a:p>
+        </p:txBody>
+      </p:sp>
+      <p:sp>
+        <p:nvSpPr>
+          <p:cNvPr id="5" name="矩形 4"/>
+          <p:cNvSpPr/>
+          <p:nvPr/>
+        </p:nvSpPr>
+        <p:spPr>
+          <a:xfrm>
+            <a:off x="2135505" y="2132330"/>
+            <a:ext cx="7360285" cy="468630"/>
+          </a:xfrm>
+          <a:prstGeom prst="rect">
+            <a:avLst/>
+          </a:prstGeom>
+          <a:noFill/>
+          <a:extLst>
+            <a:ext uri="{909E8E84-426E-40DD-AFC4-6F175D3DCCD1}">
+              <a14:hiddenFill xmlns:a14="http://schemas.microsoft.com/office/drawing/2010/main">
+                <a:solidFill>
+                  <a:schemeClr val="accent1"/>
+                </a:solidFill>
+              </a14:hiddenFill>
+            </a:ext>
+          </a:extLst>
+        </p:spPr>
+        <p:style>
+          <a:lnRef idx="2">
+            <a:schemeClr val="accent1">
+              <a:shade val="50000"/>
+            </a:schemeClr>
+          </a:lnRef>
+          <a:fillRef idx="1">
+            <a:schemeClr val="accent1"/>
+          </a:fillRef>
+          <a:effectRef idx="0">
+            <a:schemeClr val="accent1"/>
+          </a:effectRef>
+          <a:fontRef idx="minor">
+            <a:schemeClr val="lt1"/>
+          </a:fontRef>
+        </p:style>
+        <p:txBody>
+          <a:bodyPr rtlCol="0" anchor="ctr"/>
+          <a:p>
+            <a:pPr algn="ctr"/>
+            <a:r>
+              <a:rPr lang="zh-CN" altLang="en-US">
+                <a:solidFill>
+                  <a:schemeClr val="tx1"/>
+                </a:solidFill>
+              </a:rPr>
+              <a:t>选择支付方式</a:t>
+            </a:r>
+            <a:endParaRPr lang="zh-CN" altLang="en-US">
+              <a:solidFill>
+                <a:schemeClr val="tx1"/>
+              </a:solidFill>
+            </a:endParaRPr>
+          </a:p>
+        </p:txBody>
+      </p:sp>
+      <p:sp>
+        <p:nvSpPr>
+          <p:cNvPr id="15" name="矩形 14"/>
+          <p:cNvSpPr/>
+          <p:nvPr/>
+        </p:nvSpPr>
+        <p:spPr>
+          <a:xfrm>
+            <a:off x="2135505" y="2701925"/>
+            <a:ext cx="7360285" cy="468630"/>
+          </a:xfrm>
+          <a:prstGeom prst="rect">
+            <a:avLst/>
+          </a:prstGeom>
+          <a:noFill/>
+          <a:extLst>
+            <a:ext uri="{909E8E84-426E-40DD-AFC4-6F175D3DCCD1}">
+              <a14:hiddenFill xmlns:a14="http://schemas.microsoft.com/office/drawing/2010/main">
+                <a:solidFill>
+                  <a:schemeClr val="accent1"/>
+                </a:solidFill>
+              </a14:hiddenFill>
+            </a:ext>
+          </a:extLst>
+        </p:spPr>
+        <p:style>
+          <a:lnRef idx="2">
+            <a:schemeClr val="accent1">
+              <a:shade val="50000"/>
+            </a:schemeClr>
+          </a:lnRef>
+          <a:fillRef idx="1">
+            <a:schemeClr val="accent1"/>
+          </a:fillRef>
+          <a:effectRef idx="0">
+            <a:schemeClr val="accent1"/>
+          </a:effectRef>
+          <a:fontRef idx="minor">
+            <a:schemeClr val="lt1"/>
+          </a:fontRef>
+        </p:style>
+        <p:txBody>
+          <a:bodyPr rtlCol="0" anchor="ctr"/>
+          <a:p>
+            <a:pPr algn="ctr"/>
+            <a:r>
+              <a:rPr lang="zh-CN" altLang="en-US">
+                <a:solidFill>
+                  <a:schemeClr val="tx1"/>
+                </a:solidFill>
+              </a:rPr>
+              <a:t>支付金额</a:t>
+            </a:r>
+            <a:endParaRPr lang="zh-CN" altLang="en-US">
+              <a:solidFill>
+                <a:schemeClr val="tx1"/>
+              </a:solidFill>
+            </a:endParaRPr>
+          </a:p>
+        </p:txBody>
+      </p:sp>
+      <p:sp>
+        <p:nvSpPr>
+          <p:cNvPr id="10" name="矩形 9"/>
+          <p:cNvSpPr/>
+          <p:nvPr/>
+        </p:nvSpPr>
+        <p:spPr>
+          <a:xfrm>
+            <a:off x="2141220" y="5286375"/>
+            <a:ext cx="7360285" cy="432435"/>
+          </a:xfrm>
+          <a:prstGeom prst="rect">
+            <a:avLst/>
+          </a:prstGeom>
+          <a:solidFill>
+            <a:srgbClr val="00B050"/>
+          </a:solidFill>
+          <a:ln>
+            <a:noFill/>
+          </a:ln>
+        </p:spPr>
+        <p:style>
+          <a:lnRef idx="2">
+            <a:schemeClr val="accent1">
+              <a:shade val="50000"/>
+            </a:schemeClr>
+          </a:lnRef>
+          <a:fillRef idx="1">
+            <a:schemeClr val="accent1"/>
+          </a:fillRef>
+          <a:effectRef idx="0">
+            <a:schemeClr val="accent1"/>
+          </a:effectRef>
+          <a:fontRef idx="minor">
+            <a:schemeClr val="lt1"/>
+          </a:fontRef>
+        </p:style>
+        <p:txBody>
+          <a:bodyPr rtlCol="0" anchor="ctr"/>
+          <a:p>
+            <a:pPr algn="ctr"/>
+            <a:r>
+              <a:rPr lang="zh-CN" altLang="en-US">
+                <a:solidFill>
+                  <a:schemeClr val="bg1"/>
+                </a:solidFill>
+              </a:rPr>
+              <a:t>创建订单</a:t>
+            </a:r>
+            <a:endParaRPr lang="zh-CN" altLang="en-US">
+              <a:solidFill>
+                <a:schemeClr val="bg1"/>
+              </a:solidFill>
+            </a:endParaRPr>
+          </a:p>
+        </p:txBody>
+      </p:sp>
+      <p:sp>
+        <p:nvSpPr>
+          <p:cNvPr id="2" name="文本框 1"/>
+          <p:cNvSpPr txBox="1"/>
+          <p:nvPr/>
+        </p:nvSpPr>
+        <p:spPr>
+          <a:xfrm>
+            <a:off x="9565640" y="2056765"/>
+            <a:ext cx="1917065" cy="645160"/>
+          </a:xfrm>
+          <a:prstGeom prst="rect">
+            <a:avLst/>
+          </a:prstGeom>
+          <a:noFill/>
+        </p:spPr>
+        <p:txBody>
+          <a:bodyPr wrap="square" rtlCol="0">
+            <a:spAutoFit/>
+          </a:bodyPr>
+          <a:p>
+            <a:r>
+              <a:rPr lang="zh-CN" altLang="en-US">
+                <a:solidFill>
+                  <a:srgbClr val="FF0000"/>
+                </a:solidFill>
+              </a:rPr>
+              <a:t>统一支付，学生支付，已支付</a:t>
+            </a:r>
+            <a:endParaRPr lang="zh-CN" altLang="en-US">
+              <a:solidFill>
+                <a:srgbClr val="FF0000"/>
+              </a:solidFill>
+            </a:endParaRPr>
+          </a:p>
+        </p:txBody>
+      </p:sp>
+      <p:sp>
+        <p:nvSpPr>
+          <p:cNvPr id="17" name="矩形 16"/>
+          <p:cNvSpPr/>
+          <p:nvPr/>
+        </p:nvSpPr>
+        <p:spPr>
+          <a:xfrm>
+            <a:off x="2135505" y="3300095"/>
+            <a:ext cx="7360285" cy="468630"/>
+          </a:xfrm>
+          <a:prstGeom prst="rect">
+            <a:avLst/>
+          </a:prstGeom>
+          <a:noFill/>
+          <a:extLst>
+            <a:ext uri="{909E8E84-426E-40DD-AFC4-6F175D3DCCD1}">
+              <a14:hiddenFill xmlns:a14="http://schemas.microsoft.com/office/drawing/2010/main">
+                <a:solidFill>
+                  <a:schemeClr val="accent1"/>
+                </a:solidFill>
+              </a14:hiddenFill>
+            </a:ext>
+          </a:extLst>
+        </p:spPr>
+        <p:style>
+          <a:lnRef idx="2">
+            <a:schemeClr val="accent1">
+              <a:shade val="50000"/>
+            </a:schemeClr>
+          </a:lnRef>
+          <a:fillRef idx="1">
+            <a:schemeClr val="accent1"/>
+          </a:fillRef>
+          <a:effectRef idx="0">
+            <a:schemeClr val="accent1"/>
+          </a:effectRef>
+          <a:fontRef idx="minor">
+            <a:schemeClr val="lt1"/>
+          </a:fontRef>
+        </p:style>
+        <p:txBody>
+          <a:bodyPr rtlCol="0" anchor="ctr"/>
+          <a:p>
+            <a:pPr algn="ctr"/>
+            <a:r>
+              <a:rPr lang="zh-CN" altLang="en-US">
+                <a:solidFill>
+                  <a:schemeClr val="tx1"/>
+                </a:solidFill>
+              </a:rPr>
+              <a:t>是否已支付</a:t>
+            </a:r>
+            <a:endParaRPr lang="zh-CN" altLang="en-US">
+              <a:solidFill>
+                <a:schemeClr val="tx1"/>
+              </a:solidFill>
+            </a:endParaRPr>
+          </a:p>
+        </p:txBody>
+      </p:sp>
+    </p:spTree>
+    <p:custDataLst>
+      <p:tags r:id="rId1"/>
+    </p:custDataLst>
+  </p:cSld>
+  <p:clrMapOvr>
+    <a:masterClrMapping/>
+  </p:clrMapOvr>
+</p:sld>
+</file>
+
+<file path=ppt/slides/slide5.xml><?xml version="1.0" encoding="utf-8"?>
+<p:sld xmlns:a="http://schemas.openxmlformats.org/drawingml/2006/main" xmlns:r="http://schemas.openxmlformats.org/officeDocument/2006/relationships" xmlns:p="http://schemas.openxmlformats.org/presentationml/2006/main">
+  <p:cSld>
+    <p:spTree>
+      <p:nvGrpSpPr>
+        <p:cNvPr id="1" name=""/>
+        <p:cNvGrpSpPr/>
+        <p:nvPr/>
+      </p:nvGrpSpPr>
+      <p:grpSpPr>
+        <a:xfrm>
+          <a:off x="0" y="0"/>
+          <a:ext cx="0" cy="0"/>
+          <a:chOff x="0" y="0"/>
+          <a:chExt cx="0" cy="0"/>
+        </a:xfrm>
+      </p:grpSpPr>
+      <p:sp>
+        <p:nvSpPr>
+          <p:cNvPr id="7" name="矩形 6"/>
+          <p:cNvSpPr/>
+          <p:nvPr/>
+        </p:nvSpPr>
+        <p:spPr>
+          <a:xfrm>
+            <a:off x="3601720" y="1855470"/>
+            <a:ext cx="3599815" cy="4302760"/>
+          </a:xfrm>
+          <a:prstGeom prst="rect">
+            <a:avLst/>
+          </a:prstGeom>
+          <a:solidFill>
+            <a:srgbClr val="000000">
+              <a:alpha val="0"/>
+            </a:srgbClr>
+          </a:solidFill>
+          <a:ln w="19050"/>
+          <a:extLst>
+            <a:ext uri="{909E8E84-426E-40DD-AFC4-6F175D3DCCD1}">
+              <a14:hiddenFill xmlns:a14="http://schemas.microsoft.com/office/drawing/2010/main">
+                <a:solidFill>
+                  <a:schemeClr val="accent1"/>
+                </a:solidFill>
+              </a14:hiddenFill>
+            </a:ext>
+          </a:extLst>
+        </p:spPr>
+        <p:style>
+          <a:lnRef idx="1">
+            <a:schemeClr val="accent1"/>
+          </a:lnRef>
+          <a:fillRef idx="2">
+            <a:schemeClr val="accent1"/>
+          </a:fillRef>
+          <a:effectRef idx="1">
+            <a:schemeClr val="accent1"/>
+          </a:effectRef>
+          <a:fontRef idx="minor">
+            <a:schemeClr val="dk1"/>
+          </a:fontRef>
+        </p:style>
+        <p:txBody>
+          <a:bodyPr rtlCol="0" anchor="ctr"/>
+          <a:p>
+            <a:pPr algn="ctr"/>
+            <a:endParaRPr lang="zh-CN" altLang="en-US"/>
+          </a:p>
+        </p:txBody>
+      </p:sp>
+      <p:sp>
+        <p:nvSpPr>
           <p:cNvPr id="6" name="矩形 5"/>
           <p:cNvSpPr/>
           <p:nvPr/>
         </p:nvSpPr>
         <p:spPr>
           <a:xfrm>
-            <a:off x="2203450" y="2925445"/>
-            <a:ext cx="2313305" cy="2394585"/>
+            <a:off x="4291330" y="3656330"/>
+            <a:ext cx="2254885" cy="2335530"/>
           </a:xfrm>
           <a:prstGeom prst="rect">
             <a:avLst/>
@@ -6438,8 +9769,8 @@
         </p:nvSpPr>
         <p:spPr>
           <a:xfrm>
-            <a:off x="2203450" y="575945"/>
-            <a:ext cx="2313940" cy="368300"/>
+            <a:off x="4079875" y="1996440"/>
+            <a:ext cx="2693035" cy="368300"/>
           </a:xfrm>
           <a:prstGeom prst="rect">
             <a:avLst/>
@@ -6453,8 +9784,10 @@
           <a:p>
             <a:pPr algn="ctr"/>
             <a:r>
-              <a:rPr lang="zh-CN" altLang="en-US"/>
-              <a:t>国家公务员考试</a:t>
+              <a:rPr lang="zh-CN" altLang="en-US">
+                <a:sym typeface="+mn-ea"/>
+              </a:rPr>
+              <a:t>2020云南省公务员考试</a:t>
             </a:r>
             <a:endParaRPr lang="zh-CN" altLang="en-US"/>
           </a:p>
@@ -6468,8 +9801,8 @@
         </p:nvSpPr>
         <p:spPr>
           <a:xfrm>
-            <a:off x="2085975" y="1111250"/>
-            <a:ext cx="2549525" cy="368300"/>
+            <a:off x="3945255" y="2584450"/>
+            <a:ext cx="2931160" cy="645160"/>
           </a:xfrm>
           <a:prstGeom prst="rect">
             <a:avLst/>
@@ -6483,27 +9816,33 @@
           <a:p>
             <a:pPr algn="ctr"/>
             <a:r>
-              <a:rPr lang="zh-CN" altLang="en-US"/>
-              <a:t>开始时间：</a:t>
-            </a:r>
-            <a:r>
-              <a:rPr lang="en-US" altLang="zh-CN"/>
-              <a:t>2020-10-10</a:t>
+              <a:rPr lang="zh-CN"/>
+              <a:t>考试时间    </a:t>
+            </a:r>
+            <a:r>
+              <a:rPr lang="en-US" altLang="zh-CN">
+                <a:sym typeface="+mn-ea"/>
+              </a:rPr>
+              <a:t>2020-10-11</a:t>
             </a:r>
             <a:endParaRPr lang="zh-CN" altLang="en-US"/>
           </a:p>
-        </p:txBody>
-      </p:sp>
-      <p:sp>
-        <p:nvSpPr>
-          <p:cNvPr id="11" name="文本框 10"/>
+          <a:p>
+            <a:pPr algn="ctr"/>
+            <a:endParaRPr lang="zh-CN"/>
+          </a:p>
+        </p:txBody>
+      </p:sp>
+      <p:sp>
+        <p:nvSpPr>
+          <p:cNvPr id="3" name="文本框 2"/>
           <p:cNvSpPr txBox="1"/>
           <p:nvPr/>
         </p:nvSpPr>
         <p:spPr>
           <a:xfrm>
-            <a:off x="6095365" y="349250"/>
-            <a:ext cx="2313940" cy="1383665"/>
+            <a:off x="4174490" y="3021330"/>
+            <a:ext cx="2487930" cy="368300"/>
           </a:xfrm>
           <a:prstGeom prst="rect">
             <a:avLst/>
@@ -6515,73 +9854,112 @@
             <a:spAutoFit/>
           </a:bodyPr>
           <a:p>
+            <a:pPr algn="ctr"/>
+            <a:r>
+              <a:rPr lang="zh-CN" altLang="en-US"/>
+              <a:t>地点：昆明</a:t>
+            </a:r>
+            <a:endParaRPr lang="zh-CN" altLang="en-US"/>
+          </a:p>
+        </p:txBody>
+      </p:sp>
+      <p:sp>
+        <p:nvSpPr>
+          <p:cNvPr id="4" name="文本框 3"/>
+          <p:cNvSpPr txBox="1"/>
+          <p:nvPr/>
+        </p:nvSpPr>
+        <p:spPr>
+          <a:xfrm>
+            <a:off x="0" y="0"/>
+            <a:ext cx="2468880" cy="368300"/>
+          </a:xfrm>
+          <a:prstGeom prst="rect">
+            <a:avLst/>
+          </a:prstGeom>
+          <a:noFill/>
+        </p:spPr>
+        <p:txBody>
+          <a:bodyPr wrap="none" rtlCol="0">
+            <a:spAutoFit/>
+          </a:bodyPr>
+          <a:p>
             <a:pPr algn="l"/>
             <a:r>
-              <a:rPr lang="zh-CN" altLang="en-US" sz="1400"/>
-              <a:t>团队共性：</a:t>
-            </a:r>
-            <a:endParaRPr lang="zh-CN" altLang="en-US" sz="1400"/>
-          </a:p>
-          <a:p>
-            <a:pPr algn="l"/>
-            <a:r>
-              <a:rPr lang="en-US" altLang="zh-CN" sz="1400"/>
-              <a:t>1.</a:t>
-            </a:r>
-            <a:r>
-              <a:rPr lang="zh-CN" altLang="en-US" sz="1400"/>
-              <a:t>所需封面不同</a:t>
-            </a:r>
-            <a:endParaRPr lang="zh-CN" altLang="en-US" sz="1400"/>
-          </a:p>
-          <a:p>
-            <a:pPr algn="l"/>
-            <a:r>
-              <a:rPr lang="en-US" altLang="zh-CN" sz="1400"/>
-              <a:t>2.</a:t>
-            </a:r>
-            <a:r>
-              <a:rPr lang="zh-CN" altLang="en-US" sz="1400"/>
-              <a:t>开始时间，结束时间</a:t>
-            </a:r>
-            <a:endParaRPr lang="zh-CN" altLang="en-US" sz="1400"/>
-          </a:p>
-          <a:p>
-            <a:pPr algn="l"/>
-            <a:r>
-              <a:rPr lang="en-US" altLang="zh-CN" sz="1400"/>
-              <a:t>3.</a:t>
-            </a:r>
-            <a:r>
-              <a:rPr lang="zh-CN" altLang="en-US" sz="1400"/>
-              <a:t>需要标题</a:t>
-            </a:r>
-            <a:endParaRPr lang="zh-CN" altLang="en-US" sz="1400"/>
-          </a:p>
-          <a:p>
-            <a:pPr algn="l"/>
-            <a:r>
-              <a:rPr lang="en-US" altLang="zh-CN" sz="1400"/>
-              <a:t>4.</a:t>
-            </a:r>
-            <a:r>
-              <a:rPr lang="zh-CN" altLang="en-US" sz="1400"/>
-              <a:t>地点（考试地点，酒店地点，会议地点）</a:t>
-            </a:r>
-            <a:endParaRPr lang="zh-CN" altLang="en-US" sz="1400"/>
-          </a:p>
-        </p:txBody>
-      </p:sp>
-      <p:sp>
-        <p:nvSpPr>
-          <p:cNvPr id="2" name="文本框 1"/>
+              <a:rPr lang="zh-CN"/>
+              <a:t>生成二维码图片和链接</a:t>
+            </a:r>
+            <a:endParaRPr lang="zh-CN"/>
+          </a:p>
+        </p:txBody>
+      </p:sp>
+      <p:sp>
+        <p:nvSpPr>
+          <p:cNvPr id="8" name="矩形 7"/>
+          <p:cNvSpPr/>
+          <p:nvPr/>
+        </p:nvSpPr>
+        <p:spPr>
+          <a:xfrm>
+            <a:off x="4217035" y="6290310"/>
+            <a:ext cx="2628265" cy="448945"/>
+          </a:xfrm>
+          <a:prstGeom prst="rect">
+            <a:avLst/>
+          </a:prstGeom>
+          <a:solidFill>
+            <a:srgbClr val="00B050"/>
+          </a:solidFill>
+          <a:ln>
+            <a:noFill/>
+          </a:ln>
+        </p:spPr>
+        <p:style>
+          <a:lnRef idx="2">
+            <a:schemeClr val="accent1">
+              <a:shade val="50000"/>
+            </a:schemeClr>
+          </a:lnRef>
+          <a:fillRef idx="1">
+            <a:schemeClr val="accent1"/>
+          </a:fillRef>
+          <a:effectRef idx="0">
+            <a:schemeClr val="accent1"/>
+          </a:effectRef>
+          <a:fontRef idx="minor">
+            <a:schemeClr val="lt1"/>
+          </a:fontRef>
+        </p:style>
+        <p:txBody>
+          <a:bodyPr rtlCol="0" anchor="ctr"/>
+          <a:p>
+            <a:pPr algn="ctr"/>
+            <a:r>
+              <a:rPr lang="zh-CN" altLang="en-US">
+                <a:solidFill>
+                  <a:schemeClr val="bg1"/>
+                </a:solidFill>
+              </a:rPr>
+              <a:t>保存图片</a:t>
+            </a:r>
+            <a:endParaRPr lang="zh-CN" altLang="en-US">
+              <a:solidFill>
+                <a:schemeClr val="bg1"/>
+              </a:solidFill>
+            </a:endParaRPr>
+          </a:p>
+        </p:txBody>
+      </p:sp>
+      <p:sp>
+        <p:nvSpPr>
+          <p:cNvPr id="12" name="文本框 11"/>
           <p:cNvSpPr txBox="1"/>
           <p:nvPr/>
         </p:nvSpPr>
         <p:spPr>
           <a:xfrm>
-            <a:off x="2085975" y="1479550"/>
-            <a:ext cx="2549525" cy="368300"/>
+            <a:off x="3731260" y="1036320"/>
+            <a:ext cx="3599815" cy="645160"/>
           </a:xfrm>
           <a:prstGeom prst="rect">
             <a:avLst/>
@@ -6593,29 +9971,31 @@
             <a:spAutoFit/>
           </a:bodyPr>
           <a:p>
-            <a:pPr algn="ctr"/>
-            <a:r>
-              <a:rPr lang="zh-CN" altLang="en-US"/>
-              <a:t>结束时间：</a:t>
-            </a:r>
-            <a:r>
-              <a:rPr lang="en-US" altLang="zh-CN"/>
-              <a:t>2020-10-10</a:t>
-            </a:r>
-            <a:endParaRPr lang="zh-CN" altLang="en-US"/>
-          </a:p>
-        </p:txBody>
-      </p:sp>
-      <p:sp>
-        <p:nvSpPr>
-          <p:cNvPr id="3" name="文本框 2"/>
+            <a:pPr algn="l"/>
+            <a:r>
+              <a:rPr lang="zh-CN"/>
+              <a:t>学生报名链接：</a:t>
+            </a:r>
+            <a:r>
+              <a:rPr lang="en-US" altLang="zh-CN">
+                <a:sym typeface="+mn-ea"/>
+              </a:rPr>
+              <a:t>http://zxkj.webinn.online/xxxxxx</a:t>
+            </a:r>
+            <a:endParaRPr lang="en-US" altLang="zh-CN"/>
+          </a:p>
+        </p:txBody>
+      </p:sp>
+      <p:sp>
+        <p:nvSpPr>
+          <p:cNvPr id="20" name="文本框 19"/>
           <p:cNvSpPr txBox="1"/>
           <p:nvPr/>
         </p:nvSpPr>
         <p:spPr>
           <a:xfrm>
-            <a:off x="2085975" y="1876425"/>
-            <a:ext cx="2549525" cy="368300"/>
+            <a:off x="3722370" y="368300"/>
+            <a:ext cx="3357880" cy="645160"/>
           </a:xfrm>
           <a:prstGeom prst="rect">
             <a:avLst/>
@@ -6627,12 +10007,2918 @@
             <a:spAutoFit/>
           </a:bodyPr>
           <a:p>
+            <a:pPr algn="l"/>
+            <a:r>
+              <a:rPr lang="zh-CN"/>
+              <a:t>统一支付链接：</a:t>
+            </a:r>
+            <a:r>
+              <a:rPr lang="en-US" altLang="zh-CN"/>
+              <a:t>http://zxkj.webinn.online/xxxxxx</a:t>
+            </a:r>
+            <a:endParaRPr lang="en-US" altLang="zh-CN"/>
+          </a:p>
+        </p:txBody>
+      </p:sp>
+      <p:sp>
+        <p:nvSpPr>
+          <p:cNvPr id="21" name="文本框 20"/>
+          <p:cNvSpPr txBox="1"/>
+          <p:nvPr/>
+        </p:nvSpPr>
+        <p:spPr>
+          <a:xfrm>
+            <a:off x="7331075" y="391160"/>
+            <a:ext cx="2074545" cy="645160"/>
+          </a:xfrm>
+          <a:prstGeom prst="rect">
+            <a:avLst/>
+          </a:prstGeom>
+          <a:noFill/>
+        </p:spPr>
+        <p:txBody>
+          <a:bodyPr wrap="square" rtlCol="0">
+            <a:spAutoFit/>
+          </a:bodyPr>
+          <a:p>
+            <a:r>
+              <a:rPr lang="zh-CN" altLang="en-US">
+                <a:solidFill>
+                  <a:srgbClr val="FF0000"/>
+                </a:solidFill>
+              </a:rPr>
+              <a:t>选择【</a:t>
+            </a:r>
+            <a:r>
+              <a:rPr lang="zh-CN" altLang="en-US">
+                <a:solidFill>
+                  <a:srgbClr val="FF0000"/>
+                </a:solidFill>
+                <a:sym typeface="+mn-ea"/>
+              </a:rPr>
+              <a:t>统一支付】</a:t>
+            </a:r>
+            <a:r>
+              <a:rPr lang="zh-CN" altLang="en-US">
+                <a:solidFill>
+                  <a:srgbClr val="FF0000"/>
+                </a:solidFill>
+              </a:rPr>
+              <a:t>有此链接</a:t>
+            </a:r>
+            <a:endParaRPr lang="zh-CN" altLang="en-US">
+              <a:solidFill>
+                <a:srgbClr val="FF0000"/>
+              </a:solidFill>
+            </a:endParaRPr>
+          </a:p>
+        </p:txBody>
+      </p:sp>
+    </p:spTree>
+    <p:custDataLst>
+      <p:tags r:id="rId1"/>
+    </p:custDataLst>
+  </p:cSld>
+  <p:clrMapOvr>
+    <a:masterClrMapping/>
+  </p:clrMapOvr>
+</p:sld>
+</file>
+
+<file path=ppt/slides/slide6.xml><?xml version="1.0" encoding="utf-8"?>
+<p:sld xmlns:a="http://schemas.openxmlformats.org/drawingml/2006/main" xmlns:r="http://schemas.openxmlformats.org/officeDocument/2006/relationships" xmlns:p="http://schemas.openxmlformats.org/presentationml/2006/main">
+  <p:cSld>
+    <p:spTree>
+      <p:nvGrpSpPr>
+        <p:cNvPr id="1" name=""/>
+        <p:cNvGrpSpPr/>
+        <p:nvPr/>
+      </p:nvGrpSpPr>
+      <p:grpSpPr>
+        <a:xfrm>
+          <a:off x="0" y="0"/>
+          <a:ext cx="0" cy="0"/>
+          <a:chOff x="0" y="0"/>
+          <a:chExt cx="0" cy="0"/>
+        </a:xfrm>
+      </p:grpSpPr>
+      <p:sp>
+        <p:nvSpPr>
+          <p:cNvPr id="7" name="矩形 6"/>
+          <p:cNvSpPr/>
+          <p:nvPr/>
+        </p:nvSpPr>
+        <p:spPr>
+          <a:xfrm>
+            <a:off x="3851275" y="368300"/>
+            <a:ext cx="3703320" cy="6331585"/>
+          </a:xfrm>
+          <a:prstGeom prst="rect">
+            <a:avLst/>
+          </a:prstGeom>
+          <a:solidFill>
+            <a:srgbClr val="000000">
+              <a:alpha val="0"/>
+            </a:srgbClr>
+          </a:solidFill>
+          <a:ln w="19050"/>
+          <a:extLst>
+            <a:ext uri="{909E8E84-426E-40DD-AFC4-6F175D3DCCD1}">
+              <a14:hiddenFill xmlns:a14="http://schemas.microsoft.com/office/drawing/2010/main">
+                <a:solidFill>
+                  <a:schemeClr val="accent1"/>
+                </a:solidFill>
+              </a14:hiddenFill>
+            </a:ext>
+          </a:extLst>
+        </p:spPr>
+        <p:style>
+          <a:lnRef idx="1">
+            <a:schemeClr val="accent1"/>
+          </a:lnRef>
+          <a:fillRef idx="2">
+            <a:schemeClr val="accent1"/>
+          </a:fillRef>
+          <a:effectRef idx="1">
+            <a:schemeClr val="accent1"/>
+          </a:effectRef>
+          <a:fontRef idx="minor">
+            <a:schemeClr val="dk1"/>
+          </a:fontRef>
+        </p:style>
+        <p:txBody>
+          <a:bodyPr rtlCol="0" anchor="ctr"/>
+          <a:p>
             <a:pPr algn="ctr"/>
-            <a:r>
-              <a:rPr lang="zh-CN" altLang="en-US"/>
-              <a:t>地点：昆明</a:t>
-            </a:r>
             <a:endParaRPr lang="zh-CN" altLang="en-US"/>
+          </a:p>
+        </p:txBody>
+      </p:sp>
+      <p:sp>
+        <p:nvSpPr>
+          <p:cNvPr id="4" name="文本框 3"/>
+          <p:cNvSpPr txBox="1"/>
+          <p:nvPr/>
+        </p:nvSpPr>
+        <p:spPr>
+          <a:xfrm>
+            <a:off x="0" y="0"/>
+            <a:ext cx="1681480" cy="368300"/>
+          </a:xfrm>
+          <a:prstGeom prst="rect">
+            <a:avLst/>
+          </a:prstGeom>
+          <a:noFill/>
+        </p:spPr>
+        <p:txBody>
+          <a:bodyPr wrap="none" rtlCol="0">
+            <a:spAutoFit/>
+          </a:bodyPr>
+          <a:p>
+            <a:pPr algn="l"/>
+            <a:r>
+              <a:rPr lang="zh-CN">
+                <a:sym typeface="+mn-ea"/>
+              </a:rPr>
+              <a:t>学生报名界面</a:t>
+            </a:r>
+            <a:r>
+              <a:rPr lang="en-US" altLang="zh-CN">
+                <a:sym typeface="+mn-ea"/>
+              </a:rPr>
+              <a:t>1</a:t>
+            </a:r>
+            <a:endParaRPr lang="en-US" altLang="zh-CN">
+              <a:sym typeface="+mn-ea"/>
+            </a:endParaRPr>
+          </a:p>
+        </p:txBody>
+      </p:sp>
+      <p:sp>
+        <p:nvSpPr>
+          <p:cNvPr id="5" name="矩形 4"/>
+          <p:cNvSpPr/>
+          <p:nvPr/>
+        </p:nvSpPr>
+        <p:spPr>
+          <a:xfrm>
+            <a:off x="4077970" y="1772920"/>
+            <a:ext cx="3248660" cy="468630"/>
+          </a:xfrm>
+          <a:prstGeom prst="rect">
+            <a:avLst/>
+          </a:prstGeom>
+          <a:noFill/>
+          <a:extLst>
+            <a:ext uri="{909E8E84-426E-40DD-AFC4-6F175D3DCCD1}">
+              <a14:hiddenFill xmlns:a14="http://schemas.microsoft.com/office/drawing/2010/main">
+                <a:solidFill>
+                  <a:schemeClr val="accent1"/>
+                </a:solidFill>
+              </a14:hiddenFill>
+            </a:ext>
+          </a:extLst>
+        </p:spPr>
+        <p:style>
+          <a:lnRef idx="2">
+            <a:schemeClr val="accent1">
+              <a:shade val="50000"/>
+            </a:schemeClr>
+          </a:lnRef>
+          <a:fillRef idx="1">
+            <a:schemeClr val="accent1"/>
+          </a:fillRef>
+          <a:effectRef idx="0">
+            <a:schemeClr val="accent1"/>
+          </a:effectRef>
+          <a:fontRef idx="minor">
+            <a:schemeClr val="lt1"/>
+          </a:fontRef>
+        </p:style>
+        <p:txBody>
+          <a:bodyPr rtlCol="0" anchor="ctr"/>
+          <a:p>
+            <a:pPr algn="ctr"/>
+            <a:r>
+              <a:rPr lang="zh-CN" altLang="en-US">
+                <a:solidFill>
+                  <a:schemeClr val="tx1"/>
+                </a:solidFill>
+              </a:rPr>
+              <a:t>考试名称</a:t>
+            </a:r>
+            <a:endParaRPr lang="zh-CN" altLang="en-US">
+              <a:solidFill>
+                <a:schemeClr val="tx1"/>
+              </a:solidFill>
+            </a:endParaRPr>
+          </a:p>
+        </p:txBody>
+      </p:sp>
+      <p:sp>
+        <p:nvSpPr>
+          <p:cNvPr id="11" name="矩形 10"/>
+          <p:cNvSpPr/>
+          <p:nvPr/>
+        </p:nvSpPr>
+        <p:spPr>
+          <a:xfrm>
+            <a:off x="4003675" y="1460500"/>
+            <a:ext cx="774700" cy="234950"/>
+          </a:xfrm>
+          <a:prstGeom prst="rect">
+            <a:avLst/>
+          </a:prstGeom>
+        </p:spPr>
+        <p:style>
+          <a:lnRef idx="2">
+            <a:schemeClr val="accent1">
+              <a:shade val="50000"/>
+            </a:schemeClr>
+          </a:lnRef>
+          <a:fillRef idx="1">
+            <a:schemeClr val="accent1"/>
+          </a:fillRef>
+          <a:effectRef idx="0">
+            <a:schemeClr val="accent1"/>
+          </a:effectRef>
+          <a:fontRef idx="minor">
+            <a:schemeClr val="lt1"/>
+          </a:fontRef>
+        </p:style>
+        <p:txBody>
+          <a:bodyPr rtlCol="0" anchor="ctr"/>
+          <a:p>
+            <a:pPr algn="ctr"/>
+            <a:r>
+              <a:rPr lang="zh-CN" altLang="en-US" sz="1000">
+                <a:solidFill>
+                  <a:schemeClr val="bg1"/>
+                </a:solidFill>
+              </a:rPr>
+              <a:t>考试信息</a:t>
+            </a:r>
+            <a:endParaRPr lang="zh-CN" altLang="en-US" sz="1000">
+              <a:solidFill>
+                <a:schemeClr val="bg1"/>
+              </a:solidFill>
+            </a:endParaRPr>
+          </a:p>
+        </p:txBody>
+      </p:sp>
+      <p:sp>
+        <p:nvSpPr>
+          <p:cNvPr id="13" name="矩形 12"/>
+          <p:cNvSpPr/>
+          <p:nvPr/>
+        </p:nvSpPr>
+        <p:spPr>
+          <a:xfrm>
+            <a:off x="4084320" y="3437255"/>
+            <a:ext cx="3248660" cy="468630"/>
+          </a:xfrm>
+          <a:prstGeom prst="rect">
+            <a:avLst/>
+          </a:prstGeom>
+          <a:noFill/>
+          <a:extLst>
+            <a:ext uri="{909E8E84-426E-40DD-AFC4-6F175D3DCCD1}">
+              <a14:hiddenFill xmlns:a14="http://schemas.microsoft.com/office/drawing/2010/main">
+                <a:solidFill>
+                  <a:schemeClr val="accent1"/>
+                </a:solidFill>
+              </a14:hiddenFill>
+            </a:ext>
+          </a:extLst>
+        </p:spPr>
+        <p:style>
+          <a:lnRef idx="2">
+            <a:schemeClr val="accent1">
+              <a:shade val="50000"/>
+            </a:schemeClr>
+          </a:lnRef>
+          <a:fillRef idx="1">
+            <a:schemeClr val="accent1"/>
+          </a:fillRef>
+          <a:effectRef idx="0">
+            <a:schemeClr val="accent1"/>
+          </a:effectRef>
+          <a:fontRef idx="minor">
+            <a:schemeClr val="lt1"/>
+          </a:fontRef>
+        </p:style>
+        <p:txBody>
+          <a:bodyPr rtlCol="0" anchor="ctr"/>
+          <a:p>
+            <a:pPr algn="ctr"/>
+            <a:r>
+              <a:rPr lang="zh-CN" altLang="en-US">
+                <a:solidFill>
+                  <a:schemeClr val="tx1"/>
+                </a:solidFill>
+              </a:rPr>
+              <a:t>考试网站链接</a:t>
+            </a:r>
+            <a:endParaRPr lang="zh-CN" altLang="en-US">
+              <a:solidFill>
+                <a:schemeClr val="tx1"/>
+              </a:solidFill>
+            </a:endParaRPr>
+          </a:p>
+        </p:txBody>
+      </p:sp>
+      <p:sp>
+        <p:nvSpPr>
+          <p:cNvPr id="14" name="矩形 13"/>
+          <p:cNvSpPr/>
+          <p:nvPr/>
+        </p:nvSpPr>
+        <p:spPr>
+          <a:xfrm>
+            <a:off x="4076700" y="2889885"/>
+            <a:ext cx="3248660" cy="468630"/>
+          </a:xfrm>
+          <a:prstGeom prst="rect">
+            <a:avLst/>
+          </a:prstGeom>
+          <a:noFill/>
+          <a:extLst>
+            <a:ext uri="{909E8E84-426E-40DD-AFC4-6F175D3DCCD1}">
+              <a14:hiddenFill xmlns:a14="http://schemas.microsoft.com/office/drawing/2010/main">
+                <a:solidFill>
+                  <a:schemeClr val="accent1"/>
+                </a:solidFill>
+              </a14:hiddenFill>
+            </a:ext>
+          </a:extLst>
+        </p:spPr>
+        <p:style>
+          <a:lnRef idx="2">
+            <a:schemeClr val="accent1">
+              <a:shade val="50000"/>
+            </a:schemeClr>
+          </a:lnRef>
+          <a:fillRef idx="1">
+            <a:schemeClr val="accent1"/>
+          </a:fillRef>
+          <a:effectRef idx="0">
+            <a:schemeClr val="accent1"/>
+          </a:effectRef>
+          <a:fontRef idx="minor">
+            <a:schemeClr val="lt1"/>
+          </a:fontRef>
+        </p:style>
+        <p:txBody>
+          <a:bodyPr rtlCol="0" anchor="ctr"/>
+          <a:p>
+            <a:pPr algn="ctr"/>
+            <a:r>
+              <a:rPr lang="zh-CN" altLang="en-US">
+                <a:solidFill>
+                  <a:schemeClr val="tx1"/>
+                </a:solidFill>
+              </a:rPr>
+              <a:t>考试说明</a:t>
+            </a:r>
+            <a:endParaRPr lang="en-US" altLang="zh-CN">
+              <a:solidFill>
+                <a:schemeClr val="tx1"/>
+              </a:solidFill>
+            </a:endParaRPr>
+          </a:p>
+        </p:txBody>
+      </p:sp>
+      <p:sp>
+        <p:nvSpPr>
+          <p:cNvPr id="15" name="矩形 14"/>
+          <p:cNvSpPr/>
+          <p:nvPr/>
+        </p:nvSpPr>
+        <p:spPr>
+          <a:xfrm>
+            <a:off x="4077970" y="2342515"/>
+            <a:ext cx="3248660" cy="468630"/>
+          </a:xfrm>
+          <a:prstGeom prst="rect">
+            <a:avLst/>
+          </a:prstGeom>
+          <a:noFill/>
+          <a:extLst>
+            <a:ext uri="{909E8E84-426E-40DD-AFC4-6F175D3DCCD1}">
+              <a14:hiddenFill xmlns:a14="http://schemas.microsoft.com/office/drawing/2010/main">
+                <a:solidFill>
+                  <a:schemeClr val="accent1"/>
+                </a:solidFill>
+              </a14:hiddenFill>
+            </a:ext>
+          </a:extLst>
+        </p:spPr>
+        <p:style>
+          <a:lnRef idx="2">
+            <a:schemeClr val="accent1">
+              <a:shade val="50000"/>
+            </a:schemeClr>
+          </a:lnRef>
+          <a:fillRef idx="1">
+            <a:schemeClr val="accent1"/>
+          </a:fillRef>
+          <a:effectRef idx="0">
+            <a:schemeClr val="accent1"/>
+          </a:effectRef>
+          <a:fontRef idx="minor">
+            <a:schemeClr val="lt1"/>
+          </a:fontRef>
+        </p:style>
+        <p:txBody>
+          <a:bodyPr rtlCol="0" anchor="ctr"/>
+          <a:p>
+            <a:pPr algn="ctr"/>
+            <a:r>
+              <a:rPr lang="zh-CN" altLang="en-US">
+                <a:solidFill>
+                  <a:schemeClr val="tx1"/>
+                </a:solidFill>
+              </a:rPr>
+              <a:t>考试时间</a:t>
+            </a:r>
+            <a:endParaRPr lang="zh-CN" altLang="en-US">
+              <a:solidFill>
+                <a:schemeClr val="tx1"/>
+              </a:solidFill>
+            </a:endParaRPr>
+          </a:p>
+        </p:txBody>
+      </p:sp>
+      <p:sp>
+        <p:nvSpPr>
+          <p:cNvPr id="10" name="矩形 9"/>
+          <p:cNvSpPr/>
+          <p:nvPr/>
+        </p:nvSpPr>
+        <p:spPr>
+          <a:xfrm>
+            <a:off x="4446905" y="6036945"/>
+            <a:ext cx="2359025" cy="432435"/>
+          </a:xfrm>
+          <a:prstGeom prst="rect">
+            <a:avLst/>
+          </a:prstGeom>
+          <a:solidFill>
+            <a:srgbClr val="00B050"/>
+          </a:solidFill>
+          <a:ln>
+            <a:noFill/>
+          </a:ln>
+        </p:spPr>
+        <p:style>
+          <a:lnRef idx="2">
+            <a:schemeClr val="accent1">
+              <a:shade val="50000"/>
+            </a:schemeClr>
+          </a:lnRef>
+          <a:fillRef idx="1">
+            <a:schemeClr val="accent1"/>
+          </a:fillRef>
+          <a:effectRef idx="0">
+            <a:schemeClr val="accent1"/>
+          </a:effectRef>
+          <a:fontRef idx="minor">
+            <a:schemeClr val="lt1"/>
+          </a:fontRef>
+        </p:style>
+        <p:txBody>
+          <a:bodyPr rtlCol="0" anchor="ctr"/>
+          <a:p>
+            <a:pPr algn="ctr"/>
+            <a:r>
+              <a:rPr lang="zh-CN" altLang="en-US">
+                <a:solidFill>
+                  <a:schemeClr val="bg1"/>
+                </a:solidFill>
+              </a:rPr>
+              <a:t>下一步</a:t>
+            </a:r>
+            <a:endParaRPr lang="zh-CN" altLang="en-US">
+              <a:solidFill>
+                <a:schemeClr val="bg1"/>
+              </a:solidFill>
+            </a:endParaRPr>
+          </a:p>
+        </p:txBody>
+      </p:sp>
+      <p:sp>
+        <p:nvSpPr>
+          <p:cNvPr id="6" name="矩形 5"/>
+          <p:cNvSpPr/>
+          <p:nvPr/>
+        </p:nvSpPr>
+        <p:spPr>
+          <a:xfrm>
+            <a:off x="4003675" y="1695450"/>
+            <a:ext cx="3398520" cy="2279650"/>
+          </a:xfrm>
+          <a:prstGeom prst="rect">
+            <a:avLst/>
+          </a:prstGeom>
+          <a:solidFill>
+            <a:srgbClr val="000000">
+              <a:alpha val="0"/>
+            </a:srgbClr>
+          </a:solidFill>
+          <a:ln w="19050"/>
+          <a:extLst>
+            <a:ext uri="{909E8E84-426E-40DD-AFC4-6F175D3DCCD1}">
+              <a14:hiddenFill xmlns:a14="http://schemas.microsoft.com/office/drawing/2010/main">
+                <a:solidFill>
+                  <a:schemeClr val="accent1"/>
+                </a:solidFill>
+              </a14:hiddenFill>
+            </a:ext>
+          </a:extLst>
+        </p:spPr>
+        <p:style>
+          <a:lnRef idx="1">
+            <a:schemeClr val="accent1"/>
+          </a:lnRef>
+          <a:fillRef idx="2">
+            <a:schemeClr val="accent1"/>
+          </a:fillRef>
+          <a:effectRef idx="1">
+            <a:schemeClr val="accent1"/>
+          </a:effectRef>
+          <a:fontRef idx="minor">
+            <a:schemeClr val="dk1"/>
+          </a:fontRef>
+        </p:style>
+        <p:txBody>
+          <a:bodyPr rtlCol="0" anchor="ctr"/>
+          <a:p>
+            <a:pPr algn="ctr"/>
+            <a:endParaRPr lang="zh-CN" altLang="en-US"/>
+          </a:p>
+        </p:txBody>
+      </p:sp>
+      <p:sp>
+        <p:nvSpPr>
+          <p:cNvPr id="24" name="文本框 23"/>
+          <p:cNvSpPr txBox="1"/>
+          <p:nvPr/>
+        </p:nvSpPr>
+        <p:spPr>
+          <a:xfrm>
+            <a:off x="8557895" y="1684655"/>
+            <a:ext cx="2217420" cy="922020"/>
+          </a:xfrm>
+          <a:prstGeom prst="rect">
+            <a:avLst/>
+          </a:prstGeom>
+          <a:noFill/>
+        </p:spPr>
+        <p:txBody>
+          <a:bodyPr wrap="square" rtlCol="0">
+            <a:spAutoFit/>
+          </a:bodyPr>
+          <a:p>
+            <a:r>
+              <a:rPr lang="zh-CN" altLang="en-US">
+                <a:solidFill>
+                  <a:srgbClr val="FF0000"/>
+                </a:solidFill>
+              </a:rPr>
+              <a:t>用以让学生确认考试信息，提供官网链接</a:t>
+            </a:r>
+            <a:endParaRPr lang="zh-CN" altLang="en-US">
+              <a:solidFill>
+                <a:srgbClr val="FF0000"/>
+              </a:solidFill>
+            </a:endParaRPr>
+          </a:p>
+        </p:txBody>
+      </p:sp>
+    </p:spTree>
+    <p:custDataLst>
+      <p:tags r:id="rId1"/>
+    </p:custDataLst>
+  </p:cSld>
+  <p:clrMapOvr>
+    <a:masterClrMapping/>
+  </p:clrMapOvr>
+</p:sld>
+</file>
+
+<file path=ppt/slides/slide7.xml><?xml version="1.0" encoding="utf-8"?>
+<p:sld xmlns:a="http://schemas.openxmlformats.org/drawingml/2006/main" xmlns:r="http://schemas.openxmlformats.org/officeDocument/2006/relationships" xmlns:p="http://schemas.openxmlformats.org/presentationml/2006/main">
+  <p:cSld>
+    <p:spTree>
+      <p:nvGrpSpPr>
+        <p:cNvPr id="1" name=""/>
+        <p:cNvGrpSpPr/>
+        <p:nvPr/>
+      </p:nvGrpSpPr>
+      <p:grpSpPr>
+        <a:xfrm>
+          <a:off x="0" y="0"/>
+          <a:ext cx="0" cy="0"/>
+          <a:chOff x="0" y="0"/>
+          <a:chExt cx="0" cy="0"/>
+        </a:xfrm>
+      </p:grpSpPr>
+      <p:sp>
+        <p:nvSpPr>
+          <p:cNvPr id="7" name="矩形 6"/>
+          <p:cNvSpPr/>
+          <p:nvPr/>
+        </p:nvSpPr>
+        <p:spPr>
+          <a:xfrm>
+            <a:off x="3851275" y="368300"/>
+            <a:ext cx="3703320" cy="6331585"/>
+          </a:xfrm>
+          <a:prstGeom prst="rect">
+            <a:avLst/>
+          </a:prstGeom>
+          <a:solidFill>
+            <a:srgbClr val="000000">
+              <a:alpha val="0"/>
+            </a:srgbClr>
+          </a:solidFill>
+          <a:ln w="19050"/>
+          <a:extLst>
+            <a:ext uri="{909E8E84-426E-40DD-AFC4-6F175D3DCCD1}">
+              <a14:hiddenFill xmlns:a14="http://schemas.microsoft.com/office/drawing/2010/main">
+                <a:solidFill>
+                  <a:schemeClr val="accent1"/>
+                </a:solidFill>
+              </a14:hiddenFill>
+            </a:ext>
+          </a:extLst>
+        </p:spPr>
+        <p:style>
+          <a:lnRef idx="1">
+            <a:schemeClr val="accent1"/>
+          </a:lnRef>
+          <a:fillRef idx="2">
+            <a:schemeClr val="accent1"/>
+          </a:fillRef>
+          <a:effectRef idx="1">
+            <a:schemeClr val="accent1"/>
+          </a:effectRef>
+          <a:fontRef idx="minor">
+            <a:schemeClr val="dk1"/>
+          </a:fontRef>
+        </p:style>
+        <p:txBody>
+          <a:bodyPr rtlCol="0" anchor="ctr"/>
+          <a:p>
+            <a:pPr algn="ctr"/>
+            <a:endParaRPr lang="zh-CN" altLang="en-US"/>
+          </a:p>
+        </p:txBody>
+      </p:sp>
+      <p:sp>
+        <p:nvSpPr>
+          <p:cNvPr id="4" name="文本框 3"/>
+          <p:cNvSpPr txBox="1"/>
+          <p:nvPr/>
+        </p:nvSpPr>
+        <p:spPr>
+          <a:xfrm>
+            <a:off x="0" y="0"/>
+            <a:ext cx="1681480" cy="368300"/>
+          </a:xfrm>
+          <a:prstGeom prst="rect">
+            <a:avLst/>
+          </a:prstGeom>
+          <a:noFill/>
+        </p:spPr>
+        <p:txBody>
+          <a:bodyPr wrap="none" rtlCol="0">
+            <a:spAutoFit/>
+          </a:bodyPr>
+          <a:p>
+            <a:pPr algn="l"/>
+            <a:r>
+              <a:rPr lang="zh-CN">
+                <a:sym typeface="+mn-ea"/>
+              </a:rPr>
+              <a:t>学生报名界面</a:t>
+            </a:r>
+            <a:r>
+              <a:rPr lang="en-US" altLang="zh-CN">
+                <a:sym typeface="+mn-ea"/>
+              </a:rPr>
+              <a:t>2</a:t>
+            </a:r>
+            <a:endParaRPr lang="en-US" altLang="zh-CN">
+              <a:sym typeface="+mn-ea"/>
+            </a:endParaRPr>
+          </a:p>
+        </p:txBody>
+      </p:sp>
+      <p:sp>
+        <p:nvSpPr>
+          <p:cNvPr id="5" name="矩形 4"/>
+          <p:cNvSpPr/>
+          <p:nvPr/>
+        </p:nvSpPr>
+        <p:spPr>
+          <a:xfrm>
+            <a:off x="3987800" y="1205865"/>
+            <a:ext cx="2938780" cy="468630"/>
+          </a:xfrm>
+          <a:prstGeom prst="rect">
+            <a:avLst/>
+          </a:prstGeom>
+          <a:extLst>
+            <a:ext uri="{909E8E84-426E-40DD-AFC4-6F175D3DCCD1}">
+              <a14:hiddenFill xmlns:a14="http://schemas.microsoft.com/office/drawing/2010/main">
+                <a:solidFill>
+                  <a:schemeClr val="accent1"/>
+                </a:solidFill>
+              </a14:hiddenFill>
+            </a:ext>
+          </a:extLst>
+        </p:spPr>
+        <p:style>
+          <a:lnRef idx="2">
+            <a:schemeClr val="accent1">
+              <a:shade val="50000"/>
+            </a:schemeClr>
+          </a:lnRef>
+          <a:fillRef idx="1">
+            <a:schemeClr val="accent1"/>
+          </a:fillRef>
+          <a:effectRef idx="0">
+            <a:schemeClr val="accent1"/>
+          </a:effectRef>
+          <a:fontRef idx="minor">
+            <a:schemeClr val="lt1"/>
+          </a:fontRef>
+        </p:style>
+        <p:txBody>
+          <a:bodyPr rtlCol="0" anchor="ctr"/>
+          <a:p>
+            <a:pPr algn="ctr"/>
+            <a:r>
+              <a:rPr lang="zh-CN" altLang="en-US">
+                <a:solidFill>
+                  <a:schemeClr val="bg1"/>
+                </a:solidFill>
+              </a:rPr>
+              <a:t>昆明学院</a:t>
+            </a:r>
+            <a:r>
+              <a:rPr lang="en-US" altLang="zh-CN">
+                <a:solidFill>
+                  <a:schemeClr val="bg1"/>
+                </a:solidFill>
+              </a:rPr>
+              <a:t>xx</a:t>
+            </a:r>
+            <a:r>
+              <a:rPr lang="zh-CN" altLang="en-US">
+                <a:solidFill>
+                  <a:schemeClr val="bg1"/>
+                </a:solidFill>
+              </a:rPr>
+              <a:t>楼</a:t>
+            </a:r>
+            <a:endParaRPr lang="zh-CN" altLang="en-US">
+              <a:solidFill>
+                <a:schemeClr val="bg1"/>
+              </a:solidFill>
+            </a:endParaRPr>
+          </a:p>
+        </p:txBody>
+      </p:sp>
+      <p:sp>
+        <p:nvSpPr>
+          <p:cNvPr id="11" name="矩形 10"/>
+          <p:cNvSpPr/>
+          <p:nvPr/>
+        </p:nvSpPr>
+        <p:spPr>
+          <a:xfrm>
+            <a:off x="5089525" y="529590"/>
+            <a:ext cx="1240155" cy="320040"/>
+          </a:xfrm>
+          <a:prstGeom prst="rect">
+            <a:avLst/>
+          </a:prstGeom>
+        </p:spPr>
+        <p:style>
+          <a:lnRef idx="2">
+            <a:schemeClr val="accent1">
+              <a:shade val="50000"/>
+            </a:schemeClr>
+          </a:lnRef>
+          <a:fillRef idx="1">
+            <a:schemeClr val="accent1"/>
+          </a:fillRef>
+          <a:effectRef idx="0">
+            <a:schemeClr val="accent1"/>
+          </a:effectRef>
+          <a:fontRef idx="minor">
+            <a:schemeClr val="lt1"/>
+          </a:fontRef>
+        </p:style>
+        <p:txBody>
+          <a:bodyPr rtlCol="0" anchor="ctr"/>
+          <a:p>
+            <a:pPr algn="ctr"/>
+            <a:r>
+              <a:rPr lang="zh-CN" altLang="en-US" sz="2000">
+                <a:solidFill>
+                  <a:schemeClr val="bg1"/>
+                </a:solidFill>
+              </a:rPr>
+              <a:t>选择考点</a:t>
+            </a:r>
+            <a:endParaRPr lang="zh-CN" altLang="en-US" sz="2000">
+              <a:solidFill>
+                <a:schemeClr val="bg1"/>
+              </a:solidFill>
+            </a:endParaRPr>
+          </a:p>
+        </p:txBody>
+      </p:sp>
+      <p:sp>
+        <p:nvSpPr>
+          <p:cNvPr id="13" name="矩形 12"/>
+          <p:cNvSpPr/>
+          <p:nvPr/>
+        </p:nvSpPr>
+        <p:spPr>
+          <a:xfrm>
+            <a:off x="3994150" y="2870200"/>
+            <a:ext cx="2938780" cy="468630"/>
+          </a:xfrm>
+          <a:prstGeom prst="rect">
+            <a:avLst/>
+          </a:prstGeom>
+          <a:noFill/>
+          <a:extLst>
+            <a:ext uri="{909E8E84-426E-40DD-AFC4-6F175D3DCCD1}">
+              <a14:hiddenFill xmlns:a14="http://schemas.microsoft.com/office/drawing/2010/main">
+                <a:solidFill>
+                  <a:schemeClr val="accent1"/>
+                </a:solidFill>
+              </a14:hiddenFill>
+            </a:ext>
+          </a:extLst>
+        </p:spPr>
+        <p:style>
+          <a:lnRef idx="2">
+            <a:schemeClr val="accent1">
+              <a:shade val="50000"/>
+            </a:schemeClr>
+          </a:lnRef>
+          <a:fillRef idx="1">
+            <a:schemeClr val="accent1"/>
+          </a:fillRef>
+          <a:effectRef idx="0">
+            <a:schemeClr val="accent1"/>
+          </a:effectRef>
+          <a:fontRef idx="minor">
+            <a:schemeClr val="lt1"/>
+          </a:fontRef>
+        </p:style>
+        <p:txBody>
+          <a:bodyPr rtlCol="0" anchor="ctr"/>
+          <a:p>
+            <a:pPr algn="ctr"/>
+            <a:r>
+              <a:rPr lang="zh-CN">
+                <a:solidFill>
+                  <a:schemeClr val="tx1"/>
+                </a:solidFill>
+                <a:sym typeface="+mn-ea"/>
+              </a:rPr>
+              <a:t>云南大学</a:t>
+            </a:r>
+            <a:r>
+              <a:rPr lang="en-US" altLang="zh-CN">
+                <a:solidFill>
+                  <a:schemeClr val="tx1"/>
+                </a:solidFill>
+                <a:sym typeface="+mn-ea"/>
+              </a:rPr>
+              <a:t>xx</a:t>
+            </a:r>
+            <a:r>
+              <a:rPr lang="zh-CN">
+                <a:solidFill>
+                  <a:schemeClr val="tx1"/>
+                </a:solidFill>
+                <a:sym typeface="+mn-ea"/>
+              </a:rPr>
+              <a:t>楼</a:t>
+            </a:r>
+            <a:endParaRPr lang="zh-CN" altLang="en-US">
+              <a:solidFill>
+                <a:schemeClr val="tx1"/>
+              </a:solidFill>
+            </a:endParaRPr>
+          </a:p>
+        </p:txBody>
+      </p:sp>
+      <p:sp>
+        <p:nvSpPr>
+          <p:cNvPr id="14" name="矩形 13"/>
+          <p:cNvSpPr/>
+          <p:nvPr/>
+        </p:nvSpPr>
+        <p:spPr>
+          <a:xfrm>
+            <a:off x="3986530" y="2322830"/>
+            <a:ext cx="2938780" cy="468630"/>
+          </a:xfrm>
+          <a:prstGeom prst="rect">
+            <a:avLst/>
+          </a:prstGeom>
+          <a:noFill/>
+          <a:extLst>
+            <a:ext uri="{909E8E84-426E-40DD-AFC4-6F175D3DCCD1}">
+              <a14:hiddenFill xmlns:a14="http://schemas.microsoft.com/office/drawing/2010/main">
+                <a:solidFill>
+                  <a:schemeClr val="accent1"/>
+                </a:solidFill>
+              </a14:hiddenFill>
+            </a:ext>
+          </a:extLst>
+        </p:spPr>
+        <p:style>
+          <a:lnRef idx="2">
+            <a:schemeClr val="accent1">
+              <a:shade val="50000"/>
+            </a:schemeClr>
+          </a:lnRef>
+          <a:fillRef idx="1">
+            <a:schemeClr val="accent1"/>
+          </a:fillRef>
+          <a:effectRef idx="0">
+            <a:schemeClr val="accent1"/>
+          </a:effectRef>
+          <a:fontRef idx="minor">
+            <a:schemeClr val="lt1"/>
+          </a:fontRef>
+        </p:style>
+        <p:txBody>
+          <a:bodyPr rtlCol="0" anchor="ctr"/>
+          <a:p>
+            <a:pPr algn="ctr"/>
+            <a:r>
+              <a:rPr lang="zh-CN">
+                <a:solidFill>
+                  <a:schemeClr val="tx1"/>
+                </a:solidFill>
+              </a:rPr>
+              <a:t>云南大学</a:t>
+            </a:r>
+            <a:r>
+              <a:rPr lang="en-US" altLang="zh-CN">
+                <a:solidFill>
+                  <a:schemeClr val="tx1"/>
+                </a:solidFill>
+              </a:rPr>
+              <a:t>xx</a:t>
+            </a:r>
+            <a:r>
+              <a:rPr lang="zh-CN">
+                <a:solidFill>
+                  <a:schemeClr val="tx1"/>
+                </a:solidFill>
+              </a:rPr>
+              <a:t>楼</a:t>
+            </a:r>
+            <a:endParaRPr lang="zh-CN">
+              <a:solidFill>
+                <a:schemeClr val="tx1"/>
+              </a:solidFill>
+            </a:endParaRPr>
+          </a:p>
+        </p:txBody>
+      </p:sp>
+      <p:sp>
+        <p:nvSpPr>
+          <p:cNvPr id="15" name="矩形 14"/>
+          <p:cNvSpPr/>
+          <p:nvPr/>
+        </p:nvSpPr>
+        <p:spPr>
+          <a:xfrm>
+            <a:off x="3987800" y="1775460"/>
+            <a:ext cx="2938780" cy="468630"/>
+          </a:xfrm>
+          <a:prstGeom prst="rect">
+            <a:avLst/>
+          </a:prstGeom>
+          <a:noFill/>
+          <a:extLst>
+            <a:ext uri="{909E8E84-426E-40DD-AFC4-6F175D3DCCD1}">
+              <a14:hiddenFill xmlns:a14="http://schemas.microsoft.com/office/drawing/2010/main">
+                <a:solidFill>
+                  <a:schemeClr val="accent1"/>
+                </a:solidFill>
+              </a14:hiddenFill>
+            </a:ext>
+          </a:extLst>
+        </p:spPr>
+        <p:style>
+          <a:lnRef idx="2">
+            <a:schemeClr val="accent1">
+              <a:shade val="50000"/>
+            </a:schemeClr>
+          </a:lnRef>
+          <a:fillRef idx="1">
+            <a:schemeClr val="accent1"/>
+          </a:fillRef>
+          <a:effectRef idx="0">
+            <a:schemeClr val="accent1"/>
+          </a:effectRef>
+          <a:fontRef idx="minor">
+            <a:schemeClr val="lt1"/>
+          </a:fontRef>
+        </p:style>
+        <p:txBody>
+          <a:bodyPr rtlCol="0" anchor="ctr"/>
+          <a:p>
+            <a:pPr algn="ctr"/>
+            <a:r>
+              <a:rPr lang="zh-CN" altLang="en-US">
+                <a:solidFill>
+                  <a:schemeClr val="tx1"/>
+                </a:solidFill>
+              </a:rPr>
+              <a:t>昆明学院</a:t>
+            </a:r>
+            <a:r>
+              <a:rPr lang="en-US" altLang="zh-CN">
+                <a:solidFill>
+                  <a:schemeClr val="tx1"/>
+                </a:solidFill>
+              </a:rPr>
+              <a:t>xx</a:t>
+            </a:r>
+            <a:r>
+              <a:rPr lang="zh-CN" altLang="en-US">
+                <a:solidFill>
+                  <a:schemeClr val="tx1"/>
+                </a:solidFill>
+              </a:rPr>
+              <a:t>楼</a:t>
+            </a:r>
+            <a:endParaRPr lang="zh-CN" altLang="en-US">
+              <a:solidFill>
+                <a:schemeClr val="tx1"/>
+              </a:solidFill>
+            </a:endParaRPr>
+          </a:p>
+        </p:txBody>
+      </p:sp>
+      <p:sp>
+        <p:nvSpPr>
+          <p:cNvPr id="10" name="矩形 9"/>
+          <p:cNvSpPr/>
+          <p:nvPr/>
+        </p:nvSpPr>
+        <p:spPr>
+          <a:xfrm>
+            <a:off x="4446905" y="6036945"/>
+            <a:ext cx="2359025" cy="432435"/>
+          </a:xfrm>
+          <a:prstGeom prst="rect">
+            <a:avLst/>
+          </a:prstGeom>
+          <a:solidFill>
+            <a:srgbClr val="00B050"/>
+          </a:solidFill>
+          <a:ln>
+            <a:noFill/>
+          </a:ln>
+        </p:spPr>
+        <p:style>
+          <a:lnRef idx="2">
+            <a:schemeClr val="accent1">
+              <a:shade val="50000"/>
+            </a:schemeClr>
+          </a:lnRef>
+          <a:fillRef idx="1">
+            <a:schemeClr val="accent1"/>
+          </a:fillRef>
+          <a:effectRef idx="0">
+            <a:schemeClr val="accent1"/>
+          </a:effectRef>
+          <a:fontRef idx="minor">
+            <a:schemeClr val="lt1"/>
+          </a:fontRef>
+        </p:style>
+        <p:txBody>
+          <a:bodyPr rtlCol="0" anchor="ctr"/>
+          <a:p>
+            <a:pPr algn="ctr"/>
+            <a:r>
+              <a:rPr lang="zh-CN" altLang="en-US">
+                <a:solidFill>
+                  <a:schemeClr val="bg1"/>
+                </a:solidFill>
+              </a:rPr>
+              <a:t>下一步</a:t>
+            </a:r>
+            <a:endParaRPr lang="zh-CN" altLang="en-US">
+              <a:solidFill>
+                <a:schemeClr val="bg1"/>
+              </a:solidFill>
+            </a:endParaRPr>
+          </a:p>
+        </p:txBody>
+      </p:sp>
+      <p:sp>
+        <p:nvSpPr>
+          <p:cNvPr id="24" name="文本框 23"/>
+          <p:cNvSpPr txBox="1"/>
+          <p:nvPr/>
+        </p:nvSpPr>
+        <p:spPr>
+          <a:xfrm>
+            <a:off x="8557895" y="1684655"/>
+            <a:ext cx="2217420" cy="368300"/>
+          </a:xfrm>
+          <a:prstGeom prst="rect">
+            <a:avLst/>
+          </a:prstGeom>
+          <a:noFill/>
+        </p:spPr>
+        <p:txBody>
+          <a:bodyPr wrap="square" rtlCol="0">
+            <a:spAutoFit/>
+          </a:bodyPr>
+          <a:p>
+            <a:r>
+              <a:rPr lang="zh-CN" altLang="en-US">
+                <a:solidFill>
+                  <a:srgbClr val="FF0000"/>
+                </a:solidFill>
+              </a:rPr>
+              <a:t>查看并选择考点</a:t>
+            </a:r>
+            <a:endParaRPr lang="zh-CN" altLang="en-US">
+              <a:solidFill>
+                <a:srgbClr val="FF0000"/>
+              </a:solidFill>
+            </a:endParaRPr>
+          </a:p>
+        </p:txBody>
+      </p:sp>
+      <p:sp>
+        <p:nvSpPr>
+          <p:cNvPr id="2" name="矩形 1"/>
+          <p:cNvSpPr/>
+          <p:nvPr/>
+        </p:nvSpPr>
+        <p:spPr>
+          <a:xfrm>
+            <a:off x="6965950" y="1314450"/>
+            <a:ext cx="535940" cy="252095"/>
+          </a:xfrm>
+          <a:prstGeom prst="rect">
+            <a:avLst/>
+          </a:prstGeom>
+        </p:spPr>
+        <p:style>
+          <a:lnRef idx="2">
+            <a:schemeClr val="accent1">
+              <a:shade val="50000"/>
+            </a:schemeClr>
+          </a:lnRef>
+          <a:fillRef idx="1">
+            <a:schemeClr val="accent1"/>
+          </a:fillRef>
+          <a:effectRef idx="0">
+            <a:schemeClr val="accent1"/>
+          </a:effectRef>
+          <a:fontRef idx="minor">
+            <a:schemeClr val="lt1"/>
+          </a:fontRef>
+        </p:style>
+        <p:txBody>
+          <a:bodyPr rtlCol="0" anchor="ctr"/>
+          <a:p>
+            <a:pPr algn="ctr"/>
+            <a:r>
+              <a:rPr lang="zh-CN" altLang="en-US" sz="1200">
+                <a:solidFill>
+                  <a:schemeClr val="bg1"/>
+                </a:solidFill>
+              </a:rPr>
+              <a:t>查看</a:t>
+            </a:r>
+            <a:endParaRPr lang="zh-CN" altLang="en-US" sz="1200">
+              <a:solidFill>
+                <a:schemeClr val="bg1"/>
+              </a:solidFill>
+            </a:endParaRPr>
+          </a:p>
+        </p:txBody>
+      </p:sp>
+      <p:sp>
+        <p:nvSpPr>
+          <p:cNvPr id="3" name="矩形 2"/>
+          <p:cNvSpPr/>
+          <p:nvPr/>
+        </p:nvSpPr>
+        <p:spPr>
+          <a:xfrm>
+            <a:off x="6965950" y="1883410"/>
+            <a:ext cx="535940" cy="252095"/>
+          </a:xfrm>
+          <a:prstGeom prst="rect">
+            <a:avLst/>
+          </a:prstGeom>
+        </p:spPr>
+        <p:style>
+          <a:lnRef idx="2">
+            <a:schemeClr val="accent1">
+              <a:shade val="50000"/>
+            </a:schemeClr>
+          </a:lnRef>
+          <a:fillRef idx="1">
+            <a:schemeClr val="accent1"/>
+          </a:fillRef>
+          <a:effectRef idx="0">
+            <a:schemeClr val="accent1"/>
+          </a:effectRef>
+          <a:fontRef idx="minor">
+            <a:schemeClr val="lt1"/>
+          </a:fontRef>
+        </p:style>
+        <p:txBody>
+          <a:bodyPr rtlCol="0" anchor="ctr"/>
+          <a:p>
+            <a:pPr algn="ctr"/>
+            <a:r>
+              <a:rPr lang="zh-CN" altLang="en-US" sz="1200">
+                <a:solidFill>
+                  <a:schemeClr val="bg1"/>
+                </a:solidFill>
+              </a:rPr>
+              <a:t>查看</a:t>
+            </a:r>
+            <a:endParaRPr lang="zh-CN" altLang="en-US" sz="1200">
+              <a:solidFill>
+                <a:schemeClr val="bg1"/>
+              </a:solidFill>
+            </a:endParaRPr>
+          </a:p>
+        </p:txBody>
+      </p:sp>
+      <p:sp>
+        <p:nvSpPr>
+          <p:cNvPr id="8" name="矩形 7"/>
+          <p:cNvSpPr/>
+          <p:nvPr/>
+        </p:nvSpPr>
+        <p:spPr>
+          <a:xfrm>
+            <a:off x="6965950" y="2431415"/>
+            <a:ext cx="535940" cy="252095"/>
+          </a:xfrm>
+          <a:prstGeom prst="rect">
+            <a:avLst/>
+          </a:prstGeom>
+        </p:spPr>
+        <p:style>
+          <a:lnRef idx="2">
+            <a:schemeClr val="accent1">
+              <a:shade val="50000"/>
+            </a:schemeClr>
+          </a:lnRef>
+          <a:fillRef idx="1">
+            <a:schemeClr val="accent1"/>
+          </a:fillRef>
+          <a:effectRef idx="0">
+            <a:schemeClr val="accent1"/>
+          </a:effectRef>
+          <a:fontRef idx="minor">
+            <a:schemeClr val="lt1"/>
+          </a:fontRef>
+        </p:style>
+        <p:txBody>
+          <a:bodyPr rtlCol="0" anchor="ctr"/>
+          <a:p>
+            <a:pPr algn="ctr"/>
+            <a:r>
+              <a:rPr lang="zh-CN" altLang="en-US" sz="1200">
+                <a:solidFill>
+                  <a:schemeClr val="bg1"/>
+                </a:solidFill>
+              </a:rPr>
+              <a:t>查看</a:t>
+            </a:r>
+            <a:endParaRPr lang="zh-CN" altLang="en-US" sz="1200">
+              <a:solidFill>
+                <a:schemeClr val="bg1"/>
+              </a:solidFill>
+            </a:endParaRPr>
+          </a:p>
+        </p:txBody>
+      </p:sp>
+      <p:sp>
+        <p:nvSpPr>
+          <p:cNvPr id="9" name="矩形 8"/>
+          <p:cNvSpPr/>
+          <p:nvPr/>
+        </p:nvSpPr>
+        <p:spPr>
+          <a:xfrm>
+            <a:off x="6965950" y="2978150"/>
+            <a:ext cx="535940" cy="252095"/>
+          </a:xfrm>
+          <a:prstGeom prst="rect">
+            <a:avLst/>
+          </a:prstGeom>
+        </p:spPr>
+        <p:style>
+          <a:lnRef idx="2">
+            <a:schemeClr val="accent1">
+              <a:shade val="50000"/>
+            </a:schemeClr>
+          </a:lnRef>
+          <a:fillRef idx="1">
+            <a:schemeClr val="accent1"/>
+          </a:fillRef>
+          <a:effectRef idx="0">
+            <a:schemeClr val="accent1"/>
+          </a:effectRef>
+          <a:fontRef idx="minor">
+            <a:schemeClr val="lt1"/>
+          </a:fontRef>
+        </p:style>
+        <p:txBody>
+          <a:bodyPr rtlCol="0" anchor="ctr"/>
+          <a:p>
+            <a:pPr algn="ctr"/>
+            <a:r>
+              <a:rPr lang="zh-CN" altLang="en-US" sz="1200">
+                <a:solidFill>
+                  <a:schemeClr val="bg1"/>
+                </a:solidFill>
+              </a:rPr>
+              <a:t>查看</a:t>
+            </a:r>
+            <a:endParaRPr lang="zh-CN" altLang="en-US" sz="1200">
+              <a:solidFill>
+                <a:schemeClr val="bg1"/>
+              </a:solidFill>
+            </a:endParaRPr>
+          </a:p>
+        </p:txBody>
+      </p:sp>
+    </p:spTree>
+    <p:custDataLst>
+      <p:tags r:id="rId1"/>
+    </p:custDataLst>
+  </p:cSld>
+  <p:clrMapOvr>
+    <a:masterClrMapping/>
+  </p:clrMapOvr>
+</p:sld>
+</file>
+
+<file path=ppt/slides/slide8.xml><?xml version="1.0" encoding="utf-8"?>
+<p:sld xmlns:a="http://schemas.openxmlformats.org/drawingml/2006/main" xmlns:r="http://schemas.openxmlformats.org/officeDocument/2006/relationships" xmlns:p="http://schemas.openxmlformats.org/presentationml/2006/main">
+  <p:cSld>
+    <p:spTree>
+      <p:nvGrpSpPr>
+        <p:cNvPr id="1" name=""/>
+        <p:cNvGrpSpPr/>
+        <p:nvPr/>
+      </p:nvGrpSpPr>
+      <p:grpSpPr>
+        <a:xfrm>
+          <a:off x="0" y="0"/>
+          <a:ext cx="0" cy="0"/>
+          <a:chOff x="0" y="0"/>
+          <a:chExt cx="0" cy="0"/>
+        </a:xfrm>
+      </p:grpSpPr>
+      <p:sp>
+        <p:nvSpPr>
+          <p:cNvPr id="7" name="矩形 6"/>
+          <p:cNvSpPr/>
+          <p:nvPr/>
+        </p:nvSpPr>
+        <p:spPr>
+          <a:xfrm>
+            <a:off x="3851275" y="368300"/>
+            <a:ext cx="3703320" cy="6331585"/>
+          </a:xfrm>
+          <a:prstGeom prst="rect">
+            <a:avLst/>
+          </a:prstGeom>
+          <a:solidFill>
+            <a:srgbClr val="000000">
+              <a:alpha val="0"/>
+            </a:srgbClr>
+          </a:solidFill>
+          <a:ln w="19050"/>
+          <a:extLst>
+            <a:ext uri="{909E8E84-426E-40DD-AFC4-6F175D3DCCD1}">
+              <a14:hiddenFill xmlns:a14="http://schemas.microsoft.com/office/drawing/2010/main">
+                <a:solidFill>
+                  <a:schemeClr val="accent1"/>
+                </a:solidFill>
+              </a14:hiddenFill>
+            </a:ext>
+          </a:extLst>
+        </p:spPr>
+        <p:style>
+          <a:lnRef idx="1">
+            <a:schemeClr val="accent1"/>
+          </a:lnRef>
+          <a:fillRef idx="2">
+            <a:schemeClr val="accent1"/>
+          </a:fillRef>
+          <a:effectRef idx="1">
+            <a:schemeClr val="accent1"/>
+          </a:effectRef>
+          <a:fontRef idx="minor">
+            <a:schemeClr val="dk1"/>
+          </a:fontRef>
+        </p:style>
+        <p:txBody>
+          <a:bodyPr rtlCol="0" anchor="ctr"/>
+          <a:p>
+            <a:pPr algn="ctr"/>
+            <a:endParaRPr lang="zh-CN" altLang="en-US"/>
+          </a:p>
+        </p:txBody>
+      </p:sp>
+      <p:sp>
+        <p:nvSpPr>
+          <p:cNvPr id="4" name="文本框 3"/>
+          <p:cNvSpPr txBox="1"/>
+          <p:nvPr/>
+        </p:nvSpPr>
+        <p:spPr>
+          <a:xfrm>
+            <a:off x="0" y="0"/>
+            <a:ext cx="1681480" cy="368300"/>
+          </a:xfrm>
+          <a:prstGeom prst="rect">
+            <a:avLst/>
+          </a:prstGeom>
+          <a:noFill/>
+        </p:spPr>
+        <p:txBody>
+          <a:bodyPr wrap="none" rtlCol="0">
+            <a:spAutoFit/>
+          </a:bodyPr>
+          <a:p>
+            <a:pPr algn="l"/>
+            <a:r>
+              <a:rPr lang="zh-CN">
+                <a:sym typeface="+mn-ea"/>
+              </a:rPr>
+              <a:t>学生报名界面</a:t>
+            </a:r>
+            <a:r>
+              <a:rPr lang="en-US" altLang="zh-CN">
+                <a:sym typeface="+mn-ea"/>
+              </a:rPr>
+              <a:t>3</a:t>
+            </a:r>
+            <a:endParaRPr lang="en-US" altLang="zh-CN">
+              <a:sym typeface="+mn-ea"/>
+            </a:endParaRPr>
+          </a:p>
+        </p:txBody>
+      </p:sp>
+      <p:sp>
+        <p:nvSpPr>
+          <p:cNvPr id="5" name="矩形 4"/>
+          <p:cNvSpPr/>
+          <p:nvPr/>
+        </p:nvSpPr>
+        <p:spPr>
+          <a:xfrm>
+            <a:off x="3987800" y="1205865"/>
+            <a:ext cx="2938780" cy="468630"/>
+          </a:xfrm>
+          <a:prstGeom prst="rect">
+            <a:avLst/>
+          </a:prstGeom>
+          <a:extLst>
+            <a:ext uri="{909E8E84-426E-40DD-AFC4-6F175D3DCCD1}">
+              <a14:hiddenFill xmlns:a14="http://schemas.microsoft.com/office/drawing/2010/main">
+                <a:solidFill>
+                  <a:schemeClr val="accent1"/>
+                </a:solidFill>
+              </a14:hiddenFill>
+            </a:ext>
+          </a:extLst>
+        </p:spPr>
+        <p:style>
+          <a:lnRef idx="2">
+            <a:schemeClr val="accent1">
+              <a:shade val="50000"/>
+            </a:schemeClr>
+          </a:lnRef>
+          <a:fillRef idx="1">
+            <a:schemeClr val="accent1"/>
+          </a:fillRef>
+          <a:effectRef idx="0">
+            <a:schemeClr val="accent1"/>
+          </a:effectRef>
+          <a:fontRef idx="minor">
+            <a:schemeClr val="lt1"/>
+          </a:fontRef>
+        </p:style>
+        <p:txBody>
+          <a:bodyPr rtlCol="0" anchor="ctr"/>
+          <a:p>
+            <a:pPr algn="ctr"/>
+            <a:r>
+              <a:rPr lang="zh-CN" altLang="en-US">
+                <a:solidFill>
+                  <a:schemeClr val="bg1"/>
+                </a:solidFill>
+              </a:rPr>
+              <a:t>曲靖学院</a:t>
+            </a:r>
+            <a:r>
+              <a:rPr lang="zh-CN">
+                <a:solidFill>
+                  <a:schemeClr val="bg1"/>
+                </a:solidFill>
+              </a:rPr>
+              <a:t>大门口</a:t>
+            </a:r>
+            <a:endParaRPr lang="zh-CN">
+              <a:solidFill>
+                <a:schemeClr val="bg1"/>
+              </a:solidFill>
+            </a:endParaRPr>
+          </a:p>
+        </p:txBody>
+      </p:sp>
+      <p:sp>
+        <p:nvSpPr>
+          <p:cNvPr id="11" name="矩形 10"/>
+          <p:cNvSpPr/>
+          <p:nvPr/>
+        </p:nvSpPr>
+        <p:spPr>
+          <a:xfrm>
+            <a:off x="4966970" y="538480"/>
+            <a:ext cx="1471930" cy="320040"/>
+          </a:xfrm>
+          <a:prstGeom prst="rect">
+            <a:avLst/>
+          </a:prstGeom>
+        </p:spPr>
+        <p:style>
+          <a:lnRef idx="2">
+            <a:schemeClr val="accent1">
+              <a:shade val="50000"/>
+            </a:schemeClr>
+          </a:lnRef>
+          <a:fillRef idx="1">
+            <a:schemeClr val="accent1"/>
+          </a:fillRef>
+          <a:effectRef idx="0">
+            <a:schemeClr val="accent1"/>
+          </a:effectRef>
+          <a:fontRef idx="minor">
+            <a:schemeClr val="lt1"/>
+          </a:fontRef>
+        </p:style>
+        <p:txBody>
+          <a:bodyPr rtlCol="0" anchor="ctr"/>
+          <a:p>
+            <a:pPr algn="ctr"/>
+            <a:r>
+              <a:rPr lang="zh-CN" altLang="en-US" sz="2000">
+                <a:solidFill>
+                  <a:schemeClr val="bg1"/>
+                </a:solidFill>
+              </a:rPr>
+              <a:t>选择出发点</a:t>
+            </a:r>
+            <a:endParaRPr lang="zh-CN" altLang="en-US" sz="2000">
+              <a:solidFill>
+                <a:schemeClr val="bg1"/>
+              </a:solidFill>
+            </a:endParaRPr>
+          </a:p>
+        </p:txBody>
+      </p:sp>
+      <p:sp>
+        <p:nvSpPr>
+          <p:cNvPr id="15" name="矩形 14"/>
+          <p:cNvSpPr/>
+          <p:nvPr/>
+        </p:nvSpPr>
+        <p:spPr>
+          <a:xfrm>
+            <a:off x="3987800" y="1775460"/>
+            <a:ext cx="2938780" cy="468630"/>
+          </a:xfrm>
+          <a:prstGeom prst="rect">
+            <a:avLst/>
+          </a:prstGeom>
+          <a:noFill/>
+          <a:extLst>
+            <a:ext uri="{909E8E84-426E-40DD-AFC4-6F175D3DCCD1}">
+              <a14:hiddenFill xmlns:a14="http://schemas.microsoft.com/office/drawing/2010/main">
+                <a:solidFill>
+                  <a:schemeClr val="accent1"/>
+                </a:solidFill>
+              </a14:hiddenFill>
+            </a:ext>
+          </a:extLst>
+        </p:spPr>
+        <p:style>
+          <a:lnRef idx="2">
+            <a:schemeClr val="accent1">
+              <a:shade val="50000"/>
+            </a:schemeClr>
+          </a:lnRef>
+          <a:fillRef idx="1">
+            <a:schemeClr val="accent1"/>
+          </a:fillRef>
+          <a:effectRef idx="0">
+            <a:schemeClr val="accent1"/>
+          </a:effectRef>
+          <a:fontRef idx="minor">
+            <a:schemeClr val="lt1"/>
+          </a:fontRef>
+        </p:style>
+        <p:txBody>
+          <a:bodyPr rtlCol="0" anchor="ctr"/>
+          <a:p>
+            <a:pPr algn="ctr"/>
+            <a:r>
+              <a:rPr lang="zh-CN">
+                <a:solidFill>
+                  <a:schemeClr val="tx1"/>
+                </a:solidFill>
+              </a:rPr>
+              <a:t>曲靖学院宿舍楼</a:t>
+            </a:r>
+            <a:endParaRPr lang="zh-CN">
+              <a:solidFill>
+                <a:schemeClr val="tx1"/>
+              </a:solidFill>
+            </a:endParaRPr>
+          </a:p>
+        </p:txBody>
+      </p:sp>
+      <p:sp>
+        <p:nvSpPr>
+          <p:cNvPr id="10" name="矩形 9"/>
+          <p:cNvSpPr/>
+          <p:nvPr/>
+        </p:nvSpPr>
+        <p:spPr>
+          <a:xfrm>
+            <a:off x="4446905" y="6036945"/>
+            <a:ext cx="2359025" cy="432435"/>
+          </a:xfrm>
+          <a:prstGeom prst="rect">
+            <a:avLst/>
+          </a:prstGeom>
+          <a:solidFill>
+            <a:srgbClr val="00B050"/>
+          </a:solidFill>
+          <a:ln>
+            <a:noFill/>
+          </a:ln>
+        </p:spPr>
+        <p:style>
+          <a:lnRef idx="2">
+            <a:schemeClr val="accent1">
+              <a:shade val="50000"/>
+            </a:schemeClr>
+          </a:lnRef>
+          <a:fillRef idx="1">
+            <a:schemeClr val="accent1"/>
+          </a:fillRef>
+          <a:effectRef idx="0">
+            <a:schemeClr val="accent1"/>
+          </a:effectRef>
+          <a:fontRef idx="minor">
+            <a:schemeClr val="lt1"/>
+          </a:fontRef>
+        </p:style>
+        <p:txBody>
+          <a:bodyPr rtlCol="0" anchor="ctr"/>
+          <a:p>
+            <a:pPr algn="ctr"/>
+            <a:r>
+              <a:rPr lang="zh-CN" altLang="en-US">
+                <a:solidFill>
+                  <a:schemeClr val="bg1"/>
+                </a:solidFill>
+              </a:rPr>
+              <a:t>下一步</a:t>
+            </a:r>
+            <a:endParaRPr lang="zh-CN" altLang="en-US">
+              <a:solidFill>
+                <a:schemeClr val="bg1"/>
+              </a:solidFill>
+            </a:endParaRPr>
+          </a:p>
+        </p:txBody>
+      </p:sp>
+      <p:sp>
+        <p:nvSpPr>
+          <p:cNvPr id="24" name="文本框 23"/>
+          <p:cNvSpPr txBox="1"/>
+          <p:nvPr/>
+        </p:nvSpPr>
+        <p:spPr>
+          <a:xfrm>
+            <a:off x="8557895" y="1684655"/>
+            <a:ext cx="2217420" cy="368300"/>
+          </a:xfrm>
+          <a:prstGeom prst="rect">
+            <a:avLst/>
+          </a:prstGeom>
+          <a:noFill/>
+        </p:spPr>
+        <p:txBody>
+          <a:bodyPr wrap="square" rtlCol="0">
+            <a:spAutoFit/>
+          </a:bodyPr>
+          <a:p>
+            <a:r>
+              <a:rPr lang="zh-CN" altLang="en-US">
+                <a:solidFill>
+                  <a:srgbClr val="FF0000"/>
+                </a:solidFill>
+              </a:rPr>
+              <a:t>查看并选择出发点</a:t>
+            </a:r>
+            <a:endParaRPr lang="zh-CN" altLang="en-US">
+              <a:solidFill>
+                <a:srgbClr val="FF0000"/>
+              </a:solidFill>
+            </a:endParaRPr>
+          </a:p>
+        </p:txBody>
+      </p:sp>
+      <p:sp>
+        <p:nvSpPr>
+          <p:cNvPr id="2" name="矩形 1"/>
+          <p:cNvSpPr/>
+          <p:nvPr/>
+        </p:nvSpPr>
+        <p:spPr>
+          <a:xfrm>
+            <a:off x="6965950" y="1314450"/>
+            <a:ext cx="535940" cy="252095"/>
+          </a:xfrm>
+          <a:prstGeom prst="rect">
+            <a:avLst/>
+          </a:prstGeom>
+        </p:spPr>
+        <p:style>
+          <a:lnRef idx="2">
+            <a:schemeClr val="accent1">
+              <a:shade val="50000"/>
+            </a:schemeClr>
+          </a:lnRef>
+          <a:fillRef idx="1">
+            <a:schemeClr val="accent1"/>
+          </a:fillRef>
+          <a:effectRef idx="0">
+            <a:schemeClr val="accent1"/>
+          </a:effectRef>
+          <a:fontRef idx="minor">
+            <a:schemeClr val="lt1"/>
+          </a:fontRef>
+        </p:style>
+        <p:txBody>
+          <a:bodyPr rtlCol="0" anchor="ctr"/>
+          <a:p>
+            <a:pPr algn="ctr"/>
+            <a:r>
+              <a:rPr lang="zh-CN" altLang="en-US" sz="1200">
+                <a:solidFill>
+                  <a:schemeClr val="bg1"/>
+                </a:solidFill>
+              </a:rPr>
+              <a:t>查看</a:t>
+            </a:r>
+            <a:endParaRPr lang="zh-CN" altLang="en-US" sz="1200">
+              <a:solidFill>
+                <a:schemeClr val="bg1"/>
+              </a:solidFill>
+            </a:endParaRPr>
+          </a:p>
+        </p:txBody>
+      </p:sp>
+      <p:sp>
+        <p:nvSpPr>
+          <p:cNvPr id="3" name="矩形 2"/>
+          <p:cNvSpPr/>
+          <p:nvPr/>
+        </p:nvSpPr>
+        <p:spPr>
+          <a:xfrm>
+            <a:off x="6965950" y="1883410"/>
+            <a:ext cx="535940" cy="252095"/>
+          </a:xfrm>
+          <a:prstGeom prst="rect">
+            <a:avLst/>
+          </a:prstGeom>
+        </p:spPr>
+        <p:style>
+          <a:lnRef idx="2">
+            <a:schemeClr val="accent1">
+              <a:shade val="50000"/>
+            </a:schemeClr>
+          </a:lnRef>
+          <a:fillRef idx="1">
+            <a:schemeClr val="accent1"/>
+          </a:fillRef>
+          <a:effectRef idx="0">
+            <a:schemeClr val="accent1"/>
+          </a:effectRef>
+          <a:fontRef idx="minor">
+            <a:schemeClr val="lt1"/>
+          </a:fontRef>
+        </p:style>
+        <p:txBody>
+          <a:bodyPr rtlCol="0" anchor="ctr"/>
+          <a:p>
+            <a:pPr algn="ctr"/>
+            <a:r>
+              <a:rPr lang="zh-CN" altLang="en-US" sz="1200">
+                <a:solidFill>
+                  <a:schemeClr val="bg1"/>
+                </a:solidFill>
+              </a:rPr>
+              <a:t>查看</a:t>
+            </a:r>
+            <a:endParaRPr lang="zh-CN" altLang="en-US" sz="1200">
+              <a:solidFill>
+                <a:schemeClr val="bg1"/>
+              </a:solidFill>
+            </a:endParaRPr>
+          </a:p>
+        </p:txBody>
+      </p:sp>
+    </p:spTree>
+    <p:custDataLst>
+      <p:tags r:id="rId1"/>
+    </p:custDataLst>
+  </p:cSld>
+  <p:clrMapOvr>
+    <a:masterClrMapping/>
+  </p:clrMapOvr>
+</p:sld>
+</file>
+
+<file path=ppt/slides/slide9.xml><?xml version="1.0" encoding="utf-8"?>
+<p:sld xmlns:a="http://schemas.openxmlformats.org/drawingml/2006/main" xmlns:r="http://schemas.openxmlformats.org/officeDocument/2006/relationships" xmlns:p="http://schemas.openxmlformats.org/presentationml/2006/main">
+  <p:cSld>
+    <p:spTree>
+      <p:nvGrpSpPr>
+        <p:cNvPr id="1" name=""/>
+        <p:cNvGrpSpPr/>
+        <p:nvPr/>
+      </p:nvGrpSpPr>
+      <p:grpSpPr>
+        <a:xfrm>
+          <a:off x="0" y="0"/>
+          <a:ext cx="0" cy="0"/>
+          <a:chOff x="0" y="0"/>
+          <a:chExt cx="0" cy="0"/>
+        </a:xfrm>
+      </p:grpSpPr>
+      <p:sp>
+        <p:nvSpPr>
+          <p:cNvPr id="7" name="矩形 6"/>
+          <p:cNvSpPr/>
+          <p:nvPr/>
+        </p:nvSpPr>
+        <p:spPr>
+          <a:xfrm>
+            <a:off x="1681480" y="368300"/>
+            <a:ext cx="3703320" cy="6331585"/>
+          </a:xfrm>
+          <a:prstGeom prst="rect">
+            <a:avLst/>
+          </a:prstGeom>
+          <a:solidFill>
+            <a:srgbClr val="000000">
+              <a:alpha val="0"/>
+            </a:srgbClr>
+          </a:solidFill>
+          <a:ln w="19050"/>
+          <a:extLst>
+            <a:ext uri="{909E8E84-426E-40DD-AFC4-6F175D3DCCD1}">
+              <a14:hiddenFill xmlns:a14="http://schemas.microsoft.com/office/drawing/2010/main">
+                <a:solidFill>
+                  <a:schemeClr val="accent1"/>
+                </a:solidFill>
+              </a14:hiddenFill>
+            </a:ext>
+          </a:extLst>
+        </p:spPr>
+        <p:style>
+          <a:lnRef idx="1">
+            <a:schemeClr val="accent1"/>
+          </a:lnRef>
+          <a:fillRef idx="2">
+            <a:schemeClr val="accent1"/>
+          </a:fillRef>
+          <a:effectRef idx="1">
+            <a:schemeClr val="accent1"/>
+          </a:effectRef>
+          <a:fontRef idx="minor">
+            <a:schemeClr val="dk1"/>
+          </a:fontRef>
+        </p:style>
+        <p:txBody>
+          <a:bodyPr rtlCol="0" anchor="ctr"/>
+          <a:p>
+            <a:pPr algn="ctr"/>
+            <a:endParaRPr lang="zh-CN" altLang="en-US"/>
+          </a:p>
+        </p:txBody>
+      </p:sp>
+      <p:sp>
+        <p:nvSpPr>
+          <p:cNvPr id="4" name="文本框 3"/>
+          <p:cNvSpPr txBox="1"/>
+          <p:nvPr/>
+        </p:nvSpPr>
+        <p:spPr>
+          <a:xfrm>
+            <a:off x="0" y="0"/>
+            <a:ext cx="1681480" cy="368300"/>
+          </a:xfrm>
+          <a:prstGeom prst="rect">
+            <a:avLst/>
+          </a:prstGeom>
+          <a:noFill/>
+        </p:spPr>
+        <p:txBody>
+          <a:bodyPr wrap="none" rtlCol="0">
+            <a:spAutoFit/>
+          </a:bodyPr>
+          <a:p>
+            <a:pPr algn="l"/>
+            <a:r>
+              <a:rPr lang="zh-CN">
+                <a:sym typeface="+mn-ea"/>
+              </a:rPr>
+              <a:t>学生报名界面</a:t>
+            </a:r>
+            <a:r>
+              <a:rPr lang="en-US" altLang="zh-CN">
+                <a:sym typeface="+mn-ea"/>
+              </a:rPr>
+              <a:t>4</a:t>
+            </a:r>
+            <a:endParaRPr lang="en-US" altLang="zh-CN">
+              <a:sym typeface="+mn-ea"/>
+            </a:endParaRPr>
+          </a:p>
+        </p:txBody>
+      </p:sp>
+      <p:sp>
+        <p:nvSpPr>
+          <p:cNvPr id="11" name="矩形 10"/>
+          <p:cNvSpPr/>
+          <p:nvPr/>
+        </p:nvSpPr>
+        <p:spPr>
+          <a:xfrm>
+            <a:off x="2797175" y="538480"/>
+            <a:ext cx="1471930" cy="320040"/>
+          </a:xfrm>
+          <a:prstGeom prst="rect">
+            <a:avLst/>
+          </a:prstGeom>
+        </p:spPr>
+        <p:style>
+          <a:lnRef idx="2">
+            <a:schemeClr val="accent1">
+              <a:shade val="50000"/>
+            </a:schemeClr>
+          </a:lnRef>
+          <a:fillRef idx="1">
+            <a:schemeClr val="accent1"/>
+          </a:fillRef>
+          <a:effectRef idx="0">
+            <a:schemeClr val="accent1"/>
+          </a:effectRef>
+          <a:fontRef idx="minor">
+            <a:schemeClr val="lt1"/>
+          </a:fontRef>
+        </p:style>
+        <p:txBody>
+          <a:bodyPr rtlCol="0" anchor="ctr"/>
+          <a:p>
+            <a:pPr algn="ctr"/>
+            <a:r>
+              <a:rPr lang="zh-CN" altLang="en-US" sz="2000">
+                <a:solidFill>
+                  <a:schemeClr val="bg1"/>
+                </a:solidFill>
+              </a:rPr>
+              <a:t>住宿方式</a:t>
+            </a:r>
+            <a:endParaRPr lang="zh-CN" altLang="en-US" sz="2000">
+              <a:solidFill>
+                <a:schemeClr val="bg1"/>
+              </a:solidFill>
+            </a:endParaRPr>
+          </a:p>
+        </p:txBody>
+      </p:sp>
+      <p:sp>
+        <p:nvSpPr>
+          <p:cNvPr id="15" name="矩形 14"/>
+          <p:cNvSpPr/>
+          <p:nvPr/>
+        </p:nvSpPr>
+        <p:spPr>
+          <a:xfrm>
+            <a:off x="2063750" y="2289175"/>
+            <a:ext cx="2938780" cy="589915"/>
+          </a:xfrm>
+          <a:prstGeom prst="rect">
+            <a:avLst/>
+          </a:prstGeom>
+          <a:noFill/>
+          <a:extLst>
+            <a:ext uri="{909E8E84-426E-40DD-AFC4-6F175D3DCCD1}">
+              <a14:hiddenFill xmlns:a14="http://schemas.microsoft.com/office/drawing/2010/main">
+                <a:solidFill>
+                  <a:schemeClr val="accent1"/>
+                </a:solidFill>
+              </a14:hiddenFill>
+            </a:ext>
+          </a:extLst>
+        </p:spPr>
+        <p:style>
+          <a:lnRef idx="2">
+            <a:schemeClr val="accent1">
+              <a:shade val="50000"/>
+            </a:schemeClr>
+          </a:lnRef>
+          <a:fillRef idx="1">
+            <a:schemeClr val="accent1"/>
+          </a:fillRef>
+          <a:effectRef idx="0">
+            <a:schemeClr val="accent1"/>
+          </a:effectRef>
+          <a:fontRef idx="minor">
+            <a:schemeClr val="lt1"/>
+          </a:fontRef>
+        </p:style>
+        <p:txBody>
+          <a:bodyPr rtlCol="0" anchor="ctr"/>
+          <a:p>
+            <a:pPr algn="ctr"/>
+            <a:r>
+              <a:rPr lang="zh-CN">
+                <a:solidFill>
+                  <a:schemeClr val="tx1"/>
+                </a:solidFill>
+              </a:rPr>
+              <a:t>邀请他人合住</a:t>
+            </a:r>
+            <a:endParaRPr lang="zh-CN">
+              <a:solidFill>
+                <a:schemeClr val="tx1"/>
+              </a:solidFill>
+            </a:endParaRPr>
+          </a:p>
+        </p:txBody>
+      </p:sp>
+      <p:sp>
+        <p:nvSpPr>
+          <p:cNvPr id="6" name="矩形 5"/>
+          <p:cNvSpPr/>
+          <p:nvPr/>
+        </p:nvSpPr>
+        <p:spPr>
+          <a:xfrm>
+            <a:off x="2063750" y="1238250"/>
+            <a:ext cx="2938780" cy="572135"/>
+          </a:xfrm>
+          <a:prstGeom prst="rect">
+            <a:avLst/>
+          </a:prstGeom>
+          <a:noFill/>
+          <a:extLst>
+            <a:ext uri="{909E8E84-426E-40DD-AFC4-6F175D3DCCD1}">
+              <a14:hiddenFill xmlns:a14="http://schemas.microsoft.com/office/drawing/2010/main">
+                <a:solidFill>
+                  <a:schemeClr val="accent1"/>
+                </a:solidFill>
+              </a14:hiddenFill>
+            </a:ext>
+          </a:extLst>
+        </p:spPr>
+        <p:style>
+          <a:lnRef idx="2">
+            <a:schemeClr val="accent1">
+              <a:shade val="50000"/>
+            </a:schemeClr>
+          </a:lnRef>
+          <a:fillRef idx="1">
+            <a:schemeClr val="accent1"/>
+          </a:fillRef>
+          <a:effectRef idx="0">
+            <a:schemeClr val="accent1"/>
+          </a:effectRef>
+          <a:fontRef idx="minor">
+            <a:schemeClr val="lt1"/>
+          </a:fontRef>
+        </p:style>
+        <p:txBody>
+          <a:bodyPr rtlCol="0" anchor="ctr"/>
+          <a:p>
+            <a:pPr algn="ctr"/>
+            <a:r>
+              <a:rPr lang="zh-CN">
+                <a:solidFill>
+                  <a:schemeClr val="tx1"/>
+                </a:solidFill>
+              </a:rPr>
+              <a:t>系统分配入住</a:t>
+            </a:r>
+            <a:endParaRPr lang="zh-CN">
+              <a:solidFill>
+                <a:schemeClr val="tx1"/>
+              </a:solidFill>
+            </a:endParaRPr>
+          </a:p>
+        </p:txBody>
+      </p:sp>
+      <p:sp>
+        <p:nvSpPr>
+          <p:cNvPr id="9" name="文本框 8"/>
+          <p:cNvSpPr txBox="1"/>
+          <p:nvPr/>
+        </p:nvSpPr>
+        <p:spPr>
+          <a:xfrm>
+            <a:off x="2063750" y="2877185"/>
+            <a:ext cx="2938145" cy="398780"/>
+          </a:xfrm>
+          <a:prstGeom prst="rect">
+            <a:avLst/>
+          </a:prstGeom>
+          <a:noFill/>
+        </p:spPr>
+        <p:txBody>
+          <a:bodyPr wrap="square" rtlCol="0">
+            <a:spAutoFit/>
+          </a:bodyPr>
+          <a:p>
+            <a:pPr algn="l"/>
+            <a:r>
+              <a:rPr lang="zh-CN" sz="1000">
+                <a:sym typeface="+mn-ea"/>
+              </a:rPr>
+              <a:t>为您创建一个房间，您可以使用邀请码邀请他人同住</a:t>
+            </a:r>
+            <a:endParaRPr lang="zh-CN" sz="1000">
+              <a:sym typeface="+mn-ea"/>
+            </a:endParaRPr>
+          </a:p>
+        </p:txBody>
+      </p:sp>
+      <p:sp>
+        <p:nvSpPr>
+          <p:cNvPr id="12" name="文本框 11"/>
+          <p:cNvSpPr txBox="1"/>
+          <p:nvPr/>
+        </p:nvSpPr>
+        <p:spPr>
+          <a:xfrm>
+            <a:off x="2063750" y="1809750"/>
+            <a:ext cx="2938145" cy="245110"/>
+          </a:xfrm>
+          <a:prstGeom prst="rect">
+            <a:avLst/>
+          </a:prstGeom>
+          <a:noFill/>
+        </p:spPr>
+        <p:txBody>
+          <a:bodyPr wrap="square" rtlCol="0">
+            <a:spAutoFit/>
+          </a:bodyPr>
+          <a:p>
+            <a:pPr algn="l"/>
+            <a:r>
+              <a:rPr lang="zh-CN" sz="1000">
+                <a:sym typeface="+mn-ea"/>
+              </a:rPr>
+              <a:t>与他人同住，系统将自动为您分配</a:t>
+            </a:r>
+            <a:endParaRPr lang="zh-CN" sz="1000">
+              <a:sym typeface="+mn-ea"/>
+            </a:endParaRPr>
+          </a:p>
+        </p:txBody>
+      </p:sp>
+      <p:sp>
+        <p:nvSpPr>
+          <p:cNvPr id="13" name="矩形 12"/>
+          <p:cNvSpPr/>
+          <p:nvPr/>
+        </p:nvSpPr>
+        <p:spPr>
+          <a:xfrm>
+            <a:off x="2063750" y="3450590"/>
+            <a:ext cx="2938780" cy="572135"/>
+          </a:xfrm>
+          <a:prstGeom prst="rect">
+            <a:avLst/>
+          </a:prstGeom>
+          <a:noFill/>
+          <a:extLst>
+            <a:ext uri="{909E8E84-426E-40DD-AFC4-6F175D3DCCD1}">
+              <a14:hiddenFill xmlns:a14="http://schemas.microsoft.com/office/drawing/2010/main">
+                <a:solidFill>
+                  <a:schemeClr val="accent1"/>
+                </a:solidFill>
+              </a14:hiddenFill>
+            </a:ext>
+          </a:extLst>
+        </p:spPr>
+        <p:style>
+          <a:lnRef idx="2">
+            <a:schemeClr val="accent1">
+              <a:shade val="50000"/>
+            </a:schemeClr>
+          </a:lnRef>
+          <a:fillRef idx="1">
+            <a:schemeClr val="accent1"/>
+          </a:fillRef>
+          <a:effectRef idx="0">
+            <a:schemeClr val="accent1"/>
+          </a:effectRef>
+          <a:fontRef idx="minor">
+            <a:schemeClr val="lt1"/>
+          </a:fontRef>
+        </p:style>
+        <p:txBody>
+          <a:bodyPr rtlCol="0" anchor="ctr"/>
+          <a:p>
+            <a:pPr algn="ctr"/>
+            <a:r>
+              <a:rPr lang="zh-CN">
+                <a:solidFill>
+                  <a:schemeClr val="tx1"/>
+                </a:solidFill>
+              </a:rPr>
+              <a:t>加入他人房间</a:t>
+            </a:r>
+            <a:endParaRPr lang="zh-CN">
+              <a:solidFill>
+                <a:schemeClr val="tx1"/>
+              </a:solidFill>
+            </a:endParaRPr>
+          </a:p>
+        </p:txBody>
+      </p:sp>
+      <p:sp>
+        <p:nvSpPr>
+          <p:cNvPr id="14" name="文本框 13"/>
+          <p:cNvSpPr txBox="1"/>
+          <p:nvPr/>
+        </p:nvSpPr>
+        <p:spPr>
+          <a:xfrm>
+            <a:off x="2063750" y="4022090"/>
+            <a:ext cx="2938145" cy="245110"/>
+          </a:xfrm>
+          <a:prstGeom prst="rect">
+            <a:avLst/>
+          </a:prstGeom>
+          <a:noFill/>
+        </p:spPr>
+        <p:txBody>
+          <a:bodyPr wrap="square" rtlCol="0">
+            <a:spAutoFit/>
+          </a:bodyPr>
+          <a:p>
+            <a:pPr algn="l"/>
+            <a:r>
+              <a:rPr lang="zh-CN" sz="1000">
+                <a:sym typeface="+mn-ea"/>
+              </a:rPr>
+              <a:t>加入他人创建的房间</a:t>
+            </a:r>
+            <a:endParaRPr lang="zh-CN" sz="1000">
+              <a:sym typeface="+mn-ea"/>
+            </a:endParaRPr>
+          </a:p>
+        </p:txBody>
+      </p:sp>
+      <p:sp>
+        <p:nvSpPr>
+          <p:cNvPr id="16" name="矩形 15"/>
+          <p:cNvSpPr/>
+          <p:nvPr/>
+        </p:nvSpPr>
+        <p:spPr>
+          <a:xfrm>
+            <a:off x="6754495" y="368300"/>
+            <a:ext cx="3703320" cy="6331585"/>
+          </a:xfrm>
+          <a:prstGeom prst="rect">
+            <a:avLst/>
+          </a:prstGeom>
+          <a:solidFill>
+            <a:srgbClr val="000000">
+              <a:alpha val="0"/>
+            </a:srgbClr>
+          </a:solidFill>
+          <a:ln w="19050"/>
+          <a:extLst>
+            <a:ext uri="{909E8E84-426E-40DD-AFC4-6F175D3DCCD1}">
+              <a14:hiddenFill xmlns:a14="http://schemas.microsoft.com/office/drawing/2010/main">
+                <a:solidFill>
+                  <a:schemeClr val="accent1"/>
+                </a:solidFill>
+              </a14:hiddenFill>
+            </a:ext>
+          </a:extLst>
+        </p:spPr>
+        <p:style>
+          <a:lnRef idx="1">
+            <a:schemeClr val="accent1"/>
+          </a:lnRef>
+          <a:fillRef idx="2">
+            <a:schemeClr val="accent1"/>
+          </a:fillRef>
+          <a:effectRef idx="1">
+            <a:schemeClr val="accent1"/>
+          </a:effectRef>
+          <a:fontRef idx="minor">
+            <a:schemeClr val="dk1"/>
+          </a:fontRef>
+        </p:style>
+        <p:txBody>
+          <a:bodyPr rtlCol="0" anchor="ctr"/>
+          <a:p>
+            <a:pPr algn="ctr"/>
+            <a:endParaRPr lang="zh-CN" altLang="en-US"/>
+          </a:p>
+        </p:txBody>
+      </p:sp>
+      <p:sp>
+        <p:nvSpPr>
+          <p:cNvPr id="17" name="矩形 16"/>
+          <p:cNvSpPr/>
+          <p:nvPr/>
+        </p:nvSpPr>
+        <p:spPr>
+          <a:xfrm>
+            <a:off x="7136765" y="1009650"/>
+            <a:ext cx="2938780" cy="675005"/>
+          </a:xfrm>
+          <a:prstGeom prst="rect">
+            <a:avLst/>
+          </a:prstGeom>
+          <a:extLst>
+            <a:ext uri="{909E8E84-426E-40DD-AFC4-6F175D3DCCD1}">
+              <a14:hiddenFill xmlns:a14="http://schemas.microsoft.com/office/drawing/2010/main">
+                <a:solidFill>
+                  <a:schemeClr val="accent1"/>
+                </a:solidFill>
+              </a14:hiddenFill>
+            </a:ext>
+          </a:extLst>
+        </p:spPr>
+        <p:style>
+          <a:lnRef idx="2">
+            <a:schemeClr val="accent1">
+              <a:shade val="50000"/>
+            </a:schemeClr>
+          </a:lnRef>
+          <a:fillRef idx="1">
+            <a:schemeClr val="accent1"/>
+          </a:fillRef>
+          <a:effectRef idx="0">
+            <a:schemeClr val="accent1"/>
+          </a:effectRef>
+          <a:fontRef idx="minor">
+            <a:schemeClr val="lt1"/>
+          </a:fontRef>
+        </p:style>
+        <p:txBody>
+          <a:bodyPr rtlCol="0" anchor="ctr"/>
+          <a:p>
+            <a:pPr algn="ctr"/>
+            <a:r>
+              <a:rPr lang="zh-CN" altLang="en-US">
+                <a:solidFill>
+                  <a:schemeClr val="bg1"/>
+                </a:solidFill>
+              </a:rPr>
+              <a:t>独住一间</a:t>
+            </a:r>
+            <a:endParaRPr lang="zh-CN">
+              <a:solidFill>
+                <a:schemeClr val="bg1"/>
+              </a:solidFill>
+            </a:endParaRPr>
+          </a:p>
+        </p:txBody>
+      </p:sp>
+      <p:sp>
+        <p:nvSpPr>
+          <p:cNvPr id="18" name="矩形 17"/>
+          <p:cNvSpPr/>
+          <p:nvPr/>
+        </p:nvSpPr>
+        <p:spPr>
+          <a:xfrm>
+            <a:off x="7870190" y="538480"/>
+            <a:ext cx="1471930" cy="320040"/>
+          </a:xfrm>
+          <a:prstGeom prst="rect">
+            <a:avLst/>
+          </a:prstGeom>
+        </p:spPr>
+        <p:style>
+          <a:lnRef idx="2">
+            <a:schemeClr val="accent1">
+              <a:shade val="50000"/>
+            </a:schemeClr>
+          </a:lnRef>
+          <a:fillRef idx="1">
+            <a:schemeClr val="accent1"/>
+          </a:fillRef>
+          <a:effectRef idx="0">
+            <a:schemeClr val="accent1"/>
+          </a:effectRef>
+          <a:fontRef idx="minor">
+            <a:schemeClr val="lt1"/>
+          </a:fontRef>
+        </p:style>
+        <p:txBody>
+          <a:bodyPr rtlCol="0" anchor="ctr"/>
+          <a:p>
+            <a:pPr algn="ctr"/>
+            <a:r>
+              <a:rPr lang="zh-CN" altLang="en-US" sz="2000">
+                <a:solidFill>
+                  <a:schemeClr val="bg1"/>
+                </a:solidFill>
+              </a:rPr>
+              <a:t>住宿方式</a:t>
+            </a:r>
+            <a:endParaRPr lang="zh-CN" altLang="en-US" sz="2000">
+              <a:solidFill>
+                <a:schemeClr val="bg1"/>
+              </a:solidFill>
+            </a:endParaRPr>
+          </a:p>
+        </p:txBody>
+      </p:sp>
+      <p:sp>
+        <p:nvSpPr>
+          <p:cNvPr id="19" name="矩形 18"/>
+          <p:cNvSpPr/>
+          <p:nvPr/>
+        </p:nvSpPr>
+        <p:spPr>
+          <a:xfrm>
+            <a:off x="7136765" y="2234565"/>
+            <a:ext cx="2938780" cy="589915"/>
+          </a:xfrm>
+          <a:prstGeom prst="rect">
+            <a:avLst/>
+          </a:prstGeom>
+          <a:noFill/>
+          <a:extLst>
+            <a:ext uri="{909E8E84-426E-40DD-AFC4-6F175D3DCCD1}">
+              <a14:hiddenFill xmlns:a14="http://schemas.microsoft.com/office/drawing/2010/main">
+                <a:solidFill>
+                  <a:schemeClr val="accent1"/>
+                </a:solidFill>
+              </a14:hiddenFill>
+            </a:ext>
+          </a:extLst>
+        </p:spPr>
+        <p:style>
+          <a:lnRef idx="2">
+            <a:schemeClr val="accent1">
+              <a:shade val="50000"/>
+            </a:schemeClr>
+          </a:lnRef>
+          <a:fillRef idx="1">
+            <a:schemeClr val="accent1"/>
+          </a:fillRef>
+          <a:effectRef idx="0">
+            <a:schemeClr val="accent1"/>
+          </a:effectRef>
+          <a:fontRef idx="minor">
+            <a:schemeClr val="lt1"/>
+          </a:fontRef>
+        </p:style>
+        <p:txBody>
+          <a:bodyPr rtlCol="0" anchor="ctr"/>
+          <a:p>
+            <a:pPr algn="ctr"/>
+            <a:r>
+              <a:rPr lang="zh-CN">
+                <a:solidFill>
+                  <a:schemeClr val="tx1"/>
+                </a:solidFill>
+              </a:rPr>
+              <a:t>邀请他人合住</a:t>
+            </a:r>
+            <a:endParaRPr lang="zh-CN">
+              <a:solidFill>
+                <a:schemeClr val="tx1"/>
+              </a:solidFill>
+            </a:endParaRPr>
+          </a:p>
+        </p:txBody>
+      </p:sp>
+      <p:sp>
+        <p:nvSpPr>
+          <p:cNvPr id="21" name="矩形 20"/>
+          <p:cNvSpPr/>
+          <p:nvPr/>
+        </p:nvSpPr>
+        <p:spPr>
+          <a:xfrm>
+            <a:off x="7136765" y="3450590"/>
+            <a:ext cx="2938780" cy="572135"/>
+          </a:xfrm>
+          <a:prstGeom prst="rect">
+            <a:avLst/>
+          </a:prstGeom>
+          <a:noFill/>
+          <a:extLst>
+            <a:ext uri="{909E8E84-426E-40DD-AFC4-6F175D3DCCD1}">
+              <a14:hiddenFill xmlns:a14="http://schemas.microsoft.com/office/drawing/2010/main">
+                <a:solidFill>
+                  <a:schemeClr val="accent1"/>
+                </a:solidFill>
+              </a14:hiddenFill>
+            </a:ext>
+          </a:extLst>
+        </p:spPr>
+        <p:style>
+          <a:lnRef idx="2">
+            <a:schemeClr val="accent1">
+              <a:shade val="50000"/>
+            </a:schemeClr>
+          </a:lnRef>
+          <a:fillRef idx="1">
+            <a:schemeClr val="accent1"/>
+          </a:fillRef>
+          <a:effectRef idx="0">
+            <a:schemeClr val="accent1"/>
+          </a:effectRef>
+          <a:fontRef idx="minor">
+            <a:schemeClr val="lt1"/>
+          </a:fontRef>
+        </p:style>
+        <p:txBody>
+          <a:bodyPr rtlCol="0" anchor="ctr"/>
+          <a:p>
+            <a:pPr algn="ctr"/>
+            <a:r>
+              <a:rPr lang="zh-CN">
+                <a:solidFill>
+                  <a:schemeClr val="tx1"/>
+                </a:solidFill>
+              </a:rPr>
+              <a:t>系统分配入住</a:t>
+            </a:r>
+            <a:endParaRPr lang="zh-CN">
+              <a:solidFill>
+                <a:schemeClr val="tx1"/>
+              </a:solidFill>
+            </a:endParaRPr>
+          </a:p>
+        </p:txBody>
+      </p:sp>
+      <p:sp>
+        <p:nvSpPr>
+          <p:cNvPr id="22" name="文本框 21"/>
+          <p:cNvSpPr txBox="1"/>
+          <p:nvPr/>
+        </p:nvSpPr>
+        <p:spPr>
+          <a:xfrm>
+            <a:off x="7136765" y="1680210"/>
+            <a:ext cx="2938145" cy="398780"/>
+          </a:xfrm>
+          <a:prstGeom prst="rect">
+            <a:avLst/>
+          </a:prstGeom>
+          <a:noFill/>
+        </p:spPr>
+        <p:txBody>
+          <a:bodyPr wrap="square" rtlCol="0">
+            <a:spAutoFit/>
+          </a:bodyPr>
+          <a:p>
+            <a:pPr algn="l"/>
+            <a:r>
+              <a:rPr lang="zh-CN" sz="1000">
+                <a:sym typeface="+mn-ea"/>
+              </a:rPr>
+              <a:t>不与他人合住，我们将为您安排单独房间，您将支付一间房的全部费用</a:t>
+            </a:r>
+            <a:endParaRPr lang="zh-CN" sz="1000">
+              <a:sym typeface="+mn-ea"/>
+            </a:endParaRPr>
+          </a:p>
+        </p:txBody>
+      </p:sp>
+      <p:sp>
+        <p:nvSpPr>
+          <p:cNvPr id="23" name="文本框 22"/>
+          <p:cNvSpPr txBox="1"/>
+          <p:nvPr/>
+        </p:nvSpPr>
+        <p:spPr>
+          <a:xfrm>
+            <a:off x="7136765" y="2822575"/>
+            <a:ext cx="2938145" cy="398780"/>
+          </a:xfrm>
+          <a:prstGeom prst="rect">
+            <a:avLst/>
+          </a:prstGeom>
+          <a:noFill/>
+        </p:spPr>
+        <p:txBody>
+          <a:bodyPr wrap="square" rtlCol="0">
+            <a:spAutoFit/>
+          </a:bodyPr>
+          <a:p>
+            <a:pPr algn="l"/>
+            <a:r>
+              <a:rPr lang="zh-CN" sz="1000">
+                <a:sym typeface="+mn-ea"/>
+              </a:rPr>
+              <a:t>由您支付一间房的费用，支付成功后将下发给您一个邀请码，仅可邀请一人同住</a:t>
+            </a:r>
+            <a:endParaRPr lang="zh-CN" sz="1000">
+              <a:sym typeface="+mn-ea"/>
+            </a:endParaRPr>
+          </a:p>
+        </p:txBody>
+      </p:sp>
+      <p:sp>
+        <p:nvSpPr>
+          <p:cNvPr id="25" name="文本框 24"/>
+          <p:cNvSpPr txBox="1"/>
+          <p:nvPr/>
+        </p:nvSpPr>
+        <p:spPr>
+          <a:xfrm>
+            <a:off x="7136765" y="4022090"/>
+            <a:ext cx="2938145" cy="245110"/>
+          </a:xfrm>
+          <a:prstGeom prst="rect">
+            <a:avLst/>
+          </a:prstGeom>
+          <a:noFill/>
+        </p:spPr>
+        <p:txBody>
+          <a:bodyPr wrap="square" rtlCol="0">
+            <a:spAutoFit/>
+          </a:bodyPr>
+          <a:p>
+            <a:pPr algn="l"/>
+            <a:r>
+              <a:rPr lang="zh-CN" sz="1000">
+                <a:sym typeface="+mn-ea"/>
+              </a:rPr>
+              <a:t>与他人同住，系统将自动为您分配</a:t>
+            </a:r>
+            <a:endParaRPr lang="zh-CN" sz="1000">
+              <a:sym typeface="+mn-ea"/>
+            </a:endParaRPr>
+          </a:p>
+        </p:txBody>
+      </p:sp>
+      <p:sp>
+        <p:nvSpPr>
+          <p:cNvPr id="26" name="矩形 25"/>
+          <p:cNvSpPr/>
+          <p:nvPr/>
+        </p:nvSpPr>
+        <p:spPr>
+          <a:xfrm>
+            <a:off x="7137400" y="4603750"/>
+            <a:ext cx="2938780" cy="572135"/>
+          </a:xfrm>
+          <a:prstGeom prst="rect">
+            <a:avLst/>
+          </a:prstGeom>
+          <a:noFill/>
+          <a:extLst>
+            <a:ext uri="{909E8E84-426E-40DD-AFC4-6F175D3DCCD1}">
+              <a14:hiddenFill xmlns:a14="http://schemas.microsoft.com/office/drawing/2010/main">
+                <a:solidFill>
+                  <a:schemeClr val="accent1"/>
+                </a:solidFill>
+              </a14:hiddenFill>
+            </a:ext>
+          </a:extLst>
+        </p:spPr>
+        <p:style>
+          <a:lnRef idx="2">
+            <a:schemeClr val="accent1">
+              <a:shade val="50000"/>
+            </a:schemeClr>
+          </a:lnRef>
+          <a:fillRef idx="1">
+            <a:schemeClr val="accent1"/>
+          </a:fillRef>
+          <a:effectRef idx="0">
+            <a:schemeClr val="accent1"/>
+          </a:effectRef>
+          <a:fontRef idx="minor">
+            <a:schemeClr val="lt1"/>
+          </a:fontRef>
+        </p:style>
+        <p:txBody>
+          <a:bodyPr rtlCol="0" anchor="ctr"/>
+          <a:p>
+            <a:pPr algn="ctr"/>
+            <a:r>
+              <a:rPr lang="zh-CN">
+                <a:solidFill>
+                  <a:schemeClr val="tx1"/>
+                </a:solidFill>
+              </a:rPr>
+              <a:t>加入他人房间</a:t>
+            </a:r>
+            <a:endParaRPr lang="zh-CN">
+              <a:solidFill>
+                <a:schemeClr val="tx1"/>
+              </a:solidFill>
+            </a:endParaRPr>
+          </a:p>
+        </p:txBody>
+      </p:sp>
+      <p:sp>
+        <p:nvSpPr>
+          <p:cNvPr id="27" name="文本框 26"/>
+          <p:cNvSpPr txBox="1"/>
+          <p:nvPr/>
+        </p:nvSpPr>
+        <p:spPr>
+          <a:xfrm>
+            <a:off x="7137400" y="5175250"/>
+            <a:ext cx="2938145" cy="245110"/>
+          </a:xfrm>
+          <a:prstGeom prst="rect">
+            <a:avLst/>
+          </a:prstGeom>
+          <a:noFill/>
+        </p:spPr>
+        <p:txBody>
+          <a:bodyPr wrap="square" rtlCol="0">
+            <a:spAutoFit/>
+          </a:bodyPr>
+          <a:p>
+            <a:pPr algn="l"/>
+            <a:r>
+              <a:rPr lang="zh-CN" sz="1000">
+                <a:sym typeface="+mn-ea"/>
+              </a:rPr>
+              <a:t>与他人同住，系统将自动为您分配</a:t>
+            </a:r>
+            <a:endParaRPr lang="zh-CN" sz="1000">
+              <a:sym typeface="+mn-ea"/>
+            </a:endParaRPr>
+          </a:p>
+        </p:txBody>
+      </p:sp>
+      <p:sp>
+        <p:nvSpPr>
+          <p:cNvPr id="28" name="文本框 27"/>
+          <p:cNvSpPr txBox="1"/>
+          <p:nvPr/>
+        </p:nvSpPr>
+        <p:spPr>
+          <a:xfrm>
+            <a:off x="567055" y="1009650"/>
+            <a:ext cx="1114425" cy="368300"/>
+          </a:xfrm>
+          <a:prstGeom prst="rect">
+            <a:avLst/>
+          </a:prstGeom>
+          <a:noFill/>
+        </p:spPr>
+        <p:txBody>
+          <a:bodyPr wrap="square" rtlCol="0">
+            <a:spAutoFit/>
+          </a:bodyPr>
+          <a:p>
+            <a:r>
+              <a:rPr lang="zh-CN" altLang="en-US">
+                <a:solidFill>
+                  <a:srgbClr val="FF0000"/>
+                </a:solidFill>
+              </a:rPr>
+              <a:t>统一付费</a:t>
+            </a:r>
+            <a:endParaRPr lang="zh-CN" altLang="en-US">
+              <a:solidFill>
+                <a:srgbClr val="FF0000"/>
+              </a:solidFill>
+            </a:endParaRPr>
+          </a:p>
+        </p:txBody>
+      </p:sp>
+      <p:sp>
+        <p:nvSpPr>
+          <p:cNvPr id="30" name="文本框 29"/>
+          <p:cNvSpPr txBox="1"/>
+          <p:nvPr/>
+        </p:nvSpPr>
+        <p:spPr>
+          <a:xfrm>
+            <a:off x="5634355" y="1009650"/>
+            <a:ext cx="1120140" cy="368300"/>
+          </a:xfrm>
+          <a:prstGeom prst="rect">
+            <a:avLst/>
+          </a:prstGeom>
+          <a:noFill/>
+        </p:spPr>
+        <p:txBody>
+          <a:bodyPr wrap="square" rtlCol="0">
+            <a:spAutoFit/>
+          </a:bodyPr>
+          <a:p>
+            <a:r>
+              <a:rPr lang="zh-CN" altLang="en-US">
+                <a:solidFill>
+                  <a:srgbClr val="FF0000"/>
+                </a:solidFill>
+              </a:rPr>
+              <a:t>学生付费</a:t>
+            </a:r>
+            <a:endParaRPr lang="zh-CN" altLang="en-US">
+              <a:solidFill>
+                <a:srgbClr val="FF0000"/>
+              </a:solidFill>
+            </a:endParaRPr>
           </a:p>
         </p:txBody>
       </p:sp>
@@ -7482,6 +13768,90 @@
 </p:tagLst>
 </file>
 
+<file path=ppt/tags/tag66.xml><?xml version="1.0" encoding="utf-8"?>
+<p:tagLst xmlns:p="http://schemas.openxmlformats.org/presentationml/2006/main">
+  <p:tag name="KSO_WM_SLIDE_ID" val="custom20205081_1"/>
+  <p:tag name="KSO_WM_TEMPLATE_SUBCATEGORY" val="19"/>
+  <p:tag name="KSO_WM_TEMPLATE_MASTER_TYPE" val="0"/>
+  <p:tag name="KSO_WM_TEMPLATE_COLOR_TYPE" val="1"/>
+  <p:tag name="KSO_WM_SLIDE_TYPE" val="title"/>
+  <p:tag name="KSO_WM_SLIDE_SUBTYPE" val="defaultBlank"/>
+  <p:tag name="KSO_WM_SLIDE_ITEM_CNT" val="0"/>
+  <p:tag name="KSO_WM_SLIDE_INDEX" val="1"/>
+  <p:tag name="KSO_WM_TAG_VERSION" val="1.0"/>
+  <p:tag name="KSO_WM_BEAUTIFY_FLAG" val="#wm#"/>
+  <p:tag name="KSO_WM_TEMPLATE_CATEGORY" val="custom"/>
+  <p:tag name="KSO_WM_TEMPLATE_INDEX" val="20205081"/>
+  <p:tag name="KSO_WM_SLIDE_LAYOUT" val="a_b"/>
+  <p:tag name="KSO_WM_SLIDE_LAYOUT_CNT" val="1_1"/>
+  <p:tag name="KSO_WM_UNIT_SHOW_EDIT_AREA_INDICATION" val="1"/>
+  <p:tag name="KSO_WM_TEMPLATE_THUMBS_INDEX" val="1、4、7、12、13、14、15、16、17、18、20、24、25、28、33、36、40、43、44"/>
+</p:tagLst>
+</file>
+
+<file path=ppt/tags/tag67.xml><?xml version="1.0" encoding="utf-8"?>
+<p:tagLst xmlns:p="http://schemas.openxmlformats.org/presentationml/2006/main">
+  <p:tag name="KSO_WM_SLIDE_ID" val="custom20205081_1"/>
+  <p:tag name="KSO_WM_TEMPLATE_SUBCATEGORY" val="19"/>
+  <p:tag name="KSO_WM_TEMPLATE_MASTER_TYPE" val="0"/>
+  <p:tag name="KSO_WM_TEMPLATE_COLOR_TYPE" val="1"/>
+  <p:tag name="KSO_WM_SLIDE_TYPE" val="title"/>
+  <p:tag name="KSO_WM_SLIDE_SUBTYPE" val="defaultBlank"/>
+  <p:tag name="KSO_WM_SLIDE_ITEM_CNT" val="0"/>
+  <p:tag name="KSO_WM_SLIDE_INDEX" val="1"/>
+  <p:tag name="KSO_WM_TAG_VERSION" val="1.0"/>
+  <p:tag name="KSO_WM_BEAUTIFY_FLAG" val="#wm#"/>
+  <p:tag name="KSO_WM_TEMPLATE_CATEGORY" val="custom"/>
+  <p:tag name="KSO_WM_TEMPLATE_INDEX" val="20205081"/>
+  <p:tag name="KSO_WM_SLIDE_LAYOUT" val="a_b"/>
+  <p:tag name="KSO_WM_SLIDE_LAYOUT_CNT" val="1_1"/>
+  <p:tag name="KSO_WM_UNIT_SHOW_EDIT_AREA_INDICATION" val="1"/>
+  <p:tag name="KSO_WM_TEMPLATE_THUMBS_INDEX" val="1、4、7、12、13、14、15、16、17、18、20、24、25、28、33、36、40、43、44"/>
+</p:tagLst>
+</file>
+
+<file path=ppt/tags/tag68.xml><?xml version="1.0" encoding="utf-8"?>
+<p:tagLst xmlns:p="http://schemas.openxmlformats.org/presentationml/2006/main">
+  <p:tag name="KSO_WM_SLIDE_ID" val="custom20205081_1"/>
+  <p:tag name="KSO_WM_TEMPLATE_SUBCATEGORY" val="19"/>
+  <p:tag name="KSO_WM_TEMPLATE_MASTER_TYPE" val="0"/>
+  <p:tag name="KSO_WM_TEMPLATE_COLOR_TYPE" val="1"/>
+  <p:tag name="KSO_WM_SLIDE_TYPE" val="title"/>
+  <p:tag name="KSO_WM_SLIDE_SUBTYPE" val="defaultBlank"/>
+  <p:tag name="KSO_WM_SLIDE_ITEM_CNT" val="0"/>
+  <p:tag name="KSO_WM_SLIDE_INDEX" val="1"/>
+  <p:tag name="KSO_WM_TAG_VERSION" val="1.0"/>
+  <p:tag name="KSO_WM_BEAUTIFY_FLAG" val="#wm#"/>
+  <p:tag name="KSO_WM_TEMPLATE_CATEGORY" val="custom"/>
+  <p:tag name="KSO_WM_TEMPLATE_INDEX" val="20205081"/>
+  <p:tag name="KSO_WM_SLIDE_LAYOUT" val="a_b"/>
+  <p:tag name="KSO_WM_SLIDE_LAYOUT_CNT" val="1_1"/>
+  <p:tag name="KSO_WM_UNIT_SHOW_EDIT_AREA_INDICATION" val="1"/>
+  <p:tag name="KSO_WM_TEMPLATE_THUMBS_INDEX" val="1、4、7、12、13、14、15、16、17、18、20、24、25、28、33、36、40、43、44"/>
+</p:tagLst>
+</file>
+
+<file path=ppt/tags/tag69.xml><?xml version="1.0" encoding="utf-8"?>
+<p:tagLst xmlns:p="http://schemas.openxmlformats.org/presentationml/2006/main">
+  <p:tag name="KSO_WM_SLIDE_ID" val="custom20205081_1"/>
+  <p:tag name="KSO_WM_TEMPLATE_SUBCATEGORY" val="19"/>
+  <p:tag name="KSO_WM_TEMPLATE_MASTER_TYPE" val="0"/>
+  <p:tag name="KSO_WM_TEMPLATE_COLOR_TYPE" val="1"/>
+  <p:tag name="KSO_WM_SLIDE_TYPE" val="title"/>
+  <p:tag name="KSO_WM_SLIDE_SUBTYPE" val="defaultBlank"/>
+  <p:tag name="KSO_WM_SLIDE_ITEM_CNT" val="0"/>
+  <p:tag name="KSO_WM_SLIDE_INDEX" val="1"/>
+  <p:tag name="KSO_WM_TAG_VERSION" val="1.0"/>
+  <p:tag name="KSO_WM_BEAUTIFY_FLAG" val="#wm#"/>
+  <p:tag name="KSO_WM_TEMPLATE_CATEGORY" val="custom"/>
+  <p:tag name="KSO_WM_TEMPLATE_INDEX" val="20205081"/>
+  <p:tag name="KSO_WM_SLIDE_LAYOUT" val="a_b"/>
+  <p:tag name="KSO_WM_SLIDE_LAYOUT_CNT" val="1_1"/>
+  <p:tag name="KSO_WM_UNIT_SHOW_EDIT_AREA_INDICATION" val="1"/>
+  <p:tag name="KSO_WM_TEMPLATE_THUMBS_INDEX" val="1、4、7、12、13、14、15、16、17、18、20、24、25、28、33、36、40、43、44"/>
+</p:tagLst>
+</file>
+
 <file path=ppt/tags/tag7.xml><?xml version="1.0" encoding="utf-8"?>
 <p:tagLst xmlns:p="http://schemas.openxmlformats.org/presentationml/2006/main">
   <p:tag name="KSO_WM_UNIT_HIGHLIGHT" val="0"/>
@@ -7492,6 +13862,69 @@
   <p:tag name="KSO_WM_UNIT_LAYERLEVEL" val="1"/>
   <p:tag name="KSO_WM_TAG_VERSION" val="1.0"/>
   <p:tag name="KSO_WM_BEAUTIFY_FLAG" val="#wm#"/>
+</p:tagLst>
+</file>
+
+<file path=ppt/tags/tag70.xml><?xml version="1.0" encoding="utf-8"?>
+<p:tagLst xmlns:p="http://schemas.openxmlformats.org/presentationml/2006/main">
+  <p:tag name="KSO_WM_SLIDE_ID" val="custom20205081_1"/>
+  <p:tag name="KSO_WM_TEMPLATE_SUBCATEGORY" val="19"/>
+  <p:tag name="KSO_WM_TEMPLATE_MASTER_TYPE" val="0"/>
+  <p:tag name="KSO_WM_TEMPLATE_COLOR_TYPE" val="1"/>
+  <p:tag name="KSO_WM_SLIDE_TYPE" val="title"/>
+  <p:tag name="KSO_WM_SLIDE_SUBTYPE" val="defaultBlank"/>
+  <p:tag name="KSO_WM_SLIDE_ITEM_CNT" val="0"/>
+  <p:tag name="KSO_WM_SLIDE_INDEX" val="1"/>
+  <p:tag name="KSO_WM_TAG_VERSION" val="1.0"/>
+  <p:tag name="KSO_WM_BEAUTIFY_FLAG" val="#wm#"/>
+  <p:tag name="KSO_WM_TEMPLATE_CATEGORY" val="custom"/>
+  <p:tag name="KSO_WM_TEMPLATE_INDEX" val="20205081"/>
+  <p:tag name="KSO_WM_SLIDE_LAYOUT" val="a_b"/>
+  <p:tag name="KSO_WM_SLIDE_LAYOUT_CNT" val="1_1"/>
+  <p:tag name="KSO_WM_UNIT_SHOW_EDIT_AREA_INDICATION" val="1"/>
+  <p:tag name="KSO_WM_TEMPLATE_THUMBS_INDEX" val="1、4、7、12、13、14、15、16、17、18、20、24、25、28、33、36、40、43、44"/>
+</p:tagLst>
+</file>
+
+<file path=ppt/tags/tag71.xml><?xml version="1.0" encoding="utf-8"?>
+<p:tagLst xmlns:p="http://schemas.openxmlformats.org/presentationml/2006/main">
+  <p:tag name="KSO_WM_SLIDE_ID" val="custom20205081_1"/>
+  <p:tag name="KSO_WM_TEMPLATE_SUBCATEGORY" val="19"/>
+  <p:tag name="KSO_WM_TEMPLATE_MASTER_TYPE" val="0"/>
+  <p:tag name="KSO_WM_TEMPLATE_COLOR_TYPE" val="1"/>
+  <p:tag name="KSO_WM_SLIDE_TYPE" val="title"/>
+  <p:tag name="KSO_WM_SLIDE_SUBTYPE" val="defaultBlank"/>
+  <p:tag name="KSO_WM_SLIDE_ITEM_CNT" val="0"/>
+  <p:tag name="KSO_WM_SLIDE_INDEX" val="1"/>
+  <p:tag name="KSO_WM_TAG_VERSION" val="1.0"/>
+  <p:tag name="KSO_WM_BEAUTIFY_FLAG" val="#wm#"/>
+  <p:tag name="KSO_WM_TEMPLATE_CATEGORY" val="custom"/>
+  <p:tag name="KSO_WM_TEMPLATE_INDEX" val="20205081"/>
+  <p:tag name="KSO_WM_SLIDE_LAYOUT" val="a_b"/>
+  <p:tag name="KSO_WM_SLIDE_LAYOUT_CNT" val="1_1"/>
+  <p:tag name="KSO_WM_UNIT_SHOW_EDIT_AREA_INDICATION" val="1"/>
+  <p:tag name="KSO_WM_TEMPLATE_THUMBS_INDEX" val="1、4、7、12、13、14、15、16、17、18、20、24、25、28、33、36、40、43、44"/>
+</p:tagLst>
+</file>
+
+<file path=ppt/tags/tag72.xml><?xml version="1.0" encoding="utf-8"?>
+<p:tagLst xmlns:p="http://schemas.openxmlformats.org/presentationml/2006/main">
+  <p:tag name="KSO_WM_SLIDE_ID" val="custom20205081_1"/>
+  <p:tag name="KSO_WM_TEMPLATE_SUBCATEGORY" val="19"/>
+  <p:tag name="KSO_WM_TEMPLATE_MASTER_TYPE" val="0"/>
+  <p:tag name="KSO_WM_TEMPLATE_COLOR_TYPE" val="1"/>
+  <p:tag name="KSO_WM_SLIDE_TYPE" val="title"/>
+  <p:tag name="KSO_WM_SLIDE_SUBTYPE" val="defaultBlank"/>
+  <p:tag name="KSO_WM_SLIDE_ITEM_CNT" val="0"/>
+  <p:tag name="KSO_WM_SLIDE_INDEX" val="1"/>
+  <p:tag name="KSO_WM_TAG_VERSION" val="1.0"/>
+  <p:tag name="KSO_WM_BEAUTIFY_FLAG" val="#wm#"/>
+  <p:tag name="KSO_WM_TEMPLATE_CATEGORY" val="custom"/>
+  <p:tag name="KSO_WM_TEMPLATE_INDEX" val="20205081"/>
+  <p:tag name="KSO_WM_SLIDE_LAYOUT" val="a_b"/>
+  <p:tag name="KSO_WM_SLIDE_LAYOUT_CNT" val="1_1"/>
+  <p:tag name="KSO_WM_UNIT_SHOW_EDIT_AREA_INDICATION" val="1"/>
+  <p:tag name="KSO_WM_TEMPLATE_THUMBS_INDEX" val="1、4、7、12、13、14、15、16、17、18、20、24、25、28、33、36、40、43、44"/>
 </p:tagLst>
 </file>
 

--- a/eTeam需求界面1.pptx
+++ b/eTeam需求界面1.pptx
@@ -13,8 +13,11 @@
     <p:sldId id="420" r:id="rId8"/>
     <p:sldId id="421" r:id="rId9"/>
     <p:sldId id="422" r:id="rId10"/>
-    <p:sldId id="423" r:id="rId11"/>
-    <p:sldId id="424" r:id="rId12"/>
+    <p:sldId id="426" r:id="rId11"/>
+    <p:sldId id="423" r:id="rId12"/>
+    <p:sldId id="424" r:id="rId13"/>
+    <p:sldId id="427" r:id="rId14"/>
+    <p:sldId id="425" r:id="rId15"/>
   </p:sldIdLst>
   <p:sldSz cx="12192000" cy="6858000"/>
   <p:notesSz cx="6858000" cy="9144000"/>
@@ -6023,8 +6026,8 @@
         </p:nvSpPr>
         <p:spPr>
           <a:xfrm>
-            <a:off x="904875" y="368300"/>
-            <a:ext cx="3142615" cy="6168390"/>
+            <a:off x="1681480" y="368300"/>
+            <a:ext cx="3703320" cy="6331585"/>
           </a:xfrm>
           <a:prstGeom prst="rect">
             <a:avLst/>
@@ -6076,7 +6079,7 @@
         <p:spPr>
           <a:xfrm>
             <a:off x="0" y="0"/>
-            <a:ext cx="3053080" cy="645160"/>
+            <a:ext cx="1681480" cy="368300"/>
           </a:xfrm>
           <a:prstGeom prst="rect">
             <a:avLst/>
@@ -6101,29 +6104,6 @@
               </a:rPr>
               <a:t>5</a:t>
             </a:r>
-            <a:r>
-              <a:rPr lang="en-US" altLang="zh-CN">
-                <a:sym typeface="+mn-ea"/>
-              </a:rPr>
-              <a:t>——</a:t>
-            </a:r>
-            <a:r>
-              <a:rPr lang="zh-CN" altLang="en-US">
-                <a:solidFill>
-                  <a:srgbClr val="FF0000"/>
-                </a:solidFill>
-                <a:sym typeface="+mn-ea"/>
-              </a:rPr>
-              <a:t>统一付费</a:t>
-            </a:r>
-            <a:endParaRPr lang="zh-CN" altLang="en-US">
-              <a:solidFill>
-                <a:srgbClr val="FF0000"/>
-              </a:solidFill>
-            </a:endParaRPr>
-          </a:p>
-          <a:p>
-            <a:pPr algn="l"/>
             <a:endParaRPr lang="en-US" altLang="zh-CN">
               <a:sym typeface="+mn-ea"/>
             </a:endParaRPr>
@@ -6138,7 +6118,7 @@
         </p:nvSpPr>
         <p:spPr>
           <a:xfrm>
-            <a:off x="1740535" y="538480"/>
+            <a:off x="2797175" y="538480"/>
             <a:ext cx="1471930" cy="320040"/>
           </a:xfrm>
           <a:prstGeom prst="rect">
@@ -6189,7 +6169,7 @@
         </p:nvSpPr>
         <p:spPr>
           <a:xfrm>
-            <a:off x="1007110" y="2289175"/>
+            <a:off x="2063750" y="2289175"/>
             <a:ext cx="2938780" cy="589915"/>
           </a:xfrm>
           <a:prstGeom prst="rect">
@@ -6232,7 +6212,7 @@
                   <a:schemeClr val="tx1"/>
                 </a:solidFill>
               </a:rPr>
-              <a:t>系统将自动为您分配房间</a:t>
+              <a:t>邀请他人合住</a:t>
             </a:r>
             <a:endParaRPr lang="zh-CN">
               <a:solidFill>
@@ -6250,18 +6230,13 @@
         </p:nvSpPr>
         <p:spPr>
           <a:xfrm>
-            <a:off x="904875" y="368300"/>
-            <a:ext cx="1102995" cy="191770"/>
+            <a:off x="2063750" y="1238250"/>
+            <a:ext cx="2938780" cy="572135"/>
           </a:xfrm>
           <a:prstGeom prst="rect">
             <a:avLst/>
           </a:prstGeom>
           <a:noFill/>
-          <a:ln>
-            <a:solidFill>
-              <a:srgbClr val="FF0000"/>
-            </a:solidFill>
-          </a:ln>
           <a:extLst>
             <a:ext uri="{909E8E84-426E-40DD-AFC4-6F175D3DCCD1}">
               <a14:hiddenFill xmlns:a14="http://schemas.microsoft.com/office/drawing/2010/main">
@@ -6293,16 +6268,145 @@
           <a:p>
             <a:pPr algn="ctr"/>
             <a:r>
+              <a:rPr lang="zh-CN">
+                <a:solidFill>
+                  <a:schemeClr val="tx1"/>
+                </a:solidFill>
+              </a:rPr>
+              <a:t>系统分配入住</a:t>
+            </a:r>
+            <a:endParaRPr lang="zh-CN">
+              <a:solidFill>
+                <a:schemeClr val="tx1"/>
+              </a:solidFill>
+            </a:endParaRPr>
+          </a:p>
+        </p:txBody>
+      </p:sp>
+      <p:sp>
+        <p:nvSpPr>
+          <p:cNvPr id="9" name="文本框 8"/>
+          <p:cNvSpPr txBox="1"/>
+          <p:nvPr/>
+        </p:nvSpPr>
+        <p:spPr>
+          <a:xfrm>
+            <a:off x="2063750" y="2877185"/>
+            <a:ext cx="2938145" cy="398780"/>
+          </a:xfrm>
+          <a:prstGeom prst="rect">
+            <a:avLst/>
+          </a:prstGeom>
+          <a:noFill/>
+        </p:spPr>
+        <p:txBody>
+          <a:bodyPr wrap="square" rtlCol="0">
+            <a:spAutoFit/>
+          </a:bodyPr>
+          <a:p>
+            <a:pPr algn="l"/>
+            <a:r>
               <a:rPr lang="zh-CN" sz="1000">
-                <a:solidFill>
-                  <a:srgbClr val="FF0000"/>
-                </a:solidFill>
-              </a:rPr>
-              <a:t>系统分配入住</a:t>
+                <a:sym typeface="+mn-ea"/>
+              </a:rPr>
+              <a:t>为您创建一个房间，您可以使用邀请码邀请他人同住</a:t>
             </a:r>
             <a:endParaRPr lang="zh-CN" sz="1000">
+              <a:sym typeface="+mn-ea"/>
+            </a:endParaRPr>
+          </a:p>
+        </p:txBody>
+      </p:sp>
+      <p:sp>
+        <p:nvSpPr>
+          <p:cNvPr id="12" name="文本框 11"/>
+          <p:cNvSpPr txBox="1"/>
+          <p:nvPr/>
+        </p:nvSpPr>
+        <p:spPr>
+          <a:xfrm>
+            <a:off x="2063750" y="1809750"/>
+            <a:ext cx="2938145" cy="245110"/>
+          </a:xfrm>
+          <a:prstGeom prst="rect">
+            <a:avLst/>
+          </a:prstGeom>
+          <a:noFill/>
+        </p:spPr>
+        <p:txBody>
+          <a:bodyPr wrap="square" rtlCol="0">
+            <a:spAutoFit/>
+          </a:bodyPr>
+          <a:p>
+            <a:pPr algn="l"/>
+            <a:r>
+              <a:rPr lang="zh-CN" sz="1000">
+                <a:sym typeface="+mn-ea"/>
+              </a:rPr>
+              <a:t>与他人同住，系统将自动为您分配</a:t>
+            </a:r>
+            <a:endParaRPr lang="zh-CN" sz="1000">
+              <a:sym typeface="+mn-ea"/>
+            </a:endParaRPr>
+          </a:p>
+        </p:txBody>
+      </p:sp>
+      <p:sp>
+        <p:nvSpPr>
+          <p:cNvPr id="13" name="矩形 12"/>
+          <p:cNvSpPr/>
+          <p:nvPr/>
+        </p:nvSpPr>
+        <p:spPr>
+          <a:xfrm>
+            <a:off x="2063750" y="3450590"/>
+            <a:ext cx="2938780" cy="572135"/>
+          </a:xfrm>
+          <a:prstGeom prst="rect">
+            <a:avLst/>
+          </a:prstGeom>
+          <a:noFill/>
+          <a:extLst>
+            <a:ext uri="{909E8E84-426E-40DD-AFC4-6F175D3DCCD1}">
+              <a14:hiddenFill xmlns:a14="http://schemas.microsoft.com/office/drawing/2010/main">
+                <a:solidFill>
+                  <a:schemeClr val="accent1"/>
+                </a:solidFill>
+              </a14:hiddenFill>
+            </a:ext>
+          </a:extLst>
+        </p:spPr>
+        <p:style>
+          <a:lnRef idx="2">
+            <a:schemeClr val="accent1">
+              <a:shade val="50000"/>
+            </a:schemeClr>
+          </a:lnRef>
+          <a:fillRef idx="1">
+            <a:schemeClr val="accent1"/>
+          </a:fillRef>
+          <a:effectRef idx="0">
+            <a:schemeClr val="accent1"/>
+          </a:effectRef>
+          <a:fontRef idx="minor">
+            <a:schemeClr val="lt1"/>
+          </a:fontRef>
+        </p:style>
+        <p:txBody>
+          <a:bodyPr rtlCol="0" anchor="ctr"/>
+          <a:p>
+            <a:pPr algn="ctr"/>
+            <a:r>
+              <a:rPr lang="zh-CN">
+                <a:solidFill>
+                  <a:schemeClr val="tx1"/>
+                </a:solidFill>
+              </a:rPr>
+              <a:t>加入他人房间</a:t>
+            </a:r>
+            <a:endParaRPr lang="zh-CN">
               <a:solidFill>
-                <a:srgbClr val="FF0000"/>
+                <a:schemeClr val="tx1"/>
               </a:solidFill>
             </a:endParaRPr>
           </a:p>
@@ -6310,14 +6414,48 @@
       </p:sp>
       <p:sp>
         <p:nvSpPr>
-          <p:cNvPr id="2" name="矩形 1"/>
+          <p:cNvPr id="14" name="文本框 13"/>
+          <p:cNvSpPr txBox="1"/>
+          <p:nvPr/>
+        </p:nvSpPr>
+        <p:spPr>
+          <a:xfrm>
+            <a:off x="2063750" y="4022090"/>
+            <a:ext cx="2938145" cy="245110"/>
+          </a:xfrm>
+          <a:prstGeom prst="rect">
+            <a:avLst/>
+          </a:prstGeom>
+          <a:noFill/>
+        </p:spPr>
+        <p:txBody>
+          <a:bodyPr wrap="square" rtlCol="0">
+            <a:spAutoFit/>
+          </a:bodyPr>
+          <a:p>
+            <a:pPr algn="l"/>
+            <a:r>
+              <a:rPr lang="zh-CN" sz="1000">
+                <a:sym typeface="+mn-ea"/>
+              </a:rPr>
+              <a:t>加入他人创建的房间</a:t>
+            </a:r>
+            <a:endParaRPr lang="zh-CN" sz="1000">
+              <a:sym typeface="+mn-ea"/>
+            </a:endParaRPr>
+          </a:p>
+        </p:txBody>
+      </p:sp>
+      <p:sp>
+        <p:nvSpPr>
+          <p:cNvPr id="16" name="矩形 15"/>
           <p:cNvSpPr/>
           <p:nvPr/>
         </p:nvSpPr>
         <p:spPr>
           <a:xfrm>
-            <a:off x="4287520" y="368300"/>
-            <a:ext cx="3142615" cy="6168390"/>
+            <a:off x="6754495" y="368300"/>
+            <a:ext cx="3703320" cy="6331585"/>
           </a:xfrm>
           <a:prstGeom prst="rect">
             <a:avLst/>
@@ -6362,18 +6500,27 @@
       </p:sp>
       <p:sp>
         <p:nvSpPr>
-          <p:cNvPr id="3" name="矩形 2"/>
+          <p:cNvPr id="17" name="矩形 16"/>
           <p:cNvSpPr/>
           <p:nvPr/>
         </p:nvSpPr>
         <p:spPr>
           <a:xfrm>
-            <a:off x="4944110" y="538480"/>
-            <a:ext cx="1828800" cy="320040"/>
-          </a:xfrm>
-          <a:prstGeom prst="rect">
-            <a:avLst/>
-          </a:prstGeom>
+            <a:off x="7136765" y="1009650"/>
+            <a:ext cx="2938780" cy="675005"/>
+          </a:xfrm>
+          <a:prstGeom prst="rect">
+            <a:avLst/>
+          </a:prstGeom>
+          <a:extLst>
+            <a:ext uri="{909E8E84-426E-40DD-AFC4-6F175D3DCCD1}">
+              <a14:hiddenFill xmlns:a14="http://schemas.microsoft.com/office/drawing/2010/main">
+                <a:solidFill>
+                  <a:schemeClr val="accent1"/>
+                </a:solidFill>
+              </a14:hiddenFill>
+            </a:ext>
+          </a:extLst>
         </p:spPr>
         <p:style>
           <a:lnRef idx="2">
@@ -6396,47 +6543,35 @@
           <a:p>
             <a:pPr algn="ctr"/>
             <a:r>
-              <a:rPr lang="zh-CN" sz="2000">
+              <a:rPr lang="zh-CN" altLang="en-US">
                 <a:solidFill>
                   <a:schemeClr val="bg1"/>
                 </a:solidFill>
-                <a:sym typeface="+mn-ea"/>
-              </a:rPr>
-              <a:t>邀请他人合住</a:t>
-            </a:r>
-            <a:endParaRPr lang="zh-CN" altLang="en-US" sz="2000">
+              </a:rPr>
+              <a:t>独住一间</a:t>
+            </a:r>
+            <a:endParaRPr lang="zh-CN">
               <a:solidFill>
                 <a:schemeClr val="bg1"/>
               </a:solidFill>
-              <a:sym typeface="+mn-ea"/>
-            </a:endParaRPr>
-          </a:p>
-        </p:txBody>
-      </p:sp>
-      <p:sp>
-        <p:nvSpPr>
-          <p:cNvPr id="5" name="矩形 4"/>
+            </a:endParaRPr>
+          </a:p>
+        </p:txBody>
+      </p:sp>
+      <p:sp>
+        <p:nvSpPr>
+          <p:cNvPr id="18" name="矩形 17"/>
           <p:cNvSpPr/>
           <p:nvPr/>
         </p:nvSpPr>
         <p:spPr>
           <a:xfrm>
-            <a:off x="4389755" y="2115820"/>
-            <a:ext cx="2938780" cy="589915"/>
-          </a:xfrm>
-          <a:prstGeom prst="rect">
-            <a:avLst/>
-          </a:prstGeom>
-          <a:noFill/>
-          <a:extLst>
-            <a:ext uri="{909E8E84-426E-40DD-AFC4-6F175D3DCCD1}">
-              <a14:hiddenFill xmlns:a14="http://schemas.microsoft.com/office/drawing/2010/main">
-                <a:solidFill>
-                  <a:schemeClr val="accent1"/>
-                </a:solidFill>
-              </a14:hiddenFill>
-            </a:ext>
-          </a:extLst>
+            <a:off x="7870190" y="538480"/>
+            <a:ext cx="1471930" cy="320040"/>
+          </a:xfrm>
+          <a:prstGeom prst="rect">
+            <a:avLst/>
+          </a:prstGeom>
         </p:spPr>
         <p:style>
           <a:lnRef idx="2">
@@ -6459,14 +6594,75 @@
           <a:p>
             <a:pPr algn="ctr"/>
             <a:r>
-              <a:rPr lang="en-US" altLang="zh-CN">
+              <a:rPr lang="zh-CN" altLang="en-US" sz="2000">
+                <a:solidFill>
+                  <a:schemeClr val="bg1"/>
+                </a:solidFill>
+              </a:rPr>
+              <a:t>住宿方式</a:t>
+            </a:r>
+            <a:endParaRPr lang="zh-CN" altLang="en-US" sz="2000">
+              <a:solidFill>
+                <a:schemeClr val="bg1"/>
+              </a:solidFill>
+            </a:endParaRPr>
+          </a:p>
+        </p:txBody>
+      </p:sp>
+      <p:sp>
+        <p:nvSpPr>
+          <p:cNvPr id="19" name="矩形 18"/>
+          <p:cNvSpPr/>
+          <p:nvPr/>
+        </p:nvSpPr>
+        <p:spPr>
+          <a:xfrm>
+            <a:off x="7136765" y="2234565"/>
+            <a:ext cx="2938780" cy="589915"/>
+          </a:xfrm>
+          <a:prstGeom prst="rect">
+            <a:avLst/>
+          </a:prstGeom>
+          <a:noFill/>
+          <a:extLst>
+            <a:ext uri="{909E8E84-426E-40DD-AFC4-6F175D3DCCD1}">
+              <a14:hiddenFill xmlns:a14="http://schemas.microsoft.com/office/drawing/2010/main">
+                <a:solidFill>
+                  <a:schemeClr val="accent1"/>
+                </a:solidFill>
+              </a14:hiddenFill>
+            </a:ext>
+          </a:extLst>
+        </p:spPr>
+        <p:style>
+          <a:lnRef idx="2">
+            <a:schemeClr val="accent1">
+              <a:shade val="50000"/>
+            </a:schemeClr>
+          </a:lnRef>
+          <a:fillRef idx="1">
+            <a:schemeClr val="accent1"/>
+          </a:fillRef>
+          <a:effectRef idx="0">
+            <a:schemeClr val="accent1"/>
+          </a:effectRef>
+          <a:fontRef idx="minor">
+            <a:schemeClr val="lt1"/>
+          </a:fontRef>
+        </p:style>
+        <p:txBody>
+          <a:bodyPr rtlCol="0" anchor="ctr"/>
+          <a:p>
+            <a:pPr algn="ctr"/>
+            <a:r>
+              <a:rPr lang="zh-CN">
                 <a:solidFill>
                   <a:schemeClr val="tx1"/>
                 </a:solidFill>
               </a:rPr>
-              <a:t>1234</a:t>
-            </a:r>
-            <a:endParaRPr lang="en-US" altLang="zh-CN">
+              <a:t>邀请他人合住</a:t>
+            </a:r>
+            <a:endParaRPr lang="zh-CN">
               <a:solidFill>
                 <a:schemeClr val="tx1"/>
               </a:solidFill>
@@ -6476,14 +6672,75 @@
       </p:sp>
       <p:sp>
         <p:nvSpPr>
-          <p:cNvPr id="10" name="文本框 9"/>
+          <p:cNvPr id="21" name="矩形 20"/>
+          <p:cNvSpPr/>
+          <p:nvPr/>
+        </p:nvSpPr>
+        <p:spPr>
+          <a:xfrm>
+            <a:off x="7136765" y="3450590"/>
+            <a:ext cx="2938780" cy="572135"/>
+          </a:xfrm>
+          <a:prstGeom prst="rect">
+            <a:avLst/>
+          </a:prstGeom>
+          <a:noFill/>
+          <a:extLst>
+            <a:ext uri="{909E8E84-426E-40DD-AFC4-6F175D3DCCD1}">
+              <a14:hiddenFill xmlns:a14="http://schemas.microsoft.com/office/drawing/2010/main">
+                <a:solidFill>
+                  <a:schemeClr val="accent1"/>
+                </a:solidFill>
+              </a14:hiddenFill>
+            </a:ext>
+          </a:extLst>
+        </p:spPr>
+        <p:style>
+          <a:lnRef idx="2">
+            <a:schemeClr val="accent1">
+              <a:shade val="50000"/>
+            </a:schemeClr>
+          </a:lnRef>
+          <a:fillRef idx="1">
+            <a:schemeClr val="accent1"/>
+          </a:fillRef>
+          <a:effectRef idx="0">
+            <a:schemeClr val="accent1"/>
+          </a:effectRef>
+          <a:fontRef idx="minor">
+            <a:schemeClr val="lt1"/>
+          </a:fontRef>
+        </p:style>
+        <p:txBody>
+          <a:bodyPr rtlCol="0" anchor="ctr"/>
+          <a:p>
+            <a:pPr algn="ctr"/>
+            <a:r>
+              <a:rPr lang="zh-CN">
+                <a:solidFill>
+                  <a:schemeClr val="tx1"/>
+                </a:solidFill>
+              </a:rPr>
+              <a:t>系统分配入住</a:t>
+            </a:r>
+            <a:endParaRPr lang="zh-CN">
+              <a:solidFill>
+                <a:schemeClr val="tx1"/>
+              </a:solidFill>
+            </a:endParaRPr>
+          </a:p>
+        </p:txBody>
+      </p:sp>
+      <p:sp>
+        <p:nvSpPr>
+          <p:cNvPr id="22" name="文本框 21"/>
           <p:cNvSpPr txBox="1"/>
           <p:nvPr/>
         </p:nvSpPr>
         <p:spPr>
           <a:xfrm>
-            <a:off x="4389120" y="2877185"/>
-            <a:ext cx="2938145" cy="1168400"/>
+            <a:off x="7136765" y="1680210"/>
+            <a:ext cx="2938145" cy="398780"/>
           </a:xfrm>
           <a:prstGeom prst="rect">
             <a:avLst/>
@@ -6497,72 +6754,80 @@
           <a:p>
             <a:pPr algn="l"/>
             <a:r>
-              <a:rPr lang="zh-CN" altLang="en-US" sz="1000">
-                <a:sym typeface="+mn-ea"/>
-              </a:rPr>
-              <a:t>注意</a:t>
-            </a:r>
-            <a:endParaRPr lang="en-US" altLang="zh-CN" sz="1000">
-              <a:sym typeface="+mn-ea"/>
-            </a:endParaRPr>
-          </a:p>
-          <a:p>
-            <a:pPr algn="l"/>
-            <a:r>
-              <a:rPr lang="en-US" altLang="zh-CN" sz="1000">
-                <a:sym typeface="+mn-ea"/>
-              </a:rPr>
-              <a:t>1. </a:t>
-            </a:r>
-            <a:r>
               <a:rPr lang="zh-CN" sz="1000">
                 <a:sym typeface="+mn-ea"/>
               </a:rPr>
-              <a:t>将邀请码告知您想邀请的人，由加入房间的人填写至输入框。</a:t>
+              <a:t>不与他人合住，我们将为您安排单独房间，您将支付一间房的全部费用</a:t>
             </a:r>
             <a:endParaRPr lang="zh-CN" sz="1000">
               <a:sym typeface="+mn-ea"/>
             </a:endParaRPr>
           </a:p>
+        </p:txBody>
+      </p:sp>
+      <p:sp>
+        <p:nvSpPr>
+          <p:cNvPr id="23" name="文本框 22"/>
+          <p:cNvSpPr txBox="1"/>
+          <p:nvPr/>
+        </p:nvSpPr>
+        <p:spPr>
+          <a:xfrm>
+            <a:off x="7136765" y="2822575"/>
+            <a:ext cx="2938145" cy="398780"/>
+          </a:xfrm>
+          <a:prstGeom prst="rect">
+            <a:avLst/>
+          </a:prstGeom>
+          <a:noFill/>
+        </p:spPr>
+        <p:txBody>
+          <a:bodyPr wrap="square" rtlCol="0">
+            <a:spAutoFit/>
+          </a:bodyPr>
           <a:p>
             <a:pPr algn="l"/>
             <a:r>
-              <a:rPr lang="en-US" altLang="zh-CN" sz="1000">
-                <a:sym typeface="+mn-ea"/>
-              </a:rPr>
-              <a:t>2. </a:t>
-            </a:r>
-            <a:r>
-              <a:rPr lang="zh-CN" altLang="en-US" sz="1000">
-                <a:sym typeface="+mn-ea"/>
-              </a:rPr>
-              <a:t>如截止前没有人加入，并且是</a:t>
-            </a:r>
-            <a:r>
-              <a:rPr lang="zh-CN" altLang="en-US" sz="1000">
-                <a:sym typeface="+mn-ea"/>
-              </a:rPr>
-              <a:t>统一付费的订单，系统将自动分配同住人。</a:t>
-            </a:r>
-            <a:endParaRPr lang="zh-CN" altLang="en-US" sz="1000">
+              <a:rPr lang="zh-CN" sz="1000">
+                <a:sym typeface="+mn-ea"/>
+              </a:rPr>
+              <a:t>由您支付一间房的费用，支付成功后将下发给您一个邀请码，仅可邀请一人同住</a:t>
+            </a:r>
+            <a:endParaRPr lang="zh-CN" sz="1000">
               <a:sym typeface="+mn-ea"/>
             </a:endParaRPr>
           </a:p>
+        </p:txBody>
+      </p:sp>
+      <p:sp>
+        <p:nvSpPr>
+          <p:cNvPr id="25" name="文本框 24"/>
+          <p:cNvSpPr txBox="1"/>
+          <p:nvPr/>
+        </p:nvSpPr>
+        <p:spPr>
+          <a:xfrm>
+            <a:off x="7136765" y="4022090"/>
+            <a:ext cx="2938145" cy="245110"/>
+          </a:xfrm>
+          <a:prstGeom prst="rect">
+            <a:avLst/>
+          </a:prstGeom>
+          <a:noFill/>
+        </p:spPr>
+        <p:txBody>
+          <a:bodyPr wrap="square" rtlCol="0">
+            <a:spAutoFit/>
+          </a:bodyPr>
           <a:p>
             <a:pPr algn="l"/>
             <a:r>
-              <a:rPr lang="en-US" altLang="zh-CN" sz="1000">
-                <a:sym typeface="+mn-ea"/>
-              </a:rPr>
-              <a:t>3. </a:t>
-            </a:r>
-            <a:r>
-              <a:rPr lang="zh-CN" altLang="en-US" sz="1000">
-                <a:sym typeface="+mn-ea"/>
-              </a:rPr>
-              <a:t>如截止前没有人加入，并且是自付费订单，默认您独自入住一个房间。</a:t>
-            </a:r>
-            <a:endParaRPr lang="en-US" altLang="zh-CN" sz="1000">
+              <a:rPr lang="zh-CN" sz="1000">
+                <a:sym typeface="+mn-ea"/>
+              </a:rPr>
+              <a:t>与他人同住，系统将自动为您分配</a:t>
+            </a:r>
+            <a:endParaRPr lang="zh-CN" sz="1000">
               <a:sym typeface="+mn-ea"/>
             </a:endParaRPr>
           </a:p>
@@ -6570,13 +6835,210 @@
       </p:sp>
       <p:sp>
         <p:nvSpPr>
-          <p:cNvPr id="31" name="矩形 30"/>
+          <p:cNvPr id="26" name="矩形 25"/>
           <p:cNvSpPr/>
           <p:nvPr/>
         </p:nvSpPr>
         <p:spPr>
           <a:xfrm>
-            <a:off x="7670800" y="368300"/>
+            <a:off x="7137400" y="4603750"/>
+            <a:ext cx="2938780" cy="572135"/>
+          </a:xfrm>
+          <a:prstGeom prst="rect">
+            <a:avLst/>
+          </a:prstGeom>
+          <a:noFill/>
+          <a:extLst>
+            <a:ext uri="{909E8E84-426E-40DD-AFC4-6F175D3DCCD1}">
+              <a14:hiddenFill xmlns:a14="http://schemas.microsoft.com/office/drawing/2010/main">
+                <a:solidFill>
+                  <a:schemeClr val="accent1"/>
+                </a:solidFill>
+              </a14:hiddenFill>
+            </a:ext>
+          </a:extLst>
+        </p:spPr>
+        <p:style>
+          <a:lnRef idx="2">
+            <a:schemeClr val="accent1">
+              <a:shade val="50000"/>
+            </a:schemeClr>
+          </a:lnRef>
+          <a:fillRef idx="1">
+            <a:schemeClr val="accent1"/>
+          </a:fillRef>
+          <a:effectRef idx="0">
+            <a:schemeClr val="accent1"/>
+          </a:effectRef>
+          <a:fontRef idx="minor">
+            <a:schemeClr val="lt1"/>
+          </a:fontRef>
+        </p:style>
+        <p:txBody>
+          <a:bodyPr rtlCol="0" anchor="ctr"/>
+          <a:p>
+            <a:pPr algn="ctr"/>
+            <a:r>
+              <a:rPr lang="zh-CN">
+                <a:solidFill>
+                  <a:schemeClr val="tx1"/>
+                </a:solidFill>
+              </a:rPr>
+              <a:t>加入他人房间</a:t>
+            </a:r>
+            <a:endParaRPr lang="zh-CN">
+              <a:solidFill>
+                <a:schemeClr val="tx1"/>
+              </a:solidFill>
+            </a:endParaRPr>
+          </a:p>
+        </p:txBody>
+      </p:sp>
+      <p:sp>
+        <p:nvSpPr>
+          <p:cNvPr id="27" name="文本框 26"/>
+          <p:cNvSpPr txBox="1"/>
+          <p:nvPr/>
+        </p:nvSpPr>
+        <p:spPr>
+          <a:xfrm>
+            <a:off x="7137400" y="5175250"/>
+            <a:ext cx="2938145" cy="245110"/>
+          </a:xfrm>
+          <a:prstGeom prst="rect">
+            <a:avLst/>
+          </a:prstGeom>
+          <a:noFill/>
+        </p:spPr>
+        <p:txBody>
+          <a:bodyPr wrap="square" rtlCol="0">
+            <a:spAutoFit/>
+          </a:bodyPr>
+          <a:p>
+            <a:pPr algn="l"/>
+            <a:r>
+              <a:rPr lang="zh-CN" sz="1000">
+                <a:sym typeface="+mn-ea"/>
+              </a:rPr>
+              <a:t>与他人同住，系统将自动为您分配</a:t>
+            </a:r>
+            <a:endParaRPr lang="zh-CN" sz="1000">
+              <a:sym typeface="+mn-ea"/>
+            </a:endParaRPr>
+          </a:p>
+        </p:txBody>
+      </p:sp>
+      <p:sp>
+        <p:nvSpPr>
+          <p:cNvPr id="28" name="文本框 27"/>
+          <p:cNvSpPr txBox="1"/>
+          <p:nvPr/>
+        </p:nvSpPr>
+        <p:spPr>
+          <a:xfrm>
+            <a:off x="567055" y="1009650"/>
+            <a:ext cx="1114425" cy="368300"/>
+          </a:xfrm>
+          <a:prstGeom prst="rect">
+            <a:avLst/>
+          </a:prstGeom>
+          <a:noFill/>
+        </p:spPr>
+        <p:txBody>
+          <a:bodyPr wrap="square" rtlCol="0">
+            <a:spAutoFit/>
+          </a:bodyPr>
+          <a:p>
+            <a:r>
+              <a:rPr lang="zh-CN" altLang="en-US">
+                <a:solidFill>
+                  <a:srgbClr val="FF0000"/>
+                </a:solidFill>
+              </a:rPr>
+              <a:t>统一付费</a:t>
+            </a:r>
+            <a:endParaRPr lang="zh-CN" altLang="en-US">
+              <a:solidFill>
+                <a:srgbClr val="FF0000"/>
+              </a:solidFill>
+            </a:endParaRPr>
+          </a:p>
+        </p:txBody>
+      </p:sp>
+      <p:sp>
+        <p:nvSpPr>
+          <p:cNvPr id="30" name="文本框 29"/>
+          <p:cNvSpPr txBox="1"/>
+          <p:nvPr/>
+        </p:nvSpPr>
+        <p:spPr>
+          <a:xfrm>
+            <a:off x="5634355" y="1009650"/>
+            <a:ext cx="1120140" cy="368300"/>
+          </a:xfrm>
+          <a:prstGeom prst="rect">
+            <a:avLst/>
+          </a:prstGeom>
+          <a:noFill/>
+        </p:spPr>
+        <p:txBody>
+          <a:bodyPr wrap="square" rtlCol="0">
+            <a:spAutoFit/>
+          </a:bodyPr>
+          <a:p>
+            <a:r>
+              <a:rPr lang="zh-CN" altLang="en-US">
+                <a:solidFill>
+                  <a:srgbClr val="FF0000"/>
+                </a:solidFill>
+              </a:rPr>
+              <a:t>学生付费</a:t>
+            </a:r>
+            <a:endParaRPr lang="zh-CN" altLang="en-US">
+              <a:solidFill>
+                <a:srgbClr val="FF0000"/>
+              </a:solidFill>
+            </a:endParaRPr>
+          </a:p>
+        </p:txBody>
+      </p:sp>
+    </p:spTree>
+    <p:custDataLst>
+      <p:tags r:id="rId1"/>
+    </p:custDataLst>
+  </p:cSld>
+  <p:clrMapOvr>
+    <a:masterClrMapping/>
+  </p:clrMapOvr>
+</p:sld>
+</file>
+
+<file path=ppt/slides/slide11.xml><?xml version="1.0" encoding="utf-8"?>
+<p:sld xmlns:a="http://schemas.openxmlformats.org/drawingml/2006/main" xmlns:r="http://schemas.openxmlformats.org/officeDocument/2006/relationships" xmlns:p="http://schemas.openxmlformats.org/presentationml/2006/main">
+  <p:cSld>
+    <p:spTree>
+      <p:nvGrpSpPr>
+        <p:cNvPr id="1" name=""/>
+        <p:cNvGrpSpPr/>
+        <p:nvPr/>
+      </p:nvGrpSpPr>
+      <p:grpSpPr>
+        <a:xfrm>
+          <a:off x="0" y="0"/>
+          <a:ext cx="0" cy="0"/>
+          <a:chOff x="0" y="0"/>
+          <a:chExt cx="0" cy="0"/>
+        </a:xfrm>
+      </p:grpSpPr>
+      <p:sp>
+        <p:nvSpPr>
+          <p:cNvPr id="7" name="矩形 6"/>
+          <p:cNvSpPr/>
+          <p:nvPr/>
+        </p:nvSpPr>
+        <p:spPr>
+          <a:xfrm>
+            <a:off x="904875" y="368300"/>
             <a:ext cx="3142615" cy="6168390"/>
           </a:xfrm>
           <a:prstGeom prst="rect">
@@ -6622,18 +7084,94 @@
       </p:sp>
       <p:sp>
         <p:nvSpPr>
-          <p:cNvPr id="32" name="矩形 31"/>
+          <p:cNvPr id="4" name="文本框 3"/>
+          <p:cNvSpPr txBox="1"/>
+          <p:nvPr/>
+        </p:nvSpPr>
+        <p:spPr>
+          <a:xfrm>
+            <a:off x="0" y="0"/>
+            <a:ext cx="3053080" cy="645160"/>
+          </a:xfrm>
+          <a:prstGeom prst="rect">
+            <a:avLst/>
+          </a:prstGeom>
+          <a:noFill/>
+        </p:spPr>
+        <p:txBody>
+          <a:bodyPr wrap="none" rtlCol="0">
+            <a:spAutoFit/>
+          </a:bodyPr>
+          <a:p>
+            <a:pPr algn="l"/>
+            <a:r>
+              <a:rPr lang="zh-CN">
+                <a:sym typeface="+mn-ea"/>
+              </a:rPr>
+              <a:t>学生报名界面</a:t>
+            </a:r>
+            <a:r>
+              <a:rPr lang="en-US" altLang="zh-CN">
+                <a:sym typeface="+mn-ea"/>
+              </a:rPr>
+              <a:t>6——</a:t>
+            </a:r>
+            <a:r>
+              <a:rPr lang="zh-CN" altLang="en-US">
+                <a:solidFill>
+                  <a:srgbClr val="FF0000"/>
+                </a:solidFill>
+                <a:sym typeface="+mn-ea"/>
+              </a:rPr>
+              <a:t>学生</a:t>
+            </a:r>
+            <a:r>
+              <a:rPr lang="zh-CN" altLang="en-US">
+                <a:solidFill>
+                  <a:srgbClr val="FF0000"/>
+                </a:solidFill>
+                <a:sym typeface="+mn-ea"/>
+              </a:rPr>
+              <a:t>付费</a:t>
+            </a:r>
+            <a:endParaRPr lang="zh-CN" altLang="en-US">
+              <a:solidFill>
+                <a:srgbClr val="FF0000"/>
+              </a:solidFill>
+            </a:endParaRPr>
+          </a:p>
+          <a:p>
+            <a:pPr algn="l"/>
+            <a:endParaRPr lang="en-US" altLang="zh-CN">
+              <a:sym typeface="+mn-ea"/>
+            </a:endParaRPr>
+          </a:p>
+        </p:txBody>
+      </p:sp>
+      <p:sp>
+        <p:nvSpPr>
+          <p:cNvPr id="15" name="矩形 14"/>
           <p:cNvSpPr/>
           <p:nvPr/>
         </p:nvSpPr>
         <p:spPr>
           <a:xfrm>
-            <a:off x="8325485" y="538480"/>
-            <a:ext cx="1833245" cy="320040"/>
-          </a:xfrm>
-          <a:prstGeom prst="rect">
-            <a:avLst/>
-          </a:prstGeom>
+            <a:off x="1006475" y="1238250"/>
+            <a:ext cx="2938780" cy="589915"/>
+          </a:xfrm>
+          <a:prstGeom prst="rect">
+            <a:avLst/>
+          </a:prstGeom>
+          <a:noFill/>
+          <a:extLst>
+            <a:ext uri="{909E8E84-426E-40DD-AFC4-6F175D3DCCD1}">
+              <a14:hiddenFill xmlns:a14="http://schemas.microsoft.com/office/drawing/2010/main">
+                <a:solidFill>
+                  <a:schemeClr val="accent1"/>
+                </a:solidFill>
+              </a14:hiddenFill>
+            </a:ext>
+          </a:extLst>
         </p:spPr>
         <p:style>
           <a:lnRef idx="2">
@@ -6656,16 +7194,17 @@
           <a:p>
             <a:pPr algn="ctr"/>
             <a:r>
-              <a:rPr lang="zh-CN" altLang="en-US" sz="2000">
-                <a:solidFill>
-                  <a:schemeClr val="bg1"/>
-                </a:solidFill>
-              </a:rPr>
-              <a:t>加入他人房间</a:t>
-            </a:r>
-            <a:endParaRPr lang="zh-CN" altLang="en-US" sz="2000">
+              <a:rPr lang="zh-CN">
+                <a:solidFill>
+                  <a:schemeClr val="tx1"/>
+                </a:solidFill>
+                <a:sym typeface="+mn-ea"/>
+              </a:rPr>
+              <a:t>系统分配入住</a:t>
+            </a:r>
+            <a:endParaRPr lang="zh-CN">
               <a:solidFill>
-                <a:schemeClr val="bg1"/>
+                <a:schemeClr val="tx1"/>
               </a:solidFill>
             </a:endParaRPr>
           </a:p>
@@ -6673,19 +7212,24 @@
       </p:sp>
       <p:sp>
         <p:nvSpPr>
-          <p:cNvPr id="37" name="矩形 36"/>
+          <p:cNvPr id="2" name="矩形 1"/>
           <p:cNvSpPr/>
           <p:nvPr/>
         </p:nvSpPr>
         <p:spPr>
           <a:xfrm>
-            <a:off x="7773035" y="2133600"/>
-            <a:ext cx="2938780" cy="572135"/>
-          </a:xfrm>
-          <a:prstGeom prst="rect">
-            <a:avLst/>
-          </a:prstGeom>
-          <a:noFill/>
+            <a:off x="4287520" y="368300"/>
+            <a:ext cx="3142615" cy="6168390"/>
+          </a:xfrm>
+          <a:prstGeom prst="rect">
+            <a:avLst/>
+          </a:prstGeom>
+          <a:solidFill>
+            <a:srgbClr val="000000">
+              <a:alpha val="0"/>
+            </a:srgbClr>
+          </a:solidFill>
+          <a:ln w="19050"/>
           <a:extLst>
             <a:ext uri="{909E8E84-426E-40DD-AFC4-6F175D3DCCD1}">
               <a14:hiddenFill xmlns:a14="http://schemas.microsoft.com/office/drawing/2010/main">
@@ -6695,6 +7239,43 @@
               </a14:hiddenFill>
             </a:ext>
           </a:extLst>
+        </p:spPr>
+        <p:style>
+          <a:lnRef idx="1">
+            <a:schemeClr val="accent1"/>
+          </a:lnRef>
+          <a:fillRef idx="2">
+            <a:schemeClr val="accent1"/>
+          </a:fillRef>
+          <a:effectRef idx="1">
+            <a:schemeClr val="accent1"/>
+          </a:effectRef>
+          <a:fontRef idx="minor">
+            <a:schemeClr val="dk1"/>
+          </a:fontRef>
+        </p:style>
+        <p:txBody>
+          <a:bodyPr rtlCol="0" anchor="ctr"/>
+          <a:p>
+            <a:pPr algn="ctr"/>
+            <a:endParaRPr lang="zh-CN" altLang="en-US"/>
+          </a:p>
+        </p:txBody>
+      </p:sp>
+      <p:sp>
+        <p:nvSpPr>
+          <p:cNvPr id="3" name="矩形 2"/>
+          <p:cNvSpPr/>
+          <p:nvPr/>
+        </p:nvSpPr>
+        <p:spPr>
+          <a:xfrm>
+            <a:off x="4944110" y="538480"/>
+            <a:ext cx="1828800" cy="320040"/>
+          </a:xfrm>
+          <a:prstGeom prst="rect">
+            <a:avLst/>
+          </a:prstGeom>
         </p:spPr>
         <p:style>
           <a:lnRef idx="2">
@@ -6717,147 +7298,89 @@
           <a:p>
             <a:pPr algn="ctr"/>
             <a:r>
-              <a:rPr lang="zh-CN">
-                <a:solidFill>
-                  <a:schemeClr val="tx1"/>
-                </a:solidFill>
-              </a:rPr>
-              <a:t>输入邀请码</a:t>
-            </a:r>
-            <a:endParaRPr lang="zh-CN">
+              <a:rPr lang="zh-CN" sz="2000">
+                <a:solidFill>
+                  <a:schemeClr val="bg1"/>
+                </a:solidFill>
+                <a:sym typeface="+mn-ea"/>
+              </a:rPr>
+              <a:t>订单详情</a:t>
+            </a:r>
+            <a:endParaRPr lang="zh-CN" altLang="en-US" sz="2000">
               <a:solidFill>
-                <a:schemeClr val="tx1"/>
+                <a:schemeClr val="bg1"/>
               </a:solidFill>
-            </a:endParaRPr>
-          </a:p>
-        </p:txBody>
-      </p:sp>
-      <p:sp>
-        <p:nvSpPr>
-          <p:cNvPr id="38" name="文本框 37"/>
-          <p:cNvSpPr txBox="1"/>
-          <p:nvPr/>
-        </p:nvSpPr>
-        <p:spPr>
-          <a:xfrm>
-            <a:off x="7773670" y="2879090"/>
-            <a:ext cx="2938145" cy="1322070"/>
-          </a:xfrm>
-          <a:prstGeom prst="rect">
-            <a:avLst/>
-          </a:prstGeom>
-          <a:noFill/>
-        </p:spPr>
-        <p:txBody>
-          <a:bodyPr wrap="square" rtlCol="0">
-            <a:spAutoFit/>
-          </a:bodyPr>
-          <a:p>
-            <a:pPr algn="l"/>
-            <a:r>
-              <a:rPr lang="zh-CN" altLang="en-US" sz="1000">
-                <a:sym typeface="+mn-ea"/>
-              </a:rPr>
-              <a:t>注意</a:t>
-            </a:r>
-            <a:endParaRPr lang="en-US" altLang="zh-CN" sz="1000">
               <a:sym typeface="+mn-ea"/>
             </a:endParaRPr>
           </a:p>
-          <a:p>
-            <a:pPr algn="l"/>
-            <a:r>
-              <a:rPr lang="en-US" altLang="zh-CN" sz="1000">
-                <a:sym typeface="+mn-ea"/>
-              </a:rPr>
-              <a:t>1. </a:t>
-            </a:r>
-            <a:r>
-              <a:rPr lang="zh-CN" sz="1000">
-                <a:sym typeface="+mn-ea"/>
-              </a:rPr>
-              <a:t>填写合住邀请码，加入他人创建的房间。</a:t>
-            </a:r>
-            <a:endParaRPr lang="zh-CN" sz="1000">
-              <a:sym typeface="+mn-ea"/>
-            </a:endParaRPr>
-          </a:p>
-          <a:p>
-            <a:pPr algn="l"/>
-            <a:r>
-              <a:rPr lang="en-US" altLang="zh-CN" sz="1000">
-                <a:sym typeface="+mn-ea"/>
-              </a:rPr>
-              <a:t>2. </a:t>
-            </a:r>
-            <a:r>
-              <a:rPr lang="zh-CN" altLang="en-US" sz="1000">
-                <a:sym typeface="+mn-ea"/>
-              </a:rPr>
-              <a:t>如截止前没有加入任一房间，并且是统一付费的订单，系统将自动为您分配房间。</a:t>
-            </a:r>
-            <a:endParaRPr lang="zh-CN" altLang="en-US" sz="1000">
-              <a:sym typeface="+mn-ea"/>
-            </a:endParaRPr>
-          </a:p>
-          <a:p>
-            <a:pPr algn="l"/>
-            <a:r>
-              <a:rPr lang="en-US" altLang="zh-CN" sz="1000">
-                <a:sym typeface="+mn-ea"/>
-              </a:rPr>
-              <a:t>3. </a:t>
-            </a:r>
-            <a:r>
-              <a:rPr lang="zh-CN" altLang="en-US" sz="1000">
-                <a:sym typeface="+mn-ea"/>
-              </a:rPr>
-              <a:t>如截止前没有加入任一房间</a:t>
-            </a:r>
-            <a:r>
-              <a:rPr lang="zh-CN" altLang="en-US" sz="1000">
-                <a:sym typeface="+mn-ea"/>
-              </a:rPr>
-              <a:t>，并且没有不属于统一付费订单，系统将视为您主动放弃此次行程。</a:t>
-            </a:r>
-            <a:endParaRPr lang="en-US" altLang="zh-CN" sz="1000">
-              <a:sym typeface="+mn-ea"/>
-            </a:endParaRPr>
-          </a:p>
-          <a:p>
-            <a:pPr algn="l"/>
-            <a:endParaRPr lang="zh-CN" sz="1000">
-              <a:sym typeface="+mn-ea"/>
-            </a:endParaRPr>
-          </a:p>
-          <a:p>
-            <a:pPr algn="l"/>
-            <a:endParaRPr lang="zh-CN" sz="1000">
-              <a:sym typeface="+mn-ea"/>
-            </a:endParaRPr>
-          </a:p>
-        </p:txBody>
-      </p:sp>
-      <p:sp>
-        <p:nvSpPr>
-          <p:cNvPr id="39" name="矩形 38"/>
+        </p:txBody>
+      </p:sp>
+      <p:sp>
+        <p:nvSpPr>
+          <p:cNvPr id="31" name="矩形 30"/>
           <p:cNvSpPr/>
           <p:nvPr/>
         </p:nvSpPr>
         <p:spPr>
           <a:xfrm>
-            <a:off x="1296670" y="5666740"/>
-            <a:ext cx="2359025" cy="432435"/>
+            <a:off x="7670800" y="368300"/>
+            <a:ext cx="3142615" cy="6168390"/>
           </a:xfrm>
           <a:prstGeom prst="rect">
             <a:avLst/>
           </a:prstGeom>
           <a:solidFill>
-            <a:srgbClr val="00B050"/>
+            <a:srgbClr val="000000">
+              <a:alpha val="0"/>
+            </a:srgbClr>
           </a:solidFill>
-          <a:ln>
-            <a:noFill/>
-          </a:ln>
+          <a:ln w="19050"/>
+          <a:extLst>
+            <a:ext uri="{909E8E84-426E-40DD-AFC4-6F175D3DCCD1}">
+              <a14:hiddenFill xmlns:a14="http://schemas.microsoft.com/office/drawing/2010/main">
+                <a:solidFill>
+                  <a:schemeClr val="accent1"/>
+                </a:solidFill>
+              </a14:hiddenFill>
+            </a:ext>
+          </a:extLst>
+        </p:spPr>
+        <p:style>
+          <a:lnRef idx="1">
+            <a:schemeClr val="accent1"/>
+          </a:lnRef>
+          <a:fillRef idx="2">
+            <a:schemeClr val="accent1"/>
+          </a:fillRef>
+          <a:effectRef idx="1">
+            <a:schemeClr val="accent1"/>
+          </a:effectRef>
+          <a:fontRef idx="minor">
+            <a:schemeClr val="dk1"/>
+          </a:fontRef>
+        </p:style>
+        <p:txBody>
+          <a:bodyPr rtlCol="0" anchor="ctr"/>
+          <a:p>
+            <a:pPr algn="ctr"/>
+            <a:endParaRPr lang="zh-CN" altLang="en-US"/>
+          </a:p>
+        </p:txBody>
+      </p:sp>
+      <p:sp>
+        <p:nvSpPr>
+          <p:cNvPr id="32" name="矩形 31"/>
+          <p:cNvSpPr/>
+          <p:nvPr/>
+        </p:nvSpPr>
+        <p:spPr>
+          <a:xfrm>
+            <a:off x="8325485" y="538480"/>
+            <a:ext cx="1833245" cy="320040"/>
+          </a:xfrm>
+          <a:prstGeom prst="rect">
+            <a:avLst/>
+          </a:prstGeom>
         </p:spPr>
         <p:style>
           <a:lnRef idx="2">
@@ -6880,6 +7403,2304 @@
           <a:p>
             <a:pPr algn="ctr"/>
             <a:r>
+              <a:rPr lang="zh-CN" sz="2000">
+                <a:solidFill>
+                  <a:schemeClr val="bg1"/>
+                </a:solidFill>
+                <a:sym typeface="+mn-ea"/>
+              </a:rPr>
+              <a:t>订单详情</a:t>
+            </a:r>
+            <a:endParaRPr lang="zh-CN" altLang="en-US" sz="2000">
+              <a:solidFill>
+                <a:schemeClr val="bg1"/>
+              </a:solidFill>
+            </a:endParaRPr>
+          </a:p>
+        </p:txBody>
+      </p:sp>
+      <p:sp>
+        <p:nvSpPr>
+          <p:cNvPr id="39" name="矩形 38"/>
+          <p:cNvSpPr/>
+          <p:nvPr/>
+        </p:nvSpPr>
+        <p:spPr>
+          <a:xfrm>
+            <a:off x="1296670" y="5666740"/>
+            <a:ext cx="2359025" cy="432435"/>
+          </a:xfrm>
+          <a:prstGeom prst="rect">
+            <a:avLst/>
+          </a:prstGeom>
+          <a:solidFill>
+            <a:srgbClr val="00B050"/>
+          </a:solidFill>
+          <a:ln>
+            <a:noFill/>
+          </a:ln>
+        </p:spPr>
+        <p:style>
+          <a:lnRef idx="2">
+            <a:schemeClr val="accent1">
+              <a:shade val="50000"/>
+            </a:schemeClr>
+          </a:lnRef>
+          <a:fillRef idx="1">
+            <a:schemeClr val="accent1"/>
+          </a:fillRef>
+          <a:effectRef idx="0">
+            <a:schemeClr val="accent1"/>
+          </a:effectRef>
+          <a:fontRef idx="minor">
+            <a:schemeClr val="lt1"/>
+          </a:fontRef>
+        </p:style>
+        <p:txBody>
+          <a:bodyPr rtlCol="0" anchor="ctr"/>
+          <a:p>
+            <a:pPr algn="ctr"/>
+            <a:r>
+              <a:rPr lang="zh-CN" altLang="en-US">
+                <a:solidFill>
+                  <a:schemeClr val="bg1"/>
+                </a:solidFill>
+              </a:rPr>
+              <a:t>支付</a:t>
+            </a:r>
+            <a:endParaRPr lang="zh-CN" altLang="en-US">
+              <a:solidFill>
+                <a:schemeClr val="bg1"/>
+              </a:solidFill>
+            </a:endParaRPr>
+          </a:p>
+        </p:txBody>
+      </p:sp>
+      <p:sp>
+        <p:nvSpPr>
+          <p:cNvPr id="41" name="矩形 40"/>
+          <p:cNvSpPr/>
+          <p:nvPr/>
+        </p:nvSpPr>
+        <p:spPr>
+          <a:xfrm>
+            <a:off x="4679950" y="5666740"/>
+            <a:ext cx="2359025" cy="432435"/>
+          </a:xfrm>
+          <a:prstGeom prst="rect">
+            <a:avLst/>
+          </a:prstGeom>
+          <a:solidFill>
+            <a:srgbClr val="00B050"/>
+          </a:solidFill>
+          <a:ln>
+            <a:noFill/>
+          </a:ln>
+        </p:spPr>
+        <p:style>
+          <a:lnRef idx="2">
+            <a:schemeClr val="accent1">
+              <a:shade val="50000"/>
+            </a:schemeClr>
+          </a:lnRef>
+          <a:fillRef idx="1">
+            <a:schemeClr val="accent1"/>
+          </a:fillRef>
+          <a:effectRef idx="0">
+            <a:schemeClr val="accent1"/>
+          </a:effectRef>
+          <a:fontRef idx="minor">
+            <a:schemeClr val="lt1"/>
+          </a:fontRef>
+        </p:style>
+        <p:txBody>
+          <a:bodyPr rtlCol="0" anchor="ctr"/>
+          <a:p>
+            <a:pPr algn="ctr"/>
+            <a:r>
+              <a:rPr lang="zh-CN" altLang="en-US">
+                <a:solidFill>
+                  <a:schemeClr val="bg1"/>
+                </a:solidFill>
+                <a:sym typeface="+mn-ea"/>
+              </a:rPr>
+              <a:t>支付</a:t>
+            </a:r>
+            <a:endParaRPr lang="zh-CN" altLang="en-US">
+              <a:solidFill>
+                <a:schemeClr val="bg1"/>
+              </a:solidFill>
+            </a:endParaRPr>
+          </a:p>
+        </p:txBody>
+      </p:sp>
+      <p:sp>
+        <p:nvSpPr>
+          <p:cNvPr id="42" name="矩形 41"/>
+          <p:cNvSpPr/>
+          <p:nvPr/>
+        </p:nvSpPr>
+        <p:spPr>
+          <a:xfrm>
+            <a:off x="8064500" y="5666740"/>
+            <a:ext cx="2359025" cy="432435"/>
+          </a:xfrm>
+          <a:prstGeom prst="rect">
+            <a:avLst/>
+          </a:prstGeom>
+          <a:solidFill>
+            <a:srgbClr val="00B050"/>
+          </a:solidFill>
+          <a:ln>
+            <a:noFill/>
+          </a:ln>
+        </p:spPr>
+        <p:style>
+          <a:lnRef idx="2">
+            <a:schemeClr val="accent1">
+              <a:shade val="50000"/>
+            </a:schemeClr>
+          </a:lnRef>
+          <a:fillRef idx="1">
+            <a:schemeClr val="accent1"/>
+          </a:fillRef>
+          <a:effectRef idx="0">
+            <a:schemeClr val="accent1"/>
+          </a:effectRef>
+          <a:fontRef idx="minor">
+            <a:schemeClr val="lt1"/>
+          </a:fontRef>
+        </p:style>
+        <p:txBody>
+          <a:bodyPr rtlCol="0" anchor="ctr"/>
+          <a:p>
+            <a:pPr algn="ctr"/>
+            <a:r>
+              <a:rPr lang="zh-CN" altLang="en-US">
+                <a:solidFill>
+                  <a:schemeClr val="bg1"/>
+                </a:solidFill>
+                <a:sym typeface="+mn-ea"/>
+              </a:rPr>
+              <a:t>支付</a:t>
+            </a:r>
+            <a:endParaRPr lang="zh-CN" altLang="en-US">
+              <a:solidFill>
+                <a:schemeClr val="bg1"/>
+              </a:solidFill>
+            </a:endParaRPr>
+          </a:p>
+        </p:txBody>
+      </p:sp>
+      <p:sp>
+        <p:nvSpPr>
+          <p:cNvPr id="8" name="矩形 7"/>
+          <p:cNvSpPr/>
+          <p:nvPr/>
+        </p:nvSpPr>
+        <p:spPr>
+          <a:xfrm>
+            <a:off x="1562100" y="538480"/>
+            <a:ext cx="1828800" cy="320040"/>
+          </a:xfrm>
+          <a:prstGeom prst="rect">
+            <a:avLst/>
+          </a:prstGeom>
+        </p:spPr>
+        <p:style>
+          <a:lnRef idx="2">
+            <a:schemeClr val="accent1">
+              <a:shade val="50000"/>
+            </a:schemeClr>
+          </a:lnRef>
+          <a:fillRef idx="1">
+            <a:schemeClr val="accent1"/>
+          </a:fillRef>
+          <a:effectRef idx="0">
+            <a:schemeClr val="accent1"/>
+          </a:effectRef>
+          <a:fontRef idx="minor">
+            <a:schemeClr val="lt1"/>
+          </a:fontRef>
+        </p:style>
+        <p:txBody>
+          <a:bodyPr rtlCol="0" anchor="ctr"/>
+          <a:p>
+            <a:pPr algn="ctr"/>
+            <a:r>
+              <a:rPr lang="zh-CN" sz="2000">
+                <a:solidFill>
+                  <a:schemeClr val="bg1"/>
+                </a:solidFill>
+                <a:sym typeface="+mn-ea"/>
+              </a:rPr>
+              <a:t>订单详情</a:t>
+            </a:r>
+            <a:endParaRPr lang="zh-CN" altLang="en-US" sz="2000">
+              <a:solidFill>
+                <a:schemeClr val="bg1"/>
+              </a:solidFill>
+              <a:sym typeface="+mn-ea"/>
+            </a:endParaRPr>
+          </a:p>
+        </p:txBody>
+      </p:sp>
+      <p:sp>
+        <p:nvSpPr>
+          <p:cNvPr id="9" name="矩形 8"/>
+          <p:cNvSpPr/>
+          <p:nvPr/>
+        </p:nvSpPr>
+        <p:spPr>
+          <a:xfrm>
+            <a:off x="1007110" y="1908810"/>
+            <a:ext cx="2938780" cy="589915"/>
+          </a:xfrm>
+          <a:prstGeom prst="rect">
+            <a:avLst/>
+          </a:prstGeom>
+          <a:noFill/>
+          <a:extLst>
+            <a:ext uri="{909E8E84-426E-40DD-AFC4-6F175D3DCCD1}">
+              <a14:hiddenFill xmlns:a14="http://schemas.microsoft.com/office/drawing/2010/main">
+                <a:solidFill>
+                  <a:schemeClr val="accent1"/>
+                </a:solidFill>
+              </a14:hiddenFill>
+            </a:ext>
+          </a:extLst>
+        </p:spPr>
+        <p:style>
+          <a:lnRef idx="2">
+            <a:schemeClr val="accent1">
+              <a:shade val="50000"/>
+            </a:schemeClr>
+          </a:lnRef>
+          <a:fillRef idx="1">
+            <a:schemeClr val="accent1"/>
+          </a:fillRef>
+          <a:effectRef idx="0">
+            <a:schemeClr val="accent1"/>
+          </a:effectRef>
+          <a:fontRef idx="minor">
+            <a:schemeClr val="lt1"/>
+          </a:fontRef>
+        </p:style>
+        <p:txBody>
+          <a:bodyPr rtlCol="0" anchor="ctr"/>
+          <a:p>
+            <a:pPr algn="ctr"/>
+            <a:r>
+              <a:rPr lang="zh-CN">
+                <a:solidFill>
+                  <a:schemeClr val="tx1"/>
+                </a:solidFill>
+              </a:rPr>
+              <a:t>房间费用         ￥</a:t>
+            </a:r>
+            <a:r>
+              <a:rPr lang="en-US" altLang="zh-CN">
+                <a:solidFill>
+                  <a:schemeClr val="tx1"/>
+                </a:solidFill>
+              </a:rPr>
+              <a:t>100 </a:t>
+            </a:r>
+            <a:r>
+              <a:rPr lang="zh-CN" altLang="en-US" sz="1000">
+                <a:solidFill>
+                  <a:schemeClr val="tx1"/>
+                </a:solidFill>
+              </a:rPr>
+              <a:t>￥</a:t>
+            </a:r>
+            <a:r>
+              <a:rPr lang="en-US" altLang="zh-CN" sz="1000" strike="sngStrike">
+                <a:solidFill>
+                  <a:schemeClr val="tx1"/>
+                </a:solidFill>
+                <a:uFillTx/>
+              </a:rPr>
+              <a:t>200</a:t>
+            </a:r>
+            <a:endParaRPr lang="en-US" altLang="zh-CN" sz="1000" strike="sngStrike">
+              <a:solidFill>
+                <a:schemeClr val="tx1"/>
+              </a:solidFill>
+              <a:uFillTx/>
+            </a:endParaRPr>
+          </a:p>
+        </p:txBody>
+      </p:sp>
+      <p:sp>
+        <p:nvSpPr>
+          <p:cNvPr id="12" name="文本框 11"/>
+          <p:cNvSpPr txBox="1"/>
+          <p:nvPr/>
+        </p:nvSpPr>
+        <p:spPr>
+          <a:xfrm>
+            <a:off x="1007745" y="2498725"/>
+            <a:ext cx="2938145" cy="398780"/>
+          </a:xfrm>
+          <a:prstGeom prst="rect">
+            <a:avLst/>
+          </a:prstGeom>
+          <a:noFill/>
+        </p:spPr>
+        <p:txBody>
+          <a:bodyPr wrap="square" rtlCol="0">
+            <a:spAutoFit/>
+          </a:bodyPr>
+          <a:p>
+            <a:pPr algn="l"/>
+            <a:r>
+              <a:rPr lang="zh-CN" altLang="en-US" sz="1000">
+                <a:sym typeface="+mn-ea"/>
+              </a:rPr>
+              <a:t>注意</a:t>
+            </a:r>
+            <a:endParaRPr lang="en-US" altLang="zh-CN" sz="1000">
+              <a:sym typeface="+mn-ea"/>
+            </a:endParaRPr>
+          </a:p>
+          <a:p>
+            <a:pPr algn="l"/>
+            <a:r>
+              <a:rPr lang="en-US" altLang="zh-CN" sz="1000">
+                <a:sym typeface="+mn-ea"/>
+              </a:rPr>
+              <a:t>1. </a:t>
+            </a:r>
+            <a:r>
+              <a:rPr lang="zh-CN" sz="1000">
+                <a:sym typeface="+mn-ea"/>
+              </a:rPr>
+              <a:t>您承担一半的房间的费用</a:t>
+            </a:r>
+            <a:r>
+              <a:rPr lang="zh-CN" sz="1000">
+                <a:sym typeface="+mn-ea"/>
+              </a:rPr>
+              <a:t>。</a:t>
+            </a:r>
+            <a:endParaRPr lang="en-US" altLang="zh-CN" sz="1000">
+              <a:sym typeface="+mn-ea"/>
+            </a:endParaRPr>
+          </a:p>
+        </p:txBody>
+      </p:sp>
+      <p:sp>
+        <p:nvSpPr>
+          <p:cNvPr id="14" name="矩形 13"/>
+          <p:cNvSpPr/>
+          <p:nvPr/>
+        </p:nvSpPr>
+        <p:spPr>
+          <a:xfrm>
+            <a:off x="1006475" y="3091180"/>
+            <a:ext cx="2938780" cy="589915"/>
+          </a:xfrm>
+          <a:prstGeom prst="rect">
+            <a:avLst/>
+          </a:prstGeom>
+          <a:noFill/>
+          <a:extLst>
+            <a:ext uri="{909E8E84-426E-40DD-AFC4-6F175D3DCCD1}">
+              <a14:hiddenFill xmlns:a14="http://schemas.microsoft.com/office/drawing/2010/main">
+                <a:solidFill>
+                  <a:schemeClr val="accent1"/>
+                </a:solidFill>
+              </a14:hiddenFill>
+            </a:ext>
+          </a:extLst>
+        </p:spPr>
+        <p:style>
+          <a:lnRef idx="2">
+            <a:schemeClr val="accent1">
+              <a:shade val="50000"/>
+            </a:schemeClr>
+          </a:lnRef>
+          <a:fillRef idx="1">
+            <a:schemeClr val="accent1"/>
+          </a:fillRef>
+          <a:effectRef idx="0">
+            <a:schemeClr val="accent1"/>
+          </a:effectRef>
+          <a:fontRef idx="minor">
+            <a:schemeClr val="lt1"/>
+          </a:fontRef>
+        </p:style>
+        <p:txBody>
+          <a:bodyPr rtlCol="0" anchor="ctr"/>
+          <a:p>
+            <a:pPr algn="ctr"/>
+            <a:r>
+              <a:rPr lang="zh-CN">
+                <a:solidFill>
+                  <a:schemeClr val="tx1"/>
+                </a:solidFill>
+                <a:sym typeface="+mn-ea"/>
+              </a:rPr>
+              <a:t>其他费用               ￥</a:t>
+            </a:r>
+            <a:r>
+              <a:rPr lang="en-US" altLang="zh-CN">
+                <a:solidFill>
+                  <a:schemeClr val="tx1"/>
+                </a:solidFill>
+                <a:sym typeface="+mn-ea"/>
+              </a:rPr>
+              <a:t>500</a:t>
+            </a:r>
+            <a:endParaRPr lang="en-US" altLang="zh-CN">
+              <a:solidFill>
+                <a:schemeClr val="tx1"/>
+              </a:solidFill>
+              <a:sym typeface="+mn-ea"/>
+            </a:endParaRPr>
+          </a:p>
+        </p:txBody>
+      </p:sp>
+      <p:sp>
+        <p:nvSpPr>
+          <p:cNvPr id="16" name="矩形 15"/>
+          <p:cNvSpPr/>
+          <p:nvPr/>
+        </p:nvSpPr>
+        <p:spPr>
+          <a:xfrm>
+            <a:off x="1007745" y="3735705"/>
+            <a:ext cx="2938780" cy="589915"/>
+          </a:xfrm>
+          <a:prstGeom prst="rect">
+            <a:avLst/>
+          </a:prstGeom>
+          <a:noFill/>
+          <a:extLst>
+            <a:ext uri="{909E8E84-426E-40DD-AFC4-6F175D3DCCD1}">
+              <a14:hiddenFill xmlns:a14="http://schemas.microsoft.com/office/drawing/2010/main">
+                <a:solidFill>
+                  <a:schemeClr val="accent1"/>
+                </a:solidFill>
+              </a14:hiddenFill>
+            </a:ext>
+          </a:extLst>
+        </p:spPr>
+        <p:style>
+          <a:lnRef idx="2">
+            <a:schemeClr val="accent1">
+              <a:shade val="50000"/>
+            </a:schemeClr>
+          </a:lnRef>
+          <a:fillRef idx="1">
+            <a:schemeClr val="accent1"/>
+          </a:fillRef>
+          <a:effectRef idx="0">
+            <a:schemeClr val="accent1"/>
+          </a:effectRef>
+          <a:fontRef idx="minor">
+            <a:schemeClr val="lt1"/>
+          </a:fontRef>
+        </p:style>
+        <p:txBody>
+          <a:bodyPr rtlCol="0" anchor="ctr"/>
+          <a:p>
+            <a:pPr algn="ctr"/>
+            <a:r>
+              <a:rPr lang="zh-CN">
+                <a:solidFill>
+                  <a:schemeClr val="tx1"/>
+                </a:solidFill>
+                <a:sym typeface="+mn-ea"/>
+              </a:rPr>
+              <a:t>总费用                  ￥</a:t>
+            </a:r>
+            <a:r>
+              <a:rPr lang="en-US" altLang="zh-CN">
+                <a:solidFill>
+                  <a:schemeClr val="tx1"/>
+                </a:solidFill>
+                <a:sym typeface="+mn-ea"/>
+              </a:rPr>
+              <a:t>6</a:t>
+            </a:r>
+            <a:r>
+              <a:rPr lang="en-US" altLang="zh-CN">
+                <a:solidFill>
+                  <a:schemeClr val="tx1"/>
+                </a:solidFill>
+                <a:sym typeface="+mn-ea"/>
+              </a:rPr>
+              <a:t>00</a:t>
+            </a:r>
+            <a:endParaRPr lang="en-US" altLang="zh-CN">
+              <a:solidFill>
+                <a:schemeClr val="tx1"/>
+              </a:solidFill>
+              <a:sym typeface="+mn-ea"/>
+            </a:endParaRPr>
+          </a:p>
+        </p:txBody>
+      </p:sp>
+      <p:sp>
+        <p:nvSpPr>
+          <p:cNvPr id="18" name="矩形 17"/>
+          <p:cNvSpPr/>
+          <p:nvPr/>
+        </p:nvSpPr>
+        <p:spPr>
+          <a:xfrm>
+            <a:off x="4391025" y="1908810"/>
+            <a:ext cx="2938780" cy="589915"/>
+          </a:xfrm>
+          <a:prstGeom prst="rect">
+            <a:avLst/>
+          </a:prstGeom>
+          <a:noFill/>
+          <a:extLst>
+            <a:ext uri="{909E8E84-426E-40DD-AFC4-6F175D3DCCD1}">
+              <a14:hiddenFill xmlns:a14="http://schemas.microsoft.com/office/drawing/2010/main">
+                <a:solidFill>
+                  <a:schemeClr val="accent1"/>
+                </a:solidFill>
+              </a14:hiddenFill>
+            </a:ext>
+          </a:extLst>
+        </p:spPr>
+        <p:style>
+          <a:lnRef idx="2">
+            <a:schemeClr val="accent1">
+              <a:shade val="50000"/>
+            </a:schemeClr>
+          </a:lnRef>
+          <a:fillRef idx="1">
+            <a:schemeClr val="accent1"/>
+          </a:fillRef>
+          <a:effectRef idx="0">
+            <a:schemeClr val="accent1"/>
+          </a:effectRef>
+          <a:fontRef idx="minor">
+            <a:schemeClr val="lt1"/>
+          </a:fontRef>
+        </p:style>
+        <p:txBody>
+          <a:bodyPr rtlCol="0" anchor="ctr"/>
+          <a:p>
+            <a:pPr algn="ctr"/>
+            <a:r>
+              <a:rPr lang="zh-CN">
+                <a:solidFill>
+                  <a:schemeClr val="tx1"/>
+                </a:solidFill>
+              </a:rPr>
+              <a:t>房间费用         ￥</a:t>
+            </a:r>
+            <a:r>
+              <a:rPr lang="en-US">
+                <a:solidFill>
+                  <a:schemeClr val="tx1"/>
+                </a:solidFill>
+              </a:rPr>
+              <a:t>200</a:t>
+            </a:r>
+            <a:endParaRPr lang="en-US" sz="1000" strike="sngStrike">
+              <a:solidFill>
+                <a:schemeClr val="tx1"/>
+              </a:solidFill>
+              <a:uFillTx/>
+            </a:endParaRPr>
+          </a:p>
+        </p:txBody>
+      </p:sp>
+      <p:sp>
+        <p:nvSpPr>
+          <p:cNvPr id="19" name="文本框 18"/>
+          <p:cNvSpPr txBox="1"/>
+          <p:nvPr/>
+        </p:nvSpPr>
+        <p:spPr>
+          <a:xfrm>
+            <a:off x="4391660" y="2498725"/>
+            <a:ext cx="2938145" cy="398780"/>
+          </a:xfrm>
+          <a:prstGeom prst="rect">
+            <a:avLst/>
+          </a:prstGeom>
+          <a:noFill/>
+        </p:spPr>
+        <p:txBody>
+          <a:bodyPr wrap="square" rtlCol="0">
+            <a:spAutoFit/>
+          </a:bodyPr>
+          <a:p>
+            <a:pPr algn="l"/>
+            <a:r>
+              <a:rPr lang="zh-CN" altLang="en-US" sz="1000">
+                <a:sym typeface="+mn-ea"/>
+              </a:rPr>
+              <a:t>注意</a:t>
+            </a:r>
+            <a:endParaRPr lang="en-US" altLang="zh-CN" sz="1000">
+              <a:sym typeface="+mn-ea"/>
+            </a:endParaRPr>
+          </a:p>
+          <a:p>
+            <a:pPr algn="l"/>
+            <a:r>
+              <a:rPr lang="en-US" altLang="zh-CN" sz="1000">
+                <a:sym typeface="+mn-ea"/>
+              </a:rPr>
+              <a:t>1. </a:t>
+            </a:r>
+            <a:r>
+              <a:rPr lang="zh-CN" sz="1000">
+                <a:sym typeface="+mn-ea"/>
+              </a:rPr>
+              <a:t>您承担整间房间的费用</a:t>
+            </a:r>
+            <a:r>
+              <a:rPr lang="zh-CN" sz="1000">
+                <a:sym typeface="+mn-ea"/>
+              </a:rPr>
+              <a:t>。</a:t>
+            </a:r>
+            <a:endParaRPr lang="en-US" altLang="zh-CN" sz="1000">
+              <a:sym typeface="+mn-ea"/>
+            </a:endParaRPr>
+          </a:p>
+        </p:txBody>
+      </p:sp>
+      <p:sp>
+        <p:nvSpPr>
+          <p:cNvPr id="20" name="矩形 19"/>
+          <p:cNvSpPr/>
+          <p:nvPr/>
+        </p:nvSpPr>
+        <p:spPr>
+          <a:xfrm>
+            <a:off x="4390390" y="3091180"/>
+            <a:ext cx="2938780" cy="589915"/>
+          </a:xfrm>
+          <a:prstGeom prst="rect">
+            <a:avLst/>
+          </a:prstGeom>
+          <a:noFill/>
+          <a:extLst>
+            <a:ext uri="{909E8E84-426E-40DD-AFC4-6F175D3DCCD1}">
+              <a14:hiddenFill xmlns:a14="http://schemas.microsoft.com/office/drawing/2010/main">
+                <a:solidFill>
+                  <a:schemeClr val="accent1"/>
+                </a:solidFill>
+              </a14:hiddenFill>
+            </a:ext>
+          </a:extLst>
+        </p:spPr>
+        <p:style>
+          <a:lnRef idx="2">
+            <a:schemeClr val="accent1">
+              <a:shade val="50000"/>
+            </a:schemeClr>
+          </a:lnRef>
+          <a:fillRef idx="1">
+            <a:schemeClr val="accent1"/>
+          </a:fillRef>
+          <a:effectRef idx="0">
+            <a:schemeClr val="accent1"/>
+          </a:effectRef>
+          <a:fontRef idx="minor">
+            <a:schemeClr val="lt1"/>
+          </a:fontRef>
+        </p:style>
+        <p:txBody>
+          <a:bodyPr rtlCol="0" anchor="ctr"/>
+          <a:p>
+            <a:pPr algn="ctr"/>
+            <a:r>
+              <a:rPr lang="zh-CN">
+                <a:solidFill>
+                  <a:schemeClr val="tx1"/>
+                </a:solidFill>
+                <a:sym typeface="+mn-ea"/>
+              </a:rPr>
+              <a:t>其他费用               ￥</a:t>
+            </a:r>
+            <a:r>
+              <a:rPr lang="en-US" altLang="zh-CN">
+                <a:solidFill>
+                  <a:schemeClr val="tx1"/>
+                </a:solidFill>
+                <a:sym typeface="+mn-ea"/>
+              </a:rPr>
+              <a:t>500</a:t>
+            </a:r>
+            <a:endParaRPr lang="en-US" altLang="zh-CN">
+              <a:solidFill>
+                <a:schemeClr val="tx1"/>
+              </a:solidFill>
+              <a:sym typeface="+mn-ea"/>
+            </a:endParaRPr>
+          </a:p>
+        </p:txBody>
+      </p:sp>
+      <p:sp>
+        <p:nvSpPr>
+          <p:cNvPr id="21" name="矩形 20"/>
+          <p:cNvSpPr/>
+          <p:nvPr/>
+        </p:nvSpPr>
+        <p:spPr>
+          <a:xfrm>
+            <a:off x="4391660" y="3735705"/>
+            <a:ext cx="2938780" cy="589915"/>
+          </a:xfrm>
+          <a:prstGeom prst="rect">
+            <a:avLst/>
+          </a:prstGeom>
+          <a:noFill/>
+          <a:extLst>
+            <a:ext uri="{909E8E84-426E-40DD-AFC4-6F175D3DCCD1}">
+              <a14:hiddenFill xmlns:a14="http://schemas.microsoft.com/office/drawing/2010/main">
+                <a:solidFill>
+                  <a:schemeClr val="accent1"/>
+                </a:solidFill>
+              </a14:hiddenFill>
+            </a:ext>
+          </a:extLst>
+        </p:spPr>
+        <p:style>
+          <a:lnRef idx="2">
+            <a:schemeClr val="accent1">
+              <a:shade val="50000"/>
+            </a:schemeClr>
+          </a:lnRef>
+          <a:fillRef idx="1">
+            <a:schemeClr val="accent1"/>
+          </a:fillRef>
+          <a:effectRef idx="0">
+            <a:schemeClr val="accent1"/>
+          </a:effectRef>
+          <a:fontRef idx="minor">
+            <a:schemeClr val="lt1"/>
+          </a:fontRef>
+        </p:style>
+        <p:txBody>
+          <a:bodyPr rtlCol="0" anchor="ctr"/>
+          <a:p>
+            <a:pPr algn="ctr"/>
+            <a:r>
+              <a:rPr lang="zh-CN">
+                <a:solidFill>
+                  <a:schemeClr val="tx1"/>
+                </a:solidFill>
+                <a:sym typeface="+mn-ea"/>
+              </a:rPr>
+              <a:t>总费用                  ￥</a:t>
+            </a:r>
+            <a:r>
+              <a:rPr lang="en-US" altLang="zh-CN">
+                <a:solidFill>
+                  <a:schemeClr val="tx1"/>
+                </a:solidFill>
+                <a:sym typeface="+mn-ea"/>
+              </a:rPr>
+              <a:t>7</a:t>
+            </a:r>
+            <a:r>
+              <a:rPr lang="en-US" altLang="zh-CN">
+                <a:solidFill>
+                  <a:schemeClr val="tx1"/>
+                </a:solidFill>
+                <a:sym typeface="+mn-ea"/>
+              </a:rPr>
+              <a:t>00</a:t>
+            </a:r>
+            <a:endParaRPr lang="en-US" altLang="zh-CN">
+              <a:solidFill>
+                <a:schemeClr val="tx1"/>
+              </a:solidFill>
+              <a:sym typeface="+mn-ea"/>
+            </a:endParaRPr>
+          </a:p>
+        </p:txBody>
+      </p:sp>
+      <p:sp>
+        <p:nvSpPr>
+          <p:cNvPr id="24" name="文本框 23"/>
+          <p:cNvSpPr txBox="1"/>
+          <p:nvPr/>
+        </p:nvSpPr>
+        <p:spPr>
+          <a:xfrm>
+            <a:off x="4389755" y="1256665"/>
+            <a:ext cx="2937510" cy="553085"/>
+          </a:xfrm>
+          <a:prstGeom prst="rect">
+            <a:avLst/>
+          </a:prstGeom>
+          <a:noFill/>
+        </p:spPr>
+        <p:txBody>
+          <a:bodyPr wrap="square" rtlCol="0">
+            <a:spAutoFit/>
+          </a:bodyPr>
+          <a:p>
+            <a:r>
+              <a:rPr lang="zh-CN" altLang="en-US" sz="1000">
+                <a:solidFill>
+                  <a:srgbClr val="FF0000"/>
+                </a:solidFill>
+              </a:rPr>
+              <a:t>支付整间还是一半</a:t>
+            </a:r>
+            <a:endParaRPr lang="zh-CN" altLang="en-US" sz="1000">
+              <a:solidFill>
+                <a:srgbClr val="FF0000"/>
+              </a:solidFill>
+            </a:endParaRPr>
+          </a:p>
+          <a:p>
+            <a:r>
+              <a:rPr lang="zh-CN" altLang="en-US" sz="1000">
+                <a:solidFill>
+                  <a:srgbClr val="FF0000"/>
+                </a:solidFill>
+              </a:rPr>
+              <a:t>整间：截止后自住一间，</a:t>
+            </a:r>
+            <a:endParaRPr lang="zh-CN" altLang="en-US" sz="1000">
+              <a:solidFill>
+                <a:srgbClr val="FF0000"/>
+              </a:solidFill>
+            </a:endParaRPr>
+          </a:p>
+          <a:p>
+            <a:r>
+              <a:rPr lang="zh-CN" altLang="en-US" sz="1000">
+                <a:solidFill>
+                  <a:srgbClr val="FF0000"/>
+                </a:solidFill>
+              </a:rPr>
+              <a:t>一半：截止后系统分配入住</a:t>
+            </a:r>
+            <a:endParaRPr lang="zh-CN" altLang="en-US" sz="1000">
+              <a:solidFill>
+                <a:srgbClr val="FF0000"/>
+              </a:solidFill>
+            </a:endParaRPr>
+          </a:p>
+        </p:txBody>
+      </p:sp>
+      <p:sp>
+        <p:nvSpPr>
+          <p:cNvPr id="22" name="文本框 21"/>
+          <p:cNvSpPr txBox="1"/>
+          <p:nvPr/>
+        </p:nvSpPr>
+        <p:spPr>
+          <a:xfrm>
+            <a:off x="5045075" y="858520"/>
+            <a:ext cx="1626870" cy="245110"/>
+          </a:xfrm>
+          <a:prstGeom prst="rect">
+            <a:avLst/>
+          </a:prstGeom>
+          <a:noFill/>
+        </p:spPr>
+        <p:txBody>
+          <a:bodyPr wrap="square" rtlCol="0">
+            <a:spAutoFit/>
+          </a:bodyPr>
+          <a:p>
+            <a:r>
+              <a:rPr lang="zh-CN" altLang="en-US" sz="1000">
+                <a:solidFill>
+                  <a:srgbClr val="FF0000"/>
+                </a:solidFill>
+              </a:rPr>
+              <a:t>独住一间，邀请他人合住</a:t>
+            </a:r>
+            <a:endParaRPr lang="zh-CN" altLang="en-US" sz="1000">
+              <a:solidFill>
+                <a:srgbClr val="FF0000"/>
+              </a:solidFill>
+            </a:endParaRPr>
+          </a:p>
+        </p:txBody>
+      </p:sp>
+      <p:sp>
+        <p:nvSpPr>
+          <p:cNvPr id="23" name="矩形 22"/>
+          <p:cNvSpPr/>
+          <p:nvPr/>
+        </p:nvSpPr>
+        <p:spPr>
+          <a:xfrm>
+            <a:off x="7774305" y="1927225"/>
+            <a:ext cx="2938780" cy="589915"/>
+          </a:xfrm>
+          <a:prstGeom prst="rect">
+            <a:avLst/>
+          </a:prstGeom>
+          <a:noFill/>
+          <a:extLst>
+            <a:ext uri="{909E8E84-426E-40DD-AFC4-6F175D3DCCD1}">
+              <a14:hiddenFill xmlns:a14="http://schemas.microsoft.com/office/drawing/2010/main">
+                <a:solidFill>
+                  <a:schemeClr val="accent1"/>
+                </a:solidFill>
+              </a14:hiddenFill>
+            </a:ext>
+          </a:extLst>
+        </p:spPr>
+        <p:style>
+          <a:lnRef idx="2">
+            <a:schemeClr val="accent1">
+              <a:shade val="50000"/>
+            </a:schemeClr>
+          </a:lnRef>
+          <a:fillRef idx="1">
+            <a:schemeClr val="accent1"/>
+          </a:fillRef>
+          <a:effectRef idx="0">
+            <a:schemeClr val="accent1"/>
+          </a:effectRef>
+          <a:fontRef idx="minor">
+            <a:schemeClr val="lt1"/>
+          </a:fontRef>
+        </p:style>
+        <p:txBody>
+          <a:bodyPr rtlCol="0" anchor="ctr"/>
+          <a:p>
+            <a:pPr algn="ctr"/>
+            <a:r>
+              <a:rPr lang="zh-CN">
+                <a:solidFill>
+                  <a:schemeClr val="tx1"/>
+                </a:solidFill>
+                <a:sym typeface="+mn-ea"/>
+              </a:rPr>
+              <a:t>房间费用         ￥</a:t>
+            </a:r>
+            <a:r>
+              <a:rPr lang="en-US" altLang="zh-CN">
+                <a:solidFill>
+                  <a:schemeClr val="tx1"/>
+                </a:solidFill>
+                <a:sym typeface="+mn-ea"/>
+              </a:rPr>
+              <a:t>100 </a:t>
+            </a:r>
+            <a:r>
+              <a:rPr lang="zh-CN" altLang="en-US" sz="1000">
+                <a:solidFill>
+                  <a:schemeClr val="tx1"/>
+                </a:solidFill>
+                <a:sym typeface="+mn-ea"/>
+              </a:rPr>
+              <a:t>￥</a:t>
+            </a:r>
+            <a:r>
+              <a:rPr lang="en-US" altLang="zh-CN" sz="1000" strike="sngStrike">
+                <a:solidFill>
+                  <a:schemeClr val="tx1"/>
+                </a:solidFill>
+                <a:uFillTx/>
+                <a:sym typeface="+mn-ea"/>
+              </a:rPr>
+              <a:t>200</a:t>
+            </a:r>
+            <a:endParaRPr lang="en-US" sz="1000" strike="sngStrike">
+              <a:solidFill>
+                <a:schemeClr val="tx1"/>
+              </a:solidFill>
+              <a:uFillTx/>
+            </a:endParaRPr>
+          </a:p>
+        </p:txBody>
+      </p:sp>
+      <p:sp>
+        <p:nvSpPr>
+          <p:cNvPr id="25" name="文本框 24"/>
+          <p:cNvSpPr txBox="1"/>
+          <p:nvPr/>
+        </p:nvSpPr>
+        <p:spPr>
+          <a:xfrm>
+            <a:off x="7774940" y="2517140"/>
+            <a:ext cx="2938145" cy="398780"/>
+          </a:xfrm>
+          <a:prstGeom prst="rect">
+            <a:avLst/>
+          </a:prstGeom>
+          <a:noFill/>
+        </p:spPr>
+        <p:txBody>
+          <a:bodyPr wrap="square" rtlCol="0">
+            <a:spAutoFit/>
+          </a:bodyPr>
+          <a:p>
+            <a:pPr algn="l"/>
+            <a:r>
+              <a:rPr lang="zh-CN" altLang="en-US" sz="1000">
+                <a:sym typeface="+mn-ea"/>
+              </a:rPr>
+              <a:t>注意</a:t>
+            </a:r>
+            <a:endParaRPr lang="en-US" altLang="zh-CN" sz="1000">
+              <a:sym typeface="+mn-ea"/>
+            </a:endParaRPr>
+          </a:p>
+          <a:p>
+            <a:pPr algn="l"/>
+            <a:r>
+              <a:rPr lang="en-US" altLang="zh-CN" sz="1000">
+                <a:sym typeface="+mn-ea"/>
+              </a:rPr>
+              <a:t>1. </a:t>
+            </a:r>
+            <a:r>
+              <a:rPr lang="zh-CN" sz="1000">
+                <a:sym typeface="+mn-ea"/>
+              </a:rPr>
+              <a:t>您承担一半房间的费用</a:t>
+            </a:r>
+            <a:r>
+              <a:rPr lang="zh-CN" sz="1000">
+                <a:sym typeface="+mn-ea"/>
+              </a:rPr>
+              <a:t>。</a:t>
+            </a:r>
+            <a:endParaRPr lang="en-US" altLang="zh-CN" sz="1000">
+              <a:sym typeface="+mn-ea"/>
+            </a:endParaRPr>
+          </a:p>
+        </p:txBody>
+      </p:sp>
+      <p:sp>
+        <p:nvSpPr>
+          <p:cNvPr id="26" name="矩形 25"/>
+          <p:cNvSpPr/>
+          <p:nvPr/>
+        </p:nvSpPr>
+        <p:spPr>
+          <a:xfrm>
+            <a:off x="7771765" y="2971800"/>
+            <a:ext cx="2938780" cy="589915"/>
+          </a:xfrm>
+          <a:prstGeom prst="rect">
+            <a:avLst/>
+          </a:prstGeom>
+          <a:noFill/>
+          <a:extLst>
+            <a:ext uri="{909E8E84-426E-40DD-AFC4-6F175D3DCCD1}">
+              <a14:hiddenFill xmlns:a14="http://schemas.microsoft.com/office/drawing/2010/main">
+                <a:solidFill>
+                  <a:schemeClr val="accent1"/>
+                </a:solidFill>
+              </a14:hiddenFill>
+            </a:ext>
+          </a:extLst>
+        </p:spPr>
+        <p:style>
+          <a:lnRef idx="2">
+            <a:schemeClr val="accent1">
+              <a:shade val="50000"/>
+            </a:schemeClr>
+          </a:lnRef>
+          <a:fillRef idx="1">
+            <a:schemeClr val="accent1"/>
+          </a:fillRef>
+          <a:effectRef idx="0">
+            <a:schemeClr val="accent1"/>
+          </a:effectRef>
+          <a:fontRef idx="minor">
+            <a:schemeClr val="lt1"/>
+          </a:fontRef>
+        </p:style>
+        <p:txBody>
+          <a:bodyPr rtlCol="0" anchor="ctr"/>
+          <a:p>
+            <a:pPr algn="ctr"/>
+            <a:r>
+              <a:rPr lang="zh-CN">
+                <a:solidFill>
+                  <a:schemeClr val="tx1"/>
+                </a:solidFill>
+                <a:sym typeface="+mn-ea"/>
+              </a:rPr>
+              <a:t>其他费用               ￥</a:t>
+            </a:r>
+            <a:r>
+              <a:rPr lang="en-US" altLang="zh-CN">
+                <a:solidFill>
+                  <a:schemeClr val="tx1"/>
+                </a:solidFill>
+                <a:sym typeface="+mn-ea"/>
+              </a:rPr>
+              <a:t>500</a:t>
+            </a:r>
+            <a:endParaRPr lang="en-US" altLang="zh-CN">
+              <a:solidFill>
+                <a:schemeClr val="tx1"/>
+              </a:solidFill>
+              <a:sym typeface="+mn-ea"/>
+            </a:endParaRPr>
+          </a:p>
+        </p:txBody>
+      </p:sp>
+      <p:sp>
+        <p:nvSpPr>
+          <p:cNvPr id="27" name="矩形 26"/>
+          <p:cNvSpPr/>
+          <p:nvPr/>
+        </p:nvSpPr>
+        <p:spPr>
+          <a:xfrm>
+            <a:off x="7773035" y="3616325"/>
+            <a:ext cx="2938780" cy="589915"/>
+          </a:xfrm>
+          <a:prstGeom prst="rect">
+            <a:avLst/>
+          </a:prstGeom>
+          <a:noFill/>
+          <a:extLst>
+            <a:ext uri="{909E8E84-426E-40DD-AFC4-6F175D3DCCD1}">
+              <a14:hiddenFill xmlns:a14="http://schemas.microsoft.com/office/drawing/2010/main">
+                <a:solidFill>
+                  <a:schemeClr val="accent1"/>
+                </a:solidFill>
+              </a14:hiddenFill>
+            </a:ext>
+          </a:extLst>
+        </p:spPr>
+        <p:style>
+          <a:lnRef idx="2">
+            <a:schemeClr val="accent1">
+              <a:shade val="50000"/>
+            </a:schemeClr>
+          </a:lnRef>
+          <a:fillRef idx="1">
+            <a:schemeClr val="accent1"/>
+          </a:fillRef>
+          <a:effectRef idx="0">
+            <a:schemeClr val="accent1"/>
+          </a:effectRef>
+          <a:fontRef idx="minor">
+            <a:schemeClr val="lt1"/>
+          </a:fontRef>
+        </p:style>
+        <p:txBody>
+          <a:bodyPr rtlCol="0" anchor="ctr"/>
+          <a:p>
+            <a:pPr algn="ctr"/>
+            <a:r>
+              <a:rPr lang="zh-CN">
+                <a:solidFill>
+                  <a:schemeClr val="tx1"/>
+                </a:solidFill>
+                <a:sym typeface="+mn-ea"/>
+              </a:rPr>
+              <a:t>总费用                  ￥</a:t>
+            </a:r>
+            <a:r>
+              <a:rPr lang="en-US" altLang="zh-CN">
+                <a:solidFill>
+                  <a:schemeClr val="tx1"/>
+                </a:solidFill>
+                <a:sym typeface="+mn-ea"/>
+              </a:rPr>
+              <a:t>6</a:t>
+            </a:r>
+            <a:r>
+              <a:rPr lang="en-US" altLang="zh-CN">
+                <a:solidFill>
+                  <a:schemeClr val="tx1"/>
+                </a:solidFill>
+                <a:sym typeface="+mn-ea"/>
+              </a:rPr>
+              <a:t>00</a:t>
+            </a:r>
+            <a:endParaRPr lang="en-US" altLang="zh-CN">
+              <a:solidFill>
+                <a:schemeClr val="tx1"/>
+              </a:solidFill>
+              <a:sym typeface="+mn-ea"/>
+            </a:endParaRPr>
+          </a:p>
+        </p:txBody>
+      </p:sp>
+      <p:sp>
+        <p:nvSpPr>
+          <p:cNvPr id="28" name="文本框 27"/>
+          <p:cNvSpPr txBox="1"/>
+          <p:nvPr/>
+        </p:nvSpPr>
+        <p:spPr>
+          <a:xfrm>
+            <a:off x="7773035" y="1275080"/>
+            <a:ext cx="2937510" cy="553085"/>
+          </a:xfrm>
+          <a:prstGeom prst="rect">
+            <a:avLst/>
+          </a:prstGeom>
+          <a:noFill/>
+        </p:spPr>
+        <p:txBody>
+          <a:bodyPr wrap="square" rtlCol="0">
+            <a:spAutoFit/>
+          </a:bodyPr>
+          <a:p>
+            <a:r>
+              <a:rPr lang="zh-CN" altLang="en-US" sz="1000">
+                <a:solidFill>
+                  <a:srgbClr val="FF0000"/>
+                </a:solidFill>
+              </a:rPr>
+              <a:t>是否需要支付一半房费</a:t>
+            </a:r>
+            <a:endParaRPr lang="zh-CN" altLang="en-US" sz="1000">
+              <a:solidFill>
+                <a:srgbClr val="FF0000"/>
+              </a:solidFill>
+            </a:endParaRPr>
+          </a:p>
+          <a:p>
+            <a:r>
+              <a:rPr lang="zh-CN" altLang="en-US" sz="1000">
+                <a:solidFill>
+                  <a:srgbClr val="FF0000"/>
+                </a:solidFill>
+              </a:rPr>
+              <a:t>需要：邀请他人合住的订单只需要支付一半房费，</a:t>
+            </a:r>
+            <a:endParaRPr lang="zh-CN" altLang="en-US" sz="1000">
+              <a:solidFill>
+                <a:srgbClr val="FF0000"/>
+              </a:solidFill>
+            </a:endParaRPr>
+          </a:p>
+          <a:p>
+            <a:r>
+              <a:rPr lang="zh-CN" altLang="en-US" sz="1000">
+                <a:solidFill>
+                  <a:srgbClr val="FF0000"/>
+                </a:solidFill>
+              </a:rPr>
+              <a:t>不需要：</a:t>
+            </a:r>
+            <a:r>
+              <a:rPr lang="zh-CN" altLang="en-US" sz="1000">
+                <a:solidFill>
+                  <a:srgbClr val="FF0000"/>
+                </a:solidFill>
+                <a:sym typeface="+mn-ea"/>
+              </a:rPr>
+              <a:t>邀请他人合住的订单支付整间房费</a:t>
+            </a:r>
+            <a:endParaRPr lang="zh-CN" altLang="en-US" sz="1000">
+              <a:solidFill>
+                <a:srgbClr val="FF0000"/>
+              </a:solidFill>
+            </a:endParaRPr>
+          </a:p>
+        </p:txBody>
+      </p:sp>
+      <p:sp>
+        <p:nvSpPr>
+          <p:cNvPr id="29" name="矩形 28"/>
+          <p:cNvSpPr/>
+          <p:nvPr/>
+        </p:nvSpPr>
+        <p:spPr>
+          <a:xfrm>
+            <a:off x="7769860" y="4259580"/>
+            <a:ext cx="2938780" cy="572135"/>
+          </a:xfrm>
+          <a:prstGeom prst="rect">
+            <a:avLst/>
+          </a:prstGeom>
+          <a:noFill/>
+          <a:extLst>
+            <a:ext uri="{909E8E84-426E-40DD-AFC4-6F175D3DCCD1}">
+              <a14:hiddenFill xmlns:a14="http://schemas.microsoft.com/office/drawing/2010/main">
+                <a:solidFill>
+                  <a:schemeClr val="accent1"/>
+                </a:solidFill>
+              </a14:hiddenFill>
+            </a:ext>
+          </a:extLst>
+        </p:spPr>
+        <p:style>
+          <a:lnRef idx="2">
+            <a:schemeClr val="accent1">
+              <a:shade val="50000"/>
+            </a:schemeClr>
+          </a:lnRef>
+          <a:fillRef idx="1">
+            <a:schemeClr val="accent1"/>
+          </a:fillRef>
+          <a:effectRef idx="0">
+            <a:schemeClr val="accent1"/>
+          </a:effectRef>
+          <a:fontRef idx="minor">
+            <a:schemeClr val="lt1"/>
+          </a:fontRef>
+        </p:style>
+        <p:txBody>
+          <a:bodyPr rtlCol="0" anchor="ctr"/>
+          <a:p>
+            <a:pPr algn="ctr"/>
+            <a:r>
+              <a:rPr lang="zh-CN">
+                <a:solidFill>
+                  <a:schemeClr val="tx1"/>
+                </a:solidFill>
+              </a:rPr>
+              <a:t>输入邀请码</a:t>
+            </a:r>
+            <a:endParaRPr lang="zh-CN">
+              <a:solidFill>
+                <a:schemeClr val="tx1"/>
+              </a:solidFill>
+            </a:endParaRPr>
+          </a:p>
+        </p:txBody>
+      </p:sp>
+      <p:sp>
+        <p:nvSpPr>
+          <p:cNvPr id="30" name="文本框 29"/>
+          <p:cNvSpPr txBox="1"/>
+          <p:nvPr/>
+        </p:nvSpPr>
+        <p:spPr>
+          <a:xfrm>
+            <a:off x="7774940" y="4831715"/>
+            <a:ext cx="2938145" cy="398780"/>
+          </a:xfrm>
+          <a:prstGeom prst="rect">
+            <a:avLst/>
+          </a:prstGeom>
+          <a:noFill/>
+        </p:spPr>
+        <p:txBody>
+          <a:bodyPr wrap="square" rtlCol="0">
+            <a:spAutoFit/>
+          </a:bodyPr>
+          <a:p>
+            <a:pPr algn="l"/>
+            <a:r>
+              <a:rPr lang="zh-CN" altLang="en-US" sz="1000">
+                <a:sym typeface="+mn-ea"/>
+              </a:rPr>
+              <a:t>注意</a:t>
+            </a:r>
+            <a:endParaRPr lang="en-US" altLang="zh-CN" sz="1000">
+              <a:sym typeface="+mn-ea"/>
+            </a:endParaRPr>
+          </a:p>
+          <a:p>
+            <a:pPr algn="l"/>
+            <a:r>
+              <a:rPr lang="en-US" altLang="zh-CN" sz="1000">
+                <a:sym typeface="+mn-ea"/>
+              </a:rPr>
+              <a:t>1. </a:t>
+            </a:r>
+            <a:r>
+              <a:rPr lang="zh-CN" sz="1000">
+                <a:sym typeface="+mn-ea"/>
+              </a:rPr>
+              <a:t>填写合住邀请码，加入他人创建的房间。</a:t>
+            </a:r>
+            <a:endParaRPr lang="zh-CN" sz="1000">
+              <a:sym typeface="+mn-ea"/>
+            </a:endParaRPr>
+          </a:p>
+        </p:txBody>
+      </p:sp>
+      <p:sp>
+        <p:nvSpPr>
+          <p:cNvPr id="33" name="文本框 32"/>
+          <p:cNvSpPr txBox="1"/>
+          <p:nvPr/>
+        </p:nvSpPr>
+        <p:spPr>
+          <a:xfrm>
+            <a:off x="4392930" y="4346575"/>
+            <a:ext cx="2937510" cy="398780"/>
+          </a:xfrm>
+          <a:prstGeom prst="rect">
+            <a:avLst/>
+          </a:prstGeom>
+          <a:noFill/>
+        </p:spPr>
+        <p:txBody>
+          <a:bodyPr wrap="square" rtlCol="0">
+            <a:spAutoFit/>
+          </a:bodyPr>
+          <a:p>
+            <a:pPr algn="l"/>
+            <a:r>
+              <a:rPr lang="zh-CN" altLang="en-US" sz="1000">
+                <a:solidFill>
+                  <a:srgbClr val="FF0000"/>
+                </a:solidFill>
+                <a:sym typeface="+mn-ea"/>
+              </a:rPr>
+              <a:t>注意</a:t>
+            </a:r>
+            <a:endParaRPr lang="en-US" altLang="zh-CN" sz="1000">
+              <a:solidFill>
+                <a:srgbClr val="FF0000"/>
+              </a:solidFill>
+              <a:sym typeface="+mn-ea"/>
+            </a:endParaRPr>
+          </a:p>
+          <a:p>
+            <a:r>
+              <a:rPr lang="zh-CN" altLang="en-US" sz="1000">
+                <a:solidFill>
+                  <a:srgbClr val="FF0000"/>
+                </a:solidFill>
+              </a:rPr>
+              <a:t>支付成功后下发合住邀请码</a:t>
+            </a:r>
+            <a:endParaRPr lang="zh-CN" altLang="en-US" sz="1000">
+              <a:solidFill>
+                <a:srgbClr val="FF0000"/>
+              </a:solidFill>
+            </a:endParaRPr>
+          </a:p>
+        </p:txBody>
+      </p:sp>
+    </p:spTree>
+    <p:custDataLst>
+      <p:tags r:id="rId1"/>
+    </p:custDataLst>
+  </p:cSld>
+  <p:clrMapOvr>
+    <a:masterClrMapping/>
+  </p:clrMapOvr>
+</p:sld>
+</file>
+
+<file path=ppt/slides/slide12.xml><?xml version="1.0" encoding="utf-8"?>
+<p:sld xmlns:a="http://schemas.openxmlformats.org/drawingml/2006/main" xmlns:r="http://schemas.openxmlformats.org/officeDocument/2006/relationships" xmlns:p="http://schemas.openxmlformats.org/presentationml/2006/main">
+  <p:cSld>
+    <p:spTree>
+      <p:nvGrpSpPr>
+        <p:cNvPr id="1" name=""/>
+        <p:cNvGrpSpPr/>
+        <p:nvPr/>
+      </p:nvGrpSpPr>
+      <p:grpSpPr>
+        <a:xfrm>
+          <a:off x="0" y="0"/>
+          <a:ext cx="0" cy="0"/>
+          <a:chOff x="0" y="0"/>
+          <a:chExt cx="0" cy="0"/>
+        </a:xfrm>
+      </p:grpSpPr>
+      <p:sp>
+        <p:nvSpPr>
+          <p:cNvPr id="7" name="矩形 6"/>
+          <p:cNvSpPr/>
+          <p:nvPr/>
+        </p:nvSpPr>
+        <p:spPr>
+          <a:xfrm>
+            <a:off x="904875" y="368300"/>
+            <a:ext cx="3142615" cy="6168390"/>
+          </a:xfrm>
+          <a:prstGeom prst="rect">
+            <a:avLst/>
+          </a:prstGeom>
+          <a:solidFill>
+            <a:srgbClr val="000000">
+              <a:alpha val="0"/>
+            </a:srgbClr>
+          </a:solidFill>
+          <a:ln w="19050"/>
+          <a:extLst>
+            <a:ext uri="{909E8E84-426E-40DD-AFC4-6F175D3DCCD1}">
+              <a14:hiddenFill xmlns:a14="http://schemas.microsoft.com/office/drawing/2010/main">
+                <a:solidFill>
+                  <a:schemeClr val="accent1"/>
+                </a:solidFill>
+              </a14:hiddenFill>
+            </a:ext>
+          </a:extLst>
+        </p:spPr>
+        <p:style>
+          <a:lnRef idx="1">
+            <a:schemeClr val="accent1"/>
+          </a:lnRef>
+          <a:fillRef idx="2">
+            <a:schemeClr val="accent1"/>
+          </a:fillRef>
+          <a:effectRef idx="1">
+            <a:schemeClr val="accent1"/>
+          </a:effectRef>
+          <a:fontRef idx="minor">
+            <a:schemeClr val="dk1"/>
+          </a:fontRef>
+        </p:style>
+        <p:txBody>
+          <a:bodyPr rtlCol="0" anchor="ctr"/>
+          <a:p>
+            <a:pPr algn="ctr"/>
+            <a:endParaRPr lang="zh-CN" altLang="en-US"/>
+          </a:p>
+        </p:txBody>
+      </p:sp>
+      <p:sp>
+        <p:nvSpPr>
+          <p:cNvPr id="4" name="文本框 3"/>
+          <p:cNvSpPr txBox="1"/>
+          <p:nvPr/>
+        </p:nvSpPr>
+        <p:spPr>
+          <a:xfrm>
+            <a:off x="0" y="0"/>
+            <a:ext cx="4424680" cy="645160"/>
+          </a:xfrm>
+          <a:prstGeom prst="rect">
+            <a:avLst/>
+          </a:prstGeom>
+          <a:noFill/>
+        </p:spPr>
+        <p:txBody>
+          <a:bodyPr wrap="none" rtlCol="0">
+            <a:spAutoFit/>
+          </a:bodyPr>
+          <a:p>
+            <a:pPr algn="l"/>
+            <a:r>
+              <a:rPr lang="zh-CN">
+                <a:sym typeface="+mn-ea"/>
+              </a:rPr>
+              <a:t>学生报名界面</a:t>
+            </a:r>
+            <a:r>
+              <a:rPr lang="en-US" altLang="zh-CN">
+                <a:sym typeface="+mn-ea"/>
+              </a:rPr>
+              <a:t>6</a:t>
+            </a:r>
+            <a:r>
+              <a:rPr lang="en-US" altLang="zh-CN">
+                <a:sym typeface="+mn-ea"/>
+              </a:rPr>
+              <a:t>——</a:t>
+            </a:r>
+            <a:r>
+              <a:rPr lang="zh-CN" altLang="en-US">
+                <a:solidFill>
+                  <a:srgbClr val="FF0000"/>
+                </a:solidFill>
+                <a:sym typeface="+mn-ea"/>
+              </a:rPr>
+              <a:t>统一付费及学生支付后</a:t>
+            </a:r>
+            <a:endParaRPr lang="zh-CN" altLang="en-US">
+              <a:solidFill>
+                <a:srgbClr val="FF0000"/>
+              </a:solidFill>
+            </a:endParaRPr>
+          </a:p>
+          <a:p>
+            <a:pPr algn="l"/>
+            <a:endParaRPr lang="en-US" altLang="zh-CN">
+              <a:sym typeface="+mn-ea"/>
+            </a:endParaRPr>
+          </a:p>
+        </p:txBody>
+      </p:sp>
+      <p:sp>
+        <p:nvSpPr>
+          <p:cNvPr id="11" name="矩形 10"/>
+          <p:cNvSpPr/>
+          <p:nvPr/>
+        </p:nvSpPr>
+        <p:spPr>
+          <a:xfrm>
+            <a:off x="1740535" y="538480"/>
+            <a:ext cx="1471930" cy="320040"/>
+          </a:xfrm>
+          <a:prstGeom prst="rect">
+            <a:avLst/>
+          </a:prstGeom>
+        </p:spPr>
+        <p:style>
+          <a:lnRef idx="2">
+            <a:schemeClr val="accent1">
+              <a:shade val="50000"/>
+            </a:schemeClr>
+          </a:lnRef>
+          <a:fillRef idx="1">
+            <a:schemeClr val="accent1"/>
+          </a:fillRef>
+          <a:effectRef idx="0">
+            <a:schemeClr val="accent1"/>
+          </a:effectRef>
+          <a:fontRef idx="minor">
+            <a:schemeClr val="lt1"/>
+          </a:fontRef>
+        </p:style>
+        <p:txBody>
+          <a:bodyPr rtlCol="0" anchor="ctr"/>
+          <a:p>
+            <a:pPr algn="ctr"/>
+            <a:r>
+              <a:rPr lang="zh-CN" altLang="en-US" sz="2000">
+                <a:solidFill>
+                  <a:schemeClr val="bg1"/>
+                </a:solidFill>
+              </a:rPr>
+              <a:t>系统分配</a:t>
+            </a:r>
+            <a:endParaRPr lang="zh-CN" altLang="en-US" sz="2000">
+              <a:solidFill>
+                <a:schemeClr val="bg1"/>
+              </a:solidFill>
+            </a:endParaRPr>
+          </a:p>
+        </p:txBody>
+      </p:sp>
+      <p:sp>
+        <p:nvSpPr>
+          <p:cNvPr id="15" name="矩形 14"/>
+          <p:cNvSpPr/>
+          <p:nvPr/>
+        </p:nvSpPr>
+        <p:spPr>
+          <a:xfrm>
+            <a:off x="1007110" y="2289175"/>
+            <a:ext cx="2938780" cy="589915"/>
+          </a:xfrm>
+          <a:prstGeom prst="rect">
+            <a:avLst/>
+          </a:prstGeom>
+          <a:noFill/>
+          <a:extLst>
+            <a:ext uri="{909E8E84-426E-40DD-AFC4-6F175D3DCCD1}">
+              <a14:hiddenFill xmlns:a14="http://schemas.microsoft.com/office/drawing/2010/main">
+                <a:solidFill>
+                  <a:schemeClr val="accent1"/>
+                </a:solidFill>
+              </a14:hiddenFill>
+            </a:ext>
+          </a:extLst>
+        </p:spPr>
+        <p:style>
+          <a:lnRef idx="2">
+            <a:schemeClr val="accent1">
+              <a:shade val="50000"/>
+            </a:schemeClr>
+          </a:lnRef>
+          <a:fillRef idx="1">
+            <a:schemeClr val="accent1"/>
+          </a:fillRef>
+          <a:effectRef idx="0">
+            <a:schemeClr val="accent1"/>
+          </a:effectRef>
+          <a:fontRef idx="minor">
+            <a:schemeClr val="lt1"/>
+          </a:fontRef>
+        </p:style>
+        <p:txBody>
+          <a:bodyPr rtlCol="0" anchor="ctr"/>
+          <a:p>
+            <a:pPr algn="ctr"/>
+            <a:r>
+              <a:rPr lang="zh-CN">
+                <a:solidFill>
+                  <a:schemeClr val="tx1"/>
+                </a:solidFill>
+              </a:rPr>
+              <a:t>系统将自动为您分配房间</a:t>
+            </a:r>
+            <a:endParaRPr lang="zh-CN">
+              <a:solidFill>
+                <a:schemeClr val="tx1"/>
+              </a:solidFill>
+            </a:endParaRPr>
+          </a:p>
+        </p:txBody>
+      </p:sp>
+      <p:sp>
+        <p:nvSpPr>
+          <p:cNvPr id="2" name="矩形 1"/>
+          <p:cNvSpPr/>
+          <p:nvPr/>
+        </p:nvSpPr>
+        <p:spPr>
+          <a:xfrm>
+            <a:off x="4287520" y="368300"/>
+            <a:ext cx="3142615" cy="6168390"/>
+          </a:xfrm>
+          <a:prstGeom prst="rect">
+            <a:avLst/>
+          </a:prstGeom>
+          <a:solidFill>
+            <a:srgbClr val="000000">
+              <a:alpha val="0"/>
+            </a:srgbClr>
+          </a:solidFill>
+          <a:ln w="19050"/>
+          <a:extLst>
+            <a:ext uri="{909E8E84-426E-40DD-AFC4-6F175D3DCCD1}">
+              <a14:hiddenFill xmlns:a14="http://schemas.microsoft.com/office/drawing/2010/main">
+                <a:solidFill>
+                  <a:schemeClr val="accent1"/>
+                </a:solidFill>
+              </a14:hiddenFill>
+            </a:ext>
+          </a:extLst>
+        </p:spPr>
+        <p:style>
+          <a:lnRef idx="1">
+            <a:schemeClr val="accent1"/>
+          </a:lnRef>
+          <a:fillRef idx="2">
+            <a:schemeClr val="accent1"/>
+          </a:fillRef>
+          <a:effectRef idx="1">
+            <a:schemeClr val="accent1"/>
+          </a:effectRef>
+          <a:fontRef idx="minor">
+            <a:schemeClr val="dk1"/>
+          </a:fontRef>
+        </p:style>
+        <p:txBody>
+          <a:bodyPr rtlCol="0" anchor="ctr"/>
+          <a:p>
+            <a:pPr algn="ctr"/>
+            <a:endParaRPr lang="zh-CN" altLang="en-US"/>
+          </a:p>
+        </p:txBody>
+      </p:sp>
+      <p:sp>
+        <p:nvSpPr>
+          <p:cNvPr id="3" name="矩形 2"/>
+          <p:cNvSpPr/>
+          <p:nvPr/>
+        </p:nvSpPr>
+        <p:spPr>
+          <a:xfrm>
+            <a:off x="4944110" y="538480"/>
+            <a:ext cx="1828800" cy="320040"/>
+          </a:xfrm>
+          <a:prstGeom prst="rect">
+            <a:avLst/>
+          </a:prstGeom>
+        </p:spPr>
+        <p:style>
+          <a:lnRef idx="2">
+            <a:schemeClr val="accent1">
+              <a:shade val="50000"/>
+            </a:schemeClr>
+          </a:lnRef>
+          <a:fillRef idx="1">
+            <a:schemeClr val="accent1"/>
+          </a:fillRef>
+          <a:effectRef idx="0">
+            <a:schemeClr val="accent1"/>
+          </a:effectRef>
+          <a:fontRef idx="minor">
+            <a:schemeClr val="lt1"/>
+          </a:fontRef>
+        </p:style>
+        <p:txBody>
+          <a:bodyPr rtlCol="0" anchor="ctr"/>
+          <a:p>
+            <a:pPr algn="ctr"/>
+            <a:r>
+              <a:rPr lang="zh-CN" sz="2000">
+                <a:solidFill>
+                  <a:schemeClr val="bg1"/>
+                </a:solidFill>
+                <a:sym typeface="+mn-ea"/>
+              </a:rPr>
+              <a:t>邀请他人合住</a:t>
+            </a:r>
+            <a:endParaRPr lang="zh-CN" altLang="en-US" sz="2000">
+              <a:solidFill>
+                <a:schemeClr val="bg1"/>
+              </a:solidFill>
+              <a:sym typeface="+mn-ea"/>
+            </a:endParaRPr>
+          </a:p>
+        </p:txBody>
+      </p:sp>
+      <p:sp>
+        <p:nvSpPr>
+          <p:cNvPr id="5" name="矩形 4"/>
+          <p:cNvSpPr/>
+          <p:nvPr/>
+        </p:nvSpPr>
+        <p:spPr>
+          <a:xfrm>
+            <a:off x="4389755" y="2115820"/>
+            <a:ext cx="2938780" cy="589915"/>
+          </a:xfrm>
+          <a:prstGeom prst="rect">
+            <a:avLst/>
+          </a:prstGeom>
+          <a:noFill/>
+          <a:extLst>
+            <a:ext uri="{909E8E84-426E-40DD-AFC4-6F175D3DCCD1}">
+              <a14:hiddenFill xmlns:a14="http://schemas.microsoft.com/office/drawing/2010/main">
+                <a:solidFill>
+                  <a:schemeClr val="accent1"/>
+                </a:solidFill>
+              </a14:hiddenFill>
+            </a:ext>
+          </a:extLst>
+        </p:spPr>
+        <p:style>
+          <a:lnRef idx="2">
+            <a:schemeClr val="accent1">
+              <a:shade val="50000"/>
+            </a:schemeClr>
+          </a:lnRef>
+          <a:fillRef idx="1">
+            <a:schemeClr val="accent1"/>
+          </a:fillRef>
+          <a:effectRef idx="0">
+            <a:schemeClr val="accent1"/>
+          </a:effectRef>
+          <a:fontRef idx="minor">
+            <a:schemeClr val="lt1"/>
+          </a:fontRef>
+        </p:style>
+        <p:txBody>
+          <a:bodyPr rtlCol="0" anchor="ctr"/>
+          <a:p>
+            <a:pPr algn="ctr"/>
+            <a:r>
+              <a:rPr lang="en-US" altLang="zh-CN">
+                <a:solidFill>
+                  <a:schemeClr val="tx1"/>
+                </a:solidFill>
+              </a:rPr>
+              <a:t>1234</a:t>
+            </a:r>
+            <a:endParaRPr lang="en-US" altLang="zh-CN">
+              <a:solidFill>
+                <a:schemeClr val="tx1"/>
+              </a:solidFill>
+            </a:endParaRPr>
+          </a:p>
+        </p:txBody>
+      </p:sp>
+      <p:sp>
+        <p:nvSpPr>
+          <p:cNvPr id="10" name="文本框 9"/>
+          <p:cNvSpPr txBox="1"/>
+          <p:nvPr/>
+        </p:nvSpPr>
+        <p:spPr>
+          <a:xfrm>
+            <a:off x="4389120" y="2877185"/>
+            <a:ext cx="2938145" cy="1168400"/>
+          </a:xfrm>
+          <a:prstGeom prst="rect">
+            <a:avLst/>
+          </a:prstGeom>
+          <a:noFill/>
+        </p:spPr>
+        <p:txBody>
+          <a:bodyPr wrap="square" rtlCol="0">
+            <a:spAutoFit/>
+          </a:bodyPr>
+          <a:p>
+            <a:pPr algn="l"/>
+            <a:r>
+              <a:rPr lang="zh-CN" altLang="en-US" sz="1000">
+                <a:sym typeface="+mn-ea"/>
+              </a:rPr>
+              <a:t>注意</a:t>
+            </a:r>
+            <a:endParaRPr lang="en-US" altLang="zh-CN" sz="1000">
+              <a:sym typeface="+mn-ea"/>
+            </a:endParaRPr>
+          </a:p>
+          <a:p>
+            <a:pPr algn="l"/>
+            <a:r>
+              <a:rPr lang="en-US" altLang="zh-CN" sz="1000">
+                <a:sym typeface="+mn-ea"/>
+              </a:rPr>
+              <a:t>1. </a:t>
+            </a:r>
+            <a:r>
+              <a:rPr lang="zh-CN" sz="1000">
+                <a:sym typeface="+mn-ea"/>
+              </a:rPr>
+              <a:t>将邀请码告知您想邀请的人，由加入房间的人填写至输入框。</a:t>
+            </a:r>
+            <a:endParaRPr lang="zh-CN" sz="1000">
+              <a:sym typeface="+mn-ea"/>
+            </a:endParaRPr>
+          </a:p>
+          <a:p>
+            <a:pPr algn="l"/>
+            <a:r>
+              <a:rPr lang="en-US" altLang="zh-CN" sz="1000">
+                <a:sym typeface="+mn-ea"/>
+              </a:rPr>
+              <a:t>2. </a:t>
+            </a:r>
+            <a:r>
+              <a:rPr lang="zh-CN" altLang="en-US" sz="1000">
+                <a:sym typeface="+mn-ea"/>
+              </a:rPr>
+              <a:t>如截止前没有人加入，并且是</a:t>
+            </a:r>
+            <a:r>
+              <a:rPr lang="zh-CN" altLang="en-US" sz="1000">
+                <a:sym typeface="+mn-ea"/>
+              </a:rPr>
+              <a:t>统一付费的订单，系统将自动分配同住人。</a:t>
+            </a:r>
+            <a:endParaRPr lang="zh-CN" altLang="en-US" sz="1000">
+              <a:sym typeface="+mn-ea"/>
+            </a:endParaRPr>
+          </a:p>
+          <a:p>
+            <a:pPr algn="l"/>
+            <a:r>
+              <a:rPr lang="en-US" altLang="zh-CN" sz="1000">
+                <a:sym typeface="+mn-ea"/>
+              </a:rPr>
+              <a:t>3. </a:t>
+            </a:r>
+            <a:r>
+              <a:rPr lang="zh-CN" altLang="en-US" sz="1000">
+                <a:sym typeface="+mn-ea"/>
+              </a:rPr>
+              <a:t>如截止前没有人加入，并且是自付费订单，默认您独自入住一个房间。</a:t>
+            </a:r>
+            <a:endParaRPr lang="en-US" altLang="zh-CN" sz="1000">
+              <a:sym typeface="+mn-ea"/>
+            </a:endParaRPr>
+          </a:p>
+        </p:txBody>
+      </p:sp>
+      <p:sp>
+        <p:nvSpPr>
+          <p:cNvPr id="31" name="矩形 30"/>
+          <p:cNvSpPr/>
+          <p:nvPr/>
+        </p:nvSpPr>
+        <p:spPr>
+          <a:xfrm>
+            <a:off x="7670800" y="368300"/>
+            <a:ext cx="3142615" cy="6168390"/>
+          </a:xfrm>
+          <a:prstGeom prst="rect">
+            <a:avLst/>
+          </a:prstGeom>
+          <a:solidFill>
+            <a:srgbClr val="000000">
+              <a:alpha val="0"/>
+            </a:srgbClr>
+          </a:solidFill>
+          <a:ln w="19050"/>
+          <a:extLst>
+            <a:ext uri="{909E8E84-426E-40DD-AFC4-6F175D3DCCD1}">
+              <a14:hiddenFill xmlns:a14="http://schemas.microsoft.com/office/drawing/2010/main">
+                <a:solidFill>
+                  <a:schemeClr val="accent1"/>
+                </a:solidFill>
+              </a14:hiddenFill>
+            </a:ext>
+          </a:extLst>
+        </p:spPr>
+        <p:style>
+          <a:lnRef idx="1">
+            <a:schemeClr val="accent1"/>
+          </a:lnRef>
+          <a:fillRef idx="2">
+            <a:schemeClr val="accent1"/>
+          </a:fillRef>
+          <a:effectRef idx="1">
+            <a:schemeClr val="accent1"/>
+          </a:effectRef>
+          <a:fontRef idx="minor">
+            <a:schemeClr val="dk1"/>
+          </a:fontRef>
+        </p:style>
+        <p:txBody>
+          <a:bodyPr rtlCol="0" anchor="ctr"/>
+          <a:p>
+            <a:pPr algn="ctr"/>
+            <a:endParaRPr lang="zh-CN" altLang="en-US"/>
+          </a:p>
+        </p:txBody>
+      </p:sp>
+      <p:sp>
+        <p:nvSpPr>
+          <p:cNvPr id="32" name="矩形 31"/>
+          <p:cNvSpPr/>
+          <p:nvPr/>
+        </p:nvSpPr>
+        <p:spPr>
+          <a:xfrm>
+            <a:off x="8325485" y="538480"/>
+            <a:ext cx="1833245" cy="320040"/>
+          </a:xfrm>
+          <a:prstGeom prst="rect">
+            <a:avLst/>
+          </a:prstGeom>
+        </p:spPr>
+        <p:style>
+          <a:lnRef idx="2">
+            <a:schemeClr val="accent1">
+              <a:shade val="50000"/>
+            </a:schemeClr>
+          </a:lnRef>
+          <a:fillRef idx="1">
+            <a:schemeClr val="accent1"/>
+          </a:fillRef>
+          <a:effectRef idx="0">
+            <a:schemeClr val="accent1"/>
+          </a:effectRef>
+          <a:fontRef idx="minor">
+            <a:schemeClr val="lt1"/>
+          </a:fontRef>
+        </p:style>
+        <p:txBody>
+          <a:bodyPr rtlCol="0" anchor="ctr"/>
+          <a:p>
+            <a:pPr algn="ctr"/>
+            <a:r>
+              <a:rPr lang="zh-CN" altLang="en-US" sz="2000">
+                <a:solidFill>
+                  <a:schemeClr val="bg1"/>
+                </a:solidFill>
+              </a:rPr>
+              <a:t>加入他人房间</a:t>
+            </a:r>
+            <a:endParaRPr lang="zh-CN" altLang="en-US" sz="2000">
+              <a:solidFill>
+                <a:schemeClr val="bg1"/>
+              </a:solidFill>
+            </a:endParaRPr>
+          </a:p>
+        </p:txBody>
+      </p:sp>
+      <p:sp>
+        <p:nvSpPr>
+          <p:cNvPr id="37" name="矩形 36"/>
+          <p:cNvSpPr/>
+          <p:nvPr/>
+        </p:nvSpPr>
+        <p:spPr>
+          <a:xfrm>
+            <a:off x="7773035" y="2133600"/>
+            <a:ext cx="2938780" cy="572135"/>
+          </a:xfrm>
+          <a:prstGeom prst="rect">
+            <a:avLst/>
+          </a:prstGeom>
+          <a:noFill/>
+          <a:extLst>
+            <a:ext uri="{909E8E84-426E-40DD-AFC4-6F175D3DCCD1}">
+              <a14:hiddenFill xmlns:a14="http://schemas.microsoft.com/office/drawing/2010/main">
+                <a:solidFill>
+                  <a:schemeClr val="accent1"/>
+                </a:solidFill>
+              </a14:hiddenFill>
+            </a:ext>
+          </a:extLst>
+        </p:spPr>
+        <p:style>
+          <a:lnRef idx="2">
+            <a:schemeClr val="accent1">
+              <a:shade val="50000"/>
+            </a:schemeClr>
+          </a:lnRef>
+          <a:fillRef idx="1">
+            <a:schemeClr val="accent1"/>
+          </a:fillRef>
+          <a:effectRef idx="0">
+            <a:schemeClr val="accent1"/>
+          </a:effectRef>
+          <a:fontRef idx="minor">
+            <a:schemeClr val="lt1"/>
+          </a:fontRef>
+        </p:style>
+        <p:txBody>
+          <a:bodyPr rtlCol="0" anchor="ctr"/>
+          <a:p>
+            <a:pPr algn="ctr"/>
+            <a:r>
+              <a:rPr lang="zh-CN">
+                <a:solidFill>
+                  <a:schemeClr val="tx1"/>
+                </a:solidFill>
+              </a:rPr>
+              <a:t>输入邀请码</a:t>
+            </a:r>
+            <a:endParaRPr lang="zh-CN">
+              <a:solidFill>
+                <a:schemeClr val="tx1"/>
+              </a:solidFill>
+            </a:endParaRPr>
+          </a:p>
+        </p:txBody>
+      </p:sp>
+      <p:sp>
+        <p:nvSpPr>
+          <p:cNvPr id="38" name="文本框 37"/>
+          <p:cNvSpPr txBox="1"/>
+          <p:nvPr/>
+        </p:nvSpPr>
+        <p:spPr>
+          <a:xfrm>
+            <a:off x="7773670" y="2879090"/>
+            <a:ext cx="2938145" cy="1322070"/>
+          </a:xfrm>
+          <a:prstGeom prst="rect">
+            <a:avLst/>
+          </a:prstGeom>
+          <a:noFill/>
+        </p:spPr>
+        <p:txBody>
+          <a:bodyPr wrap="square" rtlCol="0">
+            <a:spAutoFit/>
+          </a:bodyPr>
+          <a:p>
+            <a:pPr algn="l"/>
+            <a:r>
+              <a:rPr lang="zh-CN" altLang="en-US" sz="1000">
+                <a:sym typeface="+mn-ea"/>
+              </a:rPr>
+              <a:t>注意</a:t>
+            </a:r>
+            <a:endParaRPr lang="en-US" altLang="zh-CN" sz="1000">
+              <a:sym typeface="+mn-ea"/>
+            </a:endParaRPr>
+          </a:p>
+          <a:p>
+            <a:pPr algn="l"/>
+            <a:r>
+              <a:rPr lang="en-US" altLang="zh-CN" sz="1000">
+                <a:sym typeface="+mn-ea"/>
+              </a:rPr>
+              <a:t>1. </a:t>
+            </a:r>
+            <a:r>
+              <a:rPr lang="zh-CN" sz="1000">
+                <a:sym typeface="+mn-ea"/>
+              </a:rPr>
+              <a:t>填写合住邀请码，加入他人创建的房间。</a:t>
+            </a:r>
+            <a:endParaRPr lang="zh-CN" sz="1000">
+              <a:sym typeface="+mn-ea"/>
+            </a:endParaRPr>
+          </a:p>
+          <a:p>
+            <a:pPr algn="l"/>
+            <a:r>
+              <a:rPr lang="en-US" altLang="zh-CN" sz="1000">
+                <a:sym typeface="+mn-ea"/>
+              </a:rPr>
+              <a:t>2. </a:t>
+            </a:r>
+            <a:r>
+              <a:rPr lang="zh-CN" altLang="en-US" sz="1000">
+                <a:sym typeface="+mn-ea"/>
+              </a:rPr>
+              <a:t>如截止前没有加入任一房间，并且是统一付费的订单，系统将自动为您分配房间。</a:t>
+            </a:r>
+            <a:endParaRPr lang="zh-CN" altLang="en-US" sz="1000">
+              <a:sym typeface="+mn-ea"/>
+            </a:endParaRPr>
+          </a:p>
+          <a:p>
+            <a:pPr algn="l"/>
+            <a:r>
+              <a:rPr lang="en-US" altLang="zh-CN" sz="1000">
+                <a:sym typeface="+mn-ea"/>
+              </a:rPr>
+              <a:t>3. </a:t>
+            </a:r>
+            <a:r>
+              <a:rPr lang="zh-CN" altLang="en-US" sz="1000">
+                <a:sym typeface="+mn-ea"/>
+              </a:rPr>
+              <a:t>如截止前没有加入任一房间</a:t>
+            </a:r>
+            <a:r>
+              <a:rPr lang="zh-CN" altLang="en-US" sz="1000">
+                <a:sym typeface="+mn-ea"/>
+              </a:rPr>
+              <a:t>，并且没有不属于统一付费订单，系统将视为您主动放弃此次行程。</a:t>
+            </a:r>
+            <a:endParaRPr lang="en-US" altLang="zh-CN" sz="1000">
+              <a:sym typeface="+mn-ea"/>
+            </a:endParaRPr>
+          </a:p>
+          <a:p>
+            <a:pPr algn="l"/>
+            <a:endParaRPr lang="zh-CN" sz="1000">
+              <a:sym typeface="+mn-ea"/>
+            </a:endParaRPr>
+          </a:p>
+          <a:p>
+            <a:pPr algn="l"/>
+            <a:endParaRPr lang="zh-CN" sz="1000">
+              <a:sym typeface="+mn-ea"/>
+            </a:endParaRPr>
+          </a:p>
+        </p:txBody>
+      </p:sp>
+      <p:sp>
+        <p:nvSpPr>
+          <p:cNvPr id="39" name="矩形 38"/>
+          <p:cNvSpPr/>
+          <p:nvPr/>
+        </p:nvSpPr>
+        <p:spPr>
+          <a:xfrm>
+            <a:off x="1296670" y="5666740"/>
+            <a:ext cx="2359025" cy="432435"/>
+          </a:xfrm>
+          <a:prstGeom prst="rect">
+            <a:avLst/>
+          </a:prstGeom>
+          <a:solidFill>
+            <a:srgbClr val="00B050"/>
+          </a:solidFill>
+          <a:ln>
+            <a:noFill/>
+          </a:ln>
+        </p:spPr>
+        <p:style>
+          <a:lnRef idx="2">
+            <a:schemeClr val="accent1">
+              <a:shade val="50000"/>
+            </a:schemeClr>
+          </a:lnRef>
+          <a:fillRef idx="1">
+            <a:schemeClr val="accent1"/>
+          </a:fillRef>
+          <a:effectRef idx="0">
+            <a:schemeClr val="accent1"/>
+          </a:effectRef>
+          <a:fontRef idx="minor">
+            <a:schemeClr val="lt1"/>
+          </a:fontRef>
+        </p:style>
+        <p:txBody>
+          <a:bodyPr rtlCol="0" anchor="ctr"/>
+          <a:p>
+            <a:pPr algn="ctr"/>
+            <a:r>
               <a:rPr lang="zh-CN" altLang="en-US">
                 <a:solidFill>
                   <a:schemeClr val="bg1"/>
@@ -7068,6 +9889,1571 @@
             <a:endParaRPr lang="zh-CN" altLang="en-US">
               <a:solidFill>
                 <a:schemeClr val="bg1"/>
+              </a:solidFill>
+            </a:endParaRPr>
+          </a:p>
+        </p:txBody>
+      </p:sp>
+    </p:spTree>
+    <p:custDataLst>
+      <p:tags r:id="rId1"/>
+    </p:custDataLst>
+  </p:cSld>
+  <p:clrMapOvr>
+    <a:masterClrMapping/>
+  </p:clrMapOvr>
+</p:sld>
+</file>
+
+<file path=ppt/slides/slide13.xml><?xml version="1.0" encoding="utf-8"?>
+<p:sld xmlns:a="http://schemas.openxmlformats.org/drawingml/2006/main" xmlns:r="http://schemas.openxmlformats.org/officeDocument/2006/relationships" xmlns:p="http://schemas.openxmlformats.org/presentationml/2006/main">
+  <p:cSld>
+    <p:spTree>
+      <p:nvGrpSpPr>
+        <p:cNvPr id="1" name=""/>
+        <p:cNvGrpSpPr/>
+        <p:nvPr/>
+      </p:nvGrpSpPr>
+      <p:grpSpPr>
+        <a:xfrm>
+          <a:off x="0" y="0"/>
+          <a:ext cx="0" cy="0"/>
+          <a:chOff x="0" y="0"/>
+          <a:chExt cx="0" cy="0"/>
+        </a:xfrm>
+      </p:grpSpPr>
+      <p:sp>
+        <p:nvSpPr>
+          <p:cNvPr id="7" name="矩形 6"/>
+          <p:cNvSpPr/>
+          <p:nvPr/>
+        </p:nvSpPr>
+        <p:spPr>
+          <a:xfrm>
+            <a:off x="904875" y="368300"/>
+            <a:ext cx="3142615" cy="6168390"/>
+          </a:xfrm>
+          <a:prstGeom prst="rect">
+            <a:avLst/>
+          </a:prstGeom>
+          <a:solidFill>
+            <a:srgbClr val="000000">
+              <a:alpha val="0"/>
+            </a:srgbClr>
+          </a:solidFill>
+          <a:ln w="19050"/>
+          <a:extLst>
+            <a:ext uri="{909E8E84-426E-40DD-AFC4-6F175D3DCCD1}">
+              <a14:hiddenFill xmlns:a14="http://schemas.microsoft.com/office/drawing/2010/main">
+                <a:solidFill>
+                  <a:schemeClr val="accent1"/>
+                </a:solidFill>
+              </a14:hiddenFill>
+            </a:ext>
+          </a:extLst>
+        </p:spPr>
+        <p:style>
+          <a:lnRef idx="1">
+            <a:schemeClr val="accent1"/>
+          </a:lnRef>
+          <a:fillRef idx="2">
+            <a:schemeClr val="accent1"/>
+          </a:fillRef>
+          <a:effectRef idx="1">
+            <a:schemeClr val="accent1"/>
+          </a:effectRef>
+          <a:fontRef idx="minor">
+            <a:schemeClr val="dk1"/>
+          </a:fontRef>
+        </p:style>
+        <p:txBody>
+          <a:bodyPr rtlCol="0" anchor="ctr"/>
+          <a:p>
+            <a:pPr algn="ctr"/>
+            <a:endParaRPr lang="zh-CN" altLang="en-US"/>
+          </a:p>
+        </p:txBody>
+      </p:sp>
+      <p:sp>
+        <p:nvSpPr>
+          <p:cNvPr id="17" name="矩形 16"/>
+          <p:cNvSpPr/>
+          <p:nvPr/>
+        </p:nvSpPr>
+        <p:spPr>
+          <a:xfrm>
+            <a:off x="991235" y="2548890"/>
+            <a:ext cx="2967990" cy="2030095"/>
+          </a:xfrm>
+          <a:prstGeom prst="rect">
+            <a:avLst/>
+          </a:prstGeom>
+          <a:solidFill>
+            <a:srgbClr val="000000">
+              <a:alpha val="0"/>
+            </a:srgbClr>
+          </a:solidFill>
+          <a:ln w="19050"/>
+          <a:extLst>
+            <a:ext uri="{909E8E84-426E-40DD-AFC4-6F175D3DCCD1}">
+              <a14:hiddenFill xmlns:a14="http://schemas.microsoft.com/office/drawing/2010/main">
+                <a:solidFill>
+                  <a:schemeClr val="accent1"/>
+                </a:solidFill>
+              </a14:hiddenFill>
+            </a:ext>
+          </a:extLst>
+        </p:spPr>
+        <p:style>
+          <a:lnRef idx="1">
+            <a:schemeClr val="accent1"/>
+          </a:lnRef>
+          <a:fillRef idx="2">
+            <a:schemeClr val="accent1"/>
+          </a:fillRef>
+          <a:effectRef idx="1">
+            <a:schemeClr val="accent1"/>
+          </a:effectRef>
+          <a:fontRef idx="minor">
+            <a:schemeClr val="dk1"/>
+          </a:fontRef>
+        </p:style>
+        <p:txBody>
+          <a:bodyPr rtlCol="0" anchor="ctr"/>
+          <a:p>
+            <a:pPr algn="ctr"/>
+            <a:endParaRPr lang="zh-CN" altLang="en-US"/>
+          </a:p>
+        </p:txBody>
+      </p:sp>
+      <p:sp>
+        <p:nvSpPr>
+          <p:cNvPr id="4" name="文本框 3"/>
+          <p:cNvSpPr txBox="1"/>
+          <p:nvPr/>
+        </p:nvSpPr>
+        <p:spPr>
+          <a:xfrm>
+            <a:off x="0" y="0"/>
+            <a:ext cx="3053080" cy="645160"/>
+          </a:xfrm>
+          <a:prstGeom prst="rect">
+            <a:avLst/>
+          </a:prstGeom>
+          <a:noFill/>
+        </p:spPr>
+        <p:txBody>
+          <a:bodyPr wrap="none" rtlCol="0">
+            <a:spAutoFit/>
+          </a:bodyPr>
+          <a:p>
+            <a:pPr algn="l"/>
+            <a:r>
+              <a:rPr lang="zh-CN">
+                <a:sym typeface="+mn-ea"/>
+              </a:rPr>
+              <a:t>学生报名界面</a:t>
+            </a:r>
+            <a:r>
+              <a:rPr lang="en-US" altLang="zh-CN">
+                <a:sym typeface="+mn-ea"/>
+              </a:rPr>
+              <a:t>5</a:t>
+            </a:r>
+            <a:r>
+              <a:rPr lang="en-US" altLang="zh-CN">
+                <a:sym typeface="+mn-ea"/>
+              </a:rPr>
+              <a:t>——</a:t>
+            </a:r>
+            <a:r>
+              <a:rPr lang="zh-CN" altLang="en-US">
+                <a:solidFill>
+                  <a:srgbClr val="FF0000"/>
+                </a:solidFill>
+                <a:sym typeface="+mn-ea"/>
+              </a:rPr>
+              <a:t>统一付费</a:t>
+            </a:r>
+            <a:endParaRPr lang="zh-CN" altLang="en-US">
+              <a:solidFill>
+                <a:srgbClr val="FF0000"/>
+              </a:solidFill>
+            </a:endParaRPr>
+          </a:p>
+          <a:p>
+            <a:pPr algn="l"/>
+            <a:endParaRPr lang="en-US" altLang="zh-CN">
+              <a:sym typeface="+mn-ea"/>
+            </a:endParaRPr>
+          </a:p>
+        </p:txBody>
+      </p:sp>
+      <p:sp>
+        <p:nvSpPr>
+          <p:cNvPr id="11" name="矩形 10"/>
+          <p:cNvSpPr/>
+          <p:nvPr/>
+        </p:nvSpPr>
+        <p:spPr>
+          <a:xfrm>
+            <a:off x="1740535" y="538480"/>
+            <a:ext cx="1471930" cy="320040"/>
+          </a:xfrm>
+          <a:prstGeom prst="rect">
+            <a:avLst/>
+          </a:prstGeom>
+        </p:spPr>
+        <p:style>
+          <a:lnRef idx="2">
+            <a:schemeClr val="accent1">
+              <a:shade val="50000"/>
+            </a:schemeClr>
+          </a:lnRef>
+          <a:fillRef idx="1">
+            <a:schemeClr val="accent1"/>
+          </a:fillRef>
+          <a:effectRef idx="0">
+            <a:schemeClr val="accent1"/>
+          </a:effectRef>
+          <a:fontRef idx="minor">
+            <a:schemeClr val="lt1"/>
+          </a:fontRef>
+        </p:style>
+        <p:txBody>
+          <a:bodyPr rtlCol="0" anchor="ctr"/>
+          <a:p>
+            <a:pPr algn="ctr"/>
+            <a:r>
+              <a:rPr lang="zh-CN" altLang="en-US" sz="2000">
+                <a:solidFill>
+                  <a:schemeClr val="bg1"/>
+                </a:solidFill>
+              </a:rPr>
+              <a:t>报名成功</a:t>
+            </a:r>
+            <a:endParaRPr lang="zh-CN" altLang="en-US" sz="2000">
+              <a:solidFill>
+                <a:schemeClr val="bg1"/>
+              </a:solidFill>
+            </a:endParaRPr>
+          </a:p>
+        </p:txBody>
+      </p:sp>
+      <p:sp>
+        <p:nvSpPr>
+          <p:cNvPr id="15" name="矩形 14"/>
+          <p:cNvSpPr/>
+          <p:nvPr/>
+        </p:nvSpPr>
+        <p:spPr>
+          <a:xfrm>
+            <a:off x="1062990" y="1159510"/>
+            <a:ext cx="2827020" cy="227965"/>
+          </a:xfrm>
+          <a:prstGeom prst="rect">
+            <a:avLst/>
+          </a:prstGeom>
+          <a:noFill/>
+          <a:extLst>
+            <a:ext uri="{909E8E84-426E-40DD-AFC4-6F175D3DCCD1}">
+              <a14:hiddenFill xmlns:a14="http://schemas.microsoft.com/office/drawing/2010/main">
+                <a:solidFill>
+                  <a:schemeClr val="accent1"/>
+                </a:solidFill>
+              </a14:hiddenFill>
+            </a:ext>
+          </a:extLst>
+        </p:spPr>
+        <p:style>
+          <a:lnRef idx="2">
+            <a:schemeClr val="accent1">
+              <a:shade val="50000"/>
+            </a:schemeClr>
+          </a:lnRef>
+          <a:fillRef idx="1">
+            <a:schemeClr val="accent1"/>
+          </a:fillRef>
+          <a:effectRef idx="0">
+            <a:schemeClr val="accent1"/>
+          </a:effectRef>
+          <a:fontRef idx="minor">
+            <a:schemeClr val="lt1"/>
+          </a:fontRef>
+        </p:style>
+        <p:txBody>
+          <a:bodyPr rtlCol="0" anchor="ctr"/>
+          <a:p>
+            <a:pPr algn="ctr"/>
+            <a:r>
+              <a:rPr lang="zh-CN" sz="1400">
+                <a:solidFill>
+                  <a:schemeClr val="tx1"/>
+                </a:solidFill>
+              </a:rPr>
+              <a:t>考试名称</a:t>
+            </a:r>
+            <a:endParaRPr lang="zh-CN" sz="1400">
+              <a:solidFill>
+                <a:schemeClr val="tx1"/>
+              </a:solidFill>
+            </a:endParaRPr>
+          </a:p>
+        </p:txBody>
+      </p:sp>
+      <p:sp>
+        <p:nvSpPr>
+          <p:cNvPr id="39" name="矩形 38"/>
+          <p:cNvSpPr/>
+          <p:nvPr/>
+        </p:nvSpPr>
+        <p:spPr>
+          <a:xfrm>
+            <a:off x="1296670" y="5666740"/>
+            <a:ext cx="2359025" cy="432435"/>
+          </a:xfrm>
+          <a:prstGeom prst="rect">
+            <a:avLst/>
+          </a:prstGeom>
+          <a:solidFill>
+            <a:srgbClr val="00B050"/>
+          </a:solidFill>
+          <a:ln>
+            <a:noFill/>
+          </a:ln>
+        </p:spPr>
+        <p:style>
+          <a:lnRef idx="2">
+            <a:schemeClr val="accent1">
+              <a:shade val="50000"/>
+            </a:schemeClr>
+          </a:lnRef>
+          <a:fillRef idx="1">
+            <a:schemeClr val="accent1"/>
+          </a:fillRef>
+          <a:effectRef idx="0">
+            <a:schemeClr val="accent1"/>
+          </a:effectRef>
+          <a:fontRef idx="minor">
+            <a:schemeClr val="lt1"/>
+          </a:fontRef>
+        </p:style>
+        <p:txBody>
+          <a:bodyPr rtlCol="0" anchor="ctr"/>
+          <a:p>
+            <a:pPr algn="ctr"/>
+            <a:r>
+              <a:rPr lang="zh-CN" altLang="en-US">
+                <a:solidFill>
+                  <a:schemeClr val="bg1"/>
+                </a:solidFill>
+              </a:rPr>
+              <a:t>完成</a:t>
+            </a:r>
+            <a:endParaRPr lang="zh-CN" altLang="en-US">
+              <a:solidFill>
+                <a:schemeClr val="bg1"/>
+              </a:solidFill>
+            </a:endParaRPr>
+          </a:p>
+        </p:txBody>
+      </p:sp>
+      <p:sp>
+        <p:nvSpPr>
+          <p:cNvPr id="6" name="矩形 5"/>
+          <p:cNvSpPr/>
+          <p:nvPr/>
+        </p:nvSpPr>
+        <p:spPr>
+          <a:xfrm>
+            <a:off x="1062990" y="1419225"/>
+            <a:ext cx="2827020" cy="227965"/>
+          </a:xfrm>
+          <a:prstGeom prst="rect">
+            <a:avLst/>
+          </a:prstGeom>
+          <a:noFill/>
+          <a:extLst>
+            <a:ext uri="{909E8E84-426E-40DD-AFC4-6F175D3DCCD1}">
+              <a14:hiddenFill xmlns:a14="http://schemas.microsoft.com/office/drawing/2010/main">
+                <a:solidFill>
+                  <a:schemeClr val="accent1"/>
+                </a:solidFill>
+              </a14:hiddenFill>
+            </a:ext>
+          </a:extLst>
+        </p:spPr>
+        <p:style>
+          <a:lnRef idx="2">
+            <a:schemeClr val="accent1">
+              <a:shade val="50000"/>
+            </a:schemeClr>
+          </a:lnRef>
+          <a:fillRef idx="1">
+            <a:schemeClr val="accent1"/>
+          </a:fillRef>
+          <a:effectRef idx="0">
+            <a:schemeClr val="accent1"/>
+          </a:effectRef>
+          <a:fontRef idx="minor">
+            <a:schemeClr val="lt1"/>
+          </a:fontRef>
+        </p:style>
+        <p:txBody>
+          <a:bodyPr rtlCol="0" anchor="ctr"/>
+          <a:p>
+            <a:pPr algn="ctr"/>
+            <a:r>
+              <a:rPr lang="zh-CN" sz="1400">
+                <a:solidFill>
+                  <a:schemeClr val="tx1"/>
+                </a:solidFill>
+              </a:rPr>
+              <a:t>考试时间</a:t>
+            </a:r>
+            <a:endParaRPr lang="zh-CN" sz="1400">
+              <a:solidFill>
+                <a:schemeClr val="tx1"/>
+              </a:solidFill>
+            </a:endParaRPr>
+          </a:p>
+        </p:txBody>
+      </p:sp>
+      <p:sp>
+        <p:nvSpPr>
+          <p:cNvPr id="8" name="矩形 7"/>
+          <p:cNvSpPr/>
+          <p:nvPr/>
+        </p:nvSpPr>
+        <p:spPr>
+          <a:xfrm>
+            <a:off x="1062990" y="1680210"/>
+            <a:ext cx="2827020" cy="227965"/>
+          </a:xfrm>
+          <a:prstGeom prst="rect">
+            <a:avLst/>
+          </a:prstGeom>
+          <a:noFill/>
+          <a:extLst>
+            <a:ext uri="{909E8E84-426E-40DD-AFC4-6F175D3DCCD1}">
+              <a14:hiddenFill xmlns:a14="http://schemas.microsoft.com/office/drawing/2010/main">
+                <a:solidFill>
+                  <a:schemeClr val="accent1"/>
+                </a:solidFill>
+              </a14:hiddenFill>
+            </a:ext>
+          </a:extLst>
+        </p:spPr>
+        <p:style>
+          <a:lnRef idx="2">
+            <a:schemeClr val="accent1">
+              <a:shade val="50000"/>
+            </a:schemeClr>
+          </a:lnRef>
+          <a:fillRef idx="1">
+            <a:schemeClr val="accent1"/>
+          </a:fillRef>
+          <a:effectRef idx="0">
+            <a:schemeClr val="accent1"/>
+          </a:effectRef>
+          <a:fontRef idx="minor">
+            <a:schemeClr val="lt1"/>
+          </a:fontRef>
+        </p:style>
+        <p:txBody>
+          <a:bodyPr rtlCol="0" anchor="ctr"/>
+          <a:p>
+            <a:pPr algn="ctr"/>
+            <a:r>
+              <a:rPr lang="zh-CN" sz="1400">
+                <a:solidFill>
+                  <a:schemeClr val="tx1"/>
+                </a:solidFill>
+              </a:rPr>
+              <a:t>考点名称</a:t>
+            </a:r>
+            <a:endParaRPr lang="zh-CN" sz="1400">
+              <a:solidFill>
+                <a:schemeClr val="tx1"/>
+              </a:solidFill>
+            </a:endParaRPr>
+          </a:p>
+        </p:txBody>
+      </p:sp>
+      <p:sp>
+        <p:nvSpPr>
+          <p:cNvPr id="9" name="矩形 8"/>
+          <p:cNvSpPr/>
+          <p:nvPr/>
+        </p:nvSpPr>
+        <p:spPr>
+          <a:xfrm>
+            <a:off x="1062990" y="1946275"/>
+            <a:ext cx="2827020" cy="227965"/>
+          </a:xfrm>
+          <a:prstGeom prst="rect">
+            <a:avLst/>
+          </a:prstGeom>
+          <a:noFill/>
+          <a:extLst>
+            <a:ext uri="{909E8E84-426E-40DD-AFC4-6F175D3DCCD1}">
+              <a14:hiddenFill xmlns:a14="http://schemas.microsoft.com/office/drawing/2010/main">
+                <a:solidFill>
+                  <a:schemeClr val="accent1"/>
+                </a:solidFill>
+              </a14:hiddenFill>
+            </a:ext>
+          </a:extLst>
+        </p:spPr>
+        <p:style>
+          <a:lnRef idx="2">
+            <a:schemeClr val="accent1">
+              <a:shade val="50000"/>
+            </a:schemeClr>
+          </a:lnRef>
+          <a:fillRef idx="1">
+            <a:schemeClr val="accent1"/>
+          </a:fillRef>
+          <a:effectRef idx="0">
+            <a:schemeClr val="accent1"/>
+          </a:effectRef>
+          <a:fontRef idx="minor">
+            <a:schemeClr val="lt1"/>
+          </a:fontRef>
+        </p:style>
+        <p:txBody>
+          <a:bodyPr rtlCol="0" anchor="ctr"/>
+          <a:p>
+            <a:pPr algn="ctr"/>
+            <a:r>
+              <a:rPr lang="zh-CN" sz="1400">
+                <a:solidFill>
+                  <a:schemeClr val="tx1"/>
+                </a:solidFill>
+              </a:rPr>
+              <a:t>出发点名称</a:t>
+            </a:r>
+            <a:endParaRPr lang="zh-CN" sz="1400">
+              <a:solidFill>
+                <a:schemeClr val="tx1"/>
+              </a:solidFill>
+            </a:endParaRPr>
+          </a:p>
+        </p:txBody>
+      </p:sp>
+      <p:sp>
+        <p:nvSpPr>
+          <p:cNvPr id="12" name="矩形 11"/>
+          <p:cNvSpPr/>
+          <p:nvPr/>
+        </p:nvSpPr>
+        <p:spPr>
+          <a:xfrm>
+            <a:off x="1062990" y="2629535"/>
+            <a:ext cx="2827020" cy="840105"/>
+          </a:xfrm>
+          <a:prstGeom prst="rect">
+            <a:avLst/>
+          </a:prstGeom>
+          <a:noFill/>
+          <a:extLst>
+            <a:ext uri="{909E8E84-426E-40DD-AFC4-6F175D3DCCD1}">
+              <a14:hiddenFill xmlns:a14="http://schemas.microsoft.com/office/drawing/2010/main">
+                <a:solidFill>
+                  <a:schemeClr val="accent1"/>
+                </a:solidFill>
+              </a14:hiddenFill>
+            </a:ext>
+          </a:extLst>
+        </p:spPr>
+        <p:style>
+          <a:lnRef idx="2">
+            <a:schemeClr val="accent1">
+              <a:shade val="50000"/>
+            </a:schemeClr>
+          </a:lnRef>
+          <a:fillRef idx="1">
+            <a:schemeClr val="accent1"/>
+          </a:fillRef>
+          <a:effectRef idx="0">
+            <a:schemeClr val="accent1"/>
+          </a:effectRef>
+          <a:fontRef idx="minor">
+            <a:schemeClr val="lt1"/>
+          </a:fontRef>
+        </p:style>
+        <p:txBody>
+          <a:bodyPr rtlCol="0" anchor="ctr"/>
+          <a:p>
+            <a:pPr algn="ctr"/>
+            <a:r>
+              <a:rPr lang="zh-CN" sz="1400">
+                <a:solidFill>
+                  <a:schemeClr val="tx1"/>
+                </a:solidFill>
+              </a:rPr>
+              <a:t>系统自动分配</a:t>
+            </a:r>
+            <a:endParaRPr lang="zh-CN" sz="1400">
+              <a:solidFill>
+                <a:schemeClr val="tx1"/>
+              </a:solidFill>
+            </a:endParaRPr>
+          </a:p>
+        </p:txBody>
+      </p:sp>
+      <p:sp>
+        <p:nvSpPr>
+          <p:cNvPr id="16" name="矩形 15"/>
+          <p:cNvSpPr/>
+          <p:nvPr/>
+        </p:nvSpPr>
+        <p:spPr>
+          <a:xfrm>
+            <a:off x="991235" y="2313940"/>
+            <a:ext cx="749300" cy="209550"/>
+          </a:xfrm>
+          <a:prstGeom prst="rect">
+            <a:avLst/>
+          </a:prstGeom>
+        </p:spPr>
+        <p:style>
+          <a:lnRef idx="2">
+            <a:schemeClr val="accent1">
+              <a:shade val="50000"/>
+            </a:schemeClr>
+          </a:lnRef>
+          <a:fillRef idx="1">
+            <a:schemeClr val="accent1"/>
+          </a:fillRef>
+          <a:effectRef idx="0">
+            <a:schemeClr val="accent1"/>
+          </a:effectRef>
+          <a:fontRef idx="minor">
+            <a:schemeClr val="lt1"/>
+          </a:fontRef>
+        </p:style>
+        <p:txBody>
+          <a:bodyPr rtlCol="0" anchor="ctr"/>
+          <a:p>
+            <a:pPr algn="ctr"/>
+            <a:r>
+              <a:rPr lang="zh-CN" altLang="en-US" sz="1000">
+                <a:solidFill>
+                  <a:schemeClr val="bg1"/>
+                </a:solidFill>
+              </a:rPr>
+              <a:t>住宿信息</a:t>
+            </a:r>
+            <a:endParaRPr lang="zh-CN" altLang="en-US" sz="1000">
+              <a:solidFill>
+                <a:schemeClr val="bg1"/>
+              </a:solidFill>
+            </a:endParaRPr>
+          </a:p>
+        </p:txBody>
+      </p:sp>
+      <p:sp>
+        <p:nvSpPr>
+          <p:cNvPr id="18" name="文本框 17"/>
+          <p:cNvSpPr txBox="1"/>
+          <p:nvPr/>
+        </p:nvSpPr>
+        <p:spPr>
+          <a:xfrm>
+            <a:off x="1062990" y="3469640"/>
+            <a:ext cx="2938145" cy="706755"/>
+          </a:xfrm>
+          <a:prstGeom prst="rect">
+            <a:avLst/>
+          </a:prstGeom>
+          <a:noFill/>
+        </p:spPr>
+        <p:txBody>
+          <a:bodyPr wrap="square" rtlCol="0">
+            <a:spAutoFit/>
+          </a:bodyPr>
+          <a:p>
+            <a:pPr algn="l"/>
+            <a:r>
+              <a:rPr lang="zh-CN" altLang="en-US" sz="1000">
+                <a:sym typeface="+mn-ea"/>
+              </a:rPr>
+              <a:t>注意</a:t>
+            </a:r>
+            <a:endParaRPr lang="en-US" altLang="zh-CN" sz="1000">
+              <a:sym typeface="+mn-ea"/>
+            </a:endParaRPr>
+          </a:p>
+          <a:p>
+            <a:pPr algn="l"/>
+            <a:r>
+              <a:rPr lang="en-US" altLang="zh-CN" sz="1000">
+                <a:sym typeface="+mn-ea"/>
+              </a:rPr>
+              <a:t>1. </a:t>
+            </a:r>
+            <a:r>
+              <a:rPr lang="zh-CN" sz="1000">
+                <a:sym typeface="+mn-ea"/>
+              </a:rPr>
+              <a:t>具体酒店及房间信息将在本次报名截止后统一下发至您的手机，请注意查收</a:t>
+            </a:r>
+            <a:r>
+              <a:rPr lang="zh-CN" sz="1000">
+                <a:sym typeface="+mn-ea"/>
+              </a:rPr>
+              <a:t>。</a:t>
+            </a:r>
+            <a:endParaRPr lang="zh-CN" sz="1000">
+              <a:sym typeface="+mn-ea"/>
+            </a:endParaRPr>
+          </a:p>
+          <a:p>
+            <a:pPr algn="l"/>
+            <a:r>
+              <a:rPr lang="en-US" altLang="zh-CN" sz="1000">
+                <a:sym typeface="+mn-ea"/>
+              </a:rPr>
+              <a:t>2.</a:t>
+            </a:r>
+            <a:r>
+              <a:rPr lang="zh-CN" sz="1000">
+                <a:sym typeface="+mn-ea"/>
+              </a:rPr>
+              <a:t>本次报名截止日期为</a:t>
+            </a:r>
+            <a:r>
+              <a:rPr lang="en-US" altLang="zh-CN" sz="1000">
+                <a:sym typeface="+mn-ea"/>
+              </a:rPr>
+              <a:t>2020</a:t>
+            </a:r>
+            <a:r>
+              <a:rPr lang="zh-CN" altLang="en-US" sz="1000">
+                <a:sym typeface="+mn-ea"/>
+              </a:rPr>
+              <a:t>年</a:t>
+            </a:r>
+            <a:r>
+              <a:rPr lang="en-US" altLang="zh-CN" sz="1000">
+                <a:sym typeface="+mn-ea"/>
+              </a:rPr>
+              <a:t>10</a:t>
+            </a:r>
+            <a:r>
+              <a:rPr lang="zh-CN" altLang="en-US" sz="1000">
+                <a:sym typeface="+mn-ea"/>
+              </a:rPr>
+              <a:t>月</a:t>
+            </a:r>
+            <a:r>
+              <a:rPr lang="en-US" altLang="zh-CN" sz="1000">
+                <a:sym typeface="+mn-ea"/>
+              </a:rPr>
+              <a:t>11</a:t>
+            </a:r>
+            <a:r>
+              <a:rPr lang="zh-CN" altLang="en-US" sz="1000">
+                <a:sym typeface="+mn-ea"/>
+              </a:rPr>
+              <a:t>日</a:t>
+            </a:r>
+            <a:endParaRPr lang="zh-CN" altLang="en-US" sz="1000">
+              <a:sym typeface="+mn-ea"/>
+            </a:endParaRPr>
+          </a:p>
+        </p:txBody>
+      </p:sp>
+      <p:sp>
+        <p:nvSpPr>
+          <p:cNvPr id="19" name="矩形 18"/>
+          <p:cNvSpPr/>
+          <p:nvPr/>
+        </p:nvSpPr>
+        <p:spPr>
+          <a:xfrm>
+            <a:off x="4403090" y="368300"/>
+            <a:ext cx="3142615" cy="6168390"/>
+          </a:xfrm>
+          <a:prstGeom prst="rect">
+            <a:avLst/>
+          </a:prstGeom>
+          <a:solidFill>
+            <a:srgbClr val="000000">
+              <a:alpha val="0"/>
+            </a:srgbClr>
+          </a:solidFill>
+          <a:ln w="19050"/>
+          <a:extLst>
+            <a:ext uri="{909E8E84-426E-40DD-AFC4-6F175D3DCCD1}">
+              <a14:hiddenFill xmlns:a14="http://schemas.microsoft.com/office/drawing/2010/main">
+                <a:solidFill>
+                  <a:schemeClr val="accent1"/>
+                </a:solidFill>
+              </a14:hiddenFill>
+            </a:ext>
+          </a:extLst>
+        </p:spPr>
+        <p:style>
+          <a:lnRef idx="1">
+            <a:schemeClr val="accent1"/>
+          </a:lnRef>
+          <a:fillRef idx="2">
+            <a:schemeClr val="accent1"/>
+          </a:fillRef>
+          <a:effectRef idx="1">
+            <a:schemeClr val="accent1"/>
+          </a:effectRef>
+          <a:fontRef idx="minor">
+            <a:schemeClr val="dk1"/>
+          </a:fontRef>
+        </p:style>
+        <p:txBody>
+          <a:bodyPr rtlCol="0" anchor="ctr"/>
+          <a:p>
+            <a:pPr algn="ctr"/>
+            <a:endParaRPr lang="zh-CN" altLang="en-US"/>
+          </a:p>
+        </p:txBody>
+      </p:sp>
+      <p:sp>
+        <p:nvSpPr>
+          <p:cNvPr id="20" name="矩形 19"/>
+          <p:cNvSpPr/>
+          <p:nvPr/>
+        </p:nvSpPr>
+        <p:spPr>
+          <a:xfrm>
+            <a:off x="4489450" y="2548890"/>
+            <a:ext cx="2967990" cy="2030095"/>
+          </a:xfrm>
+          <a:prstGeom prst="rect">
+            <a:avLst/>
+          </a:prstGeom>
+          <a:solidFill>
+            <a:srgbClr val="000000">
+              <a:alpha val="0"/>
+            </a:srgbClr>
+          </a:solidFill>
+          <a:ln w="19050"/>
+          <a:extLst>
+            <a:ext uri="{909E8E84-426E-40DD-AFC4-6F175D3DCCD1}">
+              <a14:hiddenFill xmlns:a14="http://schemas.microsoft.com/office/drawing/2010/main">
+                <a:solidFill>
+                  <a:schemeClr val="accent1"/>
+                </a:solidFill>
+              </a14:hiddenFill>
+            </a:ext>
+          </a:extLst>
+        </p:spPr>
+        <p:style>
+          <a:lnRef idx="1">
+            <a:schemeClr val="accent1"/>
+          </a:lnRef>
+          <a:fillRef idx="2">
+            <a:schemeClr val="accent1"/>
+          </a:fillRef>
+          <a:effectRef idx="1">
+            <a:schemeClr val="accent1"/>
+          </a:effectRef>
+          <a:fontRef idx="minor">
+            <a:schemeClr val="dk1"/>
+          </a:fontRef>
+        </p:style>
+        <p:txBody>
+          <a:bodyPr rtlCol="0" anchor="ctr"/>
+          <a:p>
+            <a:pPr algn="ctr"/>
+            <a:endParaRPr lang="zh-CN" altLang="en-US"/>
+          </a:p>
+        </p:txBody>
+      </p:sp>
+      <p:sp>
+        <p:nvSpPr>
+          <p:cNvPr id="21" name="矩形 20"/>
+          <p:cNvSpPr/>
+          <p:nvPr/>
+        </p:nvSpPr>
+        <p:spPr>
+          <a:xfrm>
+            <a:off x="5238750" y="538480"/>
+            <a:ext cx="1471930" cy="320040"/>
+          </a:xfrm>
+          <a:prstGeom prst="rect">
+            <a:avLst/>
+          </a:prstGeom>
+        </p:spPr>
+        <p:style>
+          <a:lnRef idx="2">
+            <a:schemeClr val="accent1">
+              <a:shade val="50000"/>
+            </a:schemeClr>
+          </a:lnRef>
+          <a:fillRef idx="1">
+            <a:schemeClr val="accent1"/>
+          </a:fillRef>
+          <a:effectRef idx="0">
+            <a:schemeClr val="accent1"/>
+          </a:effectRef>
+          <a:fontRef idx="minor">
+            <a:schemeClr val="lt1"/>
+          </a:fontRef>
+        </p:style>
+        <p:txBody>
+          <a:bodyPr rtlCol="0" anchor="ctr"/>
+          <a:p>
+            <a:pPr algn="ctr"/>
+            <a:r>
+              <a:rPr lang="zh-CN" altLang="en-US" sz="2000">
+                <a:solidFill>
+                  <a:schemeClr val="bg1"/>
+                </a:solidFill>
+              </a:rPr>
+              <a:t>报名成功</a:t>
+            </a:r>
+            <a:endParaRPr lang="zh-CN" altLang="en-US" sz="2000">
+              <a:solidFill>
+                <a:schemeClr val="bg1"/>
+              </a:solidFill>
+            </a:endParaRPr>
+          </a:p>
+        </p:txBody>
+      </p:sp>
+      <p:sp>
+        <p:nvSpPr>
+          <p:cNvPr id="22" name="矩形 21"/>
+          <p:cNvSpPr/>
+          <p:nvPr/>
+        </p:nvSpPr>
+        <p:spPr>
+          <a:xfrm>
+            <a:off x="4561205" y="1159510"/>
+            <a:ext cx="2827020" cy="227965"/>
+          </a:xfrm>
+          <a:prstGeom prst="rect">
+            <a:avLst/>
+          </a:prstGeom>
+          <a:noFill/>
+          <a:extLst>
+            <a:ext uri="{909E8E84-426E-40DD-AFC4-6F175D3DCCD1}">
+              <a14:hiddenFill xmlns:a14="http://schemas.microsoft.com/office/drawing/2010/main">
+                <a:solidFill>
+                  <a:schemeClr val="accent1"/>
+                </a:solidFill>
+              </a14:hiddenFill>
+            </a:ext>
+          </a:extLst>
+        </p:spPr>
+        <p:style>
+          <a:lnRef idx="2">
+            <a:schemeClr val="accent1">
+              <a:shade val="50000"/>
+            </a:schemeClr>
+          </a:lnRef>
+          <a:fillRef idx="1">
+            <a:schemeClr val="accent1"/>
+          </a:fillRef>
+          <a:effectRef idx="0">
+            <a:schemeClr val="accent1"/>
+          </a:effectRef>
+          <a:fontRef idx="minor">
+            <a:schemeClr val="lt1"/>
+          </a:fontRef>
+        </p:style>
+        <p:txBody>
+          <a:bodyPr rtlCol="0" anchor="ctr"/>
+          <a:p>
+            <a:pPr algn="ctr"/>
+            <a:r>
+              <a:rPr lang="zh-CN" sz="1400">
+                <a:solidFill>
+                  <a:schemeClr val="tx1"/>
+                </a:solidFill>
+              </a:rPr>
+              <a:t>考试名称</a:t>
+            </a:r>
+            <a:endParaRPr lang="zh-CN" sz="1400">
+              <a:solidFill>
+                <a:schemeClr val="tx1"/>
+              </a:solidFill>
+            </a:endParaRPr>
+          </a:p>
+        </p:txBody>
+      </p:sp>
+      <p:sp>
+        <p:nvSpPr>
+          <p:cNvPr id="23" name="矩形 22"/>
+          <p:cNvSpPr/>
+          <p:nvPr/>
+        </p:nvSpPr>
+        <p:spPr>
+          <a:xfrm>
+            <a:off x="4794885" y="5666740"/>
+            <a:ext cx="2359025" cy="432435"/>
+          </a:xfrm>
+          <a:prstGeom prst="rect">
+            <a:avLst/>
+          </a:prstGeom>
+          <a:solidFill>
+            <a:srgbClr val="00B050"/>
+          </a:solidFill>
+          <a:ln>
+            <a:noFill/>
+          </a:ln>
+        </p:spPr>
+        <p:style>
+          <a:lnRef idx="2">
+            <a:schemeClr val="accent1">
+              <a:shade val="50000"/>
+            </a:schemeClr>
+          </a:lnRef>
+          <a:fillRef idx="1">
+            <a:schemeClr val="accent1"/>
+          </a:fillRef>
+          <a:effectRef idx="0">
+            <a:schemeClr val="accent1"/>
+          </a:effectRef>
+          <a:fontRef idx="minor">
+            <a:schemeClr val="lt1"/>
+          </a:fontRef>
+        </p:style>
+        <p:txBody>
+          <a:bodyPr rtlCol="0" anchor="ctr"/>
+          <a:p>
+            <a:pPr algn="ctr"/>
+            <a:r>
+              <a:rPr lang="zh-CN" altLang="en-US">
+                <a:solidFill>
+                  <a:schemeClr val="bg1"/>
+                </a:solidFill>
+              </a:rPr>
+              <a:t>完成</a:t>
+            </a:r>
+            <a:endParaRPr lang="zh-CN" altLang="en-US">
+              <a:solidFill>
+                <a:schemeClr val="bg1"/>
+              </a:solidFill>
+            </a:endParaRPr>
+          </a:p>
+        </p:txBody>
+      </p:sp>
+      <p:sp>
+        <p:nvSpPr>
+          <p:cNvPr id="24" name="矩形 23"/>
+          <p:cNvSpPr/>
+          <p:nvPr/>
+        </p:nvSpPr>
+        <p:spPr>
+          <a:xfrm>
+            <a:off x="4561205" y="1419225"/>
+            <a:ext cx="2827020" cy="227965"/>
+          </a:xfrm>
+          <a:prstGeom prst="rect">
+            <a:avLst/>
+          </a:prstGeom>
+          <a:noFill/>
+          <a:extLst>
+            <a:ext uri="{909E8E84-426E-40DD-AFC4-6F175D3DCCD1}">
+              <a14:hiddenFill xmlns:a14="http://schemas.microsoft.com/office/drawing/2010/main">
+                <a:solidFill>
+                  <a:schemeClr val="accent1"/>
+                </a:solidFill>
+              </a14:hiddenFill>
+            </a:ext>
+          </a:extLst>
+        </p:spPr>
+        <p:style>
+          <a:lnRef idx="2">
+            <a:schemeClr val="accent1">
+              <a:shade val="50000"/>
+            </a:schemeClr>
+          </a:lnRef>
+          <a:fillRef idx="1">
+            <a:schemeClr val="accent1"/>
+          </a:fillRef>
+          <a:effectRef idx="0">
+            <a:schemeClr val="accent1"/>
+          </a:effectRef>
+          <a:fontRef idx="minor">
+            <a:schemeClr val="lt1"/>
+          </a:fontRef>
+        </p:style>
+        <p:txBody>
+          <a:bodyPr rtlCol="0" anchor="ctr"/>
+          <a:p>
+            <a:pPr algn="ctr"/>
+            <a:r>
+              <a:rPr lang="zh-CN" sz="1400">
+                <a:solidFill>
+                  <a:schemeClr val="tx1"/>
+                </a:solidFill>
+              </a:rPr>
+              <a:t>考试时间</a:t>
+            </a:r>
+            <a:endParaRPr lang="zh-CN" sz="1400">
+              <a:solidFill>
+                <a:schemeClr val="tx1"/>
+              </a:solidFill>
+            </a:endParaRPr>
+          </a:p>
+        </p:txBody>
+      </p:sp>
+      <p:sp>
+        <p:nvSpPr>
+          <p:cNvPr id="25" name="矩形 24"/>
+          <p:cNvSpPr/>
+          <p:nvPr/>
+        </p:nvSpPr>
+        <p:spPr>
+          <a:xfrm>
+            <a:off x="4561205" y="1680210"/>
+            <a:ext cx="2827020" cy="227965"/>
+          </a:xfrm>
+          <a:prstGeom prst="rect">
+            <a:avLst/>
+          </a:prstGeom>
+          <a:noFill/>
+          <a:extLst>
+            <a:ext uri="{909E8E84-426E-40DD-AFC4-6F175D3DCCD1}">
+              <a14:hiddenFill xmlns:a14="http://schemas.microsoft.com/office/drawing/2010/main">
+                <a:solidFill>
+                  <a:schemeClr val="accent1"/>
+                </a:solidFill>
+              </a14:hiddenFill>
+            </a:ext>
+          </a:extLst>
+        </p:spPr>
+        <p:style>
+          <a:lnRef idx="2">
+            <a:schemeClr val="accent1">
+              <a:shade val="50000"/>
+            </a:schemeClr>
+          </a:lnRef>
+          <a:fillRef idx="1">
+            <a:schemeClr val="accent1"/>
+          </a:fillRef>
+          <a:effectRef idx="0">
+            <a:schemeClr val="accent1"/>
+          </a:effectRef>
+          <a:fontRef idx="minor">
+            <a:schemeClr val="lt1"/>
+          </a:fontRef>
+        </p:style>
+        <p:txBody>
+          <a:bodyPr rtlCol="0" anchor="ctr"/>
+          <a:p>
+            <a:pPr algn="ctr"/>
+            <a:r>
+              <a:rPr lang="zh-CN" sz="1400">
+                <a:solidFill>
+                  <a:schemeClr val="tx1"/>
+                </a:solidFill>
+              </a:rPr>
+              <a:t>考点名称</a:t>
+            </a:r>
+            <a:endParaRPr lang="zh-CN" sz="1400">
+              <a:solidFill>
+                <a:schemeClr val="tx1"/>
+              </a:solidFill>
+            </a:endParaRPr>
+          </a:p>
+        </p:txBody>
+      </p:sp>
+      <p:sp>
+        <p:nvSpPr>
+          <p:cNvPr id="26" name="矩形 25"/>
+          <p:cNvSpPr/>
+          <p:nvPr/>
+        </p:nvSpPr>
+        <p:spPr>
+          <a:xfrm>
+            <a:off x="4561205" y="1946275"/>
+            <a:ext cx="2827020" cy="227965"/>
+          </a:xfrm>
+          <a:prstGeom prst="rect">
+            <a:avLst/>
+          </a:prstGeom>
+          <a:noFill/>
+          <a:extLst>
+            <a:ext uri="{909E8E84-426E-40DD-AFC4-6F175D3DCCD1}">
+              <a14:hiddenFill xmlns:a14="http://schemas.microsoft.com/office/drawing/2010/main">
+                <a:solidFill>
+                  <a:schemeClr val="accent1"/>
+                </a:solidFill>
+              </a14:hiddenFill>
+            </a:ext>
+          </a:extLst>
+        </p:spPr>
+        <p:style>
+          <a:lnRef idx="2">
+            <a:schemeClr val="accent1">
+              <a:shade val="50000"/>
+            </a:schemeClr>
+          </a:lnRef>
+          <a:fillRef idx="1">
+            <a:schemeClr val="accent1"/>
+          </a:fillRef>
+          <a:effectRef idx="0">
+            <a:schemeClr val="accent1"/>
+          </a:effectRef>
+          <a:fontRef idx="minor">
+            <a:schemeClr val="lt1"/>
+          </a:fontRef>
+        </p:style>
+        <p:txBody>
+          <a:bodyPr rtlCol="0" anchor="ctr"/>
+          <a:p>
+            <a:pPr algn="ctr"/>
+            <a:r>
+              <a:rPr lang="zh-CN" sz="1400">
+                <a:solidFill>
+                  <a:schemeClr val="tx1"/>
+                </a:solidFill>
+              </a:rPr>
+              <a:t>出发点名称</a:t>
+            </a:r>
+            <a:endParaRPr lang="zh-CN" sz="1400">
+              <a:solidFill>
+                <a:schemeClr val="tx1"/>
+              </a:solidFill>
+            </a:endParaRPr>
+          </a:p>
+        </p:txBody>
+      </p:sp>
+      <p:sp>
+        <p:nvSpPr>
+          <p:cNvPr id="27" name="矩形 26"/>
+          <p:cNvSpPr/>
+          <p:nvPr/>
+        </p:nvSpPr>
+        <p:spPr>
+          <a:xfrm>
+            <a:off x="4561205" y="2629535"/>
+            <a:ext cx="2827020" cy="840105"/>
+          </a:xfrm>
+          <a:prstGeom prst="rect">
+            <a:avLst/>
+          </a:prstGeom>
+          <a:noFill/>
+          <a:extLst>
+            <a:ext uri="{909E8E84-426E-40DD-AFC4-6F175D3DCCD1}">
+              <a14:hiddenFill xmlns:a14="http://schemas.microsoft.com/office/drawing/2010/main">
+                <a:solidFill>
+                  <a:schemeClr val="accent1"/>
+                </a:solidFill>
+              </a14:hiddenFill>
+            </a:ext>
+          </a:extLst>
+        </p:spPr>
+        <p:style>
+          <a:lnRef idx="2">
+            <a:schemeClr val="accent1">
+              <a:shade val="50000"/>
+            </a:schemeClr>
+          </a:lnRef>
+          <a:fillRef idx="1">
+            <a:schemeClr val="accent1"/>
+          </a:fillRef>
+          <a:effectRef idx="0">
+            <a:schemeClr val="accent1"/>
+          </a:effectRef>
+          <a:fontRef idx="minor">
+            <a:schemeClr val="lt1"/>
+          </a:fontRef>
+        </p:style>
+        <p:txBody>
+          <a:bodyPr rtlCol="0" anchor="ctr"/>
+          <a:p>
+            <a:pPr algn="ctr"/>
+            <a:endParaRPr lang="zh-CN" sz="1400">
+              <a:solidFill>
+                <a:schemeClr val="tx1"/>
+              </a:solidFill>
+            </a:endParaRPr>
+          </a:p>
+        </p:txBody>
+      </p:sp>
+      <p:sp>
+        <p:nvSpPr>
+          <p:cNvPr id="28" name="矩形 27"/>
+          <p:cNvSpPr/>
+          <p:nvPr/>
+        </p:nvSpPr>
+        <p:spPr>
+          <a:xfrm>
+            <a:off x="4489450" y="2313940"/>
+            <a:ext cx="749300" cy="209550"/>
+          </a:xfrm>
+          <a:prstGeom prst="rect">
+            <a:avLst/>
+          </a:prstGeom>
+        </p:spPr>
+        <p:style>
+          <a:lnRef idx="2">
+            <a:schemeClr val="accent1">
+              <a:shade val="50000"/>
+            </a:schemeClr>
+          </a:lnRef>
+          <a:fillRef idx="1">
+            <a:schemeClr val="accent1"/>
+          </a:fillRef>
+          <a:effectRef idx="0">
+            <a:schemeClr val="accent1"/>
+          </a:effectRef>
+          <a:fontRef idx="minor">
+            <a:schemeClr val="lt1"/>
+          </a:fontRef>
+        </p:style>
+        <p:txBody>
+          <a:bodyPr rtlCol="0" anchor="ctr"/>
+          <a:p>
+            <a:pPr algn="ctr"/>
+            <a:r>
+              <a:rPr lang="zh-CN" altLang="en-US" sz="1000">
+                <a:solidFill>
+                  <a:schemeClr val="bg1"/>
+                </a:solidFill>
+              </a:rPr>
+              <a:t>住宿信息</a:t>
+            </a:r>
+            <a:endParaRPr lang="zh-CN" altLang="en-US" sz="1000">
+              <a:solidFill>
+                <a:schemeClr val="bg1"/>
+              </a:solidFill>
+            </a:endParaRPr>
+          </a:p>
+        </p:txBody>
+      </p:sp>
+      <p:sp>
+        <p:nvSpPr>
+          <p:cNvPr id="29" name="文本框 28"/>
+          <p:cNvSpPr txBox="1"/>
+          <p:nvPr/>
+        </p:nvSpPr>
+        <p:spPr>
+          <a:xfrm>
+            <a:off x="4519295" y="3741420"/>
+            <a:ext cx="2938145" cy="706755"/>
+          </a:xfrm>
+          <a:prstGeom prst="rect">
+            <a:avLst/>
+          </a:prstGeom>
+          <a:noFill/>
+        </p:spPr>
+        <p:txBody>
+          <a:bodyPr wrap="square" rtlCol="0">
+            <a:spAutoFit/>
+          </a:bodyPr>
+          <a:p>
+            <a:pPr algn="l"/>
+            <a:r>
+              <a:rPr lang="zh-CN" altLang="en-US" sz="1000">
+                <a:sym typeface="+mn-ea"/>
+              </a:rPr>
+              <a:t>注意</a:t>
+            </a:r>
+            <a:endParaRPr lang="en-US" altLang="zh-CN" sz="1000">
+              <a:sym typeface="+mn-ea"/>
+            </a:endParaRPr>
+          </a:p>
+          <a:p>
+            <a:pPr algn="l"/>
+            <a:r>
+              <a:rPr lang="en-US" altLang="zh-CN" sz="1000">
+                <a:sym typeface="+mn-ea"/>
+              </a:rPr>
+              <a:t>1. </a:t>
+            </a:r>
+            <a:r>
+              <a:rPr lang="zh-CN" sz="1000">
+                <a:sym typeface="+mn-ea"/>
+              </a:rPr>
+              <a:t>具体酒店及房间信息将在本次报名截止后统一下发至您的手机，请注意查收</a:t>
+            </a:r>
+            <a:r>
+              <a:rPr lang="zh-CN" sz="1000">
+                <a:sym typeface="+mn-ea"/>
+              </a:rPr>
+              <a:t>。</a:t>
+            </a:r>
+            <a:endParaRPr lang="zh-CN" sz="1000">
+              <a:sym typeface="+mn-ea"/>
+            </a:endParaRPr>
+          </a:p>
+          <a:p>
+            <a:pPr algn="l"/>
+            <a:r>
+              <a:rPr lang="en-US" altLang="zh-CN" sz="1000">
+                <a:sym typeface="+mn-ea"/>
+              </a:rPr>
+              <a:t>2.</a:t>
+            </a:r>
+            <a:r>
+              <a:rPr lang="zh-CN" sz="1000">
+                <a:sym typeface="+mn-ea"/>
+              </a:rPr>
+              <a:t>本次报名截止日期为</a:t>
+            </a:r>
+            <a:r>
+              <a:rPr lang="en-US" altLang="zh-CN" sz="1000">
+                <a:sym typeface="+mn-ea"/>
+              </a:rPr>
+              <a:t>2020</a:t>
+            </a:r>
+            <a:r>
+              <a:rPr lang="zh-CN" altLang="en-US" sz="1000">
+                <a:sym typeface="+mn-ea"/>
+              </a:rPr>
+              <a:t>年</a:t>
+            </a:r>
+            <a:r>
+              <a:rPr lang="en-US" altLang="zh-CN" sz="1000">
+                <a:sym typeface="+mn-ea"/>
+              </a:rPr>
+              <a:t>10</a:t>
+            </a:r>
+            <a:r>
+              <a:rPr lang="zh-CN" altLang="en-US" sz="1000">
+                <a:sym typeface="+mn-ea"/>
+              </a:rPr>
+              <a:t>月</a:t>
+            </a:r>
+            <a:r>
+              <a:rPr lang="en-US" altLang="zh-CN" sz="1000">
+                <a:sym typeface="+mn-ea"/>
+              </a:rPr>
+              <a:t>11</a:t>
+            </a:r>
+            <a:r>
+              <a:rPr lang="zh-CN" altLang="en-US" sz="1000">
+                <a:sym typeface="+mn-ea"/>
+              </a:rPr>
+              <a:t>日</a:t>
+            </a:r>
+            <a:endParaRPr lang="zh-CN" altLang="en-US" sz="1000">
+              <a:sym typeface="+mn-ea"/>
+            </a:endParaRPr>
+          </a:p>
+        </p:txBody>
+      </p:sp>
+      <p:sp>
+        <p:nvSpPr>
+          <p:cNvPr id="49" name="矩形 48"/>
+          <p:cNvSpPr/>
+          <p:nvPr/>
+        </p:nvSpPr>
+        <p:spPr>
+          <a:xfrm>
+            <a:off x="4636135" y="2680970"/>
+            <a:ext cx="1292860" cy="737235"/>
+          </a:xfrm>
+          <a:prstGeom prst="rect">
+            <a:avLst/>
+          </a:prstGeom>
+          <a:noFill/>
+          <a:extLst>
+            <a:ext uri="{909E8E84-426E-40DD-AFC4-6F175D3DCCD1}">
+              <a14:hiddenFill xmlns:a14="http://schemas.microsoft.com/office/drawing/2010/main">
+                <a:solidFill>
+                  <a:schemeClr val="accent1"/>
+                </a:solidFill>
+              </a14:hiddenFill>
+            </a:ext>
+          </a:extLst>
+        </p:spPr>
+        <p:style>
+          <a:lnRef idx="2">
+            <a:schemeClr val="accent1">
+              <a:shade val="50000"/>
+            </a:schemeClr>
+          </a:lnRef>
+          <a:fillRef idx="1">
+            <a:schemeClr val="accent1"/>
+          </a:fillRef>
+          <a:effectRef idx="0">
+            <a:schemeClr val="accent1"/>
+          </a:effectRef>
+          <a:fontRef idx="minor">
+            <a:schemeClr val="lt1"/>
+          </a:fontRef>
+        </p:style>
+        <p:txBody>
+          <a:bodyPr rtlCol="0" anchor="ctr"/>
+          <a:p>
+            <a:pPr algn="ctr"/>
+            <a:r>
+              <a:rPr lang="zh-CN" sz="1400">
+                <a:solidFill>
+                  <a:schemeClr val="tx1"/>
+                </a:solidFill>
+              </a:rPr>
+              <a:t>张三</a:t>
+            </a:r>
+            <a:endParaRPr lang="zh-CN" sz="1400">
+              <a:solidFill>
+                <a:schemeClr val="tx1"/>
+              </a:solidFill>
+            </a:endParaRPr>
+          </a:p>
+        </p:txBody>
+      </p:sp>
+      <p:sp>
+        <p:nvSpPr>
+          <p:cNvPr id="50" name="矩形 49"/>
+          <p:cNvSpPr/>
+          <p:nvPr/>
+        </p:nvSpPr>
+        <p:spPr>
+          <a:xfrm>
+            <a:off x="6040755" y="2680970"/>
+            <a:ext cx="1274445" cy="737235"/>
+          </a:xfrm>
+          <a:prstGeom prst="rect">
+            <a:avLst/>
+          </a:prstGeom>
+          <a:noFill/>
+          <a:extLst>
+            <a:ext uri="{909E8E84-426E-40DD-AFC4-6F175D3DCCD1}">
+              <a14:hiddenFill xmlns:a14="http://schemas.microsoft.com/office/drawing/2010/main">
+                <a:solidFill>
+                  <a:schemeClr val="accent1"/>
+                </a:solidFill>
+              </a14:hiddenFill>
+            </a:ext>
+          </a:extLst>
+        </p:spPr>
+        <p:style>
+          <a:lnRef idx="2">
+            <a:schemeClr val="accent1">
+              <a:shade val="50000"/>
+            </a:schemeClr>
+          </a:lnRef>
+          <a:fillRef idx="1">
+            <a:schemeClr val="accent1"/>
+          </a:fillRef>
+          <a:effectRef idx="0">
+            <a:schemeClr val="accent1"/>
+          </a:effectRef>
+          <a:fontRef idx="minor">
+            <a:schemeClr val="lt1"/>
+          </a:fontRef>
+        </p:style>
+        <p:txBody>
+          <a:bodyPr rtlCol="0" anchor="ctr"/>
+          <a:p>
+            <a:pPr algn="ctr"/>
+            <a:r>
+              <a:rPr lang="zh-CN" sz="1400">
+                <a:solidFill>
+                  <a:schemeClr val="tx1"/>
+                </a:solidFill>
+              </a:rPr>
+              <a:t>李四</a:t>
+            </a:r>
+            <a:endParaRPr lang="zh-CN" sz="1400">
+              <a:solidFill>
+                <a:schemeClr val="tx1"/>
               </a:solidFill>
             </a:endParaRPr>
           </a:p>
@@ -9256,7 +13642,7 @@
         </p:nvSpPr>
         <p:spPr>
           <a:xfrm>
-            <a:off x="224155" y="368300"/>
+            <a:off x="250190" y="368300"/>
             <a:ext cx="11555730" cy="6331585"/>
           </a:xfrm>
           <a:prstGeom prst="rect">
@@ -9456,9 +13842,17 @@
               </a:rPr>
               <a:t>支付金额</a:t>
             </a:r>
+            <a:r>
+              <a:rPr lang="zh-CN" altLang="en-US">
+                <a:solidFill>
+                  <a:srgbClr val="FF0000"/>
+                </a:solidFill>
+              </a:rPr>
+              <a:t>（统一支付）</a:t>
+            </a:r>
             <a:endParaRPr lang="zh-CN" altLang="en-US">
               <a:solidFill>
-                <a:schemeClr val="tx1"/>
+                <a:srgbClr val="FF0000"/>
               </a:solidFill>
             </a:endParaRPr>
           </a:p>
@@ -9566,7 +13960,7 @@
         </p:nvSpPr>
         <p:spPr>
           <a:xfrm>
-            <a:off x="2135505" y="3300095"/>
+            <a:off x="2135505" y="4449445"/>
             <a:ext cx="7360285" cy="468630"/>
           </a:xfrm>
           <a:prstGeom prst="rect">
@@ -9611,9 +14005,156 @@
               </a:rPr>
               <a:t>是否已支付</a:t>
             </a:r>
+            <a:r>
+              <a:rPr lang="zh-CN" altLang="en-US">
+                <a:solidFill>
+                  <a:srgbClr val="FF0000"/>
+                </a:solidFill>
+                <a:sym typeface="+mn-ea"/>
+              </a:rPr>
+              <a:t>（统一支付）</a:t>
+            </a:r>
             <a:endParaRPr lang="zh-CN" altLang="en-US">
               <a:solidFill>
                 <a:schemeClr val="tx1"/>
+              </a:solidFill>
+            </a:endParaRPr>
+          </a:p>
+        </p:txBody>
+      </p:sp>
+      <p:sp>
+        <p:nvSpPr>
+          <p:cNvPr id="3" name="矩形 2"/>
+          <p:cNvSpPr/>
+          <p:nvPr/>
+        </p:nvSpPr>
+        <p:spPr>
+          <a:xfrm>
+            <a:off x="2141220" y="3299460"/>
+            <a:ext cx="7360285" cy="468630"/>
+          </a:xfrm>
+          <a:prstGeom prst="rect">
+            <a:avLst/>
+          </a:prstGeom>
+          <a:noFill/>
+          <a:extLst>
+            <a:ext uri="{909E8E84-426E-40DD-AFC4-6F175D3DCCD1}">
+              <a14:hiddenFill xmlns:a14="http://schemas.microsoft.com/office/drawing/2010/main">
+                <a:solidFill>
+                  <a:schemeClr val="accent1"/>
+                </a:solidFill>
+              </a14:hiddenFill>
+            </a:ext>
+          </a:extLst>
+        </p:spPr>
+        <p:style>
+          <a:lnRef idx="2">
+            <a:schemeClr val="accent1">
+              <a:shade val="50000"/>
+            </a:schemeClr>
+          </a:lnRef>
+          <a:fillRef idx="1">
+            <a:schemeClr val="accent1"/>
+          </a:fillRef>
+          <a:effectRef idx="0">
+            <a:schemeClr val="accent1"/>
+          </a:effectRef>
+          <a:fontRef idx="minor">
+            <a:schemeClr val="lt1"/>
+          </a:fontRef>
+        </p:style>
+        <p:txBody>
+          <a:bodyPr rtlCol="0" anchor="ctr"/>
+          <a:p>
+            <a:pPr algn="ctr"/>
+            <a:r>
+              <a:rPr lang="zh-CN" altLang="en-US">
+                <a:solidFill>
+                  <a:schemeClr val="tx1"/>
+                </a:solidFill>
+              </a:rPr>
+              <a:t>除房费金额</a:t>
+            </a:r>
+            <a:r>
+              <a:rPr lang="zh-CN" altLang="en-US">
+                <a:solidFill>
+                  <a:srgbClr val="FF0000"/>
+                </a:solidFill>
+              </a:rPr>
+              <a:t>（学生支付）</a:t>
+            </a:r>
+            <a:endParaRPr lang="zh-CN" altLang="en-US">
+              <a:solidFill>
+                <a:srgbClr val="FF0000"/>
+              </a:solidFill>
+            </a:endParaRPr>
+          </a:p>
+        </p:txBody>
+      </p:sp>
+      <p:sp>
+        <p:nvSpPr>
+          <p:cNvPr id="6" name="矩形 5"/>
+          <p:cNvSpPr/>
+          <p:nvPr/>
+        </p:nvSpPr>
+        <p:spPr>
+          <a:xfrm>
+            <a:off x="2135505" y="3874135"/>
+            <a:ext cx="7360285" cy="468630"/>
+          </a:xfrm>
+          <a:prstGeom prst="rect">
+            <a:avLst/>
+          </a:prstGeom>
+          <a:noFill/>
+          <a:extLst>
+            <a:ext uri="{909E8E84-426E-40DD-AFC4-6F175D3DCCD1}">
+              <a14:hiddenFill xmlns:a14="http://schemas.microsoft.com/office/drawing/2010/main">
+                <a:solidFill>
+                  <a:schemeClr val="accent1"/>
+                </a:solidFill>
+              </a14:hiddenFill>
+            </a:ext>
+          </a:extLst>
+        </p:spPr>
+        <p:style>
+          <a:lnRef idx="2">
+            <a:schemeClr val="accent1">
+              <a:shade val="50000"/>
+            </a:schemeClr>
+          </a:lnRef>
+          <a:fillRef idx="1">
+            <a:schemeClr val="accent1"/>
+          </a:fillRef>
+          <a:effectRef idx="0">
+            <a:schemeClr val="accent1"/>
+          </a:effectRef>
+          <a:fontRef idx="minor">
+            <a:schemeClr val="lt1"/>
+          </a:fontRef>
+        </p:style>
+        <p:txBody>
+          <a:bodyPr rtlCol="0" anchor="ctr"/>
+          <a:p>
+            <a:pPr algn="ctr"/>
+            <a:r>
+              <a:rPr lang="zh-CN" altLang="en-US">
+                <a:solidFill>
+                  <a:schemeClr val="tx1"/>
+                </a:solidFill>
+              </a:rPr>
+              <a:t>房费</a:t>
+            </a:r>
+            <a:r>
+              <a:rPr lang="zh-CN" altLang="en-US">
+                <a:solidFill>
+                  <a:srgbClr val="FF0000"/>
+                </a:solidFill>
+              </a:rPr>
+              <a:t>（学生支付）</a:t>
+            </a:r>
+            <a:endParaRPr lang="zh-CN" altLang="en-US">
+              <a:solidFill>
+                <a:srgbClr val="FF0000"/>
               </a:solidFill>
             </a:endParaRPr>
           </a:p>
@@ -10156,398 +14697,6 @@
       </p:sp>
       <p:sp>
         <p:nvSpPr>
-          <p:cNvPr id="4" name="文本框 3"/>
-          <p:cNvSpPr txBox="1"/>
-          <p:nvPr/>
-        </p:nvSpPr>
-        <p:spPr>
-          <a:xfrm>
-            <a:off x="0" y="0"/>
-            <a:ext cx="1681480" cy="368300"/>
-          </a:xfrm>
-          <a:prstGeom prst="rect">
-            <a:avLst/>
-          </a:prstGeom>
-          <a:noFill/>
-        </p:spPr>
-        <p:txBody>
-          <a:bodyPr wrap="none" rtlCol="0">
-            <a:spAutoFit/>
-          </a:bodyPr>
-          <a:p>
-            <a:pPr algn="l"/>
-            <a:r>
-              <a:rPr lang="zh-CN">
-                <a:sym typeface="+mn-ea"/>
-              </a:rPr>
-              <a:t>学生报名界面</a:t>
-            </a:r>
-            <a:r>
-              <a:rPr lang="en-US" altLang="zh-CN">
-                <a:sym typeface="+mn-ea"/>
-              </a:rPr>
-              <a:t>1</a:t>
-            </a:r>
-            <a:endParaRPr lang="en-US" altLang="zh-CN">
-              <a:sym typeface="+mn-ea"/>
-            </a:endParaRPr>
-          </a:p>
-        </p:txBody>
-      </p:sp>
-      <p:sp>
-        <p:nvSpPr>
-          <p:cNvPr id="5" name="矩形 4"/>
-          <p:cNvSpPr/>
-          <p:nvPr/>
-        </p:nvSpPr>
-        <p:spPr>
-          <a:xfrm>
-            <a:off x="4077970" y="1772920"/>
-            <a:ext cx="3248660" cy="468630"/>
-          </a:xfrm>
-          <a:prstGeom prst="rect">
-            <a:avLst/>
-          </a:prstGeom>
-          <a:noFill/>
-          <a:extLst>
-            <a:ext uri="{909E8E84-426E-40DD-AFC4-6F175D3DCCD1}">
-              <a14:hiddenFill xmlns:a14="http://schemas.microsoft.com/office/drawing/2010/main">
-                <a:solidFill>
-                  <a:schemeClr val="accent1"/>
-                </a:solidFill>
-              </a14:hiddenFill>
-            </a:ext>
-          </a:extLst>
-        </p:spPr>
-        <p:style>
-          <a:lnRef idx="2">
-            <a:schemeClr val="accent1">
-              <a:shade val="50000"/>
-            </a:schemeClr>
-          </a:lnRef>
-          <a:fillRef idx="1">
-            <a:schemeClr val="accent1"/>
-          </a:fillRef>
-          <a:effectRef idx="0">
-            <a:schemeClr val="accent1"/>
-          </a:effectRef>
-          <a:fontRef idx="minor">
-            <a:schemeClr val="lt1"/>
-          </a:fontRef>
-        </p:style>
-        <p:txBody>
-          <a:bodyPr rtlCol="0" anchor="ctr"/>
-          <a:p>
-            <a:pPr algn="ctr"/>
-            <a:r>
-              <a:rPr lang="zh-CN" altLang="en-US">
-                <a:solidFill>
-                  <a:schemeClr val="tx1"/>
-                </a:solidFill>
-              </a:rPr>
-              <a:t>考试名称</a:t>
-            </a:r>
-            <a:endParaRPr lang="zh-CN" altLang="en-US">
-              <a:solidFill>
-                <a:schemeClr val="tx1"/>
-              </a:solidFill>
-            </a:endParaRPr>
-          </a:p>
-        </p:txBody>
-      </p:sp>
-      <p:sp>
-        <p:nvSpPr>
-          <p:cNvPr id="11" name="矩形 10"/>
-          <p:cNvSpPr/>
-          <p:nvPr/>
-        </p:nvSpPr>
-        <p:spPr>
-          <a:xfrm>
-            <a:off x="4003675" y="1460500"/>
-            <a:ext cx="774700" cy="234950"/>
-          </a:xfrm>
-          <a:prstGeom prst="rect">
-            <a:avLst/>
-          </a:prstGeom>
-        </p:spPr>
-        <p:style>
-          <a:lnRef idx="2">
-            <a:schemeClr val="accent1">
-              <a:shade val="50000"/>
-            </a:schemeClr>
-          </a:lnRef>
-          <a:fillRef idx="1">
-            <a:schemeClr val="accent1"/>
-          </a:fillRef>
-          <a:effectRef idx="0">
-            <a:schemeClr val="accent1"/>
-          </a:effectRef>
-          <a:fontRef idx="minor">
-            <a:schemeClr val="lt1"/>
-          </a:fontRef>
-        </p:style>
-        <p:txBody>
-          <a:bodyPr rtlCol="0" anchor="ctr"/>
-          <a:p>
-            <a:pPr algn="ctr"/>
-            <a:r>
-              <a:rPr lang="zh-CN" altLang="en-US" sz="1000">
-                <a:solidFill>
-                  <a:schemeClr val="bg1"/>
-                </a:solidFill>
-              </a:rPr>
-              <a:t>考试信息</a:t>
-            </a:r>
-            <a:endParaRPr lang="zh-CN" altLang="en-US" sz="1000">
-              <a:solidFill>
-                <a:schemeClr val="bg1"/>
-              </a:solidFill>
-            </a:endParaRPr>
-          </a:p>
-        </p:txBody>
-      </p:sp>
-      <p:sp>
-        <p:nvSpPr>
-          <p:cNvPr id="13" name="矩形 12"/>
-          <p:cNvSpPr/>
-          <p:nvPr/>
-        </p:nvSpPr>
-        <p:spPr>
-          <a:xfrm>
-            <a:off x="4084320" y="3437255"/>
-            <a:ext cx="3248660" cy="468630"/>
-          </a:xfrm>
-          <a:prstGeom prst="rect">
-            <a:avLst/>
-          </a:prstGeom>
-          <a:noFill/>
-          <a:extLst>
-            <a:ext uri="{909E8E84-426E-40DD-AFC4-6F175D3DCCD1}">
-              <a14:hiddenFill xmlns:a14="http://schemas.microsoft.com/office/drawing/2010/main">
-                <a:solidFill>
-                  <a:schemeClr val="accent1"/>
-                </a:solidFill>
-              </a14:hiddenFill>
-            </a:ext>
-          </a:extLst>
-        </p:spPr>
-        <p:style>
-          <a:lnRef idx="2">
-            <a:schemeClr val="accent1">
-              <a:shade val="50000"/>
-            </a:schemeClr>
-          </a:lnRef>
-          <a:fillRef idx="1">
-            <a:schemeClr val="accent1"/>
-          </a:fillRef>
-          <a:effectRef idx="0">
-            <a:schemeClr val="accent1"/>
-          </a:effectRef>
-          <a:fontRef idx="minor">
-            <a:schemeClr val="lt1"/>
-          </a:fontRef>
-        </p:style>
-        <p:txBody>
-          <a:bodyPr rtlCol="0" anchor="ctr"/>
-          <a:p>
-            <a:pPr algn="ctr"/>
-            <a:r>
-              <a:rPr lang="zh-CN" altLang="en-US">
-                <a:solidFill>
-                  <a:schemeClr val="tx1"/>
-                </a:solidFill>
-              </a:rPr>
-              <a:t>考试网站链接</a:t>
-            </a:r>
-            <a:endParaRPr lang="zh-CN" altLang="en-US">
-              <a:solidFill>
-                <a:schemeClr val="tx1"/>
-              </a:solidFill>
-            </a:endParaRPr>
-          </a:p>
-        </p:txBody>
-      </p:sp>
-      <p:sp>
-        <p:nvSpPr>
-          <p:cNvPr id="14" name="矩形 13"/>
-          <p:cNvSpPr/>
-          <p:nvPr/>
-        </p:nvSpPr>
-        <p:spPr>
-          <a:xfrm>
-            <a:off x="4076700" y="2889885"/>
-            <a:ext cx="3248660" cy="468630"/>
-          </a:xfrm>
-          <a:prstGeom prst="rect">
-            <a:avLst/>
-          </a:prstGeom>
-          <a:noFill/>
-          <a:extLst>
-            <a:ext uri="{909E8E84-426E-40DD-AFC4-6F175D3DCCD1}">
-              <a14:hiddenFill xmlns:a14="http://schemas.microsoft.com/office/drawing/2010/main">
-                <a:solidFill>
-                  <a:schemeClr val="accent1"/>
-                </a:solidFill>
-              </a14:hiddenFill>
-            </a:ext>
-          </a:extLst>
-        </p:spPr>
-        <p:style>
-          <a:lnRef idx="2">
-            <a:schemeClr val="accent1">
-              <a:shade val="50000"/>
-            </a:schemeClr>
-          </a:lnRef>
-          <a:fillRef idx="1">
-            <a:schemeClr val="accent1"/>
-          </a:fillRef>
-          <a:effectRef idx="0">
-            <a:schemeClr val="accent1"/>
-          </a:effectRef>
-          <a:fontRef idx="minor">
-            <a:schemeClr val="lt1"/>
-          </a:fontRef>
-        </p:style>
-        <p:txBody>
-          <a:bodyPr rtlCol="0" anchor="ctr"/>
-          <a:p>
-            <a:pPr algn="ctr"/>
-            <a:r>
-              <a:rPr lang="zh-CN" altLang="en-US">
-                <a:solidFill>
-                  <a:schemeClr val="tx1"/>
-                </a:solidFill>
-              </a:rPr>
-              <a:t>考试说明</a:t>
-            </a:r>
-            <a:endParaRPr lang="en-US" altLang="zh-CN">
-              <a:solidFill>
-                <a:schemeClr val="tx1"/>
-              </a:solidFill>
-            </a:endParaRPr>
-          </a:p>
-        </p:txBody>
-      </p:sp>
-      <p:sp>
-        <p:nvSpPr>
-          <p:cNvPr id="15" name="矩形 14"/>
-          <p:cNvSpPr/>
-          <p:nvPr/>
-        </p:nvSpPr>
-        <p:spPr>
-          <a:xfrm>
-            <a:off x="4077970" y="2342515"/>
-            <a:ext cx="3248660" cy="468630"/>
-          </a:xfrm>
-          <a:prstGeom prst="rect">
-            <a:avLst/>
-          </a:prstGeom>
-          <a:noFill/>
-          <a:extLst>
-            <a:ext uri="{909E8E84-426E-40DD-AFC4-6F175D3DCCD1}">
-              <a14:hiddenFill xmlns:a14="http://schemas.microsoft.com/office/drawing/2010/main">
-                <a:solidFill>
-                  <a:schemeClr val="accent1"/>
-                </a:solidFill>
-              </a14:hiddenFill>
-            </a:ext>
-          </a:extLst>
-        </p:spPr>
-        <p:style>
-          <a:lnRef idx="2">
-            <a:schemeClr val="accent1">
-              <a:shade val="50000"/>
-            </a:schemeClr>
-          </a:lnRef>
-          <a:fillRef idx="1">
-            <a:schemeClr val="accent1"/>
-          </a:fillRef>
-          <a:effectRef idx="0">
-            <a:schemeClr val="accent1"/>
-          </a:effectRef>
-          <a:fontRef idx="minor">
-            <a:schemeClr val="lt1"/>
-          </a:fontRef>
-        </p:style>
-        <p:txBody>
-          <a:bodyPr rtlCol="0" anchor="ctr"/>
-          <a:p>
-            <a:pPr algn="ctr"/>
-            <a:r>
-              <a:rPr lang="zh-CN" altLang="en-US">
-                <a:solidFill>
-                  <a:schemeClr val="tx1"/>
-                </a:solidFill>
-              </a:rPr>
-              <a:t>考试时间</a:t>
-            </a:r>
-            <a:endParaRPr lang="zh-CN" altLang="en-US">
-              <a:solidFill>
-                <a:schemeClr val="tx1"/>
-              </a:solidFill>
-            </a:endParaRPr>
-          </a:p>
-        </p:txBody>
-      </p:sp>
-      <p:sp>
-        <p:nvSpPr>
-          <p:cNvPr id="10" name="矩形 9"/>
-          <p:cNvSpPr/>
-          <p:nvPr/>
-        </p:nvSpPr>
-        <p:spPr>
-          <a:xfrm>
-            <a:off x="4446905" y="6036945"/>
-            <a:ext cx="2359025" cy="432435"/>
-          </a:xfrm>
-          <a:prstGeom prst="rect">
-            <a:avLst/>
-          </a:prstGeom>
-          <a:solidFill>
-            <a:srgbClr val="00B050"/>
-          </a:solidFill>
-          <a:ln>
-            <a:noFill/>
-          </a:ln>
-        </p:spPr>
-        <p:style>
-          <a:lnRef idx="2">
-            <a:schemeClr val="accent1">
-              <a:shade val="50000"/>
-            </a:schemeClr>
-          </a:lnRef>
-          <a:fillRef idx="1">
-            <a:schemeClr val="accent1"/>
-          </a:fillRef>
-          <a:effectRef idx="0">
-            <a:schemeClr val="accent1"/>
-          </a:effectRef>
-          <a:fontRef idx="minor">
-            <a:schemeClr val="lt1"/>
-          </a:fontRef>
-        </p:style>
-        <p:txBody>
-          <a:bodyPr rtlCol="0" anchor="ctr"/>
-          <a:p>
-            <a:pPr algn="ctr"/>
-            <a:r>
-              <a:rPr lang="zh-CN" altLang="en-US">
-                <a:solidFill>
-                  <a:schemeClr val="bg1"/>
-                </a:solidFill>
-              </a:rPr>
-              <a:t>下一步</a:t>
-            </a:r>
-            <a:endParaRPr lang="zh-CN" altLang="en-US">
-              <a:solidFill>
-                <a:schemeClr val="bg1"/>
-              </a:solidFill>
-            </a:endParaRPr>
-          </a:p>
-        </p:txBody>
-      </p:sp>
-      <p:sp>
-        <p:nvSpPr>
           <p:cNvPr id="6" name="矩形 5"/>
           <p:cNvSpPr/>
           <p:nvPr/>
@@ -10555,7 +14704,7 @@
         <p:spPr>
           <a:xfrm>
             <a:off x="4003675" y="1695450"/>
-            <a:ext cx="3398520" cy="2279650"/>
+            <a:ext cx="3398520" cy="2883535"/>
           </a:xfrm>
           <a:prstGeom prst="rect">
             <a:avLst/>
@@ -10600,6 +14749,398 @@
       </p:sp>
       <p:sp>
         <p:nvSpPr>
+          <p:cNvPr id="4" name="文本框 3"/>
+          <p:cNvSpPr txBox="1"/>
+          <p:nvPr/>
+        </p:nvSpPr>
+        <p:spPr>
+          <a:xfrm>
+            <a:off x="0" y="0"/>
+            <a:ext cx="1681480" cy="368300"/>
+          </a:xfrm>
+          <a:prstGeom prst="rect">
+            <a:avLst/>
+          </a:prstGeom>
+          <a:noFill/>
+        </p:spPr>
+        <p:txBody>
+          <a:bodyPr wrap="none" rtlCol="0">
+            <a:spAutoFit/>
+          </a:bodyPr>
+          <a:p>
+            <a:pPr algn="l"/>
+            <a:r>
+              <a:rPr lang="zh-CN">
+                <a:sym typeface="+mn-ea"/>
+              </a:rPr>
+              <a:t>学生报名界面</a:t>
+            </a:r>
+            <a:r>
+              <a:rPr lang="en-US" altLang="zh-CN">
+                <a:sym typeface="+mn-ea"/>
+              </a:rPr>
+              <a:t>1</a:t>
+            </a:r>
+            <a:endParaRPr lang="en-US" altLang="zh-CN">
+              <a:sym typeface="+mn-ea"/>
+            </a:endParaRPr>
+          </a:p>
+        </p:txBody>
+      </p:sp>
+      <p:sp>
+        <p:nvSpPr>
+          <p:cNvPr id="5" name="矩形 4"/>
+          <p:cNvSpPr/>
+          <p:nvPr/>
+        </p:nvSpPr>
+        <p:spPr>
+          <a:xfrm>
+            <a:off x="4077970" y="1772920"/>
+            <a:ext cx="3248660" cy="468630"/>
+          </a:xfrm>
+          <a:prstGeom prst="rect">
+            <a:avLst/>
+          </a:prstGeom>
+          <a:noFill/>
+          <a:extLst>
+            <a:ext uri="{909E8E84-426E-40DD-AFC4-6F175D3DCCD1}">
+              <a14:hiddenFill xmlns:a14="http://schemas.microsoft.com/office/drawing/2010/main">
+                <a:solidFill>
+                  <a:schemeClr val="accent1"/>
+                </a:solidFill>
+              </a14:hiddenFill>
+            </a:ext>
+          </a:extLst>
+        </p:spPr>
+        <p:style>
+          <a:lnRef idx="2">
+            <a:schemeClr val="accent1">
+              <a:shade val="50000"/>
+            </a:schemeClr>
+          </a:lnRef>
+          <a:fillRef idx="1">
+            <a:schemeClr val="accent1"/>
+          </a:fillRef>
+          <a:effectRef idx="0">
+            <a:schemeClr val="accent1"/>
+          </a:effectRef>
+          <a:fontRef idx="minor">
+            <a:schemeClr val="lt1"/>
+          </a:fontRef>
+        </p:style>
+        <p:txBody>
+          <a:bodyPr rtlCol="0" anchor="ctr"/>
+          <a:p>
+            <a:pPr algn="ctr"/>
+            <a:r>
+              <a:rPr lang="zh-CN" altLang="en-US">
+                <a:solidFill>
+                  <a:schemeClr val="tx1"/>
+                </a:solidFill>
+              </a:rPr>
+              <a:t>考试名称</a:t>
+            </a:r>
+            <a:endParaRPr lang="zh-CN" altLang="en-US">
+              <a:solidFill>
+                <a:schemeClr val="tx1"/>
+              </a:solidFill>
+            </a:endParaRPr>
+          </a:p>
+        </p:txBody>
+      </p:sp>
+      <p:sp>
+        <p:nvSpPr>
+          <p:cNvPr id="11" name="矩形 10"/>
+          <p:cNvSpPr/>
+          <p:nvPr/>
+        </p:nvSpPr>
+        <p:spPr>
+          <a:xfrm>
+            <a:off x="4003675" y="1460500"/>
+            <a:ext cx="774700" cy="234950"/>
+          </a:xfrm>
+          <a:prstGeom prst="rect">
+            <a:avLst/>
+          </a:prstGeom>
+        </p:spPr>
+        <p:style>
+          <a:lnRef idx="2">
+            <a:schemeClr val="accent1">
+              <a:shade val="50000"/>
+            </a:schemeClr>
+          </a:lnRef>
+          <a:fillRef idx="1">
+            <a:schemeClr val="accent1"/>
+          </a:fillRef>
+          <a:effectRef idx="0">
+            <a:schemeClr val="accent1"/>
+          </a:effectRef>
+          <a:fontRef idx="minor">
+            <a:schemeClr val="lt1"/>
+          </a:fontRef>
+        </p:style>
+        <p:txBody>
+          <a:bodyPr rtlCol="0" anchor="ctr"/>
+          <a:p>
+            <a:pPr algn="ctr"/>
+            <a:r>
+              <a:rPr lang="zh-CN" altLang="en-US" sz="1000">
+                <a:solidFill>
+                  <a:schemeClr val="bg1"/>
+                </a:solidFill>
+              </a:rPr>
+              <a:t>考试信息</a:t>
+            </a:r>
+            <a:endParaRPr lang="zh-CN" altLang="en-US" sz="1000">
+              <a:solidFill>
+                <a:schemeClr val="bg1"/>
+              </a:solidFill>
+            </a:endParaRPr>
+          </a:p>
+        </p:txBody>
+      </p:sp>
+      <p:sp>
+        <p:nvSpPr>
+          <p:cNvPr id="13" name="矩形 12"/>
+          <p:cNvSpPr/>
+          <p:nvPr/>
+        </p:nvSpPr>
+        <p:spPr>
+          <a:xfrm>
+            <a:off x="4084320" y="3437255"/>
+            <a:ext cx="3248660" cy="468630"/>
+          </a:xfrm>
+          <a:prstGeom prst="rect">
+            <a:avLst/>
+          </a:prstGeom>
+          <a:noFill/>
+          <a:extLst>
+            <a:ext uri="{909E8E84-426E-40DD-AFC4-6F175D3DCCD1}">
+              <a14:hiddenFill xmlns:a14="http://schemas.microsoft.com/office/drawing/2010/main">
+                <a:solidFill>
+                  <a:schemeClr val="accent1"/>
+                </a:solidFill>
+              </a14:hiddenFill>
+            </a:ext>
+          </a:extLst>
+        </p:spPr>
+        <p:style>
+          <a:lnRef idx="2">
+            <a:schemeClr val="accent1">
+              <a:shade val="50000"/>
+            </a:schemeClr>
+          </a:lnRef>
+          <a:fillRef idx="1">
+            <a:schemeClr val="accent1"/>
+          </a:fillRef>
+          <a:effectRef idx="0">
+            <a:schemeClr val="accent1"/>
+          </a:effectRef>
+          <a:fontRef idx="minor">
+            <a:schemeClr val="lt1"/>
+          </a:fontRef>
+        </p:style>
+        <p:txBody>
+          <a:bodyPr rtlCol="0" anchor="ctr"/>
+          <a:p>
+            <a:pPr algn="ctr"/>
+            <a:r>
+              <a:rPr lang="zh-CN" altLang="en-US">
+                <a:solidFill>
+                  <a:schemeClr val="tx1"/>
+                </a:solidFill>
+              </a:rPr>
+              <a:t>考试网站链接</a:t>
+            </a:r>
+            <a:endParaRPr lang="zh-CN" altLang="en-US">
+              <a:solidFill>
+                <a:schemeClr val="tx1"/>
+              </a:solidFill>
+            </a:endParaRPr>
+          </a:p>
+        </p:txBody>
+      </p:sp>
+      <p:sp>
+        <p:nvSpPr>
+          <p:cNvPr id="14" name="矩形 13"/>
+          <p:cNvSpPr/>
+          <p:nvPr/>
+        </p:nvSpPr>
+        <p:spPr>
+          <a:xfrm>
+            <a:off x="4076700" y="2889885"/>
+            <a:ext cx="3248660" cy="468630"/>
+          </a:xfrm>
+          <a:prstGeom prst="rect">
+            <a:avLst/>
+          </a:prstGeom>
+          <a:noFill/>
+          <a:extLst>
+            <a:ext uri="{909E8E84-426E-40DD-AFC4-6F175D3DCCD1}">
+              <a14:hiddenFill xmlns:a14="http://schemas.microsoft.com/office/drawing/2010/main">
+                <a:solidFill>
+                  <a:schemeClr val="accent1"/>
+                </a:solidFill>
+              </a14:hiddenFill>
+            </a:ext>
+          </a:extLst>
+        </p:spPr>
+        <p:style>
+          <a:lnRef idx="2">
+            <a:schemeClr val="accent1">
+              <a:shade val="50000"/>
+            </a:schemeClr>
+          </a:lnRef>
+          <a:fillRef idx="1">
+            <a:schemeClr val="accent1"/>
+          </a:fillRef>
+          <a:effectRef idx="0">
+            <a:schemeClr val="accent1"/>
+          </a:effectRef>
+          <a:fontRef idx="minor">
+            <a:schemeClr val="lt1"/>
+          </a:fontRef>
+        </p:style>
+        <p:txBody>
+          <a:bodyPr rtlCol="0" anchor="ctr"/>
+          <a:p>
+            <a:pPr algn="ctr"/>
+            <a:r>
+              <a:rPr lang="zh-CN" altLang="en-US">
+                <a:solidFill>
+                  <a:schemeClr val="tx1"/>
+                </a:solidFill>
+              </a:rPr>
+              <a:t>考试说明</a:t>
+            </a:r>
+            <a:endParaRPr lang="en-US" altLang="zh-CN">
+              <a:solidFill>
+                <a:schemeClr val="tx1"/>
+              </a:solidFill>
+            </a:endParaRPr>
+          </a:p>
+        </p:txBody>
+      </p:sp>
+      <p:sp>
+        <p:nvSpPr>
+          <p:cNvPr id="15" name="矩形 14"/>
+          <p:cNvSpPr/>
+          <p:nvPr/>
+        </p:nvSpPr>
+        <p:spPr>
+          <a:xfrm>
+            <a:off x="4077970" y="2342515"/>
+            <a:ext cx="3248660" cy="468630"/>
+          </a:xfrm>
+          <a:prstGeom prst="rect">
+            <a:avLst/>
+          </a:prstGeom>
+          <a:noFill/>
+          <a:extLst>
+            <a:ext uri="{909E8E84-426E-40DD-AFC4-6F175D3DCCD1}">
+              <a14:hiddenFill xmlns:a14="http://schemas.microsoft.com/office/drawing/2010/main">
+                <a:solidFill>
+                  <a:schemeClr val="accent1"/>
+                </a:solidFill>
+              </a14:hiddenFill>
+            </a:ext>
+          </a:extLst>
+        </p:spPr>
+        <p:style>
+          <a:lnRef idx="2">
+            <a:schemeClr val="accent1">
+              <a:shade val="50000"/>
+            </a:schemeClr>
+          </a:lnRef>
+          <a:fillRef idx="1">
+            <a:schemeClr val="accent1"/>
+          </a:fillRef>
+          <a:effectRef idx="0">
+            <a:schemeClr val="accent1"/>
+          </a:effectRef>
+          <a:fontRef idx="minor">
+            <a:schemeClr val="lt1"/>
+          </a:fontRef>
+        </p:style>
+        <p:txBody>
+          <a:bodyPr rtlCol="0" anchor="ctr"/>
+          <a:p>
+            <a:pPr algn="ctr"/>
+            <a:r>
+              <a:rPr lang="zh-CN" altLang="en-US">
+                <a:solidFill>
+                  <a:schemeClr val="tx1"/>
+                </a:solidFill>
+              </a:rPr>
+              <a:t>考试时间</a:t>
+            </a:r>
+            <a:endParaRPr lang="zh-CN" altLang="en-US">
+              <a:solidFill>
+                <a:schemeClr val="tx1"/>
+              </a:solidFill>
+            </a:endParaRPr>
+          </a:p>
+        </p:txBody>
+      </p:sp>
+      <p:sp>
+        <p:nvSpPr>
+          <p:cNvPr id="10" name="矩形 9"/>
+          <p:cNvSpPr/>
+          <p:nvPr/>
+        </p:nvSpPr>
+        <p:spPr>
+          <a:xfrm>
+            <a:off x="4446905" y="6036945"/>
+            <a:ext cx="2359025" cy="432435"/>
+          </a:xfrm>
+          <a:prstGeom prst="rect">
+            <a:avLst/>
+          </a:prstGeom>
+          <a:solidFill>
+            <a:srgbClr val="00B050"/>
+          </a:solidFill>
+          <a:ln>
+            <a:noFill/>
+          </a:ln>
+        </p:spPr>
+        <p:style>
+          <a:lnRef idx="2">
+            <a:schemeClr val="accent1">
+              <a:shade val="50000"/>
+            </a:schemeClr>
+          </a:lnRef>
+          <a:fillRef idx="1">
+            <a:schemeClr val="accent1"/>
+          </a:fillRef>
+          <a:effectRef idx="0">
+            <a:schemeClr val="accent1"/>
+          </a:effectRef>
+          <a:fontRef idx="minor">
+            <a:schemeClr val="lt1"/>
+          </a:fontRef>
+        </p:style>
+        <p:txBody>
+          <a:bodyPr rtlCol="0" anchor="ctr"/>
+          <a:p>
+            <a:pPr algn="ctr"/>
+            <a:r>
+              <a:rPr lang="zh-CN" altLang="en-US">
+                <a:solidFill>
+                  <a:schemeClr val="bg1"/>
+                </a:solidFill>
+              </a:rPr>
+              <a:t>下一步</a:t>
+            </a:r>
+            <a:endParaRPr lang="zh-CN" altLang="en-US">
+              <a:solidFill>
+                <a:schemeClr val="bg1"/>
+              </a:solidFill>
+            </a:endParaRPr>
+          </a:p>
+        </p:txBody>
+      </p:sp>
+      <p:sp>
+        <p:nvSpPr>
           <p:cNvPr id="24" name="文本框 23"/>
           <p:cNvSpPr txBox="1"/>
           <p:nvPr/>
@@ -10630,6 +15171,67 @@
             <a:endParaRPr lang="zh-CN" altLang="en-US">
               <a:solidFill>
                 <a:srgbClr val="FF0000"/>
+              </a:solidFill>
+            </a:endParaRPr>
+          </a:p>
+        </p:txBody>
+      </p:sp>
+      <p:sp>
+        <p:nvSpPr>
+          <p:cNvPr id="3" name="矩形 2"/>
+          <p:cNvSpPr/>
+          <p:nvPr/>
+        </p:nvSpPr>
+        <p:spPr>
+          <a:xfrm>
+            <a:off x="4084320" y="4003675"/>
+            <a:ext cx="3248660" cy="468630"/>
+          </a:xfrm>
+          <a:prstGeom prst="rect">
+            <a:avLst/>
+          </a:prstGeom>
+          <a:noFill/>
+          <a:extLst>
+            <a:ext uri="{909E8E84-426E-40DD-AFC4-6F175D3DCCD1}">
+              <a14:hiddenFill xmlns:a14="http://schemas.microsoft.com/office/drawing/2010/main">
+                <a:solidFill>
+                  <a:schemeClr val="accent1"/>
+                </a:solidFill>
+              </a14:hiddenFill>
+            </a:ext>
+          </a:extLst>
+        </p:spPr>
+        <p:style>
+          <a:lnRef idx="2">
+            <a:schemeClr val="accent1">
+              <a:shade val="50000"/>
+            </a:schemeClr>
+          </a:lnRef>
+          <a:fillRef idx="1">
+            <a:schemeClr val="accent1"/>
+          </a:fillRef>
+          <a:effectRef idx="0">
+            <a:schemeClr val="accent1"/>
+          </a:effectRef>
+          <a:fontRef idx="minor">
+            <a:schemeClr val="lt1"/>
+          </a:fontRef>
+        </p:style>
+        <p:txBody>
+          <a:bodyPr rtlCol="0" anchor="ctr"/>
+          <a:p>
+            <a:pPr algn="ctr"/>
+            <a:r>
+              <a:rPr lang="zh-CN" altLang="en-US">
+                <a:solidFill>
+                  <a:schemeClr val="tx1"/>
+                </a:solidFill>
+              </a:rPr>
+              <a:t>报名截止日期</a:t>
+            </a:r>
+            <a:endParaRPr lang="zh-CN" altLang="en-US">
+              <a:solidFill>
+                <a:schemeClr val="tx1"/>
               </a:solidFill>
             </a:endParaRPr>
           </a:p>
@@ -11946,7 +16548,7 @@
         </p:nvSpPr>
         <p:spPr>
           <a:xfrm>
-            <a:off x="1681480" y="368300"/>
+            <a:off x="3851275" y="368300"/>
             <a:ext cx="3703320" cy="6331585"/>
           </a:xfrm>
           <a:prstGeom prst="rect">
@@ -12038,8 +16640,8 @@
         </p:nvSpPr>
         <p:spPr>
           <a:xfrm>
-            <a:off x="2797175" y="538480"/>
-            <a:ext cx="1471930" cy="320040"/>
+            <a:off x="4752340" y="538480"/>
+            <a:ext cx="1859280" cy="320040"/>
           </a:xfrm>
           <a:prstGeom prst="rect">
             <a:avLst/>
@@ -12071,7 +16673,7 @@
                   <a:schemeClr val="bg1"/>
                 </a:solidFill>
               </a:rPr>
-              <a:t>住宿方式</a:t>
+              <a:t>填写个人信息</a:t>
             </a:r>
             <a:endParaRPr lang="zh-CN" altLang="en-US" sz="2000">
               <a:solidFill>
@@ -12089,8 +16691,8 @@
         </p:nvSpPr>
         <p:spPr>
           <a:xfrm>
-            <a:off x="2063750" y="2289175"/>
-            <a:ext cx="2938780" cy="589915"/>
+            <a:off x="4233545" y="2076450"/>
+            <a:ext cx="2938780" cy="468630"/>
           </a:xfrm>
           <a:prstGeom prst="rect">
             <a:avLst/>
@@ -12132,7 +16734,7 @@
                   <a:schemeClr val="tx1"/>
                 </a:solidFill>
               </a:rPr>
-              <a:t>邀请他人合住</a:t>
+              <a:t>姓名</a:t>
             </a:r>
             <a:endParaRPr lang="zh-CN">
               <a:solidFill>
@@ -12144,28 +16746,24 @@
       </p:sp>
       <p:sp>
         <p:nvSpPr>
-          <p:cNvPr id="6" name="矩形 5"/>
+          <p:cNvPr id="10" name="矩形 9"/>
           <p:cNvSpPr/>
           <p:nvPr/>
         </p:nvSpPr>
         <p:spPr>
           <a:xfrm>
-            <a:off x="2063750" y="1238250"/>
-            <a:ext cx="2938780" cy="572135"/>
-          </a:xfrm>
-          <a:prstGeom prst="rect">
-            <a:avLst/>
-          </a:prstGeom>
-          <a:noFill/>
-          <a:extLst>
-            <a:ext uri="{909E8E84-426E-40DD-AFC4-6F175D3DCCD1}">
-              <a14:hiddenFill xmlns:a14="http://schemas.microsoft.com/office/drawing/2010/main">
-                <a:solidFill>
-                  <a:schemeClr val="accent1"/>
-                </a:solidFill>
-              </a14:hiddenFill>
-            </a:ext>
-          </a:extLst>
+            <a:off x="4446905" y="6036945"/>
+            <a:ext cx="2359025" cy="432435"/>
+          </a:xfrm>
+          <a:prstGeom prst="rect">
+            <a:avLst/>
+          </a:prstGeom>
+          <a:solidFill>
+            <a:srgbClr val="00B050"/>
+          </a:solidFill>
+          <a:ln>
+            <a:noFill/>
+          </a:ln>
         </p:spPr>
         <p:style>
           <a:lnRef idx="2">
@@ -12188,16 +16786,16 @@
           <a:p>
             <a:pPr algn="ctr"/>
             <a:r>
-              <a:rPr lang="zh-CN">
-                <a:solidFill>
-                  <a:schemeClr val="tx1"/>
-                </a:solidFill>
-              </a:rPr>
-              <a:t>系统分配入住</a:t>
-            </a:r>
-            <a:endParaRPr lang="zh-CN">
+              <a:rPr lang="zh-CN" altLang="en-US">
+                <a:solidFill>
+                  <a:schemeClr val="bg1"/>
+                </a:solidFill>
+              </a:rPr>
+              <a:t>下一步</a:t>
+            </a:r>
+            <a:endParaRPr lang="zh-CN" altLang="en-US">
               <a:solidFill>
-                <a:schemeClr val="tx1"/>
+                <a:schemeClr val="bg1"/>
               </a:solidFill>
             </a:endParaRPr>
           </a:p>
@@ -12205,14 +16803,14 @@
       </p:sp>
       <p:sp>
         <p:nvSpPr>
-          <p:cNvPr id="9" name="文本框 8"/>
+          <p:cNvPr id="24" name="文本框 23"/>
           <p:cNvSpPr txBox="1"/>
           <p:nvPr/>
         </p:nvSpPr>
         <p:spPr>
           <a:xfrm>
-            <a:off x="2063750" y="2877185"/>
-            <a:ext cx="2938145" cy="398780"/>
+            <a:off x="8557895" y="1684655"/>
+            <a:ext cx="2217420" cy="368300"/>
           </a:xfrm>
           <a:prstGeom prst="rect">
             <a:avLst/>
@@ -12224,63 +16822,32 @@
             <a:spAutoFit/>
           </a:bodyPr>
           <a:p>
-            <a:pPr algn="l"/>
-            <a:r>
-              <a:rPr lang="zh-CN" sz="1000">
-                <a:sym typeface="+mn-ea"/>
-              </a:rPr>
-              <a:t>为您创建一个房间，您可以使用邀请码邀请他人同住</a:t>
-            </a:r>
-            <a:endParaRPr lang="zh-CN" sz="1000">
-              <a:sym typeface="+mn-ea"/>
-            </a:endParaRPr>
-          </a:p>
-        </p:txBody>
-      </p:sp>
-      <p:sp>
-        <p:nvSpPr>
-          <p:cNvPr id="12" name="文本框 11"/>
-          <p:cNvSpPr txBox="1"/>
-          <p:nvPr/>
-        </p:nvSpPr>
-        <p:spPr>
-          <a:xfrm>
-            <a:off x="2063750" y="1809750"/>
-            <a:ext cx="2938145" cy="245110"/>
-          </a:xfrm>
-          <a:prstGeom prst="rect">
-            <a:avLst/>
-          </a:prstGeom>
-          <a:noFill/>
-        </p:spPr>
-        <p:txBody>
-          <a:bodyPr wrap="square" rtlCol="0">
-            <a:spAutoFit/>
-          </a:bodyPr>
-          <a:p>
-            <a:pPr algn="l"/>
-            <a:r>
-              <a:rPr lang="zh-CN" sz="1000">
-                <a:sym typeface="+mn-ea"/>
-              </a:rPr>
-              <a:t>与他人同住，系统将自动为您分配</a:t>
-            </a:r>
-            <a:endParaRPr lang="zh-CN" sz="1000">
-              <a:sym typeface="+mn-ea"/>
-            </a:endParaRPr>
-          </a:p>
-        </p:txBody>
-      </p:sp>
-      <p:sp>
-        <p:nvSpPr>
-          <p:cNvPr id="13" name="矩形 12"/>
+            <a:r>
+              <a:rPr lang="zh-CN" altLang="en-US">
+                <a:solidFill>
+                  <a:srgbClr val="FF0000"/>
+                </a:solidFill>
+              </a:rPr>
+              <a:t>查看并选择出发点</a:t>
+            </a:r>
+            <a:endParaRPr lang="zh-CN" altLang="en-US">
+              <a:solidFill>
+                <a:srgbClr val="FF0000"/>
+              </a:solidFill>
+            </a:endParaRPr>
+          </a:p>
+        </p:txBody>
+      </p:sp>
+      <p:sp>
+        <p:nvSpPr>
+          <p:cNvPr id="6" name="矩形 5"/>
           <p:cNvSpPr/>
           <p:nvPr/>
         </p:nvSpPr>
         <p:spPr>
           <a:xfrm>
-            <a:off x="2063750" y="3450590"/>
-            <a:ext cx="2938780" cy="572135"/>
+            <a:off x="4233545" y="2652395"/>
+            <a:ext cx="2938780" cy="468630"/>
           </a:xfrm>
           <a:prstGeom prst="rect">
             <a:avLst/>
@@ -12322,7 +16889,7 @@
                   <a:schemeClr val="tx1"/>
                 </a:solidFill>
               </a:rPr>
-              <a:t>加入他人房间</a:t>
+              <a:t>手机号</a:t>
             </a:r>
             <a:endParaRPr lang="zh-CN">
               <a:solidFill>
@@ -12334,104 +16901,19 @@
       </p:sp>
       <p:sp>
         <p:nvSpPr>
-          <p:cNvPr id="14" name="文本框 13"/>
-          <p:cNvSpPr txBox="1"/>
-          <p:nvPr/>
-        </p:nvSpPr>
-        <p:spPr>
-          <a:xfrm>
-            <a:off x="2063750" y="4022090"/>
-            <a:ext cx="2938145" cy="245110"/>
+          <p:cNvPr id="8" name="矩形 7"/>
+          <p:cNvSpPr/>
+          <p:nvPr/>
+        </p:nvSpPr>
+        <p:spPr>
+          <a:xfrm>
+            <a:off x="4233545" y="1504315"/>
+            <a:ext cx="2938780" cy="468630"/>
           </a:xfrm>
           <a:prstGeom prst="rect">
             <a:avLst/>
           </a:prstGeom>
           <a:noFill/>
-        </p:spPr>
-        <p:txBody>
-          <a:bodyPr wrap="square" rtlCol="0">
-            <a:spAutoFit/>
-          </a:bodyPr>
-          <a:p>
-            <a:pPr algn="l"/>
-            <a:r>
-              <a:rPr lang="zh-CN" sz="1000">
-                <a:sym typeface="+mn-ea"/>
-              </a:rPr>
-              <a:t>加入他人创建的房间</a:t>
-            </a:r>
-            <a:endParaRPr lang="zh-CN" sz="1000">
-              <a:sym typeface="+mn-ea"/>
-            </a:endParaRPr>
-          </a:p>
-        </p:txBody>
-      </p:sp>
-      <p:sp>
-        <p:nvSpPr>
-          <p:cNvPr id="16" name="矩形 15"/>
-          <p:cNvSpPr/>
-          <p:nvPr/>
-        </p:nvSpPr>
-        <p:spPr>
-          <a:xfrm>
-            <a:off x="6754495" y="368300"/>
-            <a:ext cx="3703320" cy="6331585"/>
-          </a:xfrm>
-          <a:prstGeom prst="rect">
-            <a:avLst/>
-          </a:prstGeom>
-          <a:solidFill>
-            <a:srgbClr val="000000">
-              <a:alpha val="0"/>
-            </a:srgbClr>
-          </a:solidFill>
-          <a:ln w="19050"/>
-          <a:extLst>
-            <a:ext uri="{909E8E84-426E-40DD-AFC4-6F175D3DCCD1}">
-              <a14:hiddenFill xmlns:a14="http://schemas.microsoft.com/office/drawing/2010/main">
-                <a:solidFill>
-                  <a:schemeClr val="accent1"/>
-                </a:solidFill>
-              </a14:hiddenFill>
-            </a:ext>
-          </a:extLst>
-        </p:spPr>
-        <p:style>
-          <a:lnRef idx="1">
-            <a:schemeClr val="accent1"/>
-          </a:lnRef>
-          <a:fillRef idx="2">
-            <a:schemeClr val="accent1"/>
-          </a:fillRef>
-          <a:effectRef idx="1">
-            <a:schemeClr val="accent1"/>
-          </a:effectRef>
-          <a:fontRef idx="minor">
-            <a:schemeClr val="dk1"/>
-          </a:fontRef>
-        </p:style>
-        <p:txBody>
-          <a:bodyPr rtlCol="0" anchor="ctr"/>
-          <a:p>
-            <a:pPr algn="ctr"/>
-            <a:endParaRPr lang="zh-CN" altLang="en-US"/>
-          </a:p>
-        </p:txBody>
-      </p:sp>
-      <p:sp>
-        <p:nvSpPr>
-          <p:cNvPr id="17" name="矩形 16"/>
-          <p:cNvSpPr/>
-          <p:nvPr/>
-        </p:nvSpPr>
-        <p:spPr>
-          <a:xfrm>
-            <a:off x="7136765" y="1009650"/>
-            <a:ext cx="2938780" cy="675005"/>
-          </a:xfrm>
-          <a:prstGeom prst="rect">
-            <a:avLst/>
-          </a:prstGeom>
           <a:extLst>
             <a:ext uri="{909E8E84-426E-40DD-AFC4-6F175D3DCCD1}">
               <a14:hiddenFill xmlns:a14="http://schemas.microsoft.com/office/drawing/2010/main">
@@ -12463,460 +16945,16 @@
           <a:p>
             <a:pPr algn="ctr"/>
             <a:r>
-              <a:rPr lang="zh-CN" altLang="en-US">
-                <a:solidFill>
-                  <a:schemeClr val="bg1"/>
-                </a:solidFill>
-              </a:rPr>
-              <a:t>独住一间</a:t>
-            </a:r>
-            <a:endParaRPr lang="zh-CN">
-              <a:solidFill>
-                <a:schemeClr val="bg1"/>
-              </a:solidFill>
-            </a:endParaRPr>
-          </a:p>
-        </p:txBody>
-      </p:sp>
-      <p:sp>
-        <p:nvSpPr>
-          <p:cNvPr id="18" name="矩形 17"/>
-          <p:cNvSpPr/>
-          <p:nvPr/>
-        </p:nvSpPr>
-        <p:spPr>
-          <a:xfrm>
-            <a:off x="7870190" y="538480"/>
-            <a:ext cx="1471930" cy="320040"/>
-          </a:xfrm>
-          <a:prstGeom prst="rect">
-            <a:avLst/>
-          </a:prstGeom>
-        </p:spPr>
-        <p:style>
-          <a:lnRef idx="2">
-            <a:schemeClr val="accent1">
-              <a:shade val="50000"/>
-            </a:schemeClr>
-          </a:lnRef>
-          <a:fillRef idx="1">
-            <a:schemeClr val="accent1"/>
-          </a:fillRef>
-          <a:effectRef idx="0">
-            <a:schemeClr val="accent1"/>
-          </a:effectRef>
-          <a:fontRef idx="minor">
-            <a:schemeClr val="lt1"/>
-          </a:fontRef>
-        </p:style>
-        <p:txBody>
-          <a:bodyPr rtlCol="0" anchor="ctr"/>
-          <a:p>
-            <a:pPr algn="ctr"/>
-            <a:r>
-              <a:rPr lang="zh-CN" altLang="en-US" sz="2000">
-                <a:solidFill>
-                  <a:schemeClr val="bg1"/>
-                </a:solidFill>
-              </a:rPr>
-              <a:t>住宿方式</a:t>
-            </a:r>
-            <a:endParaRPr lang="zh-CN" altLang="en-US" sz="2000">
-              <a:solidFill>
-                <a:schemeClr val="bg1"/>
-              </a:solidFill>
-            </a:endParaRPr>
-          </a:p>
-        </p:txBody>
-      </p:sp>
-      <p:sp>
-        <p:nvSpPr>
-          <p:cNvPr id="19" name="矩形 18"/>
-          <p:cNvSpPr/>
-          <p:nvPr/>
-        </p:nvSpPr>
-        <p:spPr>
-          <a:xfrm>
-            <a:off x="7136765" y="2234565"/>
-            <a:ext cx="2938780" cy="589915"/>
-          </a:xfrm>
-          <a:prstGeom prst="rect">
-            <a:avLst/>
-          </a:prstGeom>
-          <a:noFill/>
-          <a:extLst>
-            <a:ext uri="{909E8E84-426E-40DD-AFC4-6F175D3DCCD1}">
-              <a14:hiddenFill xmlns:a14="http://schemas.microsoft.com/office/drawing/2010/main">
-                <a:solidFill>
-                  <a:schemeClr val="accent1"/>
-                </a:solidFill>
-              </a14:hiddenFill>
-            </a:ext>
-          </a:extLst>
-        </p:spPr>
-        <p:style>
-          <a:lnRef idx="2">
-            <a:schemeClr val="accent1">
-              <a:shade val="50000"/>
-            </a:schemeClr>
-          </a:lnRef>
-          <a:fillRef idx="1">
-            <a:schemeClr val="accent1"/>
-          </a:fillRef>
-          <a:effectRef idx="0">
-            <a:schemeClr val="accent1"/>
-          </a:effectRef>
-          <a:fontRef idx="minor">
-            <a:schemeClr val="lt1"/>
-          </a:fontRef>
-        </p:style>
-        <p:txBody>
-          <a:bodyPr rtlCol="0" anchor="ctr"/>
-          <a:p>
-            <a:pPr algn="ctr"/>
-            <a:r>
               <a:rPr lang="zh-CN">
                 <a:solidFill>
                   <a:schemeClr val="tx1"/>
                 </a:solidFill>
               </a:rPr>
-              <a:t>邀请他人合住</a:t>
+              <a:t>身份证号</a:t>
             </a:r>
             <a:endParaRPr lang="zh-CN">
               <a:solidFill>
                 <a:schemeClr val="tx1"/>
-              </a:solidFill>
-            </a:endParaRPr>
-          </a:p>
-        </p:txBody>
-      </p:sp>
-      <p:sp>
-        <p:nvSpPr>
-          <p:cNvPr id="21" name="矩形 20"/>
-          <p:cNvSpPr/>
-          <p:nvPr/>
-        </p:nvSpPr>
-        <p:spPr>
-          <a:xfrm>
-            <a:off x="7136765" y="3450590"/>
-            <a:ext cx="2938780" cy="572135"/>
-          </a:xfrm>
-          <a:prstGeom prst="rect">
-            <a:avLst/>
-          </a:prstGeom>
-          <a:noFill/>
-          <a:extLst>
-            <a:ext uri="{909E8E84-426E-40DD-AFC4-6F175D3DCCD1}">
-              <a14:hiddenFill xmlns:a14="http://schemas.microsoft.com/office/drawing/2010/main">
-                <a:solidFill>
-                  <a:schemeClr val="accent1"/>
-                </a:solidFill>
-              </a14:hiddenFill>
-            </a:ext>
-          </a:extLst>
-        </p:spPr>
-        <p:style>
-          <a:lnRef idx="2">
-            <a:schemeClr val="accent1">
-              <a:shade val="50000"/>
-            </a:schemeClr>
-          </a:lnRef>
-          <a:fillRef idx="1">
-            <a:schemeClr val="accent1"/>
-          </a:fillRef>
-          <a:effectRef idx="0">
-            <a:schemeClr val="accent1"/>
-          </a:effectRef>
-          <a:fontRef idx="minor">
-            <a:schemeClr val="lt1"/>
-          </a:fontRef>
-        </p:style>
-        <p:txBody>
-          <a:bodyPr rtlCol="0" anchor="ctr"/>
-          <a:p>
-            <a:pPr algn="ctr"/>
-            <a:r>
-              <a:rPr lang="zh-CN">
-                <a:solidFill>
-                  <a:schemeClr val="tx1"/>
-                </a:solidFill>
-              </a:rPr>
-              <a:t>系统分配入住</a:t>
-            </a:r>
-            <a:endParaRPr lang="zh-CN">
-              <a:solidFill>
-                <a:schemeClr val="tx1"/>
-              </a:solidFill>
-            </a:endParaRPr>
-          </a:p>
-        </p:txBody>
-      </p:sp>
-      <p:sp>
-        <p:nvSpPr>
-          <p:cNvPr id="22" name="文本框 21"/>
-          <p:cNvSpPr txBox="1"/>
-          <p:nvPr/>
-        </p:nvSpPr>
-        <p:spPr>
-          <a:xfrm>
-            <a:off x="7136765" y="1680210"/>
-            <a:ext cx="2938145" cy="398780"/>
-          </a:xfrm>
-          <a:prstGeom prst="rect">
-            <a:avLst/>
-          </a:prstGeom>
-          <a:noFill/>
-        </p:spPr>
-        <p:txBody>
-          <a:bodyPr wrap="square" rtlCol="0">
-            <a:spAutoFit/>
-          </a:bodyPr>
-          <a:p>
-            <a:pPr algn="l"/>
-            <a:r>
-              <a:rPr lang="zh-CN" sz="1000">
-                <a:sym typeface="+mn-ea"/>
-              </a:rPr>
-              <a:t>不与他人合住，我们将为您安排单独房间，您将支付一间房的全部费用</a:t>
-            </a:r>
-            <a:endParaRPr lang="zh-CN" sz="1000">
-              <a:sym typeface="+mn-ea"/>
-            </a:endParaRPr>
-          </a:p>
-        </p:txBody>
-      </p:sp>
-      <p:sp>
-        <p:nvSpPr>
-          <p:cNvPr id="23" name="文本框 22"/>
-          <p:cNvSpPr txBox="1"/>
-          <p:nvPr/>
-        </p:nvSpPr>
-        <p:spPr>
-          <a:xfrm>
-            <a:off x="7136765" y="2822575"/>
-            <a:ext cx="2938145" cy="398780"/>
-          </a:xfrm>
-          <a:prstGeom prst="rect">
-            <a:avLst/>
-          </a:prstGeom>
-          <a:noFill/>
-        </p:spPr>
-        <p:txBody>
-          <a:bodyPr wrap="square" rtlCol="0">
-            <a:spAutoFit/>
-          </a:bodyPr>
-          <a:p>
-            <a:pPr algn="l"/>
-            <a:r>
-              <a:rPr lang="zh-CN" sz="1000">
-                <a:sym typeface="+mn-ea"/>
-              </a:rPr>
-              <a:t>由您支付一间房的费用，支付成功后将下发给您一个邀请码，仅可邀请一人同住</a:t>
-            </a:r>
-            <a:endParaRPr lang="zh-CN" sz="1000">
-              <a:sym typeface="+mn-ea"/>
-            </a:endParaRPr>
-          </a:p>
-        </p:txBody>
-      </p:sp>
-      <p:sp>
-        <p:nvSpPr>
-          <p:cNvPr id="25" name="文本框 24"/>
-          <p:cNvSpPr txBox="1"/>
-          <p:nvPr/>
-        </p:nvSpPr>
-        <p:spPr>
-          <a:xfrm>
-            <a:off x="7136765" y="4022090"/>
-            <a:ext cx="2938145" cy="245110"/>
-          </a:xfrm>
-          <a:prstGeom prst="rect">
-            <a:avLst/>
-          </a:prstGeom>
-          <a:noFill/>
-        </p:spPr>
-        <p:txBody>
-          <a:bodyPr wrap="square" rtlCol="0">
-            <a:spAutoFit/>
-          </a:bodyPr>
-          <a:p>
-            <a:pPr algn="l"/>
-            <a:r>
-              <a:rPr lang="zh-CN" sz="1000">
-                <a:sym typeface="+mn-ea"/>
-              </a:rPr>
-              <a:t>与他人同住，系统将自动为您分配</a:t>
-            </a:r>
-            <a:endParaRPr lang="zh-CN" sz="1000">
-              <a:sym typeface="+mn-ea"/>
-            </a:endParaRPr>
-          </a:p>
-        </p:txBody>
-      </p:sp>
-      <p:sp>
-        <p:nvSpPr>
-          <p:cNvPr id="26" name="矩形 25"/>
-          <p:cNvSpPr/>
-          <p:nvPr/>
-        </p:nvSpPr>
-        <p:spPr>
-          <a:xfrm>
-            <a:off x="7137400" y="4603750"/>
-            <a:ext cx="2938780" cy="572135"/>
-          </a:xfrm>
-          <a:prstGeom prst="rect">
-            <a:avLst/>
-          </a:prstGeom>
-          <a:noFill/>
-          <a:extLst>
-            <a:ext uri="{909E8E84-426E-40DD-AFC4-6F175D3DCCD1}">
-              <a14:hiddenFill xmlns:a14="http://schemas.microsoft.com/office/drawing/2010/main">
-                <a:solidFill>
-                  <a:schemeClr val="accent1"/>
-                </a:solidFill>
-              </a14:hiddenFill>
-            </a:ext>
-          </a:extLst>
-        </p:spPr>
-        <p:style>
-          <a:lnRef idx="2">
-            <a:schemeClr val="accent1">
-              <a:shade val="50000"/>
-            </a:schemeClr>
-          </a:lnRef>
-          <a:fillRef idx="1">
-            <a:schemeClr val="accent1"/>
-          </a:fillRef>
-          <a:effectRef idx="0">
-            <a:schemeClr val="accent1"/>
-          </a:effectRef>
-          <a:fontRef idx="minor">
-            <a:schemeClr val="lt1"/>
-          </a:fontRef>
-        </p:style>
-        <p:txBody>
-          <a:bodyPr rtlCol="0" anchor="ctr"/>
-          <a:p>
-            <a:pPr algn="ctr"/>
-            <a:r>
-              <a:rPr lang="zh-CN">
-                <a:solidFill>
-                  <a:schemeClr val="tx1"/>
-                </a:solidFill>
-              </a:rPr>
-              <a:t>加入他人房间</a:t>
-            </a:r>
-            <a:endParaRPr lang="zh-CN">
-              <a:solidFill>
-                <a:schemeClr val="tx1"/>
-              </a:solidFill>
-            </a:endParaRPr>
-          </a:p>
-        </p:txBody>
-      </p:sp>
-      <p:sp>
-        <p:nvSpPr>
-          <p:cNvPr id="27" name="文本框 26"/>
-          <p:cNvSpPr txBox="1"/>
-          <p:nvPr/>
-        </p:nvSpPr>
-        <p:spPr>
-          <a:xfrm>
-            <a:off x="7137400" y="5175250"/>
-            <a:ext cx="2938145" cy="245110"/>
-          </a:xfrm>
-          <a:prstGeom prst="rect">
-            <a:avLst/>
-          </a:prstGeom>
-          <a:noFill/>
-        </p:spPr>
-        <p:txBody>
-          <a:bodyPr wrap="square" rtlCol="0">
-            <a:spAutoFit/>
-          </a:bodyPr>
-          <a:p>
-            <a:pPr algn="l"/>
-            <a:r>
-              <a:rPr lang="zh-CN" sz="1000">
-                <a:sym typeface="+mn-ea"/>
-              </a:rPr>
-              <a:t>与他人同住，系统将自动为您分配</a:t>
-            </a:r>
-            <a:endParaRPr lang="zh-CN" sz="1000">
-              <a:sym typeface="+mn-ea"/>
-            </a:endParaRPr>
-          </a:p>
-        </p:txBody>
-      </p:sp>
-      <p:sp>
-        <p:nvSpPr>
-          <p:cNvPr id="28" name="文本框 27"/>
-          <p:cNvSpPr txBox="1"/>
-          <p:nvPr/>
-        </p:nvSpPr>
-        <p:spPr>
-          <a:xfrm>
-            <a:off x="567055" y="1009650"/>
-            <a:ext cx="1114425" cy="368300"/>
-          </a:xfrm>
-          <a:prstGeom prst="rect">
-            <a:avLst/>
-          </a:prstGeom>
-          <a:noFill/>
-        </p:spPr>
-        <p:txBody>
-          <a:bodyPr wrap="square" rtlCol="0">
-            <a:spAutoFit/>
-          </a:bodyPr>
-          <a:p>
-            <a:r>
-              <a:rPr lang="zh-CN" altLang="en-US">
-                <a:solidFill>
-                  <a:srgbClr val="FF0000"/>
-                </a:solidFill>
-              </a:rPr>
-              <a:t>统一付费</a:t>
-            </a:r>
-            <a:endParaRPr lang="zh-CN" altLang="en-US">
-              <a:solidFill>
-                <a:srgbClr val="FF0000"/>
-              </a:solidFill>
-            </a:endParaRPr>
-          </a:p>
-        </p:txBody>
-      </p:sp>
-      <p:sp>
-        <p:nvSpPr>
-          <p:cNvPr id="30" name="文本框 29"/>
-          <p:cNvSpPr txBox="1"/>
-          <p:nvPr/>
-        </p:nvSpPr>
-        <p:spPr>
-          <a:xfrm>
-            <a:off x="5634355" y="1009650"/>
-            <a:ext cx="1120140" cy="368300"/>
-          </a:xfrm>
-          <a:prstGeom prst="rect">
-            <a:avLst/>
-          </a:prstGeom>
-          <a:noFill/>
-        </p:spPr>
-        <p:txBody>
-          <a:bodyPr wrap="square" rtlCol="0">
-            <a:spAutoFit/>
-          </a:bodyPr>
-          <a:p>
-            <a:r>
-              <a:rPr lang="zh-CN" altLang="en-US">
-                <a:solidFill>
-                  <a:srgbClr val="FF0000"/>
-                </a:solidFill>
-              </a:rPr>
-              <a:t>学生付费</a:t>
-            </a:r>
-            <a:endParaRPr lang="zh-CN" altLang="en-US">
-              <a:solidFill>
-                <a:srgbClr val="FF0000"/>
               </a:solidFill>
             </a:endParaRPr>
           </a:p>
@@ -13928,6 +17966,69 @@
 </p:tagLst>
 </file>
 
+<file path=ppt/tags/tag73.xml><?xml version="1.0" encoding="utf-8"?>
+<p:tagLst xmlns:p="http://schemas.openxmlformats.org/presentationml/2006/main">
+  <p:tag name="KSO_WM_SLIDE_ID" val="custom20205081_1"/>
+  <p:tag name="KSO_WM_TEMPLATE_SUBCATEGORY" val="19"/>
+  <p:tag name="KSO_WM_TEMPLATE_MASTER_TYPE" val="0"/>
+  <p:tag name="KSO_WM_TEMPLATE_COLOR_TYPE" val="1"/>
+  <p:tag name="KSO_WM_SLIDE_TYPE" val="title"/>
+  <p:tag name="KSO_WM_SLIDE_SUBTYPE" val="defaultBlank"/>
+  <p:tag name="KSO_WM_SLIDE_ITEM_CNT" val="0"/>
+  <p:tag name="KSO_WM_SLIDE_INDEX" val="1"/>
+  <p:tag name="KSO_WM_TAG_VERSION" val="1.0"/>
+  <p:tag name="KSO_WM_BEAUTIFY_FLAG" val="#wm#"/>
+  <p:tag name="KSO_WM_TEMPLATE_CATEGORY" val="custom"/>
+  <p:tag name="KSO_WM_TEMPLATE_INDEX" val="20205081"/>
+  <p:tag name="KSO_WM_SLIDE_LAYOUT" val="a_b"/>
+  <p:tag name="KSO_WM_SLIDE_LAYOUT_CNT" val="1_1"/>
+  <p:tag name="KSO_WM_UNIT_SHOW_EDIT_AREA_INDICATION" val="1"/>
+  <p:tag name="KSO_WM_TEMPLATE_THUMBS_INDEX" val="1、4、7、12、13、14、15、16、17、18、20、24、25、28、33、36、40、43、44"/>
+</p:tagLst>
+</file>
+
+<file path=ppt/tags/tag74.xml><?xml version="1.0" encoding="utf-8"?>
+<p:tagLst xmlns:p="http://schemas.openxmlformats.org/presentationml/2006/main">
+  <p:tag name="KSO_WM_SLIDE_ID" val="custom20205081_1"/>
+  <p:tag name="KSO_WM_TEMPLATE_SUBCATEGORY" val="19"/>
+  <p:tag name="KSO_WM_TEMPLATE_MASTER_TYPE" val="0"/>
+  <p:tag name="KSO_WM_TEMPLATE_COLOR_TYPE" val="1"/>
+  <p:tag name="KSO_WM_SLIDE_TYPE" val="title"/>
+  <p:tag name="KSO_WM_SLIDE_SUBTYPE" val="defaultBlank"/>
+  <p:tag name="KSO_WM_SLIDE_ITEM_CNT" val="0"/>
+  <p:tag name="KSO_WM_SLIDE_INDEX" val="1"/>
+  <p:tag name="KSO_WM_TAG_VERSION" val="1.0"/>
+  <p:tag name="KSO_WM_BEAUTIFY_FLAG" val="#wm#"/>
+  <p:tag name="KSO_WM_TEMPLATE_CATEGORY" val="custom"/>
+  <p:tag name="KSO_WM_TEMPLATE_INDEX" val="20205081"/>
+  <p:tag name="KSO_WM_SLIDE_LAYOUT" val="a_b"/>
+  <p:tag name="KSO_WM_SLIDE_LAYOUT_CNT" val="1_1"/>
+  <p:tag name="KSO_WM_UNIT_SHOW_EDIT_AREA_INDICATION" val="1"/>
+  <p:tag name="KSO_WM_TEMPLATE_THUMBS_INDEX" val="1、4、7、12、13、14、15、16、17、18、20、24、25、28、33、36、40、43、44"/>
+</p:tagLst>
+</file>
+
+<file path=ppt/tags/tag75.xml><?xml version="1.0" encoding="utf-8"?>
+<p:tagLst xmlns:p="http://schemas.openxmlformats.org/presentationml/2006/main">
+  <p:tag name="KSO_WM_SLIDE_ID" val="custom20205081_1"/>
+  <p:tag name="KSO_WM_TEMPLATE_SUBCATEGORY" val="19"/>
+  <p:tag name="KSO_WM_TEMPLATE_MASTER_TYPE" val="0"/>
+  <p:tag name="KSO_WM_TEMPLATE_COLOR_TYPE" val="1"/>
+  <p:tag name="KSO_WM_SLIDE_TYPE" val="title"/>
+  <p:tag name="KSO_WM_SLIDE_SUBTYPE" val="defaultBlank"/>
+  <p:tag name="KSO_WM_SLIDE_ITEM_CNT" val="0"/>
+  <p:tag name="KSO_WM_SLIDE_INDEX" val="1"/>
+  <p:tag name="KSO_WM_TAG_VERSION" val="1.0"/>
+  <p:tag name="KSO_WM_BEAUTIFY_FLAG" val="#wm#"/>
+  <p:tag name="KSO_WM_TEMPLATE_CATEGORY" val="custom"/>
+  <p:tag name="KSO_WM_TEMPLATE_INDEX" val="20205081"/>
+  <p:tag name="KSO_WM_SLIDE_LAYOUT" val="a_b"/>
+  <p:tag name="KSO_WM_SLIDE_LAYOUT_CNT" val="1_1"/>
+  <p:tag name="KSO_WM_UNIT_SHOW_EDIT_AREA_INDICATION" val="1"/>
+  <p:tag name="KSO_WM_TEMPLATE_THUMBS_INDEX" val="1、4、7、12、13、14、15、16、17、18、20、24、25、28、33、36、40、43、44"/>
+</p:tagLst>
+</file>
+
 <file path=ppt/tags/tag8.xml><?xml version="1.0" encoding="utf-8"?>
 <p:tagLst xmlns:p="http://schemas.openxmlformats.org/presentationml/2006/main">
   <p:tag name="KSO_WM_UNIT_HIGHLIGHT" val="0"/>

--- a/eTeam需求界面1.pptx
+++ b/eTeam需求界面1.pptx
@@ -10,14 +10,15 @@
     <p:sldId id="416" r:id="rId5"/>
     <p:sldId id="415" r:id="rId6"/>
     <p:sldId id="410" r:id="rId7"/>
-    <p:sldId id="420" r:id="rId8"/>
-    <p:sldId id="421" r:id="rId9"/>
-    <p:sldId id="422" r:id="rId10"/>
-    <p:sldId id="426" r:id="rId11"/>
-    <p:sldId id="423" r:id="rId12"/>
-    <p:sldId id="424" r:id="rId13"/>
-    <p:sldId id="427" r:id="rId14"/>
-    <p:sldId id="425" r:id="rId15"/>
+    <p:sldId id="431" r:id="rId8"/>
+    <p:sldId id="420" r:id="rId9"/>
+    <p:sldId id="421" r:id="rId10"/>
+    <p:sldId id="422" r:id="rId11"/>
+    <p:sldId id="426" r:id="rId12"/>
+    <p:sldId id="423" r:id="rId13"/>
+    <p:sldId id="424" r:id="rId14"/>
+    <p:sldId id="427" r:id="rId15"/>
+    <p:sldId id="425" r:id="rId16"/>
   </p:sldIdLst>
   <p:sldSz cx="12192000" cy="6858000"/>
   <p:notesSz cx="6858000" cy="9144000"/>
@@ -6026,7 +6027,7 @@
         </p:nvSpPr>
         <p:spPr>
           <a:xfrm>
-            <a:off x="1681480" y="368300"/>
+            <a:off x="3851275" y="368300"/>
             <a:ext cx="3703320" cy="6331585"/>
           </a:xfrm>
           <a:prstGeom prst="rect">
@@ -6102,7 +6103,7 @@
               <a:rPr lang="en-US" altLang="zh-CN">
                 <a:sym typeface="+mn-ea"/>
               </a:rPr>
-              <a:t>5</a:t>
+              <a:t>4</a:t>
             </a:r>
             <a:endParaRPr lang="en-US" altLang="zh-CN">
               <a:sym typeface="+mn-ea"/>
@@ -6118,8 +6119,8 @@
         </p:nvSpPr>
         <p:spPr>
           <a:xfrm>
-            <a:off x="2797175" y="538480"/>
-            <a:ext cx="1471930" cy="320040"/>
+            <a:off x="4752340" y="538480"/>
+            <a:ext cx="1859280" cy="320040"/>
           </a:xfrm>
           <a:prstGeom prst="rect">
             <a:avLst/>
@@ -6151,7 +6152,7 @@
                   <a:schemeClr val="bg1"/>
                 </a:solidFill>
               </a:rPr>
-              <a:t>住宿方式</a:t>
+              <a:t>填写个人信息</a:t>
             </a:r>
             <a:endParaRPr lang="zh-CN" altLang="en-US" sz="2000">
               <a:solidFill>
@@ -6169,8 +6170,8 @@
         </p:nvSpPr>
         <p:spPr>
           <a:xfrm>
-            <a:off x="2063750" y="2289175"/>
-            <a:ext cx="2938780" cy="589915"/>
+            <a:off x="4233545" y="2076450"/>
+            <a:ext cx="2938780" cy="468630"/>
           </a:xfrm>
           <a:prstGeom prst="rect">
             <a:avLst/>
@@ -6212,7 +6213,7 @@
                   <a:schemeClr val="tx1"/>
                 </a:solidFill>
               </a:rPr>
-              <a:t>邀请他人合住</a:t>
+              <a:t>姓名</a:t>
             </a:r>
             <a:endParaRPr lang="zh-CN">
               <a:solidFill>
@@ -6224,28 +6225,24 @@
       </p:sp>
       <p:sp>
         <p:nvSpPr>
-          <p:cNvPr id="6" name="矩形 5"/>
+          <p:cNvPr id="10" name="矩形 9"/>
           <p:cNvSpPr/>
           <p:nvPr/>
         </p:nvSpPr>
         <p:spPr>
           <a:xfrm>
-            <a:off x="2063750" y="1238250"/>
-            <a:ext cx="2938780" cy="572135"/>
-          </a:xfrm>
-          <a:prstGeom prst="rect">
-            <a:avLst/>
-          </a:prstGeom>
-          <a:noFill/>
-          <a:extLst>
-            <a:ext uri="{909E8E84-426E-40DD-AFC4-6F175D3DCCD1}">
-              <a14:hiddenFill xmlns:a14="http://schemas.microsoft.com/office/drawing/2010/main">
-                <a:solidFill>
-                  <a:schemeClr val="accent1"/>
-                </a:solidFill>
-              </a14:hiddenFill>
-            </a:ext>
-          </a:extLst>
+            <a:off x="4446905" y="6036945"/>
+            <a:ext cx="2359025" cy="432435"/>
+          </a:xfrm>
+          <a:prstGeom prst="rect">
+            <a:avLst/>
+          </a:prstGeom>
+          <a:solidFill>
+            <a:srgbClr val="00B050"/>
+          </a:solidFill>
+          <a:ln>
+            <a:noFill/>
+          </a:ln>
         </p:spPr>
         <p:style>
           <a:lnRef idx="2">
@@ -6268,16 +6265,16 @@
           <a:p>
             <a:pPr algn="ctr"/>
             <a:r>
-              <a:rPr lang="zh-CN">
-                <a:solidFill>
-                  <a:schemeClr val="tx1"/>
-                </a:solidFill>
-              </a:rPr>
-              <a:t>系统分配入住</a:t>
-            </a:r>
-            <a:endParaRPr lang="zh-CN">
+              <a:rPr lang="zh-CN" altLang="en-US">
+                <a:solidFill>
+                  <a:schemeClr val="bg1"/>
+                </a:solidFill>
+              </a:rPr>
+              <a:t>下一步</a:t>
+            </a:r>
+            <a:endParaRPr lang="zh-CN" altLang="en-US">
               <a:solidFill>
-                <a:schemeClr val="tx1"/>
+                <a:schemeClr val="bg1"/>
               </a:solidFill>
             </a:endParaRPr>
           </a:p>
@@ -6285,14 +6282,14 @@
       </p:sp>
       <p:sp>
         <p:nvSpPr>
-          <p:cNvPr id="9" name="文本框 8"/>
+          <p:cNvPr id="24" name="文本框 23"/>
           <p:cNvSpPr txBox="1"/>
           <p:nvPr/>
         </p:nvSpPr>
         <p:spPr>
           <a:xfrm>
-            <a:off x="2063750" y="2877185"/>
-            <a:ext cx="2938145" cy="398780"/>
+            <a:off x="8557895" y="1684655"/>
+            <a:ext cx="2217420" cy="368300"/>
           </a:xfrm>
           <a:prstGeom prst="rect">
             <a:avLst/>
@@ -6304,63 +6301,32 @@
             <a:spAutoFit/>
           </a:bodyPr>
           <a:p>
-            <a:pPr algn="l"/>
-            <a:r>
-              <a:rPr lang="zh-CN" sz="1000">
-                <a:sym typeface="+mn-ea"/>
-              </a:rPr>
-              <a:t>为您创建一个房间，您可以使用邀请码邀请他人同住</a:t>
-            </a:r>
-            <a:endParaRPr lang="zh-CN" sz="1000">
-              <a:sym typeface="+mn-ea"/>
-            </a:endParaRPr>
-          </a:p>
-        </p:txBody>
-      </p:sp>
-      <p:sp>
-        <p:nvSpPr>
-          <p:cNvPr id="12" name="文本框 11"/>
-          <p:cNvSpPr txBox="1"/>
-          <p:nvPr/>
-        </p:nvSpPr>
-        <p:spPr>
-          <a:xfrm>
-            <a:off x="2063750" y="1809750"/>
-            <a:ext cx="2938145" cy="245110"/>
-          </a:xfrm>
-          <a:prstGeom prst="rect">
-            <a:avLst/>
-          </a:prstGeom>
-          <a:noFill/>
-        </p:spPr>
-        <p:txBody>
-          <a:bodyPr wrap="square" rtlCol="0">
-            <a:spAutoFit/>
-          </a:bodyPr>
-          <a:p>
-            <a:pPr algn="l"/>
-            <a:r>
-              <a:rPr lang="zh-CN" sz="1000">
-                <a:sym typeface="+mn-ea"/>
-              </a:rPr>
-              <a:t>与他人同住，系统将自动为您分配</a:t>
-            </a:r>
-            <a:endParaRPr lang="zh-CN" sz="1000">
-              <a:sym typeface="+mn-ea"/>
-            </a:endParaRPr>
-          </a:p>
-        </p:txBody>
-      </p:sp>
-      <p:sp>
-        <p:nvSpPr>
-          <p:cNvPr id="13" name="矩形 12"/>
+            <a:r>
+              <a:rPr lang="zh-CN" altLang="en-US">
+                <a:solidFill>
+                  <a:srgbClr val="FF0000"/>
+                </a:solidFill>
+              </a:rPr>
+              <a:t>查看并选择出发点</a:t>
+            </a:r>
+            <a:endParaRPr lang="zh-CN" altLang="en-US">
+              <a:solidFill>
+                <a:srgbClr val="FF0000"/>
+              </a:solidFill>
+            </a:endParaRPr>
+          </a:p>
+        </p:txBody>
+      </p:sp>
+      <p:sp>
+        <p:nvSpPr>
+          <p:cNvPr id="6" name="矩形 5"/>
           <p:cNvSpPr/>
           <p:nvPr/>
         </p:nvSpPr>
         <p:spPr>
           <a:xfrm>
-            <a:off x="2063750" y="3450590"/>
-            <a:ext cx="2938780" cy="572135"/>
+            <a:off x="4233545" y="2652395"/>
+            <a:ext cx="2938780" cy="468630"/>
           </a:xfrm>
           <a:prstGeom prst="rect">
             <a:avLst/>
@@ -6402,7 +6368,7 @@
                   <a:schemeClr val="tx1"/>
                 </a:solidFill>
               </a:rPr>
-              <a:t>加入他人房间</a:t>
+              <a:t>手机号</a:t>
             </a:r>
             <a:endParaRPr lang="zh-CN">
               <a:solidFill>
@@ -6414,104 +6380,19 @@
       </p:sp>
       <p:sp>
         <p:nvSpPr>
-          <p:cNvPr id="14" name="文本框 13"/>
-          <p:cNvSpPr txBox="1"/>
-          <p:nvPr/>
-        </p:nvSpPr>
-        <p:spPr>
-          <a:xfrm>
-            <a:off x="2063750" y="4022090"/>
-            <a:ext cx="2938145" cy="245110"/>
+          <p:cNvPr id="8" name="矩形 7"/>
+          <p:cNvSpPr/>
+          <p:nvPr/>
+        </p:nvSpPr>
+        <p:spPr>
+          <a:xfrm>
+            <a:off x="4233545" y="1504315"/>
+            <a:ext cx="2938780" cy="468630"/>
           </a:xfrm>
           <a:prstGeom prst="rect">
             <a:avLst/>
           </a:prstGeom>
           <a:noFill/>
-        </p:spPr>
-        <p:txBody>
-          <a:bodyPr wrap="square" rtlCol="0">
-            <a:spAutoFit/>
-          </a:bodyPr>
-          <a:p>
-            <a:pPr algn="l"/>
-            <a:r>
-              <a:rPr lang="zh-CN" sz="1000">
-                <a:sym typeface="+mn-ea"/>
-              </a:rPr>
-              <a:t>加入他人创建的房间</a:t>
-            </a:r>
-            <a:endParaRPr lang="zh-CN" sz="1000">
-              <a:sym typeface="+mn-ea"/>
-            </a:endParaRPr>
-          </a:p>
-        </p:txBody>
-      </p:sp>
-      <p:sp>
-        <p:nvSpPr>
-          <p:cNvPr id="16" name="矩形 15"/>
-          <p:cNvSpPr/>
-          <p:nvPr/>
-        </p:nvSpPr>
-        <p:spPr>
-          <a:xfrm>
-            <a:off x="6754495" y="368300"/>
-            <a:ext cx="3703320" cy="6331585"/>
-          </a:xfrm>
-          <a:prstGeom prst="rect">
-            <a:avLst/>
-          </a:prstGeom>
-          <a:solidFill>
-            <a:srgbClr val="000000">
-              <a:alpha val="0"/>
-            </a:srgbClr>
-          </a:solidFill>
-          <a:ln w="19050"/>
-          <a:extLst>
-            <a:ext uri="{909E8E84-426E-40DD-AFC4-6F175D3DCCD1}">
-              <a14:hiddenFill xmlns:a14="http://schemas.microsoft.com/office/drawing/2010/main">
-                <a:solidFill>
-                  <a:schemeClr val="accent1"/>
-                </a:solidFill>
-              </a14:hiddenFill>
-            </a:ext>
-          </a:extLst>
-        </p:spPr>
-        <p:style>
-          <a:lnRef idx="1">
-            <a:schemeClr val="accent1"/>
-          </a:lnRef>
-          <a:fillRef idx="2">
-            <a:schemeClr val="accent1"/>
-          </a:fillRef>
-          <a:effectRef idx="1">
-            <a:schemeClr val="accent1"/>
-          </a:effectRef>
-          <a:fontRef idx="minor">
-            <a:schemeClr val="dk1"/>
-          </a:fontRef>
-        </p:style>
-        <p:txBody>
-          <a:bodyPr rtlCol="0" anchor="ctr"/>
-          <a:p>
-            <a:pPr algn="ctr"/>
-            <a:endParaRPr lang="zh-CN" altLang="en-US"/>
-          </a:p>
-        </p:txBody>
-      </p:sp>
-      <p:sp>
-        <p:nvSpPr>
-          <p:cNvPr id="17" name="矩形 16"/>
-          <p:cNvSpPr/>
-          <p:nvPr/>
-        </p:nvSpPr>
-        <p:spPr>
-          <a:xfrm>
-            <a:off x="7136765" y="1009650"/>
-            <a:ext cx="2938780" cy="675005"/>
-          </a:xfrm>
-          <a:prstGeom prst="rect">
-            <a:avLst/>
-          </a:prstGeom>
           <a:extLst>
             <a:ext uri="{909E8E84-426E-40DD-AFC4-6F175D3DCCD1}">
               <a14:hiddenFill xmlns:a14="http://schemas.microsoft.com/office/drawing/2010/main">
@@ -6543,460 +6424,16 @@
           <a:p>
             <a:pPr algn="ctr"/>
             <a:r>
-              <a:rPr lang="zh-CN" altLang="en-US">
-                <a:solidFill>
-                  <a:schemeClr val="bg1"/>
-                </a:solidFill>
-              </a:rPr>
-              <a:t>独住一间</a:t>
-            </a:r>
-            <a:endParaRPr lang="zh-CN">
-              <a:solidFill>
-                <a:schemeClr val="bg1"/>
-              </a:solidFill>
-            </a:endParaRPr>
-          </a:p>
-        </p:txBody>
-      </p:sp>
-      <p:sp>
-        <p:nvSpPr>
-          <p:cNvPr id="18" name="矩形 17"/>
-          <p:cNvSpPr/>
-          <p:nvPr/>
-        </p:nvSpPr>
-        <p:spPr>
-          <a:xfrm>
-            <a:off x="7870190" y="538480"/>
-            <a:ext cx="1471930" cy="320040"/>
-          </a:xfrm>
-          <a:prstGeom prst="rect">
-            <a:avLst/>
-          </a:prstGeom>
-        </p:spPr>
-        <p:style>
-          <a:lnRef idx="2">
-            <a:schemeClr val="accent1">
-              <a:shade val="50000"/>
-            </a:schemeClr>
-          </a:lnRef>
-          <a:fillRef idx="1">
-            <a:schemeClr val="accent1"/>
-          </a:fillRef>
-          <a:effectRef idx="0">
-            <a:schemeClr val="accent1"/>
-          </a:effectRef>
-          <a:fontRef idx="minor">
-            <a:schemeClr val="lt1"/>
-          </a:fontRef>
-        </p:style>
-        <p:txBody>
-          <a:bodyPr rtlCol="0" anchor="ctr"/>
-          <a:p>
-            <a:pPr algn="ctr"/>
-            <a:r>
-              <a:rPr lang="zh-CN" altLang="en-US" sz="2000">
-                <a:solidFill>
-                  <a:schemeClr val="bg1"/>
-                </a:solidFill>
-              </a:rPr>
-              <a:t>住宿方式</a:t>
-            </a:r>
-            <a:endParaRPr lang="zh-CN" altLang="en-US" sz="2000">
-              <a:solidFill>
-                <a:schemeClr val="bg1"/>
-              </a:solidFill>
-            </a:endParaRPr>
-          </a:p>
-        </p:txBody>
-      </p:sp>
-      <p:sp>
-        <p:nvSpPr>
-          <p:cNvPr id="19" name="矩形 18"/>
-          <p:cNvSpPr/>
-          <p:nvPr/>
-        </p:nvSpPr>
-        <p:spPr>
-          <a:xfrm>
-            <a:off x="7136765" y="2234565"/>
-            <a:ext cx="2938780" cy="589915"/>
-          </a:xfrm>
-          <a:prstGeom prst="rect">
-            <a:avLst/>
-          </a:prstGeom>
-          <a:noFill/>
-          <a:extLst>
-            <a:ext uri="{909E8E84-426E-40DD-AFC4-6F175D3DCCD1}">
-              <a14:hiddenFill xmlns:a14="http://schemas.microsoft.com/office/drawing/2010/main">
-                <a:solidFill>
-                  <a:schemeClr val="accent1"/>
-                </a:solidFill>
-              </a14:hiddenFill>
-            </a:ext>
-          </a:extLst>
-        </p:spPr>
-        <p:style>
-          <a:lnRef idx="2">
-            <a:schemeClr val="accent1">
-              <a:shade val="50000"/>
-            </a:schemeClr>
-          </a:lnRef>
-          <a:fillRef idx="1">
-            <a:schemeClr val="accent1"/>
-          </a:fillRef>
-          <a:effectRef idx="0">
-            <a:schemeClr val="accent1"/>
-          </a:effectRef>
-          <a:fontRef idx="minor">
-            <a:schemeClr val="lt1"/>
-          </a:fontRef>
-        </p:style>
-        <p:txBody>
-          <a:bodyPr rtlCol="0" anchor="ctr"/>
-          <a:p>
-            <a:pPr algn="ctr"/>
-            <a:r>
               <a:rPr lang="zh-CN">
                 <a:solidFill>
                   <a:schemeClr val="tx1"/>
                 </a:solidFill>
               </a:rPr>
-              <a:t>邀请他人合住</a:t>
+              <a:t>身份证号</a:t>
             </a:r>
             <a:endParaRPr lang="zh-CN">
               <a:solidFill>
                 <a:schemeClr val="tx1"/>
-              </a:solidFill>
-            </a:endParaRPr>
-          </a:p>
-        </p:txBody>
-      </p:sp>
-      <p:sp>
-        <p:nvSpPr>
-          <p:cNvPr id="21" name="矩形 20"/>
-          <p:cNvSpPr/>
-          <p:nvPr/>
-        </p:nvSpPr>
-        <p:spPr>
-          <a:xfrm>
-            <a:off x="7136765" y="3450590"/>
-            <a:ext cx="2938780" cy="572135"/>
-          </a:xfrm>
-          <a:prstGeom prst="rect">
-            <a:avLst/>
-          </a:prstGeom>
-          <a:noFill/>
-          <a:extLst>
-            <a:ext uri="{909E8E84-426E-40DD-AFC4-6F175D3DCCD1}">
-              <a14:hiddenFill xmlns:a14="http://schemas.microsoft.com/office/drawing/2010/main">
-                <a:solidFill>
-                  <a:schemeClr val="accent1"/>
-                </a:solidFill>
-              </a14:hiddenFill>
-            </a:ext>
-          </a:extLst>
-        </p:spPr>
-        <p:style>
-          <a:lnRef idx="2">
-            <a:schemeClr val="accent1">
-              <a:shade val="50000"/>
-            </a:schemeClr>
-          </a:lnRef>
-          <a:fillRef idx="1">
-            <a:schemeClr val="accent1"/>
-          </a:fillRef>
-          <a:effectRef idx="0">
-            <a:schemeClr val="accent1"/>
-          </a:effectRef>
-          <a:fontRef idx="minor">
-            <a:schemeClr val="lt1"/>
-          </a:fontRef>
-        </p:style>
-        <p:txBody>
-          <a:bodyPr rtlCol="0" anchor="ctr"/>
-          <a:p>
-            <a:pPr algn="ctr"/>
-            <a:r>
-              <a:rPr lang="zh-CN">
-                <a:solidFill>
-                  <a:schemeClr val="tx1"/>
-                </a:solidFill>
-              </a:rPr>
-              <a:t>系统分配入住</a:t>
-            </a:r>
-            <a:endParaRPr lang="zh-CN">
-              <a:solidFill>
-                <a:schemeClr val="tx1"/>
-              </a:solidFill>
-            </a:endParaRPr>
-          </a:p>
-        </p:txBody>
-      </p:sp>
-      <p:sp>
-        <p:nvSpPr>
-          <p:cNvPr id="22" name="文本框 21"/>
-          <p:cNvSpPr txBox="1"/>
-          <p:nvPr/>
-        </p:nvSpPr>
-        <p:spPr>
-          <a:xfrm>
-            <a:off x="7136765" y="1680210"/>
-            <a:ext cx="2938145" cy="398780"/>
-          </a:xfrm>
-          <a:prstGeom prst="rect">
-            <a:avLst/>
-          </a:prstGeom>
-          <a:noFill/>
-        </p:spPr>
-        <p:txBody>
-          <a:bodyPr wrap="square" rtlCol="0">
-            <a:spAutoFit/>
-          </a:bodyPr>
-          <a:p>
-            <a:pPr algn="l"/>
-            <a:r>
-              <a:rPr lang="zh-CN" sz="1000">
-                <a:sym typeface="+mn-ea"/>
-              </a:rPr>
-              <a:t>不与他人合住，我们将为您安排单独房间，您将支付一间房的全部费用</a:t>
-            </a:r>
-            <a:endParaRPr lang="zh-CN" sz="1000">
-              <a:sym typeface="+mn-ea"/>
-            </a:endParaRPr>
-          </a:p>
-        </p:txBody>
-      </p:sp>
-      <p:sp>
-        <p:nvSpPr>
-          <p:cNvPr id="23" name="文本框 22"/>
-          <p:cNvSpPr txBox="1"/>
-          <p:nvPr/>
-        </p:nvSpPr>
-        <p:spPr>
-          <a:xfrm>
-            <a:off x="7136765" y="2822575"/>
-            <a:ext cx="2938145" cy="398780"/>
-          </a:xfrm>
-          <a:prstGeom prst="rect">
-            <a:avLst/>
-          </a:prstGeom>
-          <a:noFill/>
-        </p:spPr>
-        <p:txBody>
-          <a:bodyPr wrap="square" rtlCol="0">
-            <a:spAutoFit/>
-          </a:bodyPr>
-          <a:p>
-            <a:pPr algn="l"/>
-            <a:r>
-              <a:rPr lang="zh-CN" sz="1000">
-                <a:sym typeface="+mn-ea"/>
-              </a:rPr>
-              <a:t>由您支付一间房的费用，支付成功后将下发给您一个邀请码，仅可邀请一人同住</a:t>
-            </a:r>
-            <a:endParaRPr lang="zh-CN" sz="1000">
-              <a:sym typeface="+mn-ea"/>
-            </a:endParaRPr>
-          </a:p>
-        </p:txBody>
-      </p:sp>
-      <p:sp>
-        <p:nvSpPr>
-          <p:cNvPr id="25" name="文本框 24"/>
-          <p:cNvSpPr txBox="1"/>
-          <p:nvPr/>
-        </p:nvSpPr>
-        <p:spPr>
-          <a:xfrm>
-            <a:off x="7136765" y="4022090"/>
-            <a:ext cx="2938145" cy="245110"/>
-          </a:xfrm>
-          <a:prstGeom prst="rect">
-            <a:avLst/>
-          </a:prstGeom>
-          <a:noFill/>
-        </p:spPr>
-        <p:txBody>
-          <a:bodyPr wrap="square" rtlCol="0">
-            <a:spAutoFit/>
-          </a:bodyPr>
-          <a:p>
-            <a:pPr algn="l"/>
-            <a:r>
-              <a:rPr lang="zh-CN" sz="1000">
-                <a:sym typeface="+mn-ea"/>
-              </a:rPr>
-              <a:t>与他人同住，系统将自动为您分配</a:t>
-            </a:r>
-            <a:endParaRPr lang="zh-CN" sz="1000">
-              <a:sym typeface="+mn-ea"/>
-            </a:endParaRPr>
-          </a:p>
-        </p:txBody>
-      </p:sp>
-      <p:sp>
-        <p:nvSpPr>
-          <p:cNvPr id="26" name="矩形 25"/>
-          <p:cNvSpPr/>
-          <p:nvPr/>
-        </p:nvSpPr>
-        <p:spPr>
-          <a:xfrm>
-            <a:off x="7137400" y="4603750"/>
-            <a:ext cx="2938780" cy="572135"/>
-          </a:xfrm>
-          <a:prstGeom prst="rect">
-            <a:avLst/>
-          </a:prstGeom>
-          <a:noFill/>
-          <a:extLst>
-            <a:ext uri="{909E8E84-426E-40DD-AFC4-6F175D3DCCD1}">
-              <a14:hiddenFill xmlns:a14="http://schemas.microsoft.com/office/drawing/2010/main">
-                <a:solidFill>
-                  <a:schemeClr val="accent1"/>
-                </a:solidFill>
-              </a14:hiddenFill>
-            </a:ext>
-          </a:extLst>
-        </p:spPr>
-        <p:style>
-          <a:lnRef idx="2">
-            <a:schemeClr val="accent1">
-              <a:shade val="50000"/>
-            </a:schemeClr>
-          </a:lnRef>
-          <a:fillRef idx="1">
-            <a:schemeClr val="accent1"/>
-          </a:fillRef>
-          <a:effectRef idx="0">
-            <a:schemeClr val="accent1"/>
-          </a:effectRef>
-          <a:fontRef idx="minor">
-            <a:schemeClr val="lt1"/>
-          </a:fontRef>
-        </p:style>
-        <p:txBody>
-          <a:bodyPr rtlCol="0" anchor="ctr"/>
-          <a:p>
-            <a:pPr algn="ctr"/>
-            <a:r>
-              <a:rPr lang="zh-CN">
-                <a:solidFill>
-                  <a:schemeClr val="tx1"/>
-                </a:solidFill>
-              </a:rPr>
-              <a:t>加入他人房间</a:t>
-            </a:r>
-            <a:endParaRPr lang="zh-CN">
-              <a:solidFill>
-                <a:schemeClr val="tx1"/>
-              </a:solidFill>
-            </a:endParaRPr>
-          </a:p>
-        </p:txBody>
-      </p:sp>
-      <p:sp>
-        <p:nvSpPr>
-          <p:cNvPr id="27" name="文本框 26"/>
-          <p:cNvSpPr txBox="1"/>
-          <p:nvPr/>
-        </p:nvSpPr>
-        <p:spPr>
-          <a:xfrm>
-            <a:off x="7137400" y="5175250"/>
-            <a:ext cx="2938145" cy="245110"/>
-          </a:xfrm>
-          <a:prstGeom prst="rect">
-            <a:avLst/>
-          </a:prstGeom>
-          <a:noFill/>
-        </p:spPr>
-        <p:txBody>
-          <a:bodyPr wrap="square" rtlCol="0">
-            <a:spAutoFit/>
-          </a:bodyPr>
-          <a:p>
-            <a:pPr algn="l"/>
-            <a:r>
-              <a:rPr lang="zh-CN" sz="1000">
-                <a:sym typeface="+mn-ea"/>
-              </a:rPr>
-              <a:t>与他人同住，系统将自动为您分配</a:t>
-            </a:r>
-            <a:endParaRPr lang="zh-CN" sz="1000">
-              <a:sym typeface="+mn-ea"/>
-            </a:endParaRPr>
-          </a:p>
-        </p:txBody>
-      </p:sp>
-      <p:sp>
-        <p:nvSpPr>
-          <p:cNvPr id="28" name="文本框 27"/>
-          <p:cNvSpPr txBox="1"/>
-          <p:nvPr/>
-        </p:nvSpPr>
-        <p:spPr>
-          <a:xfrm>
-            <a:off x="567055" y="1009650"/>
-            <a:ext cx="1114425" cy="368300"/>
-          </a:xfrm>
-          <a:prstGeom prst="rect">
-            <a:avLst/>
-          </a:prstGeom>
-          <a:noFill/>
-        </p:spPr>
-        <p:txBody>
-          <a:bodyPr wrap="square" rtlCol="0">
-            <a:spAutoFit/>
-          </a:bodyPr>
-          <a:p>
-            <a:r>
-              <a:rPr lang="zh-CN" altLang="en-US">
-                <a:solidFill>
-                  <a:srgbClr val="FF0000"/>
-                </a:solidFill>
-              </a:rPr>
-              <a:t>统一付费</a:t>
-            </a:r>
-            <a:endParaRPr lang="zh-CN" altLang="en-US">
-              <a:solidFill>
-                <a:srgbClr val="FF0000"/>
-              </a:solidFill>
-            </a:endParaRPr>
-          </a:p>
-        </p:txBody>
-      </p:sp>
-      <p:sp>
-        <p:nvSpPr>
-          <p:cNvPr id="30" name="文本框 29"/>
-          <p:cNvSpPr txBox="1"/>
-          <p:nvPr/>
-        </p:nvSpPr>
-        <p:spPr>
-          <a:xfrm>
-            <a:off x="5634355" y="1009650"/>
-            <a:ext cx="1120140" cy="368300"/>
-          </a:xfrm>
-          <a:prstGeom prst="rect">
-            <a:avLst/>
-          </a:prstGeom>
-          <a:noFill/>
-        </p:spPr>
-        <p:txBody>
-          <a:bodyPr wrap="square" rtlCol="0">
-            <a:spAutoFit/>
-          </a:bodyPr>
-          <a:p>
-            <a:r>
-              <a:rPr lang="zh-CN" altLang="en-US">
-                <a:solidFill>
-                  <a:srgbClr val="FF0000"/>
-                </a:solidFill>
-              </a:rPr>
-              <a:t>学生付费</a:t>
-            </a:r>
-            <a:endParaRPr lang="zh-CN" altLang="en-US">
-              <a:solidFill>
-                <a:srgbClr val="FF0000"/>
               </a:solidFill>
             </a:endParaRPr>
           </a:p>
@@ -7038,8 +6475,8 @@
         </p:nvSpPr>
         <p:spPr>
           <a:xfrm>
-            <a:off x="904875" y="368300"/>
-            <a:ext cx="3142615" cy="6168390"/>
+            <a:off x="1681480" y="368300"/>
+            <a:ext cx="3703320" cy="6331585"/>
           </a:xfrm>
           <a:prstGeom prst="rect">
             <a:avLst/>
@@ -7091,7 +6528,7 @@
         <p:spPr>
           <a:xfrm>
             <a:off x="0" y="0"/>
-            <a:ext cx="3053080" cy="645160"/>
+            <a:ext cx="1681480" cy="368300"/>
           </a:xfrm>
           <a:prstGeom prst="rect">
             <a:avLst/>
@@ -7114,34 +6551,8 @@
               <a:rPr lang="en-US" altLang="zh-CN">
                 <a:sym typeface="+mn-ea"/>
               </a:rPr>
-              <a:t>6——</a:t>
-            </a:r>
-            <a:r>
-              <a:rPr lang="zh-CN" altLang="en-US">
-                <a:solidFill>
-                  <a:srgbClr val="FF0000"/>
-                </a:solidFill>
-                <a:sym typeface="+mn-ea"/>
-              </a:rPr>
-              <a:t>学生</a:t>
-            </a:r>
-            <a:r>
-              <a:rPr lang="zh-CN" altLang="en-US">
-                <a:solidFill>
-                  <a:srgbClr val="FF0000"/>
-                </a:solidFill>
-                <a:sym typeface="+mn-ea"/>
-              </a:rPr>
-              <a:t>付费</a:t>
-            </a:r>
-            <a:endParaRPr lang="zh-CN" altLang="en-US">
-              <a:solidFill>
-                <a:srgbClr val="FF0000"/>
-              </a:solidFill>
-            </a:endParaRPr>
-          </a:p>
-          <a:p>
-            <a:pPr algn="l"/>
+              <a:t>5</a:t>
+            </a:r>
             <a:endParaRPr lang="en-US" altLang="zh-CN">
               <a:sym typeface="+mn-ea"/>
             </a:endParaRPr>
@@ -7150,28 +6561,18 @@
       </p:sp>
       <p:sp>
         <p:nvSpPr>
-          <p:cNvPr id="15" name="矩形 14"/>
+          <p:cNvPr id="11" name="矩形 10"/>
           <p:cNvSpPr/>
           <p:nvPr/>
         </p:nvSpPr>
         <p:spPr>
           <a:xfrm>
-            <a:off x="1006475" y="1238250"/>
-            <a:ext cx="2938780" cy="589915"/>
-          </a:xfrm>
-          <a:prstGeom prst="rect">
-            <a:avLst/>
-          </a:prstGeom>
-          <a:noFill/>
-          <a:extLst>
-            <a:ext uri="{909E8E84-426E-40DD-AFC4-6F175D3DCCD1}">
-              <a14:hiddenFill xmlns:a14="http://schemas.microsoft.com/office/drawing/2010/main">
-                <a:solidFill>
-                  <a:schemeClr val="accent1"/>
-                </a:solidFill>
-              </a14:hiddenFill>
-            </a:ext>
-          </a:extLst>
+            <a:off x="2797175" y="538480"/>
+            <a:ext cx="1471930" cy="320040"/>
+          </a:xfrm>
+          <a:prstGeom prst="rect">
+            <a:avLst/>
+          </a:prstGeom>
         </p:spPr>
         <p:style>
           <a:lnRef idx="2">
@@ -7194,13 +6595,73 @@
           <a:p>
             <a:pPr algn="ctr"/>
             <a:r>
+              <a:rPr lang="zh-CN" altLang="en-US" sz="2000">
+                <a:solidFill>
+                  <a:schemeClr val="bg1"/>
+                </a:solidFill>
+              </a:rPr>
+              <a:t>住宿方式</a:t>
+            </a:r>
+            <a:endParaRPr lang="zh-CN" altLang="en-US" sz="2000">
+              <a:solidFill>
+                <a:schemeClr val="bg1"/>
+              </a:solidFill>
+            </a:endParaRPr>
+          </a:p>
+        </p:txBody>
+      </p:sp>
+      <p:sp>
+        <p:nvSpPr>
+          <p:cNvPr id="15" name="矩形 14"/>
+          <p:cNvSpPr/>
+          <p:nvPr/>
+        </p:nvSpPr>
+        <p:spPr>
+          <a:xfrm>
+            <a:off x="2063750" y="2289175"/>
+            <a:ext cx="2938780" cy="589915"/>
+          </a:xfrm>
+          <a:prstGeom prst="rect">
+            <a:avLst/>
+          </a:prstGeom>
+          <a:noFill/>
+          <a:extLst>
+            <a:ext uri="{909E8E84-426E-40DD-AFC4-6F175D3DCCD1}">
+              <a14:hiddenFill xmlns:a14="http://schemas.microsoft.com/office/drawing/2010/main">
+                <a:solidFill>
+                  <a:schemeClr val="accent1"/>
+                </a:solidFill>
+              </a14:hiddenFill>
+            </a:ext>
+          </a:extLst>
+        </p:spPr>
+        <p:style>
+          <a:lnRef idx="2">
+            <a:schemeClr val="accent1">
+              <a:shade val="50000"/>
+            </a:schemeClr>
+          </a:lnRef>
+          <a:fillRef idx="1">
+            <a:schemeClr val="accent1"/>
+          </a:fillRef>
+          <a:effectRef idx="0">
+            <a:schemeClr val="accent1"/>
+          </a:effectRef>
+          <a:fontRef idx="minor">
+            <a:schemeClr val="lt1"/>
+          </a:fontRef>
+        </p:style>
+        <p:txBody>
+          <a:bodyPr rtlCol="0" anchor="ctr"/>
+          <a:p>
+            <a:pPr algn="ctr"/>
+            <a:r>
               <a:rPr lang="zh-CN">
                 <a:solidFill>
                   <a:schemeClr val="tx1"/>
                 </a:solidFill>
-                <a:sym typeface="+mn-ea"/>
-              </a:rPr>
-              <a:t>系统分配入住</a:t>
+              </a:rPr>
+              <a:t>邀请他人合住</a:t>
             </a:r>
             <a:endParaRPr lang="zh-CN">
               <a:solidFill>
@@ -7212,14 +6673,238 @@
       </p:sp>
       <p:sp>
         <p:nvSpPr>
-          <p:cNvPr id="2" name="矩形 1"/>
+          <p:cNvPr id="6" name="矩形 5"/>
           <p:cNvSpPr/>
           <p:nvPr/>
         </p:nvSpPr>
         <p:spPr>
           <a:xfrm>
-            <a:off x="4287520" y="368300"/>
-            <a:ext cx="3142615" cy="6168390"/>
+            <a:off x="2063750" y="1238250"/>
+            <a:ext cx="2938780" cy="572135"/>
+          </a:xfrm>
+          <a:prstGeom prst="rect">
+            <a:avLst/>
+          </a:prstGeom>
+          <a:noFill/>
+          <a:extLst>
+            <a:ext uri="{909E8E84-426E-40DD-AFC4-6F175D3DCCD1}">
+              <a14:hiddenFill xmlns:a14="http://schemas.microsoft.com/office/drawing/2010/main">
+                <a:solidFill>
+                  <a:schemeClr val="accent1"/>
+                </a:solidFill>
+              </a14:hiddenFill>
+            </a:ext>
+          </a:extLst>
+        </p:spPr>
+        <p:style>
+          <a:lnRef idx="2">
+            <a:schemeClr val="accent1">
+              <a:shade val="50000"/>
+            </a:schemeClr>
+          </a:lnRef>
+          <a:fillRef idx="1">
+            <a:schemeClr val="accent1"/>
+          </a:fillRef>
+          <a:effectRef idx="0">
+            <a:schemeClr val="accent1"/>
+          </a:effectRef>
+          <a:fontRef idx="minor">
+            <a:schemeClr val="lt1"/>
+          </a:fontRef>
+        </p:style>
+        <p:txBody>
+          <a:bodyPr rtlCol="0" anchor="ctr"/>
+          <a:p>
+            <a:pPr algn="ctr"/>
+            <a:r>
+              <a:rPr lang="zh-CN">
+                <a:solidFill>
+                  <a:schemeClr val="tx1"/>
+                </a:solidFill>
+              </a:rPr>
+              <a:t>系统分配入住</a:t>
+            </a:r>
+            <a:endParaRPr lang="zh-CN">
+              <a:solidFill>
+                <a:schemeClr val="tx1"/>
+              </a:solidFill>
+            </a:endParaRPr>
+          </a:p>
+        </p:txBody>
+      </p:sp>
+      <p:sp>
+        <p:nvSpPr>
+          <p:cNvPr id="9" name="文本框 8"/>
+          <p:cNvSpPr txBox="1"/>
+          <p:nvPr/>
+        </p:nvSpPr>
+        <p:spPr>
+          <a:xfrm>
+            <a:off x="2063750" y="2877185"/>
+            <a:ext cx="2938145" cy="398780"/>
+          </a:xfrm>
+          <a:prstGeom prst="rect">
+            <a:avLst/>
+          </a:prstGeom>
+          <a:noFill/>
+        </p:spPr>
+        <p:txBody>
+          <a:bodyPr wrap="square" rtlCol="0">
+            <a:spAutoFit/>
+          </a:bodyPr>
+          <a:p>
+            <a:pPr algn="l"/>
+            <a:r>
+              <a:rPr lang="zh-CN" sz="1000">
+                <a:sym typeface="+mn-ea"/>
+              </a:rPr>
+              <a:t>为您创建一个房间，您可以使用邀请码邀请他人同住</a:t>
+            </a:r>
+            <a:endParaRPr lang="zh-CN" sz="1000">
+              <a:sym typeface="+mn-ea"/>
+            </a:endParaRPr>
+          </a:p>
+        </p:txBody>
+      </p:sp>
+      <p:sp>
+        <p:nvSpPr>
+          <p:cNvPr id="12" name="文本框 11"/>
+          <p:cNvSpPr txBox="1"/>
+          <p:nvPr/>
+        </p:nvSpPr>
+        <p:spPr>
+          <a:xfrm>
+            <a:off x="2063750" y="1809750"/>
+            <a:ext cx="2938145" cy="245110"/>
+          </a:xfrm>
+          <a:prstGeom prst="rect">
+            <a:avLst/>
+          </a:prstGeom>
+          <a:noFill/>
+        </p:spPr>
+        <p:txBody>
+          <a:bodyPr wrap="square" rtlCol="0">
+            <a:spAutoFit/>
+          </a:bodyPr>
+          <a:p>
+            <a:pPr algn="l"/>
+            <a:r>
+              <a:rPr lang="zh-CN" sz="1000">
+                <a:sym typeface="+mn-ea"/>
+              </a:rPr>
+              <a:t>与他人同住，系统将自动为您分配</a:t>
+            </a:r>
+            <a:endParaRPr lang="zh-CN" sz="1000">
+              <a:sym typeface="+mn-ea"/>
+            </a:endParaRPr>
+          </a:p>
+        </p:txBody>
+      </p:sp>
+      <p:sp>
+        <p:nvSpPr>
+          <p:cNvPr id="13" name="矩形 12"/>
+          <p:cNvSpPr/>
+          <p:nvPr/>
+        </p:nvSpPr>
+        <p:spPr>
+          <a:xfrm>
+            <a:off x="2063750" y="3450590"/>
+            <a:ext cx="2938780" cy="572135"/>
+          </a:xfrm>
+          <a:prstGeom prst="rect">
+            <a:avLst/>
+          </a:prstGeom>
+          <a:noFill/>
+          <a:extLst>
+            <a:ext uri="{909E8E84-426E-40DD-AFC4-6F175D3DCCD1}">
+              <a14:hiddenFill xmlns:a14="http://schemas.microsoft.com/office/drawing/2010/main">
+                <a:solidFill>
+                  <a:schemeClr val="accent1"/>
+                </a:solidFill>
+              </a14:hiddenFill>
+            </a:ext>
+          </a:extLst>
+        </p:spPr>
+        <p:style>
+          <a:lnRef idx="2">
+            <a:schemeClr val="accent1">
+              <a:shade val="50000"/>
+            </a:schemeClr>
+          </a:lnRef>
+          <a:fillRef idx="1">
+            <a:schemeClr val="accent1"/>
+          </a:fillRef>
+          <a:effectRef idx="0">
+            <a:schemeClr val="accent1"/>
+          </a:effectRef>
+          <a:fontRef idx="minor">
+            <a:schemeClr val="lt1"/>
+          </a:fontRef>
+        </p:style>
+        <p:txBody>
+          <a:bodyPr rtlCol="0" anchor="ctr"/>
+          <a:p>
+            <a:pPr algn="ctr"/>
+            <a:r>
+              <a:rPr lang="zh-CN">
+                <a:solidFill>
+                  <a:schemeClr val="tx1"/>
+                </a:solidFill>
+              </a:rPr>
+              <a:t>加入他人房间</a:t>
+            </a:r>
+            <a:endParaRPr lang="zh-CN">
+              <a:solidFill>
+                <a:schemeClr val="tx1"/>
+              </a:solidFill>
+            </a:endParaRPr>
+          </a:p>
+        </p:txBody>
+      </p:sp>
+      <p:sp>
+        <p:nvSpPr>
+          <p:cNvPr id="14" name="文本框 13"/>
+          <p:cNvSpPr txBox="1"/>
+          <p:nvPr/>
+        </p:nvSpPr>
+        <p:spPr>
+          <a:xfrm>
+            <a:off x="2063750" y="4022090"/>
+            <a:ext cx="2938145" cy="245110"/>
+          </a:xfrm>
+          <a:prstGeom prst="rect">
+            <a:avLst/>
+          </a:prstGeom>
+          <a:noFill/>
+        </p:spPr>
+        <p:txBody>
+          <a:bodyPr wrap="square" rtlCol="0">
+            <a:spAutoFit/>
+          </a:bodyPr>
+          <a:p>
+            <a:pPr algn="l"/>
+            <a:r>
+              <a:rPr lang="zh-CN" sz="1000">
+                <a:sym typeface="+mn-ea"/>
+              </a:rPr>
+              <a:t>加入他人创建的房间</a:t>
+            </a:r>
+            <a:endParaRPr lang="zh-CN" sz="1000">
+              <a:sym typeface="+mn-ea"/>
+            </a:endParaRPr>
+          </a:p>
+        </p:txBody>
+      </p:sp>
+      <p:sp>
+        <p:nvSpPr>
+          <p:cNvPr id="16" name="矩形 15"/>
+          <p:cNvSpPr/>
+          <p:nvPr/>
+        </p:nvSpPr>
+        <p:spPr>
+          <a:xfrm>
+            <a:off x="6754495" y="368300"/>
+            <a:ext cx="3703320" cy="6331585"/>
           </a:xfrm>
           <a:prstGeom prst="rect">
             <a:avLst/>
@@ -7264,18 +6949,27 @@
       </p:sp>
       <p:sp>
         <p:nvSpPr>
-          <p:cNvPr id="3" name="矩形 2"/>
+          <p:cNvPr id="17" name="矩形 16"/>
           <p:cNvSpPr/>
           <p:nvPr/>
         </p:nvSpPr>
         <p:spPr>
           <a:xfrm>
-            <a:off x="4944110" y="538480"/>
-            <a:ext cx="1828800" cy="320040"/>
-          </a:xfrm>
-          <a:prstGeom prst="rect">
-            <a:avLst/>
-          </a:prstGeom>
+            <a:off x="7136765" y="1009650"/>
+            <a:ext cx="2938780" cy="675005"/>
+          </a:xfrm>
+          <a:prstGeom prst="rect">
+            <a:avLst/>
+          </a:prstGeom>
+          <a:extLst>
+            <a:ext uri="{909E8E84-426E-40DD-AFC4-6F175D3DCCD1}">
+              <a14:hiddenFill xmlns:a14="http://schemas.microsoft.com/office/drawing/2010/main">
+                <a:solidFill>
+                  <a:schemeClr val="accent1"/>
+                </a:solidFill>
+              </a14:hiddenFill>
+            </a:ext>
+          </a:extLst>
         </p:spPr>
         <p:style>
           <a:lnRef idx="2">
@@ -7298,85 +6992,31 @@
           <a:p>
             <a:pPr algn="ctr"/>
             <a:r>
-              <a:rPr lang="zh-CN" sz="2000">
+              <a:rPr lang="zh-CN" altLang="en-US">
                 <a:solidFill>
                   <a:schemeClr val="bg1"/>
                 </a:solidFill>
-                <a:sym typeface="+mn-ea"/>
-              </a:rPr>
-              <a:t>订单详情</a:t>
-            </a:r>
-            <a:endParaRPr lang="zh-CN" altLang="en-US" sz="2000">
+              </a:rPr>
+              <a:t>独住一间</a:t>
+            </a:r>
+            <a:endParaRPr lang="zh-CN">
               <a:solidFill>
                 <a:schemeClr val="bg1"/>
               </a:solidFill>
-              <a:sym typeface="+mn-ea"/>
-            </a:endParaRPr>
-          </a:p>
-        </p:txBody>
-      </p:sp>
-      <p:sp>
-        <p:nvSpPr>
-          <p:cNvPr id="31" name="矩形 30"/>
+            </a:endParaRPr>
+          </a:p>
+        </p:txBody>
+      </p:sp>
+      <p:sp>
+        <p:nvSpPr>
+          <p:cNvPr id="18" name="矩形 17"/>
           <p:cNvSpPr/>
           <p:nvPr/>
         </p:nvSpPr>
         <p:spPr>
           <a:xfrm>
-            <a:off x="7670800" y="368300"/>
-            <a:ext cx="3142615" cy="6168390"/>
-          </a:xfrm>
-          <a:prstGeom prst="rect">
-            <a:avLst/>
-          </a:prstGeom>
-          <a:solidFill>
-            <a:srgbClr val="000000">
-              <a:alpha val="0"/>
-            </a:srgbClr>
-          </a:solidFill>
-          <a:ln w="19050"/>
-          <a:extLst>
-            <a:ext uri="{909E8E84-426E-40DD-AFC4-6F175D3DCCD1}">
-              <a14:hiddenFill xmlns:a14="http://schemas.microsoft.com/office/drawing/2010/main">
-                <a:solidFill>
-                  <a:schemeClr val="accent1"/>
-                </a:solidFill>
-              </a14:hiddenFill>
-            </a:ext>
-          </a:extLst>
-        </p:spPr>
-        <p:style>
-          <a:lnRef idx="1">
-            <a:schemeClr val="accent1"/>
-          </a:lnRef>
-          <a:fillRef idx="2">
-            <a:schemeClr val="accent1"/>
-          </a:fillRef>
-          <a:effectRef idx="1">
-            <a:schemeClr val="accent1"/>
-          </a:effectRef>
-          <a:fontRef idx="minor">
-            <a:schemeClr val="dk1"/>
-          </a:fontRef>
-        </p:style>
-        <p:txBody>
-          <a:bodyPr rtlCol="0" anchor="ctr"/>
-          <a:p>
-            <a:pPr algn="ctr"/>
-            <a:endParaRPr lang="zh-CN" altLang="en-US"/>
-          </a:p>
-        </p:txBody>
-      </p:sp>
-      <p:sp>
-        <p:nvSpPr>
-          <p:cNvPr id="32" name="矩形 31"/>
-          <p:cNvSpPr/>
-          <p:nvPr/>
-        </p:nvSpPr>
-        <p:spPr>
-          <a:xfrm>
-            <a:off x="8325485" y="538480"/>
-            <a:ext cx="1833245" cy="320040"/>
+            <a:off x="7870190" y="538480"/>
+            <a:ext cx="1471930" cy="320040"/>
           </a:xfrm>
           <a:prstGeom prst="rect">
             <a:avLst/>
@@ -7403,13 +7043,12 @@
           <a:p>
             <a:pPr algn="ctr"/>
             <a:r>
-              <a:rPr lang="zh-CN" sz="2000">
+              <a:rPr lang="zh-CN" altLang="en-US" sz="2000">
                 <a:solidFill>
                   <a:schemeClr val="bg1"/>
                 </a:solidFill>
-                <a:sym typeface="+mn-ea"/>
-              </a:rPr>
-              <a:t>订单详情</a:t>
+              </a:rPr>
+              <a:t>住宿方式</a:t>
             </a:r>
             <a:endParaRPr lang="zh-CN" altLang="en-US" sz="2000">
               <a:solidFill>
@@ -7421,24 +7060,28 @@
       </p:sp>
       <p:sp>
         <p:nvSpPr>
-          <p:cNvPr id="39" name="矩形 38"/>
+          <p:cNvPr id="19" name="矩形 18"/>
           <p:cNvSpPr/>
           <p:nvPr/>
         </p:nvSpPr>
         <p:spPr>
           <a:xfrm>
-            <a:off x="1296670" y="5666740"/>
-            <a:ext cx="2359025" cy="432435"/>
-          </a:xfrm>
-          <a:prstGeom prst="rect">
-            <a:avLst/>
-          </a:prstGeom>
-          <a:solidFill>
-            <a:srgbClr val="00B050"/>
-          </a:solidFill>
-          <a:ln>
-            <a:noFill/>
-          </a:ln>
+            <a:off x="7136765" y="2234565"/>
+            <a:ext cx="2938780" cy="589915"/>
+          </a:xfrm>
+          <a:prstGeom prst="rect">
+            <a:avLst/>
+          </a:prstGeom>
+          <a:noFill/>
+          <a:extLst>
+            <a:ext uri="{909E8E84-426E-40DD-AFC4-6F175D3DCCD1}">
+              <a14:hiddenFill xmlns:a14="http://schemas.microsoft.com/office/drawing/2010/main">
+                <a:solidFill>
+                  <a:schemeClr val="accent1"/>
+                </a:solidFill>
+              </a14:hiddenFill>
+            </a:ext>
+          </a:extLst>
         </p:spPr>
         <p:style>
           <a:lnRef idx="2">
@@ -7461,16 +7104,16 @@
           <a:p>
             <a:pPr algn="ctr"/>
             <a:r>
-              <a:rPr lang="zh-CN" altLang="en-US">
-                <a:solidFill>
-                  <a:schemeClr val="bg1"/>
-                </a:solidFill>
-              </a:rPr>
-              <a:t>支付</a:t>
-            </a:r>
-            <a:endParaRPr lang="zh-CN" altLang="en-US">
+              <a:rPr lang="zh-CN">
+                <a:solidFill>
+                  <a:schemeClr val="tx1"/>
+                </a:solidFill>
+              </a:rPr>
+              <a:t>邀请他人合住</a:t>
+            </a:r>
+            <a:endParaRPr lang="zh-CN">
               <a:solidFill>
-                <a:schemeClr val="bg1"/>
+                <a:schemeClr val="tx1"/>
               </a:solidFill>
             </a:endParaRPr>
           </a:p>
@@ -7478,24 +7121,28 @@
       </p:sp>
       <p:sp>
         <p:nvSpPr>
-          <p:cNvPr id="41" name="矩形 40"/>
+          <p:cNvPr id="21" name="矩形 20"/>
           <p:cNvSpPr/>
           <p:nvPr/>
         </p:nvSpPr>
         <p:spPr>
           <a:xfrm>
-            <a:off x="4679950" y="5666740"/>
-            <a:ext cx="2359025" cy="432435"/>
-          </a:xfrm>
-          <a:prstGeom prst="rect">
-            <a:avLst/>
-          </a:prstGeom>
-          <a:solidFill>
-            <a:srgbClr val="00B050"/>
-          </a:solidFill>
-          <a:ln>
-            <a:noFill/>
-          </a:ln>
+            <a:off x="7136765" y="3450590"/>
+            <a:ext cx="2938780" cy="572135"/>
+          </a:xfrm>
+          <a:prstGeom prst="rect">
+            <a:avLst/>
+          </a:prstGeom>
+          <a:noFill/>
+          <a:extLst>
+            <a:ext uri="{909E8E84-426E-40DD-AFC4-6F175D3DCCD1}">
+              <a14:hiddenFill xmlns:a14="http://schemas.microsoft.com/office/drawing/2010/main">
+                <a:solidFill>
+                  <a:schemeClr val="accent1"/>
+                </a:solidFill>
+              </a14:hiddenFill>
+            </a:ext>
+          </a:extLst>
         </p:spPr>
         <p:style>
           <a:lnRef idx="2">
@@ -7518,17 +7165,16 @@
           <a:p>
             <a:pPr algn="ctr"/>
             <a:r>
-              <a:rPr lang="zh-CN" altLang="en-US">
-                <a:solidFill>
-                  <a:schemeClr val="bg1"/>
-                </a:solidFill>
-                <a:sym typeface="+mn-ea"/>
-              </a:rPr>
-              <a:t>支付</a:t>
-            </a:r>
-            <a:endParaRPr lang="zh-CN" altLang="en-US">
+              <a:rPr lang="zh-CN">
+                <a:solidFill>
+                  <a:schemeClr val="tx1"/>
+                </a:solidFill>
+              </a:rPr>
+              <a:t>系统分配入住</a:t>
+            </a:r>
+            <a:endParaRPr lang="zh-CN">
               <a:solidFill>
-                <a:schemeClr val="bg1"/>
+                <a:schemeClr val="tx1"/>
               </a:solidFill>
             </a:endParaRPr>
           </a:p>
@@ -7536,24 +7182,130 @@
       </p:sp>
       <p:sp>
         <p:nvSpPr>
-          <p:cNvPr id="42" name="矩形 41"/>
+          <p:cNvPr id="22" name="文本框 21"/>
+          <p:cNvSpPr txBox="1"/>
+          <p:nvPr/>
+        </p:nvSpPr>
+        <p:spPr>
+          <a:xfrm>
+            <a:off x="7136765" y="1680210"/>
+            <a:ext cx="2938145" cy="398780"/>
+          </a:xfrm>
+          <a:prstGeom prst="rect">
+            <a:avLst/>
+          </a:prstGeom>
+          <a:noFill/>
+        </p:spPr>
+        <p:txBody>
+          <a:bodyPr wrap="square" rtlCol="0">
+            <a:spAutoFit/>
+          </a:bodyPr>
+          <a:p>
+            <a:pPr algn="l"/>
+            <a:r>
+              <a:rPr lang="zh-CN" sz="1000">
+                <a:sym typeface="+mn-ea"/>
+              </a:rPr>
+              <a:t>不与他人合住，我们将为您安排单独房间，您将支付一间房的全部费用</a:t>
+            </a:r>
+            <a:endParaRPr lang="zh-CN" sz="1000">
+              <a:sym typeface="+mn-ea"/>
+            </a:endParaRPr>
+          </a:p>
+        </p:txBody>
+      </p:sp>
+      <p:sp>
+        <p:nvSpPr>
+          <p:cNvPr id="23" name="文本框 22"/>
+          <p:cNvSpPr txBox="1"/>
+          <p:nvPr/>
+        </p:nvSpPr>
+        <p:spPr>
+          <a:xfrm>
+            <a:off x="7136765" y="2822575"/>
+            <a:ext cx="2938145" cy="398780"/>
+          </a:xfrm>
+          <a:prstGeom prst="rect">
+            <a:avLst/>
+          </a:prstGeom>
+          <a:noFill/>
+        </p:spPr>
+        <p:txBody>
+          <a:bodyPr wrap="square" rtlCol="0">
+            <a:spAutoFit/>
+          </a:bodyPr>
+          <a:p>
+            <a:pPr algn="l"/>
+            <a:r>
+              <a:rPr lang="zh-CN" sz="1000">
+                <a:sym typeface="+mn-ea"/>
+              </a:rPr>
+              <a:t>由您支付一间房的费用，支付成功后将下发给您一个邀请码，仅可邀请一人同住</a:t>
+            </a:r>
+            <a:endParaRPr lang="zh-CN" sz="1000">
+              <a:sym typeface="+mn-ea"/>
+            </a:endParaRPr>
+          </a:p>
+        </p:txBody>
+      </p:sp>
+      <p:sp>
+        <p:nvSpPr>
+          <p:cNvPr id="25" name="文本框 24"/>
+          <p:cNvSpPr txBox="1"/>
+          <p:nvPr/>
+        </p:nvSpPr>
+        <p:spPr>
+          <a:xfrm>
+            <a:off x="7136765" y="4022090"/>
+            <a:ext cx="2938145" cy="245110"/>
+          </a:xfrm>
+          <a:prstGeom prst="rect">
+            <a:avLst/>
+          </a:prstGeom>
+          <a:noFill/>
+        </p:spPr>
+        <p:txBody>
+          <a:bodyPr wrap="square" rtlCol="0">
+            <a:spAutoFit/>
+          </a:bodyPr>
+          <a:p>
+            <a:pPr algn="l"/>
+            <a:r>
+              <a:rPr lang="zh-CN" sz="1000">
+                <a:sym typeface="+mn-ea"/>
+              </a:rPr>
+              <a:t>与他人同住，系统将自动为您分配</a:t>
+            </a:r>
+            <a:endParaRPr lang="zh-CN" sz="1000">
+              <a:sym typeface="+mn-ea"/>
+            </a:endParaRPr>
+          </a:p>
+        </p:txBody>
+      </p:sp>
+      <p:sp>
+        <p:nvSpPr>
+          <p:cNvPr id="26" name="矩形 25"/>
           <p:cNvSpPr/>
           <p:nvPr/>
         </p:nvSpPr>
         <p:spPr>
           <a:xfrm>
-            <a:off x="8064500" y="5666740"/>
-            <a:ext cx="2359025" cy="432435"/>
-          </a:xfrm>
-          <a:prstGeom prst="rect">
-            <a:avLst/>
-          </a:prstGeom>
-          <a:solidFill>
-            <a:srgbClr val="00B050"/>
-          </a:solidFill>
-          <a:ln>
-            <a:noFill/>
-          </a:ln>
+            <a:off x="7137400" y="4603750"/>
+            <a:ext cx="2938780" cy="572135"/>
+          </a:xfrm>
+          <a:prstGeom prst="rect">
+            <a:avLst/>
+          </a:prstGeom>
+          <a:noFill/>
+          <a:extLst>
+            <a:ext uri="{909E8E84-426E-40DD-AFC4-6F175D3DCCD1}">
+              <a14:hiddenFill xmlns:a14="http://schemas.microsoft.com/office/drawing/2010/main">
+                <a:solidFill>
+                  <a:schemeClr val="accent1"/>
+                </a:solidFill>
+              </a14:hiddenFill>
+            </a:ext>
+          </a:extLst>
         </p:spPr>
         <p:style>
           <a:lnRef idx="2">
@@ -7576,1188 +7328,12 @@
           <a:p>
             <a:pPr algn="ctr"/>
             <a:r>
-              <a:rPr lang="zh-CN" altLang="en-US">
-                <a:solidFill>
-                  <a:schemeClr val="bg1"/>
-                </a:solidFill>
-                <a:sym typeface="+mn-ea"/>
-              </a:rPr>
-              <a:t>支付</a:t>
-            </a:r>
-            <a:endParaRPr lang="zh-CN" altLang="en-US">
-              <a:solidFill>
-                <a:schemeClr val="bg1"/>
-              </a:solidFill>
-            </a:endParaRPr>
-          </a:p>
-        </p:txBody>
-      </p:sp>
-      <p:sp>
-        <p:nvSpPr>
-          <p:cNvPr id="8" name="矩形 7"/>
-          <p:cNvSpPr/>
-          <p:nvPr/>
-        </p:nvSpPr>
-        <p:spPr>
-          <a:xfrm>
-            <a:off x="1562100" y="538480"/>
-            <a:ext cx="1828800" cy="320040"/>
-          </a:xfrm>
-          <a:prstGeom prst="rect">
-            <a:avLst/>
-          </a:prstGeom>
-        </p:spPr>
-        <p:style>
-          <a:lnRef idx="2">
-            <a:schemeClr val="accent1">
-              <a:shade val="50000"/>
-            </a:schemeClr>
-          </a:lnRef>
-          <a:fillRef idx="1">
-            <a:schemeClr val="accent1"/>
-          </a:fillRef>
-          <a:effectRef idx="0">
-            <a:schemeClr val="accent1"/>
-          </a:effectRef>
-          <a:fontRef idx="minor">
-            <a:schemeClr val="lt1"/>
-          </a:fontRef>
-        </p:style>
-        <p:txBody>
-          <a:bodyPr rtlCol="0" anchor="ctr"/>
-          <a:p>
-            <a:pPr algn="ctr"/>
-            <a:r>
-              <a:rPr lang="zh-CN" sz="2000">
-                <a:solidFill>
-                  <a:schemeClr val="bg1"/>
-                </a:solidFill>
-                <a:sym typeface="+mn-ea"/>
-              </a:rPr>
-              <a:t>订单详情</a:t>
-            </a:r>
-            <a:endParaRPr lang="zh-CN" altLang="en-US" sz="2000">
-              <a:solidFill>
-                <a:schemeClr val="bg1"/>
-              </a:solidFill>
-              <a:sym typeface="+mn-ea"/>
-            </a:endParaRPr>
-          </a:p>
-        </p:txBody>
-      </p:sp>
-      <p:sp>
-        <p:nvSpPr>
-          <p:cNvPr id="9" name="矩形 8"/>
-          <p:cNvSpPr/>
-          <p:nvPr/>
-        </p:nvSpPr>
-        <p:spPr>
-          <a:xfrm>
-            <a:off x="1007110" y="1908810"/>
-            <a:ext cx="2938780" cy="589915"/>
-          </a:xfrm>
-          <a:prstGeom prst="rect">
-            <a:avLst/>
-          </a:prstGeom>
-          <a:noFill/>
-          <a:extLst>
-            <a:ext uri="{909E8E84-426E-40DD-AFC4-6F175D3DCCD1}">
-              <a14:hiddenFill xmlns:a14="http://schemas.microsoft.com/office/drawing/2010/main">
-                <a:solidFill>
-                  <a:schemeClr val="accent1"/>
-                </a:solidFill>
-              </a14:hiddenFill>
-            </a:ext>
-          </a:extLst>
-        </p:spPr>
-        <p:style>
-          <a:lnRef idx="2">
-            <a:schemeClr val="accent1">
-              <a:shade val="50000"/>
-            </a:schemeClr>
-          </a:lnRef>
-          <a:fillRef idx="1">
-            <a:schemeClr val="accent1"/>
-          </a:fillRef>
-          <a:effectRef idx="0">
-            <a:schemeClr val="accent1"/>
-          </a:effectRef>
-          <a:fontRef idx="minor">
-            <a:schemeClr val="lt1"/>
-          </a:fontRef>
-        </p:style>
-        <p:txBody>
-          <a:bodyPr rtlCol="0" anchor="ctr"/>
-          <a:p>
-            <a:pPr algn="ctr"/>
-            <a:r>
               <a:rPr lang="zh-CN">
                 <a:solidFill>
                   <a:schemeClr val="tx1"/>
                 </a:solidFill>
               </a:rPr>
-              <a:t>房间费用         ￥</a:t>
-            </a:r>
-            <a:r>
-              <a:rPr lang="en-US" altLang="zh-CN">
-                <a:solidFill>
-                  <a:schemeClr val="tx1"/>
-                </a:solidFill>
-              </a:rPr>
-              <a:t>100 </a:t>
-            </a:r>
-            <a:r>
-              <a:rPr lang="zh-CN" altLang="en-US" sz="1000">
-                <a:solidFill>
-                  <a:schemeClr val="tx1"/>
-                </a:solidFill>
-              </a:rPr>
-              <a:t>￥</a:t>
-            </a:r>
-            <a:r>
-              <a:rPr lang="en-US" altLang="zh-CN" sz="1000" strike="sngStrike">
-                <a:solidFill>
-                  <a:schemeClr val="tx1"/>
-                </a:solidFill>
-                <a:uFillTx/>
-              </a:rPr>
-              <a:t>200</a:t>
-            </a:r>
-            <a:endParaRPr lang="en-US" altLang="zh-CN" sz="1000" strike="sngStrike">
-              <a:solidFill>
-                <a:schemeClr val="tx1"/>
-              </a:solidFill>
-              <a:uFillTx/>
-            </a:endParaRPr>
-          </a:p>
-        </p:txBody>
-      </p:sp>
-      <p:sp>
-        <p:nvSpPr>
-          <p:cNvPr id="12" name="文本框 11"/>
-          <p:cNvSpPr txBox="1"/>
-          <p:nvPr/>
-        </p:nvSpPr>
-        <p:spPr>
-          <a:xfrm>
-            <a:off x="1007745" y="2498725"/>
-            <a:ext cx="2938145" cy="398780"/>
-          </a:xfrm>
-          <a:prstGeom prst="rect">
-            <a:avLst/>
-          </a:prstGeom>
-          <a:noFill/>
-        </p:spPr>
-        <p:txBody>
-          <a:bodyPr wrap="square" rtlCol="0">
-            <a:spAutoFit/>
-          </a:bodyPr>
-          <a:p>
-            <a:pPr algn="l"/>
-            <a:r>
-              <a:rPr lang="zh-CN" altLang="en-US" sz="1000">
-                <a:sym typeface="+mn-ea"/>
-              </a:rPr>
-              <a:t>注意</a:t>
-            </a:r>
-            <a:endParaRPr lang="en-US" altLang="zh-CN" sz="1000">
-              <a:sym typeface="+mn-ea"/>
-            </a:endParaRPr>
-          </a:p>
-          <a:p>
-            <a:pPr algn="l"/>
-            <a:r>
-              <a:rPr lang="en-US" altLang="zh-CN" sz="1000">
-                <a:sym typeface="+mn-ea"/>
-              </a:rPr>
-              <a:t>1. </a:t>
-            </a:r>
-            <a:r>
-              <a:rPr lang="zh-CN" sz="1000">
-                <a:sym typeface="+mn-ea"/>
-              </a:rPr>
-              <a:t>您承担一半的房间的费用</a:t>
-            </a:r>
-            <a:r>
-              <a:rPr lang="zh-CN" sz="1000">
-                <a:sym typeface="+mn-ea"/>
-              </a:rPr>
-              <a:t>。</a:t>
-            </a:r>
-            <a:endParaRPr lang="en-US" altLang="zh-CN" sz="1000">
-              <a:sym typeface="+mn-ea"/>
-            </a:endParaRPr>
-          </a:p>
-        </p:txBody>
-      </p:sp>
-      <p:sp>
-        <p:nvSpPr>
-          <p:cNvPr id="14" name="矩形 13"/>
-          <p:cNvSpPr/>
-          <p:nvPr/>
-        </p:nvSpPr>
-        <p:spPr>
-          <a:xfrm>
-            <a:off x="1006475" y="3091180"/>
-            <a:ext cx="2938780" cy="589915"/>
-          </a:xfrm>
-          <a:prstGeom prst="rect">
-            <a:avLst/>
-          </a:prstGeom>
-          <a:noFill/>
-          <a:extLst>
-            <a:ext uri="{909E8E84-426E-40DD-AFC4-6F175D3DCCD1}">
-              <a14:hiddenFill xmlns:a14="http://schemas.microsoft.com/office/drawing/2010/main">
-                <a:solidFill>
-                  <a:schemeClr val="accent1"/>
-                </a:solidFill>
-              </a14:hiddenFill>
-            </a:ext>
-          </a:extLst>
-        </p:spPr>
-        <p:style>
-          <a:lnRef idx="2">
-            <a:schemeClr val="accent1">
-              <a:shade val="50000"/>
-            </a:schemeClr>
-          </a:lnRef>
-          <a:fillRef idx="1">
-            <a:schemeClr val="accent1"/>
-          </a:fillRef>
-          <a:effectRef idx="0">
-            <a:schemeClr val="accent1"/>
-          </a:effectRef>
-          <a:fontRef idx="minor">
-            <a:schemeClr val="lt1"/>
-          </a:fontRef>
-        </p:style>
-        <p:txBody>
-          <a:bodyPr rtlCol="0" anchor="ctr"/>
-          <a:p>
-            <a:pPr algn="ctr"/>
-            <a:r>
-              <a:rPr lang="zh-CN">
-                <a:solidFill>
-                  <a:schemeClr val="tx1"/>
-                </a:solidFill>
-                <a:sym typeface="+mn-ea"/>
-              </a:rPr>
-              <a:t>其他费用               ￥</a:t>
-            </a:r>
-            <a:r>
-              <a:rPr lang="en-US" altLang="zh-CN">
-                <a:solidFill>
-                  <a:schemeClr val="tx1"/>
-                </a:solidFill>
-                <a:sym typeface="+mn-ea"/>
-              </a:rPr>
-              <a:t>500</a:t>
-            </a:r>
-            <a:endParaRPr lang="en-US" altLang="zh-CN">
-              <a:solidFill>
-                <a:schemeClr val="tx1"/>
-              </a:solidFill>
-              <a:sym typeface="+mn-ea"/>
-            </a:endParaRPr>
-          </a:p>
-        </p:txBody>
-      </p:sp>
-      <p:sp>
-        <p:nvSpPr>
-          <p:cNvPr id="16" name="矩形 15"/>
-          <p:cNvSpPr/>
-          <p:nvPr/>
-        </p:nvSpPr>
-        <p:spPr>
-          <a:xfrm>
-            <a:off x="1007745" y="3735705"/>
-            <a:ext cx="2938780" cy="589915"/>
-          </a:xfrm>
-          <a:prstGeom prst="rect">
-            <a:avLst/>
-          </a:prstGeom>
-          <a:noFill/>
-          <a:extLst>
-            <a:ext uri="{909E8E84-426E-40DD-AFC4-6F175D3DCCD1}">
-              <a14:hiddenFill xmlns:a14="http://schemas.microsoft.com/office/drawing/2010/main">
-                <a:solidFill>
-                  <a:schemeClr val="accent1"/>
-                </a:solidFill>
-              </a14:hiddenFill>
-            </a:ext>
-          </a:extLst>
-        </p:spPr>
-        <p:style>
-          <a:lnRef idx="2">
-            <a:schemeClr val="accent1">
-              <a:shade val="50000"/>
-            </a:schemeClr>
-          </a:lnRef>
-          <a:fillRef idx="1">
-            <a:schemeClr val="accent1"/>
-          </a:fillRef>
-          <a:effectRef idx="0">
-            <a:schemeClr val="accent1"/>
-          </a:effectRef>
-          <a:fontRef idx="minor">
-            <a:schemeClr val="lt1"/>
-          </a:fontRef>
-        </p:style>
-        <p:txBody>
-          <a:bodyPr rtlCol="0" anchor="ctr"/>
-          <a:p>
-            <a:pPr algn="ctr"/>
-            <a:r>
-              <a:rPr lang="zh-CN">
-                <a:solidFill>
-                  <a:schemeClr val="tx1"/>
-                </a:solidFill>
-                <a:sym typeface="+mn-ea"/>
-              </a:rPr>
-              <a:t>总费用                  ￥</a:t>
-            </a:r>
-            <a:r>
-              <a:rPr lang="en-US" altLang="zh-CN">
-                <a:solidFill>
-                  <a:schemeClr val="tx1"/>
-                </a:solidFill>
-                <a:sym typeface="+mn-ea"/>
-              </a:rPr>
-              <a:t>6</a:t>
-            </a:r>
-            <a:r>
-              <a:rPr lang="en-US" altLang="zh-CN">
-                <a:solidFill>
-                  <a:schemeClr val="tx1"/>
-                </a:solidFill>
-                <a:sym typeface="+mn-ea"/>
-              </a:rPr>
-              <a:t>00</a:t>
-            </a:r>
-            <a:endParaRPr lang="en-US" altLang="zh-CN">
-              <a:solidFill>
-                <a:schemeClr val="tx1"/>
-              </a:solidFill>
-              <a:sym typeface="+mn-ea"/>
-            </a:endParaRPr>
-          </a:p>
-        </p:txBody>
-      </p:sp>
-      <p:sp>
-        <p:nvSpPr>
-          <p:cNvPr id="18" name="矩形 17"/>
-          <p:cNvSpPr/>
-          <p:nvPr/>
-        </p:nvSpPr>
-        <p:spPr>
-          <a:xfrm>
-            <a:off x="4391025" y="1908810"/>
-            <a:ext cx="2938780" cy="589915"/>
-          </a:xfrm>
-          <a:prstGeom prst="rect">
-            <a:avLst/>
-          </a:prstGeom>
-          <a:noFill/>
-          <a:extLst>
-            <a:ext uri="{909E8E84-426E-40DD-AFC4-6F175D3DCCD1}">
-              <a14:hiddenFill xmlns:a14="http://schemas.microsoft.com/office/drawing/2010/main">
-                <a:solidFill>
-                  <a:schemeClr val="accent1"/>
-                </a:solidFill>
-              </a14:hiddenFill>
-            </a:ext>
-          </a:extLst>
-        </p:spPr>
-        <p:style>
-          <a:lnRef idx="2">
-            <a:schemeClr val="accent1">
-              <a:shade val="50000"/>
-            </a:schemeClr>
-          </a:lnRef>
-          <a:fillRef idx="1">
-            <a:schemeClr val="accent1"/>
-          </a:fillRef>
-          <a:effectRef idx="0">
-            <a:schemeClr val="accent1"/>
-          </a:effectRef>
-          <a:fontRef idx="minor">
-            <a:schemeClr val="lt1"/>
-          </a:fontRef>
-        </p:style>
-        <p:txBody>
-          <a:bodyPr rtlCol="0" anchor="ctr"/>
-          <a:p>
-            <a:pPr algn="ctr"/>
-            <a:r>
-              <a:rPr lang="zh-CN">
-                <a:solidFill>
-                  <a:schemeClr val="tx1"/>
-                </a:solidFill>
-              </a:rPr>
-              <a:t>房间费用         ￥</a:t>
-            </a:r>
-            <a:r>
-              <a:rPr lang="en-US">
-                <a:solidFill>
-                  <a:schemeClr val="tx1"/>
-                </a:solidFill>
-              </a:rPr>
-              <a:t>200</a:t>
-            </a:r>
-            <a:endParaRPr lang="en-US" sz="1000" strike="sngStrike">
-              <a:solidFill>
-                <a:schemeClr val="tx1"/>
-              </a:solidFill>
-              <a:uFillTx/>
-            </a:endParaRPr>
-          </a:p>
-        </p:txBody>
-      </p:sp>
-      <p:sp>
-        <p:nvSpPr>
-          <p:cNvPr id="19" name="文本框 18"/>
-          <p:cNvSpPr txBox="1"/>
-          <p:nvPr/>
-        </p:nvSpPr>
-        <p:spPr>
-          <a:xfrm>
-            <a:off x="4391660" y="2498725"/>
-            <a:ext cx="2938145" cy="398780"/>
-          </a:xfrm>
-          <a:prstGeom prst="rect">
-            <a:avLst/>
-          </a:prstGeom>
-          <a:noFill/>
-        </p:spPr>
-        <p:txBody>
-          <a:bodyPr wrap="square" rtlCol="0">
-            <a:spAutoFit/>
-          </a:bodyPr>
-          <a:p>
-            <a:pPr algn="l"/>
-            <a:r>
-              <a:rPr lang="zh-CN" altLang="en-US" sz="1000">
-                <a:sym typeface="+mn-ea"/>
-              </a:rPr>
-              <a:t>注意</a:t>
-            </a:r>
-            <a:endParaRPr lang="en-US" altLang="zh-CN" sz="1000">
-              <a:sym typeface="+mn-ea"/>
-            </a:endParaRPr>
-          </a:p>
-          <a:p>
-            <a:pPr algn="l"/>
-            <a:r>
-              <a:rPr lang="en-US" altLang="zh-CN" sz="1000">
-                <a:sym typeface="+mn-ea"/>
-              </a:rPr>
-              <a:t>1. </a:t>
-            </a:r>
-            <a:r>
-              <a:rPr lang="zh-CN" sz="1000">
-                <a:sym typeface="+mn-ea"/>
-              </a:rPr>
-              <a:t>您承担整间房间的费用</a:t>
-            </a:r>
-            <a:r>
-              <a:rPr lang="zh-CN" sz="1000">
-                <a:sym typeface="+mn-ea"/>
-              </a:rPr>
-              <a:t>。</a:t>
-            </a:r>
-            <a:endParaRPr lang="en-US" altLang="zh-CN" sz="1000">
-              <a:sym typeface="+mn-ea"/>
-            </a:endParaRPr>
-          </a:p>
-        </p:txBody>
-      </p:sp>
-      <p:sp>
-        <p:nvSpPr>
-          <p:cNvPr id="20" name="矩形 19"/>
-          <p:cNvSpPr/>
-          <p:nvPr/>
-        </p:nvSpPr>
-        <p:spPr>
-          <a:xfrm>
-            <a:off x="4390390" y="3091180"/>
-            <a:ext cx="2938780" cy="589915"/>
-          </a:xfrm>
-          <a:prstGeom prst="rect">
-            <a:avLst/>
-          </a:prstGeom>
-          <a:noFill/>
-          <a:extLst>
-            <a:ext uri="{909E8E84-426E-40DD-AFC4-6F175D3DCCD1}">
-              <a14:hiddenFill xmlns:a14="http://schemas.microsoft.com/office/drawing/2010/main">
-                <a:solidFill>
-                  <a:schemeClr val="accent1"/>
-                </a:solidFill>
-              </a14:hiddenFill>
-            </a:ext>
-          </a:extLst>
-        </p:spPr>
-        <p:style>
-          <a:lnRef idx="2">
-            <a:schemeClr val="accent1">
-              <a:shade val="50000"/>
-            </a:schemeClr>
-          </a:lnRef>
-          <a:fillRef idx="1">
-            <a:schemeClr val="accent1"/>
-          </a:fillRef>
-          <a:effectRef idx="0">
-            <a:schemeClr val="accent1"/>
-          </a:effectRef>
-          <a:fontRef idx="minor">
-            <a:schemeClr val="lt1"/>
-          </a:fontRef>
-        </p:style>
-        <p:txBody>
-          <a:bodyPr rtlCol="0" anchor="ctr"/>
-          <a:p>
-            <a:pPr algn="ctr"/>
-            <a:r>
-              <a:rPr lang="zh-CN">
-                <a:solidFill>
-                  <a:schemeClr val="tx1"/>
-                </a:solidFill>
-                <a:sym typeface="+mn-ea"/>
-              </a:rPr>
-              <a:t>其他费用               ￥</a:t>
-            </a:r>
-            <a:r>
-              <a:rPr lang="en-US" altLang="zh-CN">
-                <a:solidFill>
-                  <a:schemeClr val="tx1"/>
-                </a:solidFill>
-                <a:sym typeface="+mn-ea"/>
-              </a:rPr>
-              <a:t>500</a:t>
-            </a:r>
-            <a:endParaRPr lang="en-US" altLang="zh-CN">
-              <a:solidFill>
-                <a:schemeClr val="tx1"/>
-              </a:solidFill>
-              <a:sym typeface="+mn-ea"/>
-            </a:endParaRPr>
-          </a:p>
-        </p:txBody>
-      </p:sp>
-      <p:sp>
-        <p:nvSpPr>
-          <p:cNvPr id="21" name="矩形 20"/>
-          <p:cNvSpPr/>
-          <p:nvPr/>
-        </p:nvSpPr>
-        <p:spPr>
-          <a:xfrm>
-            <a:off x="4391660" y="3735705"/>
-            <a:ext cx="2938780" cy="589915"/>
-          </a:xfrm>
-          <a:prstGeom prst="rect">
-            <a:avLst/>
-          </a:prstGeom>
-          <a:noFill/>
-          <a:extLst>
-            <a:ext uri="{909E8E84-426E-40DD-AFC4-6F175D3DCCD1}">
-              <a14:hiddenFill xmlns:a14="http://schemas.microsoft.com/office/drawing/2010/main">
-                <a:solidFill>
-                  <a:schemeClr val="accent1"/>
-                </a:solidFill>
-              </a14:hiddenFill>
-            </a:ext>
-          </a:extLst>
-        </p:spPr>
-        <p:style>
-          <a:lnRef idx="2">
-            <a:schemeClr val="accent1">
-              <a:shade val="50000"/>
-            </a:schemeClr>
-          </a:lnRef>
-          <a:fillRef idx="1">
-            <a:schemeClr val="accent1"/>
-          </a:fillRef>
-          <a:effectRef idx="0">
-            <a:schemeClr val="accent1"/>
-          </a:effectRef>
-          <a:fontRef idx="minor">
-            <a:schemeClr val="lt1"/>
-          </a:fontRef>
-        </p:style>
-        <p:txBody>
-          <a:bodyPr rtlCol="0" anchor="ctr"/>
-          <a:p>
-            <a:pPr algn="ctr"/>
-            <a:r>
-              <a:rPr lang="zh-CN">
-                <a:solidFill>
-                  <a:schemeClr val="tx1"/>
-                </a:solidFill>
-                <a:sym typeface="+mn-ea"/>
-              </a:rPr>
-              <a:t>总费用                  ￥</a:t>
-            </a:r>
-            <a:r>
-              <a:rPr lang="en-US" altLang="zh-CN">
-                <a:solidFill>
-                  <a:schemeClr val="tx1"/>
-                </a:solidFill>
-                <a:sym typeface="+mn-ea"/>
-              </a:rPr>
-              <a:t>7</a:t>
-            </a:r>
-            <a:r>
-              <a:rPr lang="en-US" altLang="zh-CN">
-                <a:solidFill>
-                  <a:schemeClr val="tx1"/>
-                </a:solidFill>
-                <a:sym typeface="+mn-ea"/>
-              </a:rPr>
-              <a:t>00</a:t>
-            </a:r>
-            <a:endParaRPr lang="en-US" altLang="zh-CN">
-              <a:solidFill>
-                <a:schemeClr val="tx1"/>
-              </a:solidFill>
-              <a:sym typeface="+mn-ea"/>
-            </a:endParaRPr>
-          </a:p>
-        </p:txBody>
-      </p:sp>
-      <p:sp>
-        <p:nvSpPr>
-          <p:cNvPr id="24" name="文本框 23"/>
-          <p:cNvSpPr txBox="1"/>
-          <p:nvPr/>
-        </p:nvSpPr>
-        <p:spPr>
-          <a:xfrm>
-            <a:off x="4389755" y="1256665"/>
-            <a:ext cx="2937510" cy="553085"/>
-          </a:xfrm>
-          <a:prstGeom prst="rect">
-            <a:avLst/>
-          </a:prstGeom>
-          <a:noFill/>
-        </p:spPr>
-        <p:txBody>
-          <a:bodyPr wrap="square" rtlCol="0">
-            <a:spAutoFit/>
-          </a:bodyPr>
-          <a:p>
-            <a:r>
-              <a:rPr lang="zh-CN" altLang="en-US" sz="1000">
-                <a:solidFill>
-                  <a:srgbClr val="FF0000"/>
-                </a:solidFill>
-              </a:rPr>
-              <a:t>支付整间还是一半</a:t>
-            </a:r>
-            <a:endParaRPr lang="zh-CN" altLang="en-US" sz="1000">
-              <a:solidFill>
-                <a:srgbClr val="FF0000"/>
-              </a:solidFill>
-            </a:endParaRPr>
-          </a:p>
-          <a:p>
-            <a:r>
-              <a:rPr lang="zh-CN" altLang="en-US" sz="1000">
-                <a:solidFill>
-                  <a:srgbClr val="FF0000"/>
-                </a:solidFill>
-              </a:rPr>
-              <a:t>整间：截止后自住一间，</a:t>
-            </a:r>
-            <a:endParaRPr lang="zh-CN" altLang="en-US" sz="1000">
-              <a:solidFill>
-                <a:srgbClr val="FF0000"/>
-              </a:solidFill>
-            </a:endParaRPr>
-          </a:p>
-          <a:p>
-            <a:r>
-              <a:rPr lang="zh-CN" altLang="en-US" sz="1000">
-                <a:solidFill>
-                  <a:srgbClr val="FF0000"/>
-                </a:solidFill>
-              </a:rPr>
-              <a:t>一半：截止后系统分配入住</a:t>
-            </a:r>
-            <a:endParaRPr lang="zh-CN" altLang="en-US" sz="1000">
-              <a:solidFill>
-                <a:srgbClr val="FF0000"/>
-              </a:solidFill>
-            </a:endParaRPr>
-          </a:p>
-        </p:txBody>
-      </p:sp>
-      <p:sp>
-        <p:nvSpPr>
-          <p:cNvPr id="22" name="文本框 21"/>
-          <p:cNvSpPr txBox="1"/>
-          <p:nvPr/>
-        </p:nvSpPr>
-        <p:spPr>
-          <a:xfrm>
-            <a:off x="5045075" y="858520"/>
-            <a:ext cx="1626870" cy="245110"/>
-          </a:xfrm>
-          <a:prstGeom prst="rect">
-            <a:avLst/>
-          </a:prstGeom>
-          <a:noFill/>
-        </p:spPr>
-        <p:txBody>
-          <a:bodyPr wrap="square" rtlCol="0">
-            <a:spAutoFit/>
-          </a:bodyPr>
-          <a:p>
-            <a:r>
-              <a:rPr lang="zh-CN" altLang="en-US" sz="1000">
-                <a:solidFill>
-                  <a:srgbClr val="FF0000"/>
-                </a:solidFill>
-              </a:rPr>
-              <a:t>独住一间，邀请他人合住</a:t>
-            </a:r>
-            <a:endParaRPr lang="zh-CN" altLang="en-US" sz="1000">
-              <a:solidFill>
-                <a:srgbClr val="FF0000"/>
-              </a:solidFill>
-            </a:endParaRPr>
-          </a:p>
-        </p:txBody>
-      </p:sp>
-      <p:sp>
-        <p:nvSpPr>
-          <p:cNvPr id="23" name="矩形 22"/>
-          <p:cNvSpPr/>
-          <p:nvPr/>
-        </p:nvSpPr>
-        <p:spPr>
-          <a:xfrm>
-            <a:off x="7774305" y="1927225"/>
-            <a:ext cx="2938780" cy="589915"/>
-          </a:xfrm>
-          <a:prstGeom prst="rect">
-            <a:avLst/>
-          </a:prstGeom>
-          <a:noFill/>
-          <a:extLst>
-            <a:ext uri="{909E8E84-426E-40DD-AFC4-6F175D3DCCD1}">
-              <a14:hiddenFill xmlns:a14="http://schemas.microsoft.com/office/drawing/2010/main">
-                <a:solidFill>
-                  <a:schemeClr val="accent1"/>
-                </a:solidFill>
-              </a14:hiddenFill>
-            </a:ext>
-          </a:extLst>
-        </p:spPr>
-        <p:style>
-          <a:lnRef idx="2">
-            <a:schemeClr val="accent1">
-              <a:shade val="50000"/>
-            </a:schemeClr>
-          </a:lnRef>
-          <a:fillRef idx="1">
-            <a:schemeClr val="accent1"/>
-          </a:fillRef>
-          <a:effectRef idx="0">
-            <a:schemeClr val="accent1"/>
-          </a:effectRef>
-          <a:fontRef idx="minor">
-            <a:schemeClr val="lt1"/>
-          </a:fontRef>
-        </p:style>
-        <p:txBody>
-          <a:bodyPr rtlCol="0" anchor="ctr"/>
-          <a:p>
-            <a:pPr algn="ctr"/>
-            <a:r>
-              <a:rPr lang="zh-CN">
-                <a:solidFill>
-                  <a:schemeClr val="tx1"/>
-                </a:solidFill>
-                <a:sym typeface="+mn-ea"/>
-              </a:rPr>
-              <a:t>房间费用         ￥</a:t>
-            </a:r>
-            <a:r>
-              <a:rPr lang="en-US" altLang="zh-CN">
-                <a:solidFill>
-                  <a:schemeClr val="tx1"/>
-                </a:solidFill>
-                <a:sym typeface="+mn-ea"/>
-              </a:rPr>
-              <a:t>100 </a:t>
-            </a:r>
-            <a:r>
-              <a:rPr lang="zh-CN" altLang="en-US" sz="1000">
-                <a:solidFill>
-                  <a:schemeClr val="tx1"/>
-                </a:solidFill>
-                <a:sym typeface="+mn-ea"/>
-              </a:rPr>
-              <a:t>￥</a:t>
-            </a:r>
-            <a:r>
-              <a:rPr lang="en-US" altLang="zh-CN" sz="1000" strike="sngStrike">
-                <a:solidFill>
-                  <a:schemeClr val="tx1"/>
-                </a:solidFill>
-                <a:uFillTx/>
-                <a:sym typeface="+mn-ea"/>
-              </a:rPr>
-              <a:t>200</a:t>
-            </a:r>
-            <a:endParaRPr lang="en-US" sz="1000" strike="sngStrike">
-              <a:solidFill>
-                <a:schemeClr val="tx1"/>
-              </a:solidFill>
-              <a:uFillTx/>
-            </a:endParaRPr>
-          </a:p>
-        </p:txBody>
-      </p:sp>
-      <p:sp>
-        <p:nvSpPr>
-          <p:cNvPr id="25" name="文本框 24"/>
-          <p:cNvSpPr txBox="1"/>
-          <p:nvPr/>
-        </p:nvSpPr>
-        <p:spPr>
-          <a:xfrm>
-            <a:off x="7774940" y="2517140"/>
-            <a:ext cx="2938145" cy="398780"/>
-          </a:xfrm>
-          <a:prstGeom prst="rect">
-            <a:avLst/>
-          </a:prstGeom>
-          <a:noFill/>
-        </p:spPr>
-        <p:txBody>
-          <a:bodyPr wrap="square" rtlCol="0">
-            <a:spAutoFit/>
-          </a:bodyPr>
-          <a:p>
-            <a:pPr algn="l"/>
-            <a:r>
-              <a:rPr lang="zh-CN" altLang="en-US" sz="1000">
-                <a:sym typeface="+mn-ea"/>
-              </a:rPr>
-              <a:t>注意</a:t>
-            </a:r>
-            <a:endParaRPr lang="en-US" altLang="zh-CN" sz="1000">
-              <a:sym typeface="+mn-ea"/>
-            </a:endParaRPr>
-          </a:p>
-          <a:p>
-            <a:pPr algn="l"/>
-            <a:r>
-              <a:rPr lang="en-US" altLang="zh-CN" sz="1000">
-                <a:sym typeface="+mn-ea"/>
-              </a:rPr>
-              <a:t>1. </a:t>
-            </a:r>
-            <a:r>
-              <a:rPr lang="zh-CN" sz="1000">
-                <a:sym typeface="+mn-ea"/>
-              </a:rPr>
-              <a:t>您承担一半房间的费用</a:t>
-            </a:r>
-            <a:r>
-              <a:rPr lang="zh-CN" sz="1000">
-                <a:sym typeface="+mn-ea"/>
-              </a:rPr>
-              <a:t>。</a:t>
-            </a:r>
-            <a:endParaRPr lang="en-US" altLang="zh-CN" sz="1000">
-              <a:sym typeface="+mn-ea"/>
-            </a:endParaRPr>
-          </a:p>
-        </p:txBody>
-      </p:sp>
-      <p:sp>
-        <p:nvSpPr>
-          <p:cNvPr id="26" name="矩形 25"/>
-          <p:cNvSpPr/>
-          <p:nvPr/>
-        </p:nvSpPr>
-        <p:spPr>
-          <a:xfrm>
-            <a:off x="7771765" y="2971800"/>
-            <a:ext cx="2938780" cy="589915"/>
-          </a:xfrm>
-          <a:prstGeom prst="rect">
-            <a:avLst/>
-          </a:prstGeom>
-          <a:noFill/>
-          <a:extLst>
-            <a:ext uri="{909E8E84-426E-40DD-AFC4-6F175D3DCCD1}">
-              <a14:hiddenFill xmlns:a14="http://schemas.microsoft.com/office/drawing/2010/main">
-                <a:solidFill>
-                  <a:schemeClr val="accent1"/>
-                </a:solidFill>
-              </a14:hiddenFill>
-            </a:ext>
-          </a:extLst>
-        </p:spPr>
-        <p:style>
-          <a:lnRef idx="2">
-            <a:schemeClr val="accent1">
-              <a:shade val="50000"/>
-            </a:schemeClr>
-          </a:lnRef>
-          <a:fillRef idx="1">
-            <a:schemeClr val="accent1"/>
-          </a:fillRef>
-          <a:effectRef idx="0">
-            <a:schemeClr val="accent1"/>
-          </a:effectRef>
-          <a:fontRef idx="minor">
-            <a:schemeClr val="lt1"/>
-          </a:fontRef>
-        </p:style>
-        <p:txBody>
-          <a:bodyPr rtlCol="0" anchor="ctr"/>
-          <a:p>
-            <a:pPr algn="ctr"/>
-            <a:r>
-              <a:rPr lang="zh-CN">
-                <a:solidFill>
-                  <a:schemeClr val="tx1"/>
-                </a:solidFill>
-                <a:sym typeface="+mn-ea"/>
-              </a:rPr>
-              <a:t>其他费用               ￥</a:t>
-            </a:r>
-            <a:r>
-              <a:rPr lang="en-US" altLang="zh-CN">
-                <a:solidFill>
-                  <a:schemeClr val="tx1"/>
-                </a:solidFill>
-                <a:sym typeface="+mn-ea"/>
-              </a:rPr>
-              <a:t>500</a:t>
-            </a:r>
-            <a:endParaRPr lang="en-US" altLang="zh-CN">
-              <a:solidFill>
-                <a:schemeClr val="tx1"/>
-              </a:solidFill>
-              <a:sym typeface="+mn-ea"/>
-            </a:endParaRPr>
-          </a:p>
-        </p:txBody>
-      </p:sp>
-      <p:sp>
-        <p:nvSpPr>
-          <p:cNvPr id="27" name="矩形 26"/>
-          <p:cNvSpPr/>
-          <p:nvPr/>
-        </p:nvSpPr>
-        <p:spPr>
-          <a:xfrm>
-            <a:off x="7773035" y="3616325"/>
-            <a:ext cx="2938780" cy="589915"/>
-          </a:xfrm>
-          <a:prstGeom prst="rect">
-            <a:avLst/>
-          </a:prstGeom>
-          <a:noFill/>
-          <a:extLst>
-            <a:ext uri="{909E8E84-426E-40DD-AFC4-6F175D3DCCD1}">
-              <a14:hiddenFill xmlns:a14="http://schemas.microsoft.com/office/drawing/2010/main">
-                <a:solidFill>
-                  <a:schemeClr val="accent1"/>
-                </a:solidFill>
-              </a14:hiddenFill>
-            </a:ext>
-          </a:extLst>
-        </p:spPr>
-        <p:style>
-          <a:lnRef idx="2">
-            <a:schemeClr val="accent1">
-              <a:shade val="50000"/>
-            </a:schemeClr>
-          </a:lnRef>
-          <a:fillRef idx="1">
-            <a:schemeClr val="accent1"/>
-          </a:fillRef>
-          <a:effectRef idx="0">
-            <a:schemeClr val="accent1"/>
-          </a:effectRef>
-          <a:fontRef idx="minor">
-            <a:schemeClr val="lt1"/>
-          </a:fontRef>
-        </p:style>
-        <p:txBody>
-          <a:bodyPr rtlCol="0" anchor="ctr"/>
-          <a:p>
-            <a:pPr algn="ctr"/>
-            <a:r>
-              <a:rPr lang="zh-CN">
-                <a:solidFill>
-                  <a:schemeClr val="tx1"/>
-                </a:solidFill>
-                <a:sym typeface="+mn-ea"/>
-              </a:rPr>
-              <a:t>总费用                  ￥</a:t>
-            </a:r>
-            <a:r>
-              <a:rPr lang="en-US" altLang="zh-CN">
-                <a:solidFill>
-                  <a:schemeClr val="tx1"/>
-                </a:solidFill>
-                <a:sym typeface="+mn-ea"/>
-              </a:rPr>
-              <a:t>6</a:t>
-            </a:r>
-            <a:r>
-              <a:rPr lang="en-US" altLang="zh-CN">
-                <a:solidFill>
-                  <a:schemeClr val="tx1"/>
-                </a:solidFill>
-                <a:sym typeface="+mn-ea"/>
-              </a:rPr>
-              <a:t>00</a:t>
-            </a:r>
-            <a:endParaRPr lang="en-US" altLang="zh-CN">
-              <a:solidFill>
-                <a:schemeClr val="tx1"/>
-              </a:solidFill>
-              <a:sym typeface="+mn-ea"/>
-            </a:endParaRPr>
-          </a:p>
-        </p:txBody>
-      </p:sp>
-      <p:sp>
-        <p:nvSpPr>
-          <p:cNvPr id="28" name="文本框 27"/>
-          <p:cNvSpPr txBox="1"/>
-          <p:nvPr/>
-        </p:nvSpPr>
-        <p:spPr>
-          <a:xfrm>
-            <a:off x="7773035" y="1275080"/>
-            <a:ext cx="2937510" cy="553085"/>
-          </a:xfrm>
-          <a:prstGeom prst="rect">
-            <a:avLst/>
-          </a:prstGeom>
-          <a:noFill/>
-        </p:spPr>
-        <p:txBody>
-          <a:bodyPr wrap="square" rtlCol="0">
-            <a:spAutoFit/>
-          </a:bodyPr>
-          <a:p>
-            <a:r>
-              <a:rPr lang="zh-CN" altLang="en-US" sz="1000">
-                <a:solidFill>
-                  <a:srgbClr val="FF0000"/>
-                </a:solidFill>
-              </a:rPr>
-              <a:t>是否需要支付一半房费</a:t>
-            </a:r>
-            <a:endParaRPr lang="zh-CN" altLang="en-US" sz="1000">
-              <a:solidFill>
-                <a:srgbClr val="FF0000"/>
-              </a:solidFill>
-            </a:endParaRPr>
-          </a:p>
-          <a:p>
-            <a:r>
-              <a:rPr lang="zh-CN" altLang="en-US" sz="1000">
-                <a:solidFill>
-                  <a:srgbClr val="FF0000"/>
-                </a:solidFill>
-              </a:rPr>
-              <a:t>需要：邀请他人合住的订单只需要支付一半房费，</a:t>
-            </a:r>
-            <a:endParaRPr lang="zh-CN" altLang="en-US" sz="1000">
-              <a:solidFill>
-                <a:srgbClr val="FF0000"/>
-              </a:solidFill>
-            </a:endParaRPr>
-          </a:p>
-          <a:p>
-            <a:r>
-              <a:rPr lang="zh-CN" altLang="en-US" sz="1000">
-                <a:solidFill>
-                  <a:srgbClr val="FF0000"/>
-                </a:solidFill>
-              </a:rPr>
-              <a:t>不需要：</a:t>
-            </a:r>
-            <a:r>
-              <a:rPr lang="zh-CN" altLang="en-US" sz="1000">
-                <a:solidFill>
-                  <a:srgbClr val="FF0000"/>
-                </a:solidFill>
-                <a:sym typeface="+mn-ea"/>
-              </a:rPr>
-              <a:t>邀请他人合住的订单支付整间房费</a:t>
-            </a:r>
-            <a:endParaRPr lang="zh-CN" altLang="en-US" sz="1000">
-              <a:solidFill>
-                <a:srgbClr val="FF0000"/>
-              </a:solidFill>
-            </a:endParaRPr>
-          </a:p>
-        </p:txBody>
-      </p:sp>
-      <p:sp>
-        <p:nvSpPr>
-          <p:cNvPr id="29" name="矩形 28"/>
-          <p:cNvSpPr/>
-          <p:nvPr/>
-        </p:nvSpPr>
-        <p:spPr>
-          <a:xfrm>
-            <a:off x="7769860" y="4259580"/>
-            <a:ext cx="2938780" cy="572135"/>
-          </a:xfrm>
-          <a:prstGeom prst="rect">
-            <a:avLst/>
-          </a:prstGeom>
-          <a:noFill/>
-          <a:extLst>
-            <a:ext uri="{909E8E84-426E-40DD-AFC4-6F175D3DCCD1}">
-              <a14:hiddenFill xmlns:a14="http://schemas.microsoft.com/office/drawing/2010/main">
-                <a:solidFill>
-                  <a:schemeClr val="accent1"/>
-                </a:solidFill>
-              </a14:hiddenFill>
-            </a:ext>
-          </a:extLst>
-        </p:spPr>
-        <p:style>
-          <a:lnRef idx="2">
-            <a:schemeClr val="accent1">
-              <a:shade val="50000"/>
-            </a:schemeClr>
-          </a:lnRef>
-          <a:fillRef idx="1">
-            <a:schemeClr val="accent1"/>
-          </a:fillRef>
-          <a:effectRef idx="0">
-            <a:schemeClr val="accent1"/>
-          </a:effectRef>
-          <a:fontRef idx="minor">
-            <a:schemeClr val="lt1"/>
-          </a:fontRef>
-        </p:style>
-        <p:txBody>
-          <a:bodyPr rtlCol="0" anchor="ctr"/>
-          <a:p>
-            <a:pPr algn="ctr"/>
-            <a:r>
-              <a:rPr lang="zh-CN">
-                <a:solidFill>
-                  <a:schemeClr val="tx1"/>
-                </a:solidFill>
-              </a:rPr>
-              <a:t>输入邀请码</a:t>
+              <a:t>加入他人房间</a:t>
             </a:r>
             <a:endParaRPr lang="zh-CN">
               <a:solidFill>
@@ -8769,14 +7345,14 @@
       </p:sp>
       <p:sp>
         <p:nvSpPr>
-          <p:cNvPr id="30" name="文本框 29"/>
+          <p:cNvPr id="27" name="文本框 26"/>
           <p:cNvSpPr txBox="1"/>
           <p:nvPr/>
         </p:nvSpPr>
         <p:spPr>
           <a:xfrm>
-            <a:off x="7774940" y="4831715"/>
-            <a:ext cx="2938145" cy="398780"/>
+            <a:off x="7137400" y="5175250"/>
+            <a:ext cx="2938145" cy="245110"/>
           </a:xfrm>
           <a:prstGeom prst="rect">
             <a:avLst/>
@@ -8790,28 +7366,10 @@
           <a:p>
             <a:pPr algn="l"/>
             <a:r>
-              <a:rPr lang="zh-CN" altLang="en-US" sz="1000">
-                <a:sym typeface="+mn-ea"/>
-              </a:rPr>
-              <a:t>注意</a:t>
-            </a:r>
-            <a:endParaRPr lang="en-US" altLang="zh-CN" sz="1000">
-              <a:sym typeface="+mn-ea"/>
-            </a:endParaRPr>
-          </a:p>
-          <a:p>
-            <a:pPr algn="l"/>
-            <a:r>
-              <a:rPr lang="en-US" altLang="zh-CN" sz="1000">
-                <a:sym typeface="+mn-ea"/>
-              </a:rPr>
-              <a:t>1. </a:t>
-            </a:r>
-            <a:r>
               <a:rPr lang="zh-CN" sz="1000">
                 <a:sym typeface="+mn-ea"/>
               </a:rPr>
-              <a:t>填写合住邀请码，加入他人创建的房间。</a:t>
+              <a:t>与他人同住，系统将自动为您分配</a:t>
             </a:r>
             <a:endParaRPr lang="zh-CN" sz="1000">
               <a:sym typeface="+mn-ea"/>
@@ -8821,14 +7379,14 @@
       </p:sp>
       <p:sp>
         <p:nvSpPr>
-          <p:cNvPr id="33" name="文本框 32"/>
+          <p:cNvPr id="28" name="文本框 27"/>
           <p:cNvSpPr txBox="1"/>
           <p:nvPr/>
         </p:nvSpPr>
         <p:spPr>
           <a:xfrm>
-            <a:off x="4392930" y="4346575"/>
-            <a:ext cx="2937510" cy="398780"/>
+            <a:off x="567055" y="1009650"/>
+            <a:ext cx="1114425" cy="368300"/>
           </a:xfrm>
           <a:prstGeom prst="rect">
             <a:avLst/>
@@ -8840,33 +7398,52 @@
             <a:spAutoFit/>
           </a:bodyPr>
           <a:p>
-            <a:pPr algn="l"/>
-            <a:r>
-              <a:rPr lang="zh-CN" altLang="en-US" sz="1000">
+            <a:r>
+              <a:rPr lang="zh-CN" altLang="en-US">
                 <a:solidFill>
                   <a:srgbClr val="FF0000"/>
                 </a:solidFill>
-                <a:sym typeface="+mn-ea"/>
-              </a:rPr>
-              <a:t>注意</a:t>
-            </a:r>
-            <a:endParaRPr lang="en-US" altLang="zh-CN" sz="1000">
+              </a:rPr>
+              <a:t>统一付费</a:t>
+            </a:r>
+            <a:endParaRPr lang="zh-CN" altLang="en-US">
               <a:solidFill>
                 <a:srgbClr val="FF0000"/>
               </a:solidFill>
-              <a:sym typeface="+mn-ea"/>
-            </a:endParaRPr>
-          </a:p>
-          <a:p>
-            <a:r>
-              <a:rPr lang="zh-CN" altLang="en-US" sz="1000">
+            </a:endParaRPr>
+          </a:p>
+        </p:txBody>
+      </p:sp>
+      <p:sp>
+        <p:nvSpPr>
+          <p:cNvPr id="30" name="文本框 29"/>
+          <p:cNvSpPr txBox="1"/>
+          <p:nvPr/>
+        </p:nvSpPr>
+        <p:spPr>
+          <a:xfrm>
+            <a:off x="5634355" y="1009650"/>
+            <a:ext cx="1120140" cy="368300"/>
+          </a:xfrm>
+          <a:prstGeom prst="rect">
+            <a:avLst/>
+          </a:prstGeom>
+          <a:noFill/>
+        </p:spPr>
+        <p:txBody>
+          <a:bodyPr wrap="square" rtlCol="0">
+            <a:spAutoFit/>
+          </a:bodyPr>
+          <a:p>
+            <a:r>
+              <a:rPr lang="zh-CN" altLang="en-US">
                 <a:solidFill>
                   <a:srgbClr val="FF0000"/>
                 </a:solidFill>
               </a:rPr>
-              <a:t>支付成功后下发合住邀请码</a:t>
-            </a:r>
-            <a:endParaRPr lang="zh-CN" altLang="en-US" sz="1000">
+              <a:t>学生付费</a:t>
+            </a:r>
+            <a:endParaRPr lang="zh-CN" altLang="en-US">
               <a:solidFill>
                 <a:srgbClr val="FF0000"/>
               </a:solidFill>
@@ -8963,7 +7540,7 @@
         <p:spPr>
           <a:xfrm>
             <a:off x="0" y="0"/>
-            <a:ext cx="4424680" cy="645160"/>
+            <a:ext cx="3053080" cy="645160"/>
           </a:xfrm>
           <a:prstGeom prst="rect">
             <a:avLst/>
@@ -8986,13 +7563,7 @@
               <a:rPr lang="en-US" altLang="zh-CN">
                 <a:sym typeface="+mn-ea"/>
               </a:rPr>
-              <a:t>6</a:t>
-            </a:r>
-            <a:r>
-              <a:rPr lang="en-US" altLang="zh-CN">
-                <a:sym typeface="+mn-ea"/>
-              </a:rPr>
-              <a:t>——</a:t>
+              <a:t>6——</a:t>
             </a:r>
             <a:r>
               <a:rPr lang="zh-CN" altLang="en-US">
@@ -9001,7 +7572,16 @@
                 </a:solidFill>
                 <a:sym typeface="+mn-ea"/>
               </a:rPr>
-              <a:t>统一付费及学生支付后</a:t>
+              <a:t>学生</a:t>
+            </a:r>
+            <a:r>
+              <a:rPr lang="zh-CN" altLang="en-US">
+                <a:solidFill>
+                  <a:srgbClr val="FF0000"/>
+                </a:solidFill>
+                <a:sym typeface="+mn-ea"/>
+              </a:rPr>
+              <a:t>付费</a:t>
             </a:r>
             <a:endParaRPr lang="zh-CN" altLang="en-US">
               <a:solidFill>
@@ -9019,18 +7599,28 @@
       </p:sp>
       <p:sp>
         <p:nvSpPr>
-          <p:cNvPr id="11" name="矩形 10"/>
+          <p:cNvPr id="15" name="矩形 14"/>
           <p:cNvSpPr/>
           <p:nvPr/>
         </p:nvSpPr>
         <p:spPr>
           <a:xfrm>
-            <a:off x="1740535" y="538480"/>
-            <a:ext cx="1471930" cy="320040"/>
-          </a:xfrm>
-          <a:prstGeom prst="rect">
-            <a:avLst/>
-          </a:prstGeom>
+            <a:off x="1006475" y="1238250"/>
+            <a:ext cx="2938780" cy="589915"/>
+          </a:xfrm>
+          <a:prstGeom prst="rect">
+            <a:avLst/>
+          </a:prstGeom>
+          <a:noFill/>
+          <a:extLst>
+            <a:ext uri="{909E8E84-426E-40DD-AFC4-6F175D3DCCD1}">
+              <a14:hiddenFill xmlns:a14="http://schemas.microsoft.com/office/drawing/2010/main">
+                <a:solidFill>
+                  <a:schemeClr val="accent1"/>
+                </a:solidFill>
+              </a14:hiddenFill>
+            </a:ext>
+          </a:extLst>
         </p:spPr>
         <p:style>
           <a:lnRef idx="2">
@@ -9053,73 +7643,13 @@
           <a:p>
             <a:pPr algn="ctr"/>
             <a:r>
-              <a:rPr lang="zh-CN" altLang="en-US" sz="2000">
-                <a:solidFill>
-                  <a:schemeClr val="bg1"/>
-                </a:solidFill>
-              </a:rPr>
-              <a:t>系统分配</a:t>
-            </a:r>
-            <a:endParaRPr lang="zh-CN" altLang="en-US" sz="2000">
-              <a:solidFill>
-                <a:schemeClr val="bg1"/>
-              </a:solidFill>
-            </a:endParaRPr>
-          </a:p>
-        </p:txBody>
-      </p:sp>
-      <p:sp>
-        <p:nvSpPr>
-          <p:cNvPr id="15" name="矩形 14"/>
-          <p:cNvSpPr/>
-          <p:nvPr/>
-        </p:nvSpPr>
-        <p:spPr>
-          <a:xfrm>
-            <a:off x="1007110" y="2289175"/>
-            <a:ext cx="2938780" cy="589915"/>
-          </a:xfrm>
-          <a:prstGeom prst="rect">
-            <a:avLst/>
-          </a:prstGeom>
-          <a:noFill/>
-          <a:extLst>
-            <a:ext uri="{909E8E84-426E-40DD-AFC4-6F175D3DCCD1}">
-              <a14:hiddenFill xmlns:a14="http://schemas.microsoft.com/office/drawing/2010/main">
-                <a:solidFill>
-                  <a:schemeClr val="accent1"/>
-                </a:solidFill>
-              </a14:hiddenFill>
-            </a:ext>
-          </a:extLst>
-        </p:spPr>
-        <p:style>
-          <a:lnRef idx="2">
-            <a:schemeClr val="accent1">
-              <a:shade val="50000"/>
-            </a:schemeClr>
-          </a:lnRef>
-          <a:fillRef idx="1">
-            <a:schemeClr val="accent1"/>
-          </a:fillRef>
-          <a:effectRef idx="0">
-            <a:schemeClr val="accent1"/>
-          </a:effectRef>
-          <a:fontRef idx="minor">
-            <a:schemeClr val="lt1"/>
-          </a:fontRef>
-        </p:style>
-        <p:txBody>
-          <a:bodyPr rtlCol="0" anchor="ctr"/>
-          <a:p>
-            <a:pPr algn="ctr"/>
-            <a:r>
               <a:rPr lang="zh-CN">
                 <a:solidFill>
                   <a:schemeClr val="tx1"/>
                 </a:solidFill>
-              </a:rPr>
-              <a:t>系统将自动为您分配房间</a:t>
+                <a:sym typeface="+mn-ea"/>
+              </a:rPr>
+              <a:t>系统分配入住</a:t>
             </a:r>
             <a:endParaRPr lang="zh-CN">
               <a:solidFill>
@@ -9223,167 +7753,12 @@
                 </a:solidFill>
                 <a:sym typeface="+mn-ea"/>
               </a:rPr>
-              <a:t>邀请他人合住</a:t>
+              <a:t>订单详情</a:t>
             </a:r>
             <a:endParaRPr lang="zh-CN" altLang="en-US" sz="2000">
               <a:solidFill>
                 <a:schemeClr val="bg1"/>
               </a:solidFill>
-              <a:sym typeface="+mn-ea"/>
-            </a:endParaRPr>
-          </a:p>
-        </p:txBody>
-      </p:sp>
-      <p:sp>
-        <p:nvSpPr>
-          <p:cNvPr id="5" name="矩形 4"/>
-          <p:cNvSpPr/>
-          <p:nvPr/>
-        </p:nvSpPr>
-        <p:spPr>
-          <a:xfrm>
-            <a:off x="4389755" y="2115820"/>
-            <a:ext cx="2938780" cy="589915"/>
-          </a:xfrm>
-          <a:prstGeom prst="rect">
-            <a:avLst/>
-          </a:prstGeom>
-          <a:noFill/>
-          <a:extLst>
-            <a:ext uri="{909E8E84-426E-40DD-AFC4-6F175D3DCCD1}">
-              <a14:hiddenFill xmlns:a14="http://schemas.microsoft.com/office/drawing/2010/main">
-                <a:solidFill>
-                  <a:schemeClr val="accent1"/>
-                </a:solidFill>
-              </a14:hiddenFill>
-            </a:ext>
-          </a:extLst>
-        </p:spPr>
-        <p:style>
-          <a:lnRef idx="2">
-            <a:schemeClr val="accent1">
-              <a:shade val="50000"/>
-            </a:schemeClr>
-          </a:lnRef>
-          <a:fillRef idx="1">
-            <a:schemeClr val="accent1"/>
-          </a:fillRef>
-          <a:effectRef idx="0">
-            <a:schemeClr val="accent1"/>
-          </a:effectRef>
-          <a:fontRef idx="minor">
-            <a:schemeClr val="lt1"/>
-          </a:fontRef>
-        </p:style>
-        <p:txBody>
-          <a:bodyPr rtlCol="0" anchor="ctr"/>
-          <a:p>
-            <a:pPr algn="ctr"/>
-            <a:r>
-              <a:rPr lang="en-US" altLang="zh-CN">
-                <a:solidFill>
-                  <a:schemeClr val="tx1"/>
-                </a:solidFill>
-              </a:rPr>
-              <a:t>1234</a:t>
-            </a:r>
-            <a:endParaRPr lang="en-US" altLang="zh-CN">
-              <a:solidFill>
-                <a:schemeClr val="tx1"/>
-              </a:solidFill>
-            </a:endParaRPr>
-          </a:p>
-        </p:txBody>
-      </p:sp>
-      <p:sp>
-        <p:nvSpPr>
-          <p:cNvPr id="10" name="文本框 9"/>
-          <p:cNvSpPr txBox="1"/>
-          <p:nvPr/>
-        </p:nvSpPr>
-        <p:spPr>
-          <a:xfrm>
-            <a:off x="4389120" y="2877185"/>
-            <a:ext cx="2938145" cy="1168400"/>
-          </a:xfrm>
-          <a:prstGeom prst="rect">
-            <a:avLst/>
-          </a:prstGeom>
-          <a:noFill/>
-        </p:spPr>
-        <p:txBody>
-          <a:bodyPr wrap="square" rtlCol="0">
-            <a:spAutoFit/>
-          </a:bodyPr>
-          <a:p>
-            <a:pPr algn="l"/>
-            <a:r>
-              <a:rPr lang="zh-CN" altLang="en-US" sz="1000">
-                <a:sym typeface="+mn-ea"/>
-              </a:rPr>
-              <a:t>注意</a:t>
-            </a:r>
-            <a:endParaRPr lang="en-US" altLang="zh-CN" sz="1000">
-              <a:sym typeface="+mn-ea"/>
-            </a:endParaRPr>
-          </a:p>
-          <a:p>
-            <a:pPr algn="l"/>
-            <a:r>
-              <a:rPr lang="en-US" altLang="zh-CN" sz="1000">
-                <a:sym typeface="+mn-ea"/>
-              </a:rPr>
-              <a:t>1. </a:t>
-            </a:r>
-            <a:r>
-              <a:rPr lang="zh-CN" sz="1000">
-                <a:sym typeface="+mn-ea"/>
-              </a:rPr>
-              <a:t>将邀请码告知您想邀请的人，由加入房间的人填写至输入框。</a:t>
-            </a:r>
-            <a:endParaRPr lang="zh-CN" sz="1000">
-              <a:sym typeface="+mn-ea"/>
-            </a:endParaRPr>
-          </a:p>
-          <a:p>
-            <a:pPr algn="l"/>
-            <a:r>
-              <a:rPr lang="en-US" altLang="zh-CN" sz="1000">
-                <a:sym typeface="+mn-ea"/>
-              </a:rPr>
-              <a:t>2. </a:t>
-            </a:r>
-            <a:r>
-              <a:rPr lang="zh-CN" altLang="en-US" sz="1000">
-                <a:sym typeface="+mn-ea"/>
-              </a:rPr>
-              <a:t>如截止前没有人加入，并且是</a:t>
-            </a:r>
-            <a:r>
-              <a:rPr lang="zh-CN" altLang="en-US" sz="1000">
-                <a:sym typeface="+mn-ea"/>
-              </a:rPr>
-              <a:t>统一付费的订单，系统将自动分配同住人。</a:t>
-            </a:r>
-            <a:endParaRPr lang="zh-CN" altLang="en-US" sz="1000">
-              <a:sym typeface="+mn-ea"/>
-            </a:endParaRPr>
-          </a:p>
-          <a:p>
-            <a:pPr algn="l"/>
-            <a:r>
-              <a:rPr lang="en-US" altLang="zh-CN" sz="1000">
-                <a:sym typeface="+mn-ea"/>
-              </a:rPr>
-              <a:t>3. </a:t>
-            </a:r>
-            <a:r>
-              <a:rPr lang="zh-CN" altLang="en-US" sz="1000">
-                <a:sym typeface="+mn-ea"/>
-              </a:rPr>
-              <a:t>如截止前没有人加入，并且是自付费订单，默认您独自入住一个房间。</a:t>
-            </a:r>
-            <a:endParaRPr lang="en-US" altLang="zh-CN" sz="1000">
               <a:sym typeface="+mn-ea"/>
             </a:endParaRPr>
           </a:p>
@@ -9477,12 +7852,13 @@
           <a:p>
             <a:pPr algn="ctr"/>
             <a:r>
-              <a:rPr lang="zh-CN" altLang="en-US" sz="2000">
+              <a:rPr lang="zh-CN" sz="2000">
                 <a:solidFill>
                   <a:schemeClr val="bg1"/>
                 </a:solidFill>
-              </a:rPr>
-              <a:t>加入他人房间</a:t>
+                <a:sym typeface="+mn-ea"/>
+              </a:rPr>
+              <a:t>订单详情</a:t>
             </a:r>
             <a:endParaRPr lang="zh-CN" altLang="en-US" sz="2000">
               <a:solidFill>
@@ -9494,28 +7870,24 @@
       </p:sp>
       <p:sp>
         <p:nvSpPr>
-          <p:cNvPr id="37" name="矩形 36"/>
+          <p:cNvPr id="39" name="矩形 38"/>
           <p:cNvSpPr/>
           <p:nvPr/>
         </p:nvSpPr>
         <p:spPr>
           <a:xfrm>
-            <a:off x="7773035" y="2133600"/>
-            <a:ext cx="2938780" cy="572135"/>
-          </a:xfrm>
-          <a:prstGeom prst="rect">
-            <a:avLst/>
-          </a:prstGeom>
-          <a:noFill/>
-          <a:extLst>
-            <a:ext uri="{909E8E84-426E-40DD-AFC4-6F175D3DCCD1}">
-              <a14:hiddenFill xmlns:a14="http://schemas.microsoft.com/office/drawing/2010/main">
-                <a:solidFill>
-                  <a:schemeClr val="accent1"/>
-                </a:solidFill>
-              </a14:hiddenFill>
-            </a:ext>
-          </a:extLst>
+            <a:off x="1296670" y="5666740"/>
+            <a:ext cx="2359025" cy="432435"/>
+          </a:xfrm>
+          <a:prstGeom prst="rect">
+            <a:avLst/>
+          </a:prstGeom>
+          <a:solidFill>
+            <a:srgbClr val="00B050"/>
+          </a:solidFill>
+          <a:ln>
+            <a:noFill/>
+          </a:ln>
         </p:spPr>
         <p:style>
           <a:lnRef idx="2">
@@ -9538,16 +7910,16 @@
           <a:p>
             <a:pPr algn="ctr"/>
             <a:r>
-              <a:rPr lang="zh-CN">
-                <a:solidFill>
-                  <a:schemeClr val="tx1"/>
-                </a:solidFill>
-              </a:rPr>
-              <a:t>输入邀请码</a:t>
-            </a:r>
-            <a:endParaRPr lang="zh-CN">
+              <a:rPr lang="zh-CN" altLang="en-US">
+                <a:solidFill>
+                  <a:schemeClr val="bg1"/>
+                </a:solidFill>
+              </a:rPr>
+              <a:t>支付</a:t>
+            </a:r>
+            <a:endParaRPr lang="zh-CN" altLang="en-US">
               <a:solidFill>
-                <a:schemeClr val="tx1"/>
+                <a:schemeClr val="bg1"/>
               </a:solidFill>
             </a:endParaRPr>
           </a:p>
@@ -9555,119 +7927,13 @@
       </p:sp>
       <p:sp>
         <p:nvSpPr>
-          <p:cNvPr id="38" name="文本框 37"/>
-          <p:cNvSpPr txBox="1"/>
-          <p:nvPr/>
-        </p:nvSpPr>
-        <p:spPr>
-          <a:xfrm>
-            <a:off x="7773670" y="2879090"/>
-            <a:ext cx="2938145" cy="1322070"/>
-          </a:xfrm>
-          <a:prstGeom prst="rect">
-            <a:avLst/>
-          </a:prstGeom>
-          <a:noFill/>
-        </p:spPr>
-        <p:txBody>
-          <a:bodyPr wrap="square" rtlCol="0">
-            <a:spAutoFit/>
-          </a:bodyPr>
-          <a:p>
-            <a:pPr algn="l"/>
-            <a:r>
-              <a:rPr lang="zh-CN" altLang="en-US" sz="1000">
-                <a:sym typeface="+mn-ea"/>
-              </a:rPr>
-              <a:t>注意</a:t>
-            </a:r>
-            <a:endParaRPr lang="en-US" altLang="zh-CN" sz="1000">
-              <a:sym typeface="+mn-ea"/>
-            </a:endParaRPr>
-          </a:p>
-          <a:p>
-            <a:pPr algn="l"/>
-            <a:r>
-              <a:rPr lang="en-US" altLang="zh-CN" sz="1000">
-                <a:sym typeface="+mn-ea"/>
-              </a:rPr>
-              <a:t>1. </a:t>
-            </a:r>
-            <a:r>
-              <a:rPr lang="zh-CN" sz="1000">
-                <a:sym typeface="+mn-ea"/>
-              </a:rPr>
-              <a:t>填写合住邀请码，加入他人创建的房间。</a:t>
-            </a:r>
-            <a:endParaRPr lang="zh-CN" sz="1000">
-              <a:sym typeface="+mn-ea"/>
-            </a:endParaRPr>
-          </a:p>
-          <a:p>
-            <a:pPr algn="l"/>
-            <a:r>
-              <a:rPr lang="en-US" altLang="zh-CN" sz="1000">
-                <a:sym typeface="+mn-ea"/>
-              </a:rPr>
-              <a:t>2. </a:t>
-            </a:r>
-            <a:r>
-              <a:rPr lang="zh-CN" altLang="en-US" sz="1000">
-                <a:sym typeface="+mn-ea"/>
-              </a:rPr>
-              <a:t>如截止前没有加入任一房间，并且是统一付费的订单，系统将自动为您分配房间。</a:t>
-            </a:r>
-            <a:endParaRPr lang="zh-CN" altLang="en-US" sz="1000">
-              <a:sym typeface="+mn-ea"/>
-            </a:endParaRPr>
-          </a:p>
-          <a:p>
-            <a:pPr algn="l"/>
-            <a:r>
-              <a:rPr lang="en-US" altLang="zh-CN" sz="1000">
-                <a:sym typeface="+mn-ea"/>
-              </a:rPr>
-              <a:t>3. </a:t>
-            </a:r>
-            <a:r>
-              <a:rPr lang="zh-CN" altLang="en-US" sz="1000">
-                <a:sym typeface="+mn-ea"/>
-              </a:rPr>
-              <a:t>如截止前没有加入任一房间</a:t>
-            </a:r>
-            <a:r>
-              <a:rPr lang="zh-CN" altLang="en-US" sz="1000">
-                <a:sym typeface="+mn-ea"/>
-              </a:rPr>
-              <a:t>，并且没有不属于统一付费订单，系统将视为您主动放弃此次行程。</a:t>
-            </a:r>
-            <a:endParaRPr lang="en-US" altLang="zh-CN" sz="1000">
-              <a:sym typeface="+mn-ea"/>
-            </a:endParaRPr>
-          </a:p>
-          <a:p>
-            <a:pPr algn="l"/>
-            <a:endParaRPr lang="zh-CN" sz="1000">
-              <a:sym typeface="+mn-ea"/>
-            </a:endParaRPr>
-          </a:p>
-          <a:p>
-            <a:pPr algn="l"/>
-            <a:endParaRPr lang="zh-CN" sz="1000">
-              <a:sym typeface="+mn-ea"/>
-            </a:endParaRPr>
-          </a:p>
-        </p:txBody>
-      </p:sp>
-      <p:sp>
-        <p:nvSpPr>
-          <p:cNvPr id="39" name="矩形 38"/>
+          <p:cNvPr id="41" name="矩形 40"/>
           <p:cNvSpPr/>
           <p:nvPr/>
         </p:nvSpPr>
         <p:spPr>
           <a:xfrm>
-            <a:off x="1296670" y="5666740"/>
+            <a:off x="4679950" y="5666740"/>
             <a:ext cx="2359025" cy="432435"/>
           </a:xfrm>
           <a:prstGeom prst="rect">
@@ -9705,8 +7971,9 @@
                 <a:solidFill>
                   <a:schemeClr val="bg1"/>
                 </a:solidFill>
-              </a:rPr>
-              <a:t>完成</a:t>
+                <a:sym typeface="+mn-ea"/>
+              </a:rPr>
+              <a:t>支付</a:t>
             </a:r>
             <a:endParaRPr lang="zh-CN" altLang="en-US">
               <a:solidFill>
@@ -9718,31 +7985,24 @@
       </p:sp>
       <p:sp>
         <p:nvSpPr>
-          <p:cNvPr id="40" name="矩形 39"/>
+          <p:cNvPr id="42" name="矩形 41"/>
           <p:cNvSpPr/>
           <p:nvPr/>
         </p:nvSpPr>
         <p:spPr>
           <a:xfrm>
-            <a:off x="4389755" y="1238250"/>
-            <a:ext cx="2938780" cy="589915"/>
-          </a:xfrm>
-          <a:prstGeom prst="rect">
-            <a:avLst/>
-          </a:prstGeom>
-          <a:noFill/>
+            <a:off x="8064500" y="5666740"/>
+            <a:ext cx="2359025" cy="432435"/>
+          </a:xfrm>
+          <a:prstGeom prst="rect">
+            <a:avLst/>
+          </a:prstGeom>
+          <a:solidFill>
+            <a:srgbClr val="00B050"/>
+          </a:solidFill>
           <a:ln>
             <a:noFill/>
           </a:ln>
-          <a:extLst>
-            <a:ext uri="{909E8E84-426E-40DD-AFC4-6F175D3DCCD1}">
-              <a14:hiddenFill xmlns:a14="http://schemas.microsoft.com/office/drawing/2010/main">
-                <a:solidFill>
-                  <a:schemeClr val="accent1"/>
-                </a:solidFill>
-              </a14:hiddenFill>
-            </a:ext>
-          </a:extLst>
         </p:spPr>
         <p:style>
           <a:lnRef idx="2">
@@ -9765,16 +8025,17 @@
           <a:p>
             <a:pPr algn="ctr"/>
             <a:r>
-              <a:rPr lang="zh-CN">
-                <a:solidFill>
-                  <a:schemeClr val="tx1"/>
-                </a:solidFill>
-              </a:rPr>
-              <a:t>邀请码</a:t>
-            </a:r>
-            <a:endParaRPr lang="zh-CN">
+              <a:rPr lang="zh-CN" altLang="en-US">
+                <a:solidFill>
+                  <a:schemeClr val="bg1"/>
+                </a:solidFill>
+                <a:sym typeface="+mn-ea"/>
+              </a:rPr>
+              <a:t>支付</a:t>
+            </a:r>
+            <a:endParaRPr lang="zh-CN" altLang="en-US">
               <a:solidFill>
-                <a:schemeClr val="tx1"/>
+                <a:schemeClr val="bg1"/>
               </a:solidFill>
             </a:endParaRPr>
           </a:p>
@@ -9782,24 +8043,18 @@
       </p:sp>
       <p:sp>
         <p:nvSpPr>
-          <p:cNvPr id="41" name="矩形 40"/>
+          <p:cNvPr id="8" name="矩形 7"/>
           <p:cNvSpPr/>
           <p:nvPr/>
         </p:nvSpPr>
         <p:spPr>
           <a:xfrm>
-            <a:off x="4679950" y="5666740"/>
-            <a:ext cx="2359025" cy="432435"/>
-          </a:xfrm>
-          <a:prstGeom prst="rect">
-            <a:avLst/>
-          </a:prstGeom>
-          <a:solidFill>
-            <a:srgbClr val="00B050"/>
-          </a:solidFill>
-          <a:ln>
-            <a:noFill/>
-          </a:ln>
+            <a:off x="1562100" y="538480"/>
+            <a:ext cx="1828800" cy="320040"/>
+          </a:xfrm>
+          <a:prstGeom prst="rect">
+            <a:avLst/>
+          </a:prstGeom>
         </p:spPr>
         <p:style>
           <a:lnRef idx="2">
@@ -9822,41 +8077,47 @@
           <a:p>
             <a:pPr algn="ctr"/>
             <a:r>
-              <a:rPr lang="zh-CN" altLang="en-US">
+              <a:rPr lang="zh-CN" sz="2000">
                 <a:solidFill>
                   <a:schemeClr val="bg1"/>
                 </a:solidFill>
-              </a:rPr>
-              <a:t>检查入住信息</a:t>
-            </a:r>
-            <a:endParaRPr lang="zh-CN" altLang="en-US">
+                <a:sym typeface="+mn-ea"/>
+              </a:rPr>
+              <a:t>订单详情</a:t>
+            </a:r>
+            <a:endParaRPr lang="zh-CN" altLang="en-US" sz="2000">
               <a:solidFill>
                 <a:schemeClr val="bg1"/>
               </a:solidFill>
-            </a:endParaRPr>
-          </a:p>
-        </p:txBody>
-      </p:sp>
-      <p:sp>
-        <p:nvSpPr>
-          <p:cNvPr id="42" name="矩形 41"/>
+              <a:sym typeface="+mn-ea"/>
+            </a:endParaRPr>
+          </a:p>
+        </p:txBody>
+      </p:sp>
+      <p:sp>
+        <p:nvSpPr>
+          <p:cNvPr id="9" name="矩形 8"/>
           <p:cNvSpPr/>
           <p:nvPr/>
         </p:nvSpPr>
         <p:spPr>
           <a:xfrm>
-            <a:off x="8062595" y="5666740"/>
-            <a:ext cx="2359025" cy="432435"/>
-          </a:xfrm>
-          <a:prstGeom prst="rect">
-            <a:avLst/>
-          </a:prstGeom>
-          <a:solidFill>
-            <a:srgbClr val="00B050"/>
-          </a:solidFill>
-          <a:ln>
-            <a:noFill/>
-          </a:ln>
+            <a:off x="1007110" y="1908810"/>
+            <a:ext cx="2938780" cy="589915"/>
+          </a:xfrm>
+          <a:prstGeom prst="rect">
+            <a:avLst/>
+          </a:prstGeom>
+          <a:noFill/>
+          <a:extLst>
+            <a:ext uri="{909E8E84-426E-40DD-AFC4-6F175D3DCCD1}">
+              <a14:hiddenFill xmlns:a14="http://schemas.microsoft.com/office/drawing/2010/main">
+                <a:solidFill>
+                  <a:schemeClr val="accent1"/>
+                </a:solidFill>
+              </a14:hiddenFill>
+            </a:ext>
+          </a:extLst>
         </p:spPr>
         <p:style>
           <a:lnRef idx="2">
@@ -9879,16 +8140,1184 @@
           <a:p>
             <a:pPr algn="ctr"/>
             <a:r>
-              <a:rPr lang="zh-CN" altLang="en-US">
-                <a:solidFill>
-                  <a:schemeClr val="bg1"/>
-                </a:solidFill>
-              </a:rPr>
-              <a:t>加入房间</a:t>
-            </a:r>
-            <a:endParaRPr lang="zh-CN" altLang="en-US">
+              <a:rPr lang="zh-CN">
+                <a:solidFill>
+                  <a:schemeClr val="tx1"/>
+                </a:solidFill>
+              </a:rPr>
+              <a:t>房间费用         ￥</a:t>
+            </a:r>
+            <a:r>
+              <a:rPr lang="en-US" altLang="zh-CN">
+                <a:solidFill>
+                  <a:schemeClr val="tx1"/>
+                </a:solidFill>
+              </a:rPr>
+              <a:t>100 </a:t>
+            </a:r>
+            <a:r>
+              <a:rPr lang="zh-CN" altLang="en-US" sz="1000">
+                <a:solidFill>
+                  <a:schemeClr val="tx1"/>
+                </a:solidFill>
+              </a:rPr>
+              <a:t>￥</a:t>
+            </a:r>
+            <a:r>
+              <a:rPr lang="en-US" altLang="zh-CN" sz="1000" strike="sngStrike">
+                <a:solidFill>
+                  <a:schemeClr val="tx1"/>
+                </a:solidFill>
+                <a:uFillTx/>
+              </a:rPr>
+              <a:t>200</a:t>
+            </a:r>
+            <a:endParaRPr lang="en-US" altLang="zh-CN" sz="1000" strike="sngStrike">
               <a:solidFill>
-                <a:schemeClr val="bg1"/>
+                <a:schemeClr val="tx1"/>
+              </a:solidFill>
+              <a:uFillTx/>
+            </a:endParaRPr>
+          </a:p>
+        </p:txBody>
+      </p:sp>
+      <p:sp>
+        <p:nvSpPr>
+          <p:cNvPr id="12" name="文本框 11"/>
+          <p:cNvSpPr txBox="1"/>
+          <p:nvPr/>
+        </p:nvSpPr>
+        <p:spPr>
+          <a:xfrm>
+            <a:off x="1007745" y="2498725"/>
+            <a:ext cx="2938145" cy="398780"/>
+          </a:xfrm>
+          <a:prstGeom prst="rect">
+            <a:avLst/>
+          </a:prstGeom>
+          <a:noFill/>
+        </p:spPr>
+        <p:txBody>
+          <a:bodyPr wrap="square" rtlCol="0">
+            <a:spAutoFit/>
+          </a:bodyPr>
+          <a:p>
+            <a:pPr algn="l"/>
+            <a:r>
+              <a:rPr lang="zh-CN" altLang="en-US" sz="1000">
+                <a:sym typeface="+mn-ea"/>
+              </a:rPr>
+              <a:t>注意</a:t>
+            </a:r>
+            <a:endParaRPr lang="en-US" altLang="zh-CN" sz="1000">
+              <a:sym typeface="+mn-ea"/>
+            </a:endParaRPr>
+          </a:p>
+          <a:p>
+            <a:pPr algn="l"/>
+            <a:r>
+              <a:rPr lang="en-US" altLang="zh-CN" sz="1000">
+                <a:sym typeface="+mn-ea"/>
+              </a:rPr>
+              <a:t>1. </a:t>
+            </a:r>
+            <a:r>
+              <a:rPr lang="zh-CN" sz="1000">
+                <a:sym typeface="+mn-ea"/>
+              </a:rPr>
+              <a:t>您承担一半的房间的费用</a:t>
+            </a:r>
+            <a:r>
+              <a:rPr lang="zh-CN" sz="1000">
+                <a:sym typeface="+mn-ea"/>
+              </a:rPr>
+              <a:t>。</a:t>
+            </a:r>
+            <a:endParaRPr lang="en-US" altLang="zh-CN" sz="1000">
+              <a:sym typeface="+mn-ea"/>
+            </a:endParaRPr>
+          </a:p>
+        </p:txBody>
+      </p:sp>
+      <p:sp>
+        <p:nvSpPr>
+          <p:cNvPr id="14" name="矩形 13"/>
+          <p:cNvSpPr/>
+          <p:nvPr/>
+        </p:nvSpPr>
+        <p:spPr>
+          <a:xfrm>
+            <a:off x="1006475" y="3091180"/>
+            <a:ext cx="2938780" cy="589915"/>
+          </a:xfrm>
+          <a:prstGeom prst="rect">
+            <a:avLst/>
+          </a:prstGeom>
+          <a:noFill/>
+          <a:extLst>
+            <a:ext uri="{909E8E84-426E-40DD-AFC4-6F175D3DCCD1}">
+              <a14:hiddenFill xmlns:a14="http://schemas.microsoft.com/office/drawing/2010/main">
+                <a:solidFill>
+                  <a:schemeClr val="accent1"/>
+                </a:solidFill>
+              </a14:hiddenFill>
+            </a:ext>
+          </a:extLst>
+        </p:spPr>
+        <p:style>
+          <a:lnRef idx="2">
+            <a:schemeClr val="accent1">
+              <a:shade val="50000"/>
+            </a:schemeClr>
+          </a:lnRef>
+          <a:fillRef idx="1">
+            <a:schemeClr val="accent1"/>
+          </a:fillRef>
+          <a:effectRef idx="0">
+            <a:schemeClr val="accent1"/>
+          </a:effectRef>
+          <a:fontRef idx="minor">
+            <a:schemeClr val="lt1"/>
+          </a:fontRef>
+        </p:style>
+        <p:txBody>
+          <a:bodyPr rtlCol="0" anchor="ctr"/>
+          <a:p>
+            <a:pPr algn="ctr"/>
+            <a:r>
+              <a:rPr lang="zh-CN">
+                <a:solidFill>
+                  <a:schemeClr val="tx1"/>
+                </a:solidFill>
+                <a:sym typeface="+mn-ea"/>
+              </a:rPr>
+              <a:t>其他费用               ￥</a:t>
+            </a:r>
+            <a:r>
+              <a:rPr lang="en-US" altLang="zh-CN">
+                <a:solidFill>
+                  <a:schemeClr val="tx1"/>
+                </a:solidFill>
+                <a:sym typeface="+mn-ea"/>
+              </a:rPr>
+              <a:t>500</a:t>
+            </a:r>
+            <a:endParaRPr lang="en-US" altLang="zh-CN">
+              <a:solidFill>
+                <a:schemeClr val="tx1"/>
+              </a:solidFill>
+              <a:sym typeface="+mn-ea"/>
+            </a:endParaRPr>
+          </a:p>
+        </p:txBody>
+      </p:sp>
+      <p:sp>
+        <p:nvSpPr>
+          <p:cNvPr id="16" name="矩形 15"/>
+          <p:cNvSpPr/>
+          <p:nvPr/>
+        </p:nvSpPr>
+        <p:spPr>
+          <a:xfrm>
+            <a:off x="1007745" y="3735705"/>
+            <a:ext cx="2938780" cy="589915"/>
+          </a:xfrm>
+          <a:prstGeom prst="rect">
+            <a:avLst/>
+          </a:prstGeom>
+          <a:noFill/>
+          <a:extLst>
+            <a:ext uri="{909E8E84-426E-40DD-AFC4-6F175D3DCCD1}">
+              <a14:hiddenFill xmlns:a14="http://schemas.microsoft.com/office/drawing/2010/main">
+                <a:solidFill>
+                  <a:schemeClr val="accent1"/>
+                </a:solidFill>
+              </a14:hiddenFill>
+            </a:ext>
+          </a:extLst>
+        </p:spPr>
+        <p:style>
+          <a:lnRef idx="2">
+            <a:schemeClr val="accent1">
+              <a:shade val="50000"/>
+            </a:schemeClr>
+          </a:lnRef>
+          <a:fillRef idx="1">
+            <a:schemeClr val="accent1"/>
+          </a:fillRef>
+          <a:effectRef idx="0">
+            <a:schemeClr val="accent1"/>
+          </a:effectRef>
+          <a:fontRef idx="minor">
+            <a:schemeClr val="lt1"/>
+          </a:fontRef>
+        </p:style>
+        <p:txBody>
+          <a:bodyPr rtlCol="0" anchor="ctr"/>
+          <a:p>
+            <a:pPr algn="ctr"/>
+            <a:r>
+              <a:rPr lang="zh-CN">
+                <a:solidFill>
+                  <a:schemeClr val="tx1"/>
+                </a:solidFill>
+                <a:sym typeface="+mn-ea"/>
+              </a:rPr>
+              <a:t>总费用                  ￥</a:t>
+            </a:r>
+            <a:r>
+              <a:rPr lang="en-US" altLang="zh-CN">
+                <a:solidFill>
+                  <a:schemeClr val="tx1"/>
+                </a:solidFill>
+                <a:sym typeface="+mn-ea"/>
+              </a:rPr>
+              <a:t>6</a:t>
+            </a:r>
+            <a:r>
+              <a:rPr lang="en-US" altLang="zh-CN">
+                <a:solidFill>
+                  <a:schemeClr val="tx1"/>
+                </a:solidFill>
+                <a:sym typeface="+mn-ea"/>
+              </a:rPr>
+              <a:t>00</a:t>
+            </a:r>
+            <a:endParaRPr lang="en-US" altLang="zh-CN">
+              <a:solidFill>
+                <a:schemeClr val="tx1"/>
+              </a:solidFill>
+              <a:sym typeface="+mn-ea"/>
+            </a:endParaRPr>
+          </a:p>
+        </p:txBody>
+      </p:sp>
+      <p:sp>
+        <p:nvSpPr>
+          <p:cNvPr id="18" name="矩形 17"/>
+          <p:cNvSpPr/>
+          <p:nvPr/>
+        </p:nvSpPr>
+        <p:spPr>
+          <a:xfrm>
+            <a:off x="4391025" y="1908810"/>
+            <a:ext cx="2938780" cy="589915"/>
+          </a:xfrm>
+          <a:prstGeom prst="rect">
+            <a:avLst/>
+          </a:prstGeom>
+          <a:noFill/>
+          <a:extLst>
+            <a:ext uri="{909E8E84-426E-40DD-AFC4-6F175D3DCCD1}">
+              <a14:hiddenFill xmlns:a14="http://schemas.microsoft.com/office/drawing/2010/main">
+                <a:solidFill>
+                  <a:schemeClr val="accent1"/>
+                </a:solidFill>
+              </a14:hiddenFill>
+            </a:ext>
+          </a:extLst>
+        </p:spPr>
+        <p:style>
+          <a:lnRef idx="2">
+            <a:schemeClr val="accent1">
+              <a:shade val="50000"/>
+            </a:schemeClr>
+          </a:lnRef>
+          <a:fillRef idx="1">
+            <a:schemeClr val="accent1"/>
+          </a:fillRef>
+          <a:effectRef idx="0">
+            <a:schemeClr val="accent1"/>
+          </a:effectRef>
+          <a:fontRef idx="minor">
+            <a:schemeClr val="lt1"/>
+          </a:fontRef>
+        </p:style>
+        <p:txBody>
+          <a:bodyPr rtlCol="0" anchor="ctr"/>
+          <a:p>
+            <a:pPr algn="ctr"/>
+            <a:r>
+              <a:rPr lang="zh-CN">
+                <a:solidFill>
+                  <a:schemeClr val="tx1"/>
+                </a:solidFill>
+              </a:rPr>
+              <a:t>房间费用         ￥</a:t>
+            </a:r>
+            <a:r>
+              <a:rPr lang="en-US">
+                <a:solidFill>
+                  <a:schemeClr val="tx1"/>
+                </a:solidFill>
+              </a:rPr>
+              <a:t>200</a:t>
+            </a:r>
+            <a:endParaRPr lang="en-US" sz="1000" strike="sngStrike">
+              <a:solidFill>
+                <a:schemeClr val="tx1"/>
+              </a:solidFill>
+              <a:uFillTx/>
+            </a:endParaRPr>
+          </a:p>
+        </p:txBody>
+      </p:sp>
+      <p:sp>
+        <p:nvSpPr>
+          <p:cNvPr id="19" name="文本框 18"/>
+          <p:cNvSpPr txBox="1"/>
+          <p:nvPr/>
+        </p:nvSpPr>
+        <p:spPr>
+          <a:xfrm>
+            <a:off x="4391660" y="2498725"/>
+            <a:ext cx="2938145" cy="398780"/>
+          </a:xfrm>
+          <a:prstGeom prst="rect">
+            <a:avLst/>
+          </a:prstGeom>
+          <a:noFill/>
+        </p:spPr>
+        <p:txBody>
+          <a:bodyPr wrap="square" rtlCol="0">
+            <a:spAutoFit/>
+          </a:bodyPr>
+          <a:p>
+            <a:pPr algn="l"/>
+            <a:r>
+              <a:rPr lang="zh-CN" altLang="en-US" sz="1000">
+                <a:sym typeface="+mn-ea"/>
+              </a:rPr>
+              <a:t>注意</a:t>
+            </a:r>
+            <a:endParaRPr lang="en-US" altLang="zh-CN" sz="1000">
+              <a:sym typeface="+mn-ea"/>
+            </a:endParaRPr>
+          </a:p>
+          <a:p>
+            <a:pPr algn="l"/>
+            <a:r>
+              <a:rPr lang="en-US" altLang="zh-CN" sz="1000">
+                <a:sym typeface="+mn-ea"/>
+              </a:rPr>
+              <a:t>1. </a:t>
+            </a:r>
+            <a:r>
+              <a:rPr lang="zh-CN" sz="1000">
+                <a:sym typeface="+mn-ea"/>
+              </a:rPr>
+              <a:t>您承担整间房间的费用</a:t>
+            </a:r>
+            <a:r>
+              <a:rPr lang="zh-CN" sz="1000">
+                <a:sym typeface="+mn-ea"/>
+              </a:rPr>
+              <a:t>。</a:t>
+            </a:r>
+            <a:endParaRPr lang="en-US" altLang="zh-CN" sz="1000">
+              <a:sym typeface="+mn-ea"/>
+            </a:endParaRPr>
+          </a:p>
+        </p:txBody>
+      </p:sp>
+      <p:sp>
+        <p:nvSpPr>
+          <p:cNvPr id="20" name="矩形 19"/>
+          <p:cNvSpPr/>
+          <p:nvPr/>
+        </p:nvSpPr>
+        <p:spPr>
+          <a:xfrm>
+            <a:off x="4390390" y="3091180"/>
+            <a:ext cx="2938780" cy="589915"/>
+          </a:xfrm>
+          <a:prstGeom prst="rect">
+            <a:avLst/>
+          </a:prstGeom>
+          <a:noFill/>
+          <a:extLst>
+            <a:ext uri="{909E8E84-426E-40DD-AFC4-6F175D3DCCD1}">
+              <a14:hiddenFill xmlns:a14="http://schemas.microsoft.com/office/drawing/2010/main">
+                <a:solidFill>
+                  <a:schemeClr val="accent1"/>
+                </a:solidFill>
+              </a14:hiddenFill>
+            </a:ext>
+          </a:extLst>
+        </p:spPr>
+        <p:style>
+          <a:lnRef idx="2">
+            <a:schemeClr val="accent1">
+              <a:shade val="50000"/>
+            </a:schemeClr>
+          </a:lnRef>
+          <a:fillRef idx="1">
+            <a:schemeClr val="accent1"/>
+          </a:fillRef>
+          <a:effectRef idx="0">
+            <a:schemeClr val="accent1"/>
+          </a:effectRef>
+          <a:fontRef idx="minor">
+            <a:schemeClr val="lt1"/>
+          </a:fontRef>
+        </p:style>
+        <p:txBody>
+          <a:bodyPr rtlCol="0" anchor="ctr"/>
+          <a:p>
+            <a:pPr algn="ctr"/>
+            <a:r>
+              <a:rPr lang="zh-CN">
+                <a:solidFill>
+                  <a:schemeClr val="tx1"/>
+                </a:solidFill>
+                <a:sym typeface="+mn-ea"/>
+              </a:rPr>
+              <a:t>其他费用               ￥</a:t>
+            </a:r>
+            <a:r>
+              <a:rPr lang="en-US" altLang="zh-CN">
+                <a:solidFill>
+                  <a:schemeClr val="tx1"/>
+                </a:solidFill>
+                <a:sym typeface="+mn-ea"/>
+              </a:rPr>
+              <a:t>500</a:t>
+            </a:r>
+            <a:endParaRPr lang="en-US" altLang="zh-CN">
+              <a:solidFill>
+                <a:schemeClr val="tx1"/>
+              </a:solidFill>
+              <a:sym typeface="+mn-ea"/>
+            </a:endParaRPr>
+          </a:p>
+        </p:txBody>
+      </p:sp>
+      <p:sp>
+        <p:nvSpPr>
+          <p:cNvPr id="21" name="矩形 20"/>
+          <p:cNvSpPr/>
+          <p:nvPr/>
+        </p:nvSpPr>
+        <p:spPr>
+          <a:xfrm>
+            <a:off x="4391660" y="3735705"/>
+            <a:ext cx="2938780" cy="589915"/>
+          </a:xfrm>
+          <a:prstGeom prst="rect">
+            <a:avLst/>
+          </a:prstGeom>
+          <a:noFill/>
+          <a:extLst>
+            <a:ext uri="{909E8E84-426E-40DD-AFC4-6F175D3DCCD1}">
+              <a14:hiddenFill xmlns:a14="http://schemas.microsoft.com/office/drawing/2010/main">
+                <a:solidFill>
+                  <a:schemeClr val="accent1"/>
+                </a:solidFill>
+              </a14:hiddenFill>
+            </a:ext>
+          </a:extLst>
+        </p:spPr>
+        <p:style>
+          <a:lnRef idx="2">
+            <a:schemeClr val="accent1">
+              <a:shade val="50000"/>
+            </a:schemeClr>
+          </a:lnRef>
+          <a:fillRef idx="1">
+            <a:schemeClr val="accent1"/>
+          </a:fillRef>
+          <a:effectRef idx="0">
+            <a:schemeClr val="accent1"/>
+          </a:effectRef>
+          <a:fontRef idx="minor">
+            <a:schemeClr val="lt1"/>
+          </a:fontRef>
+        </p:style>
+        <p:txBody>
+          <a:bodyPr rtlCol="0" anchor="ctr"/>
+          <a:p>
+            <a:pPr algn="ctr"/>
+            <a:r>
+              <a:rPr lang="zh-CN">
+                <a:solidFill>
+                  <a:schemeClr val="tx1"/>
+                </a:solidFill>
+                <a:sym typeface="+mn-ea"/>
+              </a:rPr>
+              <a:t>总费用                  ￥</a:t>
+            </a:r>
+            <a:r>
+              <a:rPr lang="en-US" altLang="zh-CN">
+                <a:solidFill>
+                  <a:schemeClr val="tx1"/>
+                </a:solidFill>
+                <a:sym typeface="+mn-ea"/>
+              </a:rPr>
+              <a:t>7</a:t>
+            </a:r>
+            <a:r>
+              <a:rPr lang="en-US" altLang="zh-CN">
+                <a:solidFill>
+                  <a:schemeClr val="tx1"/>
+                </a:solidFill>
+                <a:sym typeface="+mn-ea"/>
+              </a:rPr>
+              <a:t>00</a:t>
+            </a:r>
+            <a:endParaRPr lang="en-US" altLang="zh-CN">
+              <a:solidFill>
+                <a:schemeClr val="tx1"/>
+              </a:solidFill>
+              <a:sym typeface="+mn-ea"/>
+            </a:endParaRPr>
+          </a:p>
+        </p:txBody>
+      </p:sp>
+      <p:sp>
+        <p:nvSpPr>
+          <p:cNvPr id="24" name="文本框 23"/>
+          <p:cNvSpPr txBox="1"/>
+          <p:nvPr/>
+        </p:nvSpPr>
+        <p:spPr>
+          <a:xfrm>
+            <a:off x="4389755" y="1256665"/>
+            <a:ext cx="2937510" cy="553085"/>
+          </a:xfrm>
+          <a:prstGeom prst="rect">
+            <a:avLst/>
+          </a:prstGeom>
+          <a:noFill/>
+        </p:spPr>
+        <p:txBody>
+          <a:bodyPr wrap="square" rtlCol="0">
+            <a:spAutoFit/>
+          </a:bodyPr>
+          <a:p>
+            <a:r>
+              <a:rPr lang="zh-CN" altLang="en-US" sz="1000">
+                <a:solidFill>
+                  <a:srgbClr val="FF0000"/>
+                </a:solidFill>
+              </a:rPr>
+              <a:t>支付整间还是一半</a:t>
+            </a:r>
+            <a:endParaRPr lang="zh-CN" altLang="en-US" sz="1000">
+              <a:solidFill>
+                <a:srgbClr val="FF0000"/>
+              </a:solidFill>
+            </a:endParaRPr>
+          </a:p>
+          <a:p>
+            <a:r>
+              <a:rPr lang="zh-CN" altLang="en-US" sz="1000">
+                <a:solidFill>
+                  <a:srgbClr val="FF0000"/>
+                </a:solidFill>
+              </a:rPr>
+              <a:t>整间：截止后自住一间，</a:t>
+            </a:r>
+            <a:endParaRPr lang="zh-CN" altLang="en-US" sz="1000">
+              <a:solidFill>
+                <a:srgbClr val="FF0000"/>
+              </a:solidFill>
+            </a:endParaRPr>
+          </a:p>
+          <a:p>
+            <a:r>
+              <a:rPr lang="zh-CN" altLang="en-US" sz="1000">
+                <a:solidFill>
+                  <a:srgbClr val="FF0000"/>
+                </a:solidFill>
+              </a:rPr>
+              <a:t>一半：截止后系统分配入住</a:t>
+            </a:r>
+            <a:endParaRPr lang="zh-CN" altLang="en-US" sz="1000">
+              <a:solidFill>
+                <a:srgbClr val="FF0000"/>
+              </a:solidFill>
+            </a:endParaRPr>
+          </a:p>
+        </p:txBody>
+      </p:sp>
+      <p:sp>
+        <p:nvSpPr>
+          <p:cNvPr id="22" name="文本框 21"/>
+          <p:cNvSpPr txBox="1"/>
+          <p:nvPr/>
+        </p:nvSpPr>
+        <p:spPr>
+          <a:xfrm>
+            <a:off x="5045075" y="858520"/>
+            <a:ext cx="1626870" cy="245110"/>
+          </a:xfrm>
+          <a:prstGeom prst="rect">
+            <a:avLst/>
+          </a:prstGeom>
+          <a:noFill/>
+        </p:spPr>
+        <p:txBody>
+          <a:bodyPr wrap="square" rtlCol="0">
+            <a:spAutoFit/>
+          </a:bodyPr>
+          <a:p>
+            <a:r>
+              <a:rPr lang="zh-CN" altLang="en-US" sz="1000">
+                <a:solidFill>
+                  <a:srgbClr val="FF0000"/>
+                </a:solidFill>
+              </a:rPr>
+              <a:t>独住一间，邀请他人合住</a:t>
+            </a:r>
+            <a:endParaRPr lang="zh-CN" altLang="en-US" sz="1000">
+              <a:solidFill>
+                <a:srgbClr val="FF0000"/>
+              </a:solidFill>
+            </a:endParaRPr>
+          </a:p>
+        </p:txBody>
+      </p:sp>
+      <p:sp>
+        <p:nvSpPr>
+          <p:cNvPr id="23" name="矩形 22"/>
+          <p:cNvSpPr/>
+          <p:nvPr/>
+        </p:nvSpPr>
+        <p:spPr>
+          <a:xfrm>
+            <a:off x="7774305" y="1927225"/>
+            <a:ext cx="2938780" cy="589915"/>
+          </a:xfrm>
+          <a:prstGeom prst="rect">
+            <a:avLst/>
+          </a:prstGeom>
+          <a:noFill/>
+          <a:extLst>
+            <a:ext uri="{909E8E84-426E-40DD-AFC4-6F175D3DCCD1}">
+              <a14:hiddenFill xmlns:a14="http://schemas.microsoft.com/office/drawing/2010/main">
+                <a:solidFill>
+                  <a:schemeClr val="accent1"/>
+                </a:solidFill>
+              </a14:hiddenFill>
+            </a:ext>
+          </a:extLst>
+        </p:spPr>
+        <p:style>
+          <a:lnRef idx="2">
+            <a:schemeClr val="accent1">
+              <a:shade val="50000"/>
+            </a:schemeClr>
+          </a:lnRef>
+          <a:fillRef idx="1">
+            <a:schemeClr val="accent1"/>
+          </a:fillRef>
+          <a:effectRef idx="0">
+            <a:schemeClr val="accent1"/>
+          </a:effectRef>
+          <a:fontRef idx="minor">
+            <a:schemeClr val="lt1"/>
+          </a:fontRef>
+        </p:style>
+        <p:txBody>
+          <a:bodyPr rtlCol="0" anchor="ctr"/>
+          <a:p>
+            <a:pPr algn="ctr"/>
+            <a:r>
+              <a:rPr lang="zh-CN">
+                <a:solidFill>
+                  <a:schemeClr val="tx1"/>
+                </a:solidFill>
+                <a:sym typeface="+mn-ea"/>
+              </a:rPr>
+              <a:t>房间费用         ￥</a:t>
+            </a:r>
+            <a:r>
+              <a:rPr lang="en-US" altLang="zh-CN">
+                <a:solidFill>
+                  <a:schemeClr val="tx1"/>
+                </a:solidFill>
+                <a:sym typeface="+mn-ea"/>
+              </a:rPr>
+              <a:t>100 </a:t>
+            </a:r>
+            <a:r>
+              <a:rPr lang="zh-CN" altLang="en-US" sz="1000">
+                <a:solidFill>
+                  <a:schemeClr val="tx1"/>
+                </a:solidFill>
+                <a:sym typeface="+mn-ea"/>
+              </a:rPr>
+              <a:t>￥</a:t>
+            </a:r>
+            <a:r>
+              <a:rPr lang="en-US" altLang="zh-CN" sz="1000" strike="sngStrike">
+                <a:solidFill>
+                  <a:schemeClr val="tx1"/>
+                </a:solidFill>
+                <a:uFillTx/>
+                <a:sym typeface="+mn-ea"/>
+              </a:rPr>
+              <a:t>200</a:t>
+            </a:r>
+            <a:endParaRPr lang="en-US" sz="1000" strike="sngStrike">
+              <a:solidFill>
+                <a:schemeClr val="tx1"/>
+              </a:solidFill>
+              <a:uFillTx/>
+            </a:endParaRPr>
+          </a:p>
+        </p:txBody>
+      </p:sp>
+      <p:sp>
+        <p:nvSpPr>
+          <p:cNvPr id="25" name="文本框 24"/>
+          <p:cNvSpPr txBox="1"/>
+          <p:nvPr/>
+        </p:nvSpPr>
+        <p:spPr>
+          <a:xfrm>
+            <a:off x="7774940" y="2517140"/>
+            <a:ext cx="2938145" cy="398780"/>
+          </a:xfrm>
+          <a:prstGeom prst="rect">
+            <a:avLst/>
+          </a:prstGeom>
+          <a:noFill/>
+        </p:spPr>
+        <p:txBody>
+          <a:bodyPr wrap="square" rtlCol="0">
+            <a:spAutoFit/>
+          </a:bodyPr>
+          <a:p>
+            <a:pPr algn="l"/>
+            <a:r>
+              <a:rPr lang="zh-CN" altLang="en-US" sz="1000">
+                <a:sym typeface="+mn-ea"/>
+              </a:rPr>
+              <a:t>注意</a:t>
+            </a:r>
+            <a:endParaRPr lang="en-US" altLang="zh-CN" sz="1000">
+              <a:sym typeface="+mn-ea"/>
+            </a:endParaRPr>
+          </a:p>
+          <a:p>
+            <a:pPr algn="l"/>
+            <a:r>
+              <a:rPr lang="en-US" altLang="zh-CN" sz="1000">
+                <a:sym typeface="+mn-ea"/>
+              </a:rPr>
+              <a:t>1. </a:t>
+            </a:r>
+            <a:r>
+              <a:rPr lang="zh-CN" sz="1000">
+                <a:sym typeface="+mn-ea"/>
+              </a:rPr>
+              <a:t>您承担一半房间的费用</a:t>
+            </a:r>
+            <a:r>
+              <a:rPr lang="zh-CN" sz="1000">
+                <a:sym typeface="+mn-ea"/>
+              </a:rPr>
+              <a:t>。</a:t>
+            </a:r>
+            <a:endParaRPr lang="en-US" altLang="zh-CN" sz="1000">
+              <a:sym typeface="+mn-ea"/>
+            </a:endParaRPr>
+          </a:p>
+        </p:txBody>
+      </p:sp>
+      <p:sp>
+        <p:nvSpPr>
+          <p:cNvPr id="26" name="矩形 25"/>
+          <p:cNvSpPr/>
+          <p:nvPr/>
+        </p:nvSpPr>
+        <p:spPr>
+          <a:xfrm>
+            <a:off x="7771765" y="2971800"/>
+            <a:ext cx="2938780" cy="589915"/>
+          </a:xfrm>
+          <a:prstGeom prst="rect">
+            <a:avLst/>
+          </a:prstGeom>
+          <a:noFill/>
+          <a:extLst>
+            <a:ext uri="{909E8E84-426E-40DD-AFC4-6F175D3DCCD1}">
+              <a14:hiddenFill xmlns:a14="http://schemas.microsoft.com/office/drawing/2010/main">
+                <a:solidFill>
+                  <a:schemeClr val="accent1"/>
+                </a:solidFill>
+              </a14:hiddenFill>
+            </a:ext>
+          </a:extLst>
+        </p:spPr>
+        <p:style>
+          <a:lnRef idx="2">
+            <a:schemeClr val="accent1">
+              <a:shade val="50000"/>
+            </a:schemeClr>
+          </a:lnRef>
+          <a:fillRef idx="1">
+            <a:schemeClr val="accent1"/>
+          </a:fillRef>
+          <a:effectRef idx="0">
+            <a:schemeClr val="accent1"/>
+          </a:effectRef>
+          <a:fontRef idx="minor">
+            <a:schemeClr val="lt1"/>
+          </a:fontRef>
+        </p:style>
+        <p:txBody>
+          <a:bodyPr rtlCol="0" anchor="ctr"/>
+          <a:p>
+            <a:pPr algn="ctr"/>
+            <a:r>
+              <a:rPr lang="zh-CN">
+                <a:solidFill>
+                  <a:schemeClr val="tx1"/>
+                </a:solidFill>
+                <a:sym typeface="+mn-ea"/>
+              </a:rPr>
+              <a:t>其他费用               ￥</a:t>
+            </a:r>
+            <a:r>
+              <a:rPr lang="en-US" altLang="zh-CN">
+                <a:solidFill>
+                  <a:schemeClr val="tx1"/>
+                </a:solidFill>
+                <a:sym typeface="+mn-ea"/>
+              </a:rPr>
+              <a:t>500</a:t>
+            </a:r>
+            <a:endParaRPr lang="en-US" altLang="zh-CN">
+              <a:solidFill>
+                <a:schemeClr val="tx1"/>
+              </a:solidFill>
+              <a:sym typeface="+mn-ea"/>
+            </a:endParaRPr>
+          </a:p>
+        </p:txBody>
+      </p:sp>
+      <p:sp>
+        <p:nvSpPr>
+          <p:cNvPr id="27" name="矩形 26"/>
+          <p:cNvSpPr/>
+          <p:nvPr/>
+        </p:nvSpPr>
+        <p:spPr>
+          <a:xfrm>
+            <a:off x="7773035" y="3616325"/>
+            <a:ext cx="2938780" cy="589915"/>
+          </a:xfrm>
+          <a:prstGeom prst="rect">
+            <a:avLst/>
+          </a:prstGeom>
+          <a:noFill/>
+          <a:extLst>
+            <a:ext uri="{909E8E84-426E-40DD-AFC4-6F175D3DCCD1}">
+              <a14:hiddenFill xmlns:a14="http://schemas.microsoft.com/office/drawing/2010/main">
+                <a:solidFill>
+                  <a:schemeClr val="accent1"/>
+                </a:solidFill>
+              </a14:hiddenFill>
+            </a:ext>
+          </a:extLst>
+        </p:spPr>
+        <p:style>
+          <a:lnRef idx="2">
+            <a:schemeClr val="accent1">
+              <a:shade val="50000"/>
+            </a:schemeClr>
+          </a:lnRef>
+          <a:fillRef idx="1">
+            <a:schemeClr val="accent1"/>
+          </a:fillRef>
+          <a:effectRef idx="0">
+            <a:schemeClr val="accent1"/>
+          </a:effectRef>
+          <a:fontRef idx="minor">
+            <a:schemeClr val="lt1"/>
+          </a:fontRef>
+        </p:style>
+        <p:txBody>
+          <a:bodyPr rtlCol="0" anchor="ctr"/>
+          <a:p>
+            <a:pPr algn="ctr"/>
+            <a:r>
+              <a:rPr lang="zh-CN">
+                <a:solidFill>
+                  <a:schemeClr val="tx1"/>
+                </a:solidFill>
+                <a:sym typeface="+mn-ea"/>
+              </a:rPr>
+              <a:t>总费用                  ￥</a:t>
+            </a:r>
+            <a:r>
+              <a:rPr lang="en-US" altLang="zh-CN">
+                <a:solidFill>
+                  <a:schemeClr val="tx1"/>
+                </a:solidFill>
+                <a:sym typeface="+mn-ea"/>
+              </a:rPr>
+              <a:t>6</a:t>
+            </a:r>
+            <a:r>
+              <a:rPr lang="en-US" altLang="zh-CN">
+                <a:solidFill>
+                  <a:schemeClr val="tx1"/>
+                </a:solidFill>
+                <a:sym typeface="+mn-ea"/>
+              </a:rPr>
+              <a:t>00</a:t>
+            </a:r>
+            <a:endParaRPr lang="en-US" altLang="zh-CN">
+              <a:solidFill>
+                <a:schemeClr val="tx1"/>
+              </a:solidFill>
+              <a:sym typeface="+mn-ea"/>
+            </a:endParaRPr>
+          </a:p>
+        </p:txBody>
+      </p:sp>
+      <p:sp>
+        <p:nvSpPr>
+          <p:cNvPr id="28" name="文本框 27"/>
+          <p:cNvSpPr txBox="1"/>
+          <p:nvPr/>
+        </p:nvSpPr>
+        <p:spPr>
+          <a:xfrm>
+            <a:off x="7773035" y="1275080"/>
+            <a:ext cx="2937510" cy="553085"/>
+          </a:xfrm>
+          <a:prstGeom prst="rect">
+            <a:avLst/>
+          </a:prstGeom>
+          <a:noFill/>
+        </p:spPr>
+        <p:txBody>
+          <a:bodyPr wrap="square" rtlCol="0">
+            <a:spAutoFit/>
+          </a:bodyPr>
+          <a:p>
+            <a:r>
+              <a:rPr lang="zh-CN" altLang="en-US" sz="1000">
+                <a:solidFill>
+                  <a:srgbClr val="FF0000"/>
+                </a:solidFill>
+              </a:rPr>
+              <a:t>是否需要支付一半房费</a:t>
+            </a:r>
+            <a:endParaRPr lang="zh-CN" altLang="en-US" sz="1000">
+              <a:solidFill>
+                <a:srgbClr val="FF0000"/>
+              </a:solidFill>
+            </a:endParaRPr>
+          </a:p>
+          <a:p>
+            <a:r>
+              <a:rPr lang="zh-CN" altLang="en-US" sz="1000">
+                <a:solidFill>
+                  <a:srgbClr val="FF0000"/>
+                </a:solidFill>
+              </a:rPr>
+              <a:t>需要：邀请他人合住的订单只需要支付一半房费，</a:t>
+            </a:r>
+            <a:endParaRPr lang="zh-CN" altLang="en-US" sz="1000">
+              <a:solidFill>
+                <a:srgbClr val="FF0000"/>
+              </a:solidFill>
+            </a:endParaRPr>
+          </a:p>
+          <a:p>
+            <a:r>
+              <a:rPr lang="zh-CN" altLang="en-US" sz="1000">
+                <a:solidFill>
+                  <a:srgbClr val="FF0000"/>
+                </a:solidFill>
+              </a:rPr>
+              <a:t>不需要：</a:t>
+            </a:r>
+            <a:r>
+              <a:rPr lang="zh-CN" altLang="en-US" sz="1000">
+                <a:solidFill>
+                  <a:srgbClr val="FF0000"/>
+                </a:solidFill>
+                <a:sym typeface="+mn-ea"/>
+              </a:rPr>
+              <a:t>邀请他人合住的订单支付整间房费</a:t>
+            </a:r>
+            <a:endParaRPr lang="zh-CN" altLang="en-US" sz="1000">
+              <a:solidFill>
+                <a:srgbClr val="FF0000"/>
+              </a:solidFill>
+            </a:endParaRPr>
+          </a:p>
+        </p:txBody>
+      </p:sp>
+      <p:sp>
+        <p:nvSpPr>
+          <p:cNvPr id="29" name="矩形 28"/>
+          <p:cNvSpPr/>
+          <p:nvPr/>
+        </p:nvSpPr>
+        <p:spPr>
+          <a:xfrm>
+            <a:off x="7769860" y="4259580"/>
+            <a:ext cx="2938780" cy="572135"/>
+          </a:xfrm>
+          <a:prstGeom prst="rect">
+            <a:avLst/>
+          </a:prstGeom>
+          <a:noFill/>
+          <a:extLst>
+            <a:ext uri="{909E8E84-426E-40DD-AFC4-6F175D3DCCD1}">
+              <a14:hiddenFill xmlns:a14="http://schemas.microsoft.com/office/drawing/2010/main">
+                <a:solidFill>
+                  <a:schemeClr val="accent1"/>
+                </a:solidFill>
+              </a14:hiddenFill>
+            </a:ext>
+          </a:extLst>
+        </p:spPr>
+        <p:style>
+          <a:lnRef idx="2">
+            <a:schemeClr val="accent1">
+              <a:shade val="50000"/>
+            </a:schemeClr>
+          </a:lnRef>
+          <a:fillRef idx="1">
+            <a:schemeClr val="accent1"/>
+          </a:fillRef>
+          <a:effectRef idx="0">
+            <a:schemeClr val="accent1"/>
+          </a:effectRef>
+          <a:fontRef idx="minor">
+            <a:schemeClr val="lt1"/>
+          </a:fontRef>
+        </p:style>
+        <p:txBody>
+          <a:bodyPr rtlCol="0" anchor="ctr"/>
+          <a:p>
+            <a:pPr algn="ctr"/>
+            <a:r>
+              <a:rPr lang="zh-CN">
+                <a:solidFill>
+                  <a:schemeClr val="tx1"/>
+                </a:solidFill>
+              </a:rPr>
+              <a:t>输入邀请码</a:t>
+            </a:r>
+            <a:endParaRPr lang="zh-CN">
+              <a:solidFill>
+                <a:schemeClr val="tx1"/>
+              </a:solidFill>
+            </a:endParaRPr>
+          </a:p>
+        </p:txBody>
+      </p:sp>
+      <p:sp>
+        <p:nvSpPr>
+          <p:cNvPr id="30" name="文本框 29"/>
+          <p:cNvSpPr txBox="1"/>
+          <p:nvPr/>
+        </p:nvSpPr>
+        <p:spPr>
+          <a:xfrm>
+            <a:off x="7774940" y="4831715"/>
+            <a:ext cx="2938145" cy="398780"/>
+          </a:xfrm>
+          <a:prstGeom prst="rect">
+            <a:avLst/>
+          </a:prstGeom>
+          <a:noFill/>
+        </p:spPr>
+        <p:txBody>
+          <a:bodyPr wrap="square" rtlCol="0">
+            <a:spAutoFit/>
+          </a:bodyPr>
+          <a:p>
+            <a:pPr algn="l"/>
+            <a:r>
+              <a:rPr lang="zh-CN" altLang="en-US" sz="1000">
+                <a:sym typeface="+mn-ea"/>
+              </a:rPr>
+              <a:t>注意</a:t>
+            </a:r>
+            <a:endParaRPr lang="en-US" altLang="zh-CN" sz="1000">
+              <a:sym typeface="+mn-ea"/>
+            </a:endParaRPr>
+          </a:p>
+          <a:p>
+            <a:pPr algn="l"/>
+            <a:r>
+              <a:rPr lang="en-US" altLang="zh-CN" sz="1000">
+                <a:sym typeface="+mn-ea"/>
+              </a:rPr>
+              <a:t>1. </a:t>
+            </a:r>
+            <a:r>
+              <a:rPr lang="zh-CN" sz="1000">
+                <a:sym typeface="+mn-ea"/>
+              </a:rPr>
+              <a:t>填写合住邀请码，加入他人创建的房间。</a:t>
+            </a:r>
+            <a:endParaRPr lang="zh-CN" sz="1000">
+              <a:sym typeface="+mn-ea"/>
+            </a:endParaRPr>
+          </a:p>
+        </p:txBody>
+      </p:sp>
+      <p:sp>
+        <p:nvSpPr>
+          <p:cNvPr id="33" name="文本框 32"/>
+          <p:cNvSpPr txBox="1"/>
+          <p:nvPr/>
+        </p:nvSpPr>
+        <p:spPr>
+          <a:xfrm>
+            <a:off x="4392930" y="4346575"/>
+            <a:ext cx="2937510" cy="398780"/>
+          </a:xfrm>
+          <a:prstGeom prst="rect">
+            <a:avLst/>
+          </a:prstGeom>
+          <a:noFill/>
+        </p:spPr>
+        <p:txBody>
+          <a:bodyPr wrap="square" rtlCol="0">
+            <a:spAutoFit/>
+          </a:bodyPr>
+          <a:p>
+            <a:pPr algn="l"/>
+            <a:r>
+              <a:rPr lang="zh-CN" altLang="en-US" sz="1000">
+                <a:solidFill>
+                  <a:srgbClr val="FF0000"/>
+                </a:solidFill>
+                <a:sym typeface="+mn-ea"/>
+              </a:rPr>
+              <a:t>注意</a:t>
+            </a:r>
+            <a:endParaRPr lang="en-US" altLang="zh-CN" sz="1000">
+              <a:solidFill>
+                <a:srgbClr val="FF0000"/>
+              </a:solidFill>
+              <a:sym typeface="+mn-ea"/>
+            </a:endParaRPr>
+          </a:p>
+          <a:p>
+            <a:r>
+              <a:rPr lang="zh-CN" altLang="en-US" sz="1000">
+                <a:solidFill>
+                  <a:srgbClr val="FF0000"/>
+                </a:solidFill>
+              </a:rPr>
+              <a:t>支付成功后下发合住邀请码</a:t>
+            </a:r>
+            <a:endParaRPr lang="zh-CN" altLang="en-US" sz="1000">
+              <a:solidFill>
+                <a:srgbClr val="FF0000"/>
               </a:solidFill>
             </a:endParaRPr>
           </a:p>
@@ -9976,6 +9405,1026 @@
       </p:sp>
       <p:sp>
         <p:nvSpPr>
+          <p:cNvPr id="4" name="文本框 3"/>
+          <p:cNvSpPr txBox="1"/>
+          <p:nvPr/>
+        </p:nvSpPr>
+        <p:spPr>
+          <a:xfrm>
+            <a:off x="0" y="0"/>
+            <a:ext cx="4424680" cy="645160"/>
+          </a:xfrm>
+          <a:prstGeom prst="rect">
+            <a:avLst/>
+          </a:prstGeom>
+          <a:noFill/>
+        </p:spPr>
+        <p:txBody>
+          <a:bodyPr wrap="none" rtlCol="0">
+            <a:spAutoFit/>
+          </a:bodyPr>
+          <a:p>
+            <a:pPr algn="l"/>
+            <a:r>
+              <a:rPr lang="zh-CN">
+                <a:sym typeface="+mn-ea"/>
+              </a:rPr>
+              <a:t>学生报名界面</a:t>
+            </a:r>
+            <a:r>
+              <a:rPr lang="en-US" altLang="zh-CN">
+                <a:sym typeface="+mn-ea"/>
+              </a:rPr>
+              <a:t>6</a:t>
+            </a:r>
+            <a:r>
+              <a:rPr lang="en-US" altLang="zh-CN">
+                <a:sym typeface="+mn-ea"/>
+              </a:rPr>
+              <a:t>——</a:t>
+            </a:r>
+            <a:r>
+              <a:rPr lang="zh-CN" altLang="en-US">
+                <a:solidFill>
+                  <a:srgbClr val="FF0000"/>
+                </a:solidFill>
+                <a:sym typeface="+mn-ea"/>
+              </a:rPr>
+              <a:t>统一付费及学生支付后</a:t>
+            </a:r>
+            <a:endParaRPr lang="zh-CN" altLang="en-US">
+              <a:solidFill>
+                <a:srgbClr val="FF0000"/>
+              </a:solidFill>
+            </a:endParaRPr>
+          </a:p>
+          <a:p>
+            <a:pPr algn="l"/>
+            <a:endParaRPr lang="en-US" altLang="zh-CN">
+              <a:sym typeface="+mn-ea"/>
+            </a:endParaRPr>
+          </a:p>
+        </p:txBody>
+      </p:sp>
+      <p:sp>
+        <p:nvSpPr>
+          <p:cNvPr id="11" name="矩形 10"/>
+          <p:cNvSpPr/>
+          <p:nvPr/>
+        </p:nvSpPr>
+        <p:spPr>
+          <a:xfrm>
+            <a:off x="1740535" y="538480"/>
+            <a:ext cx="1471930" cy="320040"/>
+          </a:xfrm>
+          <a:prstGeom prst="rect">
+            <a:avLst/>
+          </a:prstGeom>
+        </p:spPr>
+        <p:style>
+          <a:lnRef idx="2">
+            <a:schemeClr val="accent1">
+              <a:shade val="50000"/>
+            </a:schemeClr>
+          </a:lnRef>
+          <a:fillRef idx="1">
+            <a:schemeClr val="accent1"/>
+          </a:fillRef>
+          <a:effectRef idx="0">
+            <a:schemeClr val="accent1"/>
+          </a:effectRef>
+          <a:fontRef idx="minor">
+            <a:schemeClr val="lt1"/>
+          </a:fontRef>
+        </p:style>
+        <p:txBody>
+          <a:bodyPr rtlCol="0" anchor="ctr"/>
+          <a:p>
+            <a:pPr algn="ctr"/>
+            <a:r>
+              <a:rPr lang="zh-CN" altLang="en-US" sz="2000">
+                <a:solidFill>
+                  <a:schemeClr val="bg1"/>
+                </a:solidFill>
+              </a:rPr>
+              <a:t>系统分配</a:t>
+            </a:r>
+            <a:endParaRPr lang="zh-CN" altLang="en-US" sz="2000">
+              <a:solidFill>
+                <a:schemeClr val="bg1"/>
+              </a:solidFill>
+            </a:endParaRPr>
+          </a:p>
+        </p:txBody>
+      </p:sp>
+      <p:sp>
+        <p:nvSpPr>
+          <p:cNvPr id="15" name="矩形 14"/>
+          <p:cNvSpPr/>
+          <p:nvPr/>
+        </p:nvSpPr>
+        <p:spPr>
+          <a:xfrm>
+            <a:off x="1007110" y="2289175"/>
+            <a:ext cx="2938780" cy="589915"/>
+          </a:xfrm>
+          <a:prstGeom prst="rect">
+            <a:avLst/>
+          </a:prstGeom>
+          <a:noFill/>
+          <a:extLst>
+            <a:ext uri="{909E8E84-426E-40DD-AFC4-6F175D3DCCD1}">
+              <a14:hiddenFill xmlns:a14="http://schemas.microsoft.com/office/drawing/2010/main">
+                <a:solidFill>
+                  <a:schemeClr val="accent1"/>
+                </a:solidFill>
+              </a14:hiddenFill>
+            </a:ext>
+          </a:extLst>
+        </p:spPr>
+        <p:style>
+          <a:lnRef idx="2">
+            <a:schemeClr val="accent1">
+              <a:shade val="50000"/>
+            </a:schemeClr>
+          </a:lnRef>
+          <a:fillRef idx="1">
+            <a:schemeClr val="accent1"/>
+          </a:fillRef>
+          <a:effectRef idx="0">
+            <a:schemeClr val="accent1"/>
+          </a:effectRef>
+          <a:fontRef idx="minor">
+            <a:schemeClr val="lt1"/>
+          </a:fontRef>
+        </p:style>
+        <p:txBody>
+          <a:bodyPr rtlCol="0" anchor="ctr"/>
+          <a:p>
+            <a:pPr algn="ctr"/>
+            <a:r>
+              <a:rPr lang="zh-CN">
+                <a:solidFill>
+                  <a:schemeClr val="tx1"/>
+                </a:solidFill>
+              </a:rPr>
+              <a:t>系统将自动为您分配房间</a:t>
+            </a:r>
+            <a:endParaRPr lang="zh-CN">
+              <a:solidFill>
+                <a:schemeClr val="tx1"/>
+              </a:solidFill>
+            </a:endParaRPr>
+          </a:p>
+        </p:txBody>
+      </p:sp>
+      <p:sp>
+        <p:nvSpPr>
+          <p:cNvPr id="2" name="矩形 1"/>
+          <p:cNvSpPr/>
+          <p:nvPr/>
+        </p:nvSpPr>
+        <p:spPr>
+          <a:xfrm>
+            <a:off x="4287520" y="368300"/>
+            <a:ext cx="3142615" cy="6168390"/>
+          </a:xfrm>
+          <a:prstGeom prst="rect">
+            <a:avLst/>
+          </a:prstGeom>
+          <a:solidFill>
+            <a:srgbClr val="000000">
+              <a:alpha val="0"/>
+            </a:srgbClr>
+          </a:solidFill>
+          <a:ln w="19050"/>
+          <a:extLst>
+            <a:ext uri="{909E8E84-426E-40DD-AFC4-6F175D3DCCD1}">
+              <a14:hiddenFill xmlns:a14="http://schemas.microsoft.com/office/drawing/2010/main">
+                <a:solidFill>
+                  <a:schemeClr val="accent1"/>
+                </a:solidFill>
+              </a14:hiddenFill>
+            </a:ext>
+          </a:extLst>
+        </p:spPr>
+        <p:style>
+          <a:lnRef idx="1">
+            <a:schemeClr val="accent1"/>
+          </a:lnRef>
+          <a:fillRef idx="2">
+            <a:schemeClr val="accent1"/>
+          </a:fillRef>
+          <a:effectRef idx="1">
+            <a:schemeClr val="accent1"/>
+          </a:effectRef>
+          <a:fontRef idx="minor">
+            <a:schemeClr val="dk1"/>
+          </a:fontRef>
+        </p:style>
+        <p:txBody>
+          <a:bodyPr rtlCol="0" anchor="ctr"/>
+          <a:p>
+            <a:pPr algn="ctr"/>
+            <a:endParaRPr lang="zh-CN" altLang="en-US"/>
+          </a:p>
+        </p:txBody>
+      </p:sp>
+      <p:sp>
+        <p:nvSpPr>
+          <p:cNvPr id="3" name="矩形 2"/>
+          <p:cNvSpPr/>
+          <p:nvPr/>
+        </p:nvSpPr>
+        <p:spPr>
+          <a:xfrm>
+            <a:off x="4944110" y="538480"/>
+            <a:ext cx="1828800" cy="320040"/>
+          </a:xfrm>
+          <a:prstGeom prst="rect">
+            <a:avLst/>
+          </a:prstGeom>
+        </p:spPr>
+        <p:style>
+          <a:lnRef idx="2">
+            <a:schemeClr val="accent1">
+              <a:shade val="50000"/>
+            </a:schemeClr>
+          </a:lnRef>
+          <a:fillRef idx="1">
+            <a:schemeClr val="accent1"/>
+          </a:fillRef>
+          <a:effectRef idx="0">
+            <a:schemeClr val="accent1"/>
+          </a:effectRef>
+          <a:fontRef idx="minor">
+            <a:schemeClr val="lt1"/>
+          </a:fontRef>
+        </p:style>
+        <p:txBody>
+          <a:bodyPr rtlCol="0" anchor="ctr"/>
+          <a:p>
+            <a:pPr algn="ctr"/>
+            <a:r>
+              <a:rPr lang="zh-CN" sz="2000">
+                <a:solidFill>
+                  <a:schemeClr val="bg1"/>
+                </a:solidFill>
+                <a:sym typeface="+mn-ea"/>
+              </a:rPr>
+              <a:t>邀请他人合住</a:t>
+            </a:r>
+            <a:endParaRPr lang="zh-CN" altLang="en-US" sz="2000">
+              <a:solidFill>
+                <a:schemeClr val="bg1"/>
+              </a:solidFill>
+              <a:sym typeface="+mn-ea"/>
+            </a:endParaRPr>
+          </a:p>
+        </p:txBody>
+      </p:sp>
+      <p:sp>
+        <p:nvSpPr>
+          <p:cNvPr id="5" name="矩形 4"/>
+          <p:cNvSpPr/>
+          <p:nvPr/>
+        </p:nvSpPr>
+        <p:spPr>
+          <a:xfrm>
+            <a:off x="4389755" y="2115820"/>
+            <a:ext cx="2938780" cy="589915"/>
+          </a:xfrm>
+          <a:prstGeom prst="rect">
+            <a:avLst/>
+          </a:prstGeom>
+          <a:noFill/>
+          <a:extLst>
+            <a:ext uri="{909E8E84-426E-40DD-AFC4-6F175D3DCCD1}">
+              <a14:hiddenFill xmlns:a14="http://schemas.microsoft.com/office/drawing/2010/main">
+                <a:solidFill>
+                  <a:schemeClr val="accent1"/>
+                </a:solidFill>
+              </a14:hiddenFill>
+            </a:ext>
+          </a:extLst>
+        </p:spPr>
+        <p:style>
+          <a:lnRef idx="2">
+            <a:schemeClr val="accent1">
+              <a:shade val="50000"/>
+            </a:schemeClr>
+          </a:lnRef>
+          <a:fillRef idx="1">
+            <a:schemeClr val="accent1"/>
+          </a:fillRef>
+          <a:effectRef idx="0">
+            <a:schemeClr val="accent1"/>
+          </a:effectRef>
+          <a:fontRef idx="minor">
+            <a:schemeClr val="lt1"/>
+          </a:fontRef>
+        </p:style>
+        <p:txBody>
+          <a:bodyPr rtlCol="0" anchor="ctr"/>
+          <a:p>
+            <a:pPr algn="ctr"/>
+            <a:r>
+              <a:rPr lang="en-US" altLang="zh-CN">
+                <a:solidFill>
+                  <a:schemeClr val="tx1"/>
+                </a:solidFill>
+              </a:rPr>
+              <a:t>1234</a:t>
+            </a:r>
+            <a:endParaRPr lang="en-US" altLang="zh-CN">
+              <a:solidFill>
+                <a:schemeClr val="tx1"/>
+              </a:solidFill>
+            </a:endParaRPr>
+          </a:p>
+        </p:txBody>
+      </p:sp>
+      <p:sp>
+        <p:nvSpPr>
+          <p:cNvPr id="10" name="文本框 9"/>
+          <p:cNvSpPr txBox="1"/>
+          <p:nvPr/>
+        </p:nvSpPr>
+        <p:spPr>
+          <a:xfrm>
+            <a:off x="4389120" y="2877185"/>
+            <a:ext cx="2938145" cy="1168400"/>
+          </a:xfrm>
+          <a:prstGeom prst="rect">
+            <a:avLst/>
+          </a:prstGeom>
+          <a:noFill/>
+        </p:spPr>
+        <p:txBody>
+          <a:bodyPr wrap="square" rtlCol="0">
+            <a:spAutoFit/>
+          </a:bodyPr>
+          <a:p>
+            <a:pPr algn="l"/>
+            <a:r>
+              <a:rPr lang="zh-CN" altLang="en-US" sz="1000">
+                <a:sym typeface="+mn-ea"/>
+              </a:rPr>
+              <a:t>注意</a:t>
+            </a:r>
+            <a:endParaRPr lang="en-US" altLang="zh-CN" sz="1000">
+              <a:sym typeface="+mn-ea"/>
+            </a:endParaRPr>
+          </a:p>
+          <a:p>
+            <a:pPr algn="l"/>
+            <a:r>
+              <a:rPr lang="en-US" altLang="zh-CN" sz="1000">
+                <a:sym typeface="+mn-ea"/>
+              </a:rPr>
+              <a:t>1. </a:t>
+            </a:r>
+            <a:r>
+              <a:rPr lang="zh-CN" sz="1000">
+                <a:sym typeface="+mn-ea"/>
+              </a:rPr>
+              <a:t>将邀请码告知您想邀请的人，由加入房间的人填写至输入框。</a:t>
+            </a:r>
+            <a:endParaRPr lang="zh-CN" sz="1000">
+              <a:sym typeface="+mn-ea"/>
+            </a:endParaRPr>
+          </a:p>
+          <a:p>
+            <a:pPr algn="l"/>
+            <a:r>
+              <a:rPr lang="en-US" altLang="zh-CN" sz="1000">
+                <a:sym typeface="+mn-ea"/>
+              </a:rPr>
+              <a:t>2. </a:t>
+            </a:r>
+            <a:r>
+              <a:rPr lang="zh-CN" altLang="en-US" sz="1000">
+                <a:sym typeface="+mn-ea"/>
+              </a:rPr>
+              <a:t>如截止前没有人加入，并且是</a:t>
+            </a:r>
+            <a:r>
+              <a:rPr lang="zh-CN" altLang="en-US" sz="1000">
+                <a:sym typeface="+mn-ea"/>
+              </a:rPr>
+              <a:t>统一付费的订单，系统将自动分配同住人。</a:t>
+            </a:r>
+            <a:endParaRPr lang="zh-CN" altLang="en-US" sz="1000">
+              <a:sym typeface="+mn-ea"/>
+            </a:endParaRPr>
+          </a:p>
+          <a:p>
+            <a:pPr algn="l"/>
+            <a:r>
+              <a:rPr lang="en-US" altLang="zh-CN" sz="1000">
+                <a:sym typeface="+mn-ea"/>
+              </a:rPr>
+              <a:t>3. </a:t>
+            </a:r>
+            <a:r>
+              <a:rPr lang="zh-CN" altLang="en-US" sz="1000">
+                <a:sym typeface="+mn-ea"/>
+              </a:rPr>
+              <a:t>如截止前没有人加入，并且是自付费订单，默认您独自入住一个房间。</a:t>
+            </a:r>
+            <a:endParaRPr lang="en-US" altLang="zh-CN" sz="1000">
+              <a:sym typeface="+mn-ea"/>
+            </a:endParaRPr>
+          </a:p>
+        </p:txBody>
+      </p:sp>
+      <p:sp>
+        <p:nvSpPr>
+          <p:cNvPr id="31" name="矩形 30"/>
+          <p:cNvSpPr/>
+          <p:nvPr/>
+        </p:nvSpPr>
+        <p:spPr>
+          <a:xfrm>
+            <a:off x="7670800" y="368300"/>
+            <a:ext cx="3142615" cy="6168390"/>
+          </a:xfrm>
+          <a:prstGeom prst="rect">
+            <a:avLst/>
+          </a:prstGeom>
+          <a:solidFill>
+            <a:srgbClr val="000000">
+              <a:alpha val="0"/>
+            </a:srgbClr>
+          </a:solidFill>
+          <a:ln w="19050"/>
+          <a:extLst>
+            <a:ext uri="{909E8E84-426E-40DD-AFC4-6F175D3DCCD1}">
+              <a14:hiddenFill xmlns:a14="http://schemas.microsoft.com/office/drawing/2010/main">
+                <a:solidFill>
+                  <a:schemeClr val="accent1"/>
+                </a:solidFill>
+              </a14:hiddenFill>
+            </a:ext>
+          </a:extLst>
+        </p:spPr>
+        <p:style>
+          <a:lnRef idx="1">
+            <a:schemeClr val="accent1"/>
+          </a:lnRef>
+          <a:fillRef idx="2">
+            <a:schemeClr val="accent1"/>
+          </a:fillRef>
+          <a:effectRef idx="1">
+            <a:schemeClr val="accent1"/>
+          </a:effectRef>
+          <a:fontRef idx="minor">
+            <a:schemeClr val="dk1"/>
+          </a:fontRef>
+        </p:style>
+        <p:txBody>
+          <a:bodyPr rtlCol="0" anchor="ctr"/>
+          <a:p>
+            <a:pPr algn="ctr"/>
+            <a:endParaRPr lang="zh-CN" altLang="en-US"/>
+          </a:p>
+        </p:txBody>
+      </p:sp>
+      <p:sp>
+        <p:nvSpPr>
+          <p:cNvPr id="32" name="矩形 31"/>
+          <p:cNvSpPr/>
+          <p:nvPr/>
+        </p:nvSpPr>
+        <p:spPr>
+          <a:xfrm>
+            <a:off x="8325485" y="538480"/>
+            <a:ext cx="1833245" cy="320040"/>
+          </a:xfrm>
+          <a:prstGeom prst="rect">
+            <a:avLst/>
+          </a:prstGeom>
+        </p:spPr>
+        <p:style>
+          <a:lnRef idx="2">
+            <a:schemeClr val="accent1">
+              <a:shade val="50000"/>
+            </a:schemeClr>
+          </a:lnRef>
+          <a:fillRef idx="1">
+            <a:schemeClr val="accent1"/>
+          </a:fillRef>
+          <a:effectRef idx="0">
+            <a:schemeClr val="accent1"/>
+          </a:effectRef>
+          <a:fontRef idx="minor">
+            <a:schemeClr val="lt1"/>
+          </a:fontRef>
+        </p:style>
+        <p:txBody>
+          <a:bodyPr rtlCol="0" anchor="ctr"/>
+          <a:p>
+            <a:pPr algn="ctr"/>
+            <a:r>
+              <a:rPr lang="zh-CN" altLang="en-US" sz="2000">
+                <a:solidFill>
+                  <a:schemeClr val="bg1"/>
+                </a:solidFill>
+              </a:rPr>
+              <a:t>加入他人房间</a:t>
+            </a:r>
+            <a:endParaRPr lang="zh-CN" altLang="en-US" sz="2000">
+              <a:solidFill>
+                <a:schemeClr val="bg1"/>
+              </a:solidFill>
+            </a:endParaRPr>
+          </a:p>
+        </p:txBody>
+      </p:sp>
+      <p:sp>
+        <p:nvSpPr>
+          <p:cNvPr id="37" name="矩形 36"/>
+          <p:cNvSpPr/>
+          <p:nvPr/>
+        </p:nvSpPr>
+        <p:spPr>
+          <a:xfrm>
+            <a:off x="7773035" y="2133600"/>
+            <a:ext cx="2938780" cy="572135"/>
+          </a:xfrm>
+          <a:prstGeom prst="rect">
+            <a:avLst/>
+          </a:prstGeom>
+          <a:noFill/>
+          <a:extLst>
+            <a:ext uri="{909E8E84-426E-40DD-AFC4-6F175D3DCCD1}">
+              <a14:hiddenFill xmlns:a14="http://schemas.microsoft.com/office/drawing/2010/main">
+                <a:solidFill>
+                  <a:schemeClr val="accent1"/>
+                </a:solidFill>
+              </a14:hiddenFill>
+            </a:ext>
+          </a:extLst>
+        </p:spPr>
+        <p:style>
+          <a:lnRef idx="2">
+            <a:schemeClr val="accent1">
+              <a:shade val="50000"/>
+            </a:schemeClr>
+          </a:lnRef>
+          <a:fillRef idx="1">
+            <a:schemeClr val="accent1"/>
+          </a:fillRef>
+          <a:effectRef idx="0">
+            <a:schemeClr val="accent1"/>
+          </a:effectRef>
+          <a:fontRef idx="minor">
+            <a:schemeClr val="lt1"/>
+          </a:fontRef>
+        </p:style>
+        <p:txBody>
+          <a:bodyPr rtlCol="0" anchor="ctr"/>
+          <a:p>
+            <a:pPr algn="ctr"/>
+            <a:r>
+              <a:rPr lang="zh-CN">
+                <a:solidFill>
+                  <a:schemeClr val="tx1"/>
+                </a:solidFill>
+              </a:rPr>
+              <a:t>输入邀请码</a:t>
+            </a:r>
+            <a:endParaRPr lang="zh-CN">
+              <a:solidFill>
+                <a:schemeClr val="tx1"/>
+              </a:solidFill>
+            </a:endParaRPr>
+          </a:p>
+        </p:txBody>
+      </p:sp>
+      <p:sp>
+        <p:nvSpPr>
+          <p:cNvPr id="38" name="文本框 37"/>
+          <p:cNvSpPr txBox="1"/>
+          <p:nvPr/>
+        </p:nvSpPr>
+        <p:spPr>
+          <a:xfrm>
+            <a:off x="7773670" y="2879090"/>
+            <a:ext cx="2938145" cy="1322070"/>
+          </a:xfrm>
+          <a:prstGeom prst="rect">
+            <a:avLst/>
+          </a:prstGeom>
+          <a:noFill/>
+        </p:spPr>
+        <p:txBody>
+          <a:bodyPr wrap="square" rtlCol="0">
+            <a:spAutoFit/>
+          </a:bodyPr>
+          <a:p>
+            <a:pPr algn="l"/>
+            <a:r>
+              <a:rPr lang="zh-CN" altLang="en-US" sz="1000">
+                <a:sym typeface="+mn-ea"/>
+              </a:rPr>
+              <a:t>注意</a:t>
+            </a:r>
+            <a:endParaRPr lang="en-US" altLang="zh-CN" sz="1000">
+              <a:sym typeface="+mn-ea"/>
+            </a:endParaRPr>
+          </a:p>
+          <a:p>
+            <a:pPr algn="l"/>
+            <a:r>
+              <a:rPr lang="en-US" altLang="zh-CN" sz="1000">
+                <a:sym typeface="+mn-ea"/>
+              </a:rPr>
+              <a:t>1. </a:t>
+            </a:r>
+            <a:r>
+              <a:rPr lang="zh-CN" sz="1000">
+                <a:sym typeface="+mn-ea"/>
+              </a:rPr>
+              <a:t>填写合住邀请码，加入他人创建的房间。</a:t>
+            </a:r>
+            <a:endParaRPr lang="zh-CN" sz="1000">
+              <a:sym typeface="+mn-ea"/>
+            </a:endParaRPr>
+          </a:p>
+          <a:p>
+            <a:pPr algn="l"/>
+            <a:r>
+              <a:rPr lang="en-US" altLang="zh-CN" sz="1000">
+                <a:sym typeface="+mn-ea"/>
+              </a:rPr>
+              <a:t>2. </a:t>
+            </a:r>
+            <a:r>
+              <a:rPr lang="zh-CN" altLang="en-US" sz="1000">
+                <a:sym typeface="+mn-ea"/>
+              </a:rPr>
+              <a:t>如截止前没有加入任一房间，并且是统一付费的订单，系统将自动为您分配房间。</a:t>
+            </a:r>
+            <a:endParaRPr lang="zh-CN" altLang="en-US" sz="1000">
+              <a:sym typeface="+mn-ea"/>
+            </a:endParaRPr>
+          </a:p>
+          <a:p>
+            <a:pPr algn="l"/>
+            <a:r>
+              <a:rPr lang="en-US" altLang="zh-CN" sz="1000">
+                <a:sym typeface="+mn-ea"/>
+              </a:rPr>
+              <a:t>3. </a:t>
+            </a:r>
+            <a:r>
+              <a:rPr lang="zh-CN" altLang="en-US" sz="1000">
+                <a:sym typeface="+mn-ea"/>
+              </a:rPr>
+              <a:t>如截止前没有加入任一房间</a:t>
+            </a:r>
+            <a:r>
+              <a:rPr lang="zh-CN" altLang="en-US" sz="1000">
+                <a:sym typeface="+mn-ea"/>
+              </a:rPr>
+              <a:t>，并且没有不属于统一付费订单，系统将视为您主动放弃此次行程。</a:t>
+            </a:r>
+            <a:endParaRPr lang="en-US" altLang="zh-CN" sz="1000">
+              <a:sym typeface="+mn-ea"/>
+            </a:endParaRPr>
+          </a:p>
+          <a:p>
+            <a:pPr algn="l"/>
+            <a:endParaRPr lang="zh-CN" sz="1000">
+              <a:sym typeface="+mn-ea"/>
+            </a:endParaRPr>
+          </a:p>
+          <a:p>
+            <a:pPr algn="l"/>
+            <a:endParaRPr lang="zh-CN" sz="1000">
+              <a:sym typeface="+mn-ea"/>
+            </a:endParaRPr>
+          </a:p>
+        </p:txBody>
+      </p:sp>
+      <p:sp>
+        <p:nvSpPr>
+          <p:cNvPr id="39" name="矩形 38"/>
+          <p:cNvSpPr/>
+          <p:nvPr/>
+        </p:nvSpPr>
+        <p:spPr>
+          <a:xfrm>
+            <a:off x="1296670" y="5666740"/>
+            <a:ext cx="2359025" cy="432435"/>
+          </a:xfrm>
+          <a:prstGeom prst="rect">
+            <a:avLst/>
+          </a:prstGeom>
+          <a:solidFill>
+            <a:srgbClr val="00B050"/>
+          </a:solidFill>
+          <a:ln>
+            <a:noFill/>
+          </a:ln>
+        </p:spPr>
+        <p:style>
+          <a:lnRef idx="2">
+            <a:schemeClr val="accent1">
+              <a:shade val="50000"/>
+            </a:schemeClr>
+          </a:lnRef>
+          <a:fillRef idx="1">
+            <a:schemeClr val="accent1"/>
+          </a:fillRef>
+          <a:effectRef idx="0">
+            <a:schemeClr val="accent1"/>
+          </a:effectRef>
+          <a:fontRef idx="minor">
+            <a:schemeClr val="lt1"/>
+          </a:fontRef>
+        </p:style>
+        <p:txBody>
+          <a:bodyPr rtlCol="0" anchor="ctr"/>
+          <a:p>
+            <a:pPr algn="ctr"/>
+            <a:r>
+              <a:rPr lang="zh-CN" altLang="en-US">
+                <a:solidFill>
+                  <a:schemeClr val="bg1"/>
+                </a:solidFill>
+              </a:rPr>
+              <a:t>完成</a:t>
+            </a:r>
+            <a:endParaRPr lang="zh-CN" altLang="en-US">
+              <a:solidFill>
+                <a:schemeClr val="bg1"/>
+              </a:solidFill>
+            </a:endParaRPr>
+          </a:p>
+        </p:txBody>
+      </p:sp>
+      <p:sp>
+        <p:nvSpPr>
+          <p:cNvPr id="40" name="矩形 39"/>
+          <p:cNvSpPr/>
+          <p:nvPr/>
+        </p:nvSpPr>
+        <p:spPr>
+          <a:xfrm>
+            <a:off x="4389755" y="1238250"/>
+            <a:ext cx="2938780" cy="589915"/>
+          </a:xfrm>
+          <a:prstGeom prst="rect">
+            <a:avLst/>
+          </a:prstGeom>
+          <a:noFill/>
+          <a:ln>
+            <a:noFill/>
+          </a:ln>
+          <a:extLst>
+            <a:ext uri="{909E8E84-426E-40DD-AFC4-6F175D3DCCD1}">
+              <a14:hiddenFill xmlns:a14="http://schemas.microsoft.com/office/drawing/2010/main">
+                <a:solidFill>
+                  <a:schemeClr val="accent1"/>
+                </a:solidFill>
+              </a14:hiddenFill>
+            </a:ext>
+          </a:extLst>
+        </p:spPr>
+        <p:style>
+          <a:lnRef idx="2">
+            <a:schemeClr val="accent1">
+              <a:shade val="50000"/>
+            </a:schemeClr>
+          </a:lnRef>
+          <a:fillRef idx="1">
+            <a:schemeClr val="accent1"/>
+          </a:fillRef>
+          <a:effectRef idx="0">
+            <a:schemeClr val="accent1"/>
+          </a:effectRef>
+          <a:fontRef idx="minor">
+            <a:schemeClr val="lt1"/>
+          </a:fontRef>
+        </p:style>
+        <p:txBody>
+          <a:bodyPr rtlCol="0" anchor="ctr"/>
+          <a:p>
+            <a:pPr algn="ctr"/>
+            <a:r>
+              <a:rPr lang="zh-CN">
+                <a:solidFill>
+                  <a:schemeClr val="tx1"/>
+                </a:solidFill>
+              </a:rPr>
+              <a:t>邀请码</a:t>
+            </a:r>
+            <a:endParaRPr lang="zh-CN">
+              <a:solidFill>
+                <a:schemeClr val="tx1"/>
+              </a:solidFill>
+            </a:endParaRPr>
+          </a:p>
+        </p:txBody>
+      </p:sp>
+      <p:sp>
+        <p:nvSpPr>
+          <p:cNvPr id="41" name="矩形 40"/>
+          <p:cNvSpPr/>
+          <p:nvPr/>
+        </p:nvSpPr>
+        <p:spPr>
+          <a:xfrm>
+            <a:off x="4679950" y="5666740"/>
+            <a:ext cx="2359025" cy="432435"/>
+          </a:xfrm>
+          <a:prstGeom prst="rect">
+            <a:avLst/>
+          </a:prstGeom>
+          <a:solidFill>
+            <a:srgbClr val="00B050"/>
+          </a:solidFill>
+          <a:ln>
+            <a:noFill/>
+          </a:ln>
+        </p:spPr>
+        <p:style>
+          <a:lnRef idx="2">
+            <a:schemeClr val="accent1">
+              <a:shade val="50000"/>
+            </a:schemeClr>
+          </a:lnRef>
+          <a:fillRef idx="1">
+            <a:schemeClr val="accent1"/>
+          </a:fillRef>
+          <a:effectRef idx="0">
+            <a:schemeClr val="accent1"/>
+          </a:effectRef>
+          <a:fontRef idx="minor">
+            <a:schemeClr val="lt1"/>
+          </a:fontRef>
+        </p:style>
+        <p:txBody>
+          <a:bodyPr rtlCol="0" anchor="ctr"/>
+          <a:p>
+            <a:pPr algn="ctr"/>
+            <a:r>
+              <a:rPr lang="zh-CN" altLang="en-US">
+                <a:solidFill>
+                  <a:schemeClr val="bg1"/>
+                </a:solidFill>
+              </a:rPr>
+              <a:t>检查入住信息</a:t>
+            </a:r>
+            <a:endParaRPr lang="zh-CN" altLang="en-US">
+              <a:solidFill>
+                <a:schemeClr val="bg1"/>
+              </a:solidFill>
+            </a:endParaRPr>
+          </a:p>
+        </p:txBody>
+      </p:sp>
+      <p:sp>
+        <p:nvSpPr>
+          <p:cNvPr id="42" name="矩形 41"/>
+          <p:cNvSpPr/>
+          <p:nvPr/>
+        </p:nvSpPr>
+        <p:spPr>
+          <a:xfrm>
+            <a:off x="8062595" y="5666740"/>
+            <a:ext cx="2359025" cy="432435"/>
+          </a:xfrm>
+          <a:prstGeom prst="rect">
+            <a:avLst/>
+          </a:prstGeom>
+          <a:solidFill>
+            <a:srgbClr val="00B050"/>
+          </a:solidFill>
+          <a:ln>
+            <a:noFill/>
+          </a:ln>
+        </p:spPr>
+        <p:style>
+          <a:lnRef idx="2">
+            <a:schemeClr val="accent1">
+              <a:shade val="50000"/>
+            </a:schemeClr>
+          </a:lnRef>
+          <a:fillRef idx="1">
+            <a:schemeClr val="accent1"/>
+          </a:fillRef>
+          <a:effectRef idx="0">
+            <a:schemeClr val="accent1"/>
+          </a:effectRef>
+          <a:fontRef idx="minor">
+            <a:schemeClr val="lt1"/>
+          </a:fontRef>
+        </p:style>
+        <p:txBody>
+          <a:bodyPr rtlCol="0" anchor="ctr"/>
+          <a:p>
+            <a:pPr algn="ctr"/>
+            <a:r>
+              <a:rPr lang="zh-CN" altLang="en-US">
+                <a:solidFill>
+                  <a:schemeClr val="bg1"/>
+                </a:solidFill>
+              </a:rPr>
+              <a:t>加入房间</a:t>
+            </a:r>
+            <a:endParaRPr lang="zh-CN" altLang="en-US">
+              <a:solidFill>
+                <a:schemeClr val="bg1"/>
+              </a:solidFill>
+            </a:endParaRPr>
+          </a:p>
+        </p:txBody>
+      </p:sp>
+    </p:spTree>
+    <p:custDataLst>
+      <p:tags r:id="rId1"/>
+    </p:custDataLst>
+  </p:cSld>
+  <p:clrMapOvr>
+    <a:masterClrMapping/>
+  </p:clrMapOvr>
+</p:sld>
+</file>
+
+<file path=ppt/slides/slide14.xml><?xml version="1.0" encoding="utf-8"?>
+<p:sld xmlns:a="http://schemas.openxmlformats.org/drawingml/2006/main" xmlns:r="http://schemas.openxmlformats.org/officeDocument/2006/relationships" xmlns:p="http://schemas.openxmlformats.org/presentationml/2006/main">
+  <p:cSld>
+    <p:spTree>
+      <p:nvGrpSpPr>
+        <p:cNvPr id="1" name=""/>
+        <p:cNvGrpSpPr/>
+        <p:nvPr/>
+      </p:nvGrpSpPr>
+      <p:grpSpPr>
+        <a:xfrm>
+          <a:off x="0" y="0"/>
+          <a:ext cx="0" cy="0"/>
+          <a:chOff x="0" y="0"/>
+          <a:chExt cx="0" cy="0"/>
+        </a:xfrm>
+      </p:grpSpPr>
+      <p:sp>
+        <p:nvSpPr>
+          <p:cNvPr id="7" name="矩形 6"/>
+          <p:cNvSpPr/>
+          <p:nvPr/>
+        </p:nvSpPr>
+        <p:spPr>
+          <a:xfrm>
+            <a:off x="904875" y="368300"/>
+            <a:ext cx="3142615" cy="6168390"/>
+          </a:xfrm>
+          <a:prstGeom prst="rect">
+            <a:avLst/>
+          </a:prstGeom>
+          <a:solidFill>
+            <a:srgbClr val="000000">
+              <a:alpha val="0"/>
+            </a:srgbClr>
+          </a:solidFill>
+          <a:ln w="19050"/>
+          <a:extLst>
+            <a:ext uri="{909E8E84-426E-40DD-AFC4-6F175D3DCCD1}">
+              <a14:hiddenFill xmlns:a14="http://schemas.microsoft.com/office/drawing/2010/main">
+                <a:solidFill>
+                  <a:schemeClr val="accent1"/>
+                </a:solidFill>
+              </a14:hiddenFill>
+            </a:ext>
+          </a:extLst>
+        </p:spPr>
+        <p:style>
+          <a:lnRef idx="1">
+            <a:schemeClr val="accent1"/>
+          </a:lnRef>
+          <a:fillRef idx="2">
+            <a:schemeClr val="accent1"/>
+          </a:fillRef>
+          <a:effectRef idx="1">
+            <a:schemeClr val="accent1"/>
+          </a:effectRef>
+          <a:fontRef idx="minor">
+            <a:schemeClr val="dk1"/>
+          </a:fontRef>
+        </p:style>
+        <p:txBody>
+          <a:bodyPr rtlCol="0" anchor="ctr"/>
+          <a:p>
+            <a:pPr algn="ctr"/>
+            <a:endParaRPr lang="zh-CN" altLang="en-US"/>
+          </a:p>
+        </p:txBody>
+      </p:sp>
+      <p:sp>
+        <p:nvSpPr>
           <p:cNvPr id="17" name="矩形 16"/>
           <p:cNvSpPr/>
           <p:nvPr/>
@@ -13866,7 +14315,7 @@
         </p:nvSpPr>
         <p:spPr>
           <a:xfrm>
-            <a:off x="2141220" y="5286375"/>
+            <a:off x="2135505" y="5865495"/>
             <a:ext cx="7360285" cy="432435"/>
           </a:xfrm>
           <a:prstGeom prst="rect">
@@ -14155,6 +14604,76 @@
             <a:endParaRPr lang="zh-CN" altLang="en-US">
               <a:solidFill>
                 <a:srgbClr val="FF0000"/>
+              </a:solidFill>
+            </a:endParaRPr>
+          </a:p>
+        </p:txBody>
+      </p:sp>
+      <p:sp>
+        <p:nvSpPr>
+          <p:cNvPr id="8" name="矩形 7"/>
+          <p:cNvSpPr/>
+          <p:nvPr/>
+        </p:nvSpPr>
+        <p:spPr>
+          <a:xfrm>
+            <a:off x="2135505" y="5039995"/>
+            <a:ext cx="7360285" cy="468630"/>
+          </a:xfrm>
+          <a:prstGeom prst="rect">
+            <a:avLst/>
+          </a:prstGeom>
+          <a:noFill/>
+          <a:extLst>
+            <a:ext uri="{909E8E84-426E-40DD-AFC4-6F175D3DCCD1}">
+              <a14:hiddenFill xmlns:a14="http://schemas.microsoft.com/office/drawing/2010/main">
+                <a:solidFill>
+                  <a:schemeClr val="accent1"/>
+                </a:solidFill>
+              </a14:hiddenFill>
+            </a:ext>
+          </a:extLst>
+        </p:spPr>
+        <p:style>
+          <a:lnRef idx="2">
+            <a:schemeClr val="accent1">
+              <a:shade val="50000"/>
+            </a:schemeClr>
+          </a:lnRef>
+          <a:fillRef idx="1">
+            <a:schemeClr val="accent1"/>
+          </a:fillRef>
+          <a:effectRef idx="0">
+            <a:schemeClr val="accent1"/>
+          </a:effectRef>
+          <a:fontRef idx="minor">
+            <a:schemeClr val="lt1"/>
+          </a:fontRef>
+        </p:style>
+        <p:txBody>
+          <a:bodyPr rtlCol="0" anchor="ctr"/>
+          <a:p>
+            <a:pPr algn="ctr"/>
+            <a:r>
+              <a:rPr lang="zh-CN" altLang="en-US">
+                <a:solidFill>
+                  <a:schemeClr val="tx1"/>
+                </a:solidFill>
+              </a:rPr>
+              <a:t>人数</a:t>
+            </a:r>
+            <a:r>
+              <a:rPr lang="zh-CN" altLang="en-US">
+                <a:solidFill>
+                  <a:srgbClr val="FF0000"/>
+                </a:solidFill>
+                <a:sym typeface="+mn-ea"/>
+              </a:rPr>
+              <a:t>（统一支付，已支付）</a:t>
+            </a:r>
+            <a:endParaRPr lang="zh-CN" altLang="en-US">
+              <a:solidFill>
+                <a:schemeClr val="tx1"/>
               </a:solidFill>
             </a:endParaRPr>
           </a:p>
@@ -14645,7 +15164,74 @@
       </p:grpSpPr>
       <p:sp>
         <p:nvSpPr>
-          <p:cNvPr id="7" name="矩形 6"/>
+          <p:cNvPr id="4" name="文本框 3"/>
+          <p:cNvSpPr txBox="1"/>
+          <p:nvPr/>
+        </p:nvSpPr>
+        <p:spPr>
+          <a:xfrm>
+            <a:off x="0" y="0"/>
+            <a:ext cx="1554480" cy="368300"/>
+          </a:xfrm>
+          <a:prstGeom prst="rect">
+            <a:avLst/>
+          </a:prstGeom>
+          <a:noFill/>
+        </p:spPr>
+        <p:txBody>
+          <a:bodyPr wrap="none" rtlCol="0">
+            <a:spAutoFit/>
+          </a:bodyPr>
+          <a:p>
+            <a:pPr algn="l"/>
+            <a:r>
+              <a:rPr lang="zh-CN"/>
+              <a:t>统一付款页面</a:t>
+            </a:r>
+            <a:endParaRPr lang="zh-CN"/>
+          </a:p>
+        </p:txBody>
+      </p:sp>
+      <p:sp>
+        <p:nvSpPr>
+          <p:cNvPr id="21" name="文本框 20"/>
+          <p:cNvSpPr txBox="1"/>
+          <p:nvPr/>
+        </p:nvSpPr>
+        <p:spPr>
+          <a:xfrm>
+            <a:off x="8541385" y="506730"/>
+            <a:ext cx="2074545" cy="368300"/>
+          </a:xfrm>
+          <a:prstGeom prst="rect">
+            <a:avLst/>
+          </a:prstGeom>
+          <a:noFill/>
+        </p:spPr>
+        <p:txBody>
+          <a:bodyPr wrap="square" rtlCol="0">
+            <a:spAutoFit/>
+          </a:bodyPr>
+          <a:p>
+            <a:r>
+              <a:rPr lang="zh-CN" altLang="en-US">
+                <a:solidFill>
+                  <a:srgbClr val="FF0000"/>
+                </a:solidFill>
+              </a:rPr>
+              <a:t>打开统一支付链接</a:t>
+            </a:r>
+            <a:endParaRPr lang="zh-CN" altLang="en-US">
+              <a:solidFill>
+                <a:srgbClr val="FF0000"/>
+              </a:solidFill>
+            </a:endParaRPr>
+          </a:p>
+        </p:txBody>
+      </p:sp>
+      <p:sp>
+        <p:nvSpPr>
+          <p:cNvPr id="19" name="矩形 18"/>
           <p:cNvSpPr/>
           <p:nvPr/>
         </p:nvSpPr>
@@ -14697,105 +15283,13 @@
       </p:sp>
       <p:sp>
         <p:nvSpPr>
-          <p:cNvPr id="6" name="矩形 5"/>
+          <p:cNvPr id="26" name="矩形 25"/>
           <p:cNvSpPr/>
           <p:nvPr/>
         </p:nvSpPr>
         <p:spPr>
           <a:xfrm>
-            <a:off x="4003675" y="1695450"/>
-            <a:ext cx="3398520" cy="2883535"/>
-          </a:xfrm>
-          <a:prstGeom prst="rect">
-            <a:avLst/>
-          </a:prstGeom>
-          <a:solidFill>
-            <a:srgbClr val="000000">
-              <a:alpha val="0"/>
-            </a:srgbClr>
-          </a:solidFill>
-          <a:ln w="19050"/>
-          <a:extLst>
-            <a:ext uri="{909E8E84-426E-40DD-AFC4-6F175D3DCCD1}">
-              <a14:hiddenFill xmlns:a14="http://schemas.microsoft.com/office/drawing/2010/main">
-                <a:solidFill>
-                  <a:schemeClr val="accent1"/>
-                </a:solidFill>
-              </a14:hiddenFill>
-            </a:ext>
-          </a:extLst>
-        </p:spPr>
-        <p:style>
-          <a:lnRef idx="1">
-            <a:schemeClr val="accent1"/>
-          </a:lnRef>
-          <a:fillRef idx="2">
-            <a:schemeClr val="accent1"/>
-          </a:fillRef>
-          <a:effectRef idx="1">
-            <a:schemeClr val="accent1"/>
-          </a:effectRef>
-          <a:fontRef idx="minor">
-            <a:schemeClr val="dk1"/>
-          </a:fontRef>
-        </p:style>
-        <p:txBody>
-          <a:bodyPr rtlCol="0" anchor="ctr"/>
-          <a:p>
-            <a:pPr algn="ctr"/>
-            <a:endParaRPr lang="zh-CN" altLang="en-US"/>
-          </a:p>
-        </p:txBody>
-      </p:sp>
-      <p:sp>
-        <p:nvSpPr>
-          <p:cNvPr id="4" name="文本框 3"/>
-          <p:cNvSpPr txBox="1"/>
-          <p:nvPr/>
-        </p:nvSpPr>
-        <p:spPr>
-          <a:xfrm>
-            <a:off x="0" y="0"/>
-            <a:ext cx="1681480" cy="368300"/>
-          </a:xfrm>
-          <a:prstGeom prst="rect">
-            <a:avLst/>
-          </a:prstGeom>
-          <a:noFill/>
-        </p:spPr>
-        <p:txBody>
-          <a:bodyPr wrap="none" rtlCol="0">
-            <a:spAutoFit/>
-          </a:bodyPr>
-          <a:p>
-            <a:pPr algn="l"/>
-            <a:r>
-              <a:rPr lang="zh-CN">
-                <a:sym typeface="+mn-ea"/>
-              </a:rPr>
-              <a:t>学生报名界面</a:t>
-            </a:r>
-            <a:r>
-              <a:rPr lang="en-US" altLang="zh-CN">
-                <a:sym typeface="+mn-ea"/>
-              </a:rPr>
-              <a:t>1</a:t>
-            </a:r>
-            <a:endParaRPr lang="en-US" altLang="zh-CN">
-              <a:sym typeface="+mn-ea"/>
-            </a:endParaRPr>
-          </a:p>
-        </p:txBody>
-      </p:sp>
-      <p:sp>
-        <p:nvSpPr>
-          <p:cNvPr id="5" name="矩形 4"/>
-          <p:cNvSpPr/>
-          <p:nvPr/>
-        </p:nvSpPr>
-        <p:spPr>
-          <a:xfrm>
-            <a:off x="4077970" y="1772920"/>
+            <a:off x="4076700" y="2889885"/>
             <a:ext cx="3248660" cy="468630"/>
           </a:xfrm>
           <a:prstGeom prst="rect">
@@ -14833,14 +15327,22 @@
           <a:p>
             <a:pPr algn="ctr"/>
             <a:r>
-              <a:rPr lang="zh-CN" altLang="en-US">
+              <a:rPr lang="zh-CN">
                 <a:solidFill>
                   <a:schemeClr val="tx1"/>
                 </a:solidFill>
               </a:rPr>
-              <a:t>考试名称</a:t>
-            </a:r>
-            <a:endParaRPr lang="zh-CN" altLang="en-US">
+              <a:t>人数                </a:t>
+            </a:r>
+            <a:r>
+              <a:rPr lang="en-US" altLang="zh-CN">
+                <a:solidFill>
+                  <a:schemeClr val="tx1"/>
+                </a:solidFill>
+              </a:rPr>
+              <a:t>200</a:t>
+            </a:r>
+            <a:endParaRPr lang="en-US" altLang="zh-CN">
               <a:solidFill>
                 <a:schemeClr val="tx1"/>
               </a:solidFill>
@@ -14850,18 +15352,28 @@
       </p:sp>
       <p:sp>
         <p:nvSpPr>
-          <p:cNvPr id="11" name="矩形 10"/>
+          <p:cNvPr id="27" name="矩形 26"/>
           <p:cNvSpPr/>
           <p:nvPr/>
         </p:nvSpPr>
         <p:spPr>
           <a:xfrm>
-            <a:off x="4003675" y="1460500"/>
-            <a:ext cx="774700" cy="234950"/>
-          </a:xfrm>
-          <a:prstGeom prst="rect">
-            <a:avLst/>
-          </a:prstGeom>
+            <a:off x="4077970" y="2342515"/>
+            <a:ext cx="3248660" cy="468630"/>
+          </a:xfrm>
+          <a:prstGeom prst="rect">
+            <a:avLst/>
+          </a:prstGeom>
+          <a:noFill/>
+          <a:extLst>
+            <a:ext uri="{909E8E84-426E-40DD-AFC4-6F175D3DCCD1}">
+              <a14:hiddenFill xmlns:a14="http://schemas.microsoft.com/office/drawing/2010/main">
+                <a:solidFill>
+                  <a:schemeClr val="accent1"/>
+                </a:solidFill>
+              </a14:hiddenFill>
+            </a:ext>
+          </a:extLst>
         </p:spPr>
         <p:style>
           <a:lnRef idx="2">
@@ -14884,16 +15396,24 @@
           <a:p>
             <a:pPr algn="ctr"/>
             <a:r>
-              <a:rPr lang="zh-CN" altLang="en-US" sz="1000">
-                <a:solidFill>
-                  <a:schemeClr val="bg1"/>
-                </a:solidFill>
-              </a:rPr>
-              <a:t>考试信息</a:t>
-            </a:r>
-            <a:endParaRPr lang="zh-CN" altLang="en-US" sz="1000">
+              <a:rPr lang="zh-CN" altLang="en-US">
+                <a:solidFill>
+                  <a:schemeClr val="tx1"/>
+                </a:solidFill>
+              </a:rPr>
+              <a:t>支付费用         ￥</a:t>
+            </a:r>
+            <a:r>
+              <a:rPr lang="en-US" altLang="zh-CN">
+                <a:solidFill>
+                  <a:schemeClr val="tx1"/>
+                </a:solidFill>
+              </a:rPr>
+              <a:t>50000</a:t>
+            </a:r>
+            <a:endParaRPr lang="en-US" altLang="zh-CN">
               <a:solidFill>
-                <a:schemeClr val="bg1"/>
+                <a:schemeClr val="tx1"/>
               </a:solidFill>
             </a:endParaRPr>
           </a:p>
@@ -14901,28 +15421,24 @@
       </p:sp>
       <p:sp>
         <p:nvSpPr>
-          <p:cNvPr id="13" name="矩形 12"/>
+          <p:cNvPr id="28" name="矩形 27"/>
           <p:cNvSpPr/>
           <p:nvPr/>
         </p:nvSpPr>
         <p:spPr>
           <a:xfrm>
-            <a:off x="4084320" y="3437255"/>
-            <a:ext cx="3248660" cy="468630"/>
-          </a:xfrm>
-          <a:prstGeom prst="rect">
-            <a:avLst/>
-          </a:prstGeom>
-          <a:noFill/>
-          <a:extLst>
-            <a:ext uri="{909E8E84-426E-40DD-AFC4-6F175D3DCCD1}">
-              <a14:hiddenFill xmlns:a14="http://schemas.microsoft.com/office/drawing/2010/main">
-                <a:solidFill>
-                  <a:schemeClr val="accent1"/>
-                </a:solidFill>
-              </a14:hiddenFill>
-            </a:ext>
-          </a:extLst>
+            <a:off x="4446905" y="6036945"/>
+            <a:ext cx="2359025" cy="432435"/>
+          </a:xfrm>
+          <a:prstGeom prst="rect">
+            <a:avLst/>
+          </a:prstGeom>
+          <a:solidFill>
+            <a:srgbClr val="00B050"/>
+          </a:solidFill>
+          <a:ln>
+            <a:noFill/>
+          </a:ln>
         </p:spPr>
         <p:style>
           <a:lnRef idx="2">
@@ -14947,291 +15463,14 @@
             <a:r>
               <a:rPr lang="zh-CN" altLang="en-US">
                 <a:solidFill>
-                  <a:schemeClr val="tx1"/>
-                </a:solidFill>
-              </a:rPr>
-              <a:t>考试网站链接</a:t>
-            </a:r>
-            <a:endParaRPr lang="zh-CN" altLang="en-US">
-              <a:solidFill>
-                <a:schemeClr val="tx1"/>
-              </a:solidFill>
-            </a:endParaRPr>
-          </a:p>
-        </p:txBody>
-      </p:sp>
-      <p:sp>
-        <p:nvSpPr>
-          <p:cNvPr id="14" name="矩形 13"/>
-          <p:cNvSpPr/>
-          <p:nvPr/>
-        </p:nvSpPr>
-        <p:spPr>
-          <a:xfrm>
-            <a:off x="4076700" y="2889885"/>
-            <a:ext cx="3248660" cy="468630"/>
-          </a:xfrm>
-          <a:prstGeom prst="rect">
-            <a:avLst/>
-          </a:prstGeom>
-          <a:noFill/>
-          <a:extLst>
-            <a:ext uri="{909E8E84-426E-40DD-AFC4-6F175D3DCCD1}">
-              <a14:hiddenFill xmlns:a14="http://schemas.microsoft.com/office/drawing/2010/main">
-                <a:solidFill>
-                  <a:schemeClr val="accent1"/>
-                </a:solidFill>
-              </a14:hiddenFill>
-            </a:ext>
-          </a:extLst>
-        </p:spPr>
-        <p:style>
-          <a:lnRef idx="2">
-            <a:schemeClr val="accent1">
-              <a:shade val="50000"/>
-            </a:schemeClr>
-          </a:lnRef>
-          <a:fillRef idx="1">
-            <a:schemeClr val="accent1"/>
-          </a:fillRef>
-          <a:effectRef idx="0">
-            <a:schemeClr val="accent1"/>
-          </a:effectRef>
-          <a:fontRef idx="minor">
-            <a:schemeClr val="lt1"/>
-          </a:fontRef>
-        </p:style>
-        <p:txBody>
-          <a:bodyPr rtlCol="0" anchor="ctr"/>
-          <a:p>
-            <a:pPr algn="ctr"/>
-            <a:r>
-              <a:rPr lang="zh-CN" altLang="en-US">
-                <a:solidFill>
-                  <a:schemeClr val="tx1"/>
-                </a:solidFill>
-              </a:rPr>
-              <a:t>考试说明</a:t>
-            </a:r>
-            <a:endParaRPr lang="en-US" altLang="zh-CN">
-              <a:solidFill>
-                <a:schemeClr val="tx1"/>
-              </a:solidFill>
-            </a:endParaRPr>
-          </a:p>
-        </p:txBody>
-      </p:sp>
-      <p:sp>
-        <p:nvSpPr>
-          <p:cNvPr id="15" name="矩形 14"/>
-          <p:cNvSpPr/>
-          <p:nvPr/>
-        </p:nvSpPr>
-        <p:spPr>
-          <a:xfrm>
-            <a:off x="4077970" y="2342515"/>
-            <a:ext cx="3248660" cy="468630"/>
-          </a:xfrm>
-          <a:prstGeom prst="rect">
-            <a:avLst/>
-          </a:prstGeom>
-          <a:noFill/>
-          <a:extLst>
-            <a:ext uri="{909E8E84-426E-40DD-AFC4-6F175D3DCCD1}">
-              <a14:hiddenFill xmlns:a14="http://schemas.microsoft.com/office/drawing/2010/main">
-                <a:solidFill>
-                  <a:schemeClr val="accent1"/>
-                </a:solidFill>
-              </a14:hiddenFill>
-            </a:ext>
-          </a:extLst>
-        </p:spPr>
-        <p:style>
-          <a:lnRef idx="2">
-            <a:schemeClr val="accent1">
-              <a:shade val="50000"/>
-            </a:schemeClr>
-          </a:lnRef>
-          <a:fillRef idx="1">
-            <a:schemeClr val="accent1"/>
-          </a:fillRef>
-          <a:effectRef idx="0">
-            <a:schemeClr val="accent1"/>
-          </a:effectRef>
-          <a:fontRef idx="minor">
-            <a:schemeClr val="lt1"/>
-          </a:fontRef>
-        </p:style>
-        <p:txBody>
-          <a:bodyPr rtlCol="0" anchor="ctr"/>
-          <a:p>
-            <a:pPr algn="ctr"/>
-            <a:r>
-              <a:rPr lang="zh-CN" altLang="en-US">
-                <a:solidFill>
-                  <a:schemeClr val="tx1"/>
-                </a:solidFill>
-              </a:rPr>
-              <a:t>考试时间</a:t>
-            </a:r>
-            <a:endParaRPr lang="zh-CN" altLang="en-US">
-              <a:solidFill>
-                <a:schemeClr val="tx1"/>
-              </a:solidFill>
-            </a:endParaRPr>
-          </a:p>
-        </p:txBody>
-      </p:sp>
-      <p:sp>
-        <p:nvSpPr>
-          <p:cNvPr id="10" name="矩形 9"/>
-          <p:cNvSpPr/>
-          <p:nvPr/>
-        </p:nvSpPr>
-        <p:spPr>
-          <a:xfrm>
-            <a:off x="4446905" y="6036945"/>
-            <a:ext cx="2359025" cy="432435"/>
-          </a:xfrm>
-          <a:prstGeom prst="rect">
-            <a:avLst/>
-          </a:prstGeom>
-          <a:solidFill>
-            <a:srgbClr val="00B050"/>
-          </a:solidFill>
-          <a:ln>
-            <a:noFill/>
-          </a:ln>
-        </p:spPr>
-        <p:style>
-          <a:lnRef idx="2">
-            <a:schemeClr val="accent1">
-              <a:shade val="50000"/>
-            </a:schemeClr>
-          </a:lnRef>
-          <a:fillRef idx="1">
-            <a:schemeClr val="accent1"/>
-          </a:fillRef>
-          <a:effectRef idx="0">
-            <a:schemeClr val="accent1"/>
-          </a:effectRef>
-          <a:fontRef idx="minor">
-            <a:schemeClr val="lt1"/>
-          </a:fontRef>
-        </p:style>
-        <p:txBody>
-          <a:bodyPr rtlCol="0" anchor="ctr"/>
-          <a:p>
-            <a:pPr algn="ctr"/>
-            <a:r>
-              <a:rPr lang="zh-CN" altLang="en-US">
-                <a:solidFill>
                   <a:schemeClr val="bg1"/>
                 </a:solidFill>
               </a:rPr>
-              <a:t>下一步</a:t>
+              <a:t>支付</a:t>
             </a:r>
             <a:endParaRPr lang="zh-CN" altLang="en-US">
               <a:solidFill>
                 <a:schemeClr val="bg1"/>
-              </a:solidFill>
-            </a:endParaRPr>
-          </a:p>
-        </p:txBody>
-      </p:sp>
-      <p:sp>
-        <p:nvSpPr>
-          <p:cNvPr id="24" name="文本框 23"/>
-          <p:cNvSpPr txBox="1"/>
-          <p:nvPr/>
-        </p:nvSpPr>
-        <p:spPr>
-          <a:xfrm>
-            <a:off x="8557895" y="1684655"/>
-            <a:ext cx="2217420" cy="922020"/>
-          </a:xfrm>
-          <a:prstGeom prst="rect">
-            <a:avLst/>
-          </a:prstGeom>
-          <a:noFill/>
-        </p:spPr>
-        <p:txBody>
-          <a:bodyPr wrap="square" rtlCol="0">
-            <a:spAutoFit/>
-          </a:bodyPr>
-          <a:p>
-            <a:r>
-              <a:rPr lang="zh-CN" altLang="en-US">
-                <a:solidFill>
-                  <a:srgbClr val="FF0000"/>
-                </a:solidFill>
-              </a:rPr>
-              <a:t>用以让学生确认考试信息，提供官网链接</a:t>
-            </a:r>
-            <a:endParaRPr lang="zh-CN" altLang="en-US">
-              <a:solidFill>
-                <a:srgbClr val="FF0000"/>
-              </a:solidFill>
-            </a:endParaRPr>
-          </a:p>
-        </p:txBody>
-      </p:sp>
-      <p:sp>
-        <p:nvSpPr>
-          <p:cNvPr id="3" name="矩形 2"/>
-          <p:cNvSpPr/>
-          <p:nvPr/>
-        </p:nvSpPr>
-        <p:spPr>
-          <a:xfrm>
-            <a:off x="4084320" y="4003675"/>
-            <a:ext cx="3248660" cy="468630"/>
-          </a:xfrm>
-          <a:prstGeom prst="rect">
-            <a:avLst/>
-          </a:prstGeom>
-          <a:noFill/>
-          <a:extLst>
-            <a:ext uri="{909E8E84-426E-40DD-AFC4-6F175D3DCCD1}">
-              <a14:hiddenFill xmlns:a14="http://schemas.microsoft.com/office/drawing/2010/main">
-                <a:solidFill>
-                  <a:schemeClr val="accent1"/>
-                </a:solidFill>
-              </a14:hiddenFill>
-            </a:ext>
-          </a:extLst>
-        </p:spPr>
-        <p:style>
-          <a:lnRef idx="2">
-            <a:schemeClr val="accent1">
-              <a:shade val="50000"/>
-            </a:schemeClr>
-          </a:lnRef>
-          <a:fillRef idx="1">
-            <a:schemeClr val="accent1"/>
-          </a:fillRef>
-          <a:effectRef idx="0">
-            <a:schemeClr val="accent1"/>
-          </a:effectRef>
-          <a:fontRef idx="minor">
-            <a:schemeClr val="lt1"/>
-          </a:fontRef>
-        </p:style>
-        <p:txBody>
-          <a:bodyPr rtlCol="0" anchor="ctr"/>
-          <a:p>
-            <a:pPr algn="ctr"/>
-            <a:r>
-              <a:rPr lang="zh-CN" altLang="en-US">
-                <a:solidFill>
-                  <a:schemeClr val="tx1"/>
-                </a:solidFill>
-              </a:rPr>
-              <a:t>报名截止日期</a:t>
-            </a:r>
-            <a:endParaRPr lang="zh-CN" altLang="en-US">
-              <a:solidFill>
-                <a:schemeClr val="tx1"/>
               </a:solidFill>
             </a:endParaRPr>
           </a:p>
@@ -15319,6 +15558,58 @@
       </p:sp>
       <p:sp>
         <p:nvSpPr>
+          <p:cNvPr id="6" name="矩形 5"/>
+          <p:cNvSpPr/>
+          <p:nvPr/>
+        </p:nvSpPr>
+        <p:spPr>
+          <a:xfrm>
+            <a:off x="4003675" y="1695450"/>
+            <a:ext cx="3398520" cy="2883535"/>
+          </a:xfrm>
+          <a:prstGeom prst="rect">
+            <a:avLst/>
+          </a:prstGeom>
+          <a:solidFill>
+            <a:srgbClr val="000000">
+              <a:alpha val="0"/>
+            </a:srgbClr>
+          </a:solidFill>
+          <a:ln w="19050"/>
+          <a:extLst>
+            <a:ext uri="{909E8E84-426E-40DD-AFC4-6F175D3DCCD1}">
+              <a14:hiddenFill xmlns:a14="http://schemas.microsoft.com/office/drawing/2010/main">
+                <a:solidFill>
+                  <a:schemeClr val="accent1"/>
+                </a:solidFill>
+              </a14:hiddenFill>
+            </a:ext>
+          </a:extLst>
+        </p:spPr>
+        <p:style>
+          <a:lnRef idx="1">
+            <a:schemeClr val="accent1"/>
+          </a:lnRef>
+          <a:fillRef idx="2">
+            <a:schemeClr val="accent1"/>
+          </a:fillRef>
+          <a:effectRef idx="1">
+            <a:schemeClr val="accent1"/>
+          </a:effectRef>
+          <a:fontRef idx="minor">
+            <a:schemeClr val="dk1"/>
+          </a:fontRef>
+        </p:style>
+        <p:txBody>
+          <a:bodyPr rtlCol="0" anchor="ctr"/>
+          <a:p>
+            <a:pPr algn="ctr"/>
+            <a:endParaRPr lang="zh-CN" altLang="en-US"/>
+          </a:p>
+        </p:txBody>
+      </p:sp>
+      <p:sp>
+        <p:nvSpPr>
           <p:cNvPr id="4" name="文本框 3"/>
           <p:cNvSpPr txBox="1"/>
           <p:nvPr/>
@@ -15349,7 +15640,7 @@
               <a:rPr lang="en-US" altLang="zh-CN">
                 <a:sym typeface="+mn-ea"/>
               </a:rPr>
-              <a:t>2</a:t>
+              <a:t>1</a:t>
             </a:r>
             <a:endParaRPr lang="en-US" altLang="zh-CN">
               <a:sym typeface="+mn-ea"/>
@@ -15365,12 +15656,13 @@
         </p:nvSpPr>
         <p:spPr>
           <a:xfrm>
-            <a:off x="3987800" y="1205865"/>
-            <a:ext cx="2938780" cy="468630"/>
-          </a:xfrm>
-          <a:prstGeom prst="rect">
-            <a:avLst/>
-          </a:prstGeom>
+            <a:off x="4077970" y="1772920"/>
+            <a:ext cx="3248660" cy="468630"/>
+          </a:xfrm>
+          <a:prstGeom prst="rect">
+            <a:avLst/>
+          </a:prstGeom>
+          <a:noFill/>
           <a:extLst>
             <a:ext uri="{909E8E84-426E-40DD-AFC4-6F175D3DCCD1}">
               <a14:hiddenFill xmlns:a14="http://schemas.microsoft.com/office/drawing/2010/main">
@@ -15404,30 +15696,14 @@
             <a:r>
               <a:rPr lang="zh-CN" altLang="en-US">
                 <a:solidFill>
-                  <a:schemeClr val="bg1"/>
-                </a:solidFill>
-              </a:rPr>
-              <a:t>昆明学院</a:t>
-            </a:r>
-            <a:r>
-              <a:rPr lang="en-US" altLang="zh-CN">
-                <a:solidFill>
-                  <a:schemeClr val="bg1"/>
-                </a:solidFill>
-              </a:rPr>
-              <a:t>xx</a:t>
-            </a:r>
-            <a:r>
-              <a:rPr lang="zh-CN" altLang="en-US">
-                <a:solidFill>
-                  <a:schemeClr val="bg1"/>
-                </a:solidFill>
-              </a:rPr>
-              <a:t>楼</a:t>
+                  <a:schemeClr val="tx1"/>
+                </a:solidFill>
+              </a:rPr>
+              <a:t>考试名称</a:t>
             </a:r>
             <a:endParaRPr lang="zh-CN" altLang="en-US">
               <a:solidFill>
-                <a:schemeClr val="bg1"/>
+                <a:schemeClr val="tx1"/>
               </a:solidFill>
             </a:endParaRPr>
           </a:p>
@@ -15441,8 +15717,8 @@
         </p:nvSpPr>
         <p:spPr>
           <a:xfrm>
-            <a:off x="5089525" y="529590"/>
-            <a:ext cx="1240155" cy="320040"/>
+            <a:off x="4003675" y="1460500"/>
+            <a:ext cx="774700" cy="234950"/>
           </a:xfrm>
           <a:prstGeom prst="rect">
             <a:avLst/>
@@ -15469,14 +15745,14 @@
           <a:p>
             <a:pPr algn="ctr"/>
             <a:r>
-              <a:rPr lang="zh-CN" altLang="en-US" sz="2000">
+              <a:rPr lang="zh-CN" altLang="en-US" sz="1000">
                 <a:solidFill>
                   <a:schemeClr val="bg1"/>
                 </a:solidFill>
               </a:rPr>
-              <a:t>选择考点</a:t>
-            </a:r>
-            <a:endParaRPr lang="zh-CN" altLang="en-US" sz="2000">
+              <a:t>考试信息</a:t>
+            </a:r>
+            <a:endParaRPr lang="zh-CN" altLang="en-US" sz="1000">
               <a:solidFill>
                 <a:schemeClr val="bg1"/>
               </a:solidFill>
@@ -15492,8 +15768,8 @@
         </p:nvSpPr>
         <p:spPr>
           <a:xfrm>
-            <a:off x="3994150" y="2870200"/>
-            <a:ext cx="2938780" cy="468630"/>
+            <a:off x="4084320" y="3437255"/>
+            <a:ext cx="3248660" cy="468630"/>
           </a:xfrm>
           <a:prstGeom prst="rect">
             <a:avLst/>
@@ -15530,31 +15806,12 @@
           <a:p>
             <a:pPr algn="ctr"/>
             <a:r>
-              <a:rPr lang="zh-CN">
+              <a:rPr lang="zh-CN" altLang="en-US">
                 <a:solidFill>
                   <a:schemeClr val="tx1"/>
                 </a:solidFill>
-                <a:sym typeface="+mn-ea"/>
-              </a:rPr>
-              <a:t>云南大学</a:t>
-            </a:r>
-            <a:r>
-              <a:rPr lang="en-US" altLang="zh-CN">
-                <a:solidFill>
-                  <a:schemeClr val="tx1"/>
-                </a:solidFill>
-                <a:sym typeface="+mn-ea"/>
-              </a:rPr>
-              <a:t>xx</a:t>
-            </a:r>
-            <a:r>
-              <a:rPr lang="zh-CN">
-                <a:solidFill>
-                  <a:schemeClr val="tx1"/>
-                </a:solidFill>
-                <a:sym typeface="+mn-ea"/>
-              </a:rPr>
-              <a:t>楼</a:t>
+              </a:rPr>
+              <a:t>考试网站链接</a:t>
             </a:r>
             <a:endParaRPr lang="zh-CN" altLang="en-US">
               <a:solidFill>
@@ -15572,8 +15829,8 @@
         </p:nvSpPr>
         <p:spPr>
           <a:xfrm>
-            <a:off x="3986530" y="2322830"/>
-            <a:ext cx="2938780" cy="468630"/>
+            <a:off x="4076700" y="2889885"/>
+            <a:ext cx="3248660" cy="468630"/>
           </a:xfrm>
           <a:prstGeom prst="rect">
             <a:avLst/>
@@ -15610,30 +15867,14 @@
           <a:p>
             <a:pPr algn="ctr"/>
             <a:r>
-              <a:rPr lang="zh-CN">
+              <a:rPr lang="zh-CN" altLang="en-US">
                 <a:solidFill>
                   <a:schemeClr val="tx1"/>
                 </a:solidFill>
               </a:rPr>
-              <a:t>云南大学</a:t>
-            </a:r>
-            <a:r>
-              <a:rPr lang="en-US" altLang="zh-CN">
-                <a:solidFill>
-                  <a:schemeClr val="tx1"/>
-                </a:solidFill>
-              </a:rPr>
-              <a:t>xx</a:t>
-            </a:r>
-            <a:r>
-              <a:rPr lang="zh-CN">
-                <a:solidFill>
-                  <a:schemeClr val="tx1"/>
-                </a:solidFill>
-              </a:rPr>
-              <a:t>楼</a:t>
-            </a:r>
-            <a:endParaRPr lang="zh-CN">
+              <a:t>考试说明</a:t>
+            </a:r>
+            <a:endParaRPr lang="en-US" altLang="zh-CN">
               <a:solidFill>
                 <a:schemeClr val="tx1"/>
               </a:solidFill>
@@ -15649,8 +15890,8 @@
         </p:nvSpPr>
         <p:spPr>
           <a:xfrm>
-            <a:off x="3987800" y="1775460"/>
-            <a:ext cx="2938780" cy="468630"/>
+            <a:off x="4077970" y="2342515"/>
+            <a:ext cx="3248660" cy="468630"/>
           </a:xfrm>
           <a:prstGeom prst="rect">
             <a:avLst/>
@@ -15692,23 +15933,7 @@
                   <a:schemeClr val="tx1"/>
                 </a:solidFill>
               </a:rPr>
-              <a:t>昆明学院</a:t>
-            </a:r>
-            <a:r>
-              <a:rPr lang="en-US" altLang="zh-CN">
-                <a:solidFill>
-                  <a:schemeClr val="tx1"/>
-                </a:solidFill>
-              </a:rPr>
-              <a:t>xx</a:t>
-            </a:r>
-            <a:r>
-              <a:rPr lang="zh-CN" altLang="en-US">
-                <a:solidFill>
-                  <a:schemeClr val="tx1"/>
-                </a:solidFill>
-              </a:rPr>
-              <a:t>楼</a:t>
+              <a:t>考试时间</a:t>
             </a:r>
             <a:endParaRPr lang="zh-CN" altLang="en-US">
               <a:solidFill>
@@ -15784,7 +16009,7 @@
         <p:spPr>
           <a:xfrm>
             <a:off x="8557895" y="1684655"/>
-            <a:ext cx="2217420" cy="368300"/>
+            <a:ext cx="2217420" cy="922020"/>
           </a:xfrm>
           <a:prstGeom prst="rect">
             <a:avLst/>
@@ -15802,7 +16027,7 @@
                   <a:srgbClr val="FF0000"/>
                 </a:solidFill>
               </a:rPr>
-              <a:t>查看并选择考点</a:t>
+              <a:t>用以让学生确认考试信息，提供官网链接</a:t>
             </a:r>
             <a:endParaRPr lang="zh-CN" altLang="en-US">
               <a:solidFill>
@@ -15814,18 +16039,28 @@
       </p:sp>
       <p:sp>
         <p:nvSpPr>
-          <p:cNvPr id="2" name="矩形 1"/>
+          <p:cNvPr id="3" name="矩形 2"/>
           <p:cNvSpPr/>
           <p:nvPr/>
         </p:nvSpPr>
         <p:spPr>
           <a:xfrm>
-            <a:off x="6965950" y="1314450"/>
-            <a:ext cx="535940" cy="252095"/>
-          </a:xfrm>
-          <a:prstGeom prst="rect">
-            <a:avLst/>
-          </a:prstGeom>
+            <a:off x="4084320" y="4003675"/>
+            <a:ext cx="3248660" cy="468630"/>
+          </a:xfrm>
+          <a:prstGeom prst="rect">
+            <a:avLst/>
+          </a:prstGeom>
+          <a:noFill/>
+          <a:extLst>
+            <a:ext uri="{909E8E84-426E-40DD-AFC4-6F175D3DCCD1}">
+              <a14:hiddenFill xmlns:a14="http://schemas.microsoft.com/office/drawing/2010/main">
+                <a:solidFill>
+                  <a:schemeClr val="accent1"/>
+                </a:solidFill>
+              </a14:hiddenFill>
+            </a:ext>
+          </a:extLst>
         </p:spPr>
         <p:style>
           <a:lnRef idx="2">
@@ -15848,169 +16083,16 @@
           <a:p>
             <a:pPr algn="ctr"/>
             <a:r>
-              <a:rPr lang="zh-CN" altLang="en-US" sz="1200">
-                <a:solidFill>
-                  <a:schemeClr val="bg1"/>
-                </a:solidFill>
-              </a:rPr>
-              <a:t>查看</a:t>
-            </a:r>
-            <a:endParaRPr lang="zh-CN" altLang="en-US" sz="1200">
+              <a:rPr lang="zh-CN" altLang="en-US">
+                <a:solidFill>
+                  <a:schemeClr val="tx1"/>
+                </a:solidFill>
+              </a:rPr>
+              <a:t>报名截止日期</a:t>
+            </a:r>
+            <a:endParaRPr lang="zh-CN" altLang="en-US">
               <a:solidFill>
-                <a:schemeClr val="bg1"/>
-              </a:solidFill>
-            </a:endParaRPr>
-          </a:p>
-        </p:txBody>
-      </p:sp>
-      <p:sp>
-        <p:nvSpPr>
-          <p:cNvPr id="3" name="矩形 2"/>
-          <p:cNvSpPr/>
-          <p:nvPr/>
-        </p:nvSpPr>
-        <p:spPr>
-          <a:xfrm>
-            <a:off x="6965950" y="1883410"/>
-            <a:ext cx="535940" cy="252095"/>
-          </a:xfrm>
-          <a:prstGeom prst="rect">
-            <a:avLst/>
-          </a:prstGeom>
-        </p:spPr>
-        <p:style>
-          <a:lnRef idx="2">
-            <a:schemeClr val="accent1">
-              <a:shade val="50000"/>
-            </a:schemeClr>
-          </a:lnRef>
-          <a:fillRef idx="1">
-            <a:schemeClr val="accent1"/>
-          </a:fillRef>
-          <a:effectRef idx="0">
-            <a:schemeClr val="accent1"/>
-          </a:effectRef>
-          <a:fontRef idx="minor">
-            <a:schemeClr val="lt1"/>
-          </a:fontRef>
-        </p:style>
-        <p:txBody>
-          <a:bodyPr rtlCol="0" anchor="ctr"/>
-          <a:p>
-            <a:pPr algn="ctr"/>
-            <a:r>
-              <a:rPr lang="zh-CN" altLang="en-US" sz="1200">
-                <a:solidFill>
-                  <a:schemeClr val="bg1"/>
-                </a:solidFill>
-              </a:rPr>
-              <a:t>查看</a:t>
-            </a:r>
-            <a:endParaRPr lang="zh-CN" altLang="en-US" sz="1200">
-              <a:solidFill>
-                <a:schemeClr val="bg1"/>
-              </a:solidFill>
-            </a:endParaRPr>
-          </a:p>
-        </p:txBody>
-      </p:sp>
-      <p:sp>
-        <p:nvSpPr>
-          <p:cNvPr id="8" name="矩形 7"/>
-          <p:cNvSpPr/>
-          <p:nvPr/>
-        </p:nvSpPr>
-        <p:spPr>
-          <a:xfrm>
-            <a:off x="6965950" y="2431415"/>
-            <a:ext cx="535940" cy="252095"/>
-          </a:xfrm>
-          <a:prstGeom prst="rect">
-            <a:avLst/>
-          </a:prstGeom>
-        </p:spPr>
-        <p:style>
-          <a:lnRef idx="2">
-            <a:schemeClr val="accent1">
-              <a:shade val="50000"/>
-            </a:schemeClr>
-          </a:lnRef>
-          <a:fillRef idx="1">
-            <a:schemeClr val="accent1"/>
-          </a:fillRef>
-          <a:effectRef idx="0">
-            <a:schemeClr val="accent1"/>
-          </a:effectRef>
-          <a:fontRef idx="minor">
-            <a:schemeClr val="lt1"/>
-          </a:fontRef>
-        </p:style>
-        <p:txBody>
-          <a:bodyPr rtlCol="0" anchor="ctr"/>
-          <a:p>
-            <a:pPr algn="ctr"/>
-            <a:r>
-              <a:rPr lang="zh-CN" altLang="en-US" sz="1200">
-                <a:solidFill>
-                  <a:schemeClr val="bg1"/>
-                </a:solidFill>
-              </a:rPr>
-              <a:t>查看</a:t>
-            </a:r>
-            <a:endParaRPr lang="zh-CN" altLang="en-US" sz="1200">
-              <a:solidFill>
-                <a:schemeClr val="bg1"/>
-              </a:solidFill>
-            </a:endParaRPr>
-          </a:p>
-        </p:txBody>
-      </p:sp>
-      <p:sp>
-        <p:nvSpPr>
-          <p:cNvPr id="9" name="矩形 8"/>
-          <p:cNvSpPr/>
-          <p:nvPr/>
-        </p:nvSpPr>
-        <p:spPr>
-          <a:xfrm>
-            <a:off x="6965950" y="2978150"/>
-            <a:ext cx="535940" cy="252095"/>
-          </a:xfrm>
-          <a:prstGeom prst="rect">
-            <a:avLst/>
-          </a:prstGeom>
-        </p:spPr>
-        <p:style>
-          <a:lnRef idx="2">
-            <a:schemeClr val="accent1">
-              <a:shade val="50000"/>
-            </a:schemeClr>
-          </a:lnRef>
-          <a:fillRef idx="1">
-            <a:schemeClr val="accent1"/>
-          </a:fillRef>
-          <a:effectRef idx="0">
-            <a:schemeClr val="accent1"/>
-          </a:effectRef>
-          <a:fontRef idx="minor">
-            <a:schemeClr val="lt1"/>
-          </a:fontRef>
-        </p:style>
-        <p:txBody>
-          <a:bodyPr rtlCol="0" anchor="ctr"/>
-          <a:p>
-            <a:pPr algn="ctr"/>
-            <a:r>
-              <a:rPr lang="zh-CN" altLang="en-US" sz="1200">
-                <a:solidFill>
-                  <a:schemeClr val="bg1"/>
-                </a:solidFill>
-              </a:rPr>
-              <a:t>查看</a:t>
-            </a:r>
-            <a:endParaRPr lang="zh-CN" altLang="en-US" sz="1200">
-              <a:solidFill>
-                <a:schemeClr val="bg1"/>
+                <a:schemeClr val="tx1"/>
               </a:solidFill>
             </a:endParaRPr>
           </a:p>
@@ -16128,7 +16210,7 @@
               <a:rPr lang="en-US" altLang="zh-CN">
                 <a:sym typeface="+mn-ea"/>
               </a:rPr>
-              <a:t>3</a:t>
+              <a:t>2</a:t>
             </a:r>
             <a:endParaRPr lang="en-US" altLang="zh-CN">
               <a:sym typeface="+mn-ea"/>
@@ -16186,17 +16268,25 @@
                   <a:schemeClr val="bg1"/>
                 </a:solidFill>
               </a:rPr>
-              <a:t>曲靖学院</a:t>
-            </a:r>
-            <a:r>
-              <a:rPr lang="zh-CN">
+              <a:t>昆明学院</a:t>
+            </a:r>
+            <a:r>
+              <a:rPr lang="en-US" altLang="zh-CN">
                 <a:solidFill>
                   <a:schemeClr val="bg1"/>
                 </a:solidFill>
               </a:rPr>
-              <a:t>大门口</a:t>
-            </a:r>
-            <a:endParaRPr lang="zh-CN">
+              <a:t>xx</a:t>
+            </a:r>
+            <a:r>
+              <a:rPr lang="zh-CN" altLang="en-US">
+                <a:solidFill>
+                  <a:schemeClr val="bg1"/>
+                </a:solidFill>
+              </a:rPr>
+              <a:t>楼</a:t>
+            </a:r>
+            <a:endParaRPr lang="zh-CN" altLang="en-US">
               <a:solidFill>
                 <a:schemeClr val="bg1"/>
               </a:solidFill>
@@ -16212,8 +16302,8 @@
         </p:nvSpPr>
         <p:spPr>
           <a:xfrm>
-            <a:off x="4966970" y="538480"/>
-            <a:ext cx="1471930" cy="320040"/>
+            <a:off x="5089525" y="529590"/>
+            <a:ext cx="1240155" cy="320040"/>
           </a:xfrm>
           <a:prstGeom prst="rect">
             <a:avLst/>
@@ -16245,7 +16335,7 @@
                   <a:schemeClr val="bg1"/>
                 </a:solidFill>
               </a:rPr>
-              <a:t>选择出发点</a:t>
+              <a:t>选择考点</a:t>
             </a:r>
             <a:endParaRPr lang="zh-CN" altLang="en-US" sz="2000">
               <a:solidFill>
@@ -16257,13 +16347,13 @@
       </p:sp>
       <p:sp>
         <p:nvSpPr>
-          <p:cNvPr id="15" name="矩形 14"/>
+          <p:cNvPr id="13" name="矩形 12"/>
           <p:cNvSpPr/>
           <p:nvPr/>
         </p:nvSpPr>
         <p:spPr>
           <a:xfrm>
-            <a:off x="3987800" y="1775460"/>
+            <a:off x="3994150" y="2870200"/>
             <a:ext cx="2938780" cy="468630"/>
           </a:xfrm>
           <a:prstGeom prst="rect">
@@ -16305,10 +16395,29 @@
                 <a:solidFill>
                   <a:schemeClr val="tx1"/>
                 </a:solidFill>
-              </a:rPr>
-              <a:t>曲靖学院宿舍楼</a:t>
-            </a:r>
-            <a:endParaRPr lang="zh-CN">
+                <a:sym typeface="+mn-ea"/>
+              </a:rPr>
+              <a:t>云南大学</a:t>
+            </a:r>
+            <a:r>
+              <a:rPr lang="en-US" altLang="zh-CN">
+                <a:solidFill>
+                  <a:schemeClr val="tx1"/>
+                </a:solidFill>
+                <a:sym typeface="+mn-ea"/>
+              </a:rPr>
+              <a:t>xx</a:t>
+            </a:r>
+            <a:r>
+              <a:rPr lang="zh-CN">
+                <a:solidFill>
+                  <a:schemeClr val="tx1"/>
+                </a:solidFill>
+                <a:sym typeface="+mn-ea"/>
+              </a:rPr>
+              <a:t>楼</a:t>
+            </a:r>
+            <a:endParaRPr lang="zh-CN" altLang="en-US">
               <a:solidFill>
                 <a:schemeClr val="tx1"/>
               </a:solidFill>
@@ -16318,24 +16427,28 @@
       </p:sp>
       <p:sp>
         <p:nvSpPr>
-          <p:cNvPr id="10" name="矩形 9"/>
+          <p:cNvPr id="14" name="矩形 13"/>
           <p:cNvSpPr/>
           <p:nvPr/>
         </p:nvSpPr>
         <p:spPr>
           <a:xfrm>
-            <a:off x="4446905" y="6036945"/>
-            <a:ext cx="2359025" cy="432435"/>
-          </a:xfrm>
-          <a:prstGeom prst="rect">
-            <a:avLst/>
-          </a:prstGeom>
-          <a:solidFill>
-            <a:srgbClr val="00B050"/>
-          </a:solidFill>
-          <a:ln>
-            <a:noFill/>
-          </a:ln>
+            <a:off x="3986530" y="2322830"/>
+            <a:ext cx="2938780" cy="468630"/>
+          </a:xfrm>
+          <a:prstGeom prst="rect">
+            <a:avLst/>
+          </a:prstGeom>
+          <a:noFill/>
+          <a:extLst>
+            <a:ext uri="{909E8E84-426E-40DD-AFC4-6F175D3DCCD1}">
+              <a14:hiddenFill xmlns:a14="http://schemas.microsoft.com/office/drawing/2010/main">
+                <a:solidFill>
+                  <a:schemeClr val="accent1"/>
+                </a:solidFill>
+              </a14:hiddenFill>
+            </a:ext>
+          </a:extLst>
         </p:spPr>
         <p:style>
           <a:lnRef idx="2">
@@ -16358,16 +16471,32 @@
           <a:p>
             <a:pPr algn="ctr"/>
             <a:r>
-              <a:rPr lang="zh-CN" altLang="en-US">
-                <a:solidFill>
-                  <a:schemeClr val="bg1"/>
-                </a:solidFill>
-              </a:rPr>
-              <a:t>下一步</a:t>
-            </a:r>
-            <a:endParaRPr lang="zh-CN" altLang="en-US">
+              <a:rPr lang="zh-CN">
+                <a:solidFill>
+                  <a:schemeClr val="tx1"/>
+                </a:solidFill>
+              </a:rPr>
+              <a:t>云南大学</a:t>
+            </a:r>
+            <a:r>
+              <a:rPr lang="en-US" altLang="zh-CN">
+                <a:solidFill>
+                  <a:schemeClr val="tx1"/>
+                </a:solidFill>
+              </a:rPr>
+              <a:t>xx</a:t>
+            </a:r>
+            <a:r>
+              <a:rPr lang="zh-CN">
+                <a:solidFill>
+                  <a:schemeClr val="tx1"/>
+                </a:solidFill>
+              </a:rPr>
+              <a:t>楼</a:t>
+            </a:r>
+            <a:endParaRPr lang="zh-CN">
               <a:solidFill>
-                <a:schemeClr val="bg1"/>
+                <a:schemeClr val="tx1"/>
               </a:solidFill>
             </a:endParaRPr>
           </a:p>
@@ -16375,55 +16504,28 @@
       </p:sp>
       <p:sp>
         <p:nvSpPr>
-          <p:cNvPr id="24" name="文本框 23"/>
-          <p:cNvSpPr txBox="1"/>
-          <p:nvPr/>
-        </p:nvSpPr>
-        <p:spPr>
-          <a:xfrm>
-            <a:off x="8557895" y="1684655"/>
-            <a:ext cx="2217420" cy="368300"/>
+          <p:cNvPr id="15" name="矩形 14"/>
+          <p:cNvSpPr/>
+          <p:nvPr/>
+        </p:nvSpPr>
+        <p:spPr>
+          <a:xfrm>
+            <a:off x="3987800" y="1775460"/>
+            <a:ext cx="2938780" cy="468630"/>
           </a:xfrm>
           <a:prstGeom prst="rect">
             <a:avLst/>
           </a:prstGeom>
           <a:noFill/>
-        </p:spPr>
-        <p:txBody>
-          <a:bodyPr wrap="square" rtlCol="0">
-            <a:spAutoFit/>
-          </a:bodyPr>
-          <a:p>
-            <a:r>
-              <a:rPr lang="zh-CN" altLang="en-US">
-                <a:solidFill>
-                  <a:srgbClr val="FF0000"/>
-                </a:solidFill>
-              </a:rPr>
-              <a:t>查看并选择出发点</a:t>
-            </a:r>
-            <a:endParaRPr lang="zh-CN" altLang="en-US">
-              <a:solidFill>
-                <a:srgbClr val="FF0000"/>
-              </a:solidFill>
-            </a:endParaRPr>
-          </a:p>
-        </p:txBody>
-      </p:sp>
-      <p:sp>
-        <p:nvSpPr>
-          <p:cNvPr id="2" name="矩形 1"/>
-          <p:cNvSpPr/>
-          <p:nvPr/>
-        </p:nvSpPr>
-        <p:spPr>
-          <a:xfrm>
-            <a:off x="6965950" y="1314450"/>
-            <a:ext cx="535940" cy="252095"/>
-          </a:xfrm>
-          <a:prstGeom prst="rect">
-            <a:avLst/>
-          </a:prstGeom>
+          <a:extLst>
+            <a:ext uri="{909E8E84-426E-40DD-AFC4-6F175D3DCCD1}">
+              <a14:hiddenFill xmlns:a14="http://schemas.microsoft.com/office/drawing/2010/main">
+                <a:solidFill>
+                  <a:schemeClr val="accent1"/>
+                </a:solidFill>
+              </a14:hiddenFill>
+            </a:ext>
+          </a:extLst>
         </p:spPr>
         <p:style>
           <a:lnRef idx="2">
@@ -16446,6 +16548,167 @@
           <a:p>
             <a:pPr algn="ctr"/>
             <a:r>
+              <a:rPr lang="zh-CN" altLang="en-US">
+                <a:solidFill>
+                  <a:schemeClr val="tx1"/>
+                </a:solidFill>
+              </a:rPr>
+              <a:t>昆明学院</a:t>
+            </a:r>
+            <a:r>
+              <a:rPr lang="en-US" altLang="zh-CN">
+                <a:solidFill>
+                  <a:schemeClr val="tx1"/>
+                </a:solidFill>
+              </a:rPr>
+              <a:t>xx</a:t>
+            </a:r>
+            <a:r>
+              <a:rPr lang="zh-CN" altLang="en-US">
+                <a:solidFill>
+                  <a:schemeClr val="tx1"/>
+                </a:solidFill>
+              </a:rPr>
+              <a:t>楼</a:t>
+            </a:r>
+            <a:endParaRPr lang="zh-CN" altLang="en-US">
+              <a:solidFill>
+                <a:schemeClr val="tx1"/>
+              </a:solidFill>
+            </a:endParaRPr>
+          </a:p>
+        </p:txBody>
+      </p:sp>
+      <p:sp>
+        <p:nvSpPr>
+          <p:cNvPr id="10" name="矩形 9"/>
+          <p:cNvSpPr/>
+          <p:nvPr/>
+        </p:nvSpPr>
+        <p:spPr>
+          <a:xfrm>
+            <a:off x="4446905" y="6036945"/>
+            <a:ext cx="2359025" cy="432435"/>
+          </a:xfrm>
+          <a:prstGeom prst="rect">
+            <a:avLst/>
+          </a:prstGeom>
+          <a:solidFill>
+            <a:srgbClr val="00B050"/>
+          </a:solidFill>
+          <a:ln>
+            <a:noFill/>
+          </a:ln>
+        </p:spPr>
+        <p:style>
+          <a:lnRef idx="2">
+            <a:schemeClr val="accent1">
+              <a:shade val="50000"/>
+            </a:schemeClr>
+          </a:lnRef>
+          <a:fillRef idx="1">
+            <a:schemeClr val="accent1"/>
+          </a:fillRef>
+          <a:effectRef idx="0">
+            <a:schemeClr val="accent1"/>
+          </a:effectRef>
+          <a:fontRef idx="minor">
+            <a:schemeClr val="lt1"/>
+          </a:fontRef>
+        </p:style>
+        <p:txBody>
+          <a:bodyPr rtlCol="0" anchor="ctr"/>
+          <a:p>
+            <a:pPr algn="ctr"/>
+            <a:r>
+              <a:rPr lang="zh-CN" altLang="en-US">
+                <a:solidFill>
+                  <a:schemeClr val="bg1"/>
+                </a:solidFill>
+              </a:rPr>
+              <a:t>下一步</a:t>
+            </a:r>
+            <a:endParaRPr lang="zh-CN" altLang="en-US">
+              <a:solidFill>
+                <a:schemeClr val="bg1"/>
+              </a:solidFill>
+            </a:endParaRPr>
+          </a:p>
+        </p:txBody>
+      </p:sp>
+      <p:sp>
+        <p:nvSpPr>
+          <p:cNvPr id="24" name="文本框 23"/>
+          <p:cNvSpPr txBox="1"/>
+          <p:nvPr/>
+        </p:nvSpPr>
+        <p:spPr>
+          <a:xfrm>
+            <a:off x="8557895" y="1684655"/>
+            <a:ext cx="2217420" cy="368300"/>
+          </a:xfrm>
+          <a:prstGeom prst="rect">
+            <a:avLst/>
+          </a:prstGeom>
+          <a:noFill/>
+        </p:spPr>
+        <p:txBody>
+          <a:bodyPr wrap="square" rtlCol="0">
+            <a:spAutoFit/>
+          </a:bodyPr>
+          <a:p>
+            <a:r>
+              <a:rPr lang="zh-CN" altLang="en-US">
+                <a:solidFill>
+                  <a:srgbClr val="FF0000"/>
+                </a:solidFill>
+              </a:rPr>
+              <a:t>查看并选择考点</a:t>
+            </a:r>
+            <a:endParaRPr lang="zh-CN" altLang="en-US">
+              <a:solidFill>
+                <a:srgbClr val="FF0000"/>
+              </a:solidFill>
+            </a:endParaRPr>
+          </a:p>
+        </p:txBody>
+      </p:sp>
+      <p:sp>
+        <p:nvSpPr>
+          <p:cNvPr id="2" name="矩形 1"/>
+          <p:cNvSpPr/>
+          <p:nvPr/>
+        </p:nvSpPr>
+        <p:spPr>
+          <a:xfrm>
+            <a:off x="6965950" y="1314450"/>
+            <a:ext cx="535940" cy="252095"/>
+          </a:xfrm>
+          <a:prstGeom prst="rect">
+            <a:avLst/>
+          </a:prstGeom>
+        </p:spPr>
+        <p:style>
+          <a:lnRef idx="2">
+            <a:schemeClr val="accent1">
+              <a:shade val="50000"/>
+            </a:schemeClr>
+          </a:lnRef>
+          <a:fillRef idx="1">
+            <a:schemeClr val="accent1"/>
+          </a:fillRef>
+          <a:effectRef idx="0">
+            <a:schemeClr val="accent1"/>
+          </a:effectRef>
+          <a:fontRef idx="minor">
+            <a:schemeClr val="lt1"/>
+          </a:fontRef>
+        </p:style>
+        <p:txBody>
+          <a:bodyPr rtlCol="0" anchor="ctr"/>
+          <a:p>
+            <a:pPr algn="ctr"/>
+            <a:r>
               <a:rPr lang="zh-CN" altLang="en-US" sz="1200">
                 <a:solidFill>
                   <a:schemeClr val="bg1"/>
@@ -16470,6 +16733,108 @@
         <p:spPr>
           <a:xfrm>
             <a:off x="6965950" y="1883410"/>
+            <a:ext cx="535940" cy="252095"/>
+          </a:xfrm>
+          <a:prstGeom prst="rect">
+            <a:avLst/>
+          </a:prstGeom>
+        </p:spPr>
+        <p:style>
+          <a:lnRef idx="2">
+            <a:schemeClr val="accent1">
+              <a:shade val="50000"/>
+            </a:schemeClr>
+          </a:lnRef>
+          <a:fillRef idx="1">
+            <a:schemeClr val="accent1"/>
+          </a:fillRef>
+          <a:effectRef idx="0">
+            <a:schemeClr val="accent1"/>
+          </a:effectRef>
+          <a:fontRef idx="minor">
+            <a:schemeClr val="lt1"/>
+          </a:fontRef>
+        </p:style>
+        <p:txBody>
+          <a:bodyPr rtlCol="0" anchor="ctr"/>
+          <a:p>
+            <a:pPr algn="ctr"/>
+            <a:r>
+              <a:rPr lang="zh-CN" altLang="en-US" sz="1200">
+                <a:solidFill>
+                  <a:schemeClr val="bg1"/>
+                </a:solidFill>
+              </a:rPr>
+              <a:t>查看</a:t>
+            </a:r>
+            <a:endParaRPr lang="zh-CN" altLang="en-US" sz="1200">
+              <a:solidFill>
+                <a:schemeClr val="bg1"/>
+              </a:solidFill>
+            </a:endParaRPr>
+          </a:p>
+        </p:txBody>
+      </p:sp>
+      <p:sp>
+        <p:nvSpPr>
+          <p:cNvPr id="8" name="矩形 7"/>
+          <p:cNvSpPr/>
+          <p:nvPr/>
+        </p:nvSpPr>
+        <p:spPr>
+          <a:xfrm>
+            <a:off x="6965950" y="2431415"/>
+            <a:ext cx="535940" cy="252095"/>
+          </a:xfrm>
+          <a:prstGeom prst="rect">
+            <a:avLst/>
+          </a:prstGeom>
+        </p:spPr>
+        <p:style>
+          <a:lnRef idx="2">
+            <a:schemeClr val="accent1">
+              <a:shade val="50000"/>
+            </a:schemeClr>
+          </a:lnRef>
+          <a:fillRef idx="1">
+            <a:schemeClr val="accent1"/>
+          </a:fillRef>
+          <a:effectRef idx="0">
+            <a:schemeClr val="accent1"/>
+          </a:effectRef>
+          <a:fontRef idx="minor">
+            <a:schemeClr val="lt1"/>
+          </a:fontRef>
+        </p:style>
+        <p:txBody>
+          <a:bodyPr rtlCol="0" anchor="ctr"/>
+          <a:p>
+            <a:pPr algn="ctr"/>
+            <a:r>
+              <a:rPr lang="zh-CN" altLang="en-US" sz="1200">
+                <a:solidFill>
+                  <a:schemeClr val="bg1"/>
+                </a:solidFill>
+              </a:rPr>
+              <a:t>查看</a:t>
+            </a:r>
+            <a:endParaRPr lang="zh-CN" altLang="en-US" sz="1200">
+              <a:solidFill>
+                <a:schemeClr val="bg1"/>
+              </a:solidFill>
+            </a:endParaRPr>
+          </a:p>
+        </p:txBody>
+      </p:sp>
+      <p:sp>
+        <p:nvSpPr>
+          <p:cNvPr id="9" name="矩形 8"/>
+          <p:cNvSpPr/>
+          <p:nvPr/>
+        </p:nvSpPr>
+        <p:spPr>
+          <a:xfrm>
+            <a:off x="6965950" y="2978150"/>
             <a:ext cx="535940" cy="252095"/>
           </a:xfrm>
           <a:prstGeom prst="rect">
@@ -16624,7 +16989,7 @@
               <a:rPr lang="en-US" altLang="zh-CN">
                 <a:sym typeface="+mn-ea"/>
               </a:rPr>
-              <a:t>4</a:t>
+              <a:t>3</a:t>
             </a:r>
             <a:endParaRPr lang="en-US" altLang="zh-CN">
               <a:sym typeface="+mn-ea"/>
@@ -16634,18 +16999,27 @@
       </p:sp>
       <p:sp>
         <p:nvSpPr>
-          <p:cNvPr id="11" name="矩形 10"/>
+          <p:cNvPr id="5" name="矩形 4"/>
           <p:cNvSpPr/>
           <p:nvPr/>
         </p:nvSpPr>
         <p:spPr>
           <a:xfrm>
-            <a:off x="4752340" y="538480"/>
-            <a:ext cx="1859280" cy="320040"/>
-          </a:xfrm>
-          <a:prstGeom prst="rect">
-            <a:avLst/>
-          </a:prstGeom>
+            <a:off x="3987800" y="1205865"/>
+            <a:ext cx="2938780" cy="468630"/>
+          </a:xfrm>
+          <a:prstGeom prst="rect">
+            <a:avLst/>
+          </a:prstGeom>
+          <a:extLst>
+            <a:ext uri="{909E8E84-426E-40DD-AFC4-6F175D3DCCD1}">
+              <a14:hiddenFill xmlns:a14="http://schemas.microsoft.com/office/drawing/2010/main">
+                <a:solidFill>
+                  <a:schemeClr val="accent1"/>
+                </a:solidFill>
+              </a14:hiddenFill>
+            </a:ext>
+          </a:extLst>
         </p:spPr>
         <p:style>
           <a:lnRef idx="2">
@@ -16668,14 +17042,22 @@
           <a:p>
             <a:pPr algn="ctr"/>
             <a:r>
-              <a:rPr lang="zh-CN" altLang="en-US" sz="2000">
+              <a:rPr lang="zh-CN" altLang="en-US">
                 <a:solidFill>
                   <a:schemeClr val="bg1"/>
                 </a:solidFill>
               </a:rPr>
-              <a:t>填写个人信息</a:t>
-            </a:r>
-            <a:endParaRPr lang="zh-CN" altLang="en-US" sz="2000">
+              <a:t>曲靖学院</a:t>
+            </a:r>
+            <a:r>
+              <a:rPr lang="zh-CN">
+                <a:solidFill>
+                  <a:schemeClr val="bg1"/>
+                </a:solidFill>
+              </a:rPr>
+              <a:t>大门口</a:t>
+            </a:r>
+            <a:endParaRPr lang="zh-CN">
               <a:solidFill>
                 <a:schemeClr val="bg1"/>
               </a:solidFill>
@@ -16685,28 +17067,18 @@
       </p:sp>
       <p:sp>
         <p:nvSpPr>
-          <p:cNvPr id="15" name="矩形 14"/>
+          <p:cNvPr id="11" name="矩形 10"/>
           <p:cNvSpPr/>
           <p:nvPr/>
         </p:nvSpPr>
         <p:spPr>
           <a:xfrm>
-            <a:off x="4233545" y="2076450"/>
-            <a:ext cx="2938780" cy="468630"/>
-          </a:xfrm>
-          <a:prstGeom prst="rect">
-            <a:avLst/>
-          </a:prstGeom>
-          <a:noFill/>
-          <a:extLst>
-            <a:ext uri="{909E8E84-426E-40DD-AFC4-6F175D3DCCD1}">
-              <a14:hiddenFill xmlns:a14="http://schemas.microsoft.com/office/drawing/2010/main">
-                <a:solidFill>
-                  <a:schemeClr val="accent1"/>
-                </a:solidFill>
-              </a14:hiddenFill>
-            </a:ext>
-          </a:extLst>
+            <a:off x="4966970" y="538480"/>
+            <a:ext cx="1471930" cy="320040"/>
+          </a:xfrm>
+          <a:prstGeom prst="rect">
+            <a:avLst/>
+          </a:prstGeom>
         </p:spPr>
         <p:style>
           <a:lnRef idx="2">
@@ -16729,16 +17101,16 @@
           <a:p>
             <a:pPr algn="ctr"/>
             <a:r>
-              <a:rPr lang="zh-CN">
-                <a:solidFill>
-                  <a:schemeClr val="tx1"/>
-                </a:solidFill>
-              </a:rPr>
-              <a:t>姓名</a:t>
-            </a:r>
-            <a:endParaRPr lang="zh-CN">
+              <a:rPr lang="zh-CN" altLang="en-US" sz="2000">
+                <a:solidFill>
+                  <a:schemeClr val="bg1"/>
+                </a:solidFill>
+              </a:rPr>
+              <a:t>选择出发点</a:t>
+            </a:r>
+            <a:endParaRPr lang="zh-CN" altLang="en-US" sz="2000">
               <a:solidFill>
-                <a:schemeClr val="tx1"/>
+                <a:schemeClr val="bg1"/>
               </a:solidFill>
             </a:endParaRPr>
           </a:p>
@@ -16746,24 +17118,28 @@
       </p:sp>
       <p:sp>
         <p:nvSpPr>
-          <p:cNvPr id="10" name="矩形 9"/>
+          <p:cNvPr id="15" name="矩形 14"/>
           <p:cNvSpPr/>
           <p:nvPr/>
         </p:nvSpPr>
         <p:spPr>
           <a:xfrm>
-            <a:off x="4446905" y="6036945"/>
-            <a:ext cx="2359025" cy="432435"/>
-          </a:xfrm>
-          <a:prstGeom prst="rect">
-            <a:avLst/>
-          </a:prstGeom>
-          <a:solidFill>
-            <a:srgbClr val="00B050"/>
-          </a:solidFill>
-          <a:ln>
-            <a:noFill/>
-          </a:ln>
+            <a:off x="3987800" y="1775460"/>
+            <a:ext cx="2938780" cy="468630"/>
+          </a:xfrm>
+          <a:prstGeom prst="rect">
+            <a:avLst/>
+          </a:prstGeom>
+          <a:noFill/>
+          <a:extLst>
+            <a:ext uri="{909E8E84-426E-40DD-AFC4-6F175D3DCCD1}">
+              <a14:hiddenFill xmlns:a14="http://schemas.microsoft.com/office/drawing/2010/main">
+                <a:solidFill>
+                  <a:schemeClr val="accent1"/>
+                </a:solidFill>
+              </a14:hiddenFill>
+            </a:ext>
+          </a:extLst>
         </p:spPr>
         <p:style>
           <a:lnRef idx="2">
@@ -16786,16 +17162,16 @@
           <a:p>
             <a:pPr algn="ctr"/>
             <a:r>
-              <a:rPr lang="zh-CN" altLang="en-US">
-                <a:solidFill>
-                  <a:schemeClr val="bg1"/>
-                </a:solidFill>
-              </a:rPr>
-              <a:t>下一步</a:t>
-            </a:r>
-            <a:endParaRPr lang="zh-CN" altLang="en-US">
+              <a:rPr lang="zh-CN">
+                <a:solidFill>
+                  <a:schemeClr val="tx1"/>
+                </a:solidFill>
+              </a:rPr>
+              <a:t>曲靖学院宿舍楼</a:t>
+            </a:r>
+            <a:endParaRPr lang="zh-CN">
               <a:solidFill>
-                <a:schemeClr val="bg1"/>
+                <a:schemeClr val="tx1"/>
               </a:solidFill>
             </a:endParaRPr>
           </a:p>
@@ -16803,65 +17179,24 @@
       </p:sp>
       <p:sp>
         <p:nvSpPr>
-          <p:cNvPr id="24" name="文本框 23"/>
-          <p:cNvSpPr txBox="1"/>
-          <p:nvPr/>
-        </p:nvSpPr>
-        <p:spPr>
-          <a:xfrm>
-            <a:off x="8557895" y="1684655"/>
-            <a:ext cx="2217420" cy="368300"/>
-          </a:xfrm>
-          <a:prstGeom prst="rect">
-            <a:avLst/>
-          </a:prstGeom>
-          <a:noFill/>
-        </p:spPr>
-        <p:txBody>
-          <a:bodyPr wrap="square" rtlCol="0">
-            <a:spAutoFit/>
-          </a:bodyPr>
-          <a:p>
-            <a:r>
-              <a:rPr lang="zh-CN" altLang="en-US">
-                <a:solidFill>
-                  <a:srgbClr val="FF0000"/>
-                </a:solidFill>
-              </a:rPr>
-              <a:t>查看并选择出发点</a:t>
-            </a:r>
-            <a:endParaRPr lang="zh-CN" altLang="en-US">
-              <a:solidFill>
-                <a:srgbClr val="FF0000"/>
-              </a:solidFill>
-            </a:endParaRPr>
-          </a:p>
-        </p:txBody>
-      </p:sp>
-      <p:sp>
-        <p:nvSpPr>
-          <p:cNvPr id="6" name="矩形 5"/>
+          <p:cNvPr id="10" name="矩形 9"/>
           <p:cNvSpPr/>
           <p:nvPr/>
         </p:nvSpPr>
         <p:spPr>
           <a:xfrm>
-            <a:off x="4233545" y="2652395"/>
-            <a:ext cx="2938780" cy="468630"/>
-          </a:xfrm>
-          <a:prstGeom prst="rect">
-            <a:avLst/>
-          </a:prstGeom>
-          <a:noFill/>
-          <a:extLst>
-            <a:ext uri="{909E8E84-426E-40DD-AFC4-6F175D3DCCD1}">
-              <a14:hiddenFill xmlns:a14="http://schemas.microsoft.com/office/drawing/2010/main">
-                <a:solidFill>
-                  <a:schemeClr val="accent1"/>
-                </a:solidFill>
-              </a14:hiddenFill>
-            </a:ext>
-          </a:extLst>
+            <a:off x="4446905" y="6036945"/>
+            <a:ext cx="2359025" cy="432435"/>
+          </a:xfrm>
+          <a:prstGeom prst="rect">
+            <a:avLst/>
+          </a:prstGeom>
+          <a:solidFill>
+            <a:srgbClr val="00B050"/>
+          </a:solidFill>
+          <a:ln>
+            <a:noFill/>
+          </a:ln>
         </p:spPr>
         <p:style>
           <a:lnRef idx="2">
@@ -16884,16 +17219,16 @@
           <a:p>
             <a:pPr algn="ctr"/>
             <a:r>
-              <a:rPr lang="zh-CN">
-                <a:solidFill>
-                  <a:schemeClr val="tx1"/>
-                </a:solidFill>
-              </a:rPr>
-              <a:t>手机号</a:t>
-            </a:r>
-            <a:endParaRPr lang="zh-CN">
+              <a:rPr lang="zh-CN" altLang="en-US">
+                <a:solidFill>
+                  <a:schemeClr val="bg1"/>
+                </a:solidFill>
+              </a:rPr>
+              <a:t>下一步</a:t>
+            </a:r>
+            <a:endParaRPr lang="zh-CN" altLang="en-US">
               <a:solidFill>
-                <a:schemeClr val="tx1"/>
+                <a:schemeClr val="bg1"/>
               </a:solidFill>
             </a:endParaRPr>
           </a:p>
@@ -16901,28 +17236,55 @@
       </p:sp>
       <p:sp>
         <p:nvSpPr>
-          <p:cNvPr id="8" name="矩形 7"/>
+          <p:cNvPr id="24" name="文本框 23"/>
+          <p:cNvSpPr txBox="1"/>
+          <p:nvPr/>
+        </p:nvSpPr>
+        <p:spPr>
+          <a:xfrm>
+            <a:off x="8557895" y="1684655"/>
+            <a:ext cx="2217420" cy="368300"/>
+          </a:xfrm>
+          <a:prstGeom prst="rect">
+            <a:avLst/>
+          </a:prstGeom>
+          <a:noFill/>
+        </p:spPr>
+        <p:txBody>
+          <a:bodyPr wrap="square" rtlCol="0">
+            <a:spAutoFit/>
+          </a:bodyPr>
+          <a:p>
+            <a:r>
+              <a:rPr lang="zh-CN" altLang="en-US">
+                <a:solidFill>
+                  <a:srgbClr val="FF0000"/>
+                </a:solidFill>
+              </a:rPr>
+              <a:t>查看并选择出发点</a:t>
+            </a:r>
+            <a:endParaRPr lang="zh-CN" altLang="en-US">
+              <a:solidFill>
+                <a:srgbClr val="FF0000"/>
+              </a:solidFill>
+            </a:endParaRPr>
+          </a:p>
+        </p:txBody>
+      </p:sp>
+      <p:sp>
+        <p:nvSpPr>
+          <p:cNvPr id="2" name="矩形 1"/>
           <p:cNvSpPr/>
           <p:nvPr/>
         </p:nvSpPr>
         <p:spPr>
           <a:xfrm>
-            <a:off x="4233545" y="1504315"/>
-            <a:ext cx="2938780" cy="468630"/>
-          </a:xfrm>
-          <a:prstGeom prst="rect">
-            <a:avLst/>
-          </a:prstGeom>
-          <a:noFill/>
-          <a:extLst>
-            <a:ext uri="{909E8E84-426E-40DD-AFC4-6F175D3DCCD1}">
-              <a14:hiddenFill xmlns:a14="http://schemas.microsoft.com/office/drawing/2010/main">
-                <a:solidFill>
-                  <a:schemeClr val="accent1"/>
-                </a:solidFill>
-              </a14:hiddenFill>
-            </a:ext>
-          </a:extLst>
+            <a:off x="6965950" y="1314450"/>
+            <a:ext cx="535940" cy="252095"/>
+          </a:xfrm>
+          <a:prstGeom prst="rect">
+            <a:avLst/>
+          </a:prstGeom>
         </p:spPr>
         <p:style>
           <a:lnRef idx="2">
@@ -16945,16 +17307,67 @@
           <a:p>
             <a:pPr algn="ctr"/>
             <a:r>
-              <a:rPr lang="zh-CN">
-                <a:solidFill>
-                  <a:schemeClr val="tx1"/>
-                </a:solidFill>
-              </a:rPr>
-              <a:t>身份证号</a:t>
-            </a:r>
-            <a:endParaRPr lang="zh-CN">
+              <a:rPr lang="zh-CN" altLang="en-US" sz="1200">
+                <a:solidFill>
+                  <a:schemeClr val="bg1"/>
+                </a:solidFill>
+              </a:rPr>
+              <a:t>查看</a:t>
+            </a:r>
+            <a:endParaRPr lang="zh-CN" altLang="en-US" sz="1200">
               <a:solidFill>
-                <a:schemeClr val="tx1"/>
+                <a:schemeClr val="bg1"/>
+              </a:solidFill>
+            </a:endParaRPr>
+          </a:p>
+        </p:txBody>
+      </p:sp>
+      <p:sp>
+        <p:nvSpPr>
+          <p:cNvPr id="3" name="矩形 2"/>
+          <p:cNvSpPr/>
+          <p:nvPr/>
+        </p:nvSpPr>
+        <p:spPr>
+          <a:xfrm>
+            <a:off x="6965950" y="1883410"/>
+            <a:ext cx="535940" cy="252095"/>
+          </a:xfrm>
+          <a:prstGeom prst="rect">
+            <a:avLst/>
+          </a:prstGeom>
+        </p:spPr>
+        <p:style>
+          <a:lnRef idx="2">
+            <a:schemeClr val="accent1">
+              <a:shade val="50000"/>
+            </a:schemeClr>
+          </a:lnRef>
+          <a:fillRef idx="1">
+            <a:schemeClr val="accent1"/>
+          </a:fillRef>
+          <a:effectRef idx="0">
+            <a:schemeClr val="accent1"/>
+          </a:effectRef>
+          <a:fontRef idx="minor">
+            <a:schemeClr val="lt1"/>
+          </a:fontRef>
+        </p:style>
+        <p:txBody>
+          <a:bodyPr rtlCol="0" anchor="ctr"/>
+          <a:p>
+            <a:pPr algn="ctr"/>
+            <a:r>
+              <a:rPr lang="zh-CN" altLang="en-US" sz="1200">
+                <a:solidFill>
+                  <a:schemeClr val="bg1"/>
+                </a:solidFill>
+              </a:rPr>
+              <a:t>查看</a:t>
+            </a:r>
+            <a:endParaRPr lang="zh-CN" altLang="en-US" sz="1200">
+              <a:solidFill>
+                <a:schemeClr val="bg1"/>
               </a:solidFill>
             </a:endParaRPr>
           </a:p>
@@ -18029,6 +18442,27 @@
 </p:tagLst>
 </file>
 
+<file path=ppt/tags/tag76.xml><?xml version="1.0" encoding="utf-8"?>
+<p:tagLst xmlns:p="http://schemas.openxmlformats.org/presentationml/2006/main">
+  <p:tag name="KSO_WM_SLIDE_ID" val="custom20205081_1"/>
+  <p:tag name="KSO_WM_TEMPLATE_SUBCATEGORY" val="19"/>
+  <p:tag name="KSO_WM_TEMPLATE_MASTER_TYPE" val="0"/>
+  <p:tag name="KSO_WM_TEMPLATE_COLOR_TYPE" val="1"/>
+  <p:tag name="KSO_WM_SLIDE_TYPE" val="title"/>
+  <p:tag name="KSO_WM_SLIDE_SUBTYPE" val="defaultBlank"/>
+  <p:tag name="KSO_WM_SLIDE_ITEM_CNT" val="0"/>
+  <p:tag name="KSO_WM_SLIDE_INDEX" val="1"/>
+  <p:tag name="KSO_WM_TAG_VERSION" val="1.0"/>
+  <p:tag name="KSO_WM_BEAUTIFY_FLAG" val="#wm#"/>
+  <p:tag name="KSO_WM_TEMPLATE_CATEGORY" val="custom"/>
+  <p:tag name="KSO_WM_TEMPLATE_INDEX" val="20205081"/>
+  <p:tag name="KSO_WM_SLIDE_LAYOUT" val="a_b"/>
+  <p:tag name="KSO_WM_SLIDE_LAYOUT_CNT" val="1_1"/>
+  <p:tag name="KSO_WM_UNIT_SHOW_EDIT_AREA_INDICATION" val="1"/>
+  <p:tag name="KSO_WM_TEMPLATE_THUMBS_INDEX" val="1、4、7、12、13、14、15、16、17、18、20、24、25、28、33、36、40、43、44"/>
+</p:tagLst>
+</file>
+
 <file path=ppt/tags/tag8.xml><?xml version="1.0" encoding="utf-8"?>
 <p:tagLst xmlns:p="http://schemas.openxmlformats.org/presentationml/2006/main">
   <p:tag name="KSO_WM_UNIT_HIGHLIGHT" val="0"/>
